--- a/Supplemental/Stakeholder Visuals.pptx
+++ b/Supplemental/Stakeholder Visuals.pptx
@@ -107,13 +107,18 @@
       </a:defRPr>
     </a:lvl9pPr>
   </p:defaultTextStyle>
+  <p:extLst>
+    <p:ext uri="{EFAFB233-063F-42B5-8137-9DF3F51BA10A}">
+      <p15:sldGuideLst xmlns:p15="http://schemas.microsoft.com/office/powerpoint/2012/main"/>
+    </p:ext>
+  </p:extLst>
 </p:presentation>
 </file>
 
 <file path=ppt/revisionInfo.xml><?xml version="1.0" encoding="utf-8"?>
 <p1510:revInfo xmlns:a="http://schemas.openxmlformats.org/drawingml/2006/main" xmlns:r="http://schemas.openxmlformats.org/officeDocument/2006/relationships" xmlns:p1510="http://schemas.microsoft.com/office/powerpoint/2015/10/main">
   <p1510:revLst>
-    <p1510:client id="{176DFD19-9071-4B24-AA88-5DC23F609659}" v="982" dt="2022-11-08T00:33:47.039"/>
+    <p1510:client id="{176DFD19-9071-4B24-AA88-5DC23F609659}" v="1056" dt="2022-11-08T05:29:39.214"/>
   </p1510:revLst>
 </p1510:revInfo>
 </file>
@@ -123,18 +128,26 @@
   <pc:docChgLst>
     <pc:chgData name="Selvyn Yovany Martinez Barahona" userId="3ccf779dc7355a40" providerId="LiveId" clId="{176DFD19-9071-4B24-AA88-5DC23F609659}"/>
     <pc:docChg chg="undo custSel modSld replTag">
-      <pc:chgData name="Selvyn Yovany Martinez Barahona" userId="3ccf779dc7355a40" providerId="LiveId" clId="{176DFD19-9071-4B24-AA88-5DC23F609659}" dt="2022-11-08T00:33:47.039" v="2635"/>
+      <pc:chgData name="Selvyn Yovany Martinez Barahona" userId="3ccf779dc7355a40" providerId="LiveId" clId="{176DFD19-9071-4B24-AA88-5DC23F609659}" dt="2022-11-08T05:29:39.214" v="2838"/>
       <pc:docMkLst>
         <pc:docMk/>
       </pc:docMkLst>
       <pc:sldChg chg="addSp delSp modSp mod">
-        <pc:chgData name="Selvyn Yovany Martinez Barahona" userId="3ccf779dc7355a40" providerId="LiveId" clId="{176DFD19-9071-4B24-AA88-5DC23F609659}" dt="2022-11-08T00:33:47.039" v="2635"/>
+        <pc:chgData name="Selvyn Yovany Martinez Barahona" userId="3ccf779dc7355a40" providerId="LiveId" clId="{176DFD19-9071-4B24-AA88-5DC23F609659}" dt="2022-11-08T05:29:39.214" v="2838"/>
         <pc:sldMkLst>
           <pc:docMk/>
           <pc:sldMk cId="849266544" sldId="256"/>
         </pc:sldMkLst>
+        <pc:spChg chg="add del mod modVis">
+          <ac:chgData name="Selvyn Yovany Martinez Barahona" userId="3ccf779dc7355a40" providerId="LiveId" clId="{176DFD19-9071-4B24-AA88-5DC23F609659}" dt="2022-11-08T05:29:39.210" v="2836"/>
+          <ac:spMkLst>
+            <pc:docMk/>
+            <pc:sldMk cId="849266544" sldId="256"/>
+            <ac:spMk id="2" creationId="{142B63F9-4705-DEFE-E463-E546F7705356}"/>
+          </ac:spMkLst>
+        </pc:spChg>
         <pc:spChg chg="mod">
-          <ac:chgData name="Selvyn Yovany Martinez Barahona" userId="3ccf779dc7355a40" providerId="LiveId" clId="{176DFD19-9071-4B24-AA88-5DC23F609659}" dt="2022-11-08T00:32:52.518" v="2119"/>
+          <ac:chgData name="Selvyn Yovany Martinez Barahona" userId="3ccf779dc7355a40" providerId="LiveId" clId="{176DFD19-9071-4B24-AA88-5DC23F609659}" dt="2022-11-08T05:29:39.203" v="2801"/>
           <ac:spMkLst>
             <pc:docMk/>
             <pc:sldMk cId="849266544" sldId="256"/>
@@ -142,7 +155,7 @@
           </ac:spMkLst>
         </pc:spChg>
         <pc:spChg chg="mod">
-          <ac:chgData name="Selvyn Yovany Martinez Barahona" userId="3ccf779dc7355a40" providerId="LiveId" clId="{176DFD19-9071-4B24-AA88-5DC23F609659}" dt="2022-11-08T00:32:52.518" v="2120"/>
+          <ac:chgData name="Selvyn Yovany Martinez Barahona" userId="3ccf779dc7355a40" providerId="LiveId" clId="{176DFD19-9071-4B24-AA88-5DC23F609659}" dt="2022-11-08T05:29:39.202" v="2797"/>
           <ac:spMkLst>
             <pc:docMk/>
             <pc:sldMk cId="849266544" sldId="256"/>
@@ -150,7 +163,7 @@
           </ac:spMkLst>
         </pc:spChg>
         <pc:spChg chg="mod">
-          <ac:chgData name="Selvyn Yovany Martinez Barahona" userId="3ccf779dc7355a40" providerId="LiveId" clId="{176DFD19-9071-4B24-AA88-5DC23F609659}" dt="2022-11-08T00:32:52.517" v="2118"/>
+          <ac:chgData name="Selvyn Yovany Martinez Barahona" userId="3ccf779dc7355a40" providerId="LiveId" clId="{176DFD19-9071-4B24-AA88-5DC23F609659}" dt="2022-11-08T05:29:39.202" v="2798"/>
           <ac:spMkLst>
             <pc:docMk/>
             <pc:sldMk cId="849266544" sldId="256"/>
@@ -158,7 +171,7 @@
           </ac:spMkLst>
         </pc:spChg>
         <pc:spChg chg="mod">
-          <ac:chgData name="Selvyn Yovany Martinez Barahona" userId="3ccf779dc7355a40" providerId="LiveId" clId="{176DFD19-9071-4B24-AA88-5DC23F609659}" dt="2022-11-08T00:32:52.518" v="2121"/>
+          <ac:chgData name="Selvyn Yovany Martinez Barahona" userId="3ccf779dc7355a40" providerId="LiveId" clId="{176DFD19-9071-4B24-AA88-5DC23F609659}" dt="2022-11-08T05:29:39.203" v="2802"/>
           <ac:spMkLst>
             <pc:docMk/>
             <pc:sldMk cId="849266544" sldId="256"/>
@@ -166,7 +179,7 @@
           </ac:spMkLst>
         </pc:spChg>
         <pc:spChg chg="mod">
-          <ac:chgData name="Selvyn Yovany Martinez Barahona" userId="3ccf779dc7355a40" providerId="LiveId" clId="{176DFD19-9071-4B24-AA88-5DC23F609659}" dt="2022-11-08T00:32:52.519" v="2122"/>
+          <ac:chgData name="Selvyn Yovany Martinez Barahona" userId="3ccf779dc7355a40" providerId="LiveId" clId="{176DFD19-9071-4B24-AA88-5DC23F609659}" dt="2022-11-08T05:29:39.203" v="2800"/>
           <ac:spMkLst>
             <pc:docMk/>
             <pc:sldMk cId="849266544" sldId="256"/>
@@ -174,7 +187,7 @@
           </ac:spMkLst>
         </pc:spChg>
         <pc:spChg chg="mod">
-          <ac:chgData name="Selvyn Yovany Martinez Barahona" userId="3ccf779dc7355a40" providerId="LiveId" clId="{176DFD19-9071-4B24-AA88-5DC23F609659}" dt="2022-11-08T00:32:52.517" v="2117"/>
+          <ac:chgData name="Selvyn Yovany Martinez Barahona" userId="3ccf779dc7355a40" providerId="LiveId" clId="{176DFD19-9071-4B24-AA88-5DC23F609659}" dt="2022-11-08T05:29:39.203" v="2799"/>
           <ac:spMkLst>
             <pc:docMk/>
             <pc:sldMk cId="849266544" sldId="256"/>
@@ -222,7 +235,7 @@
           </ac:spMkLst>
         </pc:spChg>
         <pc:spChg chg="mod">
-          <ac:chgData name="Selvyn Yovany Martinez Barahona" userId="3ccf779dc7355a40" providerId="LiveId" clId="{176DFD19-9071-4B24-AA88-5DC23F609659}" dt="2022-11-08T00:32:52.515" v="2109"/>
+          <ac:chgData name="Selvyn Yovany Martinez Barahona" userId="3ccf779dc7355a40" providerId="LiveId" clId="{176DFD19-9071-4B24-AA88-5DC23F609659}" dt="2022-11-08T05:29:39.201" v="2789"/>
           <ac:spMkLst>
             <pc:docMk/>
             <pc:sldMk cId="849266544" sldId="256"/>
@@ -230,7 +243,7 @@
           </ac:spMkLst>
         </pc:spChg>
         <pc:spChg chg="mod">
-          <ac:chgData name="Selvyn Yovany Martinez Barahona" userId="3ccf779dc7355a40" providerId="LiveId" clId="{176DFD19-9071-4B24-AA88-5DC23F609659}" dt="2022-11-08T00:32:52.515" v="2110"/>
+          <ac:chgData name="Selvyn Yovany Martinez Barahona" userId="3ccf779dc7355a40" providerId="LiveId" clId="{176DFD19-9071-4B24-AA88-5DC23F609659}" dt="2022-11-08T05:29:39.201" v="2791"/>
           <ac:spMkLst>
             <pc:docMk/>
             <pc:sldMk cId="849266544" sldId="256"/>
@@ -238,7 +251,7 @@
           </ac:spMkLst>
         </pc:spChg>
         <pc:spChg chg="mod ord">
-          <ac:chgData name="Selvyn Yovany Martinez Barahona" userId="3ccf779dc7355a40" providerId="LiveId" clId="{176DFD19-9071-4B24-AA88-5DC23F609659}" dt="2022-11-08T00:33:46.999" v="2486"/>
+          <ac:chgData name="Selvyn Yovany Martinez Barahona" userId="3ccf779dc7355a40" providerId="LiveId" clId="{176DFD19-9071-4B24-AA88-5DC23F609659}" dt="2022-11-08T05:29:39.202" v="2794"/>
           <ac:spMkLst>
             <pc:docMk/>
             <pc:sldMk cId="849266544" sldId="256"/>
@@ -246,7 +259,7 @@
           </ac:spMkLst>
         </pc:spChg>
         <pc:spChg chg="mod">
-          <ac:chgData name="Selvyn Yovany Martinez Barahona" userId="3ccf779dc7355a40" providerId="LiveId" clId="{176DFD19-9071-4B24-AA88-5DC23F609659}" dt="2022-11-08T00:32:52.516" v="2114"/>
+          <ac:chgData name="Selvyn Yovany Martinez Barahona" userId="3ccf779dc7355a40" providerId="LiveId" clId="{176DFD19-9071-4B24-AA88-5DC23F609659}" dt="2022-11-08T05:29:39.201" v="2790"/>
           <ac:spMkLst>
             <pc:docMk/>
             <pc:sldMk cId="849266544" sldId="256"/>
@@ -254,7 +267,7 @@
           </ac:spMkLst>
         </pc:spChg>
         <pc:spChg chg="mod">
-          <ac:chgData name="Selvyn Yovany Martinez Barahona" userId="3ccf779dc7355a40" providerId="LiveId" clId="{176DFD19-9071-4B24-AA88-5DC23F609659}" dt="2022-11-08T00:32:52.516" v="2113"/>
+          <ac:chgData name="Selvyn Yovany Martinez Barahona" userId="3ccf779dc7355a40" providerId="LiveId" clId="{176DFD19-9071-4B24-AA88-5DC23F609659}" dt="2022-11-08T05:29:39.201" v="2792"/>
           <ac:spMkLst>
             <pc:docMk/>
             <pc:sldMk cId="849266544" sldId="256"/>
@@ -262,7 +275,7 @@
           </ac:spMkLst>
         </pc:spChg>
         <pc:spChg chg="mod">
-          <ac:chgData name="Selvyn Yovany Martinez Barahona" userId="3ccf779dc7355a40" providerId="LiveId" clId="{176DFD19-9071-4B24-AA88-5DC23F609659}" dt="2022-11-08T00:32:52.516" v="2115"/>
+          <ac:chgData name="Selvyn Yovany Martinez Barahona" userId="3ccf779dc7355a40" providerId="LiveId" clId="{176DFD19-9071-4B24-AA88-5DC23F609659}" dt="2022-11-08T05:29:39.202" v="2795"/>
           <ac:spMkLst>
             <pc:docMk/>
             <pc:sldMk cId="849266544" sldId="256"/>
@@ -270,7 +283,7 @@
           </ac:spMkLst>
         </pc:spChg>
         <pc:spChg chg="mod">
-          <ac:chgData name="Selvyn Yovany Martinez Barahona" userId="3ccf779dc7355a40" providerId="LiveId" clId="{176DFD19-9071-4B24-AA88-5DC23F609659}" dt="2022-11-08T00:32:52.517" v="2116"/>
+          <ac:chgData name="Selvyn Yovany Martinez Barahona" userId="3ccf779dc7355a40" providerId="LiveId" clId="{176DFD19-9071-4B24-AA88-5DC23F609659}" dt="2022-11-08T05:29:39.202" v="2796"/>
           <ac:spMkLst>
             <pc:docMk/>
             <pc:sldMk cId="849266544" sldId="256"/>
@@ -278,7 +291,7 @@
           </ac:spMkLst>
         </pc:spChg>
         <pc:spChg chg="mod ord">
-          <ac:chgData name="Selvyn Yovany Martinez Barahona" userId="3ccf779dc7355a40" providerId="LiveId" clId="{176DFD19-9071-4B24-AA88-5DC23F609659}" dt="2022-11-08T00:33:46.999" v="2485"/>
+          <ac:chgData name="Selvyn Yovany Martinez Barahona" userId="3ccf779dc7355a40" providerId="LiveId" clId="{176DFD19-9071-4B24-AA88-5DC23F609659}" dt="2022-11-08T05:29:39.204" v="2804"/>
           <ac:spMkLst>
             <pc:docMk/>
             <pc:sldMk cId="849266544" sldId="256"/>
@@ -286,7 +299,7 @@
           </ac:spMkLst>
         </pc:spChg>
         <pc:spChg chg="mod ord">
-          <ac:chgData name="Selvyn Yovany Martinez Barahona" userId="3ccf779dc7355a40" providerId="LiveId" clId="{176DFD19-9071-4B24-AA88-5DC23F609659}" dt="2022-11-08T00:33:46.999" v="2484"/>
+          <ac:chgData name="Selvyn Yovany Martinez Barahona" userId="3ccf779dc7355a40" providerId="LiveId" clId="{176DFD19-9071-4B24-AA88-5DC23F609659}" dt="2022-11-08T05:29:39.204" v="2806"/>
           <ac:spMkLst>
             <pc:docMk/>
             <pc:sldMk cId="849266544" sldId="256"/>
@@ -294,7 +307,7 @@
           </ac:spMkLst>
         </pc:spChg>
         <pc:spChg chg="mod ord">
-          <ac:chgData name="Selvyn Yovany Martinez Barahona" userId="3ccf779dc7355a40" providerId="LiveId" clId="{176DFD19-9071-4B24-AA88-5DC23F609659}" dt="2022-11-08T00:33:47.002" v="2496" actId="948"/>
+          <ac:chgData name="Selvyn Yovany Martinez Barahona" userId="3ccf779dc7355a40" providerId="LiveId" clId="{176DFD19-9071-4B24-AA88-5DC23F609659}" dt="2022-11-08T05:29:39.205" v="2810"/>
           <ac:spMkLst>
             <pc:docMk/>
             <pc:sldMk cId="849266544" sldId="256"/>
@@ -302,7 +315,7 @@
           </ac:spMkLst>
         </pc:spChg>
         <pc:spChg chg="mod ord">
-          <ac:chgData name="Selvyn Yovany Martinez Barahona" userId="3ccf779dc7355a40" providerId="LiveId" clId="{176DFD19-9071-4B24-AA88-5DC23F609659}" dt="2022-11-08T00:33:47.002" v="2495" actId="948"/>
+          <ac:chgData name="Selvyn Yovany Martinez Barahona" userId="3ccf779dc7355a40" providerId="LiveId" clId="{176DFD19-9071-4B24-AA88-5DC23F609659}" dt="2022-11-08T05:29:39.205" v="2812"/>
           <ac:spMkLst>
             <pc:docMk/>
             <pc:sldMk cId="849266544" sldId="256"/>
@@ -310,7 +323,7 @@
           </ac:spMkLst>
         </pc:spChg>
         <pc:spChg chg="mod ord">
-          <ac:chgData name="Selvyn Yovany Martinez Barahona" userId="3ccf779dc7355a40" providerId="LiveId" clId="{176DFD19-9071-4B24-AA88-5DC23F609659}" dt="2022-11-08T00:33:47.001" v="2494" actId="948"/>
+          <ac:chgData name="Selvyn Yovany Martinez Barahona" userId="3ccf779dc7355a40" providerId="LiveId" clId="{176DFD19-9071-4B24-AA88-5DC23F609659}" dt="2022-11-08T05:29:39.205" v="2814"/>
           <ac:spMkLst>
             <pc:docMk/>
             <pc:sldMk cId="849266544" sldId="256"/>
@@ -318,7 +331,7 @@
           </ac:spMkLst>
         </pc:spChg>
         <pc:spChg chg="mod ord">
-          <ac:chgData name="Selvyn Yovany Martinez Barahona" userId="3ccf779dc7355a40" providerId="LiveId" clId="{176DFD19-9071-4B24-AA88-5DC23F609659}" dt="2022-11-08T00:33:47.001" v="2493" actId="948"/>
+          <ac:chgData name="Selvyn Yovany Martinez Barahona" userId="3ccf779dc7355a40" providerId="LiveId" clId="{176DFD19-9071-4B24-AA88-5DC23F609659}" dt="2022-11-08T05:29:39.206" v="2816"/>
           <ac:spMkLst>
             <pc:docMk/>
             <pc:sldMk cId="849266544" sldId="256"/>
@@ -326,7 +339,7 @@
           </ac:spMkLst>
         </pc:spChg>
         <pc:spChg chg="mod ord">
-          <ac:chgData name="Selvyn Yovany Martinez Barahona" userId="3ccf779dc7355a40" providerId="LiveId" clId="{176DFD19-9071-4B24-AA88-5DC23F609659}" dt="2022-11-08T00:33:47.001" v="2492" actId="948"/>
+          <ac:chgData name="Selvyn Yovany Martinez Barahona" userId="3ccf779dc7355a40" providerId="LiveId" clId="{176DFD19-9071-4B24-AA88-5DC23F609659}" dt="2022-11-08T05:29:39.206" v="2818"/>
           <ac:spMkLst>
             <pc:docMk/>
             <pc:sldMk cId="849266544" sldId="256"/>
@@ -334,7 +347,7 @@
           </ac:spMkLst>
         </pc:spChg>
         <pc:spChg chg="mod">
-          <ac:chgData name="Selvyn Yovany Martinez Barahona" userId="3ccf779dc7355a40" providerId="LiveId" clId="{176DFD19-9071-4B24-AA88-5DC23F609659}" dt="2022-11-08T00:32:52.523" v="2142"/>
+          <ac:chgData name="Selvyn Yovany Martinez Barahona" userId="3ccf779dc7355a40" providerId="LiveId" clId="{176DFD19-9071-4B24-AA88-5DC23F609659}" dt="2022-11-08T05:29:39.207" v="2820"/>
           <ac:spMkLst>
             <pc:docMk/>
             <pc:sldMk cId="849266544" sldId="256"/>
@@ -342,7 +355,7 @@
           </ac:spMkLst>
         </pc:spChg>
         <pc:spChg chg="mod ord">
-          <ac:chgData name="Selvyn Yovany Martinez Barahona" userId="3ccf779dc7355a40" providerId="LiveId" clId="{176DFD19-9071-4B24-AA88-5DC23F609659}" dt="2022-11-08T00:33:46.998" v="2477"/>
+          <ac:chgData name="Selvyn Yovany Martinez Barahona" userId="3ccf779dc7355a40" providerId="LiveId" clId="{176DFD19-9071-4B24-AA88-5DC23F609659}" dt="2022-11-08T05:29:39.207" v="2822"/>
           <ac:spMkLst>
             <pc:docMk/>
             <pc:sldMk cId="849266544" sldId="256"/>
@@ -350,7 +363,7 @@
           </ac:spMkLst>
         </pc:spChg>
         <pc:spChg chg="mod">
-          <ac:chgData name="Selvyn Yovany Martinez Barahona" userId="3ccf779dc7355a40" providerId="LiveId" clId="{176DFD19-9071-4B24-AA88-5DC23F609659}" dt="2022-11-08T00:32:52.522" v="2141"/>
+          <ac:chgData name="Selvyn Yovany Martinez Barahona" userId="3ccf779dc7355a40" providerId="LiveId" clId="{176DFD19-9071-4B24-AA88-5DC23F609659}" dt="2022-11-08T05:29:39.206" v="2819"/>
           <ac:spMkLst>
             <pc:docMk/>
             <pc:sldMk cId="849266544" sldId="256"/>
@@ -358,7 +371,7 @@
           </ac:spMkLst>
         </pc:spChg>
         <pc:spChg chg="mod">
-          <ac:chgData name="Selvyn Yovany Martinez Barahona" userId="3ccf779dc7355a40" providerId="LiveId" clId="{176DFD19-9071-4B24-AA88-5DC23F609659}" dt="2022-11-08T00:32:52.522" v="2140"/>
+          <ac:chgData name="Selvyn Yovany Martinez Barahona" userId="3ccf779dc7355a40" providerId="LiveId" clId="{176DFD19-9071-4B24-AA88-5DC23F609659}" dt="2022-11-08T05:29:39.207" v="2823"/>
           <ac:spMkLst>
             <pc:docMk/>
             <pc:sldMk cId="849266544" sldId="256"/>
@@ -366,7 +379,7 @@
           </ac:spMkLst>
         </pc:spChg>
         <pc:spChg chg="mod">
-          <ac:chgData name="Selvyn Yovany Martinez Barahona" userId="3ccf779dc7355a40" providerId="LiveId" clId="{176DFD19-9071-4B24-AA88-5DC23F609659}" dt="2022-11-08T00:32:52.523" v="2145"/>
+          <ac:chgData name="Selvyn Yovany Martinez Barahona" userId="3ccf779dc7355a40" providerId="LiveId" clId="{176DFD19-9071-4B24-AA88-5DC23F609659}" dt="2022-11-08T05:29:39.207" v="2824"/>
           <ac:spMkLst>
             <pc:docMk/>
             <pc:sldMk cId="849266544" sldId="256"/>
@@ -374,7 +387,7 @@
           </ac:spMkLst>
         </pc:spChg>
         <pc:spChg chg="mod">
-          <ac:chgData name="Selvyn Yovany Martinez Barahona" userId="3ccf779dc7355a40" providerId="LiveId" clId="{176DFD19-9071-4B24-AA88-5DC23F609659}" dt="2022-11-08T00:32:52.522" v="2139"/>
+          <ac:chgData name="Selvyn Yovany Martinez Barahona" userId="3ccf779dc7355a40" providerId="LiveId" clId="{176DFD19-9071-4B24-AA88-5DC23F609659}" dt="2022-11-08T05:29:39.208" v="2825"/>
           <ac:spMkLst>
             <pc:docMk/>
             <pc:sldMk cId="849266544" sldId="256"/>
@@ -382,7 +395,7 @@
           </ac:spMkLst>
         </pc:spChg>
         <pc:spChg chg="mod">
-          <ac:chgData name="Selvyn Yovany Martinez Barahona" userId="3ccf779dc7355a40" providerId="LiveId" clId="{176DFD19-9071-4B24-AA88-5DC23F609659}" dt="2022-11-08T00:32:52.524" v="2147"/>
+          <ac:chgData name="Selvyn Yovany Martinez Barahona" userId="3ccf779dc7355a40" providerId="LiveId" clId="{176DFD19-9071-4B24-AA88-5DC23F609659}" dt="2022-11-08T05:29:39.208" v="2826"/>
           <ac:spMkLst>
             <pc:docMk/>
             <pc:sldMk cId="849266544" sldId="256"/>
@@ -390,7 +403,7 @@
           </ac:spMkLst>
         </pc:spChg>
         <pc:spChg chg="mod">
-          <ac:chgData name="Selvyn Yovany Martinez Barahona" userId="3ccf779dc7355a40" providerId="LiveId" clId="{176DFD19-9071-4B24-AA88-5DC23F609659}" dt="2022-11-08T00:32:52.525" v="2150"/>
+          <ac:chgData name="Selvyn Yovany Martinez Barahona" userId="3ccf779dc7355a40" providerId="LiveId" clId="{176DFD19-9071-4B24-AA88-5DC23F609659}" dt="2022-11-08T05:29:39.209" v="2830"/>
           <ac:spMkLst>
             <pc:docMk/>
             <pc:sldMk cId="849266544" sldId="256"/>
@@ -398,7 +411,7 @@
           </ac:spMkLst>
         </pc:spChg>
         <pc:spChg chg="mod">
-          <ac:chgData name="Selvyn Yovany Martinez Barahona" userId="3ccf779dc7355a40" providerId="LiveId" clId="{176DFD19-9071-4B24-AA88-5DC23F609659}" dt="2022-11-08T00:32:52.524" v="2146"/>
+          <ac:chgData name="Selvyn Yovany Martinez Barahona" userId="3ccf779dc7355a40" providerId="LiveId" clId="{176DFD19-9071-4B24-AA88-5DC23F609659}" dt="2022-11-08T05:29:39.208" v="2827"/>
           <ac:spMkLst>
             <pc:docMk/>
             <pc:sldMk cId="849266544" sldId="256"/>
@@ -406,7 +419,7 @@
           </ac:spMkLst>
         </pc:spChg>
         <pc:spChg chg="mod">
-          <ac:chgData name="Selvyn Yovany Martinez Barahona" userId="3ccf779dc7355a40" providerId="LiveId" clId="{176DFD19-9071-4B24-AA88-5DC23F609659}" dt="2022-11-08T00:32:52.525" v="2151"/>
+          <ac:chgData name="Selvyn Yovany Martinez Barahona" userId="3ccf779dc7355a40" providerId="LiveId" clId="{176DFD19-9071-4B24-AA88-5DC23F609659}" dt="2022-11-08T05:29:39.208" v="2829"/>
           <ac:spMkLst>
             <pc:docMk/>
             <pc:sldMk cId="849266544" sldId="256"/>
@@ -414,7 +427,7 @@
           </ac:spMkLst>
         </pc:spChg>
         <pc:spChg chg="mod">
-          <ac:chgData name="Selvyn Yovany Martinez Barahona" userId="3ccf779dc7355a40" providerId="LiveId" clId="{176DFD19-9071-4B24-AA88-5DC23F609659}" dt="2022-11-08T00:32:52.524" v="2148"/>
+          <ac:chgData name="Selvyn Yovany Martinez Barahona" userId="3ccf779dc7355a40" providerId="LiveId" clId="{176DFD19-9071-4B24-AA88-5DC23F609659}" dt="2022-11-08T05:29:39.208" v="2828"/>
           <ac:spMkLst>
             <pc:docMk/>
             <pc:sldMk cId="849266544" sldId="256"/>
@@ -422,7 +435,7 @@
           </ac:spMkLst>
         </pc:spChg>
         <pc:spChg chg="mod">
-          <ac:chgData name="Selvyn Yovany Martinez Barahona" userId="3ccf779dc7355a40" providerId="LiveId" clId="{176DFD19-9071-4B24-AA88-5DC23F609659}" dt="2022-11-08T00:32:52.525" v="2149"/>
+          <ac:chgData name="Selvyn Yovany Martinez Barahona" userId="3ccf779dc7355a40" providerId="LiveId" clId="{176DFD19-9071-4B24-AA88-5DC23F609659}" dt="2022-11-08T05:29:39.209" v="2831"/>
           <ac:spMkLst>
             <pc:docMk/>
             <pc:sldMk cId="849266544" sldId="256"/>
@@ -430,7 +443,7 @@
           </ac:spMkLst>
         </pc:spChg>
         <pc:spChg chg="mod">
-          <ac:chgData name="Selvyn Yovany Martinez Barahona" userId="3ccf779dc7355a40" providerId="LiveId" clId="{176DFD19-9071-4B24-AA88-5DC23F609659}" dt="2022-11-08T00:32:52.525" v="2152"/>
+          <ac:chgData name="Selvyn Yovany Martinez Barahona" userId="3ccf779dc7355a40" providerId="LiveId" clId="{176DFD19-9071-4B24-AA88-5DC23F609659}" dt="2022-11-08T05:29:39.209" v="2832"/>
           <ac:spMkLst>
             <pc:docMk/>
             <pc:sldMk cId="849266544" sldId="256"/>
@@ -470,7 +483,7 @@
           </ac:spMkLst>
         </pc:spChg>
         <pc:spChg chg="add del mod ord replST">
-          <ac:chgData name="Selvyn Yovany Martinez Barahona" userId="3ccf779dc7355a40" providerId="LiveId" clId="{176DFD19-9071-4B24-AA88-5DC23F609659}" dt="2022-11-08T00:33:47.034" v="2633" actId="20577"/>
+          <ac:chgData name="Selvyn Yovany Martinez Barahona" userId="3ccf779dc7355a40" providerId="LiveId" clId="{176DFD19-9071-4B24-AA88-5DC23F609659}" dt="2022-11-08T05:29:39.199" v="2780"/>
           <ac:spMkLst>
             <pc:docMk/>
             <pc:sldMk cId="849266544" sldId="256"/>
@@ -478,7 +491,7 @@
           </ac:spMkLst>
         </pc:spChg>
         <pc:spChg chg="add del mod ord replST">
-          <ac:chgData name="Selvyn Yovany Martinez Barahona" userId="3ccf779dc7355a40" providerId="LiveId" clId="{176DFD19-9071-4B24-AA88-5DC23F609659}" dt="2022-11-08T00:33:47.032" v="2623" actId="20577"/>
+          <ac:chgData name="Selvyn Yovany Martinez Barahona" userId="3ccf779dc7355a40" providerId="LiveId" clId="{176DFD19-9071-4B24-AA88-5DC23F609659}" dt="2022-11-08T05:29:39.200" v="2784"/>
           <ac:spMkLst>
             <pc:docMk/>
             <pc:sldMk cId="849266544" sldId="256"/>
@@ -486,7 +499,7 @@
           </ac:spMkLst>
         </pc:spChg>
         <pc:spChg chg="add del mod ord replST">
-          <ac:chgData name="Selvyn Yovany Martinez Barahona" userId="3ccf779dc7355a40" providerId="LiveId" clId="{176DFD19-9071-4B24-AA88-5DC23F609659}" dt="2022-11-08T00:33:47.029" v="2613" actId="20577"/>
+          <ac:chgData name="Selvyn Yovany Martinez Barahona" userId="3ccf779dc7355a40" providerId="LiveId" clId="{176DFD19-9071-4B24-AA88-5DC23F609659}" dt="2022-11-08T05:29:39.200" v="2786"/>
           <ac:spMkLst>
             <pc:docMk/>
             <pc:sldMk cId="849266544" sldId="256"/>
@@ -494,7 +507,7 @@
           </ac:spMkLst>
         </pc:spChg>
         <pc:spChg chg="add del mod ord replST">
-          <ac:chgData name="Selvyn Yovany Martinez Barahona" userId="3ccf779dc7355a40" providerId="LiveId" clId="{176DFD19-9071-4B24-AA88-5DC23F609659}" dt="2022-11-08T00:33:47.026" v="2603" actId="20577"/>
+          <ac:chgData name="Selvyn Yovany Martinez Barahona" userId="3ccf779dc7355a40" providerId="LiveId" clId="{176DFD19-9071-4B24-AA88-5DC23F609659}" dt="2022-11-08T05:29:39.200" v="2788"/>
           <ac:spMkLst>
             <pc:docMk/>
             <pc:sldMk cId="849266544" sldId="256"/>
@@ -502,7 +515,7 @@
           </ac:spMkLst>
         </pc:spChg>
         <pc:spChg chg="add del mod ord replST">
-          <ac:chgData name="Selvyn Yovany Martinez Barahona" userId="3ccf779dc7355a40" providerId="LiveId" clId="{176DFD19-9071-4B24-AA88-5DC23F609659}" dt="2022-11-08T00:33:47.023" v="2593" actId="20577"/>
+          <ac:chgData name="Selvyn Yovany Martinez Barahona" userId="3ccf779dc7355a40" providerId="LiveId" clId="{176DFD19-9071-4B24-AA88-5DC23F609659}" dt="2022-11-08T05:29:39.199" v="2782"/>
           <ac:spMkLst>
             <pc:docMk/>
             <pc:sldMk cId="849266544" sldId="256"/>
@@ -557,8 +570,16 @@
             <ac:spMk id="474" creationId="{12BDC72C-847B-096B-F025-BF3A4D463DD0}"/>
           </ac:spMkLst>
         </pc:spChg>
+        <pc:graphicFrameChg chg="add mod ord replST">
+          <ac:chgData name="Selvyn Yovany Martinez Barahona" userId="3ccf779dc7355a40" providerId="LiveId" clId="{176DFD19-9071-4B24-AA88-5DC23F609659}" dt="2022-11-08T05:29:39.204" v="2808"/>
+          <ac:graphicFrameMkLst>
+            <pc:docMk/>
+            <pc:sldMk cId="849266544" sldId="256"/>
+            <ac:graphicFrameMk id="3" creationId="{D2E8DBCA-E70C-D175-5372-A226706F5712}"/>
+          </ac:graphicFrameMkLst>
+        </pc:graphicFrameChg>
         <pc:graphicFrameChg chg="mod">
-          <ac:chgData name="Selvyn Yovany Martinez Barahona" userId="3ccf779dc7355a40" providerId="LiveId" clId="{176DFD19-9071-4B24-AA88-5DC23F609659}" dt="2022-11-08T00:33:47.039" v="2635"/>
+          <ac:chgData name="Selvyn Yovany Martinez Barahona" userId="3ccf779dc7355a40" providerId="LiveId" clId="{176DFD19-9071-4B24-AA88-5DC23F609659}" dt="2022-11-08T05:29:39.214" v="2838"/>
           <ac:graphicFrameMkLst>
             <pc:docMk/>
             <pc:sldMk cId="849266544" sldId="256"/>
@@ -630,7 +651,7 @@
           </ac:graphicFrameMkLst>
         </pc:graphicFrameChg>
         <pc:graphicFrameChg chg="add del mod ord replST">
-          <ac:chgData name="Selvyn Yovany Martinez Barahona" userId="3ccf779dc7355a40" providerId="LiveId" clId="{176DFD19-9071-4B24-AA88-5DC23F609659}" dt="2022-11-08T00:33:47.003" v="2500" actId="478"/>
+          <ac:chgData name="Selvyn Yovany Martinez Barahona" userId="3ccf779dc7355a40" providerId="LiveId" clId="{176DFD19-9071-4B24-AA88-5DC23F609659}" dt="2022-11-08T05:29:39.198" v="2778"/>
           <ac:graphicFrameMkLst>
             <pc:docMk/>
             <pc:sldMk cId="849266544" sldId="256"/>
@@ -638,7 +659,7 @@
           </ac:graphicFrameMkLst>
         </pc:graphicFrameChg>
         <pc:graphicFrameChg chg="add del mod ord replST">
-          <ac:chgData name="Selvyn Yovany Martinez Barahona" userId="3ccf779dc7355a40" providerId="LiveId" clId="{176DFD19-9071-4B24-AA88-5DC23F609659}" dt="2022-11-08T00:33:47.001" v="2491" actId="478"/>
+          <ac:chgData name="Selvyn Yovany Martinez Barahona" userId="3ccf779dc7355a40" providerId="LiveId" clId="{176DFD19-9071-4B24-AA88-5DC23F609659}" dt="2022-11-08T05:29:39.181" v="2768"/>
           <ac:graphicFrameMkLst>
             <pc:docMk/>
             <pc:sldMk cId="849266544" sldId="256"/>
@@ -950,7 +971,7 @@
           <c:showSerName val="0"/>
           <c:showPercent val="0"/>
           <c:showBubbleSize val="0"/>
-          <c:showLeaderLines val="0"/>
+          <c:showLeaderLines val="1"/>
         </c:dLbls>
         <c:firstSliceAng val="0"/>
         <c:holeSize val="50"/>
@@ -1011,7 +1032,7 @@
             </c:spPr>
             <c:extLst>
               <c:ext xmlns:c16="http://schemas.microsoft.com/office/drawing/2014/chart" uri="{C3380CC4-5D6E-409C-BE32-E72D297353CC}">
-                <c16:uniqueId val="{00000000-DA12-46CB-8E94-5D526D178E8E}"/>
+                <c16:uniqueId val="{00000000-717F-4ED5-8C37-B6E2B63010D7}"/>
               </c:ext>
             </c:extLst>
           </c:dPt>
@@ -1028,7 +1049,7 @@
             </c:spPr>
             <c:extLst>
               <c:ext xmlns:c16="http://schemas.microsoft.com/office/drawing/2014/chart" uri="{C3380CC4-5D6E-409C-BE32-E72D297353CC}">
-                <c16:uniqueId val="{00000001-DA12-46CB-8E94-5D526D178E8E}"/>
+                <c16:uniqueId val="{00000001-717F-4ED5-8C37-B6E2B63010D7}"/>
               </c:ext>
             </c:extLst>
           </c:dPt>
@@ -1045,7 +1066,7 @@
             </c:spPr>
             <c:extLst>
               <c:ext xmlns:c16="http://schemas.microsoft.com/office/drawing/2014/chart" uri="{C3380CC4-5D6E-409C-BE32-E72D297353CC}">
-                <c16:uniqueId val="{00000002-DA12-46CB-8E94-5D526D178E8E}"/>
+                <c16:uniqueId val="{00000002-717F-4ED5-8C37-B6E2B63010D7}"/>
               </c:ext>
             </c:extLst>
           </c:dPt>
@@ -1062,7 +1083,7 @@
             </c:spPr>
             <c:extLst>
               <c:ext xmlns:c16="http://schemas.microsoft.com/office/drawing/2014/chart" uri="{C3380CC4-5D6E-409C-BE32-E72D297353CC}">
-                <c16:uniqueId val="{00000003-DA12-46CB-8E94-5D526D178E8E}"/>
+                <c16:uniqueId val="{00000003-717F-4ED5-8C37-B6E2B63010D7}"/>
               </c:ext>
             </c:extLst>
           </c:dPt>
@@ -1079,7 +1100,7 @@
             </c:spPr>
             <c:extLst>
               <c:ext xmlns:c16="http://schemas.microsoft.com/office/drawing/2014/chart" uri="{C3380CC4-5D6E-409C-BE32-E72D297353CC}">
-                <c16:uniqueId val="{00000004-DA12-46CB-8E94-5D526D178E8E}"/>
+                <c16:uniqueId val="{00000004-717F-4ED5-8C37-B6E2B63010D7}"/>
               </c:ext>
             </c:extLst>
           </c:dPt>
@@ -1096,7 +1117,7 @@
             </c:spPr>
             <c:extLst>
               <c:ext xmlns:c16="http://schemas.microsoft.com/office/drawing/2014/chart" uri="{C3380CC4-5D6E-409C-BE32-E72D297353CC}">
-                <c16:uniqueId val="{00000005-DA12-46CB-8E94-5D526D178E8E}"/>
+                <c16:uniqueId val="{00000005-717F-4ED5-8C37-B6E2B63010D7}"/>
               </c:ext>
             </c:extLst>
           </c:dPt>
@@ -1148,7 +1169,7 @@
                   </c15:spPr>
                 </c:ext>
                 <c:ext xmlns:c16="http://schemas.microsoft.com/office/drawing/2014/chart" uri="{C3380CC4-5D6E-409C-BE32-E72D297353CC}">
-                  <c16:uniqueId val="{00000000-DA12-46CB-8E94-5D526D178E8E}"/>
+                  <c16:uniqueId val="{00000000-717F-4ED5-8C37-B6E2B63010D7}"/>
                 </c:ext>
               </c:extLst>
             </c:dLbl>
@@ -1198,7 +1219,7 @@
           </c:val>
           <c:extLst>
             <c:ext xmlns:c16="http://schemas.microsoft.com/office/drawing/2014/chart" uri="{C3380CC4-5D6E-409C-BE32-E72D297353CC}">
-              <c16:uniqueId val="{00000006-DA12-46CB-8E94-5D526D178E8E}"/>
+              <c16:uniqueId val="{00000006-717F-4ED5-8C37-B6E2B63010D7}"/>
             </c:ext>
           </c:extLst>
         </c:ser>
@@ -1372,7 +1393,7 @@
           <a:p>
             <a:fld id="{6E4A95F8-A962-462E-B5CA-65B478895019}" type="datetimeFigureOut">
               <a:rPr lang="en-US" smtClean="0"/>
-              <a:t>11/6/2022</a:t>
+              <a:t>11/7/2022</a:t>
             </a:fld>
             <a:endParaRPr lang="en-US"/>
           </a:p>
@@ -1570,7 +1591,7 @@
           <a:p>
             <a:fld id="{6E4A95F8-A962-462E-B5CA-65B478895019}" type="datetimeFigureOut">
               <a:rPr lang="en-US" smtClean="0"/>
-              <a:t>11/6/2022</a:t>
+              <a:t>11/7/2022</a:t>
             </a:fld>
             <a:endParaRPr lang="en-US"/>
           </a:p>
@@ -1778,7 +1799,7 @@
           <a:p>
             <a:fld id="{6E4A95F8-A962-462E-B5CA-65B478895019}" type="datetimeFigureOut">
               <a:rPr lang="en-US" smtClean="0"/>
-              <a:t>11/6/2022</a:t>
+              <a:t>11/7/2022</a:t>
             </a:fld>
             <a:endParaRPr lang="en-US"/>
           </a:p>
@@ -1976,7 +1997,7 @@
           <a:p>
             <a:fld id="{6E4A95F8-A962-462E-B5CA-65B478895019}" type="datetimeFigureOut">
               <a:rPr lang="en-US" smtClean="0"/>
-              <a:t>11/6/2022</a:t>
+              <a:t>11/7/2022</a:t>
             </a:fld>
             <a:endParaRPr lang="en-US"/>
           </a:p>
@@ -2251,7 +2272,7 @@
           <a:p>
             <a:fld id="{6E4A95F8-A962-462E-B5CA-65B478895019}" type="datetimeFigureOut">
               <a:rPr lang="en-US" smtClean="0"/>
-              <a:t>11/6/2022</a:t>
+              <a:t>11/7/2022</a:t>
             </a:fld>
             <a:endParaRPr lang="en-US"/>
           </a:p>
@@ -2516,7 +2537,7 @@
           <a:p>
             <a:fld id="{6E4A95F8-A962-462E-B5CA-65B478895019}" type="datetimeFigureOut">
               <a:rPr lang="en-US" smtClean="0"/>
-              <a:t>11/6/2022</a:t>
+              <a:t>11/7/2022</a:t>
             </a:fld>
             <a:endParaRPr lang="en-US"/>
           </a:p>
@@ -2928,7 +2949,7 @@
           <a:p>
             <a:fld id="{6E4A95F8-A962-462E-B5CA-65B478895019}" type="datetimeFigureOut">
               <a:rPr lang="en-US" smtClean="0"/>
-              <a:t>11/6/2022</a:t>
+              <a:t>11/7/2022</a:t>
             </a:fld>
             <a:endParaRPr lang="en-US"/>
           </a:p>
@@ -3069,7 +3090,7 @@
           <a:p>
             <a:fld id="{6E4A95F8-A962-462E-B5CA-65B478895019}" type="datetimeFigureOut">
               <a:rPr lang="en-US" smtClean="0"/>
-              <a:t>11/6/2022</a:t>
+              <a:t>11/7/2022</a:t>
             </a:fld>
             <a:endParaRPr lang="en-US"/>
           </a:p>
@@ -3182,7 +3203,7 @@
           <a:p>
             <a:fld id="{6E4A95F8-A962-462E-B5CA-65B478895019}" type="datetimeFigureOut">
               <a:rPr lang="en-US" smtClean="0"/>
-              <a:t>11/6/2022</a:t>
+              <a:t>11/7/2022</a:t>
             </a:fld>
             <a:endParaRPr lang="en-US"/>
           </a:p>
@@ -3493,7 +3514,7 @@
           <a:p>
             <a:fld id="{6E4A95F8-A962-462E-B5CA-65B478895019}" type="datetimeFigureOut">
               <a:rPr lang="en-US" smtClean="0"/>
-              <a:t>11/6/2022</a:t>
+              <a:t>11/7/2022</a:t>
             </a:fld>
             <a:endParaRPr lang="en-US"/>
           </a:p>
@@ -3781,7 +3802,7 @@
           <a:p>
             <a:fld id="{6E4A95F8-A962-462E-B5CA-65B478895019}" type="datetimeFigureOut">
               <a:rPr lang="en-US" smtClean="0"/>
-              <a:t>11/6/2022</a:t>
+              <a:t>11/7/2022</a:t>
             </a:fld>
             <a:endParaRPr lang="en-US"/>
           </a:p>
@@ -4094,7 +4115,7 @@
           <a:p>
             <a:fld id="{6E4A95F8-A962-462E-B5CA-65B478895019}" type="datetimeFigureOut">
               <a:rPr lang="en-US" smtClean="0"/>
-              <a:t>11/6/2022</a:t>
+              <a:t>11/7/2022</a:t>
             </a:fld>
             <a:endParaRPr lang="en-US"/>
           </a:p>
@@ -4529,7 +4550,7 @@
             </p:custDataLst>
             <p:extLst>
               <p:ext uri="{D42A27DB-BD31-4B8C-83A1-F6EECF244321}">
-                <p14:modId xmlns:p14="http://schemas.microsoft.com/office/powerpoint/2010/main" val="2125546801"/>
+                <p14:modId xmlns:p14="http://schemas.microsoft.com/office/powerpoint/2010/main" val="2410412473"/>
               </p:ext>
             </p:extLst>
           </p:nvPr>
@@ -4847,6 +4868,244 @@
       </p:sp>
       <p:sp>
         <p:nvSpPr>
+          <p:cNvPr id="461" name="Text Placeholder 2">
+            <a:extLst>
+              <a:ext uri="{FF2B5EF4-FFF2-40B4-BE49-F238E27FC236}">
+                <a16:creationId xmlns:a16="http://schemas.microsoft.com/office/drawing/2014/main" id="{F01B8698-9294-F532-DDB4-2EE198CBAA21}"/>
+              </a:ext>
+            </a:extLst>
+          </p:cNvPr>
+          <p:cNvSpPr>
+            <a:spLocks noGrp="1"/>
+          </p:cNvSpPr>
+          <p:nvPr>
+            <p:custDataLst>
+              <p:tags r:id="rId4"/>
+            </p:custDataLst>
+          </p:nvPr>
+        </p:nvSpPr>
+        <p:spPr bwMode="gray">
+          <a:xfrm>
+            <a:off x="1585913" y="2109788"/>
+            <a:ext cx="403225" cy="192088"/>
+          </a:xfrm>
+          <a:prstGeom prst="rect">
+            <a:avLst/>
+          </a:prstGeom>
+          <a:solidFill>
+            <a:schemeClr val="accent6"/>
+          </a:solidFill>
+          <a:ln>
+            <a:noFill/>
+          </a:ln>
+          <a:effectLst/>
+        </p:spPr>
+        <p:txBody>
+          <a:bodyPr vert="horz" wrap="none" lIns="25400" tIns="0" rIns="25400" bIns="0" numCol="1" spcCol="0" rtlCol="0" anchor="ctr" anchorCtr="0">
+            <a:noAutofit/>
+          </a:bodyPr>
+          <a:lstStyle>
+            <a:lvl1pPr marL="228600" indent="-228600" algn="l" defTabSz="914400" rtl="0" eaLnBrk="1" latinLnBrk="0" hangingPunct="1">
+              <a:lnSpc>
+                <a:spcPct val="90000"/>
+              </a:lnSpc>
+              <a:spcBef>
+                <a:spcPts val="1000"/>
+              </a:spcBef>
+              <a:buFont typeface="Arial" panose="020B0604020202020204" pitchFamily="34" charset="0"/>
+              <a:buChar char="•"/>
+              <a:defRPr sz="2800" kern="1200">
+                <a:solidFill>
+                  <a:schemeClr val="tx1"/>
+                </a:solidFill>
+                <a:latin typeface="+mn-lt"/>
+                <a:ea typeface="+mn-ea"/>
+                <a:cs typeface="+mn-cs"/>
+              </a:defRPr>
+            </a:lvl1pPr>
+            <a:lvl2pPr marL="685800" indent="-228600" algn="l" defTabSz="914400" rtl="0" eaLnBrk="1" latinLnBrk="0" hangingPunct="1">
+              <a:lnSpc>
+                <a:spcPct val="90000"/>
+              </a:lnSpc>
+              <a:spcBef>
+                <a:spcPts val="500"/>
+              </a:spcBef>
+              <a:buFont typeface="Arial" panose="020B0604020202020204" pitchFamily="34" charset="0"/>
+              <a:buChar char="•"/>
+              <a:defRPr sz="2400" kern="1200">
+                <a:solidFill>
+                  <a:schemeClr val="tx1"/>
+                </a:solidFill>
+                <a:latin typeface="+mn-lt"/>
+                <a:ea typeface="+mn-ea"/>
+                <a:cs typeface="+mn-cs"/>
+              </a:defRPr>
+            </a:lvl2pPr>
+            <a:lvl3pPr marL="1143000" indent="-228600" algn="l" defTabSz="914400" rtl="0" eaLnBrk="1" latinLnBrk="0" hangingPunct="1">
+              <a:lnSpc>
+                <a:spcPct val="90000"/>
+              </a:lnSpc>
+              <a:spcBef>
+                <a:spcPts val="500"/>
+              </a:spcBef>
+              <a:buFont typeface="Arial" panose="020B0604020202020204" pitchFamily="34" charset="0"/>
+              <a:buChar char="•"/>
+              <a:defRPr sz="2000" kern="1200">
+                <a:solidFill>
+                  <a:schemeClr val="tx1"/>
+                </a:solidFill>
+                <a:latin typeface="+mn-lt"/>
+                <a:ea typeface="+mn-ea"/>
+                <a:cs typeface="+mn-cs"/>
+              </a:defRPr>
+            </a:lvl3pPr>
+            <a:lvl4pPr marL="1600200" indent="-228600" algn="l" defTabSz="914400" rtl="0" eaLnBrk="1" latinLnBrk="0" hangingPunct="1">
+              <a:lnSpc>
+                <a:spcPct val="90000"/>
+              </a:lnSpc>
+              <a:spcBef>
+                <a:spcPts val="500"/>
+              </a:spcBef>
+              <a:buFont typeface="Arial" panose="020B0604020202020204" pitchFamily="34" charset="0"/>
+              <a:buChar char="•"/>
+              <a:defRPr sz="1800" kern="1200">
+                <a:solidFill>
+                  <a:schemeClr val="tx1"/>
+                </a:solidFill>
+                <a:latin typeface="+mn-lt"/>
+                <a:ea typeface="+mn-ea"/>
+                <a:cs typeface="+mn-cs"/>
+              </a:defRPr>
+            </a:lvl4pPr>
+            <a:lvl5pPr marL="2057400" indent="-228600" algn="l" defTabSz="914400" rtl="0" eaLnBrk="1" latinLnBrk="0" hangingPunct="1">
+              <a:lnSpc>
+                <a:spcPct val="90000"/>
+              </a:lnSpc>
+              <a:spcBef>
+                <a:spcPts val="500"/>
+              </a:spcBef>
+              <a:buFont typeface="Arial" panose="020B0604020202020204" pitchFamily="34" charset="0"/>
+              <a:buChar char="•"/>
+              <a:defRPr sz="1800" kern="1200">
+                <a:solidFill>
+                  <a:schemeClr val="tx1"/>
+                </a:solidFill>
+                <a:latin typeface="+mn-lt"/>
+                <a:ea typeface="+mn-ea"/>
+                <a:cs typeface="+mn-cs"/>
+              </a:defRPr>
+            </a:lvl5pPr>
+            <a:lvl6pPr marL="2514600" indent="-228600" algn="l" defTabSz="914400" rtl="0" eaLnBrk="1" latinLnBrk="0" hangingPunct="1">
+              <a:lnSpc>
+                <a:spcPct val="90000"/>
+              </a:lnSpc>
+              <a:spcBef>
+                <a:spcPts val="500"/>
+              </a:spcBef>
+              <a:buFont typeface="Arial" panose="020B0604020202020204" pitchFamily="34" charset="0"/>
+              <a:buChar char="•"/>
+              <a:defRPr sz="1800" kern="1200">
+                <a:solidFill>
+                  <a:schemeClr val="tx1"/>
+                </a:solidFill>
+                <a:latin typeface="+mn-lt"/>
+                <a:ea typeface="+mn-ea"/>
+                <a:cs typeface="+mn-cs"/>
+              </a:defRPr>
+            </a:lvl6pPr>
+            <a:lvl7pPr marL="2971800" indent="-228600" algn="l" defTabSz="914400" rtl="0" eaLnBrk="1" latinLnBrk="0" hangingPunct="1">
+              <a:lnSpc>
+                <a:spcPct val="90000"/>
+              </a:lnSpc>
+              <a:spcBef>
+                <a:spcPts val="500"/>
+              </a:spcBef>
+              <a:buFont typeface="Arial" panose="020B0604020202020204" pitchFamily="34" charset="0"/>
+              <a:buChar char="•"/>
+              <a:defRPr sz="1800" kern="1200">
+                <a:solidFill>
+                  <a:schemeClr val="tx1"/>
+                </a:solidFill>
+                <a:latin typeface="+mn-lt"/>
+                <a:ea typeface="+mn-ea"/>
+                <a:cs typeface="+mn-cs"/>
+              </a:defRPr>
+            </a:lvl7pPr>
+            <a:lvl8pPr marL="3429000" indent="-228600" algn="l" defTabSz="914400" rtl="0" eaLnBrk="1" latinLnBrk="0" hangingPunct="1">
+              <a:lnSpc>
+                <a:spcPct val="90000"/>
+              </a:lnSpc>
+              <a:spcBef>
+                <a:spcPts val="500"/>
+              </a:spcBef>
+              <a:buFont typeface="Arial" panose="020B0604020202020204" pitchFamily="34" charset="0"/>
+              <a:buChar char="•"/>
+              <a:defRPr sz="1800" kern="1200">
+                <a:solidFill>
+                  <a:schemeClr val="tx1"/>
+                </a:solidFill>
+                <a:latin typeface="+mn-lt"/>
+                <a:ea typeface="+mn-ea"/>
+                <a:cs typeface="+mn-cs"/>
+              </a:defRPr>
+            </a:lvl8pPr>
+            <a:lvl9pPr marL="3886200" indent="-228600" algn="l" defTabSz="914400" rtl="0" eaLnBrk="1" latinLnBrk="0" hangingPunct="1">
+              <a:lnSpc>
+                <a:spcPct val="90000"/>
+              </a:lnSpc>
+              <a:spcBef>
+                <a:spcPts val="500"/>
+              </a:spcBef>
+              <a:buFont typeface="Arial" panose="020B0604020202020204" pitchFamily="34" charset="0"/>
+              <a:buChar char="•"/>
+              <a:defRPr sz="1800" kern="1200">
+                <a:solidFill>
+                  <a:schemeClr val="tx1"/>
+                </a:solidFill>
+                <a:latin typeface="+mn-lt"/>
+                <a:ea typeface="+mn-ea"/>
+                <a:cs typeface="+mn-cs"/>
+              </a:defRPr>
+            </a:lvl9pPr>
+          </a:lstStyle>
+          <a:p>
+            <a:pPr marL="0" indent="0" algn="ctr">
+              <a:spcBef>
+                <a:spcPct val="0"/>
+              </a:spcBef>
+              <a:spcAft>
+                <a:spcPct val="0"/>
+              </a:spcAft>
+              <a:buNone/>
+            </a:pPr>
+            <a:fld id="{DCE7AF03-DA7E-4BE6-81D2-EE2DA761436B}" type="datetime'''''''''''''''''1''.''''''''''''''''''''5''''''''''''''%'''''">
+              <a:rPr lang="en-US" altLang="en-US" sz="1400" smtClean="0">
+                <a:solidFill>
+                  <a:schemeClr val="bg1"/>
+                </a:solidFill>
+                <a:effectLst/>
+              </a:rPr>
+              <a:pPr marL="0" indent="0" algn="ctr">
+                <a:spcBef>
+                  <a:spcPct val="0"/>
+                </a:spcBef>
+                <a:spcAft>
+                  <a:spcPct val="0"/>
+                </a:spcAft>
+                <a:buNone/>
+              </a:pPr>
+              <a:t>1.5%</a:t>
+            </a:fld>
+            <a:endParaRPr lang="en-US" sz="1400" dirty="0">
+              <a:solidFill>
+                <a:schemeClr val="bg1"/>
+              </a:solidFill>
+            </a:endParaRPr>
+          </a:p>
+        </p:txBody>
+      </p:sp>
+      <p:sp>
+        <p:nvSpPr>
           <p:cNvPr id="458" name="Text Placeholder 2">
             <a:extLst>
               <a:ext uri="{FF2B5EF4-FFF2-40B4-BE49-F238E27FC236}">
@@ -4859,7 +5118,7 @@
           </p:cNvSpPr>
           <p:nvPr>
             <p:custDataLst>
-              <p:tags r:id="rId4"/>
+              <p:tags r:id="rId5"/>
             </p:custDataLst>
           </p:nvPr>
         </p:nvSpPr>
@@ -5073,244 +5332,6 @@
               <a:t>1.4%</a:t>
             </a:fld>
             <a:endParaRPr lang="en-US" sz="1400" dirty="0"/>
-          </a:p>
-        </p:txBody>
-      </p:sp>
-      <p:sp>
-        <p:nvSpPr>
-          <p:cNvPr id="460" name="Text Placeholder 2">
-            <a:extLst>
-              <a:ext uri="{FF2B5EF4-FFF2-40B4-BE49-F238E27FC236}">
-                <a16:creationId xmlns:a16="http://schemas.microsoft.com/office/drawing/2014/main" id="{F01B8698-9294-F532-DDB4-2EE198CBAA21}"/>
-              </a:ext>
-            </a:extLst>
-          </p:cNvPr>
-          <p:cNvSpPr>
-            <a:spLocks noGrp="1"/>
-          </p:cNvSpPr>
-          <p:nvPr>
-            <p:custDataLst>
-              <p:tags r:id="rId5"/>
-            </p:custDataLst>
-          </p:nvPr>
-        </p:nvSpPr>
-        <p:spPr bwMode="gray">
-          <a:xfrm>
-            <a:off x="1408113" y="1393825"/>
-            <a:ext cx="403225" cy="192088"/>
-          </a:xfrm>
-          <a:prstGeom prst="rect">
-            <a:avLst/>
-          </a:prstGeom>
-          <a:solidFill>
-            <a:srgbClr val="C30C3E"/>
-          </a:solidFill>
-          <a:ln>
-            <a:noFill/>
-          </a:ln>
-          <a:effectLst/>
-        </p:spPr>
-        <p:txBody>
-          <a:bodyPr vert="horz" wrap="none" lIns="25400" tIns="0" rIns="25400" bIns="0" numCol="1" spcCol="0" rtlCol="0" anchor="ctr" anchorCtr="0">
-            <a:noAutofit/>
-          </a:bodyPr>
-          <a:lstStyle>
-            <a:lvl1pPr marL="228600" indent="-228600" algn="l" defTabSz="914400" rtl="0" eaLnBrk="1" latinLnBrk="0" hangingPunct="1">
-              <a:lnSpc>
-                <a:spcPct val="90000"/>
-              </a:lnSpc>
-              <a:spcBef>
-                <a:spcPts val="1000"/>
-              </a:spcBef>
-              <a:buFont typeface="Arial" panose="020B0604020202020204" pitchFamily="34" charset="0"/>
-              <a:buChar char="•"/>
-              <a:defRPr sz="2800" kern="1200">
-                <a:solidFill>
-                  <a:schemeClr val="tx1"/>
-                </a:solidFill>
-                <a:latin typeface="+mn-lt"/>
-                <a:ea typeface="+mn-ea"/>
-                <a:cs typeface="+mn-cs"/>
-              </a:defRPr>
-            </a:lvl1pPr>
-            <a:lvl2pPr marL="685800" indent="-228600" algn="l" defTabSz="914400" rtl="0" eaLnBrk="1" latinLnBrk="0" hangingPunct="1">
-              <a:lnSpc>
-                <a:spcPct val="90000"/>
-              </a:lnSpc>
-              <a:spcBef>
-                <a:spcPts val="500"/>
-              </a:spcBef>
-              <a:buFont typeface="Arial" panose="020B0604020202020204" pitchFamily="34" charset="0"/>
-              <a:buChar char="•"/>
-              <a:defRPr sz="2400" kern="1200">
-                <a:solidFill>
-                  <a:schemeClr val="tx1"/>
-                </a:solidFill>
-                <a:latin typeface="+mn-lt"/>
-                <a:ea typeface="+mn-ea"/>
-                <a:cs typeface="+mn-cs"/>
-              </a:defRPr>
-            </a:lvl2pPr>
-            <a:lvl3pPr marL="1143000" indent="-228600" algn="l" defTabSz="914400" rtl="0" eaLnBrk="1" latinLnBrk="0" hangingPunct="1">
-              <a:lnSpc>
-                <a:spcPct val="90000"/>
-              </a:lnSpc>
-              <a:spcBef>
-                <a:spcPts val="500"/>
-              </a:spcBef>
-              <a:buFont typeface="Arial" panose="020B0604020202020204" pitchFamily="34" charset="0"/>
-              <a:buChar char="•"/>
-              <a:defRPr sz="2000" kern="1200">
-                <a:solidFill>
-                  <a:schemeClr val="tx1"/>
-                </a:solidFill>
-                <a:latin typeface="+mn-lt"/>
-                <a:ea typeface="+mn-ea"/>
-                <a:cs typeface="+mn-cs"/>
-              </a:defRPr>
-            </a:lvl3pPr>
-            <a:lvl4pPr marL="1600200" indent="-228600" algn="l" defTabSz="914400" rtl="0" eaLnBrk="1" latinLnBrk="0" hangingPunct="1">
-              <a:lnSpc>
-                <a:spcPct val="90000"/>
-              </a:lnSpc>
-              <a:spcBef>
-                <a:spcPts val="500"/>
-              </a:spcBef>
-              <a:buFont typeface="Arial" panose="020B0604020202020204" pitchFamily="34" charset="0"/>
-              <a:buChar char="•"/>
-              <a:defRPr sz="1800" kern="1200">
-                <a:solidFill>
-                  <a:schemeClr val="tx1"/>
-                </a:solidFill>
-                <a:latin typeface="+mn-lt"/>
-                <a:ea typeface="+mn-ea"/>
-                <a:cs typeface="+mn-cs"/>
-              </a:defRPr>
-            </a:lvl4pPr>
-            <a:lvl5pPr marL="2057400" indent="-228600" algn="l" defTabSz="914400" rtl="0" eaLnBrk="1" latinLnBrk="0" hangingPunct="1">
-              <a:lnSpc>
-                <a:spcPct val="90000"/>
-              </a:lnSpc>
-              <a:spcBef>
-                <a:spcPts val="500"/>
-              </a:spcBef>
-              <a:buFont typeface="Arial" panose="020B0604020202020204" pitchFamily="34" charset="0"/>
-              <a:buChar char="•"/>
-              <a:defRPr sz="1800" kern="1200">
-                <a:solidFill>
-                  <a:schemeClr val="tx1"/>
-                </a:solidFill>
-                <a:latin typeface="+mn-lt"/>
-                <a:ea typeface="+mn-ea"/>
-                <a:cs typeface="+mn-cs"/>
-              </a:defRPr>
-            </a:lvl5pPr>
-            <a:lvl6pPr marL="2514600" indent="-228600" algn="l" defTabSz="914400" rtl="0" eaLnBrk="1" latinLnBrk="0" hangingPunct="1">
-              <a:lnSpc>
-                <a:spcPct val="90000"/>
-              </a:lnSpc>
-              <a:spcBef>
-                <a:spcPts val="500"/>
-              </a:spcBef>
-              <a:buFont typeface="Arial" panose="020B0604020202020204" pitchFamily="34" charset="0"/>
-              <a:buChar char="•"/>
-              <a:defRPr sz="1800" kern="1200">
-                <a:solidFill>
-                  <a:schemeClr val="tx1"/>
-                </a:solidFill>
-                <a:latin typeface="+mn-lt"/>
-                <a:ea typeface="+mn-ea"/>
-                <a:cs typeface="+mn-cs"/>
-              </a:defRPr>
-            </a:lvl6pPr>
-            <a:lvl7pPr marL="2971800" indent="-228600" algn="l" defTabSz="914400" rtl="0" eaLnBrk="1" latinLnBrk="0" hangingPunct="1">
-              <a:lnSpc>
-                <a:spcPct val="90000"/>
-              </a:lnSpc>
-              <a:spcBef>
-                <a:spcPts val="500"/>
-              </a:spcBef>
-              <a:buFont typeface="Arial" panose="020B0604020202020204" pitchFamily="34" charset="0"/>
-              <a:buChar char="•"/>
-              <a:defRPr sz="1800" kern="1200">
-                <a:solidFill>
-                  <a:schemeClr val="tx1"/>
-                </a:solidFill>
-                <a:latin typeface="+mn-lt"/>
-                <a:ea typeface="+mn-ea"/>
-                <a:cs typeface="+mn-cs"/>
-              </a:defRPr>
-            </a:lvl7pPr>
-            <a:lvl8pPr marL="3429000" indent="-228600" algn="l" defTabSz="914400" rtl="0" eaLnBrk="1" latinLnBrk="0" hangingPunct="1">
-              <a:lnSpc>
-                <a:spcPct val="90000"/>
-              </a:lnSpc>
-              <a:spcBef>
-                <a:spcPts val="500"/>
-              </a:spcBef>
-              <a:buFont typeface="Arial" panose="020B0604020202020204" pitchFamily="34" charset="0"/>
-              <a:buChar char="•"/>
-              <a:defRPr sz="1800" kern="1200">
-                <a:solidFill>
-                  <a:schemeClr val="tx1"/>
-                </a:solidFill>
-                <a:latin typeface="+mn-lt"/>
-                <a:ea typeface="+mn-ea"/>
-                <a:cs typeface="+mn-cs"/>
-              </a:defRPr>
-            </a:lvl8pPr>
-            <a:lvl9pPr marL="3886200" indent="-228600" algn="l" defTabSz="914400" rtl="0" eaLnBrk="1" latinLnBrk="0" hangingPunct="1">
-              <a:lnSpc>
-                <a:spcPct val="90000"/>
-              </a:lnSpc>
-              <a:spcBef>
-                <a:spcPts val="500"/>
-              </a:spcBef>
-              <a:buFont typeface="Arial" panose="020B0604020202020204" pitchFamily="34" charset="0"/>
-              <a:buChar char="•"/>
-              <a:defRPr sz="1800" kern="1200">
-                <a:solidFill>
-                  <a:schemeClr val="tx1"/>
-                </a:solidFill>
-                <a:latin typeface="+mn-lt"/>
-                <a:ea typeface="+mn-ea"/>
-                <a:cs typeface="+mn-cs"/>
-              </a:defRPr>
-            </a:lvl9pPr>
-          </a:lstStyle>
-          <a:p>
-            <a:pPr marL="0" indent="0" algn="ctr">
-              <a:spcBef>
-                <a:spcPct val="0"/>
-              </a:spcBef>
-              <a:spcAft>
-                <a:spcPct val="0"/>
-              </a:spcAft>
-              <a:buNone/>
-            </a:pPr>
-            <a:fld id="{A1B00B06-CE3E-432E-BD62-CE5A25F69D8D}" type="datetime'1''''''''''''.''''''''''''''''''''5''%'''''''''''''''''">
-              <a:rPr lang="en-US" altLang="en-US" sz="1400" smtClean="0">
-                <a:solidFill>
-                  <a:schemeClr val="bg1"/>
-                </a:solidFill>
-                <a:effectLst/>
-              </a:rPr>
-              <a:pPr marL="0" indent="0" algn="ctr">
-                <a:spcBef>
-                  <a:spcPct val="0"/>
-                </a:spcBef>
-                <a:spcAft>
-                  <a:spcPct val="0"/>
-                </a:spcAft>
-                <a:buNone/>
-              </a:pPr>
-              <a:t>1.5%</a:t>
-            </a:fld>
-            <a:endParaRPr lang="en-US" sz="1400" dirty="0">
-              <a:solidFill>
-                <a:schemeClr val="bg1"/>
-              </a:solidFill>
-            </a:endParaRPr>
           </a:p>
         </p:txBody>
       </p:sp>
@@ -5547,7 +5568,7 @@
       </p:sp>
       <p:sp>
         <p:nvSpPr>
-          <p:cNvPr id="461" name="Text Placeholder 2">
+          <p:cNvPr id="460" name="Text Placeholder 2">
             <a:extLst>
               <a:ext uri="{FF2B5EF4-FFF2-40B4-BE49-F238E27FC236}">
                 <a16:creationId xmlns:a16="http://schemas.microsoft.com/office/drawing/2014/main" id="{F01B8698-9294-F532-DDB4-2EE198CBAA21}"/>
@@ -5565,14 +5586,14 @@
         </p:nvSpPr>
         <p:spPr bwMode="gray">
           <a:xfrm>
-            <a:off x="1585913" y="2109788"/>
+            <a:off x="1408113" y="1393825"/>
             <a:ext cx="403225" cy="192088"/>
           </a:xfrm>
           <a:prstGeom prst="rect">
             <a:avLst/>
           </a:prstGeom>
           <a:solidFill>
-            <a:schemeClr val="accent6"/>
+            <a:srgbClr val="C30C3E"/>
           </a:solidFill>
           <a:ln>
             <a:noFill/>
@@ -5757,7 +5778,7 @@
               </a:spcAft>
               <a:buNone/>
             </a:pPr>
-            <a:fld id="{DCE7AF03-DA7E-4BE6-81D2-EE2DA761436B}" type="datetime'''''''''''''''''1''.''''''''''''''''''''5''''''''''''''%'''''">
+            <a:fld id="{A1B00B06-CE3E-432E-BD62-CE5A25F69D8D}" type="datetime'1''''''''''''.''''''''''''''''''''5''%'''''''''''''''''">
               <a:rPr lang="en-US" altLang="en-US" sz="1400" smtClean="0">
                 <a:solidFill>
                   <a:schemeClr val="bg1"/>
@@ -6013,10 +6034,10 @@
       </p:sp>
       <p:sp>
         <p:nvSpPr>
-          <p:cNvPr id="209" name="Rectangle 208">
+          <p:cNvPr id="211" name="Rectangle 210">
             <a:extLst>
               <a:ext uri="{FF2B5EF4-FFF2-40B4-BE49-F238E27FC236}">
-                <a16:creationId xmlns:a16="http://schemas.microsoft.com/office/drawing/2014/main" id="{A95A17FA-3020-6F91-90B9-BE801BCA5130}"/>
+                <a16:creationId xmlns:a16="http://schemas.microsoft.com/office/drawing/2014/main" id="{ACB5FA66-420A-A81B-9515-200E417A7614}"/>
               </a:ext>
             </a:extLst>
           </p:cNvPr>
@@ -6029,14 +6050,14 @@
         </p:nvSpPr>
         <p:spPr bwMode="auto">
           <a:xfrm>
-            <a:off x="3721100" y="1398588"/>
+            <a:off x="3721100" y="1906588"/>
             <a:ext cx="250825" cy="187325"/>
           </a:xfrm>
           <a:prstGeom prst="rect">
             <a:avLst/>
           </a:prstGeom>
           <a:solidFill>
-            <a:schemeClr val="accent6"/>
+            <a:schemeClr val="accent4"/>
           </a:solidFill>
           <a:ln w="12700" cap="flat" cmpd="sng" algn="ctr">
             <a:noFill/>
@@ -6089,6 +6110,158 @@
       </p:sp>
       <p:sp>
         <p:nvSpPr>
+          <p:cNvPr id="209" name="Rectangle 208">
+            <a:extLst>
+              <a:ext uri="{FF2B5EF4-FFF2-40B4-BE49-F238E27FC236}">
+                <a16:creationId xmlns:a16="http://schemas.microsoft.com/office/drawing/2014/main" id="{A95A17FA-3020-6F91-90B9-BE801BCA5130}"/>
+              </a:ext>
+            </a:extLst>
+          </p:cNvPr>
+          <p:cNvSpPr/>
+          <p:nvPr>
+            <p:custDataLst>
+              <p:tags r:id="rId10"/>
+            </p:custDataLst>
+          </p:nvPr>
+        </p:nvSpPr>
+        <p:spPr bwMode="auto">
+          <a:xfrm>
+            <a:off x="3721100" y="1398588"/>
+            <a:ext cx="250825" cy="187325"/>
+          </a:xfrm>
+          <a:prstGeom prst="rect">
+            <a:avLst/>
+          </a:prstGeom>
+          <a:solidFill>
+            <a:schemeClr val="accent6"/>
+          </a:solidFill>
+          <a:ln w="12700" cap="flat" cmpd="sng" algn="ctr">
+            <a:noFill/>
+            <a:prstDash val="solid"/>
+            <a:miter lim="800000"/>
+            <a:headEnd type="none" w="med" len="med"/>
+            <a:tailEnd type="none" w="med" len="med"/>
+          </a:ln>
+          <a:effectLst/>
+          <a:extLst>
+            <a:ext uri="{91240B29-F687-4F45-9708-019B960494DF}">
+              <a14:hiddenLine xmlns:a14="http://schemas.microsoft.com/office/drawing/2010/main" w="12700" cap="flat" cmpd="sng" algn="ctr">
+                <a:solidFill>
+                  <a:schemeClr val="accent1">
+                    <a:shade val="50000"/>
+                  </a:schemeClr>
+                </a:solidFill>
+                <a:prstDash val="solid"/>
+                <a:miter lim="800000"/>
+                <a:headEnd type="none" w="med" len="med"/>
+                <a:tailEnd type="none" w="med" len="med"/>
+              </a14:hiddenLine>
+            </a:ext>
+          </a:extLst>
+        </p:spPr>
+        <p:style>
+          <a:lnRef idx="2">
+            <a:schemeClr val="accent1">
+              <a:shade val="50000"/>
+            </a:schemeClr>
+          </a:lnRef>
+          <a:fillRef idx="1">
+            <a:schemeClr val="accent1"/>
+          </a:fillRef>
+          <a:effectRef idx="0">
+            <a:schemeClr val="accent1"/>
+          </a:effectRef>
+          <a:fontRef idx="minor">
+            <a:schemeClr val="lt1"/>
+          </a:fontRef>
+        </p:style>
+        <p:txBody>
+          <a:bodyPr rtlCol="0" anchor="ctr"/>
+          <a:lstStyle/>
+          <a:p>
+            <a:pPr algn="ctr"/>
+            <a:endParaRPr lang="en-US"/>
+          </a:p>
+        </p:txBody>
+      </p:sp>
+      <p:sp>
+        <p:nvSpPr>
+          <p:cNvPr id="212" name="Rectangle 211">
+            <a:extLst>
+              <a:ext uri="{FF2B5EF4-FFF2-40B4-BE49-F238E27FC236}">
+                <a16:creationId xmlns:a16="http://schemas.microsoft.com/office/drawing/2014/main" id="{CFE16A47-45D9-1330-227A-6FA04AF148BD}"/>
+              </a:ext>
+            </a:extLst>
+          </p:cNvPr>
+          <p:cNvSpPr/>
+          <p:nvPr>
+            <p:custDataLst>
+              <p:tags r:id="rId11"/>
+            </p:custDataLst>
+          </p:nvPr>
+        </p:nvSpPr>
+        <p:spPr bwMode="auto">
+          <a:xfrm>
+            <a:off x="3721100" y="2160588"/>
+            <a:ext cx="250825" cy="187325"/>
+          </a:xfrm>
+          <a:prstGeom prst="rect">
+            <a:avLst/>
+          </a:prstGeom>
+          <a:solidFill>
+            <a:schemeClr val="accent3"/>
+          </a:solidFill>
+          <a:ln w="12700" cap="flat" cmpd="sng" algn="ctr">
+            <a:noFill/>
+            <a:prstDash val="solid"/>
+            <a:miter lim="800000"/>
+            <a:headEnd type="none" w="med" len="med"/>
+            <a:tailEnd type="none" w="med" len="med"/>
+          </a:ln>
+          <a:effectLst/>
+          <a:extLst>
+            <a:ext uri="{91240B29-F687-4F45-9708-019B960494DF}">
+              <a14:hiddenLine xmlns:a14="http://schemas.microsoft.com/office/drawing/2010/main" w="12700" cap="flat" cmpd="sng" algn="ctr">
+                <a:solidFill>
+                  <a:schemeClr val="accent1">
+                    <a:shade val="50000"/>
+                  </a:schemeClr>
+                </a:solidFill>
+                <a:prstDash val="solid"/>
+                <a:miter lim="800000"/>
+                <a:headEnd type="none" w="med" len="med"/>
+                <a:tailEnd type="none" w="med" len="med"/>
+              </a14:hiddenLine>
+            </a:ext>
+          </a:extLst>
+        </p:spPr>
+        <p:style>
+          <a:lnRef idx="2">
+            <a:schemeClr val="accent1">
+              <a:shade val="50000"/>
+            </a:schemeClr>
+          </a:lnRef>
+          <a:fillRef idx="1">
+            <a:schemeClr val="accent1"/>
+          </a:fillRef>
+          <a:effectRef idx="0">
+            <a:schemeClr val="accent1"/>
+          </a:effectRef>
+          <a:fontRef idx="minor">
+            <a:schemeClr val="lt1"/>
+          </a:fontRef>
+        </p:style>
+        <p:txBody>
+          <a:bodyPr rtlCol="0" anchor="ctr"/>
+          <a:lstStyle/>
+          <a:p>
+            <a:pPr algn="ctr"/>
+            <a:endParaRPr lang="en-US"/>
+          </a:p>
+        </p:txBody>
+      </p:sp>
+      <p:sp>
+        <p:nvSpPr>
           <p:cNvPr id="210" name="Rectangle 209">
             <a:extLst>
               <a:ext uri="{FF2B5EF4-FFF2-40B4-BE49-F238E27FC236}">
@@ -6099,7 +6272,7 @@
           <p:cNvSpPr/>
           <p:nvPr>
             <p:custDataLst>
-              <p:tags r:id="rId10"/>
+              <p:tags r:id="rId12"/>
             </p:custDataLst>
           </p:nvPr>
         </p:nvSpPr>
@@ -6150,158 +6323,6 @@
       </p:sp>
       <p:sp>
         <p:nvSpPr>
-          <p:cNvPr id="212" name="Rectangle 211">
-            <a:extLst>
-              <a:ext uri="{FF2B5EF4-FFF2-40B4-BE49-F238E27FC236}">
-                <a16:creationId xmlns:a16="http://schemas.microsoft.com/office/drawing/2014/main" id="{CFE16A47-45D9-1330-227A-6FA04AF148BD}"/>
-              </a:ext>
-            </a:extLst>
-          </p:cNvPr>
-          <p:cNvSpPr/>
-          <p:nvPr>
-            <p:custDataLst>
-              <p:tags r:id="rId11"/>
-            </p:custDataLst>
-          </p:nvPr>
-        </p:nvSpPr>
-        <p:spPr bwMode="auto">
-          <a:xfrm>
-            <a:off x="3721100" y="2160588"/>
-            <a:ext cx="250825" cy="187325"/>
-          </a:xfrm>
-          <a:prstGeom prst="rect">
-            <a:avLst/>
-          </a:prstGeom>
-          <a:solidFill>
-            <a:schemeClr val="accent3"/>
-          </a:solidFill>
-          <a:ln w="12700" cap="flat" cmpd="sng" algn="ctr">
-            <a:noFill/>
-            <a:prstDash val="solid"/>
-            <a:miter lim="800000"/>
-            <a:headEnd type="none" w="med" len="med"/>
-            <a:tailEnd type="none" w="med" len="med"/>
-          </a:ln>
-          <a:effectLst/>
-          <a:extLst>
-            <a:ext uri="{91240B29-F687-4F45-9708-019B960494DF}">
-              <a14:hiddenLine xmlns:a14="http://schemas.microsoft.com/office/drawing/2010/main" w="12700" cap="flat" cmpd="sng" algn="ctr">
-                <a:solidFill>
-                  <a:schemeClr val="accent1">
-                    <a:shade val="50000"/>
-                  </a:schemeClr>
-                </a:solidFill>
-                <a:prstDash val="solid"/>
-                <a:miter lim="800000"/>
-                <a:headEnd type="none" w="med" len="med"/>
-                <a:tailEnd type="none" w="med" len="med"/>
-              </a14:hiddenLine>
-            </a:ext>
-          </a:extLst>
-        </p:spPr>
-        <p:style>
-          <a:lnRef idx="2">
-            <a:schemeClr val="accent1">
-              <a:shade val="50000"/>
-            </a:schemeClr>
-          </a:lnRef>
-          <a:fillRef idx="1">
-            <a:schemeClr val="accent1"/>
-          </a:fillRef>
-          <a:effectRef idx="0">
-            <a:schemeClr val="accent1"/>
-          </a:effectRef>
-          <a:fontRef idx="minor">
-            <a:schemeClr val="lt1"/>
-          </a:fontRef>
-        </p:style>
-        <p:txBody>
-          <a:bodyPr rtlCol="0" anchor="ctr"/>
-          <a:lstStyle/>
-          <a:p>
-            <a:pPr algn="ctr"/>
-            <a:endParaRPr lang="en-US"/>
-          </a:p>
-        </p:txBody>
-      </p:sp>
-      <p:sp>
-        <p:nvSpPr>
-          <p:cNvPr id="211" name="Rectangle 210">
-            <a:extLst>
-              <a:ext uri="{FF2B5EF4-FFF2-40B4-BE49-F238E27FC236}">
-                <a16:creationId xmlns:a16="http://schemas.microsoft.com/office/drawing/2014/main" id="{ACB5FA66-420A-A81B-9515-200E417A7614}"/>
-              </a:ext>
-            </a:extLst>
-          </p:cNvPr>
-          <p:cNvSpPr/>
-          <p:nvPr>
-            <p:custDataLst>
-              <p:tags r:id="rId12"/>
-            </p:custDataLst>
-          </p:nvPr>
-        </p:nvSpPr>
-        <p:spPr bwMode="auto">
-          <a:xfrm>
-            <a:off x="3721100" y="1906588"/>
-            <a:ext cx="250825" cy="187325"/>
-          </a:xfrm>
-          <a:prstGeom prst="rect">
-            <a:avLst/>
-          </a:prstGeom>
-          <a:solidFill>
-            <a:schemeClr val="accent4"/>
-          </a:solidFill>
-          <a:ln w="12700" cap="flat" cmpd="sng" algn="ctr">
-            <a:noFill/>
-            <a:prstDash val="solid"/>
-            <a:miter lim="800000"/>
-            <a:headEnd type="none" w="med" len="med"/>
-            <a:tailEnd type="none" w="med" len="med"/>
-          </a:ln>
-          <a:effectLst/>
-          <a:extLst>
-            <a:ext uri="{91240B29-F687-4F45-9708-019B960494DF}">
-              <a14:hiddenLine xmlns:a14="http://schemas.microsoft.com/office/drawing/2010/main" w="12700" cap="flat" cmpd="sng" algn="ctr">
-                <a:solidFill>
-                  <a:schemeClr val="accent1">
-                    <a:shade val="50000"/>
-                  </a:schemeClr>
-                </a:solidFill>
-                <a:prstDash val="solid"/>
-                <a:miter lim="800000"/>
-                <a:headEnd type="none" w="med" len="med"/>
-                <a:tailEnd type="none" w="med" len="med"/>
-              </a14:hiddenLine>
-            </a:ext>
-          </a:extLst>
-        </p:spPr>
-        <p:style>
-          <a:lnRef idx="2">
-            <a:schemeClr val="accent1">
-              <a:shade val="50000"/>
-            </a:schemeClr>
-          </a:lnRef>
-          <a:fillRef idx="1">
-            <a:schemeClr val="accent1"/>
-          </a:fillRef>
-          <a:effectRef idx="0">
-            <a:schemeClr val="accent1"/>
-          </a:effectRef>
-          <a:fontRef idx="minor">
-            <a:schemeClr val="lt1"/>
-          </a:fontRef>
-        </p:style>
-        <p:txBody>
-          <a:bodyPr rtlCol="0" anchor="ctr"/>
-          <a:lstStyle/>
-          <a:p>
-            <a:pPr algn="ctr"/>
-            <a:endParaRPr lang="en-US"/>
-          </a:p>
-        </p:txBody>
-      </p:sp>
-      <p:sp>
-        <p:nvSpPr>
           <p:cNvPr id="213" name="Rectangle 212">
             <a:extLst>
               <a:ext uri="{FF2B5EF4-FFF2-40B4-BE49-F238E27FC236}">
@@ -6454,10 +6475,10 @@
       </p:sp>
       <p:sp>
         <p:nvSpPr>
-          <p:cNvPr id="191" name="Text Placeholder 2">
+          <p:cNvPr id="169" name="Text Placeholder 2">
             <a:extLst>
               <a:ext uri="{FF2B5EF4-FFF2-40B4-BE49-F238E27FC236}">
-                <a16:creationId xmlns:a16="http://schemas.microsoft.com/office/drawing/2014/main" id="{35BF6085-E56A-8D0E-9B3C-4692F351187A}"/>
+                <a16:creationId xmlns:a16="http://schemas.microsoft.com/office/drawing/2014/main" id="{F01B8698-9294-F532-DDB4-2EE198CBAA21}"/>
               </a:ext>
             </a:extLst>
           </p:cNvPr>
@@ -6472,8 +6493,8 @@
         </p:nvSpPr>
         <p:spPr bwMode="auto">
           <a:xfrm>
-            <a:off x="4022725" y="2679700"/>
-            <a:ext cx="2392363" cy="192088"/>
+            <a:off x="4022725" y="1917700"/>
+            <a:ext cx="1270000" cy="192088"/>
           </a:xfrm>
           <a:prstGeom prst="rect">
             <a:avLst/>
@@ -6671,10 +6692,10 @@
               </a:spcAft>
               <a:buNone/>
             </a:pPr>
-            <a:fld id="{BF842435-0263-4D0F-B81A-B2CC55BFBE9E}" type="datetime'''''All'' ''''Ot''her Brand''s = ''''$''1'',20''''2'',629.10'">
+            <a:fld id="{D9CD9367-4C90-4362-9C02-23DADA762573}" type="datetime'Fo''''l''g''e''''r''''s'''' ='' ''$1''''''''''''8'',9''00'">
               <a:rPr lang="en-US" altLang="en-US" sz="1400" smtClean="0"/>
               <a:pPr/>
-              <a:t>All Other Brands = $1,202,629.10</a:t>
+              <a:t>Folgers = $18,900</a:t>
             </a:fld>
             <a:endParaRPr lang="en-US" sz="1400" dirty="0"/>
           </a:p>
@@ -6910,6 +6931,462 @@
       </p:sp>
       <p:sp>
         <p:nvSpPr>
+          <p:cNvPr id="191" name="Text Placeholder 2">
+            <a:extLst>
+              <a:ext uri="{FF2B5EF4-FFF2-40B4-BE49-F238E27FC236}">
+                <a16:creationId xmlns:a16="http://schemas.microsoft.com/office/drawing/2014/main" id="{35BF6085-E56A-8D0E-9B3C-4692F351187A}"/>
+              </a:ext>
+            </a:extLst>
+          </p:cNvPr>
+          <p:cNvSpPr>
+            <a:spLocks noGrp="1"/>
+          </p:cNvSpPr>
+          <p:nvPr>
+            <p:custDataLst>
+              <p:tags r:id="rId17"/>
+            </p:custDataLst>
+          </p:nvPr>
+        </p:nvSpPr>
+        <p:spPr bwMode="auto">
+          <a:xfrm>
+            <a:off x="4022725" y="2679700"/>
+            <a:ext cx="2392363" cy="192088"/>
+          </a:xfrm>
+          <a:prstGeom prst="rect">
+            <a:avLst/>
+          </a:prstGeom>
+          <a:noFill/>
+          <a:ln>
+            <a:noFill/>
+          </a:ln>
+          <a:effectLst/>
+          <a:extLst>
+            <a:ext uri="{909E8E84-426E-40DD-AFC4-6F175D3DCCD1}">
+              <a14:hiddenFill xmlns:a14="http://schemas.microsoft.com/office/drawing/2010/main">
+                <a:solidFill>
+                  <a:schemeClr val="accent1"/>
+                </a:solidFill>
+              </a14:hiddenFill>
+            </a:ext>
+          </a:extLst>
+        </p:spPr>
+        <p:txBody>
+          <a:bodyPr vert="horz" wrap="none" lIns="0" tIns="0" rIns="0" bIns="0" numCol="1" spcCol="0" rtlCol="0" anchor="ctr" anchorCtr="0">
+            <a:noAutofit/>
+          </a:bodyPr>
+          <a:lstStyle>
+            <a:lvl1pPr marL="228600" indent="-228600" algn="l" defTabSz="914400" rtl="0" eaLnBrk="1" latinLnBrk="0" hangingPunct="1">
+              <a:lnSpc>
+                <a:spcPct val="90000"/>
+              </a:lnSpc>
+              <a:spcBef>
+                <a:spcPts val="1000"/>
+              </a:spcBef>
+              <a:buFont typeface="Arial" panose="020B0604020202020204" pitchFamily="34" charset="0"/>
+              <a:buChar char="•"/>
+              <a:defRPr sz="2800" kern="1200">
+                <a:solidFill>
+                  <a:schemeClr val="tx1"/>
+                </a:solidFill>
+                <a:latin typeface="+mn-lt"/>
+                <a:ea typeface="+mn-ea"/>
+                <a:cs typeface="+mn-cs"/>
+              </a:defRPr>
+            </a:lvl1pPr>
+            <a:lvl2pPr marL="685800" indent="-228600" algn="l" defTabSz="914400" rtl="0" eaLnBrk="1" latinLnBrk="0" hangingPunct="1">
+              <a:lnSpc>
+                <a:spcPct val="90000"/>
+              </a:lnSpc>
+              <a:spcBef>
+                <a:spcPts val="500"/>
+              </a:spcBef>
+              <a:buFont typeface="Arial" panose="020B0604020202020204" pitchFamily="34" charset="0"/>
+              <a:buChar char="•"/>
+              <a:defRPr sz="2400" kern="1200">
+                <a:solidFill>
+                  <a:schemeClr val="tx1"/>
+                </a:solidFill>
+                <a:latin typeface="+mn-lt"/>
+                <a:ea typeface="+mn-ea"/>
+                <a:cs typeface="+mn-cs"/>
+              </a:defRPr>
+            </a:lvl2pPr>
+            <a:lvl3pPr marL="1143000" indent="-228600" algn="l" defTabSz="914400" rtl="0" eaLnBrk="1" latinLnBrk="0" hangingPunct="1">
+              <a:lnSpc>
+                <a:spcPct val="90000"/>
+              </a:lnSpc>
+              <a:spcBef>
+                <a:spcPts val="500"/>
+              </a:spcBef>
+              <a:buFont typeface="Arial" panose="020B0604020202020204" pitchFamily="34" charset="0"/>
+              <a:buChar char="•"/>
+              <a:defRPr sz="2000" kern="1200">
+                <a:solidFill>
+                  <a:schemeClr val="tx1"/>
+                </a:solidFill>
+                <a:latin typeface="+mn-lt"/>
+                <a:ea typeface="+mn-ea"/>
+                <a:cs typeface="+mn-cs"/>
+              </a:defRPr>
+            </a:lvl3pPr>
+            <a:lvl4pPr marL="1600200" indent="-228600" algn="l" defTabSz="914400" rtl="0" eaLnBrk="1" latinLnBrk="0" hangingPunct="1">
+              <a:lnSpc>
+                <a:spcPct val="90000"/>
+              </a:lnSpc>
+              <a:spcBef>
+                <a:spcPts val="500"/>
+              </a:spcBef>
+              <a:buFont typeface="Arial" panose="020B0604020202020204" pitchFamily="34" charset="0"/>
+              <a:buChar char="•"/>
+              <a:defRPr sz="1800" kern="1200">
+                <a:solidFill>
+                  <a:schemeClr val="tx1"/>
+                </a:solidFill>
+                <a:latin typeface="+mn-lt"/>
+                <a:ea typeface="+mn-ea"/>
+                <a:cs typeface="+mn-cs"/>
+              </a:defRPr>
+            </a:lvl4pPr>
+            <a:lvl5pPr marL="2057400" indent="-228600" algn="l" defTabSz="914400" rtl="0" eaLnBrk="1" latinLnBrk="0" hangingPunct="1">
+              <a:lnSpc>
+                <a:spcPct val="90000"/>
+              </a:lnSpc>
+              <a:spcBef>
+                <a:spcPts val="500"/>
+              </a:spcBef>
+              <a:buFont typeface="Arial" panose="020B0604020202020204" pitchFamily="34" charset="0"/>
+              <a:buChar char="•"/>
+              <a:defRPr sz="1800" kern="1200">
+                <a:solidFill>
+                  <a:schemeClr val="tx1"/>
+                </a:solidFill>
+                <a:latin typeface="+mn-lt"/>
+                <a:ea typeface="+mn-ea"/>
+                <a:cs typeface="+mn-cs"/>
+              </a:defRPr>
+            </a:lvl5pPr>
+            <a:lvl6pPr marL="2514600" indent="-228600" algn="l" defTabSz="914400" rtl="0" eaLnBrk="1" latinLnBrk="0" hangingPunct="1">
+              <a:lnSpc>
+                <a:spcPct val="90000"/>
+              </a:lnSpc>
+              <a:spcBef>
+                <a:spcPts val="500"/>
+              </a:spcBef>
+              <a:buFont typeface="Arial" panose="020B0604020202020204" pitchFamily="34" charset="0"/>
+              <a:buChar char="•"/>
+              <a:defRPr sz="1800" kern="1200">
+                <a:solidFill>
+                  <a:schemeClr val="tx1"/>
+                </a:solidFill>
+                <a:latin typeface="+mn-lt"/>
+                <a:ea typeface="+mn-ea"/>
+                <a:cs typeface="+mn-cs"/>
+              </a:defRPr>
+            </a:lvl6pPr>
+            <a:lvl7pPr marL="2971800" indent="-228600" algn="l" defTabSz="914400" rtl="0" eaLnBrk="1" latinLnBrk="0" hangingPunct="1">
+              <a:lnSpc>
+                <a:spcPct val="90000"/>
+              </a:lnSpc>
+              <a:spcBef>
+                <a:spcPts val="500"/>
+              </a:spcBef>
+              <a:buFont typeface="Arial" panose="020B0604020202020204" pitchFamily="34" charset="0"/>
+              <a:buChar char="•"/>
+              <a:defRPr sz="1800" kern="1200">
+                <a:solidFill>
+                  <a:schemeClr val="tx1"/>
+                </a:solidFill>
+                <a:latin typeface="+mn-lt"/>
+                <a:ea typeface="+mn-ea"/>
+                <a:cs typeface="+mn-cs"/>
+              </a:defRPr>
+            </a:lvl7pPr>
+            <a:lvl8pPr marL="3429000" indent="-228600" algn="l" defTabSz="914400" rtl="0" eaLnBrk="1" latinLnBrk="0" hangingPunct="1">
+              <a:lnSpc>
+                <a:spcPct val="90000"/>
+              </a:lnSpc>
+              <a:spcBef>
+                <a:spcPts val="500"/>
+              </a:spcBef>
+              <a:buFont typeface="Arial" panose="020B0604020202020204" pitchFamily="34" charset="0"/>
+              <a:buChar char="•"/>
+              <a:defRPr sz="1800" kern="1200">
+                <a:solidFill>
+                  <a:schemeClr val="tx1"/>
+                </a:solidFill>
+                <a:latin typeface="+mn-lt"/>
+                <a:ea typeface="+mn-ea"/>
+                <a:cs typeface="+mn-cs"/>
+              </a:defRPr>
+            </a:lvl8pPr>
+            <a:lvl9pPr marL="3886200" indent="-228600" algn="l" defTabSz="914400" rtl="0" eaLnBrk="1" latinLnBrk="0" hangingPunct="1">
+              <a:lnSpc>
+                <a:spcPct val="90000"/>
+              </a:lnSpc>
+              <a:spcBef>
+                <a:spcPts val="500"/>
+              </a:spcBef>
+              <a:buFont typeface="Arial" panose="020B0604020202020204" pitchFamily="34" charset="0"/>
+              <a:buChar char="•"/>
+              <a:defRPr sz="1800" kern="1200">
+                <a:solidFill>
+                  <a:schemeClr val="tx1"/>
+                </a:solidFill>
+                <a:latin typeface="+mn-lt"/>
+                <a:ea typeface="+mn-ea"/>
+                <a:cs typeface="+mn-cs"/>
+              </a:defRPr>
+            </a:lvl9pPr>
+          </a:lstStyle>
+          <a:p>
+            <a:pPr marL="0" indent="0">
+              <a:spcBef>
+                <a:spcPct val="0"/>
+              </a:spcBef>
+              <a:spcAft>
+                <a:spcPct val="0"/>
+              </a:spcAft>
+              <a:buNone/>
+            </a:pPr>
+            <a:fld id="{BF842435-0263-4D0F-B81A-B2CC55BFBE9E}" type="datetime'''''All'' ''''Ot''her Brand''s = ''''$''1'',20''''2'',629.10'">
+              <a:rPr lang="en-US" altLang="en-US" sz="1400" smtClean="0"/>
+              <a:pPr/>
+              <a:t>All Other Brands = $1,202,629.10</a:t>
+            </a:fld>
+            <a:endParaRPr lang="en-US" sz="1400" dirty="0"/>
+          </a:p>
+        </p:txBody>
+      </p:sp>
+      <p:sp>
+        <p:nvSpPr>
+          <p:cNvPr id="190" name="Text Placeholder 2">
+            <a:extLst>
+              <a:ext uri="{FF2B5EF4-FFF2-40B4-BE49-F238E27FC236}">
+                <a16:creationId xmlns:a16="http://schemas.microsoft.com/office/drawing/2014/main" id="{27C272A0-CD42-325D-2C62-C2A645DB0C17}"/>
+              </a:ext>
+            </a:extLst>
+          </p:cNvPr>
+          <p:cNvSpPr>
+            <a:spLocks noGrp="1"/>
+          </p:cNvSpPr>
+          <p:nvPr>
+            <p:custDataLst>
+              <p:tags r:id="rId18"/>
+            </p:custDataLst>
+          </p:nvPr>
+        </p:nvSpPr>
+        <p:spPr bwMode="auto">
+          <a:xfrm>
+            <a:off x="4022725" y="2425700"/>
+            <a:ext cx="1552575" cy="192088"/>
+          </a:xfrm>
+          <a:prstGeom prst="rect">
+            <a:avLst/>
+          </a:prstGeom>
+          <a:noFill/>
+          <a:ln>
+            <a:noFill/>
+          </a:ln>
+          <a:effectLst/>
+          <a:extLst>
+            <a:ext uri="{909E8E84-426E-40DD-AFC4-6F175D3DCCD1}">
+              <a14:hiddenFill xmlns:a14="http://schemas.microsoft.com/office/drawing/2010/main">
+                <a:solidFill>
+                  <a:schemeClr val="accent1"/>
+                </a:solidFill>
+              </a14:hiddenFill>
+            </a:ext>
+          </a:extLst>
+        </p:spPr>
+        <p:txBody>
+          <a:bodyPr vert="horz" wrap="none" lIns="0" tIns="0" rIns="0" bIns="0" numCol="1" spcCol="0" rtlCol="0" anchor="ctr" anchorCtr="0">
+            <a:noAutofit/>
+          </a:bodyPr>
+          <a:lstStyle>
+            <a:lvl1pPr marL="228600" indent="-228600" algn="l" defTabSz="914400" rtl="0" eaLnBrk="1" latinLnBrk="0" hangingPunct="1">
+              <a:lnSpc>
+                <a:spcPct val="90000"/>
+              </a:lnSpc>
+              <a:spcBef>
+                <a:spcPts val="1000"/>
+              </a:spcBef>
+              <a:buFont typeface="Arial" panose="020B0604020202020204" pitchFamily="34" charset="0"/>
+              <a:buChar char="•"/>
+              <a:defRPr sz="2800" kern="1200">
+                <a:solidFill>
+                  <a:schemeClr val="tx1"/>
+                </a:solidFill>
+                <a:latin typeface="+mn-lt"/>
+                <a:ea typeface="+mn-ea"/>
+                <a:cs typeface="+mn-cs"/>
+              </a:defRPr>
+            </a:lvl1pPr>
+            <a:lvl2pPr marL="685800" indent="-228600" algn="l" defTabSz="914400" rtl="0" eaLnBrk="1" latinLnBrk="0" hangingPunct="1">
+              <a:lnSpc>
+                <a:spcPct val="90000"/>
+              </a:lnSpc>
+              <a:spcBef>
+                <a:spcPts val="500"/>
+              </a:spcBef>
+              <a:buFont typeface="Arial" panose="020B0604020202020204" pitchFamily="34" charset="0"/>
+              <a:buChar char="•"/>
+              <a:defRPr sz="2400" kern="1200">
+                <a:solidFill>
+                  <a:schemeClr val="tx1"/>
+                </a:solidFill>
+                <a:latin typeface="+mn-lt"/>
+                <a:ea typeface="+mn-ea"/>
+                <a:cs typeface="+mn-cs"/>
+              </a:defRPr>
+            </a:lvl2pPr>
+            <a:lvl3pPr marL="1143000" indent="-228600" algn="l" defTabSz="914400" rtl="0" eaLnBrk="1" latinLnBrk="0" hangingPunct="1">
+              <a:lnSpc>
+                <a:spcPct val="90000"/>
+              </a:lnSpc>
+              <a:spcBef>
+                <a:spcPts val="500"/>
+              </a:spcBef>
+              <a:buFont typeface="Arial" panose="020B0604020202020204" pitchFamily="34" charset="0"/>
+              <a:buChar char="•"/>
+              <a:defRPr sz="2000" kern="1200">
+                <a:solidFill>
+                  <a:schemeClr val="tx1"/>
+                </a:solidFill>
+                <a:latin typeface="+mn-lt"/>
+                <a:ea typeface="+mn-ea"/>
+                <a:cs typeface="+mn-cs"/>
+              </a:defRPr>
+            </a:lvl3pPr>
+            <a:lvl4pPr marL="1600200" indent="-228600" algn="l" defTabSz="914400" rtl="0" eaLnBrk="1" latinLnBrk="0" hangingPunct="1">
+              <a:lnSpc>
+                <a:spcPct val="90000"/>
+              </a:lnSpc>
+              <a:spcBef>
+                <a:spcPts val="500"/>
+              </a:spcBef>
+              <a:buFont typeface="Arial" panose="020B0604020202020204" pitchFamily="34" charset="0"/>
+              <a:buChar char="•"/>
+              <a:defRPr sz="1800" kern="1200">
+                <a:solidFill>
+                  <a:schemeClr val="tx1"/>
+                </a:solidFill>
+                <a:latin typeface="+mn-lt"/>
+                <a:ea typeface="+mn-ea"/>
+                <a:cs typeface="+mn-cs"/>
+              </a:defRPr>
+            </a:lvl4pPr>
+            <a:lvl5pPr marL="2057400" indent="-228600" algn="l" defTabSz="914400" rtl="0" eaLnBrk="1" latinLnBrk="0" hangingPunct="1">
+              <a:lnSpc>
+                <a:spcPct val="90000"/>
+              </a:lnSpc>
+              <a:spcBef>
+                <a:spcPts val="500"/>
+              </a:spcBef>
+              <a:buFont typeface="Arial" panose="020B0604020202020204" pitchFamily="34" charset="0"/>
+              <a:buChar char="•"/>
+              <a:defRPr sz="1800" kern="1200">
+                <a:solidFill>
+                  <a:schemeClr val="tx1"/>
+                </a:solidFill>
+                <a:latin typeface="+mn-lt"/>
+                <a:ea typeface="+mn-ea"/>
+                <a:cs typeface="+mn-cs"/>
+              </a:defRPr>
+            </a:lvl5pPr>
+            <a:lvl6pPr marL="2514600" indent="-228600" algn="l" defTabSz="914400" rtl="0" eaLnBrk="1" latinLnBrk="0" hangingPunct="1">
+              <a:lnSpc>
+                <a:spcPct val="90000"/>
+              </a:lnSpc>
+              <a:spcBef>
+                <a:spcPts val="500"/>
+              </a:spcBef>
+              <a:buFont typeface="Arial" panose="020B0604020202020204" pitchFamily="34" charset="0"/>
+              <a:buChar char="•"/>
+              <a:defRPr sz="1800" kern="1200">
+                <a:solidFill>
+                  <a:schemeClr val="tx1"/>
+                </a:solidFill>
+                <a:latin typeface="+mn-lt"/>
+                <a:ea typeface="+mn-ea"/>
+                <a:cs typeface="+mn-cs"/>
+              </a:defRPr>
+            </a:lvl6pPr>
+            <a:lvl7pPr marL="2971800" indent="-228600" algn="l" defTabSz="914400" rtl="0" eaLnBrk="1" latinLnBrk="0" hangingPunct="1">
+              <a:lnSpc>
+                <a:spcPct val="90000"/>
+              </a:lnSpc>
+              <a:spcBef>
+                <a:spcPts val="500"/>
+              </a:spcBef>
+              <a:buFont typeface="Arial" panose="020B0604020202020204" pitchFamily="34" charset="0"/>
+              <a:buChar char="•"/>
+              <a:defRPr sz="1800" kern="1200">
+                <a:solidFill>
+                  <a:schemeClr val="tx1"/>
+                </a:solidFill>
+                <a:latin typeface="+mn-lt"/>
+                <a:ea typeface="+mn-ea"/>
+                <a:cs typeface="+mn-cs"/>
+              </a:defRPr>
+            </a:lvl7pPr>
+            <a:lvl8pPr marL="3429000" indent="-228600" algn="l" defTabSz="914400" rtl="0" eaLnBrk="1" latinLnBrk="0" hangingPunct="1">
+              <a:lnSpc>
+                <a:spcPct val="90000"/>
+              </a:lnSpc>
+              <a:spcBef>
+                <a:spcPts val="500"/>
+              </a:spcBef>
+              <a:buFont typeface="Arial" panose="020B0604020202020204" pitchFamily="34" charset="0"/>
+              <a:buChar char="•"/>
+              <a:defRPr sz="1800" kern="1200">
+                <a:solidFill>
+                  <a:schemeClr val="tx1"/>
+                </a:solidFill>
+                <a:latin typeface="+mn-lt"/>
+                <a:ea typeface="+mn-ea"/>
+                <a:cs typeface="+mn-cs"/>
+              </a:defRPr>
+            </a:lvl8pPr>
+            <a:lvl9pPr marL="3886200" indent="-228600" algn="l" defTabSz="914400" rtl="0" eaLnBrk="1" latinLnBrk="0" hangingPunct="1">
+              <a:lnSpc>
+                <a:spcPct val="90000"/>
+              </a:lnSpc>
+              <a:spcBef>
+                <a:spcPts val="500"/>
+              </a:spcBef>
+              <a:buFont typeface="Arial" panose="020B0604020202020204" pitchFamily="34" charset="0"/>
+              <a:buChar char="•"/>
+              <a:defRPr sz="1800" kern="1200">
+                <a:solidFill>
+                  <a:schemeClr val="tx1"/>
+                </a:solidFill>
+                <a:latin typeface="+mn-lt"/>
+                <a:ea typeface="+mn-ea"/>
+                <a:cs typeface="+mn-cs"/>
+              </a:defRPr>
+            </a:lvl9pPr>
+          </a:lstStyle>
+          <a:p>
+            <a:pPr marL="0" indent="0">
+              <a:spcBef>
+                <a:spcPct val="0"/>
+              </a:spcBef>
+              <a:spcAft>
+                <a:spcPct val="0"/>
+              </a:spcAft>
+              <a:buNone/>
+            </a:pPr>
+            <a:fld id="{335E228E-03E8-43CC-A0FC-B50AB6B3ACA0}" type="datetime'''B''ig''e''low = ''''''$''''1''''8'',''3''6''2''.''''70'''''">
+              <a:rPr lang="en-US" altLang="en-US" sz="1400" smtClean="0"/>
+              <a:pPr/>
+              <a:t>Bigelow = $18,362.70</a:t>
+            </a:fld>
+            <a:endParaRPr lang="en-US" sz="1400" dirty="0"/>
+          </a:p>
+        </p:txBody>
+      </p:sp>
+      <p:sp>
+        <p:nvSpPr>
           <p:cNvPr id="168" name="Text Placeholder 2">
             <a:extLst>
               <a:ext uri="{FF2B5EF4-FFF2-40B4-BE49-F238E27FC236}">
@@ -6922,7 +7399,7 @@
           </p:cNvSpPr>
           <p:nvPr>
             <p:custDataLst>
-              <p:tags r:id="rId17"/>
+              <p:tags r:id="rId19"/>
             </p:custDataLst>
           </p:nvPr>
         </p:nvSpPr>
@@ -7138,234 +7615,6 @@
       </p:sp>
       <p:sp>
         <p:nvSpPr>
-          <p:cNvPr id="169" name="Text Placeholder 2">
-            <a:extLst>
-              <a:ext uri="{FF2B5EF4-FFF2-40B4-BE49-F238E27FC236}">
-                <a16:creationId xmlns:a16="http://schemas.microsoft.com/office/drawing/2014/main" id="{F01B8698-9294-F532-DDB4-2EE198CBAA21}"/>
-              </a:ext>
-            </a:extLst>
-          </p:cNvPr>
-          <p:cNvSpPr>
-            <a:spLocks noGrp="1"/>
-          </p:cNvSpPr>
-          <p:nvPr>
-            <p:custDataLst>
-              <p:tags r:id="rId18"/>
-            </p:custDataLst>
-          </p:nvPr>
-        </p:nvSpPr>
-        <p:spPr bwMode="auto">
-          <a:xfrm>
-            <a:off x="4022725" y="1917700"/>
-            <a:ext cx="1270000" cy="192088"/>
-          </a:xfrm>
-          <a:prstGeom prst="rect">
-            <a:avLst/>
-          </a:prstGeom>
-          <a:noFill/>
-          <a:ln>
-            <a:noFill/>
-          </a:ln>
-          <a:effectLst/>
-          <a:extLst>
-            <a:ext uri="{909E8E84-426E-40DD-AFC4-6F175D3DCCD1}">
-              <a14:hiddenFill xmlns:a14="http://schemas.microsoft.com/office/drawing/2010/main">
-                <a:solidFill>
-                  <a:schemeClr val="accent1"/>
-                </a:solidFill>
-              </a14:hiddenFill>
-            </a:ext>
-          </a:extLst>
-        </p:spPr>
-        <p:txBody>
-          <a:bodyPr vert="horz" wrap="none" lIns="0" tIns="0" rIns="0" bIns="0" numCol="1" spcCol="0" rtlCol="0" anchor="ctr" anchorCtr="0">
-            <a:noAutofit/>
-          </a:bodyPr>
-          <a:lstStyle>
-            <a:lvl1pPr marL="228600" indent="-228600" algn="l" defTabSz="914400" rtl="0" eaLnBrk="1" latinLnBrk="0" hangingPunct="1">
-              <a:lnSpc>
-                <a:spcPct val="90000"/>
-              </a:lnSpc>
-              <a:spcBef>
-                <a:spcPts val="1000"/>
-              </a:spcBef>
-              <a:buFont typeface="Arial" panose="020B0604020202020204" pitchFamily="34" charset="0"/>
-              <a:buChar char="•"/>
-              <a:defRPr sz="2800" kern="1200">
-                <a:solidFill>
-                  <a:schemeClr val="tx1"/>
-                </a:solidFill>
-                <a:latin typeface="+mn-lt"/>
-                <a:ea typeface="+mn-ea"/>
-                <a:cs typeface="+mn-cs"/>
-              </a:defRPr>
-            </a:lvl1pPr>
-            <a:lvl2pPr marL="685800" indent="-228600" algn="l" defTabSz="914400" rtl="0" eaLnBrk="1" latinLnBrk="0" hangingPunct="1">
-              <a:lnSpc>
-                <a:spcPct val="90000"/>
-              </a:lnSpc>
-              <a:spcBef>
-                <a:spcPts val="500"/>
-              </a:spcBef>
-              <a:buFont typeface="Arial" panose="020B0604020202020204" pitchFamily="34" charset="0"/>
-              <a:buChar char="•"/>
-              <a:defRPr sz="2400" kern="1200">
-                <a:solidFill>
-                  <a:schemeClr val="tx1"/>
-                </a:solidFill>
-                <a:latin typeface="+mn-lt"/>
-                <a:ea typeface="+mn-ea"/>
-                <a:cs typeface="+mn-cs"/>
-              </a:defRPr>
-            </a:lvl2pPr>
-            <a:lvl3pPr marL="1143000" indent="-228600" algn="l" defTabSz="914400" rtl="0" eaLnBrk="1" latinLnBrk="0" hangingPunct="1">
-              <a:lnSpc>
-                <a:spcPct val="90000"/>
-              </a:lnSpc>
-              <a:spcBef>
-                <a:spcPts val="500"/>
-              </a:spcBef>
-              <a:buFont typeface="Arial" panose="020B0604020202020204" pitchFamily="34" charset="0"/>
-              <a:buChar char="•"/>
-              <a:defRPr sz="2000" kern="1200">
-                <a:solidFill>
-                  <a:schemeClr val="tx1"/>
-                </a:solidFill>
-                <a:latin typeface="+mn-lt"/>
-                <a:ea typeface="+mn-ea"/>
-                <a:cs typeface="+mn-cs"/>
-              </a:defRPr>
-            </a:lvl3pPr>
-            <a:lvl4pPr marL="1600200" indent="-228600" algn="l" defTabSz="914400" rtl="0" eaLnBrk="1" latinLnBrk="0" hangingPunct="1">
-              <a:lnSpc>
-                <a:spcPct val="90000"/>
-              </a:lnSpc>
-              <a:spcBef>
-                <a:spcPts val="500"/>
-              </a:spcBef>
-              <a:buFont typeface="Arial" panose="020B0604020202020204" pitchFamily="34" charset="0"/>
-              <a:buChar char="•"/>
-              <a:defRPr sz="1800" kern="1200">
-                <a:solidFill>
-                  <a:schemeClr val="tx1"/>
-                </a:solidFill>
-                <a:latin typeface="+mn-lt"/>
-                <a:ea typeface="+mn-ea"/>
-                <a:cs typeface="+mn-cs"/>
-              </a:defRPr>
-            </a:lvl4pPr>
-            <a:lvl5pPr marL="2057400" indent="-228600" algn="l" defTabSz="914400" rtl="0" eaLnBrk="1" latinLnBrk="0" hangingPunct="1">
-              <a:lnSpc>
-                <a:spcPct val="90000"/>
-              </a:lnSpc>
-              <a:spcBef>
-                <a:spcPts val="500"/>
-              </a:spcBef>
-              <a:buFont typeface="Arial" panose="020B0604020202020204" pitchFamily="34" charset="0"/>
-              <a:buChar char="•"/>
-              <a:defRPr sz="1800" kern="1200">
-                <a:solidFill>
-                  <a:schemeClr val="tx1"/>
-                </a:solidFill>
-                <a:latin typeface="+mn-lt"/>
-                <a:ea typeface="+mn-ea"/>
-                <a:cs typeface="+mn-cs"/>
-              </a:defRPr>
-            </a:lvl5pPr>
-            <a:lvl6pPr marL="2514600" indent="-228600" algn="l" defTabSz="914400" rtl="0" eaLnBrk="1" latinLnBrk="0" hangingPunct="1">
-              <a:lnSpc>
-                <a:spcPct val="90000"/>
-              </a:lnSpc>
-              <a:spcBef>
-                <a:spcPts val="500"/>
-              </a:spcBef>
-              <a:buFont typeface="Arial" panose="020B0604020202020204" pitchFamily="34" charset="0"/>
-              <a:buChar char="•"/>
-              <a:defRPr sz="1800" kern="1200">
-                <a:solidFill>
-                  <a:schemeClr val="tx1"/>
-                </a:solidFill>
-                <a:latin typeface="+mn-lt"/>
-                <a:ea typeface="+mn-ea"/>
-                <a:cs typeface="+mn-cs"/>
-              </a:defRPr>
-            </a:lvl6pPr>
-            <a:lvl7pPr marL="2971800" indent="-228600" algn="l" defTabSz="914400" rtl="0" eaLnBrk="1" latinLnBrk="0" hangingPunct="1">
-              <a:lnSpc>
-                <a:spcPct val="90000"/>
-              </a:lnSpc>
-              <a:spcBef>
-                <a:spcPts val="500"/>
-              </a:spcBef>
-              <a:buFont typeface="Arial" panose="020B0604020202020204" pitchFamily="34" charset="0"/>
-              <a:buChar char="•"/>
-              <a:defRPr sz="1800" kern="1200">
-                <a:solidFill>
-                  <a:schemeClr val="tx1"/>
-                </a:solidFill>
-                <a:latin typeface="+mn-lt"/>
-                <a:ea typeface="+mn-ea"/>
-                <a:cs typeface="+mn-cs"/>
-              </a:defRPr>
-            </a:lvl7pPr>
-            <a:lvl8pPr marL="3429000" indent="-228600" algn="l" defTabSz="914400" rtl="0" eaLnBrk="1" latinLnBrk="0" hangingPunct="1">
-              <a:lnSpc>
-                <a:spcPct val="90000"/>
-              </a:lnSpc>
-              <a:spcBef>
-                <a:spcPts val="500"/>
-              </a:spcBef>
-              <a:buFont typeface="Arial" panose="020B0604020202020204" pitchFamily="34" charset="0"/>
-              <a:buChar char="•"/>
-              <a:defRPr sz="1800" kern="1200">
-                <a:solidFill>
-                  <a:schemeClr val="tx1"/>
-                </a:solidFill>
-                <a:latin typeface="+mn-lt"/>
-                <a:ea typeface="+mn-ea"/>
-                <a:cs typeface="+mn-cs"/>
-              </a:defRPr>
-            </a:lvl8pPr>
-            <a:lvl9pPr marL="3886200" indent="-228600" algn="l" defTabSz="914400" rtl="0" eaLnBrk="1" latinLnBrk="0" hangingPunct="1">
-              <a:lnSpc>
-                <a:spcPct val="90000"/>
-              </a:lnSpc>
-              <a:spcBef>
-                <a:spcPts val="500"/>
-              </a:spcBef>
-              <a:buFont typeface="Arial" panose="020B0604020202020204" pitchFamily="34" charset="0"/>
-              <a:buChar char="•"/>
-              <a:defRPr sz="1800" kern="1200">
-                <a:solidFill>
-                  <a:schemeClr val="tx1"/>
-                </a:solidFill>
-                <a:latin typeface="+mn-lt"/>
-                <a:ea typeface="+mn-ea"/>
-                <a:cs typeface="+mn-cs"/>
-              </a:defRPr>
-            </a:lvl9pPr>
-          </a:lstStyle>
-          <a:p>
-            <a:pPr marL="0" indent="0">
-              <a:spcBef>
-                <a:spcPct val="0"/>
-              </a:spcBef>
-              <a:spcAft>
-                <a:spcPct val="0"/>
-              </a:spcAft>
-              <a:buNone/>
-            </a:pPr>
-            <a:fld id="{D9CD9367-4C90-4362-9C02-23DADA762573}" type="datetime'Fo''''l''g''e''''r''''s'''' ='' ''$1''''''''''''8'',9''00'">
-              <a:rPr lang="en-US" altLang="en-US" sz="1400" smtClean="0"/>
-              <a:pPr/>
-              <a:t>Folgers = $18,900</a:t>
-            </a:fld>
-            <a:endParaRPr lang="en-US" sz="1400" dirty="0"/>
-          </a:p>
-        </p:txBody>
-      </p:sp>
-      <p:sp>
-        <p:nvSpPr>
           <p:cNvPr id="189" name="Text Placeholder 2">
             <a:extLst>
               <a:ext uri="{FF2B5EF4-FFF2-40B4-BE49-F238E27FC236}">
@@ -7378,7 +7627,7 @@
           </p:cNvSpPr>
           <p:nvPr>
             <p:custDataLst>
-              <p:tags r:id="rId19"/>
+              <p:tags r:id="rId20"/>
             </p:custDataLst>
           </p:nvPr>
         </p:nvSpPr>
@@ -7587,234 +7836,6 @@
               <a:rPr lang="en-US" altLang="en-US" sz="1400" smtClean="0"/>
               <a:pPr/>
               <a:t>Kellogg’s = $18,555.40</a:t>
-            </a:fld>
-            <a:endParaRPr lang="en-US" sz="1400" dirty="0"/>
-          </a:p>
-        </p:txBody>
-      </p:sp>
-      <p:sp>
-        <p:nvSpPr>
-          <p:cNvPr id="190" name="Text Placeholder 2">
-            <a:extLst>
-              <a:ext uri="{FF2B5EF4-FFF2-40B4-BE49-F238E27FC236}">
-                <a16:creationId xmlns:a16="http://schemas.microsoft.com/office/drawing/2014/main" id="{27C272A0-CD42-325D-2C62-C2A645DB0C17}"/>
-              </a:ext>
-            </a:extLst>
-          </p:cNvPr>
-          <p:cNvSpPr>
-            <a:spLocks noGrp="1"/>
-          </p:cNvSpPr>
-          <p:nvPr>
-            <p:custDataLst>
-              <p:tags r:id="rId20"/>
-            </p:custDataLst>
-          </p:nvPr>
-        </p:nvSpPr>
-        <p:spPr bwMode="auto">
-          <a:xfrm>
-            <a:off x="4022725" y="2425700"/>
-            <a:ext cx="1552575" cy="192088"/>
-          </a:xfrm>
-          <a:prstGeom prst="rect">
-            <a:avLst/>
-          </a:prstGeom>
-          <a:noFill/>
-          <a:ln>
-            <a:noFill/>
-          </a:ln>
-          <a:effectLst/>
-          <a:extLst>
-            <a:ext uri="{909E8E84-426E-40DD-AFC4-6F175D3DCCD1}">
-              <a14:hiddenFill xmlns:a14="http://schemas.microsoft.com/office/drawing/2010/main">
-                <a:solidFill>
-                  <a:schemeClr val="accent1"/>
-                </a:solidFill>
-              </a14:hiddenFill>
-            </a:ext>
-          </a:extLst>
-        </p:spPr>
-        <p:txBody>
-          <a:bodyPr vert="horz" wrap="none" lIns="0" tIns="0" rIns="0" bIns="0" numCol="1" spcCol="0" rtlCol="0" anchor="ctr" anchorCtr="0">
-            <a:noAutofit/>
-          </a:bodyPr>
-          <a:lstStyle>
-            <a:lvl1pPr marL="228600" indent="-228600" algn="l" defTabSz="914400" rtl="0" eaLnBrk="1" latinLnBrk="0" hangingPunct="1">
-              <a:lnSpc>
-                <a:spcPct val="90000"/>
-              </a:lnSpc>
-              <a:spcBef>
-                <a:spcPts val="1000"/>
-              </a:spcBef>
-              <a:buFont typeface="Arial" panose="020B0604020202020204" pitchFamily="34" charset="0"/>
-              <a:buChar char="•"/>
-              <a:defRPr sz="2800" kern="1200">
-                <a:solidFill>
-                  <a:schemeClr val="tx1"/>
-                </a:solidFill>
-                <a:latin typeface="+mn-lt"/>
-                <a:ea typeface="+mn-ea"/>
-                <a:cs typeface="+mn-cs"/>
-              </a:defRPr>
-            </a:lvl1pPr>
-            <a:lvl2pPr marL="685800" indent="-228600" algn="l" defTabSz="914400" rtl="0" eaLnBrk="1" latinLnBrk="0" hangingPunct="1">
-              <a:lnSpc>
-                <a:spcPct val="90000"/>
-              </a:lnSpc>
-              <a:spcBef>
-                <a:spcPts val="500"/>
-              </a:spcBef>
-              <a:buFont typeface="Arial" panose="020B0604020202020204" pitchFamily="34" charset="0"/>
-              <a:buChar char="•"/>
-              <a:defRPr sz="2400" kern="1200">
-                <a:solidFill>
-                  <a:schemeClr val="tx1"/>
-                </a:solidFill>
-                <a:latin typeface="+mn-lt"/>
-                <a:ea typeface="+mn-ea"/>
-                <a:cs typeface="+mn-cs"/>
-              </a:defRPr>
-            </a:lvl2pPr>
-            <a:lvl3pPr marL="1143000" indent="-228600" algn="l" defTabSz="914400" rtl="0" eaLnBrk="1" latinLnBrk="0" hangingPunct="1">
-              <a:lnSpc>
-                <a:spcPct val="90000"/>
-              </a:lnSpc>
-              <a:spcBef>
-                <a:spcPts val="500"/>
-              </a:spcBef>
-              <a:buFont typeface="Arial" panose="020B0604020202020204" pitchFamily="34" charset="0"/>
-              <a:buChar char="•"/>
-              <a:defRPr sz="2000" kern="1200">
-                <a:solidFill>
-                  <a:schemeClr val="tx1"/>
-                </a:solidFill>
-                <a:latin typeface="+mn-lt"/>
-                <a:ea typeface="+mn-ea"/>
-                <a:cs typeface="+mn-cs"/>
-              </a:defRPr>
-            </a:lvl3pPr>
-            <a:lvl4pPr marL="1600200" indent="-228600" algn="l" defTabSz="914400" rtl="0" eaLnBrk="1" latinLnBrk="0" hangingPunct="1">
-              <a:lnSpc>
-                <a:spcPct val="90000"/>
-              </a:lnSpc>
-              <a:spcBef>
-                <a:spcPts val="500"/>
-              </a:spcBef>
-              <a:buFont typeface="Arial" panose="020B0604020202020204" pitchFamily="34" charset="0"/>
-              <a:buChar char="•"/>
-              <a:defRPr sz="1800" kern="1200">
-                <a:solidFill>
-                  <a:schemeClr val="tx1"/>
-                </a:solidFill>
-                <a:latin typeface="+mn-lt"/>
-                <a:ea typeface="+mn-ea"/>
-                <a:cs typeface="+mn-cs"/>
-              </a:defRPr>
-            </a:lvl4pPr>
-            <a:lvl5pPr marL="2057400" indent="-228600" algn="l" defTabSz="914400" rtl="0" eaLnBrk="1" latinLnBrk="0" hangingPunct="1">
-              <a:lnSpc>
-                <a:spcPct val="90000"/>
-              </a:lnSpc>
-              <a:spcBef>
-                <a:spcPts val="500"/>
-              </a:spcBef>
-              <a:buFont typeface="Arial" panose="020B0604020202020204" pitchFamily="34" charset="0"/>
-              <a:buChar char="•"/>
-              <a:defRPr sz="1800" kern="1200">
-                <a:solidFill>
-                  <a:schemeClr val="tx1"/>
-                </a:solidFill>
-                <a:latin typeface="+mn-lt"/>
-                <a:ea typeface="+mn-ea"/>
-                <a:cs typeface="+mn-cs"/>
-              </a:defRPr>
-            </a:lvl5pPr>
-            <a:lvl6pPr marL="2514600" indent="-228600" algn="l" defTabSz="914400" rtl="0" eaLnBrk="1" latinLnBrk="0" hangingPunct="1">
-              <a:lnSpc>
-                <a:spcPct val="90000"/>
-              </a:lnSpc>
-              <a:spcBef>
-                <a:spcPts val="500"/>
-              </a:spcBef>
-              <a:buFont typeface="Arial" panose="020B0604020202020204" pitchFamily="34" charset="0"/>
-              <a:buChar char="•"/>
-              <a:defRPr sz="1800" kern="1200">
-                <a:solidFill>
-                  <a:schemeClr val="tx1"/>
-                </a:solidFill>
-                <a:latin typeface="+mn-lt"/>
-                <a:ea typeface="+mn-ea"/>
-                <a:cs typeface="+mn-cs"/>
-              </a:defRPr>
-            </a:lvl6pPr>
-            <a:lvl7pPr marL="2971800" indent="-228600" algn="l" defTabSz="914400" rtl="0" eaLnBrk="1" latinLnBrk="0" hangingPunct="1">
-              <a:lnSpc>
-                <a:spcPct val="90000"/>
-              </a:lnSpc>
-              <a:spcBef>
-                <a:spcPts val="500"/>
-              </a:spcBef>
-              <a:buFont typeface="Arial" panose="020B0604020202020204" pitchFamily="34" charset="0"/>
-              <a:buChar char="•"/>
-              <a:defRPr sz="1800" kern="1200">
-                <a:solidFill>
-                  <a:schemeClr val="tx1"/>
-                </a:solidFill>
-                <a:latin typeface="+mn-lt"/>
-                <a:ea typeface="+mn-ea"/>
-                <a:cs typeface="+mn-cs"/>
-              </a:defRPr>
-            </a:lvl7pPr>
-            <a:lvl8pPr marL="3429000" indent="-228600" algn="l" defTabSz="914400" rtl="0" eaLnBrk="1" latinLnBrk="0" hangingPunct="1">
-              <a:lnSpc>
-                <a:spcPct val="90000"/>
-              </a:lnSpc>
-              <a:spcBef>
-                <a:spcPts val="500"/>
-              </a:spcBef>
-              <a:buFont typeface="Arial" panose="020B0604020202020204" pitchFamily="34" charset="0"/>
-              <a:buChar char="•"/>
-              <a:defRPr sz="1800" kern="1200">
-                <a:solidFill>
-                  <a:schemeClr val="tx1"/>
-                </a:solidFill>
-                <a:latin typeface="+mn-lt"/>
-                <a:ea typeface="+mn-ea"/>
-                <a:cs typeface="+mn-cs"/>
-              </a:defRPr>
-            </a:lvl8pPr>
-            <a:lvl9pPr marL="3886200" indent="-228600" algn="l" defTabSz="914400" rtl="0" eaLnBrk="1" latinLnBrk="0" hangingPunct="1">
-              <a:lnSpc>
-                <a:spcPct val="90000"/>
-              </a:lnSpc>
-              <a:spcBef>
-                <a:spcPts val="500"/>
-              </a:spcBef>
-              <a:buFont typeface="Arial" panose="020B0604020202020204" pitchFamily="34" charset="0"/>
-              <a:buChar char="•"/>
-              <a:defRPr sz="1800" kern="1200">
-                <a:solidFill>
-                  <a:schemeClr val="tx1"/>
-                </a:solidFill>
-                <a:latin typeface="+mn-lt"/>
-                <a:ea typeface="+mn-ea"/>
-                <a:cs typeface="+mn-cs"/>
-              </a:defRPr>
-            </a:lvl9pPr>
-          </a:lstStyle>
-          <a:p>
-            <a:pPr marL="0" indent="0">
-              <a:spcBef>
-                <a:spcPct val="0"/>
-              </a:spcBef>
-              <a:spcAft>
-                <a:spcPct val="0"/>
-              </a:spcAft>
-              <a:buNone/>
-            </a:pPr>
-            <a:fld id="{335E228E-03E8-43CC-A0FC-B50AB6B3ACA0}" type="datetime'''B''ig''e''low = ''''''$''''1''''8'',''3''6''2''.''''70'''''">
-              <a:rPr lang="en-US" altLang="en-US" sz="1400" smtClean="0"/>
-              <a:pPr/>
-              <a:t>Bigelow = $18,362.70</a:t>
             </a:fld>
             <a:endParaRPr lang="en-US" sz="1400" dirty="0"/>
           </a:p>
@@ -7915,17 +7936,17 @@
             <a:pPr algn="l"/>
             <a:r>
               <a:rPr lang="en-US" sz="1800" dirty="0"/>
-              <a:t>Transactions share of the top five brands among users who were created within the past 6 months</a:t>
+              <a:t>Transaction share of the top five brands among users who were created within the past 6 months</a:t>
             </a:r>
           </a:p>
         </p:txBody>
       </p:sp>
       <p:graphicFrame>
         <p:nvGraphicFramePr>
-          <p:cNvPr id="463" name="Chart 462">
+          <p:cNvPr id="3" name="Chart 2">
             <a:extLst>
               <a:ext uri="{FF2B5EF4-FFF2-40B4-BE49-F238E27FC236}">
-                <a16:creationId xmlns:a16="http://schemas.microsoft.com/office/drawing/2014/main" id="{3A984127-996E-BA42-FDDD-4539A83BB14B}"/>
+                <a16:creationId xmlns:a16="http://schemas.microsoft.com/office/drawing/2014/main" id="{D2E8DBCA-E70C-D175-5372-A226706F5712}"/>
               </a:ext>
             </a:extLst>
           </p:cNvPr>
@@ -7936,7 +7957,7 @@
             </p:custDataLst>
             <p:extLst>
               <p:ext uri="{D42A27DB-BD31-4B8C-83A1-F6EECF244321}">
-                <p14:modId xmlns:p14="http://schemas.microsoft.com/office/powerpoint/2010/main" val="2590420843"/>
+                <p14:modId xmlns:p14="http://schemas.microsoft.com/office/powerpoint/2010/main" val="2283266206"/>
               </p:ext>
             </p:extLst>
           </p:nvPr>
@@ -8399,6 +8420,459 @@
       </p:sp>
       <p:sp>
         <p:nvSpPr>
+          <p:cNvPr id="389" name="Text Placeholder 2">
+            <a:extLst>
+              <a:ext uri="{FF2B5EF4-FFF2-40B4-BE49-F238E27FC236}">
+                <a16:creationId xmlns:a16="http://schemas.microsoft.com/office/drawing/2014/main" id="{761668BA-4084-A0C9-1315-764B23165AFC}"/>
+              </a:ext>
+            </a:extLst>
+          </p:cNvPr>
+          <p:cNvSpPr>
+            <a:spLocks noGrp="1"/>
+          </p:cNvSpPr>
+          <p:nvPr>
+            <p:custDataLst>
+              <p:tags r:id="rId24"/>
+            </p:custDataLst>
+          </p:nvPr>
+        </p:nvSpPr>
+        <p:spPr bwMode="gray">
+          <a:xfrm>
+            <a:off x="7858125" y="1952625"/>
+            <a:ext cx="403225" cy="192088"/>
+          </a:xfrm>
+          <a:prstGeom prst="rect">
+            <a:avLst/>
+          </a:prstGeom>
+          <a:solidFill>
+            <a:schemeClr val="accent4"/>
+          </a:solidFill>
+          <a:ln>
+            <a:noFill/>
+          </a:ln>
+          <a:effectLst/>
+        </p:spPr>
+        <p:txBody>
+          <a:bodyPr vert="horz" wrap="none" lIns="25400" tIns="0" rIns="25400" bIns="0" numCol="1" spcCol="0" rtlCol="0" anchor="ctr" anchorCtr="0">
+            <a:noAutofit/>
+          </a:bodyPr>
+          <a:lstStyle>
+            <a:lvl1pPr marL="228600" indent="-228600" algn="l" defTabSz="914400" rtl="0" eaLnBrk="1" latinLnBrk="0" hangingPunct="1">
+              <a:lnSpc>
+                <a:spcPct val="90000"/>
+              </a:lnSpc>
+              <a:spcBef>
+                <a:spcPts val="1000"/>
+              </a:spcBef>
+              <a:buFont typeface="Arial" panose="020B0604020202020204" pitchFamily="34" charset="0"/>
+              <a:buChar char="•"/>
+              <a:defRPr sz="2800" kern="1200">
+                <a:solidFill>
+                  <a:schemeClr val="tx1"/>
+                </a:solidFill>
+                <a:latin typeface="+mn-lt"/>
+                <a:ea typeface="+mn-ea"/>
+                <a:cs typeface="+mn-cs"/>
+              </a:defRPr>
+            </a:lvl1pPr>
+            <a:lvl2pPr marL="685800" indent="-228600" algn="l" defTabSz="914400" rtl="0" eaLnBrk="1" latinLnBrk="0" hangingPunct="1">
+              <a:lnSpc>
+                <a:spcPct val="90000"/>
+              </a:lnSpc>
+              <a:spcBef>
+                <a:spcPts val="500"/>
+              </a:spcBef>
+              <a:buFont typeface="Arial" panose="020B0604020202020204" pitchFamily="34" charset="0"/>
+              <a:buChar char="•"/>
+              <a:defRPr sz="2400" kern="1200">
+                <a:solidFill>
+                  <a:schemeClr val="tx1"/>
+                </a:solidFill>
+                <a:latin typeface="+mn-lt"/>
+                <a:ea typeface="+mn-ea"/>
+                <a:cs typeface="+mn-cs"/>
+              </a:defRPr>
+            </a:lvl2pPr>
+            <a:lvl3pPr marL="1143000" indent="-228600" algn="l" defTabSz="914400" rtl="0" eaLnBrk="1" latinLnBrk="0" hangingPunct="1">
+              <a:lnSpc>
+                <a:spcPct val="90000"/>
+              </a:lnSpc>
+              <a:spcBef>
+                <a:spcPts val="500"/>
+              </a:spcBef>
+              <a:buFont typeface="Arial" panose="020B0604020202020204" pitchFamily="34" charset="0"/>
+              <a:buChar char="•"/>
+              <a:defRPr sz="2000" kern="1200">
+                <a:solidFill>
+                  <a:schemeClr val="tx1"/>
+                </a:solidFill>
+                <a:latin typeface="+mn-lt"/>
+                <a:ea typeface="+mn-ea"/>
+                <a:cs typeface="+mn-cs"/>
+              </a:defRPr>
+            </a:lvl3pPr>
+            <a:lvl4pPr marL="1600200" indent="-228600" algn="l" defTabSz="914400" rtl="0" eaLnBrk="1" latinLnBrk="0" hangingPunct="1">
+              <a:lnSpc>
+                <a:spcPct val="90000"/>
+              </a:lnSpc>
+              <a:spcBef>
+                <a:spcPts val="500"/>
+              </a:spcBef>
+              <a:buFont typeface="Arial" panose="020B0604020202020204" pitchFamily="34" charset="0"/>
+              <a:buChar char="•"/>
+              <a:defRPr sz="1800" kern="1200">
+                <a:solidFill>
+                  <a:schemeClr val="tx1"/>
+                </a:solidFill>
+                <a:latin typeface="+mn-lt"/>
+                <a:ea typeface="+mn-ea"/>
+                <a:cs typeface="+mn-cs"/>
+              </a:defRPr>
+            </a:lvl4pPr>
+            <a:lvl5pPr marL="2057400" indent="-228600" algn="l" defTabSz="914400" rtl="0" eaLnBrk="1" latinLnBrk="0" hangingPunct="1">
+              <a:lnSpc>
+                <a:spcPct val="90000"/>
+              </a:lnSpc>
+              <a:spcBef>
+                <a:spcPts val="500"/>
+              </a:spcBef>
+              <a:buFont typeface="Arial" panose="020B0604020202020204" pitchFamily="34" charset="0"/>
+              <a:buChar char="•"/>
+              <a:defRPr sz="1800" kern="1200">
+                <a:solidFill>
+                  <a:schemeClr val="tx1"/>
+                </a:solidFill>
+                <a:latin typeface="+mn-lt"/>
+                <a:ea typeface="+mn-ea"/>
+                <a:cs typeface="+mn-cs"/>
+              </a:defRPr>
+            </a:lvl5pPr>
+            <a:lvl6pPr marL="2514600" indent="-228600" algn="l" defTabSz="914400" rtl="0" eaLnBrk="1" latinLnBrk="0" hangingPunct="1">
+              <a:lnSpc>
+                <a:spcPct val="90000"/>
+              </a:lnSpc>
+              <a:spcBef>
+                <a:spcPts val="500"/>
+              </a:spcBef>
+              <a:buFont typeface="Arial" panose="020B0604020202020204" pitchFamily="34" charset="0"/>
+              <a:buChar char="•"/>
+              <a:defRPr sz="1800" kern="1200">
+                <a:solidFill>
+                  <a:schemeClr val="tx1"/>
+                </a:solidFill>
+                <a:latin typeface="+mn-lt"/>
+                <a:ea typeface="+mn-ea"/>
+                <a:cs typeface="+mn-cs"/>
+              </a:defRPr>
+            </a:lvl6pPr>
+            <a:lvl7pPr marL="2971800" indent="-228600" algn="l" defTabSz="914400" rtl="0" eaLnBrk="1" latinLnBrk="0" hangingPunct="1">
+              <a:lnSpc>
+                <a:spcPct val="90000"/>
+              </a:lnSpc>
+              <a:spcBef>
+                <a:spcPts val="500"/>
+              </a:spcBef>
+              <a:buFont typeface="Arial" panose="020B0604020202020204" pitchFamily="34" charset="0"/>
+              <a:buChar char="•"/>
+              <a:defRPr sz="1800" kern="1200">
+                <a:solidFill>
+                  <a:schemeClr val="tx1"/>
+                </a:solidFill>
+                <a:latin typeface="+mn-lt"/>
+                <a:ea typeface="+mn-ea"/>
+                <a:cs typeface="+mn-cs"/>
+              </a:defRPr>
+            </a:lvl7pPr>
+            <a:lvl8pPr marL="3429000" indent="-228600" algn="l" defTabSz="914400" rtl="0" eaLnBrk="1" latinLnBrk="0" hangingPunct="1">
+              <a:lnSpc>
+                <a:spcPct val="90000"/>
+              </a:lnSpc>
+              <a:spcBef>
+                <a:spcPts val="500"/>
+              </a:spcBef>
+              <a:buFont typeface="Arial" panose="020B0604020202020204" pitchFamily="34" charset="0"/>
+              <a:buChar char="•"/>
+              <a:defRPr sz="1800" kern="1200">
+                <a:solidFill>
+                  <a:schemeClr val="tx1"/>
+                </a:solidFill>
+                <a:latin typeface="+mn-lt"/>
+                <a:ea typeface="+mn-ea"/>
+                <a:cs typeface="+mn-cs"/>
+              </a:defRPr>
+            </a:lvl8pPr>
+            <a:lvl9pPr marL="3886200" indent="-228600" algn="l" defTabSz="914400" rtl="0" eaLnBrk="1" latinLnBrk="0" hangingPunct="1">
+              <a:lnSpc>
+                <a:spcPct val="90000"/>
+              </a:lnSpc>
+              <a:spcBef>
+                <a:spcPts val="500"/>
+              </a:spcBef>
+              <a:buFont typeface="Arial" panose="020B0604020202020204" pitchFamily="34" charset="0"/>
+              <a:buChar char="•"/>
+              <a:defRPr sz="1800" kern="1200">
+                <a:solidFill>
+                  <a:schemeClr val="tx1"/>
+                </a:solidFill>
+                <a:latin typeface="+mn-lt"/>
+                <a:ea typeface="+mn-ea"/>
+                <a:cs typeface="+mn-cs"/>
+              </a:defRPr>
+            </a:lvl9pPr>
+          </a:lstStyle>
+          <a:p>
+            <a:pPr marL="0" indent="0" algn="ctr">
+              <a:spcBef>
+                <a:spcPct val="0"/>
+              </a:spcBef>
+              <a:spcAft>
+                <a:spcPct val="0"/>
+              </a:spcAft>
+              <a:buNone/>
+            </a:pPr>
+            <a:fld id="{0BD2B7AC-F465-449B-B01C-C840CAD83FF4}" type="datetime'''''''''''''''1''''''''''''''.''''''''''''6''''%'''''">
+              <a:rPr lang="en-US" altLang="en-US" sz="1400" smtClean="0">
+                <a:effectLst/>
+              </a:rPr>
+              <a:pPr/>
+              <a:t>1.6%</a:t>
+            </a:fld>
+            <a:endParaRPr lang="en-US" sz="1400" dirty="0"/>
+          </a:p>
+        </p:txBody>
+      </p:sp>
+      <p:sp>
+        <p:nvSpPr>
+          <p:cNvPr id="390" name="Text Placeholder 2">
+            <a:extLst>
+              <a:ext uri="{FF2B5EF4-FFF2-40B4-BE49-F238E27FC236}">
+                <a16:creationId xmlns:a16="http://schemas.microsoft.com/office/drawing/2014/main" id="{5A361C12-95C9-5F06-4553-BA298A0D4878}"/>
+              </a:ext>
+            </a:extLst>
+          </p:cNvPr>
+          <p:cNvSpPr>
+            <a:spLocks noGrp="1"/>
+          </p:cNvSpPr>
+          <p:nvPr>
+            <p:custDataLst>
+              <p:tags r:id="rId25"/>
+            </p:custDataLst>
+          </p:nvPr>
+        </p:nvSpPr>
+        <p:spPr bwMode="gray">
+          <a:xfrm>
+            <a:off x="7864475" y="1395413"/>
+            <a:ext cx="403225" cy="192088"/>
+          </a:xfrm>
+          <a:prstGeom prst="rect">
+            <a:avLst/>
+          </a:prstGeom>
+          <a:solidFill>
+            <a:srgbClr val="C30C3E"/>
+          </a:solidFill>
+          <a:ln>
+            <a:noFill/>
+          </a:ln>
+          <a:effectLst/>
+        </p:spPr>
+        <p:txBody>
+          <a:bodyPr vert="horz" wrap="none" lIns="25400" tIns="0" rIns="25400" bIns="0" numCol="1" spcCol="0" rtlCol="0" anchor="ctr" anchorCtr="0">
+            <a:noAutofit/>
+          </a:bodyPr>
+          <a:lstStyle>
+            <a:lvl1pPr marL="228600" indent="-228600" algn="l" defTabSz="914400" rtl="0" eaLnBrk="1" latinLnBrk="0" hangingPunct="1">
+              <a:lnSpc>
+                <a:spcPct val="90000"/>
+              </a:lnSpc>
+              <a:spcBef>
+                <a:spcPts val="1000"/>
+              </a:spcBef>
+              <a:buFont typeface="Arial" panose="020B0604020202020204" pitchFamily="34" charset="0"/>
+              <a:buChar char="•"/>
+              <a:defRPr sz="2800" kern="1200">
+                <a:solidFill>
+                  <a:schemeClr val="tx1"/>
+                </a:solidFill>
+                <a:latin typeface="+mn-lt"/>
+                <a:ea typeface="+mn-ea"/>
+                <a:cs typeface="+mn-cs"/>
+              </a:defRPr>
+            </a:lvl1pPr>
+            <a:lvl2pPr marL="685800" indent="-228600" algn="l" defTabSz="914400" rtl="0" eaLnBrk="1" latinLnBrk="0" hangingPunct="1">
+              <a:lnSpc>
+                <a:spcPct val="90000"/>
+              </a:lnSpc>
+              <a:spcBef>
+                <a:spcPts val="500"/>
+              </a:spcBef>
+              <a:buFont typeface="Arial" panose="020B0604020202020204" pitchFamily="34" charset="0"/>
+              <a:buChar char="•"/>
+              <a:defRPr sz="2400" kern="1200">
+                <a:solidFill>
+                  <a:schemeClr val="tx1"/>
+                </a:solidFill>
+                <a:latin typeface="+mn-lt"/>
+                <a:ea typeface="+mn-ea"/>
+                <a:cs typeface="+mn-cs"/>
+              </a:defRPr>
+            </a:lvl2pPr>
+            <a:lvl3pPr marL="1143000" indent="-228600" algn="l" defTabSz="914400" rtl="0" eaLnBrk="1" latinLnBrk="0" hangingPunct="1">
+              <a:lnSpc>
+                <a:spcPct val="90000"/>
+              </a:lnSpc>
+              <a:spcBef>
+                <a:spcPts val="500"/>
+              </a:spcBef>
+              <a:buFont typeface="Arial" panose="020B0604020202020204" pitchFamily="34" charset="0"/>
+              <a:buChar char="•"/>
+              <a:defRPr sz="2000" kern="1200">
+                <a:solidFill>
+                  <a:schemeClr val="tx1"/>
+                </a:solidFill>
+                <a:latin typeface="+mn-lt"/>
+                <a:ea typeface="+mn-ea"/>
+                <a:cs typeface="+mn-cs"/>
+              </a:defRPr>
+            </a:lvl3pPr>
+            <a:lvl4pPr marL="1600200" indent="-228600" algn="l" defTabSz="914400" rtl="0" eaLnBrk="1" latinLnBrk="0" hangingPunct="1">
+              <a:lnSpc>
+                <a:spcPct val="90000"/>
+              </a:lnSpc>
+              <a:spcBef>
+                <a:spcPts val="500"/>
+              </a:spcBef>
+              <a:buFont typeface="Arial" panose="020B0604020202020204" pitchFamily="34" charset="0"/>
+              <a:buChar char="•"/>
+              <a:defRPr sz="1800" kern="1200">
+                <a:solidFill>
+                  <a:schemeClr val="tx1"/>
+                </a:solidFill>
+                <a:latin typeface="+mn-lt"/>
+                <a:ea typeface="+mn-ea"/>
+                <a:cs typeface="+mn-cs"/>
+              </a:defRPr>
+            </a:lvl4pPr>
+            <a:lvl5pPr marL="2057400" indent="-228600" algn="l" defTabSz="914400" rtl="0" eaLnBrk="1" latinLnBrk="0" hangingPunct="1">
+              <a:lnSpc>
+                <a:spcPct val="90000"/>
+              </a:lnSpc>
+              <a:spcBef>
+                <a:spcPts val="500"/>
+              </a:spcBef>
+              <a:buFont typeface="Arial" panose="020B0604020202020204" pitchFamily="34" charset="0"/>
+              <a:buChar char="•"/>
+              <a:defRPr sz="1800" kern="1200">
+                <a:solidFill>
+                  <a:schemeClr val="tx1"/>
+                </a:solidFill>
+                <a:latin typeface="+mn-lt"/>
+                <a:ea typeface="+mn-ea"/>
+                <a:cs typeface="+mn-cs"/>
+              </a:defRPr>
+            </a:lvl5pPr>
+            <a:lvl6pPr marL="2514600" indent="-228600" algn="l" defTabSz="914400" rtl="0" eaLnBrk="1" latinLnBrk="0" hangingPunct="1">
+              <a:lnSpc>
+                <a:spcPct val="90000"/>
+              </a:lnSpc>
+              <a:spcBef>
+                <a:spcPts val="500"/>
+              </a:spcBef>
+              <a:buFont typeface="Arial" panose="020B0604020202020204" pitchFamily="34" charset="0"/>
+              <a:buChar char="•"/>
+              <a:defRPr sz="1800" kern="1200">
+                <a:solidFill>
+                  <a:schemeClr val="tx1"/>
+                </a:solidFill>
+                <a:latin typeface="+mn-lt"/>
+                <a:ea typeface="+mn-ea"/>
+                <a:cs typeface="+mn-cs"/>
+              </a:defRPr>
+            </a:lvl6pPr>
+            <a:lvl7pPr marL="2971800" indent="-228600" algn="l" defTabSz="914400" rtl="0" eaLnBrk="1" latinLnBrk="0" hangingPunct="1">
+              <a:lnSpc>
+                <a:spcPct val="90000"/>
+              </a:lnSpc>
+              <a:spcBef>
+                <a:spcPts val="500"/>
+              </a:spcBef>
+              <a:buFont typeface="Arial" panose="020B0604020202020204" pitchFamily="34" charset="0"/>
+              <a:buChar char="•"/>
+              <a:defRPr sz="1800" kern="1200">
+                <a:solidFill>
+                  <a:schemeClr val="tx1"/>
+                </a:solidFill>
+                <a:latin typeface="+mn-lt"/>
+                <a:ea typeface="+mn-ea"/>
+                <a:cs typeface="+mn-cs"/>
+              </a:defRPr>
+            </a:lvl7pPr>
+            <a:lvl8pPr marL="3429000" indent="-228600" algn="l" defTabSz="914400" rtl="0" eaLnBrk="1" latinLnBrk="0" hangingPunct="1">
+              <a:lnSpc>
+                <a:spcPct val="90000"/>
+              </a:lnSpc>
+              <a:spcBef>
+                <a:spcPts val="500"/>
+              </a:spcBef>
+              <a:buFont typeface="Arial" panose="020B0604020202020204" pitchFamily="34" charset="0"/>
+              <a:buChar char="•"/>
+              <a:defRPr sz="1800" kern="1200">
+                <a:solidFill>
+                  <a:schemeClr val="tx1"/>
+                </a:solidFill>
+                <a:latin typeface="+mn-lt"/>
+                <a:ea typeface="+mn-ea"/>
+                <a:cs typeface="+mn-cs"/>
+              </a:defRPr>
+            </a:lvl8pPr>
+            <a:lvl9pPr marL="3886200" indent="-228600" algn="l" defTabSz="914400" rtl="0" eaLnBrk="1" latinLnBrk="0" hangingPunct="1">
+              <a:lnSpc>
+                <a:spcPct val="90000"/>
+              </a:lnSpc>
+              <a:spcBef>
+                <a:spcPts val="500"/>
+              </a:spcBef>
+              <a:buFont typeface="Arial" panose="020B0604020202020204" pitchFamily="34" charset="0"/>
+              <a:buChar char="•"/>
+              <a:defRPr sz="1800" kern="1200">
+                <a:solidFill>
+                  <a:schemeClr val="tx1"/>
+                </a:solidFill>
+                <a:latin typeface="+mn-lt"/>
+                <a:ea typeface="+mn-ea"/>
+                <a:cs typeface="+mn-cs"/>
+              </a:defRPr>
+            </a:lvl9pPr>
+          </a:lstStyle>
+          <a:p>
+            <a:pPr marL="0" indent="0" algn="ctr">
+              <a:spcBef>
+                <a:spcPct val="0"/>
+              </a:spcBef>
+              <a:spcAft>
+                <a:spcPct val="0"/>
+              </a:spcAft>
+              <a:buNone/>
+            </a:pPr>
+            <a:fld id="{776F9243-2302-4A0A-BAAC-07467FE57D56}" type="datetime'1''''.7''''''''''''''''''''''''''''''''''''''''''%'''">
+              <a:rPr lang="en-US" altLang="en-US" sz="1400" smtClean="0">
+                <a:solidFill>
+                  <a:schemeClr val="bg1"/>
+                </a:solidFill>
+                <a:effectLst/>
+              </a:rPr>
+              <a:pPr/>
+              <a:t>1.7%</a:t>
+            </a:fld>
+            <a:endParaRPr lang="en-US" sz="1400" dirty="0">
+              <a:solidFill>
+                <a:schemeClr val="bg1"/>
+              </a:solidFill>
+            </a:endParaRPr>
+          </a:p>
+        </p:txBody>
+      </p:sp>
+      <p:sp>
+        <p:nvSpPr>
           <p:cNvPr id="391" name="Text Placeholder 2">
             <a:extLst>
               <a:ext uri="{FF2B5EF4-FFF2-40B4-BE49-F238E27FC236}">
@@ -8411,7 +8885,7 @@
           </p:cNvSpPr>
           <p:nvPr>
             <p:custDataLst>
-              <p:tags r:id="rId24"/>
+              <p:tags r:id="rId26"/>
             </p:custDataLst>
           </p:nvPr>
         </p:nvSpPr>
@@ -8629,463 +9103,10 @@
       </p:sp>
       <p:sp>
         <p:nvSpPr>
-          <p:cNvPr id="389" name="Text Placeholder 2">
+          <p:cNvPr id="394" name="Rectangle 393">
             <a:extLst>
               <a:ext uri="{FF2B5EF4-FFF2-40B4-BE49-F238E27FC236}">
-                <a16:creationId xmlns:a16="http://schemas.microsoft.com/office/drawing/2014/main" id="{761668BA-4084-A0C9-1315-764B23165AFC}"/>
-              </a:ext>
-            </a:extLst>
-          </p:cNvPr>
-          <p:cNvSpPr>
-            <a:spLocks noGrp="1"/>
-          </p:cNvSpPr>
-          <p:nvPr>
-            <p:custDataLst>
-              <p:tags r:id="rId25"/>
-            </p:custDataLst>
-          </p:nvPr>
-        </p:nvSpPr>
-        <p:spPr bwMode="gray">
-          <a:xfrm>
-            <a:off x="7858125" y="1952625"/>
-            <a:ext cx="403225" cy="192088"/>
-          </a:xfrm>
-          <a:prstGeom prst="rect">
-            <a:avLst/>
-          </a:prstGeom>
-          <a:solidFill>
-            <a:schemeClr val="accent4"/>
-          </a:solidFill>
-          <a:ln>
-            <a:noFill/>
-          </a:ln>
-          <a:effectLst/>
-        </p:spPr>
-        <p:txBody>
-          <a:bodyPr vert="horz" wrap="none" lIns="25400" tIns="0" rIns="25400" bIns="0" numCol="1" spcCol="0" rtlCol="0" anchor="ctr" anchorCtr="0">
-            <a:noAutofit/>
-          </a:bodyPr>
-          <a:lstStyle>
-            <a:lvl1pPr marL="228600" indent="-228600" algn="l" defTabSz="914400" rtl="0" eaLnBrk="1" latinLnBrk="0" hangingPunct="1">
-              <a:lnSpc>
-                <a:spcPct val="90000"/>
-              </a:lnSpc>
-              <a:spcBef>
-                <a:spcPts val="1000"/>
-              </a:spcBef>
-              <a:buFont typeface="Arial" panose="020B0604020202020204" pitchFamily="34" charset="0"/>
-              <a:buChar char="•"/>
-              <a:defRPr sz="2800" kern="1200">
-                <a:solidFill>
-                  <a:schemeClr val="tx1"/>
-                </a:solidFill>
-                <a:latin typeface="+mn-lt"/>
-                <a:ea typeface="+mn-ea"/>
-                <a:cs typeface="+mn-cs"/>
-              </a:defRPr>
-            </a:lvl1pPr>
-            <a:lvl2pPr marL="685800" indent="-228600" algn="l" defTabSz="914400" rtl="0" eaLnBrk="1" latinLnBrk="0" hangingPunct="1">
-              <a:lnSpc>
-                <a:spcPct val="90000"/>
-              </a:lnSpc>
-              <a:spcBef>
-                <a:spcPts val="500"/>
-              </a:spcBef>
-              <a:buFont typeface="Arial" panose="020B0604020202020204" pitchFamily="34" charset="0"/>
-              <a:buChar char="•"/>
-              <a:defRPr sz="2400" kern="1200">
-                <a:solidFill>
-                  <a:schemeClr val="tx1"/>
-                </a:solidFill>
-                <a:latin typeface="+mn-lt"/>
-                <a:ea typeface="+mn-ea"/>
-                <a:cs typeface="+mn-cs"/>
-              </a:defRPr>
-            </a:lvl2pPr>
-            <a:lvl3pPr marL="1143000" indent="-228600" algn="l" defTabSz="914400" rtl="0" eaLnBrk="1" latinLnBrk="0" hangingPunct="1">
-              <a:lnSpc>
-                <a:spcPct val="90000"/>
-              </a:lnSpc>
-              <a:spcBef>
-                <a:spcPts val="500"/>
-              </a:spcBef>
-              <a:buFont typeface="Arial" panose="020B0604020202020204" pitchFamily="34" charset="0"/>
-              <a:buChar char="•"/>
-              <a:defRPr sz="2000" kern="1200">
-                <a:solidFill>
-                  <a:schemeClr val="tx1"/>
-                </a:solidFill>
-                <a:latin typeface="+mn-lt"/>
-                <a:ea typeface="+mn-ea"/>
-                <a:cs typeface="+mn-cs"/>
-              </a:defRPr>
-            </a:lvl3pPr>
-            <a:lvl4pPr marL="1600200" indent="-228600" algn="l" defTabSz="914400" rtl="0" eaLnBrk="1" latinLnBrk="0" hangingPunct="1">
-              <a:lnSpc>
-                <a:spcPct val="90000"/>
-              </a:lnSpc>
-              <a:spcBef>
-                <a:spcPts val="500"/>
-              </a:spcBef>
-              <a:buFont typeface="Arial" panose="020B0604020202020204" pitchFamily="34" charset="0"/>
-              <a:buChar char="•"/>
-              <a:defRPr sz="1800" kern="1200">
-                <a:solidFill>
-                  <a:schemeClr val="tx1"/>
-                </a:solidFill>
-                <a:latin typeface="+mn-lt"/>
-                <a:ea typeface="+mn-ea"/>
-                <a:cs typeface="+mn-cs"/>
-              </a:defRPr>
-            </a:lvl4pPr>
-            <a:lvl5pPr marL="2057400" indent="-228600" algn="l" defTabSz="914400" rtl="0" eaLnBrk="1" latinLnBrk="0" hangingPunct="1">
-              <a:lnSpc>
-                <a:spcPct val="90000"/>
-              </a:lnSpc>
-              <a:spcBef>
-                <a:spcPts val="500"/>
-              </a:spcBef>
-              <a:buFont typeface="Arial" panose="020B0604020202020204" pitchFamily="34" charset="0"/>
-              <a:buChar char="•"/>
-              <a:defRPr sz="1800" kern="1200">
-                <a:solidFill>
-                  <a:schemeClr val="tx1"/>
-                </a:solidFill>
-                <a:latin typeface="+mn-lt"/>
-                <a:ea typeface="+mn-ea"/>
-                <a:cs typeface="+mn-cs"/>
-              </a:defRPr>
-            </a:lvl5pPr>
-            <a:lvl6pPr marL="2514600" indent="-228600" algn="l" defTabSz="914400" rtl="0" eaLnBrk="1" latinLnBrk="0" hangingPunct="1">
-              <a:lnSpc>
-                <a:spcPct val="90000"/>
-              </a:lnSpc>
-              <a:spcBef>
-                <a:spcPts val="500"/>
-              </a:spcBef>
-              <a:buFont typeface="Arial" panose="020B0604020202020204" pitchFamily="34" charset="0"/>
-              <a:buChar char="•"/>
-              <a:defRPr sz="1800" kern="1200">
-                <a:solidFill>
-                  <a:schemeClr val="tx1"/>
-                </a:solidFill>
-                <a:latin typeface="+mn-lt"/>
-                <a:ea typeface="+mn-ea"/>
-                <a:cs typeface="+mn-cs"/>
-              </a:defRPr>
-            </a:lvl6pPr>
-            <a:lvl7pPr marL="2971800" indent="-228600" algn="l" defTabSz="914400" rtl="0" eaLnBrk="1" latinLnBrk="0" hangingPunct="1">
-              <a:lnSpc>
-                <a:spcPct val="90000"/>
-              </a:lnSpc>
-              <a:spcBef>
-                <a:spcPts val="500"/>
-              </a:spcBef>
-              <a:buFont typeface="Arial" panose="020B0604020202020204" pitchFamily="34" charset="0"/>
-              <a:buChar char="•"/>
-              <a:defRPr sz="1800" kern="1200">
-                <a:solidFill>
-                  <a:schemeClr val="tx1"/>
-                </a:solidFill>
-                <a:latin typeface="+mn-lt"/>
-                <a:ea typeface="+mn-ea"/>
-                <a:cs typeface="+mn-cs"/>
-              </a:defRPr>
-            </a:lvl7pPr>
-            <a:lvl8pPr marL="3429000" indent="-228600" algn="l" defTabSz="914400" rtl="0" eaLnBrk="1" latinLnBrk="0" hangingPunct="1">
-              <a:lnSpc>
-                <a:spcPct val="90000"/>
-              </a:lnSpc>
-              <a:spcBef>
-                <a:spcPts val="500"/>
-              </a:spcBef>
-              <a:buFont typeface="Arial" panose="020B0604020202020204" pitchFamily="34" charset="0"/>
-              <a:buChar char="•"/>
-              <a:defRPr sz="1800" kern="1200">
-                <a:solidFill>
-                  <a:schemeClr val="tx1"/>
-                </a:solidFill>
-                <a:latin typeface="+mn-lt"/>
-                <a:ea typeface="+mn-ea"/>
-                <a:cs typeface="+mn-cs"/>
-              </a:defRPr>
-            </a:lvl8pPr>
-            <a:lvl9pPr marL="3886200" indent="-228600" algn="l" defTabSz="914400" rtl="0" eaLnBrk="1" latinLnBrk="0" hangingPunct="1">
-              <a:lnSpc>
-                <a:spcPct val="90000"/>
-              </a:lnSpc>
-              <a:spcBef>
-                <a:spcPts val="500"/>
-              </a:spcBef>
-              <a:buFont typeface="Arial" panose="020B0604020202020204" pitchFamily="34" charset="0"/>
-              <a:buChar char="•"/>
-              <a:defRPr sz="1800" kern="1200">
-                <a:solidFill>
-                  <a:schemeClr val="tx1"/>
-                </a:solidFill>
-                <a:latin typeface="+mn-lt"/>
-                <a:ea typeface="+mn-ea"/>
-                <a:cs typeface="+mn-cs"/>
-              </a:defRPr>
-            </a:lvl9pPr>
-          </a:lstStyle>
-          <a:p>
-            <a:pPr marL="0" indent="0" algn="ctr">
-              <a:spcBef>
-                <a:spcPct val="0"/>
-              </a:spcBef>
-              <a:spcAft>
-                <a:spcPct val="0"/>
-              </a:spcAft>
-              <a:buNone/>
-            </a:pPr>
-            <a:fld id="{0BD2B7AC-F465-449B-B01C-C840CAD83FF4}" type="datetime'''''''''''''''1''''''''''''''.''''''''''''6''''%'''''">
-              <a:rPr lang="en-US" altLang="en-US" sz="1400" smtClean="0">
-                <a:effectLst/>
-              </a:rPr>
-              <a:pPr/>
-              <a:t>1.6%</a:t>
-            </a:fld>
-            <a:endParaRPr lang="en-US" sz="1400" dirty="0"/>
-          </a:p>
-        </p:txBody>
-      </p:sp>
-      <p:sp>
-        <p:nvSpPr>
-          <p:cNvPr id="390" name="Text Placeholder 2">
-            <a:extLst>
-              <a:ext uri="{FF2B5EF4-FFF2-40B4-BE49-F238E27FC236}">
-                <a16:creationId xmlns:a16="http://schemas.microsoft.com/office/drawing/2014/main" id="{5A361C12-95C9-5F06-4553-BA298A0D4878}"/>
-              </a:ext>
-            </a:extLst>
-          </p:cNvPr>
-          <p:cNvSpPr>
-            <a:spLocks noGrp="1"/>
-          </p:cNvSpPr>
-          <p:nvPr>
-            <p:custDataLst>
-              <p:tags r:id="rId26"/>
-            </p:custDataLst>
-          </p:nvPr>
-        </p:nvSpPr>
-        <p:spPr bwMode="gray">
-          <a:xfrm>
-            <a:off x="7864475" y="1395413"/>
-            <a:ext cx="403225" cy="192088"/>
-          </a:xfrm>
-          <a:prstGeom prst="rect">
-            <a:avLst/>
-          </a:prstGeom>
-          <a:solidFill>
-            <a:srgbClr val="C30C3E"/>
-          </a:solidFill>
-          <a:ln>
-            <a:noFill/>
-          </a:ln>
-          <a:effectLst/>
-        </p:spPr>
-        <p:txBody>
-          <a:bodyPr vert="horz" wrap="none" lIns="25400" tIns="0" rIns="25400" bIns="0" numCol="1" spcCol="0" rtlCol="0" anchor="ctr" anchorCtr="0">
-            <a:noAutofit/>
-          </a:bodyPr>
-          <a:lstStyle>
-            <a:lvl1pPr marL="228600" indent="-228600" algn="l" defTabSz="914400" rtl="0" eaLnBrk="1" latinLnBrk="0" hangingPunct="1">
-              <a:lnSpc>
-                <a:spcPct val="90000"/>
-              </a:lnSpc>
-              <a:spcBef>
-                <a:spcPts val="1000"/>
-              </a:spcBef>
-              <a:buFont typeface="Arial" panose="020B0604020202020204" pitchFamily="34" charset="0"/>
-              <a:buChar char="•"/>
-              <a:defRPr sz="2800" kern="1200">
-                <a:solidFill>
-                  <a:schemeClr val="tx1"/>
-                </a:solidFill>
-                <a:latin typeface="+mn-lt"/>
-                <a:ea typeface="+mn-ea"/>
-                <a:cs typeface="+mn-cs"/>
-              </a:defRPr>
-            </a:lvl1pPr>
-            <a:lvl2pPr marL="685800" indent="-228600" algn="l" defTabSz="914400" rtl="0" eaLnBrk="1" latinLnBrk="0" hangingPunct="1">
-              <a:lnSpc>
-                <a:spcPct val="90000"/>
-              </a:lnSpc>
-              <a:spcBef>
-                <a:spcPts val="500"/>
-              </a:spcBef>
-              <a:buFont typeface="Arial" panose="020B0604020202020204" pitchFamily="34" charset="0"/>
-              <a:buChar char="•"/>
-              <a:defRPr sz="2400" kern="1200">
-                <a:solidFill>
-                  <a:schemeClr val="tx1"/>
-                </a:solidFill>
-                <a:latin typeface="+mn-lt"/>
-                <a:ea typeface="+mn-ea"/>
-                <a:cs typeface="+mn-cs"/>
-              </a:defRPr>
-            </a:lvl2pPr>
-            <a:lvl3pPr marL="1143000" indent="-228600" algn="l" defTabSz="914400" rtl="0" eaLnBrk="1" latinLnBrk="0" hangingPunct="1">
-              <a:lnSpc>
-                <a:spcPct val="90000"/>
-              </a:lnSpc>
-              <a:spcBef>
-                <a:spcPts val="500"/>
-              </a:spcBef>
-              <a:buFont typeface="Arial" panose="020B0604020202020204" pitchFamily="34" charset="0"/>
-              <a:buChar char="•"/>
-              <a:defRPr sz="2000" kern="1200">
-                <a:solidFill>
-                  <a:schemeClr val="tx1"/>
-                </a:solidFill>
-                <a:latin typeface="+mn-lt"/>
-                <a:ea typeface="+mn-ea"/>
-                <a:cs typeface="+mn-cs"/>
-              </a:defRPr>
-            </a:lvl3pPr>
-            <a:lvl4pPr marL="1600200" indent="-228600" algn="l" defTabSz="914400" rtl="0" eaLnBrk="1" latinLnBrk="0" hangingPunct="1">
-              <a:lnSpc>
-                <a:spcPct val="90000"/>
-              </a:lnSpc>
-              <a:spcBef>
-                <a:spcPts val="500"/>
-              </a:spcBef>
-              <a:buFont typeface="Arial" panose="020B0604020202020204" pitchFamily="34" charset="0"/>
-              <a:buChar char="•"/>
-              <a:defRPr sz="1800" kern="1200">
-                <a:solidFill>
-                  <a:schemeClr val="tx1"/>
-                </a:solidFill>
-                <a:latin typeface="+mn-lt"/>
-                <a:ea typeface="+mn-ea"/>
-                <a:cs typeface="+mn-cs"/>
-              </a:defRPr>
-            </a:lvl4pPr>
-            <a:lvl5pPr marL="2057400" indent="-228600" algn="l" defTabSz="914400" rtl="0" eaLnBrk="1" latinLnBrk="0" hangingPunct="1">
-              <a:lnSpc>
-                <a:spcPct val="90000"/>
-              </a:lnSpc>
-              <a:spcBef>
-                <a:spcPts val="500"/>
-              </a:spcBef>
-              <a:buFont typeface="Arial" panose="020B0604020202020204" pitchFamily="34" charset="0"/>
-              <a:buChar char="•"/>
-              <a:defRPr sz="1800" kern="1200">
-                <a:solidFill>
-                  <a:schemeClr val="tx1"/>
-                </a:solidFill>
-                <a:latin typeface="+mn-lt"/>
-                <a:ea typeface="+mn-ea"/>
-                <a:cs typeface="+mn-cs"/>
-              </a:defRPr>
-            </a:lvl5pPr>
-            <a:lvl6pPr marL="2514600" indent="-228600" algn="l" defTabSz="914400" rtl="0" eaLnBrk="1" latinLnBrk="0" hangingPunct="1">
-              <a:lnSpc>
-                <a:spcPct val="90000"/>
-              </a:lnSpc>
-              <a:spcBef>
-                <a:spcPts val="500"/>
-              </a:spcBef>
-              <a:buFont typeface="Arial" panose="020B0604020202020204" pitchFamily="34" charset="0"/>
-              <a:buChar char="•"/>
-              <a:defRPr sz="1800" kern="1200">
-                <a:solidFill>
-                  <a:schemeClr val="tx1"/>
-                </a:solidFill>
-                <a:latin typeface="+mn-lt"/>
-                <a:ea typeface="+mn-ea"/>
-                <a:cs typeface="+mn-cs"/>
-              </a:defRPr>
-            </a:lvl6pPr>
-            <a:lvl7pPr marL="2971800" indent="-228600" algn="l" defTabSz="914400" rtl="0" eaLnBrk="1" latinLnBrk="0" hangingPunct="1">
-              <a:lnSpc>
-                <a:spcPct val="90000"/>
-              </a:lnSpc>
-              <a:spcBef>
-                <a:spcPts val="500"/>
-              </a:spcBef>
-              <a:buFont typeface="Arial" panose="020B0604020202020204" pitchFamily="34" charset="0"/>
-              <a:buChar char="•"/>
-              <a:defRPr sz="1800" kern="1200">
-                <a:solidFill>
-                  <a:schemeClr val="tx1"/>
-                </a:solidFill>
-                <a:latin typeface="+mn-lt"/>
-                <a:ea typeface="+mn-ea"/>
-                <a:cs typeface="+mn-cs"/>
-              </a:defRPr>
-            </a:lvl7pPr>
-            <a:lvl8pPr marL="3429000" indent="-228600" algn="l" defTabSz="914400" rtl="0" eaLnBrk="1" latinLnBrk="0" hangingPunct="1">
-              <a:lnSpc>
-                <a:spcPct val="90000"/>
-              </a:lnSpc>
-              <a:spcBef>
-                <a:spcPts val="500"/>
-              </a:spcBef>
-              <a:buFont typeface="Arial" panose="020B0604020202020204" pitchFamily="34" charset="0"/>
-              <a:buChar char="•"/>
-              <a:defRPr sz="1800" kern="1200">
-                <a:solidFill>
-                  <a:schemeClr val="tx1"/>
-                </a:solidFill>
-                <a:latin typeface="+mn-lt"/>
-                <a:ea typeface="+mn-ea"/>
-                <a:cs typeface="+mn-cs"/>
-              </a:defRPr>
-            </a:lvl8pPr>
-            <a:lvl9pPr marL="3886200" indent="-228600" algn="l" defTabSz="914400" rtl="0" eaLnBrk="1" latinLnBrk="0" hangingPunct="1">
-              <a:lnSpc>
-                <a:spcPct val="90000"/>
-              </a:lnSpc>
-              <a:spcBef>
-                <a:spcPts val="500"/>
-              </a:spcBef>
-              <a:buFont typeface="Arial" panose="020B0604020202020204" pitchFamily="34" charset="0"/>
-              <a:buChar char="•"/>
-              <a:defRPr sz="1800" kern="1200">
-                <a:solidFill>
-                  <a:schemeClr val="tx1"/>
-                </a:solidFill>
-                <a:latin typeface="+mn-lt"/>
-                <a:ea typeface="+mn-ea"/>
-                <a:cs typeface="+mn-cs"/>
-              </a:defRPr>
-            </a:lvl9pPr>
-          </a:lstStyle>
-          <a:p>
-            <a:pPr marL="0" indent="0" algn="ctr">
-              <a:spcBef>
-                <a:spcPct val="0"/>
-              </a:spcBef>
-              <a:spcAft>
-                <a:spcPct val="0"/>
-              </a:spcAft>
-              <a:buNone/>
-            </a:pPr>
-            <a:fld id="{776F9243-2302-4A0A-BAAC-07467FE57D56}" type="datetime'1''''.7''''''''''''''''''''''''''''''''''''''''''%'''">
-              <a:rPr lang="en-US" altLang="en-US" sz="1400" smtClean="0">
-                <a:solidFill>
-                  <a:schemeClr val="bg1"/>
-                </a:solidFill>
-                <a:effectLst/>
-              </a:rPr>
-              <a:pPr/>
-              <a:t>1.7%</a:t>
-            </a:fld>
-            <a:endParaRPr lang="en-US" sz="1400" dirty="0">
-              <a:solidFill>
-                <a:schemeClr val="bg1"/>
-              </a:solidFill>
-            </a:endParaRPr>
-          </a:p>
-        </p:txBody>
-      </p:sp>
-      <p:sp>
-        <p:nvSpPr>
-          <p:cNvPr id="397" name="Rectangle 396">
-            <a:extLst>
-              <a:ext uri="{FF2B5EF4-FFF2-40B4-BE49-F238E27FC236}">
-                <a16:creationId xmlns:a16="http://schemas.microsoft.com/office/drawing/2014/main" id="{8F139A8E-8B69-16D8-FF4D-4485EEEA81BF}"/>
+                <a16:creationId xmlns:a16="http://schemas.microsoft.com/office/drawing/2014/main" id="{6862160E-83C3-739C-81C9-3F8FCCDA48C6}"/>
               </a:ext>
             </a:extLst>
           </p:cNvPr>
@@ -9098,14 +9119,14 @@
         </p:nvSpPr>
         <p:spPr bwMode="auto">
           <a:xfrm>
-            <a:off x="10207625" y="2668588"/>
+            <a:off x="10207625" y="1906588"/>
             <a:ext cx="250825" cy="187325"/>
           </a:xfrm>
           <a:prstGeom prst="rect">
             <a:avLst/>
           </a:prstGeom>
           <a:solidFill>
-            <a:schemeClr val="accent1"/>
+            <a:schemeClr val="accent4"/>
           </a:solidFill>
           <a:ln w="12700" cap="flat" cmpd="sng" algn="ctr">
             <a:noFill/>
@@ -9158,10 +9179,10 @@
       </p:sp>
       <p:sp>
         <p:nvSpPr>
-          <p:cNvPr id="395" name="Rectangle 394">
+          <p:cNvPr id="392" name="Rectangle 391">
             <a:extLst>
               <a:ext uri="{FF2B5EF4-FFF2-40B4-BE49-F238E27FC236}">
-                <a16:creationId xmlns:a16="http://schemas.microsoft.com/office/drawing/2014/main" id="{57391670-30A4-EAC2-32E2-D9315693A9AC}"/>
+                <a16:creationId xmlns:a16="http://schemas.microsoft.com/office/drawing/2014/main" id="{AC2C9A98-FE6C-C979-12CC-1FDE567E04C6}"/>
               </a:ext>
             </a:extLst>
           </p:cNvPr>
@@ -9174,14 +9195,14 @@
         </p:nvSpPr>
         <p:spPr bwMode="auto">
           <a:xfrm>
-            <a:off x="10207625" y="2160588"/>
+            <a:off x="10207625" y="1398588"/>
             <a:ext cx="250825" cy="187325"/>
           </a:xfrm>
           <a:prstGeom prst="rect">
             <a:avLst/>
           </a:prstGeom>
           <a:solidFill>
-            <a:schemeClr val="accent3"/>
+            <a:schemeClr val="accent6"/>
           </a:solidFill>
           <a:ln w="12700" cap="flat" cmpd="sng" algn="ctr">
             <a:noFill/>
@@ -9234,158 +9255,6 @@
       </p:sp>
       <p:sp>
         <p:nvSpPr>
-          <p:cNvPr id="394" name="Rectangle 393">
-            <a:extLst>
-              <a:ext uri="{FF2B5EF4-FFF2-40B4-BE49-F238E27FC236}">
-                <a16:creationId xmlns:a16="http://schemas.microsoft.com/office/drawing/2014/main" id="{6862160E-83C3-739C-81C9-3F8FCCDA48C6}"/>
-              </a:ext>
-            </a:extLst>
-          </p:cNvPr>
-          <p:cNvSpPr/>
-          <p:nvPr>
-            <p:custDataLst>
-              <p:tags r:id="rId29"/>
-            </p:custDataLst>
-          </p:nvPr>
-        </p:nvSpPr>
-        <p:spPr bwMode="auto">
-          <a:xfrm>
-            <a:off x="10207625" y="1906588"/>
-            <a:ext cx="250825" cy="187325"/>
-          </a:xfrm>
-          <a:prstGeom prst="rect">
-            <a:avLst/>
-          </a:prstGeom>
-          <a:solidFill>
-            <a:schemeClr val="accent4"/>
-          </a:solidFill>
-          <a:ln w="12700" cap="flat" cmpd="sng" algn="ctr">
-            <a:noFill/>
-            <a:prstDash val="solid"/>
-            <a:miter lim="800000"/>
-            <a:headEnd type="none" w="med" len="med"/>
-            <a:tailEnd type="none" w="med" len="med"/>
-          </a:ln>
-          <a:effectLst/>
-          <a:extLst>
-            <a:ext uri="{91240B29-F687-4F45-9708-019B960494DF}">
-              <a14:hiddenLine xmlns:a14="http://schemas.microsoft.com/office/drawing/2010/main" w="12700" cap="flat" cmpd="sng" algn="ctr">
-                <a:solidFill>
-                  <a:schemeClr val="accent1">
-                    <a:shade val="50000"/>
-                  </a:schemeClr>
-                </a:solidFill>
-                <a:prstDash val="solid"/>
-                <a:miter lim="800000"/>
-                <a:headEnd type="none" w="med" len="med"/>
-                <a:tailEnd type="none" w="med" len="med"/>
-              </a14:hiddenLine>
-            </a:ext>
-          </a:extLst>
-        </p:spPr>
-        <p:style>
-          <a:lnRef idx="2">
-            <a:schemeClr val="accent1">
-              <a:shade val="50000"/>
-            </a:schemeClr>
-          </a:lnRef>
-          <a:fillRef idx="1">
-            <a:schemeClr val="accent1"/>
-          </a:fillRef>
-          <a:effectRef idx="0">
-            <a:schemeClr val="accent1"/>
-          </a:effectRef>
-          <a:fontRef idx="minor">
-            <a:schemeClr val="lt1"/>
-          </a:fontRef>
-        </p:style>
-        <p:txBody>
-          <a:bodyPr rtlCol="0" anchor="ctr"/>
-          <a:lstStyle/>
-          <a:p>
-            <a:pPr algn="ctr"/>
-            <a:endParaRPr lang="en-US"/>
-          </a:p>
-        </p:txBody>
-      </p:sp>
-      <p:sp>
-        <p:nvSpPr>
-          <p:cNvPr id="392" name="Rectangle 391">
-            <a:extLst>
-              <a:ext uri="{FF2B5EF4-FFF2-40B4-BE49-F238E27FC236}">
-                <a16:creationId xmlns:a16="http://schemas.microsoft.com/office/drawing/2014/main" id="{AC2C9A98-FE6C-C979-12CC-1FDE567E04C6}"/>
-              </a:ext>
-            </a:extLst>
-          </p:cNvPr>
-          <p:cNvSpPr/>
-          <p:nvPr>
-            <p:custDataLst>
-              <p:tags r:id="rId30"/>
-            </p:custDataLst>
-          </p:nvPr>
-        </p:nvSpPr>
-        <p:spPr bwMode="auto">
-          <a:xfrm>
-            <a:off x="10207625" y="1398588"/>
-            <a:ext cx="250825" cy="187325"/>
-          </a:xfrm>
-          <a:prstGeom prst="rect">
-            <a:avLst/>
-          </a:prstGeom>
-          <a:solidFill>
-            <a:schemeClr val="accent6"/>
-          </a:solidFill>
-          <a:ln w="12700" cap="flat" cmpd="sng" algn="ctr">
-            <a:noFill/>
-            <a:prstDash val="solid"/>
-            <a:miter lim="800000"/>
-            <a:headEnd type="none" w="med" len="med"/>
-            <a:tailEnd type="none" w="med" len="med"/>
-          </a:ln>
-          <a:effectLst/>
-          <a:extLst>
-            <a:ext uri="{91240B29-F687-4F45-9708-019B960494DF}">
-              <a14:hiddenLine xmlns:a14="http://schemas.microsoft.com/office/drawing/2010/main" w="12700" cap="flat" cmpd="sng" algn="ctr">
-                <a:solidFill>
-                  <a:schemeClr val="accent1">
-                    <a:shade val="50000"/>
-                  </a:schemeClr>
-                </a:solidFill>
-                <a:prstDash val="solid"/>
-                <a:miter lim="800000"/>
-                <a:headEnd type="none" w="med" len="med"/>
-                <a:tailEnd type="none" w="med" len="med"/>
-              </a14:hiddenLine>
-            </a:ext>
-          </a:extLst>
-        </p:spPr>
-        <p:style>
-          <a:lnRef idx="2">
-            <a:schemeClr val="accent1">
-              <a:shade val="50000"/>
-            </a:schemeClr>
-          </a:lnRef>
-          <a:fillRef idx="1">
-            <a:schemeClr val="accent1"/>
-          </a:fillRef>
-          <a:effectRef idx="0">
-            <a:schemeClr val="accent1"/>
-          </a:effectRef>
-          <a:fontRef idx="minor">
-            <a:schemeClr val="lt1"/>
-          </a:fontRef>
-        </p:style>
-        <p:txBody>
-          <a:bodyPr rtlCol="0" anchor="ctr"/>
-          <a:lstStyle/>
-          <a:p>
-            <a:pPr algn="ctr"/>
-            <a:endParaRPr lang="en-US"/>
-          </a:p>
-        </p:txBody>
-      </p:sp>
-      <p:sp>
-        <p:nvSpPr>
           <p:cNvPr id="393" name="Rectangle 392">
             <a:extLst>
               <a:ext uri="{FF2B5EF4-FFF2-40B4-BE49-F238E27FC236}">
@@ -9396,7 +9265,7 @@
           <p:cNvSpPr/>
           <p:nvPr>
             <p:custDataLst>
-              <p:tags r:id="rId31"/>
+              <p:tags r:id="rId29"/>
             </p:custDataLst>
           </p:nvPr>
         </p:nvSpPr>
@@ -9447,30 +9316,30 @@
       </p:sp>
       <p:sp>
         <p:nvSpPr>
-          <p:cNvPr id="396" name="Rectangle 395">
+          <p:cNvPr id="395" name="Rectangle 394">
             <a:extLst>
               <a:ext uri="{FF2B5EF4-FFF2-40B4-BE49-F238E27FC236}">
-                <a16:creationId xmlns:a16="http://schemas.microsoft.com/office/drawing/2014/main" id="{7E6EDAA4-3319-9A94-5A27-347D4BF81F7F}"/>
+                <a16:creationId xmlns:a16="http://schemas.microsoft.com/office/drawing/2014/main" id="{57391670-30A4-EAC2-32E2-D9315693A9AC}"/>
               </a:ext>
             </a:extLst>
           </p:cNvPr>
           <p:cNvSpPr/>
           <p:nvPr>
             <p:custDataLst>
-              <p:tags r:id="rId32"/>
+              <p:tags r:id="rId30"/>
             </p:custDataLst>
           </p:nvPr>
         </p:nvSpPr>
         <p:spPr bwMode="auto">
           <a:xfrm>
-            <a:off x="10207625" y="2414588"/>
+            <a:off x="10207625" y="2160588"/>
             <a:ext cx="250825" cy="187325"/>
           </a:xfrm>
           <a:prstGeom prst="rect">
             <a:avLst/>
           </a:prstGeom>
           <a:solidFill>
-            <a:schemeClr val="accent2"/>
+            <a:schemeClr val="accent3"/>
           </a:solidFill>
           <a:ln w="12700" cap="flat" cmpd="sng" algn="ctr">
             <a:noFill/>
@@ -9523,6 +9392,386 @@
       </p:sp>
       <p:sp>
         <p:nvSpPr>
+          <p:cNvPr id="396" name="Rectangle 395">
+            <a:extLst>
+              <a:ext uri="{FF2B5EF4-FFF2-40B4-BE49-F238E27FC236}">
+                <a16:creationId xmlns:a16="http://schemas.microsoft.com/office/drawing/2014/main" id="{7E6EDAA4-3319-9A94-5A27-347D4BF81F7F}"/>
+              </a:ext>
+            </a:extLst>
+          </p:cNvPr>
+          <p:cNvSpPr/>
+          <p:nvPr>
+            <p:custDataLst>
+              <p:tags r:id="rId31"/>
+            </p:custDataLst>
+          </p:nvPr>
+        </p:nvSpPr>
+        <p:spPr bwMode="auto">
+          <a:xfrm>
+            <a:off x="10207625" y="2414588"/>
+            <a:ext cx="250825" cy="187325"/>
+          </a:xfrm>
+          <a:prstGeom prst="rect">
+            <a:avLst/>
+          </a:prstGeom>
+          <a:solidFill>
+            <a:schemeClr val="accent2"/>
+          </a:solidFill>
+          <a:ln w="12700" cap="flat" cmpd="sng" algn="ctr">
+            <a:noFill/>
+            <a:prstDash val="solid"/>
+            <a:miter lim="800000"/>
+            <a:headEnd type="none" w="med" len="med"/>
+            <a:tailEnd type="none" w="med" len="med"/>
+          </a:ln>
+          <a:effectLst/>
+          <a:extLst>
+            <a:ext uri="{91240B29-F687-4F45-9708-019B960494DF}">
+              <a14:hiddenLine xmlns:a14="http://schemas.microsoft.com/office/drawing/2010/main" w="12700" cap="flat" cmpd="sng" algn="ctr">
+                <a:solidFill>
+                  <a:schemeClr val="accent1">
+                    <a:shade val="50000"/>
+                  </a:schemeClr>
+                </a:solidFill>
+                <a:prstDash val="solid"/>
+                <a:miter lim="800000"/>
+                <a:headEnd type="none" w="med" len="med"/>
+                <a:tailEnd type="none" w="med" len="med"/>
+              </a14:hiddenLine>
+            </a:ext>
+          </a:extLst>
+        </p:spPr>
+        <p:style>
+          <a:lnRef idx="2">
+            <a:schemeClr val="accent1">
+              <a:shade val="50000"/>
+            </a:schemeClr>
+          </a:lnRef>
+          <a:fillRef idx="1">
+            <a:schemeClr val="accent1"/>
+          </a:fillRef>
+          <a:effectRef idx="0">
+            <a:schemeClr val="accent1"/>
+          </a:effectRef>
+          <a:fontRef idx="minor">
+            <a:schemeClr val="lt1"/>
+          </a:fontRef>
+        </p:style>
+        <p:txBody>
+          <a:bodyPr rtlCol="0" anchor="ctr"/>
+          <a:lstStyle/>
+          <a:p>
+            <a:pPr algn="ctr"/>
+            <a:endParaRPr lang="en-US"/>
+          </a:p>
+        </p:txBody>
+      </p:sp>
+      <p:sp>
+        <p:nvSpPr>
+          <p:cNvPr id="397" name="Rectangle 396">
+            <a:extLst>
+              <a:ext uri="{FF2B5EF4-FFF2-40B4-BE49-F238E27FC236}">
+                <a16:creationId xmlns:a16="http://schemas.microsoft.com/office/drawing/2014/main" id="{8F139A8E-8B69-16D8-FF4D-4485EEEA81BF}"/>
+              </a:ext>
+            </a:extLst>
+          </p:cNvPr>
+          <p:cNvSpPr/>
+          <p:nvPr>
+            <p:custDataLst>
+              <p:tags r:id="rId32"/>
+            </p:custDataLst>
+          </p:nvPr>
+        </p:nvSpPr>
+        <p:spPr bwMode="auto">
+          <a:xfrm>
+            <a:off x="10207625" y="2668588"/>
+            <a:ext cx="250825" cy="187325"/>
+          </a:xfrm>
+          <a:prstGeom prst="rect">
+            <a:avLst/>
+          </a:prstGeom>
+          <a:solidFill>
+            <a:schemeClr val="accent1"/>
+          </a:solidFill>
+          <a:ln w="12700" cap="flat" cmpd="sng" algn="ctr">
+            <a:noFill/>
+            <a:prstDash val="solid"/>
+            <a:miter lim="800000"/>
+            <a:headEnd type="none" w="med" len="med"/>
+            <a:tailEnd type="none" w="med" len="med"/>
+          </a:ln>
+          <a:effectLst/>
+          <a:extLst>
+            <a:ext uri="{91240B29-F687-4F45-9708-019B960494DF}">
+              <a14:hiddenLine xmlns:a14="http://schemas.microsoft.com/office/drawing/2010/main" w="12700" cap="flat" cmpd="sng" algn="ctr">
+                <a:solidFill>
+                  <a:schemeClr val="accent1">
+                    <a:shade val="50000"/>
+                  </a:schemeClr>
+                </a:solidFill>
+                <a:prstDash val="solid"/>
+                <a:miter lim="800000"/>
+                <a:headEnd type="none" w="med" len="med"/>
+                <a:tailEnd type="none" w="med" len="med"/>
+              </a14:hiddenLine>
+            </a:ext>
+          </a:extLst>
+        </p:spPr>
+        <p:style>
+          <a:lnRef idx="2">
+            <a:schemeClr val="accent1">
+              <a:shade val="50000"/>
+            </a:schemeClr>
+          </a:lnRef>
+          <a:fillRef idx="1">
+            <a:schemeClr val="accent1"/>
+          </a:fillRef>
+          <a:effectRef idx="0">
+            <a:schemeClr val="accent1"/>
+          </a:effectRef>
+          <a:fontRef idx="minor">
+            <a:schemeClr val="lt1"/>
+          </a:fontRef>
+        </p:style>
+        <p:txBody>
+          <a:bodyPr rtlCol="0" anchor="ctr"/>
+          <a:lstStyle/>
+          <a:p>
+            <a:pPr algn="ctr"/>
+            <a:endParaRPr lang="en-US"/>
+          </a:p>
+        </p:txBody>
+      </p:sp>
+      <p:sp>
+        <p:nvSpPr>
+          <p:cNvPr id="398" name="Text Placeholder 2">
+            <a:extLst>
+              <a:ext uri="{FF2B5EF4-FFF2-40B4-BE49-F238E27FC236}">
+                <a16:creationId xmlns:a16="http://schemas.microsoft.com/office/drawing/2014/main" id="{E5A7DB12-3395-5216-4A11-B585E10FA73D}"/>
+              </a:ext>
+            </a:extLst>
+          </p:cNvPr>
+          <p:cNvSpPr>
+            <a:spLocks noGrp="1"/>
+          </p:cNvSpPr>
+          <p:nvPr>
+            <p:custDataLst>
+              <p:tags r:id="rId33"/>
+            </p:custDataLst>
+          </p:nvPr>
+        </p:nvSpPr>
+        <p:spPr bwMode="auto">
+          <a:xfrm>
+            <a:off x="10509250" y="1409700"/>
+            <a:ext cx="1627188" cy="192088"/>
+          </a:xfrm>
+          <a:prstGeom prst="rect">
+            <a:avLst/>
+          </a:prstGeom>
+          <a:noFill/>
+          <a:ln>
+            <a:noFill/>
+          </a:ln>
+          <a:effectLst/>
+          <a:extLst>
+            <a:ext uri="{909E8E84-426E-40DD-AFC4-6F175D3DCCD1}">
+              <a14:hiddenFill xmlns:a14="http://schemas.microsoft.com/office/drawing/2010/main">
+                <a:solidFill>
+                  <a:schemeClr val="accent1"/>
+                </a:solidFill>
+              </a14:hiddenFill>
+            </a:ext>
+          </a:extLst>
+        </p:spPr>
+        <p:txBody>
+          <a:bodyPr vert="horz" wrap="none" lIns="0" tIns="0" rIns="0" bIns="0" numCol="1" spcCol="0" rtlCol="0" anchor="ctr" anchorCtr="0">
+            <a:noAutofit/>
+          </a:bodyPr>
+          <a:lstStyle>
+            <a:lvl1pPr marL="228600" indent="-228600" algn="l" defTabSz="914400" rtl="0" eaLnBrk="1" latinLnBrk="0" hangingPunct="1">
+              <a:lnSpc>
+                <a:spcPct val="90000"/>
+              </a:lnSpc>
+              <a:spcBef>
+                <a:spcPts val="1000"/>
+              </a:spcBef>
+              <a:buFont typeface="Arial" panose="020B0604020202020204" pitchFamily="34" charset="0"/>
+              <a:buChar char="•"/>
+              <a:defRPr sz="2800" kern="1200">
+                <a:solidFill>
+                  <a:schemeClr val="tx1"/>
+                </a:solidFill>
+                <a:latin typeface="+mn-lt"/>
+                <a:ea typeface="+mn-ea"/>
+                <a:cs typeface="+mn-cs"/>
+              </a:defRPr>
+            </a:lvl1pPr>
+            <a:lvl2pPr marL="685800" indent="-228600" algn="l" defTabSz="914400" rtl="0" eaLnBrk="1" latinLnBrk="0" hangingPunct="1">
+              <a:lnSpc>
+                <a:spcPct val="90000"/>
+              </a:lnSpc>
+              <a:spcBef>
+                <a:spcPts val="500"/>
+              </a:spcBef>
+              <a:buFont typeface="Arial" panose="020B0604020202020204" pitchFamily="34" charset="0"/>
+              <a:buChar char="•"/>
+              <a:defRPr sz="2400" kern="1200">
+                <a:solidFill>
+                  <a:schemeClr val="tx1"/>
+                </a:solidFill>
+                <a:latin typeface="+mn-lt"/>
+                <a:ea typeface="+mn-ea"/>
+                <a:cs typeface="+mn-cs"/>
+              </a:defRPr>
+            </a:lvl2pPr>
+            <a:lvl3pPr marL="1143000" indent="-228600" algn="l" defTabSz="914400" rtl="0" eaLnBrk="1" latinLnBrk="0" hangingPunct="1">
+              <a:lnSpc>
+                <a:spcPct val="90000"/>
+              </a:lnSpc>
+              <a:spcBef>
+                <a:spcPts val="500"/>
+              </a:spcBef>
+              <a:buFont typeface="Arial" panose="020B0604020202020204" pitchFamily="34" charset="0"/>
+              <a:buChar char="•"/>
+              <a:defRPr sz="2000" kern="1200">
+                <a:solidFill>
+                  <a:schemeClr val="tx1"/>
+                </a:solidFill>
+                <a:latin typeface="+mn-lt"/>
+                <a:ea typeface="+mn-ea"/>
+                <a:cs typeface="+mn-cs"/>
+              </a:defRPr>
+            </a:lvl3pPr>
+            <a:lvl4pPr marL="1600200" indent="-228600" algn="l" defTabSz="914400" rtl="0" eaLnBrk="1" latinLnBrk="0" hangingPunct="1">
+              <a:lnSpc>
+                <a:spcPct val="90000"/>
+              </a:lnSpc>
+              <a:spcBef>
+                <a:spcPts val="500"/>
+              </a:spcBef>
+              <a:buFont typeface="Arial" panose="020B0604020202020204" pitchFamily="34" charset="0"/>
+              <a:buChar char="•"/>
+              <a:defRPr sz="1800" kern="1200">
+                <a:solidFill>
+                  <a:schemeClr val="tx1"/>
+                </a:solidFill>
+                <a:latin typeface="+mn-lt"/>
+                <a:ea typeface="+mn-ea"/>
+                <a:cs typeface="+mn-cs"/>
+              </a:defRPr>
+            </a:lvl4pPr>
+            <a:lvl5pPr marL="2057400" indent="-228600" algn="l" defTabSz="914400" rtl="0" eaLnBrk="1" latinLnBrk="0" hangingPunct="1">
+              <a:lnSpc>
+                <a:spcPct val="90000"/>
+              </a:lnSpc>
+              <a:spcBef>
+                <a:spcPts val="500"/>
+              </a:spcBef>
+              <a:buFont typeface="Arial" panose="020B0604020202020204" pitchFamily="34" charset="0"/>
+              <a:buChar char="•"/>
+              <a:defRPr sz="1800" kern="1200">
+                <a:solidFill>
+                  <a:schemeClr val="tx1"/>
+                </a:solidFill>
+                <a:latin typeface="+mn-lt"/>
+                <a:ea typeface="+mn-ea"/>
+                <a:cs typeface="+mn-cs"/>
+              </a:defRPr>
+            </a:lvl5pPr>
+            <a:lvl6pPr marL="2514600" indent="-228600" algn="l" defTabSz="914400" rtl="0" eaLnBrk="1" latinLnBrk="0" hangingPunct="1">
+              <a:lnSpc>
+                <a:spcPct val="90000"/>
+              </a:lnSpc>
+              <a:spcBef>
+                <a:spcPts val="500"/>
+              </a:spcBef>
+              <a:buFont typeface="Arial" panose="020B0604020202020204" pitchFamily="34" charset="0"/>
+              <a:buChar char="•"/>
+              <a:defRPr sz="1800" kern="1200">
+                <a:solidFill>
+                  <a:schemeClr val="tx1"/>
+                </a:solidFill>
+                <a:latin typeface="+mn-lt"/>
+                <a:ea typeface="+mn-ea"/>
+                <a:cs typeface="+mn-cs"/>
+              </a:defRPr>
+            </a:lvl6pPr>
+            <a:lvl7pPr marL="2971800" indent="-228600" algn="l" defTabSz="914400" rtl="0" eaLnBrk="1" latinLnBrk="0" hangingPunct="1">
+              <a:lnSpc>
+                <a:spcPct val="90000"/>
+              </a:lnSpc>
+              <a:spcBef>
+                <a:spcPts val="500"/>
+              </a:spcBef>
+              <a:buFont typeface="Arial" panose="020B0604020202020204" pitchFamily="34" charset="0"/>
+              <a:buChar char="•"/>
+              <a:defRPr sz="1800" kern="1200">
+                <a:solidFill>
+                  <a:schemeClr val="tx1"/>
+                </a:solidFill>
+                <a:latin typeface="+mn-lt"/>
+                <a:ea typeface="+mn-ea"/>
+                <a:cs typeface="+mn-cs"/>
+              </a:defRPr>
+            </a:lvl7pPr>
+            <a:lvl8pPr marL="3429000" indent="-228600" algn="l" defTabSz="914400" rtl="0" eaLnBrk="1" latinLnBrk="0" hangingPunct="1">
+              <a:lnSpc>
+                <a:spcPct val="90000"/>
+              </a:lnSpc>
+              <a:spcBef>
+                <a:spcPts val="500"/>
+              </a:spcBef>
+              <a:buFont typeface="Arial" panose="020B0604020202020204" pitchFamily="34" charset="0"/>
+              <a:buChar char="•"/>
+              <a:defRPr sz="1800" kern="1200">
+                <a:solidFill>
+                  <a:schemeClr val="tx1"/>
+                </a:solidFill>
+                <a:latin typeface="+mn-lt"/>
+                <a:ea typeface="+mn-ea"/>
+                <a:cs typeface="+mn-cs"/>
+              </a:defRPr>
+            </a:lvl8pPr>
+            <a:lvl9pPr marL="3886200" indent="-228600" algn="l" defTabSz="914400" rtl="0" eaLnBrk="1" latinLnBrk="0" hangingPunct="1">
+              <a:lnSpc>
+                <a:spcPct val="90000"/>
+              </a:lnSpc>
+              <a:spcBef>
+                <a:spcPts val="500"/>
+              </a:spcBef>
+              <a:buFont typeface="Arial" panose="020B0604020202020204" pitchFamily="34" charset="0"/>
+              <a:buChar char="•"/>
+              <a:defRPr sz="1800" kern="1200">
+                <a:solidFill>
+                  <a:schemeClr val="tx1"/>
+                </a:solidFill>
+                <a:latin typeface="+mn-lt"/>
+                <a:ea typeface="+mn-ea"/>
+                <a:cs typeface="+mn-cs"/>
+              </a:defRPr>
+            </a:lvl9pPr>
+          </a:lstStyle>
+          <a:p>
+            <a:pPr marL="0" indent="0">
+              <a:spcBef>
+                <a:spcPct val="0"/>
+              </a:spcBef>
+              <a:spcAft>
+                <a:spcPct val="0"/>
+              </a:spcAft>
+              <a:buNone/>
+            </a:pPr>
+            <a:fld id="{1D1264A1-4B90-4442-B2AA-F187F627F355}" type="datetime'''Be''n and'' ''''J''er''''''''''''rys = 4,''''111'''''">
+              <a:rPr lang="en-US" altLang="en-US" sz="1400" smtClean="0"/>
+              <a:pPr/>
+              <a:t>Ben and Jerrys = 4,111</a:t>
+            </a:fld>
+            <a:endParaRPr lang="en-US" sz="1400" dirty="0"/>
+          </a:p>
+        </p:txBody>
+      </p:sp>
+      <p:sp>
+        <p:nvSpPr>
           <p:cNvPr id="400" name="Text Placeholder 2">
             <a:extLst>
               <a:ext uri="{FF2B5EF4-FFF2-40B4-BE49-F238E27FC236}">
@@ -9535,7 +9784,7 @@
           </p:cNvSpPr>
           <p:nvPr>
             <p:custDataLst>
-              <p:tags r:id="rId33"/>
+              <p:tags r:id="rId34"/>
             </p:custDataLst>
           </p:nvPr>
         </p:nvSpPr>
@@ -9744,234 +9993,6 @@
               <a:rPr lang="en-US" altLang="en-US" sz="1400" smtClean="0"/>
               <a:pPr/>
               <a:t>Pepsi = 3,937</a:t>
-            </a:fld>
-            <a:endParaRPr lang="en-US" sz="1400" dirty="0"/>
-          </a:p>
-        </p:txBody>
-      </p:sp>
-      <p:sp>
-        <p:nvSpPr>
-          <p:cNvPr id="398" name="Text Placeholder 2">
-            <a:extLst>
-              <a:ext uri="{FF2B5EF4-FFF2-40B4-BE49-F238E27FC236}">
-                <a16:creationId xmlns:a16="http://schemas.microsoft.com/office/drawing/2014/main" id="{E5A7DB12-3395-5216-4A11-B585E10FA73D}"/>
-              </a:ext>
-            </a:extLst>
-          </p:cNvPr>
-          <p:cNvSpPr>
-            <a:spLocks noGrp="1"/>
-          </p:cNvSpPr>
-          <p:nvPr>
-            <p:custDataLst>
-              <p:tags r:id="rId34"/>
-            </p:custDataLst>
-          </p:nvPr>
-        </p:nvSpPr>
-        <p:spPr bwMode="auto">
-          <a:xfrm>
-            <a:off x="10509250" y="1409700"/>
-            <a:ext cx="1627188" cy="192088"/>
-          </a:xfrm>
-          <a:prstGeom prst="rect">
-            <a:avLst/>
-          </a:prstGeom>
-          <a:noFill/>
-          <a:ln>
-            <a:noFill/>
-          </a:ln>
-          <a:effectLst/>
-          <a:extLst>
-            <a:ext uri="{909E8E84-426E-40DD-AFC4-6F175D3DCCD1}">
-              <a14:hiddenFill xmlns:a14="http://schemas.microsoft.com/office/drawing/2010/main">
-                <a:solidFill>
-                  <a:schemeClr val="accent1"/>
-                </a:solidFill>
-              </a14:hiddenFill>
-            </a:ext>
-          </a:extLst>
-        </p:spPr>
-        <p:txBody>
-          <a:bodyPr vert="horz" wrap="none" lIns="0" tIns="0" rIns="0" bIns="0" numCol="1" spcCol="0" rtlCol="0" anchor="ctr" anchorCtr="0">
-            <a:noAutofit/>
-          </a:bodyPr>
-          <a:lstStyle>
-            <a:lvl1pPr marL="228600" indent="-228600" algn="l" defTabSz="914400" rtl="0" eaLnBrk="1" latinLnBrk="0" hangingPunct="1">
-              <a:lnSpc>
-                <a:spcPct val="90000"/>
-              </a:lnSpc>
-              <a:spcBef>
-                <a:spcPts val="1000"/>
-              </a:spcBef>
-              <a:buFont typeface="Arial" panose="020B0604020202020204" pitchFamily="34" charset="0"/>
-              <a:buChar char="•"/>
-              <a:defRPr sz="2800" kern="1200">
-                <a:solidFill>
-                  <a:schemeClr val="tx1"/>
-                </a:solidFill>
-                <a:latin typeface="+mn-lt"/>
-                <a:ea typeface="+mn-ea"/>
-                <a:cs typeface="+mn-cs"/>
-              </a:defRPr>
-            </a:lvl1pPr>
-            <a:lvl2pPr marL="685800" indent="-228600" algn="l" defTabSz="914400" rtl="0" eaLnBrk="1" latinLnBrk="0" hangingPunct="1">
-              <a:lnSpc>
-                <a:spcPct val="90000"/>
-              </a:lnSpc>
-              <a:spcBef>
-                <a:spcPts val="500"/>
-              </a:spcBef>
-              <a:buFont typeface="Arial" panose="020B0604020202020204" pitchFamily="34" charset="0"/>
-              <a:buChar char="•"/>
-              <a:defRPr sz="2400" kern="1200">
-                <a:solidFill>
-                  <a:schemeClr val="tx1"/>
-                </a:solidFill>
-                <a:latin typeface="+mn-lt"/>
-                <a:ea typeface="+mn-ea"/>
-                <a:cs typeface="+mn-cs"/>
-              </a:defRPr>
-            </a:lvl2pPr>
-            <a:lvl3pPr marL="1143000" indent="-228600" algn="l" defTabSz="914400" rtl="0" eaLnBrk="1" latinLnBrk="0" hangingPunct="1">
-              <a:lnSpc>
-                <a:spcPct val="90000"/>
-              </a:lnSpc>
-              <a:spcBef>
-                <a:spcPts val="500"/>
-              </a:spcBef>
-              <a:buFont typeface="Arial" panose="020B0604020202020204" pitchFamily="34" charset="0"/>
-              <a:buChar char="•"/>
-              <a:defRPr sz="2000" kern="1200">
-                <a:solidFill>
-                  <a:schemeClr val="tx1"/>
-                </a:solidFill>
-                <a:latin typeface="+mn-lt"/>
-                <a:ea typeface="+mn-ea"/>
-                <a:cs typeface="+mn-cs"/>
-              </a:defRPr>
-            </a:lvl3pPr>
-            <a:lvl4pPr marL="1600200" indent="-228600" algn="l" defTabSz="914400" rtl="0" eaLnBrk="1" latinLnBrk="0" hangingPunct="1">
-              <a:lnSpc>
-                <a:spcPct val="90000"/>
-              </a:lnSpc>
-              <a:spcBef>
-                <a:spcPts val="500"/>
-              </a:spcBef>
-              <a:buFont typeface="Arial" panose="020B0604020202020204" pitchFamily="34" charset="0"/>
-              <a:buChar char="•"/>
-              <a:defRPr sz="1800" kern="1200">
-                <a:solidFill>
-                  <a:schemeClr val="tx1"/>
-                </a:solidFill>
-                <a:latin typeface="+mn-lt"/>
-                <a:ea typeface="+mn-ea"/>
-                <a:cs typeface="+mn-cs"/>
-              </a:defRPr>
-            </a:lvl4pPr>
-            <a:lvl5pPr marL="2057400" indent="-228600" algn="l" defTabSz="914400" rtl="0" eaLnBrk="1" latinLnBrk="0" hangingPunct="1">
-              <a:lnSpc>
-                <a:spcPct val="90000"/>
-              </a:lnSpc>
-              <a:spcBef>
-                <a:spcPts val="500"/>
-              </a:spcBef>
-              <a:buFont typeface="Arial" panose="020B0604020202020204" pitchFamily="34" charset="0"/>
-              <a:buChar char="•"/>
-              <a:defRPr sz="1800" kern="1200">
-                <a:solidFill>
-                  <a:schemeClr val="tx1"/>
-                </a:solidFill>
-                <a:latin typeface="+mn-lt"/>
-                <a:ea typeface="+mn-ea"/>
-                <a:cs typeface="+mn-cs"/>
-              </a:defRPr>
-            </a:lvl5pPr>
-            <a:lvl6pPr marL="2514600" indent="-228600" algn="l" defTabSz="914400" rtl="0" eaLnBrk="1" latinLnBrk="0" hangingPunct="1">
-              <a:lnSpc>
-                <a:spcPct val="90000"/>
-              </a:lnSpc>
-              <a:spcBef>
-                <a:spcPts val="500"/>
-              </a:spcBef>
-              <a:buFont typeface="Arial" panose="020B0604020202020204" pitchFamily="34" charset="0"/>
-              <a:buChar char="•"/>
-              <a:defRPr sz="1800" kern="1200">
-                <a:solidFill>
-                  <a:schemeClr val="tx1"/>
-                </a:solidFill>
-                <a:latin typeface="+mn-lt"/>
-                <a:ea typeface="+mn-ea"/>
-                <a:cs typeface="+mn-cs"/>
-              </a:defRPr>
-            </a:lvl6pPr>
-            <a:lvl7pPr marL="2971800" indent="-228600" algn="l" defTabSz="914400" rtl="0" eaLnBrk="1" latinLnBrk="0" hangingPunct="1">
-              <a:lnSpc>
-                <a:spcPct val="90000"/>
-              </a:lnSpc>
-              <a:spcBef>
-                <a:spcPts val="500"/>
-              </a:spcBef>
-              <a:buFont typeface="Arial" panose="020B0604020202020204" pitchFamily="34" charset="0"/>
-              <a:buChar char="•"/>
-              <a:defRPr sz="1800" kern="1200">
-                <a:solidFill>
-                  <a:schemeClr val="tx1"/>
-                </a:solidFill>
-                <a:latin typeface="+mn-lt"/>
-                <a:ea typeface="+mn-ea"/>
-                <a:cs typeface="+mn-cs"/>
-              </a:defRPr>
-            </a:lvl7pPr>
-            <a:lvl8pPr marL="3429000" indent="-228600" algn="l" defTabSz="914400" rtl="0" eaLnBrk="1" latinLnBrk="0" hangingPunct="1">
-              <a:lnSpc>
-                <a:spcPct val="90000"/>
-              </a:lnSpc>
-              <a:spcBef>
-                <a:spcPts val="500"/>
-              </a:spcBef>
-              <a:buFont typeface="Arial" panose="020B0604020202020204" pitchFamily="34" charset="0"/>
-              <a:buChar char="•"/>
-              <a:defRPr sz="1800" kern="1200">
-                <a:solidFill>
-                  <a:schemeClr val="tx1"/>
-                </a:solidFill>
-                <a:latin typeface="+mn-lt"/>
-                <a:ea typeface="+mn-ea"/>
-                <a:cs typeface="+mn-cs"/>
-              </a:defRPr>
-            </a:lvl8pPr>
-            <a:lvl9pPr marL="3886200" indent="-228600" algn="l" defTabSz="914400" rtl="0" eaLnBrk="1" latinLnBrk="0" hangingPunct="1">
-              <a:lnSpc>
-                <a:spcPct val="90000"/>
-              </a:lnSpc>
-              <a:spcBef>
-                <a:spcPts val="500"/>
-              </a:spcBef>
-              <a:buFont typeface="Arial" panose="020B0604020202020204" pitchFamily="34" charset="0"/>
-              <a:buChar char="•"/>
-              <a:defRPr sz="1800" kern="1200">
-                <a:solidFill>
-                  <a:schemeClr val="tx1"/>
-                </a:solidFill>
-                <a:latin typeface="+mn-lt"/>
-                <a:ea typeface="+mn-ea"/>
-                <a:cs typeface="+mn-cs"/>
-              </a:defRPr>
-            </a:lvl9pPr>
-          </a:lstStyle>
-          <a:p>
-            <a:pPr marL="0" indent="0">
-              <a:spcBef>
-                <a:spcPct val="0"/>
-              </a:spcBef>
-              <a:spcAft>
-                <a:spcPct val="0"/>
-              </a:spcAft>
-              <a:buNone/>
-            </a:pPr>
-            <a:fld id="{1D1264A1-4B90-4442-B2AA-F187F627F355}" type="datetime'''Be''n and'' ''''J''er''''''''''''rys = 4,''''111'''''">
-              <a:rPr lang="en-US" altLang="en-US" sz="1400" smtClean="0"/>
-              <a:pPr/>
-              <a:t>Ben and Jerrys = 4,111</a:t>
             </a:fld>
             <a:endParaRPr lang="en-US" sz="1400" dirty="0"/>
           </a:p>
@@ -10207,10 +10228,10 @@
       </p:sp>
       <p:sp>
         <p:nvSpPr>
-          <p:cNvPr id="403" name="Text Placeholder 2">
+          <p:cNvPr id="401" name="Text Placeholder 2">
             <a:extLst>
               <a:ext uri="{FF2B5EF4-FFF2-40B4-BE49-F238E27FC236}">
-                <a16:creationId xmlns:a16="http://schemas.microsoft.com/office/drawing/2014/main" id="{2484883C-2B53-61DE-19E9-9F79FE260899}"/>
+                <a16:creationId xmlns:a16="http://schemas.microsoft.com/office/drawing/2014/main" id="{F6D3763C-E73F-53EA-3E70-A969BECD188A}"/>
               </a:ext>
             </a:extLst>
           </p:cNvPr>
@@ -10225,8 +10246,8 @@
         </p:nvSpPr>
         <p:spPr bwMode="auto">
           <a:xfrm>
-            <a:off x="10509250" y="2679700"/>
-            <a:ext cx="1917700" cy="192088"/>
+            <a:off x="10509250" y="2171700"/>
+            <a:ext cx="1089025" cy="192088"/>
           </a:xfrm>
           <a:prstGeom prst="rect">
             <a:avLst/>
@@ -10424,10 +10445,10 @@
               </a:spcAft>
               <a:buNone/>
             </a:pPr>
-            <a:fld id="{037DFC31-B64B-431F-BCC1-3A00E218A990}" type="datetime'Al''''l'''' o''''ther'' B''''rands'' ''''= 214'''''',3''2''5'">
+            <a:fld id="{8257C297-36FD-4073-A97E-3AA7764846DC}" type="datetime'F''ol''g''e''''rs ''= ''''''3,''''''''''6''''''8''1'''''''">
               <a:rPr lang="en-US" altLang="en-US" sz="1400" smtClean="0"/>
               <a:pPr/>
-              <a:t>All other Brands = 214,325</a:t>
+              <a:t>Folgers = 3,681</a:t>
             </a:fld>
             <a:endParaRPr lang="en-US" sz="1400" dirty="0"/>
           </a:p>
@@ -10663,10 +10684,10 @@
       </p:sp>
       <p:sp>
         <p:nvSpPr>
-          <p:cNvPr id="401" name="Text Placeholder 2">
+          <p:cNvPr id="403" name="Text Placeholder 2">
             <a:extLst>
               <a:ext uri="{FF2B5EF4-FFF2-40B4-BE49-F238E27FC236}">
-                <a16:creationId xmlns:a16="http://schemas.microsoft.com/office/drawing/2014/main" id="{F6D3763C-E73F-53EA-3E70-A969BECD188A}"/>
+                <a16:creationId xmlns:a16="http://schemas.microsoft.com/office/drawing/2014/main" id="{2484883C-2B53-61DE-19E9-9F79FE260899}"/>
               </a:ext>
             </a:extLst>
           </p:cNvPr>
@@ -10681,8 +10702,8 @@
         </p:nvSpPr>
         <p:spPr bwMode="auto">
           <a:xfrm>
-            <a:off x="10509250" y="2171700"/>
-            <a:ext cx="1177925" cy="192088"/>
+            <a:off x="10509250" y="2679700"/>
+            <a:ext cx="1917700" cy="192088"/>
           </a:xfrm>
           <a:prstGeom prst="rect">
             <a:avLst/>
@@ -10880,10 +10901,10 @@
               </a:spcAft>
               <a:buNone/>
             </a:pPr>
-            <a:fld id="{BD8CB55C-5601-4F3C-81B9-D86892E969D1}" type="datetime'Fo''''l''e''''''g''''e''''''''r''''''s'' ''= ''3'',''681'''">
+            <a:fld id="{037DFC31-B64B-431F-BCC1-3A00E218A990}" type="datetime'Al''''l'''' o''''ther'' B''''rands'' ''''= 214'''''',3''2''5'">
               <a:rPr lang="en-US" altLang="en-US" sz="1400" smtClean="0"/>
               <a:pPr/>
-              <a:t>Folegers = 3,681</a:t>
+              <a:t>All other Brands = 214,325</a:t>
             </a:fld>
             <a:endParaRPr lang="en-US" sz="1400" dirty="0"/>
           </a:p>
@@ -11155,13 +11176,13 @@
 
 <file path=ppt/tags/tag11.xml><?xml version="1.0" encoding="utf-8"?>
 <p:tagLst xmlns:a="http://schemas.openxmlformats.org/drawingml/2006/main" xmlns:r="http://schemas.openxmlformats.org/officeDocument/2006/relationships" xmlns:p="http://schemas.openxmlformats.org/presentationml/2006/main">
-  <p:tag name="THINKCELLSHAPEDONOTDELETE" val="ttCMWXFqip47olUXXBef4pw"/>
+  <p:tag name="THINKCELLSHAPEDONOTDELETE" val="tvdPJ2BK_KDRRTG8YJTFUtw"/>
 </p:tagLst>
 </file>
 
 <file path=ppt/tags/tag12.xml><?xml version="1.0" encoding="utf-8"?>
 <p:tagLst xmlns:a="http://schemas.openxmlformats.org/drawingml/2006/main" xmlns:r="http://schemas.openxmlformats.org/officeDocument/2006/relationships" xmlns:p="http://schemas.openxmlformats.org/presentationml/2006/main">
-  <p:tag name="THINKCELLSHAPEDONOTDELETE" val="tFkxyhVvpj08rEHZ6v406Qw"/>
+  <p:tag name="THINKCELLSHAPEDONOTDELETE" val="ttCMWXFqip47olUXXBef4pw"/>
 </p:tagLst>
 </file>
 
@@ -11173,7 +11194,7 @@
 
 <file path=ppt/tags/tag14.xml><?xml version="1.0" encoding="utf-8"?>
 <p:tagLst xmlns:a="http://schemas.openxmlformats.org/drawingml/2006/main" xmlns:r="http://schemas.openxmlformats.org/officeDocument/2006/relationships" xmlns:p="http://schemas.openxmlformats.org/presentationml/2006/main">
-  <p:tag name="THINKCELLSHAPEDONOTDELETE" val="tvdPJ2BK_KDRRTG8YJTFUtw"/>
+  <p:tag name="THINKCELLSHAPEDONOTDELETE" val="tFkxyhVvpj08rEHZ6v406Qw"/>
 </p:tagLst>
 </file>
 
@@ -11191,7 +11212,7 @@
 
 <file path=ppt/tags/tag17.xml><?xml version="1.0" encoding="utf-8"?>
 <p:tagLst xmlns:a="http://schemas.openxmlformats.org/drawingml/2006/main" xmlns:r="http://schemas.openxmlformats.org/officeDocument/2006/relationships" xmlns:p="http://schemas.openxmlformats.org/presentationml/2006/main">
-  <p:tag name="THINKCELLSHAPEDONOTDELETE" val="tzZ5CvW_zle8fF_ZRmVF2CA"/>
+  <p:tag name="THINKCELLSHAPEDONOTDELETE" val="tyZE1tDnQd7FxTbiKg7kkZA"/>
 </p:tagLst>
 </file>
 
@@ -11203,7 +11224,7 @@
 
 <file path=ppt/tags/tag19.xml><?xml version="1.0" encoding="utf-8"?>
 <p:tagLst xmlns:a="http://schemas.openxmlformats.org/drawingml/2006/main" xmlns:r="http://schemas.openxmlformats.org/officeDocument/2006/relationships" xmlns:p="http://schemas.openxmlformats.org/presentationml/2006/main">
-  <p:tag name="THINKCELLSHAPEDONOTDELETE" val="tktWMyF0DecPPTK46OiubkA"/>
+  <p:tag name="THINKCELLSHAPEDONOTDELETE" val="tzZ5CvW_zle8fF_ZRmVF2CA"/>
 </p:tagLst>
 </file>
 
@@ -11215,19 +11236,19 @@
 
 <file path=ppt/tags/tag20.xml><?xml version="1.0" encoding="utf-8"?>
 <p:tagLst xmlns:a="http://schemas.openxmlformats.org/drawingml/2006/main" xmlns:r="http://schemas.openxmlformats.org/officeDocument/2006/relationships" xmlns:p="http://schemas.openxmlformats.org/presentationml/2006/main">
-  <p:tag name="THINKCELLSHAPEDONOTDELETE" val="tyZE1tDnQd7FxTbiKg7kkZA"/>
+  <p:tag name="THINKCELLSHAPEDONOTDELETE" val="tBbNqyGvHEuy8wY.kgnWKLg"/>
 </p:tagLst>
 </file>
 
 <file path=ppt/tags/tag21.xml><?xml version="1.0" encoding="utf-8"?>
 <p:tagLst xmlns:a="http://schemas.openxmlformats.org/drawingml/2006/main" xmlns:r="http://schemas.openxmlformats.org/officeDocument/2006/relationships" xmlns:p="http://schemas.openxmlformats.org/presentationml/2006/main">
-  <p:tag name="THINKCELLSHAPEDONOTDELETE" val="tyln1E3o3AIWKRuquQTi6xg"/>
+  <p:tag name="THINKCELLSHAPEDONOTDELETE" val="tktWMyF0DecPPTK46OiubkA"/>
 </p:tagLst>
 </file>
 
 <file path=ppt/tags/tag22.xml><?xml version="1.0" encoding="utf-8"?>
 <p:tagLst xmlns:a="http://schemas.openxmlformats.org/drawingml/2006/main" xmlns:r="http://schemas.openxmlformats.org/officeDocument/2006/relationships" xmlns:p="http://schemas.openxmlformats.org/presentationml/2006/main">
-  <p:tag name="THINKCELLSHAPEDONOTDELETE" val="tBbNqyGvHEuy8wY.kgnWKLg"/>
+  <p:tag name="THINKCELLSHAPEDONOTDELETE" val="tyln1E3o3AIWKRuquQTi6xg"/>
 </p:tagLst>
 </file>
 
@@ -11251,25 +11272,25 @@
 
 <file path=ppt/tags/tag26.xml><?xml version="1.0" encoding="utf-8"?>
 <p:tagLst xmlns:a="http://schemas.openxmlformats.org/drawingml/2006/main" xmlns:r="http://schemas.openxmlformats.org/officeDocument/2006/relationships" xmlns:p="http://schemas.openxmlformats.org/presentationml/2006/main">
-  <p:tag name="THINKCELLSHAPEDONOTDELETE" val="t46twseCPXrfgiJebg.3kJQ"/>
+  <p:tag name="THINKCELLSHAPEDONOTDELETE" val="tJj230LI.fgbdLzvwwPEIQw"/>
 </p:tagLst>
 </file>
 
 <file path=ppt/tags/tag27.xml><?xml version="1.0" encoding="utf-8"?>
 <p:tagLst xmlns:a="http://schemas.openxmlformats.org/drawingml/2006/main" xmlns:r="http://schemas.openxmlformats.org/officeDocument/2006/relationships" xmlns:p="http://schemas.openxmlformats.org/presentationml/2006/main">
-  <p:tag name="THINKCELLSHAPEDONOTDELETE" val="tJj230LI.fgbdLzvwwPEIQw"/>
+  <p:tag name="THINKCELLSHAPEDONOTDELETE" val="tvFJcEFCa6e7KuRyAfU_cAA"/>
 </p:tagLst>
 </file>
 
 <file path=ppt/tags/tag28.xml><?xml version="1.0" encoding="utf-8"?>
 <p:tagLst xmlns:a="http://schemas.openxmlformats.org/drawingml/2006/main" xmlns:r="http://schemas.openxmlformats.org/officeDocument/2006/relationships" xmlns:p="http://schemas.openxmlformats.org/presentationml/2006/main">
-  <p:tag name="THINKCELLSHAPEDONOTDELETE" val="tvFJcEFCa6e7KuRyAfU_cAA"/>
+  <p:tag name="THINKCELLSHAPEDONOTDELETE" val="t46twseCPXrfgiJebg.3kJQ"/>
 </p:tagLst>
 </file>
 
 <file path=ppt/tags/tag29.xml><?xml version="1.0" encoding="utf-8"?>
 <p:tagLst xmlns:a="http://schemas.openxmlformats.org/drawingml/2006/main" xmlns:r="http://schemas.openxmlformats.org/officeDocument/2006/relationships" xmlns:p="http://schemas.openxmlformats.org/presentationml/2006/main">
-  <p:tag name="THINKCELLSHAPEDONOTDELETE" val="t3i6NrAQs5.3SrAlaGyQ2eA"/>
+  <p:tag name="THINKCELLSHAPEDONOTDELETE" val="tDkNdLW.GKmbF52DfGrZ6Kg"/>
 </p:tagLst>
 </file>
 
@@ -11281,43 +11302,43 @@
 
 <file path=ppt/tags/tag30.xml><?xml version="1.0" encoding="utf-8"?>
 <p:tagLst xmlns:a="http://schemas.openxmlformats.org/drawingml/2006/main" xmlns:r="http://schemas.openxmlformats.org/officeDocument/2006/relationships" xmlns:p="http://schemas.openxmlformats.org/presentationml/2006/main">
-  <p:tag name="THINKCELLSHAPEDONOTDELETE" val="t_MlWqP_vcr_1JxIJPsGQFQ"/>
+  <p:tag name="THINKCELLSHAPEDONOTDELETE" val="t_qWWr8mFN1chtnoM3DEzmg"/>
 </p:tagLst>
 </file>
 
 <file path=ppt/tags/tag31.xml><?xml version="1.0" encoding="utf-8"?>
 <p:tagLst xmlns:a="http://schemas.openxmlformats.org/drawingml/2006/main" xmlns:r="http://schemas.openxmlformats.org/officeDocument/2006/relationships" xmlns:p="http://schemas.openxmlformats.org/presentationml/2006/main">
-  <p:tag name="THINKCELLSHAPEDONOTDELETE" val="tDkNdLW.GKmbF52DfGrZ6Kg"/>
+  <p:tag name="THINKCELLSHAPEDONOTDELETE" val="tdVnhjOCVIFBxw9bDKZpRWQ"/>
 </p:tagLst>
 </file>
 
 <file path=ppt/tags/tag32.xml><?xml version="1.0" encoding="utf-8"?>
 <p:tagLst xmlns:a="http://schemas.openxmlformats.org/drawingml/2006/main" xmlns:r="http://schemas.openxmlformats.org/officeDocument/2006/relationships" xmlns:p="http://schemas.openxmlformats.org/presentationml/2006/main">
-  <p:tag name="THINKCELLSHAPEDONOTDELETE" val="t_qWWr8mFN1chtnoM3DEzmg"/>
+  <p:tag name="THINKCELLSHAPEDONOTDELETE" val="t_MlWqP_vcr_1JxIJPsGQFQ"/>
 </p:tagLst>
 </file>
 
 <file path=ppt/tags/tag33.xml><?xml version="1.0" encoding="utf-8"?>
 <p:tagLst xmlns:a="http://schemas.openxmlformats.org/drawingml/2006/main" xmlns:r="http://schemas.openxmlformats.org/officeDocument/2006/relationships" xmlns:p="http://schemas.openxmlformats.org/presentationml/2006/main">
-  <p:tag name="THINKCELLSHAPEDONOTDELETE" val="tdVnhjOCVIFBxw9bDKZpRWQ"/>
+  <p:tag name="THINKCELLSHAPEDONOTDELETE" val="tPZcJPBJFyGOnLM882CqlPw"/>
 </p:tagLst>
 </file>
 
 <file path=ppt/tags/tag34.xml><?xml version="1.0" encoding="utf-8"?>
 <p:tagLst xmlns:a="http://schemas.openxmlformats.org/drawingml/2006/main" xmlns:r="http://schemas.openxmlformats.org/officeDocument/2006/relationships" xmlns:p="http://schemas.openxmlformats.org/presentationml/2006/main">
-  <p:tag name="THINKCELLSHAPEDONOTDELETE" val="tPZcJPBJFyGOnLM882CqlPw"/>
+  <p:tag name="THINKCELLSHAPEDONOTDELETE" val="t3i6NrAQs5.3SrAlaGyQ2eA"/>
 </p:tagLst>
 </file>
 
 <file path=ppt/tags/tag35.xml><?xml version="1.0" encoding="utf-8"?>
 <p:tagLst xmlns:a="http://schemas.openxmlformats.org/drawingml/2006/main" xmlns:r="http://schemas.openxmlformats.org/officeDocument/2006/relationships" xmlns:p="http://schemas.openxmlformats.org/presentationml/2006/main">
-  <p:tag name="THINKCELLSHAPEDONOTDELETE" val="tA5QTRZBMhBlx.YnNxVJ5mA"/>
+  <p:tag name="THINKCELLSHAPEDONOTDELETE" val="tVk2huZE1X3hTNlTquLouXg"/>
 </p:tagLst>
 </file>
 
 <file path=ppt/tags/tag36.xml><?xml version="1.0" encoding="utf-8"?>
 <p:tagLst xmlns:a="http://schemas.openxmlformats.org/drawingml/2006/main" xmlns:r="http://schemas.openxmlformats.org/officeDocument/2006/relationships" xmlns:p="http://schemas.openxmlformats.org/presentationml/2006/main">
-  <p:tag name="THINKCELLSHAPEDONOTDELETE" val="tVk2huZE1X3hTNlTquLouXg"/>
+  <p:tag name="THINKCELLSHAPEDONOTDELETE" val="tA5QTRZBMhBlx.YnNxVJ5mA"/>
 </p:tagLst>
 </file>
 
@@ -11329,7 +11350,7 @@
 
 <file path=ppt/tags/tag38.xml><?xml version="1.0" encoding="utf-8"?>
 <p:tagLst xmlns:a="http://schemas.openxmlformats.org/drawingml/2006/main" xmlns:r="http://schemas.openxmlformats.org/officeDocument/2006/relationships" xmlns:p="http://schemas.openxmlformats.org/presentationml/2006/main">
-  <p:tag name="THINKCELLSHAPEDONOTDELETE" val="t2sEN0B4nhTwuG_g76ucfyg"/>
+  <p:tag name="THINKCELLSHAPEDONOTDELETE" val="t6qFMaHwx7JgUa4ExRctXUQ"/>
 </p:tagLst>
 </file>
 
@@ -11347,7 +11368,7 @@
 
 <file path=ppt/tags/tag40.xml><?xml version="1.0" encoding="utf-8"?>
 <p:tagLst xmlns:a="http://schemas.openxmlformats.org/drawingml/2006/main" xmlns:r="http://schemas.openxmlformats.org/officeDocument/2006/relationships" xmlns:p="http://schemas.openxmlformats.org/presentationml/2006/main">
-  <p:tag name="THINKCELLSHAPEDONOTDELETE" val="t6qFMaHwx7JgUa4ExRctXUQ"/>
+  <p:tag name="THINKCELLSHAPEDONOTDELETE" val="t2sEN0B4nhTwuG_g76ucfyg"/>
 </p:tagLst>
 </file>
 
@@ -11365,13 +11386,13 @@
 
 <file path=ppt/tags/tag6.xml><?xml version="1.0" encoding="utf-8"?>
 <p:tagLst xmlns:a="http://schemas.openxmlformats.org/drawingml/2006/main" xmlns:r="http://schemas.openxmlformats.org/officeDocument/2006/relationships" xmlns:p="http://schemas.openxmlformats.org/presentationml/2006/main">
-  <p:tag name="THINKCELLSHAPEDONOTDELETE" val="tAbdp4kr9uW4qgtud3QnUCw"/>
+  <p:tag name="THINKCELLSHAPEDONOTDELETE" val="tQeM1bSm56yWwcBVqMHEtDg"/>
 </p:tagLst>
 </file>
 
 <file path=ppt/tags/tag7.xml><?xml version="1.0" encoding="utf-8"?>
 <p:tagLst xmlns:a="http://schemas.openxmlformats.org/drawingml/2006/main" xmlns:r="http://schemas.openxmlformats.org/officeDocument/2006/relationships" xmlns:p="http://schemas.openxmlformats.org/presentationml/2006/main">
-  <p:tag name="THINKCELLSHAPEDONOTDELETE" val="t.cGUlLZiStFrEkbqz0bGGA"/>
+  <p:tag name="THINKCELLSHAPEDONOTDELETE" val="tAbdp4kr9uW4qgtud3QnUCw"/>
 </p:tagLst>
 </file>
 
@@ -11383,7 +11404,7 @@
 
 <file path=ppt/tags/tag9.xml><?xml version="1.0" encoding="utf-8"?>
 <p:tagLst xmlns:a="http://schemas.openxmlformats.org/drawingml/2006/main" xmlns:r="http://schemas.openxmlformats.org/officeDocument/2006/relationships" xmlns:p="http://schemas.openxmlformats.org/presentationml/2006/main">
-  <p:tag name="THINKCELLSHAPEDONOTDELETE" val="tQeM1bSm56yWwcBVqMHEtDg"/>
+  <p:tag name="THINKCELLSHAPEDONOTDELETE" val="t.cGUlLZiStFrEkbqz0bGGA"/>
 </p:tagLst>
 </file>
 

--- a/Supplemental/Stakeholder Visuals.pptx
+++ b/Supplemental/Stakeholder Visuals.pptx
@@ -118,7 +118,7 @@
 <file path=ppt/revisionInfo.xml><?xml version="1.0" encoding="utf-8"?>
 <p1510:revInfo xmlns:a="http://schemas.openxmlformats.org/drawingml/2006/main" xmlns:r="http://schemas.openxmlformats.org/officeDocument/2006/relationships" xmlns:p1510="http://schemas.microsoft.com/office/powerpoint/2015/10/main">
   <p1510:revLst>
-    <p1510:client id="{176DFD19-9071-4B24-AA88-5DC23F609659}" v="1056" dt="2022-11-08T05:29:39.214"/>
+    <p1510:client id="{176DFD19-9071-4B24-AA88-5DC23F609659}" v="4837" dt="2022-11-18T03:44:08.363"/>
   </p1510:revLst>
 </p1510:revInfo>
 </file>
@@ -128,12 +128,12 @@
   <pc:docChgLst>
     <pc:chgData name="Selvyn Yovany Martinez Barahona" userId="3ccf779dc7355a40" providerId="LiveId" clId="{176DFD19-9071-4B24-AA88-5DC23F609659}"/>
     <pc:docChg chg="undo custSel modSld replTag">
-      <pc:chgData name="Selvyn Yovany Martinez Barahona" userId="3ccf779dc7355a40" providerId="LiveId" clId="{176DFD19-9071-4B24-AA88-5DC23F609659}" dt="2022-11-08T05:29:39.214" v="2838"/>
+      <pc:chgData name="Selvyn Yovany Martinez Barahona" userId="3ccf779dc7355a40" providerId="LiveId" clId="{176DFD19-9071-4B24-AA88-5DC23F609659}" dt="2022-11-18T03:44:08.363" v="10700"/>
       <pc:docMkLst>
         <pc:docMk/>
       </pc:docMkLst>
       <pc:sldChg chg="addSp delSp modSp mod">
-        <pc:chgData name="Selvyn Yovany Martinez Barahona" userId="3ccf779dc7355a40" providerId="LiveId" clId="{176DFD19-9071-4B24-AA88-5DC23F609659}" dt="2022-11-08T05:29:39.214" v="2838"/>
+        <pc:chgData name="Selvyn Yovany Martinez Barahona" userId="3ccf779dc7355a40" providerId="LiveId" clId="{176DFD19-9071-4B24-AA88-5DC23F609659}" dt="2022-11-18T03:44:08.363" v="10700"/>
         <pc:sldMkLst>
           <pc:docMk/>
           <pc:sldMk cId="849266544" sldId="256"/>
@@ -146,8 +146,256 @@
             <ac:spMk id="2" creationId="{142B63F9-4705-DEFE-E463-E546F7705356}"/>
           </ac:spMkLst>
         </pc:spChg>
+        <pc:spChg chg="add del mod modVis">
+          <ac:chgData name="Selvyn Yovany Martinez Barahona" userId="3ccf779dc7355a40" providerId="LiveId" clId="{176DFD19-9071-4B24-AA88-5DC23F609659}" dt="2022-11-18T02:51:20.188" v="3155"/>
+          <ac:spMkLst>
+            <pc:docMk/>
+            <pc:sldMk cId="849266544" sldId="256"/>
+            <ac:spMk id="2" creationId="{1E2808E5-45EF-3B51-6F1E-1BA389E28C0E}"/>
+          </ac:spMkLst>
+        </pc:spChg>
+        <pc:spChg chg="add del mod modVis">
+          <ac:chgData name="Selvyn Yovany Martinez Barahona" userId="3ccf779dc7355a40" providerId="LiveId" clId="{176DFD19-9071-4B24-AA88-5DC23F609659}" dt="2022-11-18T02:51:41.050" v="3658"/>
+          <ac:spMkLst>
+            <pc:docMk/>
+            <pc:sldMk cId="849266544" sldId="256"/>
+            <ac:spMk id="6" creationId="{7D7C7BDE-CF4E-3E46-CA82-030189DEED17}"/>
+          </ac:spMkLst>
+        </pc:spChg>
+        <pc:spChg chg="add del mod ord replST">
+          <ac:chgData name="Selvyn Yovany Martinez Barahona" userId="3ccf779dc7355a40" providerId="LiveId" clId="{176DFD19-9071-4B24-AA88-5DC23F609659}" dt="2022-11-18T02:51:54.858" v="3925"/>
+          <ac:spMkLst>
+            <pc:docMk/>
+            <pc:sldMk cId="849266544" sldId="256"/>
+            <ac:spMk id="7" creationId="{F01B8698-9294-F532-DDB4-2EE198CBAA21}"/>
+          </ac:spMkLst>
+        </pc:spChg>
+        <pc:spChg chg="add del mod ord replST">
+          <ac:chgData name="Selvyn Yovany Martinez Barahona" userId="3ccf779dc7355a40" providerId="LiveId" clId="{176DFD19-9071-4B24-AA88-5DC23F609659}" dt="2022-11-18T02:51:54.859" v="3927"/>
+          <ac:spMkLst>
+            <pc:docMk/>
+            <pc:sldMk cId="849266544" sldId="256"/>
+            <ac:spMk id="8" creationId="{F01B8698-9294-F532-DDB4-2EE198CBAA21}"/>
+          </ac:spMkLst>
+        </pc:spChg>
+        <pc:spChg chg="add del mod ord replST">
+          <ac:chgData name="Selvyn Yovany Martinez Barahona" userId="3ccf779dc7355a40" providerId="LiveId" clId="{176DFD19-9071-4B24-AA88-5DC23F609659}" dt="2022-11-18T02:51:54.860" v="3929"/>
+          <ac:spMkLst>
+            <pc:docMk/>
+            <pc:sldMk cId="849266544" sldId="256"/>
+            <ac:spMk id="10" creationId="{F01B8698-9294-F532-DDB4-2EE198CBAA21}"/>
+          </ac:spMkLst>
+        </pc:spChg>
+        <pc:spChg chg="add del mod ord replST">
+          <ac:chgData name="Selvyn Yovany Martinez Barahona" userId="3ccf779dc7355a40" providerId="LiveId" clId="{176DFD19-9071-4B24-AA88-5DC23F609659}" dt="2022-11-18T02:51:54.861" v="3931"/>
+          <ac:spMkLst>
+            <pc:docMk/>
+            <pc:sldMk cId="849266544" sldId="256"/>
+            <ac:spMk id="11" creationId="{F01B8698-9294-F532-DDB4-2EE198CBAA21}"/>
+          </ac:spMkLst>
+        </pc:spChg>
+        <pc:spChg chg="add del mod modVis">
+          <ac:chgData name="Selvyn Yovany Martinez Barahona" userId="3ccf779dc7355a40" providerId="LiveId" clId="{176DFD19-9071-4B24-AA88-5DC23F609659}" dt="2022-11-18T02:51:54.880" v="3991"/>
+          <ac:spMkLst>
+            <pc:docMk/>
+            <pc:sldMk cId="849266544" sldId="256"/>
+            <ac:spMk id="16" creationId="{03F1CCC7-BCC5-9FAB-DB0A-33B2304DE452}"/>
+          </ac:spMkLst>
+        </pc:spChg>
+        <pc:spChg chg="add del mod modVis">
+          <ac:chgData name="Selvyn Yovany Martinez Barahona" userId="3ccf779dc7355a40" providerId="LiveId" clId="{176DFD19-9071-4B24-AA88-5DC23F609659}" dt="2022-11-18T02:51:59.071" v="4288"/>
+          <ac:spMkLst>
+            <pc:docMk/>
+            <pc:sldMk cId="849266544" sldId="256"/>
+            <ac:spMk id="20" creationId="{ABAB4E0A-FFBC-AEB5-D2DF-3F6F2FDA765E}"/>
+          </ac:spMkLst>
+        </pc:spChg>
+        <pc:spChg chg="add del mod modVis">
+          <ac:chgData name="Selvyn Yovany Martinez Barahona" userId="3ccf779dc7355a40" providerId="LiveId" clId="{176DFD19-9071-4B24-AA88-5DC23F609659}" dt="2022-11-18T03:03:20.416" v="4791"/>
+          <ac:spMkLst>
+            <pc:docMk/>
+            <pc:sldMk cId="849266544" sldId="256"/>
+            <ac:spMk id="23" creationId="{537012DD-9438-A4D8-7FB1-27968E57FD47}"/>
+          </ac:spMkLst>
+        </pc:spChg>
+        <pc:spChg chg="add mod ord replST">
+          <ac:chgData name="Selvyn Yovany Martinez Barahona" userId="3ccf779dc7355a40" providerId="LiveId" clId="{176DFD19-9071-4B24-AA88-5DC23F609659}" dt="2022-11-18T03:44:08.352" v="10650"/>
+          <ac:spMkLst>
+            <pc:docMk/>
+            <pc:sldMk cId="849266544" sldId="256"/>
+            <ac:spMk id="24" creationId="{F01B8698-9294-F532-DDB4-2EE198CBAA21}"/>
+          </ac:spMkLst>
+        </pc:spChg>
+        <pc:spChg chg="add mod ord replST">
+          <ac:chgData name="Selvyn Yovany Martinez Barahona" userId="3ccf779dc7355a40" providerId="LiveId" clId="{176DFD19-9071-4B24-AA88-5DC23F609659}" dt="2022-11-18T03:44:08.352" v="10652"/>
+          <ac:spMkLst>
+            <pc:docMk/>
+            <pc:sldMk cId="849266544" sldId="256"/>
+            <ac:spMk id="25" creationId="{F01B8698-9294-F532-DDB4-2EE198CBAA21}"/>
+          </ac:spMkLst>
+        </pc:spChg>
+        <pc:spChg chg="add mod ord replST">
+          <ac:chgData name="Selvyn Yovany Martinez Barahona" userId="3ccf779dc7355a40" providerId="LiveId" clId="{176DFD19-9071-4B24-AA88-5DC23F609659}" dt="2022-11-18T03:44:08.351" v="10648"/>
+          <ac:spMkLst>
+            <pc:docMk/>
+            <pc:sldMk cId="849266544" sldId="256"/>
+            <ac:spMk id="26" creationId="{F01B8698-9294-F532-DDB4-2EE198CBAA21}"/>
+          </ac:spMkLst>
+        </pc:spChg>
+        <pc:spChg chg="add mod ord replST">
+          <ac:chgData name="Selvyn Yovany Martinez Barahona" userId="3ccf779dc7355a40" providerId="LiveId" clId="{176DFD19-9071-4B24-AA88-5DC23F609659}" dt="2022-11-18T03:44:08.352" v="10654"/>
+          <ac:spMkLst>
+            <pc:docMk/>
+            <pc:sldMk cId="849266544" sldId="256"/>
+            <ac:spMk id="27" creationId="{F01B8698-9294-F532-DDB4-2EE198CBAA21}"/>
+          </ac:spMkLst>
+        </pc:spChg>
+        <pc:spChg chg="add del mod modVis">
+          <ac:chgData name="Selvyn Yovany Martinez Barahona" userId="3ccf779dc7355a40" providerId="LiveId" clId="{176DFD19-9071-4B24-AA88-5DC23F609659}" dt="2022-11-18T03:03:35.791" v="5097"/>
+          <ac:spMkLst>
+            <pc:docMk/>
+            <pc:sldMk cId="849266544" sldId="256"/>
+            <ac:spMk id="31" creationId="{14FA6DD7-9A25-8003-0FF7-4BC9F01412EF}"/>
+          </ac:spMkLst>
+        </pc:spChg>
+        <pc:spChg chg="add del mod modVis">
+          <ac:chgData name="Selvyn Yovany Martinez Barahona" userId="3ccf779dc7355a40" providerId="LiveId" clId="{176DFD19-9071-4B24-AA88-5DC23F609659}" dt="2022-11-18T03:04:00.781" v="5320"/>
+          <ac:spMkLst>
+            <pc:docMk/>
+            <pc:sldMk cId="849266544" sldId="256"/>
+            <ac:spMk id="34" creationId="{028D805F-D0F7-A890-6EA0-8D7FCD616FC5}"/>
+          </ac:spMkLst>
+        </pc:spChg>
+        <pc:spChg chg="add del mod modVis">
+          <ac:chgData name="Selvyn Yovany Martinez Barahona" userId="3ccf779dc7355a40" providerId="LiveId" clId="{176DFD19-9071-4B24-AA88-5DC23F609659}" dt="2022-11-18T03:04:14.268" v="5456"/>
+          <ac:spMkLst>
+            <pc:docMk/>
+            <pc:sldMk cId="849266544" sldId="256"/>
+            <ac:spMk id="36" creationId="{FF2DE2FA-A918-A2D4-3E4A-51B219C19D1B}"/>
+          </ac:spMkLst>
+        </pc:spChg>
+        <pc:spChg chg="add del mod modVis">
+          <ac:chgData name="Selvyn Yovany Martinez Barahona" userId="3ccf779dc7355a40" providerId="LiveId" clId="{176DFD19-9071-4B24-AA88-5DC23F609659}" dt="2022-11-18T03:04:41.946" v="5679"/>
+          <ac:spMkLst>
+            <pc:docMk/>
+            <pc:sldMk cId="849266544" sldId="256"/>
+            <ac:spMk id="39" creationId="{B0FB9350-6BED-AAB0-242D-44EA8FEBCD45}"/>
+          </ac:spMkLst>
+        </pc:spChg>
+        <pc:spChg chg="add del mod modVis">
+          <ac:chgData name="Selvyn Yovany Martinez Barahona" userId="3ccf779dc7355a40" providerId="LiveId" clId="{176DFD19-9071-4B24-AA88-5DC23F609659}" dt="2022-11-18T03:04:52.984" v="5817"/>
+          <ac:spMkLst>
+            <pc:docMk/>
+            <pc:sldMk cId="849266544" sldId="256"/>
+            <ac:spMk id="41" creationId="{6377E8CB-98DC-EA82-2E74-7F53E52D0DCD}"/>
+          </ac:spMkLst>
+        </pc:spChg>
+        <pc:spChg chg="add del mod modVis">
+          <ac:chgData name="Selvyn Yovany Martinez Barahona" userId="3ccf779dc7355a40" providerId="LiveId" clId="{176DFD19-9071-4B24-AA88-5DC23F609659}" dt="2022-11-18T03:05:01.421" v="5955"/>
+          <ac:spMkLst>
+            <pc:docMk/>
+            <pc:sldMk cId="849266544" sldId="256"/>
+            <ac:spMk id="43" creationId="{BFACC36F-821F-F54B-1D30-1E686E217AF4}"/>
+          </ac:spMkLst>
+        </pc:spChg>
+        <pc:spChg chg="add del mod modVis">
+          <ac:chgData name="Selvyn Yovany Martinez Barahona" userId="3ccf779dc7355a40" providerId="LiveId" clId="{176DFD19-9071-4B24-AA88-5DC23F609659}" dt="2022-11-18T03:05:14.314" v="6093"/>
+          <ac:spMkLst>
+            <pc:docMk/>
+            <pc:sldMk cId="849266544" sldId="256"/>
+            <ac:spMk id="45" creationId="{47E0D8CA-85B8-4D54-46FD-F5AD1F01F10C}"/>
+          </ac:spMkLst>
+        </pc:spChg>
+        <pc:spChg chg="add del mod modVis">
+          <ac:chgData name="Selvyn Yovany Martinez Barahona" userId="3ccf779dc7355a40" providerId="LiveId" clId="{176DFD19-9071-4B24-AA88-5DC23F609659}" dt="2022-11-18T03:05:39.074" v="6292"/>
+          <ac:spMkLst>
+            <pc:docMk/>
+            <pc:sldMk cId="849266544" sldId="256"/>
+            <ac:spMk id="47" creationId="{4FAC759E-9227-FC07-66ED-4D8294B67909}"/>
+          </ac:spMkLst>
+        </pc:spChg>
+        <pc:spChg chg="add del mod modVis">
+          <ac:chgData name="Selvyn Yovany Martinez Barahona" userId="3ccf779dc7355a40" providerId="LiveId" clId="{176DFD19-9071-4B24-AA88-5DC23F609659}" dt="2022-11-18T03:06:20.840" v="6575"/>
+          <ac:spMkLst>
+            <pc:docMk/>
+            <pc:sldMk cId="849266544" sldId="256"/>
+            <ac:spMk id="50" creationId="{783B3BFA-924F-B093-41E4-C788A0AC91CE}"/>
+          </ac:spMkLst>
+        </pc:spChg>
+        <pc:spChg chg="add del mod modVis">
+          <ac:chgData name="Selvyn Yovany Martinez Barahona" userId="3ccf779dc7355a40" providerId="LiveId" clId="{176DFD19-9071-4B24-AA88-5DC23F609659}" dt="2022-11-18T03:06:27.317" v="7126"/>
+          <ac:spMkLst>
+            <pc:docMk/>
+            <pc:sldMk cId="849266544" sldId="256"/>
+            <ac:spMk id="52" creationId="{4FBEBCD0-9782-C2C3-2EF9-BC6FDAB8E421}"/>
+          </ac:spMkLst>
+        </pc:spChg>
+        <pc:spChg chg="add mod ord replST">
+          <ac:chgData name="Selvyn Yovany Martinez Barahona" userId="3ccf779dc7355a40" providerId="LiveId" clId="{176DFD19-9071-4B24-AA88-5DC23F609659}" dt="2022-11-18T03:44:08.356" v="10678"/>
+          <ac:spMkLst>
+            <pc:docMk/>
+            <pc:sldMk cId="849266544" sldId="256"/>
+            <ac:spMk id="53" creationId="{F01B8698-9294-F532-DDB4-2EE198CBAA21}"/>
+          </ac:spMkLst>
+        </pc:spChg>
+        <pc:spChg chg="add mod ord replST">
+          <ac:chgData name="Selvyn Yovany Martinez Barahona" userId="3ccf779dc7355a40" providerId="LiveId" clId="{176DFD19-9071-4B24-AA88-5DC23F609659}" dt="2022-11-18T03:44:08.357" v="10680"/>
+          <ac:spMkLst>
+            <pc:docMk/>
+            <pc:sldMk cId="849266544" sldId="256"/>
+            <ac:spMk id="54" creationId="{F01B8698-9294-F532-DDB4-2EE198CBAA21}"/>
+          </ac:spMkLst>
+        </pc:spChg>
+        <pc:spChg chg="add mod ord replST">
+          <ac:chgData name="Selvyn Yovany Martinez Barahona" userId="3ccf779dc7355a40" providerId="LiveId" clId="{176DFD19-9071-4B24-AA88-5DC23F609659}" dt="2022-11-18T03:44:08.356" v="10676"/>
+          <ac:spMkLst>
+            <pc:docMk/>
+            <pc:sldMk cId="849266544" sldId="256"/>
+            <ac:spMk id="55" creationId="{F01B8698-9294-F532-DDB4-2EE198CBAA21}"/>
+          </ac:spMkLst>
+        </pc:spChg>
+        <pc:spChg chg="add mod ord replST">
+          <ac:chgData name="Selvyn Yovany Martinez Barahona" userId="3ccf779dc7355a40" providerId="LiveId" clId="{176DFD19-9071-4B24-AA88-5DC23F609659}" dt="2022-11-18T03:44:08.357" v="10682"/>
+          <ac:spMkLst>
+            <pc:docMk/>
+            <pc:sldMk cId="849266544" sldId="256"/>
+            <ac:spMk id="56" creationId="{F01B8698-9294-F532-DDB4-2EE198CBAA21}"/>
+          </ac:spMkLst>
+        </pc:spChg>
+        <pc:spChg chg="add del mod ord replST">
+          <ac:chgData name="Selvyn Yovany Martinez Barahona" userId="3ccf779dc7355a40" providerId="LiveId" clId="{176DFD19-9071-4B24-AA88-5DC23F609659}" dt="2022-11-18T03:06:38.504" v="7275"/>
+          <ac:spMkLst>
+            <pc:docMk/>
+            <pc:sldMk cId="849266544" sldId="256"/>
+            <ac:spMk id="57" creationId="{F01B8698-9294-F532-DDB4-2EE198CBAA21}"/>
+          </ac:spMkLst>
+        </pc:spChg>
+        <pc:spChg chg="add del mod modVis">
+          <ac:chgData name="Selvyn Yovany Martinez Barahona" userId="3ccf779dc7355a40" providerId="LiveId" clId="{176DFD19-9071-4B24-AA88-5DC23F609659}" dt="2022-11-18T03:06:38.529" v="7341"/>
+          <ac:spMkLst>
+            <pc:docMk/>
+            <pc:sldMk cId="849266544" sldId="256"/>
+            <ac:spMk id="59" creationId="{303751EF-A7C6-9C22-CCA8-0B3EE27985F6}"/>
+          </ac:spMkLst>
+        </pc:spChg>
+        <pc:spChg chg="add del mod modVis">
+          <ac:chgData name="Selvyn Yovany Martinez Barahona" userId="3ccf779dc7355a40" providerId="LiveId" clId="{176DFD19-9071-4B24-AA88-5DC23F609659}" dt="2022-11-18T03:07:10.514" v="7474"/>
+          <ac:spMkLst>
+            <pc:docMk/>
+            <pc:sldMk cId="849266544" sldId="256"/>
+            <ac:spMk id="61" creationId="{B102D54E-609F-9431-DE33-1A9C4D92EB45}"/>
+          </ac:spMkLst>
+        </pc:spChg>
+        <pc:spChg chg="add del mod modVis">
+          <ac:chgData name="Selvyn Yovany Martinez Barahona" userId="3ccf779dc7355a40" providerId="LiveId" clId="{176DFD19-9071-4B24-AA88-5DC23F609659}" dt="2022-11-18T03:07:17.870" v="7609"/>
+          <ac:spMkLst>
+            <pc:docMk/>
+            <pc:sldMk cId="849266544" sldId="256"/>
+            <ac:spMk id="63" creationId="{70B26617-DE3B-9AAB-3B16-E66093C22C93}"/>
+          </ac:spMkLst>
+        </pc:spChg>
         <pc:spChg chg="mod">
-          <ac:chgData name="Selvyn Yovany Martinez Barahona" userId="3ccf779dc7355a40" providerId="LiveId" clId="{176DFD19-9071-4B24-AA88-5DC23F609659}" dt="2022-11-08T05:29:39.203" v="2801"/>
+          <ac:chgData name="Selvyn Yovany Martinez Barahona" userId="3ccf779dc7355a40" providerId="LiveId" clId="{176DFD19-9071-4B24-AA88-5DC23F609659}" dt="2022-11-18T03:44:08.354" v="10664"/>
           <ac:spMkLst>
             <pc:docMk/>
             <pc:sldMk cId="849266544" sldId="256"/>
@@ -155,7 +403,7 @@
           </ac:spMkLst>
         </pc:spChg>
         <pc:spChg chg="mod">
-          <ac:chgData name="Selvyn Yovany Martinez Barahona" userId="3ccf779dc7355a40" providerId="LiveId" clId="{176DFD19-9071-4B24-AA88-5DC23F609659}" dt="2022-11-08T05:29:39.202" v="2797"/>
+          <ac:chgData name="Selvyn Yovany Martinez Barahona" userId="3ccf779dc7355a40" providerId="LiveId" clId="{176DFD19-9071-4B24-AA88-5DC23F609659}" dt="2022-11-18T03:44:08.355" v="10667"/>
           <ac:spMkLst>
             <pc:docMk/>
             <pc:sldMk cId="849266544" sldId="256"/>
@@ -163,7 +411,7 @@
           </ac:spMkLst>
         </pc:spChg>
         <pc:spChg chg="mod">
-          <ac:chgData name="Selvyn Yovany Martinez Barahona" userId="3ccf779dc7355a40" providerId="LiveId" clId="{176DFD19-9071-4B24-AA88-5DC23F609659}" dt="2022-11-08T05:29:39.202" v="2798"/>
+          <ac:chgData name="Selvyn Yovany Martinez Barahona" userId="3ccf779dc7355a40" providerId="LiveId" clId="{176DFD19-9071-4B24-AA88-5DC23F609659}" dt="2022-11-18T03:44:08.354" v="10663"/>
           <ac:spMkLst>
             <pc:docMk/>
             <pc:sldMk cId="849266544" sldId="256"/>
@@ -171,7 +419,7 @@
           </ac:spMkLst>
         </pc:spChg>
         <pc:spChg chg="mod">
-          <ac:chgData name="Selvyn Yovany Martinez Barahona" userId="3ccf779dc7355a40" providerId="LiveId" clId="{176DFD19-9071-4B24-AA88-5DC23F609659}" dt="2022-11-08T05:29:39.203" v="2802"/>
+          <ac:chgData name="Selvyn Yovany Martinez Barahona" userId="3ccf779dc7355a40" providerId="LiveId" clId="{176DFD19-9071-4B24-AA88-5DC23F609659}" dt="2022-11-18T03:44:08.355" v="10668"/>
           <ac:spMkLst>
             <pc:docMk/>
             <pc:sldMk cId="849266544" sldId="256"/>
@@ -179,7 +427,7 @@
           </ac:spMkLst>
         </pc:spChg>
         <pc:spChg chg="mod">
-          <ac:chgData name="Selvyn Yovany Martinez Barahona" userId="3ccf779dc7355a40" providerId="LiveId" clId="{176DFD19-9071-4B24-AA88-5DC23F609659}" dt="2022-11-08T05:29:39.203" v="2800"/>
+          <ac:chgData name="Selvyn Yovany Martinez Barahona" userId="3ccf779dc7355a40" providerId="LiveId" clId="{176DFD19-9071-4B24-AA88-5DC23F609659}" dt="2022-11-18T03:44:08.355" v="10666"/>
           <ac:spMkLst>
             <pc:docMk/>
             <pc:sldMk cId="849266544" sldId="256"/>
@@ -187,7 +435,7 @@
           </ac:spMkLst>
         </pc:spChg>
         <pc:spChg chg="mod">
-          <ac:chgData name="Selvyn Yovany Martinez Barahona" userId="3ccf779dc7355a40" providerId="LiveId" clId="{176DFD19-9071-4B24-AA88-5DC23F609659}" dt="2022-11-08T05:29:39.203" v="2799"/>
+          <ac:chgData name="Selvyn Yovany Martinez Barahona" userId="3ccf779dc7355a40" providerId="LiveId" clId="{176DFD19-9071-4B24-AA88-5DC23F609659}" dt="2022-11-18T03:44:08.354" v="10665"/>
           <ac:spMkLst>
             <pc:docMk/>
             <pc:sldMk cId="849266544" sldId="256"/>
@@ -235,7 +483,7 @@
           </ac:spMkLst>
         </pc:spChg>
         <pc:spChg chg="mod">
-          <ac:chgData name="Selvyn Yovany Martinez Barahona" userId="3ccf779dc7355a40" providerId="LiveId" clId="{176DFD19-9071-4B24-AA88-5DC23F609659}" dt="2022-11-08T05:29:39.201" v="2789"/>
+          <ac:chgData name="Selvyn Yovany Martinez Barahona" userId="3ccf779dc7355a40" providerId="LiveId" clId="{176DFD19-9071-4B24-AA88-5DC23F609659}" dt="2022-11-18T03:44:08.352" v="10655"/>
           <ac:spMkLst>
             <pc:docMk/>
             <pc:sldMk cId="849266544" sldId="256"/>
@@ -243,7 +491,7 @@
           </ac:spMkLst>
         </pc:spChg>
         <pc:spChg chg="mod">
-          <ac:chgData name="Selvyn Yovany Martinez Barahona" userId="3ccf779dc7355a40" providerId="LiveId" clId="{176DFD19-9071-4B24-AA88-5DC23F609659}" dt="2022-11-08T05:29:39.201" v="2791"/>
+          <ac:chgData name="Selvyn Yovany Martinez Barahona" userId="3ccf779dc7355a40" providerId="LiveId" clId="{176DFD19-9071-4B24-AA88-5DC23F609659}" dt="2022-11-18T03:44:08.353" v="10657"/>
           <ac:spMkLst>
             <pc:docMk/>
             <pc:sldMk cId="849266544" sldId="256"/>
@@ -251,7 +499,7 @@
           </ac:spMkLst>
         </pc:spChg>
         <pc:spChg chg="mod ord">
-          <ac:chgData name="Selvyn Yovany Martinez Barahona" userId="3ccf779dc7355a40" providerId="LiveId" clId="{176DFD19-9071-4B24-AA88-5DC23F609659}" dt="2022-11-08T05:29:39.202" v="2794"/>
+          <ac:chgData name="Selvyn Yovany Martinez Barahona" userId="3ccf779dc7355a40" providerId="LiveId" clId="{176DFD19-9071-4B24-AA88-5DC23F609659}" dt="2022-11-18T03:44:08.353" v="10660"/>
           <ac:spMkLst>
             <pc:docMk/>
             <pc:sldMk cId="849266544" sldId="256"/>
@@ -259,7 +507,7 @@
           </ac:spMkLst>
         </pc:spChg>
         <pc:spChg chg="mod">
-          <ac:chgData name="Selvyn Yovany Martinez Barahona" userId="3ccf779dc7355a40" providerId="LiveId" clId="{176DFD19-9071-4B24-AA88-5DC23F609659}" dt="2022-11-08T05:29:39.201" v="2790"/>
+          <ac:chgData name="Selvyn Yovany Martinez Barahona" userId="3ccf779dc7355a40" providerId="LiveId" clId="{176DFD19-9071-4B24-AA88-5DC23F609659}" dt="2022-11-18T03:44:08.353" v="10658"/>
           <ac:spMkLst>
             <pc:docMk/>
             <pc:sldMk cId="849266544" sldId="256"/>
@@ -267,7 +515,7 @@
           </ac:spMkLst>
         </pc:spChg>
         <pc:spChg chg="mod">
-          <ac:chgData name="Selvyn Yovany Martinez Barahona" userId="3ccf779dc7355a40" providerId="LiveId" clId="{176DFD19-9071-4B24-AA88-5DC23F609659}" dt="2022-11-08T05:29:39.201" v="2792"/>
+          <ac:chgData name="Selvyn Yovany Martinez Barahona" userId="3ccf779dc7355a40" providerId="LiveId" clId="{176DFD19-9071-4B24-AA88-5DC23F609659}" dt="2022-11-18T03:44:08.353" v="10656"/>
           <ac:spMkLst>
             <pc:docMk/>
             <pc:sldMk cId="849266544" sldId="256"/>
@@ -275,7 +523,7 @@
           </ac:spMkLst>
         </pc:spChg>
         <pc:spChg chg="mod">
-          <ac:chgData name="Selvyn Yovany Martinez Barahona" userId="3ccf779dc7355a40" providerId="LiveId" clId="{176DFD19-9071-4B24-AA88-5DC23F609659}" dt="2022-11-08T05:29:39.202" v="2795"/>
+          <ac:chgData name="Selvyn Yovany Martinez Barahona" userId="3ccf779dc7355a40" providerId="LiveId" clId="{176DFD19-9071-4B24-AA88-5DC23F609659}" dt="2022-11-18T03:44:08.354" v="10662"/>
           <ac:spMkLst>
             <pc:docMk/>
             <pc:sldMk cId="849266544" sldId="256"/>
@@ -283,7 +531,7 @@
           </ac:spMkLst>
         </pc:spChg>
         <pc:spChg chg="mod">
-          <ac:chgData name="Selvyn Yovany Martinez Barahona" userId="3ccf779dc7355a40" providerId="LiveId" clId="{176DFD19-9071-4B24-AA88-5DC23F609659}" dt="2022-11-08T05:29:39.202" v="2796"/>
+          <ac:chgData name="Selvyn Yovany Martinez Barahona" userId="3ccf779dc7355a40" providerId="LiveId" clId="{176DFD19-9071-4B24-AA88-5DC23F609659}" dt="2022-11-18T03:44:08.354" v="10661"/>
           <ac:spMkLst>
             <pc:docMk/>
             <pc:sldMk cId="849266544" sldId="256"/>
@@ -291,7 +539,7 @@
           </ac:spMkLst>
         </pc:spChg>
         <pc:spChg chg="mod ord">
-          <ac:chgData name="Selvyn Yovany Martinez Barahona" userId="3ccf779dc7355a40" providerId="LiveId" clId="{176DFD19-9071-4B24-AA88-5DC23F609659}" dt="2022-11-08T05:29:39.204" v="2804"/>
+          <ac:chgData name="Selvyn Yovany Martinez Barahona" userId="3ccf779dc7355a40" providerId="LiveId" clId="{176DFD19-9071-4B24-AA88-5DC23F609659}" dt="2022-11-18T03:44:08.355" v="10670"/>
           <ac:spMkLst>
             <pc:docMk/>
             <pc:sldMk cId="849266544" sldId="256"/>
@@ -299,47 +547,47 @@
           </ac:spMkLst>
         </pc:spChg>
         <pc:spChg chg="mod ord">
-          <ac:chgData name="Selvyn Yovany Martinez Barahona" userId="3ccf779dc7355a40" providerId="LiveId" clId="{176DFD19-9071-4B24-AA88-5DC23F609659}" dt="2022-11-08T05:29:39.204" v="2806"/>
+          <ac:chgData name="Selvyn Yovany Martinez Barahona" userId="3ccf779dc7355a40" providerId="LiveId" clId="{176DFD19-9071-4B24-AA88-5DC23F609659}" dt="2022-11-18T03:44:08.356" v="10672"/>
           <ac:spMkLst>
             <pc:docMk/>
             <pc:sldMk cId="849266544" sldId="256"/>
             <ac:spMk id="385" creationId="{046DFD33-DE3E-0A85-004B-7F5CE8942312}"/>
           </ac:spMkLst>
         </pc:spChg>
-        <pc:spChg chg="mod ord">
-          <ac:chgData name="Selvyn Yovany Martinez Barahona" userId="3ccf779dc7355a40" providerId="LiveId" clId="{176DFD19-9071-4B24-AA88-5DC23F609659}" dt="2022-11-08T05:29:39.205" v="2810"/>
+        <pc:spChg chg="del mod ord">
+          <ac:chgData name="Selvyn Yovany Martinez Barahona" userId="3ccf779dc7355a40" providerId="LiveId" clId="{176DFD19-9071-4B24-AA88-5DC23F609659}" dt="2022-11-18T03:06:20.801" v="6509"/>
           <ac:spMkLst>
             <pc:docMk/>
             <pc:sldMk cId="849266544" sldId="256"/>
             <ac:spMk id="387" creationId="{F048C153-7E8A-8CE6-EB18-71AEF89CFA99}"/>
           </ac:spMkLst>
         </pc:spChg>
-        <pc:spChg chg="mod ord">
-          <ac:chgData name="Selvyn Yovany Martinez Barahona" userId="3ccf779dc7355a40" providerId="LiveId" clId="{176DFD19-9071-4B24-AA88-5DC23F609659}" dt="2022-11-08T05:29:39.205" v="2812"/>
+        <pc:spChg chg="del mod ord">
+          <ac:chgData name="Selvyn Yovany Martinez Barahona" userId="3ccf779dc7355a40" providerId="LiveId" clId="{176DFD19-9071-4B24-AA88-5DC23F609659}" dt="2022-11-18T03:06:20.802" v="6511"/>
           <ac:spMkLst>
             <pc:docMk/>
             <pc:sldMk cId="849266544" sldId="256"/>
             <ac:spMk id="388" creationId="{1668D685-E39E-CA78-E994-97AB150EA2B8}"/>
           </ac:spMkLst>
         </pc:spChg>
-        <pc:spChg chg="mod ord">
-          <ac:chgData name="Selvyn Yovany Martinez Barahona" userId="3ccf779dc7355a40" providerId="LiveId" clId="{176DFD19-9071-4B24-AA88-5DC23F609659}" dt="2022-11-08T05:29:39.205" v="2814"/>
+        <pc:spChg chg="del mod ord">
+          <ac:chgData name="Selvyn Yovany Martinez Barahona" userId="3ccf779dc7355a40" providerId="LiveId" clId="{176DFD19-9071-4B24-AA88-5DC23F609659}" dt="2022-11-18T03:06:20.803" v="6513"/>
           <ac:spMkLst>
             <pc:docMk/>
             <pc:sldMk cId="849266544" sldId="256"/>
             <ac:spMk id="389" creationId="{761668BA-4084-A0C9-1315-764B23165AFC}"/>
           </ac:spMkLst>
         </pc:spChg>
-        <pc:spChg chg="mod ord">
-          <ac:chgData name="Selvyn Yovany Martinez Barahona" userId="3ccf779dc7355a40" providerId="LiveId" clId="{176DFD19-9071-4B24-AA88-5DC23F609659}" dt="2022-11-08T05:29:39.206" v="2816"/>
+        <pc:spChg chg="del mod ord">
+          <ac:chgData name="Selvyn Yovany Martinez Barahona" userId="3ccf779dc7355a40" providerId="LiveId" clId="{176DFD19-9071-4B24-AA88-5DC23F609659}" dt="2022-11-18T03:06:20.804" v="6515"/>
           <ac:spMkLst>
             <pc:docMk/>
             <pc:sldMk cId="849266544" sldId="256"/>
             <ac:spMk id="390" creationId="{5A361C12-95C9-5F06-4553-BA298A0D4878}"/>
           </ac:spMkLst>
         </pc:spChg>
-        <pc:spChg chg="mod ord">
-          <ac:chgData name="Selvyn Yovany Martinez Barahona" userId="3ccf779dc7355a40" providerId="LiveId" clId="{176DFD19-9071-4B24-AA88-5DC23F609659}" dt="2022-11-08T05:29:39.206" v="2818"/>
+        <pc:spChg chg="del mod ord">
+          <ac:chgData name="Selvyn Yovany Martinez Barahona" userId="3ccf779dc7355a40" providerId="LiveId" clId="{176DFD19-9071-4B24-AA88-5DC23F609659}" dt="2022-11-18T03:06:20.805" v="6517"/>
           <ac:spMkLst>
             <pc:docMk/>
             <pc:sldMk cId="849266544" sldId="256"/>
@@ -347,7 +595,7 @@
           </ac:spMkLst>
         </pc:spChg>
         <pc:spChg chg="mod">
-          <ac:chgData name="Selvyn Yovany Martinez Barahona" userId="3ccf779dc7355a40" providerId="LiveId" clId="{176DFD19-9071-4B24-AA88-5DC23F609659}" dt="2022-11-08T05:29:39.207" v="2820"/>
+          <ac:chgData name="Selvyn Yovany Martinez Barahona" userId="3ccf779dc7355a40" providerId="LiveId" clId="{176DFD19-9071-4B24-AA88-5DC23F609659}" dt="2022-11-18T03:44:08.358" v="10686"/>
           <ac:spMkLst>
             <pc:docMk/>
             <pc:sldMk cId="849266544" sldId="256"/>
@@ -355,7 +603,7 @@
           </ac:spMkLst>
         </pc:spChg>
         <pc:spChg chg="mod ord">
-          <ac:chgData name="Selvyn Yovany Martinez Barahona" userId="3ccf779dc7355a40" providerId="LiveId" clId="{176DFD19-9071-4B24-AA88-5DC23F609659}" dt="2022-11-08T05:29:39.207" v="2822"/>
+          <ac:chgData name="Selvyn Yovany Martinez Barahona" userId="3ccf779dc7355a40" providerId="LiveId" clId="{176DFD19-9071-4B24-AA88-5DC23F609659}" dt="2022-11-18T03:44:08.358" v="10685"/>
           <ac:spMkLst>
             <pc:docMk/>
             <pc:sldMk cId="849266544" sldId="256"/>
@@ -363,7 +611,7 @@
           </ac:spMkLst>
         </pc:spChg>
         <pc:spChg chg="mod">
-          <ac:chgData name="Selvyn Yovany Martinez Barahona" userId="3ccf779dc7355a40" providerId="LiveId" clId="{176DFD19-9071-4B24-AA88-5DC23F609659}" dt="2022-11-08T05:29:39.206" v="2819"/>
+          <ac:chgData name="Selvyn Yovany Martinez Barahona" userId="3ccf779dc7355a40" providerId="LiveId" clId="{176DFD19-9071-4B24-AA88-5DC23F609659}" dt="2022-11-18T03:44:08.358" v="10687"/>
           <ac:spMkLst>
             <pc:docMk/>
             <pc:sldMk cId="849266544" sldId="256"/>
@@ -371,7 +619,7 @@
           </ac:spMkLst>
         </pc:spChg>
         <pc:spChg chg="mod">
-          <ac:chgData name="Selvyn Yovany Martinez Barahona" userId="3ccf779dc7355a40" providerId="LiveId" clId="{176DFD19-9071-4B24-AA88-5DC23F609659}" dt="2022-11-08T05:29:39.207" v="2823"/>
+          <ac:chgData name="Selvyn Yovany Martinez Barahona" userId="3ccf779dc7355a40" providerId="LiveId" clId="{176DFD19-9071-4B24-AA88-5DC23F609659}" dt="2022-11-18T03:44:08.357" v="10683"/>
           <ac:spMkLst>
             <pc:docMk/>
             <pc:sldMk cId="849266544" sldId="256"/>
@@ -379,7 +627,7 @@
           </ac:spMkLst>
         </pc:spChg>
         <pc:spChg chg="mod">
-          <ac:chgData name="Selvyn Yovany Martinez Barahona" userId="3ccf779dc7355a40" providerId="LiveId" clId="{176DFD19-9071-4B24-AA88-5DC23F609659}" dt="2022-11-08T05:29:39.207" v="2824"/>
+          <ac:chgData name="Selvyn Yovany Martinez Barahona" userId="3ccf779dc7355a40" providerId="LiveId" clId="{176DFD19-9071-4B24-AA88-5DC23F609659}" dt="2022-11-18T03:44:08.358" v="10688"/>
           <ac:spMkLst>
             <pc:docMk/>
             <pc:sldMk cId="849266544" sldId="256"/>
@@ -387,7 +635,7 @@
           </ac:spMkLst>
         </pc:spChg>
         <pc:spChg chg="mod">
-          <ac:chgData name="Selvyn Yovany Martinez Barahona" userId="3ccf779dc7355a40" providerId="LiveId" clId="{176DFD19-9071-4B24-AA88-5DC23F609659}" dt="2022-11-08T05:29:39.208" v="2825"/>
+          <ac:chgData name="Selvyn Yovany Martinez Barahona" userId="3ccf779dc7355a40" providerId="LiveId" clId="{176DFD19-9071-4B24-AA88-5DC23F609659}" dt="2022-11-18T03:44:08.358" v="10689"/>
           <ac:spMkLst>
             <pc:docMk/>
             <pc:sldMk cId="849266544" sldId="256"/>
@@ -395,7 +643,7 @@
           </ac:spMkLst>
         </pc:spChg>
         <pc:spChg chg="mod">
-          <ac:chgData name="Selvyn Yovany Martinez Barahona" userId="3ccf779dc7355a40" providerId="LiveId" clId="{176DFD19-9071-4B24-AA88-5DC23F609659}" dt="2022-11-08T05:29:39.208" v="2826"/>
+          <ac:chgData name="Selvyn Yovany Martinez Barahona" userId="3ccf779dc7355a40" providerId="LiveId" clId="{176DFD19-9071-4B24-AA88-5DC23F609659}" dt="2022-11-18T03:44:08.359" v="10690"/>
           <ac:spMkLst>
             <pc:docMk/>
             <pc:sldMk cId="849266544" sldId="256"/>
@@ -403,7 +651,7 @@
           </ac:spMkLst>
         </pc:spChg>
         <pc:spChg chg="mod">
-          <ac:chgData name="Selvyn Yovany Martinez Barahona" userId="3ccf779dc7355a40" providerId="LiveId" clId="{176DFD19-9071-4B24-AA88-5DC23F609659}" dt="2022-11-08T05:29:39.209" v="2830"/>
+          <ac:chgData name="Selvyn Yovany Martinez Barahona" userId="3ccf779dc7355a40" providerId="LiveId" clId="{176DFD19-9071-4B24-AA88-5DC23F609659}" dt="2022-11-18T03:44:08.359" v="10691"/>
           <ac:spMkLst>
             <pc:docMk/>
             <pc:sldMk cId="849266544" sldId="256"/>
@@ -411,7 +659,7 @@
           </ac:spMkLst>
         </pc:spChg>
         <pc:spChg chg="mod">
-          <ac:chgData name="Selvyn Yovany Martinez Barahona" userId="3ccf779dc7355a40" providerId="LiveId" clId="{176DFD19-9071-4B24-AA88-5DC23F609659}" dt="2022-11-08T05:29:39.208" v="2827"/>
+          <ac:chgData name="Selvyn Yovany Martinez Barahona" userId="3ccf779dc7355a40" providerId="LiveId" clId="{176DFD19-9071-4B24-AA88-5DC23F609659}" dt="2022-11-18T03:44:08.359" v="10692"/>
           <ac:spMkLst>
             <pc:docMk/>
             <pc:sldMk cId="849266544" sldId="256"/>
@@ -419,7 +667,7 @@
           </ac:spMkLst>
         </pc:spChg>
         <pc:spChg chg="mod">
-          <ac:chgData name="Selvyn Yovany Martinez Barahona" userId="3ccf779dc7355a40" providerId="LiveId" clId="{176DFD19-9071-4B24-AA88-5DC23F609659}" dt="2022-11-08T05:29:39.208" v="2829"/>
+          <ac:chgData name="Selvyn Yovany Martinez Barahona" userId="3ccf779dc7355a40" providerId="LiveId" clId="{176DFD19-9071-4B24-AA88-5DC23F609659}" dt="2022-11-18T03:44:08.359" v="10694"/>
           <ac:spMkLst>
             <pc:docMk/>
             <pc:sldMk cId="849266544" sldId="256"/>
@@ -427,7 +675,7 @@
           </ac:spMkLst>
         </pc:spChg>
         <pc:spChg chg="mod">
-          <ac:chgData name="Selvyn Yovany Martinez Barahona" userId="3ccf779dc7355a40" providerId="LiveId" clId="{176DFD19-9071-4B24-AA88-5DC23F609659}" dt="2022-11-08T05:29:39.208" v="2828"/>
+          <ac:chgData name="Selvyn Yovany Martinez Barahona" userId="3ccf779dc7355a40" providerId="LiveId" clId="{176DFD19-9071-4B24-AA88-5DC23F609659}" dt="2022-11-18T03:44:08.359" v="10693"/>
           <ac:spMkLst>
             <pc:docMk/>
             <pc:sldMk cId="849266544" sldId="256"/>
@@ -435,7 +683,7 @@
           </ac:spMkLst>
         </pc:spChg>
         <pc:spChg chg="mod">
-          <ac:chgData name="Selvyn Yovany Martinez Barahona" userId="3ccf779dc7355a40" providerId="LiveId" clId="{176DFD19-9071-4B24-AA88-5DC23F609659}" dt="2022-11-08T05:29:39.209" v="2831"/>
+          <ac:chgData name="Selvyn Yovany Martinez Barahona" userId="3ccf779dc7355a40" providerId="LiveId" clId="{176DFD19-9071-4B24-AA88-5DC23F609659}" dt="2022-11-18T03:44:08.359" v="10695"/>
           <ac:spMkLst>
             <pc:docMk/>
             <pc:sldMk cId="849266544" sldId="256"/>
@@ -443,7 +691,7 @@
           </ac:spMkLst>
         </pc:spChg>
         <pc:spChg chg="mod">
-          <ac:chgData name="Selvyn Yovany Martinez Barahona" userId="3ccf779dc7355a40" providerId="LiveId" clId="{176DFD19-9071-4B24-AA88-5DC23F609659}" dt="2022-11-08T05:29:39.209" v="2832"/>
+          <ac:chgData name="Selvyn Yovany Martinez Barahona" userId="3ccf779dc7355a40" providerId="LiveId" clId="{176DFD19-9071-4B24-AA88-5DC23F609659}" dt="2022-11-18T03:44:08.360" v="10696"/>
           <ac:spMkLst>
             <pc:docMk/>
             <pc:sldMk cId="849266544" sldId="256"/>
@@ -459,11 +707,35 @@
           </ac:spMkLst>
         </pc:spChg>
         <pc:spChg chg="add del mod modVis">
+          <ac:chgData name="Selvyn Yovany Martinez Barahona" userId="3ccf779dc7355a40" providerId="LiveId" clId="{176DFD19-9071-4B24-AA88-5DC23F609659}" dt="2022-11-18T03:07:24.884" v="7744"/>
+          <ac:spMkLst>
+            <pc:docMk/>
+            <pc:sldMk cId="849266544" sldId="256"/>
+            <ac:spMk id="449" creationId="{7EEBA972-7EC7-5BC6-C526-19EE0DA6E20B}"/>
+          </ac:spMkLst>
+        </pc:spChg>
+        <pc:spChg chg="add del mod modVis">
+          <ac:chgData name="Selvyn Yovany Martinez Barahona" userId="3ccf779dc7355a40" providerId="LiveId" clId="{176DFD19-9071-4B24-AA88-5DC23F609659}" dt="2022-11-18T03:07:33.465" v="7879"/>
+          <ac:spMkLst>
+            <pc:docMk/>
+            <pc:sldMk cId="849266544" sldId="256"/>
+            <ac:spMk id="451" creationId="{407F5696-C526-BAF8-B029-3709A0B4B7F9}"/>
+          </ac:spMkLst>
+        </pc:spChg>
+        <pc:spChg chg="add del mod modVis">
           <ac:chgData name="Selvyn Yovany Martinez Barahona" userId="3ccf779dc7355a40" providerId="LiveId" clId="{176DFD19-9071-4B24-AA88-5DC23F609659}" dt="2022-11-08T00:30:32.181" v="511"/>
           <ac:spMkLst>
             <pc:docMk/>
             <pc:sldMk cId="849266544" sldId="256"/>
             <ac:spMk id="451" creationId="{AF3C9087-4FFD-14A9-5B21-4D7078B94799}"/>
+          </ac:spMkLst>
+        </pc:spChg>
+        <pc:spChg chg="add del mod modVis">
+          <ac:chgData name="Selvyn Yovany Martinez Barahona" userId="3ccf779dc7355a40" providerId="LiveId" clId="{176DFD19-9071-4B24-AA88-5DC23F609659}" dt="2022-11-18T03:07:41.042" v="8014"/>
+          <ac:spMkLst>
+            <pc:docMk/>
+            <pc:sldMk cId="849266544" sldId="256"/>
+            <ac:spMk id="453" creationId="{41668ABC-80FD-9E79-02CB-393FCF53CCC0}"/>
           </ac:spMkLst>
         </pc:spChg>
         <pc:spChg chg="add del mod modVis">
@@ -475,6 +747,14 @@
           </ac:spMkLst>
         </pc:spChg>
         <pc:spChg chg="add del mod modVis">
+          <ac:chgData name="Selvyn Yovany Martinez Barahona" userId="3ccf779dc7355a40" providerId="LiveId" clId="{176DFD19-9071-4B24-AA88-5DC23F609659}" dt="2022-11-18T03:07:49.245" v="8149"/>
+          <ac:spMkLst>
+            <pc:docMk/>
+            <pc:sldMk cId="849266544" sldId="256"/>
+            <ac:spMk id="455" creationId="{5B2CEDCA-83B7-008B-7392-71E9EE8D61C2}"/>
+          </ac:spMkLst>
+        </pc:spChg>
+        <pc:spChg chg="add del mod modVis">
           <ac:chgData name="Selvyn Yovany Martinez Barahona" userId="3ccf779dc7355a40" providerId="LiveId" clId="{176DFD19-9071-4B24-AA88-5DC23F609659}" dt="2022-11-08T00:30:44.658" v="1268"/>
           <ac:spMkLst>
             <pc:docMk/>
@@ -483,7 +763,7 @@
           </ac:spMkLst>
         </pc:spChg>
         <pc:spChg chg="add del mod ord replST">
-          <ac:chgData name="Selvyn Yovany Martinez Barahona" userId="3ccf779dc7355a40" providerId="LiveId" clId="{176DFD19-9071-4B24-AA88-5DC23F609659}" dt="2022-11-08T05:29:39.199" v="2780"/>
+          <ac:chgData name="Selvyn Yovany Martinez Barahona" userId="3ccf779dc7355a40" providerId="LiveId" clId="{176DFD19-9071-4B24-AA88-5DC23F609659}" dt="2022-11-18T03:44:08.351" v="10646"/>
           <ac:spMkLst>
             <pc:docMk/>
             <pc:sldMk cId="849266544" sldId="256"/>
@@ -491,7 +771,7 @@
           </ac:spMkLst>
         </pc:spChg>
         <pc:spChg chg="add del mod ord replST">
-          <ac:chgData name="Selvyn Yovany Martinez Barahona" userId="3ccf779dc7355a40" providerId="LiveId" clId="{176DFD19-9071-4B24-AA88-5DC23F609659}" dt="2022-11-08T05:29:39.200" v="2784"/>
+          <ac:chgData name="Selvyn Yovany Martinez Barahona" userId="3ccf779dc7355a40" providerId="LiveId" clId="{176DFD19-9071-4B24-AA88-5DC23F609659}" dt="2022-11-18T02:51:20.099" v="3028"/>
           <ac:spMkLst>
             <pc:docMk/>
             <pc:sldMk cId="849266544" sldId="256"/>
@@ -499,7 +779,7 @@
           </ac:spMkLst>
         </pc:spChg>
         <pc:spChg chg="add del mod ord replST">
-          <ac:chgData name="Selvyn Yovany Martinez Barahona" userId="3ccf779dc7355a40" providerId="LiveId" clId="{176DFD19-9071-4B24-AA88-5DC23F609659}" dt="2022-11-08T05:29:39.200" v="2786"/>
+          <ac:chgData name="Selvyn Yovany Martinez Barahona" userId="3ccf779dc7355a40" providerId="LiveId" clId="{176DFD19-9071-4B24-AA88-5DC23F609659}" dt="2022-11-18T02:51:20.101" v="3030"/>
           <ac:spMkLst>
             <pc:docMk/>
             <pc:sldMk cId="849266544" sldId="256"/>
@@ -507,7 +787,7 @@
           </ac:spMkLst>
         </pc:spChg>
         <pc:spChg chg="add del mod ord replST">
-          <ac:chgData name="Selvyn Yovany Martinez Barahona" userId="3ccf779dc7355a40" providerId="LiveId" clId="{176DFD19-9071-4B24-AA88-5DC23F609659}" dt="2022-11-08T05:29:39.200" v="2788"/>
+          <ac:chgData name="Selvyn Yovany Martinez Barahona" userId="3ccf779dc7355a40" providerId="LiveId" clId="{176DFD19-9071-4B24-AA88-5DC23F609659}" dt="2022-11-18T02:51:20.101" v="3032"/>
           <ac:spMkLst>
             <pc:docMk/>
             <pc:sldMk cId="849266544" sldId="256"/>
@@ -515,11 +795,19 @@
           </ac:spMkLst>
         </pc:spChg>
         <pc:spChg chg="add del mod ord replST">
-          <ac:chgData name="Selvyn Yovany Martinez Barahona" userId="3ccf779dc7355a40" providerId="LiveId" clId="{176DFD19-9071-4B24-AA88-5DC23F609659}" dt="2022-11-08T05:29:39.199" v="2782"/>
+          <ac:chgData name="Selvyn Yovany Martinez Barahona" userId="3ccf779dc7355a40" providerId="LiveId" clId="{176DFD19-9071-4B24-AA88-5DC23F609659}" dt="2022-11-18T02:51:20.102" v="3034"/>
           <ac:spMkLst>
             <pc:docMk/>
             <pc:sldMk cId="849266544" sldId="256"/>
             <ac:spMk id="461" creationId="{F01B8698-9294-F532-DDB4-2EE198CBAA21}"/>
+          </ac:spMkLst>
+        </pc:spChg>
+        <pc:spChg chg="add del mod modVis">
+          <ac:chgData name="Selvyn Yovany Martinez Barahona" userId="3ccf779dc7355a40" providerId="LiveId" clId="{176DFD19-9071-4B24-AA88-5DC23F609659}" dt="2022-11-18T03:07:53.219" v="8284"/>
+          <ac:spMkLst>
+            <pc:docMk/>
+            <pc:sldMk cId="849266544" sldId="256"/>
+            <ac:spMk id="463" creationId="{B2881AA3-EE2B-87C1-34BC-BCCCD6C84601}"/>
           </ac:spMkLst>
         </pc:spChg>
         <pc:spChg chg="add del mod modVis">
@@ -530,12 +818,36 @@
             <ac:spMk id="464" creationId="{AFA32FEB-4726-A115-0A7B-3750501E13DA}"/>
           </ac:spMkLst>
         </pc:spChg>
+        <pc:spChg chg="add del mod modVis">
+          <ac:chgData name="Selvyn Yovany Martinez Barahona" userId="3ccf779dc7355a40" providerId="LiveId" clId="{176DFD19-9071-4B24-AA88-5DC23F609659}" dt="2022-11-18T03:11:28.655" v="8420"/>
+          <ac:spMkLst>
+            <pc:docMk/>
+            <pc:sldMk cId="849266544" sldId="256"/>
+            <ac:spMk id="465" creationId="{B861AE32-0BDD-DA3A-367F-1D1C2CC2C3AB}"/>
+          </ac:spMkLst>
+        </pc:spChg>
+        <pc:spChg chg="add del mod modVis">
+          <ac:chgData name="Selvyn Yovany Martinez Barahona" userId="3ccf779dc7355a40" providerId="LiveId" clId="{176DFD19-9071-4B24-AA88-5DC23F609659}" dt="2022-11-18T03:11:39.049" v="8556"/>
+          <ac:spMkLst>
+            <pc:docMk/>
+            <pc:sldMk cId="849266544" sldId="256"/>
+            <ac:spMk id="467" creationId="{97A7D520-7402-714F-AA57-B9B607651E03}"/>
+          </ac:spMkLst>
+        </pc:spChg>
         <pc:spChg chg="add del mod replST delST">
           <ac:chgData name="Selvyn Yovany Martinez Barahona" userId="3ccf779dc7355a40" providerId="LiveId" clId="{176DFD19-9071-4B24-AA88-5DC23F609659}" dt="2022-11-08T00:33:45.132" v="2447"/>
           <ac:spMkLst>
             <pc:docMk/>
             <pc:sldMk cId="849266544" sldId="256"/>
             <ac:spMk id="468" creationId="{F01B8698-9294-F532-DDB4-2EE198CBAA21}"/>
+          </ac:spMkLst>
+        </pc:spChg>
+        <pc:spChg chg="add del mod modVis">
+          <ac:chgData name="Selvyn Yovany Martinez Barahona" userId="3ccf779dc7355a40" providerId="LiveId" clId="{176DFD19-9071-4B24-AA88-5DC23F609659}" dt="2022-11-18T03:11:43.523" v="8692"/>
+          <ac:spMkLst>
+            <pc:docMk/>
+            <pc:sldMk cId="849266544" sldId="256"/>
+            <ac:spMk id="469" creationId="{2221B23B-A4DD-7AD3-D495-914EEE901B99}"/>
           </ac:spMkLst>
         </pc:spChg>
         <pc:spChg chg="add del mod modVis">
@@ -544,6 +856,14 @@
             <pc:docMk/>
             <pc:sldMk cId="849266544" sldId="256"/>
             <ac:spMk id="469" creationId="{33044A17-34E3-B11D-D299-466C139DF639}"/>
+          </ac:spMkLst>
+        </pc:spChg>
+        <pc:spChg chg="add del mod modVis">
+          <ac:chgData name="Selvyn Yovany Martinez Barahona" userId="3ccf779dc7355a40" providerId="LiveId" clId="{176DFD19-9071-4B24-AA88-5DC23F609659}" dt="2022-11-18T03:11:55.514" v="8828"/>
+          <ac:spMkLst>
+            <pc:docMk/>
+            <pc:sldMk cId="849266544" sldId="256"/>
+            <ac:spMk id="471" creationId="{3DFB44B4-5C2D-D950-E75D-7A098E71297E}"/>
           </ac:spMkLst>
         </pc:spChg>
         <pc:spChg chg="add mod replST delST">
@@ -570,20 +890,340 @@
             <ac:spMk id="474" creationId="{12BDC72C-847B-096B-F025-BF3A4D463DD0}"/>
           </ac:spMkLst>
         </pc:spChg>
-        <pc:graphicFrameChg chg="add mod ord replST">
-          <ac:chgData name="Selvyn Yovany Martinez Barahona" userId="3ccf779dc7355a40" providerId="LiveId" clId="{176DFD19-9071-4B24-AA88-5DC23F609659}" dt="2022-11-08T05:29:39.204" v="2808"/>
+        <pc:spChg chg="add del mod modVis">
+          <ac:chgData name="Selvyn Yovany Martinez Barahona" userId="3ccf779dc7355a40" providerId="LiveId" clId="{176DFD19-9071-4B24-AA88-5DC23F609659}" dt="2022-11-18T03:12:12.435" v="9047"/>
+          <ac:spMkLst>
+            <pc:docMk/>
+            <pc:sldMk cId="849266544" sldId="256"/>
+            <ac:spMk id="474" creationId="{86AF6335-CD4E-781E-797A-947E89EA6162}"/>
+          </ac:spMkLst>
+        </pc:spChg>
+        <pc:spChg chg="add del mod modVis">
+          <ac:chgData name="Selvyn Yovany Martinez Barahona" userId="3ccf779dc7355a40" providerId="LiveId" clId="{176DFD19-9071-4B24-AA88-5DC23F609659}" dt="2022-11-18T03:12:19.623" v="9182"/>
+          <ac:spMkLst>
+            <pc:docMk/>
+            <pc:sldMk cId="849266544" sldId="256"/>
+            <ac:spMk id="476" creationId="{6C8A0238-0458-AA39-1713-5F39173844D2}"/>
+          </ac:spMkLst>
+        </pc:spChg>
+        <pc:spChg chg="add del mod modVis">
+          <ac:chgData name="Selvyn Yovany Martinez Barahona" userId="3ccf779dc7355a40" providerId="LiveId" clId="{176DFD19-9071-4B24-AA88-5DC23F609659}" dt="2022-11-18T03:12:33.451" v="9317"/>
+          <ac:spMkLst>
+            <pc:docMk/>
+            <pc:sldMk cId="849266544" sldId="256"/>
+            <ac:spMk id="478" creationId="{77DEB970-1BB9-B919-84FC-0ED7FFEEA991}"/>
+          </ac:spMkLst>
+        </pc:spChg>
+        <pc:spChg chg="add del mod modVis">
+          <ac:chgData name="Selvyn Yovany Martinez Barahona" userId="3ccf779dc7355a40" providerId="LiveId" clId="{176DFD19-9071-4B24-AA88-5DC23F609659}" dt="2022-11-18T03:12:37.780" v="9452"/>
+          <ac:spMkLst>
+            <pc:docMk/>
+            <pc:sldMk cId="849266544" sldId="256"/>
+            <ac:spMk id="480" creationId="{6B26876E-AF1C-0596-F896-1EB66F974372}"/>
+          </ac:spMkLst>
+        </pc:spChg>
+        <pc:spChg chg="add del mod modVis">
+          <ac:chgData name="Selvyn Yovany Martinez Barahona" userId="3ccf779dc7355a40" providerId="LiveId" clId="{176DFD19-9071-4B24-AA88-5DC23F609659}" dt="2022-11-18T03:12:43.688" v="9587"/>
+          <ac:spMkLst>
+            <pc:docMk/>
+            <pc:sldMk cId="849266544" sldId="256"/>
+            <ac:spMk id="482" creationId="{83336727-DE64-4962-4FCC-8D4F5E0E9550}"/>
+          </ac:spMkLst>
+        </pc:spChg>
+        <pc:spChg chg="add del mod modVis">
+          <ac:chgData name="Selvyn Yovany Martinez Barahona" userId="3ccf779dc7355a40" providerId="LiveId" clId="{176DFD19-9071-4B24-AA88-5DC23F609659}" dt="2022-11-18T03:18:29" v="9743"/>
+          <ac:spMkLst>
+            <pc:docMk/>
+            <pc:sldMk cId="849266544" sldId="256"/>
+            <ac:spMk id="484" creationId="{5FA1455B-EDF9-CA59-7999-C5449B904FB1}"/>
+          </ac:spMkLst>
+        </pc:spChg>
+        <pc:spChg chg="add del mod modVis">
+          <ac:chgData name="Selvyn Yovany Martinez Barahona" userId="3ccf779dc7355a40" providerId="LiveId" clId="{176DFD19-9071-4B24-AA88-5DC23F609659}" dt="2022-11-18T03:19:46.580" v="9899"/>
+          <ac:spMkLst>
+            <pc:docMk/>
+            <pc:sldMk cId="849266544" sldId="256"/>
+            <ac:spMk id="487" creationId="{845F1D37-8AC3-6C1D-AD6D-A5B9CAB81FE6}"/>
+          </ac:spMkLst>
+        </pc:spChg>
+        <pc:spChg chg="add del mod modVis">
+          <ac:chgData name="Selvyn Yovany Martinez Barahona" userId="3ccf779dc7355a40" providerId="LiveId" clId="{176DFD19-9071-4B24-AA88-5DC23F609659}" dt="2022-11-18T03:43:22.013" v="10035"/>
+          <ac:spMkLst>
+            <pc:docMk/>
+            <pc:sldMk cId="849266544" sldId="256"/>
+            <ac:spMk id="490" creationId="{A56AC53B-756C-81A0-0107-3E26CAD63AA8}"/>
+          </ac:spMkLst>
+        </pc:spChg>
+        <pc:spChg chg="add del mod modVis">
+          <ac:chgData name="Selvyn Yovany Martinez Barahona" userId="3ccf779dc7355a40" providerId="LiveId" clId="{176DFD19-9071-4B24-AA88-5DC23F609659}" dt="2022-11-18T03:43:28.344" v="10221"/>
+          <ac:spMkLst>
+            <pc:docMk/>
+            <pc:sldMk cId="849266544" sldId="256"/>
+            <ac:spMk id="492" creationId="{19B7DBCE-31F6-2369-0656-9FDCFE06CA4C}"/>
+          </ac:spMkLst>
+        </pc:spChg>
+        <pc:spChg chg="add del mod modVis">
+          <ac:chgData name="Selvyn Yovany Martinez Barahona" userId="3ccf779dc7355a40" providerId="LiveId" clId="{176DFD19-9071-4B24-AA88-5DC23F609659}" dt="2022-11-18T03:43:42.043" v="10355"/>
+          <ac:spMkLst>
+            <pc:docMk/>
+            <pc:sldMk cId="849266544" sldId="256"/>
+            <ac:spMk id="494" creationId="{275CC632-83BA-86A3-9914-3B782929A9B0}"/>
+          </ac:spMkLst>
+        </pc:spChg>
+        <pc:spChg chg="add del mod modVis">
+          <ac:chgData name="Selvyn Yovany Martinez Barahona" userId="3ccf779dc7355a40" providerId="LiveId" clId="{176DFD19-9071-4B24-AA88-5DC23F609659}" dt="2022-11-18T03:43:49.937" v="10528"/>
+          <ac:spMkLst>
+            <pc:docMk/>
+            <pc:sldMk cId="849266544" sldId="256"/>
+            <ac:spMk id="496" creationId="{574EE19A-AECF-26F7-6348-E6D179D8D26A}"/>
+          </ac:spMkLst>
+        </pc:spChg>
+        <pc:graphicFrameChg chg="add del mod ord replST">
+          <ac:chgData name="Selvyn Yovany Martinez Barahona" userId="3ccf779dc7355a40" providerId="LiveId" clId="{176DFD19-9071-4B24-AA88-5DC23F609659}" dt="2022-11-18T02:51:20.159" v="3093"/>
           <ac:graphicFrameMkLst>
             <pc:docMk/>
             <pc:sldMk cId="849266544" sldId="256"/>
             <ac:graphicFrameMk id="3" creationId="{D2E8DBCA-E70C-D175-5372-A226706F5712}"/>
           </ac:graphicFrameMkLst>
         </pc:graphicFrameChg>
+        <pc:graphicFrameChg chg="add del mod ord replST">
+          <ac:chgData name="Selvyn Yovany Martinez Barahona" userId="3ccf779dc7355a40" providerId="LiveId" clId="{176DFD19-9071-4B24-AA88-5DC23F609659}" dt="2022-11-18T02:51:41.010" v="3569"/>
+          <ac:graphicFrameMkLst>
+            <pc:docMk/>
+            <pc:sldMk cId="849266544" sldId="256"/>
+            <ac:graphicFrameMk id="4" creationId="{F4267790-173E-201E-AB74-DF98393BBCEC}"/>
+          </ac:graphicFrameMkLst>
+        </pc:graphicFrameChg>
+        <pc:graphicFrameChg chg="add del mod ord replST">
+          <ac:chgData name="Selvyn Yovany Martinez Barahona" userId="3ccf779dc7355a40" providerId="LiveId" clId="{176DFD19-9071-4B24-AA88-5DC23F609659}" dt="2022-11-18T02:51:41.026" v="3588"/>
+          <ac:graphicFrameMkLst>
+            <pc:docMk/>
+            <pc:sldMk cId="849266544" sldId="256"/>
+            <ac:graphicFrameMk id="5" creationId="{1EBF0A35-1F30-F14D-A625-98F345D893C1}"/>
+          </ac:graphicFrameMkLst>
+        </pc:graphicFrameChg>
         <pc:graphicFrameChg chg="mod">
-          <ac:chgData name="Selvyn Yovany Martinez Barahona" userId="3ccf779dc7355a40" providerId="LiveId" clId="{176DFD19-9071-4B24-AA88-5DC23F609659}" dt="2022-11-08T05:29:39.214" v="2838"/>
+          <ac:chgData name="Selvyn Yovany Martinez Barahona" userId="3ccf779dc7355a40" providerId="LiveId" clId="{176DFD19-9071-4B24-AA88-5DC23F609659}" dt="2022-11-18T03:44:08.363" v="10700"/>
           <ac:graphicFrameMkLst>
             <pc:docMk/>
             <pc:sldMk cId="849266544" sldId="256"/>
             <ac:graphicFrameMk id="9" creationId="{94F6DDB2-4988-6D60-A3BC-07C92A74F16B}"/>
+          </ac:graphicFrameMkLst>
+        </pc:graphicFrameChg>
+        <pc:graphicFrameChg chg="add del mod ord replST">
+          <ac:chgData name="Selvyn Yovany Martinez Barahona" userId="3ccf779dc7355a40" providerId="LiveId" clId="{176DFD19-9071-4B24-AA88-5DC23F609659}" dt="2022-11-18T02:51:44.767" v="3681"/>
+          <ac:graphicFrameMkLst>
+            <pc:docMk/>
+            <pc:sldMk cId="849266544" sldId="256"/>
+            <ac:graphicFrameMk id="12" creationId="{6570D037-3C93-6CE5-2379-B3C4D6166539}"/>
+          </ac:graphicFrameMkLst>
+        </pc:graphicFrameChg>
+        <pc:graphicFrameChg chg="add del mod ord replST">
+          <ac:chgData name="Selvyn Yovany Martinez Barahona" userId="3ccf779dc7355a40" providerId="LiveId" clId="{176DFD19-9071-4B24-AA88-5DC23F609659}" dt="2022-11-18T02:51:59.050" v="4226"/>
+          <ac:graphicFrameMkLst>
+            <pc:docMk/>
+            <pc:sldMk cId="849266544" sldId="256"/>
+            <ac:graphicFrameMk id="13" creationId="{425E93D9-1E5D-CABB-0A00-64CE09ED4253}"/>
+          </ac:graphicFrameMkLst>
+        </pc:graphicFrameChg>
+        <pc:graphicFrameChg chg="add del mod ord replST">
+          <ac:chgData name="Selvyn Yovany Martinez Barahona" userId="3ccf779dc7355a40" providerId="LiveId" clId="{176DFD19-9071-4B24-AA88-5DC23F609659}" dt="2022-11-18T02:51:54.148" v="3768"/>
+          <ac:graphicFrameMkLst>
+            <pc:docMk/>
+            <pc:sldMk cId="849266544" sldId="256"/>
+            <ac:graphicFrameMk id="14" creationId="{FE219A26-F621-2A41-0F65-270F64A0D130}"/>
+          </ac:graphicFrameMkLst>
+        </pc:graphicFrameChg>
+        <pc:graphicFrameChg chg="add del mod ord replST">
+          <ac:chgData name="Selvyn Yovany Martinez Barahona" userId="3ccf779dc7355a40" providerId="LiveId" clId="{176DFD19-9071-4B24-AA88-5DC23F609659}" dt="2022-11-18T02:51:54.861" v="3933"/>
+          <ac:graphicFrameMkLst>
+            <pc:docMk/>
+            <pc:sldMk cId="849266544" sldId="256"/>
+            <ac:graphicFrameMk id="15" creationId="{2EBEC890-7371-B65F-470D-100C6A4A94B7}"/>
+          </ac:graphicFrameMkLst>
+        </pc:graphicFrameChg>
+        <pc:graphicFrameChg chg="add del mod ord replST">
+          <ac:chgData name="Selvyn Yovany Martinez Barahona" userId="3ccf779dc7355a40" providerId="LiveId" clId="{176DFD19-9071-4B24-AA88-5DC23F609659}" dt="2022-11-18T02:51:57.404" v="4010"/>
+          <ac:graphicFrameMkLst>
+            <pc:docMk/>
+            <pc:sldMk cId="849266544" sldId="256"/>
+            <ac:graphicFrameMk id="17" creationId="{CC12AE94-CCA1-94E3-7ACA-177AE3EF9B60}"/>
+          </ac:graphicFrameMkLst>
+        </pc:graphicFrameChg>
+        <pc:graphicFrameChg chg="add del mod ord replST">
+          <ac:chgData name="Selvyn Yovany Martinez Barahona" userId="3ccf779dc7355a40" providerId="LiveId" clId="{176DFD19-9071-4B24-AA88-5DC23F609659}" dt="2022-11-18T02:51:58.198" v="4085"/>
+          <ac:graphicFrameMkLst>
+            <pc:docMk/>
+            <pc:sldMk cId="849266544" sldId="256"/>
+            <ac:graphicFrameMk id="18" creationId="{01B50015-3DA0-24B2-C3E4-100B7DC6BF29}"/>
+          </ac:graphicFrameMkLst>
+        </pc:graphicFrameChg>
+        <pc:graphicFrameChg chg="add del mod ord replST">
+          <ac:chgData name="Selvyn Yovany Martinez Barahona" userId="3ccf779dc7355a40" providerId="LiveId" clId="{176DFD19-9071-4B24-AA88-5DC23F609659}" dt="2022-11-18T02:51:59.036" v="4207"/>
+          <ac:graphicFrameMkLst>
+            <pc:docMk/>
+            <pc:sldMk cId="849266544" sldId="256"/>
+            <ac:graphicFrameMk id="19" creationId="{3590559C-924B-F7E4-5F7F-F831F4CAE889}"/>
+          </ac:graphicFrameMkLst>
+        </pc:graphicFrameChg>
+        <pc:graphicFrameChg chg="add del mod ord replST">
+          <ac:chgData name="Selvyn Yovany Martinez Barahona" userId="3ccf779dc7355a40" providerId="LiveId" clId="{176DFD19-9071-4B24-AA88-5DC23F609659}" dt="2022-11-18T03:03:20.379" v="4702"/>
+          <ac:graphicFrameMkLst>
+            <pc:docMk/>
+            <pc:sldMk cId="849266544" sldId="256"/>
+            <ac:graphicFrameMk id="21" creationId="{D3E47005-3DD8-EAC7-C703-7F27B96ECAB2}"/>
+          </ac:graphicFrameMkLst>
+        </pc:graphicFrameChg>
+        <pc:graphicFrameChg chg="add del mod ord replST">
+          <ac:chgData name="Selvyn Yovany Martinez Barahona" userId="3ccf779dc7355a40" providerId="LiveId" clId="{176DFD19-9071-4B24-AA88-5DC23F609659}" dt="2022-11-18T03:03:20.392" v="4721"/>
+          <ac:graphicFrameMkLst>
+            <pc:docMk/>
+            <pc:sldMk cId="849266544" sldId="256"/>
+            <ac:graphicFrameMk id="22" creationId="{FE42C5EB-156A-FF91-C542-75194D521AE0}"/>
+          </ac:graphicFrameMkLst>
+        </pc:graphicFrameChg>
+        <pc:graphicFrameChg chg="add del mod ord replST">
+          <ac:chgData name="Selvyn Yovany Martinez Barahona" userId="3ccf779dc7355a40" providerId="LiveId" clId="{176DFD19-9071-4B24-AA88-5DC23F609659}" dt="2022-11-18T03:03:25.155" v="4814"/>
+          <ac:graphicFrameMkLst>
+            <pc:docMk/>
+            <pc:sldMk cId="849266544" sldId="256"/>
+            <ac:graphicFrameMk id="28" creationId="{8F35EEB3-F504-16BF-BA90-E58908C60DC3}"/>
+          </ac:graphicFrameMkLst>
+        </pc:graphicFrameChg>
+        <pc:graphicFrameChg chg="add del mod ord replST">
+          <ac:chgData name="Selvyn Yovany Martinez Barahona" userId="3ccf779dc7355a40" providerId="LiveId" clId="{176DFD19-9071-4B24-AA88-5DC23F609659}" dt="2022-11-18T03:06:20.806" v="6519"/>
+          <ac:graphicFrameMkLst>
+            <pc:docMk/>
+            <pc:sldMk cId="849266544" sldId="256"/>
+            <ac:graphicFrameMk id="29" creationId="{9D669673-AAC3-BACC-4256-32BD9DB18B32}"/>
+          </ac:graphicFrameMkLst>
+        </pc:graphicFrameChg>
+        <pc:graphicFrameChg chg="add del mod ord replST">
+          <ac:chgData name="Selvyn Yovany Martinez Barahona" userId="3ccf779dc7355a40" providerId="LiveId" clId="{176DFD19-9071-4B24-AA88-5DC23F609659}" dt="2022-11-18T03:03:35.765" v="5031"/>
+          <ac:graphicFrameMkLst>
+            <pc:docMk/>
+            <pc:sldMk cId="849266544" sldId="256"/>
+            <ac:graphicFrameMk id="30" creationId="{7464D0A0-64DC-BFE7-4C78-F7F98ADB3511}"/>
+          </ac:graphicFrameMkLst>
+        </pc:graphicFrameChg>
+        <pc:graphicFrameChg chg="add del mod ord replST">
+          <ac:chgData name="Selvyn Yovany Martinez Barahona" userId="3ccf779dc7355a40" providerId="LiveId" clId="{176DFD19-9071-4B24-AA88-5DC23F609659}" dt="2022-11-18T03:03:43.158" v="5120"/>
+          <ac:graphicFrameMkLst>
+            <pc:docMk/>
+            <pc:sldMk cId="849266544" sldId="256"/>
+            <ac:graphicFrameMk id="32" creationId="{AC978A3A-0E65-6CB4-AA80-F86440ADAD2C}"/>
+          </ac:graphicFrameMkLst>
+        </pc:graphicFrameChg>
+        <pc:graphicFrameChg chg="add del mod ord replST">
+          <ac:chgData name="Selvyn Yovany Martinez Barahona" userId="3ccf779dc7355a40" providerId="LiveId" clId="{176DFD19-9071-4B24-AA88-5DC23F609659}" dt="2022-11-18T03:04:00.757" v="5254"/>
+          <ac:graphicFrameMkLst>
+            <pc:docMk/>
+            <pc:sldMk cId="849266544" sldId="256"/>
+            <ac:graphicFrameMk id="33" creationId="{306C685A-4833-A856-B17D-AB9F4BAA91C4}"/>
+          </ac:graphicFrameMkLst>
+        </pc:graphicFrameChg>
+        <pc:graphicFrameChg chg="add del mod ord replST">
+          <ac:chgData name="Selvyn Yovany Martinez Barahona" userId="3ccf779dc7355a40" providerId="LiveId" clId="{176DFD19-9071-4B24-AA88-5DC23F609659}" dt="2022-11-18T03:04:14.243" v="5390"/>
+          <ac:graphicFrameMkLst>
+            <pc:docMk/>
+            <pc:sldMk cId="849266544" sldId="256"/>
+            <ac:graphicFrameMk id="35" creationId="{CDB0D7ED-55BB-BD1C-3056-E95B77D7312F}"/>
+          </ac:graphicFrameMkLst>
+        </pc:graphicFrameChg>
+        <pc:graphicFrameChg chg="add del mod ord replST">
+          <ac:chgData name="Selvyn Yovany Martinez Barahona" userId="3ccf779dc7355a40" providerId="LiveId" clId="{176DFD19-9071-4B24-AA88-5DC23F609659}" dt="2022-11-18T03:04:23.450" v="5479"/>
+          <ac:graphicFrameMkLst>
+            <pc:docMk/>
+            <pc:sldMk cId="849266544" sldId="256"/>
+            <ac:graphicFrameMk id="37" creationId="{2BC5AD40-21CC-C4D8-9FEC-B399A33EE330}"/>
+          </ac:graphicFrameMkLst>
+        </pc:graphicFrameChg>
+        <pc:graphicFrameChg chg="add del mod ord replST">
+          <ac:chgData name="Selvyn Yovany Martinez Barahona" userId="3ccf779dc7355a40" providerId="LiveId" clId="{176DFD19-9071-4B24-AA88-5DC23F609659}" dt="2022-11-18T03:04:41.923" v="5613"/>
+          <ac:graphicFrameMkLst>
+            <pc:docMk/>
+            <pc:sldMk cId="849266544" sldId="256"/>
+            <ac:graphicFrameMk id="38" creationId="{41826500-F02D-5FD8-BC92-E3617354BD10}"/>
+          </ac:graphicFrameMkLst>
+        </pc:graphicFrameChg>
+        <pc:graphicFrameChg chg="add del mod ord replST">
+          <ac:chgData name="Selvyn Yovany Martinez Barahona" userId="3ccf779dc7355a40" providerId="LiveId" clId="{176DFD19-9071-4B24-AA88-5DC23F609659}" dt="2022-11-18T03:04:52.962" v="5749"/>
+          <ac:graphicFrameMkLst>
+            <pc:docMk/>
+            <pc:sldMk cId="849266544" sldId="256"/>
+            <ac:graphicFrameMk id="40" creationId="{FE2F9B10-8F15-E6A3-284D-7A081AD974C1}"/>
+          </ac:graphicFrameMkLst>
+        </pc:graphicFrameChg>
+        <pc:graphicFrameChg chg="add del mod ord replST">
+          <ac:chgData name="Selvyn Yovany Martinez Barahona" userId="3ccf779dc7355a40" providerId="LiveId" clId="{176DFD19-9071-4B24-AA88-5DC23F609659}" dt="2022-11-18T03:05:01.399" v="5887"/>
+          <ac:graphicFrameMkLst>
+            <pc:docMk/>
+            <pc:sldMk cId="849266544" sldId="256"/>
+            <ac:graphicFrameMk id="42" creationId="{3FE7CC04-C6E0-0B29-05F9-6DA8C6327526}"/>
+          </ac:graphicFrameMkLst>
+        </pc:graphicFrameChg>
+        <pc:graphicFrameChg chg="add del mod ord replST">
+          <ac:chgData name="Selvyn Yovany Martinez Barahona" userId="3ccf779dc7355a40" providerId="LiveId" clId="{176DFD19-9071-4B24-AA88-5DC23F609659}" dt="2022-11-18T03:05:14.292" v="6025"/>
+          <ac:graphicFrameMkLst>
+            <pc:docMk/>
+            <pc:sldMk cId="849266544" sldId="256"/>
+            <ac:graphicFrameMk id="44" creationId="{99DFE40A-F6D9-5881-F525-953E8BD77700}"/>
+          </ac:graphicFrameMkLst>
+        </pc:graphicFrameChg>
+        <pc:graphicFrameChg chg="add del mod ord replST">
+          <ac:chgData name="Selvyn Yovany Martinez Barahona" userId="3ccf779dc7355a40" providerId="LiveId" clId="{176DFD19-9071-4B24-AA88-5DC23F609659}" dt="2022-11-18T03:05:39.053" v="6226"/>
+          <ac:graphicFrameMkLst>
+            <pc:docMk/>
+            <pc:sldMk cId="849266544" sldId="256"/>
+            <ac:graphicFrameMk id="46" creationId="{350101C1-CCCC-CF2B-733B-B0AE893F914E}"/>
+          </ac:graphicFrameMkLst>
+        </pc:graphicFrameChg>
+        <pc:graphicFrameChg chg="add del mod ord replST">
+          <ac:chgData name="Selvyn Yovany Martinez Barahona" userId="3ccf779dc7355a40" providerId="LiveId" clId="{176DFD19-9071-4B24-AA88-5DC23F609659}" dt="2022-11-18T03:05:45.050" v="6315"/>
+          <ac:graphicFrameMkLst>
+            <pc:docMk/>
+            <pc:sldMk cId="849266544" sldId="256"/>
+            <ac:graphicFrameMk id="48" creationId="{685587F7-C7A4-6550-704C-4B13067E9A66}"/>
+          </ac:graphicFrameMkLst>
+        </pc:graphicFrameChg>
+        <pc:graphicFrameChg chg="add del mod ord replST">
+          <ac:chgData name="Selvyn Yovany Martinez Barahona" userId="3ccf779dc7355a40" providerId="LiveId" clId="{176DFD19-9071-4B24-AA88-5DC23F609659}" dt="2022-11-18T03:11:28.633" v="8354"/>
+          <ac:graphicFrameMkLst>
+            <pc:docMk/>
+            <pc:sldMk cId="849266544" sldId="256"/>
+            <ac:graphicFrameMk id="49" creationId="{A3EC9328-5819-5F0E-A5C2-2EFCBED57DB4}"/>
+          </ac:graphicFrameMkLst>
+        </pc:graphicFrameChg>
+        <pc:graphicFrameChg chg="add del mod ord replST">
+          <ac:chgData name="Selvyn Yovany Martinez Barahona" userId="3ccf779dc7355a40" providerId="LiveId" clId="{176DFD19-9071-4B24-AA88-5DC23F609659}" dt="2022-11-18T03:06:27.295" v="7058"/>
+          <ac:graphicFrameMkLst>
+            <pc:docMk/>
+            <pc:sldMk cId="849266544" sldId="256"/>
+            <ac:graphicFrameMk id="51" creationId="{6D721D88-F991-919D-F693-C9001E404190}"/>
+          </ac:graphicFrameMkLst>
+        </pc:graphicFrameChg>
+        <pc:graphicFrameChg chg="add del mod ord replST">
+          <ac:chgData name="Selvyn Yovany Martinez Barahona" userId="3ccf779dc7355a40" providerId="LiveId" clId="{176DFD19-9071-4B24-AA88-5DC23F609659}" dt="2022-11-18T03:06:38.505" v="7277"/>
+          <ac:graphicFrameMkLst>
+            <pc:docMk/>
+            <pc:sldMk cId="849266544" sldId="256"/>
+            <ac:graphicFrameMk id="58" creationId="{CD14C85A-D0C0-BB41-F884-19C88EC2DC63}"/>
+          </ac:graphicFrameMkLst>
+        </pc:graphicFrameChg>
+        <pc:graphicFrameChg chg="add del mod ord replST">
+          <ac:chgData name="Selvyn Yovany Martinez Barahona" userId="3ccf779dc7355a40" providerId="LiveId" clId="{176DFD19-9071-4B24-AA88-5DC23F609659}" dt="2022-11-18T03:07:10.493" v="7410"/>
+          <ac:graphicFrameMkLst>
+            <pc:docMk/>
+            <pc:sldMk cId="849266544" sldId="256"/>
+            <ac:graphicFrameMk id="60" creationId="{720C932B-9873-2D13-C35F-241B39F975E1}"/>
+          </ac:graphicFrameMkLst>
+        </pc:graphicFrameChg>
+        <pc:graphicFrameChg chg="add del mod ord replST">
+          <ac:chgData name="Selvyn Yovany Martinez Barahona" userId="3ccf779dc7355a40" providerId="LiveId" clId="{176DFD19-9071-4B24-AA88-5DC23F609659}" dt="2022-11-18T03:07:17.848" v="7543"/>
+          <ac:graphicFrameMkLst>
+            <pc:docMk/>
+            <pc:sldMk cId="849266544" sldId="256"/>
+            <ac:graphicFrameMk id="62" creationId="{C4238B31-170D-833A-8D27-10A02010D8DB}"/>
           </ac:graphicFrameMkLst>
         </pc:graphicFrameChg>
         <pc:graphicFrameChg chg="del">
@@ -611,6 +1251,14 @@
           </ac:graphicFrameMkLst>
         </pc:graphicFrameChg>
         <pc:graphicFrameChg chg="add del mod ord replST">
+          <ac:chgData name="Selvyn Yovany Martinez Barahona" userId="3ccf779dc7355a40" providerId="LiveId" clId="{176DFD19-9071-4B24-AA88-5DC23F609659}" dt="2022-11-18T03:07:24.864" v="7678"/>
+          <ac:graphicFrameMkLst>
+            <pc:docMk/>
+            <pc:sldMk cId="849266544" sldId="256"/>
+            <ac:graphicFrameMk id="448" creationId="{4A3AFDA2-951D-B0FF-3589-2324A6CDC3B6}"/>
+          </ac:graphicFrameMkLst>
+        </pc:graphicFrameChg>
+        <pc:graphicFrameChg chg="add del mod ord replST">
           <ac:chgData name="Selvyn Yovany Martinez Barahona" userId="3ccf779dc7355a40" providerId="LiveId" clId="{176DFD19-9071-4B24-AA88-5DC23F609659}" dt="2022-11-08T00:30:44.639" v="1202"/>
           <ac:graphicFrameMkLst>
             <pc:docMk/>
@@ -627,11 +1275,27 @@
           </ac:graphicFrameMkLst>
         </pc:graphicFrameChg>
         <pc:graphicFrameChg chg="add del mod ord replST">
+          <ac:chgData name="Selvyn Yovany Martinez Barahona" userId="3ccf779dc7355a40" providerId="LiveId" clId="{176DFD19-9071-4B24-AA88-5DC23F609659}" dt="2022-11-18T03:07:33.443" v="7813"/>
+          <ac:graphicFrameMkLst>
+            <pc:docMk/>
+            <pc:sldMk cId="849266544" sldId="256"/>
+            <ac:graphicFrameMk id="450" creationId="{D4BAC420-A9EF-A5D0-2A09-7DB0C7A89442}"/>
+          </ac:graphicFrameMkLst>
+        </pc:graphicFrameChg>
+        <pc:graphicFrameChg chg="add del mod ord replST">
           <ac:chgData name="Selvyn Yovany Martinez Barahona" userId="3ccf779dc7355a40" providerId="LiveId" clId="{176DFD19-9071-4B24-AA88-5DC23F609659}" dt="2022-11-08T00:30:37.632" v="529"/>
           <ac:graphicFrameMkLst>
             <pc:docMk/>
             <pc:sldMk cId="849266544" sldId="256"/>
             <ac:graphicFrameMk id="452" creationId="{7F3FF725-2A47-BE20-1B08-92318A058139}"/>
+          </ac:graphicFrameMkLst>
+        </pc:graphicFrameChg>
+        <pc:graphicFrameChg chg="add del mod ord replST">
+          <ac:chgData name="Selvyn Yovany Martinez Barahona" userId="3ccf779dc7355a40" providerId="LiveId" clId="{176DFD19-9071-4B24-AA88-5DC23F609659}" dt="2022-11-18T03:07:41.021" v="7948"/>
+          <ac:graphicFrameMkLst>
+            <pc:docMk/>
+            <pc:sldMk cId="849266544" sldId="256"/>
+            <ac:graphicFrameMk id="452" creationId="{85C73E77-D16F-345C-F9E8-C5ABB35C0238}"/>
           </ac:graphicFrameMkLst>
         </pc:graphicFrameChg>
         <pc:graphicFrameChg chg="add del mod ord replST">
@@ -643,6 +1307,14 @@
           </ac:graphicFrameMkLst>
         </pc:graphicFrameChg>
         <pc:graphicFrameChg chg="add del mod ord replST">
+          <ac:chgData name="Selvyn Yovany Martinez Barahona" userId="3ccf779dc7355a40" providerId="LiveId" clId="{176DFD19-9071-4B24-AA88-5DC23F609659}" dt="2022-11-18T03:07:49.223" v="8083"/>
+          <ac:graphicFrameMkLst>
+            <pc:docMk/>
+            <pc:sldMk cId="849266544" sldId="256"/>
+            <ac:graphicFrameMk id="454" creationId="{79511F56-F2AB-4DB5-AEA5-7436BBA1B7AC}"/>
+          </ac:graphicFrameMkLst>
+        </pc:graphicFrameChg>
+        <pc:graphicFrameChg chg="add del mod ord replST">
           <ac:chgData name="Selvyn Yovany Martinez Barahona" userId="3ccf779dc7355a40" providerId="LiveId" clId="{176DFD19-9071-4B24-AA88-5DC23F609659}" dt="2022-11-08T00:30:44.627" v="1187"/>
           <ac:graphicFrameMkLst>
             <pc:docMk/>
@@ -651,7 +1323,15 @@
           </ac:graphicFrameMkLst>
         </pc:graphicFrameChg>
         <pc:graphicFrameChg chg="add del mod ord replST">
-          <ac:chgData name="Selvyn Yovany Martinez Barahona" userId="3ccf779dc7355a40" providerId="LiveId" clId="{176DFD19-9071-4B24-AA88-5DC23F609659}" dt="2022-11-08T05:29:39.198" v="2778"/>
+          <ac:chgData name="Selvyn Yovany Martinez Barahona" userId="3ccf779dc7355a40" providerId="LiveId" clId="{176DFD19-9071-4B24-AA88-5DC23F609659}" dt="2022-11-18T03:07:53.199" v="8218"/>
+          <ac:graphicFrameMkLst>
+            <pc:docMk/>
+            <pc:sldMk cId="849266544" sldId="256"/>
+            <ac:graphicFrameMk id="456" creationId="{D87191AF-BF4E-45C8-EDDE-722AE8DF194C}"/>
+          </ac:graphicFrameMkLst>
+        </pc:graphicFrameChg>
+        <pc:graphicFrameChg chg="add del mod ord replST">
+          <ac:chgData name="Selvyn Yovany Martinez Barahona" userId="3ccf779dc7355a40" providerId="LiveId" clId="{176DFD19-9071-4B24-AA88-5DC23F609659}" dt="2022-11-18T02:51:20.105" v="3036"/>
           <ac:graphicFrameMkLst>
             <pc:docMk/>
             <pc:sldMk cId="849266544" sldId="256"/>
@@ -666,6 +1346,14 @@
             <ac:graphicFrameMk id="463" creationId="{3A984127-996E-BA42-FDDD-4539A83BB14B}"/>
           </ac:graphicFrameMkLst>
         </pc:graphicFrameChg>
+        <pc:graphicFrameChg chg="add del mod ord replST">
+          <ac:chgData name="Selvyn Yovany Martinez Barahona" userId="3ccf779dc7355a40" providerId="LiveId" clId="{176DFD19-9071-4B24-AA88-5DC23F609659}" dt="2022-11-18T03:12:06.952" v="8850"/>
+          <ac:graphicFrameMkLst>
+            <pc:docMk/>
+            <pc:sldMk cId="849266544" sldId="256"/>
+            <ac:graphicFrameMk id="464" creationId="{5E510D8A-48DE-0B09-BDDE-298C32D355B0}"/>
+          </ac:graphicFrameMkLst>
+        </pc:graphicFrameChg>
         <pc:graphicFrameChg chg="add del mod ord replST delST">
           <ac:chgData name="Selvyn Yovany Martinez Barahona" userId="3ccf779dc7355a40" providerId="LiveId" clId="{176DFD19-9071-4B24-AA88-5DC23F609659}" dt="2022-11-08T00:33:47.002" v="2499" actId="1076"/>
           <ac:graphicFrameMkLst>
@@ -682,12 +1370,36 @@
             <ac:graphicFrameMk id="466" creationId="{CD531800-BBAC-7DB6-290E-263C489B6B9E}"/>
           </ac:graphicFrameMkLst>
         </pc:graphicFrameChg>
+        <pc:graphicFrameChg chg="add del mod ord replST">
+          <ac:chgData name="Selvyn Yovany Martinez Barahona" userId="3ccf779dc7355a40" providerId="LiveId" clId="{176DFD19-9071-4B24-AA88-5DC23F609659}" dt="2022-11-18T03:11:39.025" v="8490"/>
+          <ac:graphicFrameMkLst>
+            <pc:docMk/>
+            <pc:sldMk cId="849266544" sldId="256"/>
+            <ac:graphicFrameMk id="466" creationId="{D500B6D5-B737-9CB5-5846-F8AE0B94DD4B}"/>
+          </ac:graphicFrameMkLst>
+        </pc:graphicFrameChg>
         <pc:graphicFrameChg chg="add del mod ord replST delST">
           <ac:chgData name="Selvyn Yovany Martinez Barahona" userId="3ccf779dc7355a40" providerId="LiveId" clId="{176DFD19-9071-4B24-AA88-5DC23F609659}" dt="2022-11-08T00:33:45.719" v="2469"/>
           <ac:graphicFrameMkLst>
             <pc:docMk/>
             <pc:sldMk cId="849266544" sldId="256"/>
             <ac:graphicFrameMk id="467" creationId="{3D68EE8B-D5DE-71BC-E783-FA6537FC6110}"/>
+          </ac:graphicFrameMkLst>
+        </pc:graphicFrameChg>
+        <pc:graphicFrameChg chg="add del mod ord replST">
+          <ac:chgData name="Selvyn Yovany Martinez Barahona" userId="3ccf779dc7355a40" providerId="LiveId" clId="{176DFD19-9071-4B24-AA88-5DC23F609659}" dt="2022-11-18T03:11:43.500" v="8626"/>
+          <ac:graphicFrameMkLst>
+            <pc:docMk/>
+            <pc:sldMk cId="849266544" sldId="256"/>
+            <ac:graphicFrameMk id="468" creationId="{4231AB39-B045-0876-65CF-B9D226122017}"/>
+          </ac:graphicFrameMkLst>
+        </pc:graphicFrameChg>
+        <pc:graphicFrameChg chg="add del mod ord replST">
+          <ac:chgData name="Selvyn Yovany Martinez Barahona" userId="3ccf779dc7355a40" providerId="LiveId" clId="{176DFD19-9071-4B24-AA88-5DC23F609659}" dt="2022-11-18T03:11:55.491" v="8762"/>
+          <ac:graphicFrameMkLst>
+            <pc:docMk/>
+            <pc:sldMk cId="849266544" sldId="256"/>
+            <ac:graphicFrameMk id="470" creationId="{6A6AF5E1-8A2D-DBCF-85AC-2AC58904D67C}"/>
           </ac:graphicFrameMkLst>
         </pc:graphicFrameChg>
         <pc:graphicFrameChg chg="add del mod ord replST delST">
@@ -696,6 +1408,22 @@
             <pc:docMk/>
             <pc:sldMk cId="849266544" sldId="256"/>
             <ac:graphicFrameMk id="470" creationId="{A270799A-9B3A-D67B-B9FB-8F4DEBC286B9}"/>
+          </ac:graphicFrameMkLst>
+        </pc:graphicFrameChg>
+        <pc:graphicFrameChg chg="add del mod ord replST">
+          <ac:chgData name="Selvyn Yovany Martinez Barahona" userId="3ccf779dc7355a40" providerId="LiveId" clId="{176DFD19-9071-4B24-AA88-5DC23F609659}" dt="2022-11-18T03:18:28.963" v="9657"/>
+          <ac:graphicFrameMkLst>
+            <pc:docMk/>
+            <pc:sldMk cId="849266544" sldId="256"/>
+            <ac:graphicFrameMk id="472" creationId="{AE992DAD-59A8-7547-159B-E73FB69721B8}"/>
+          </ac:graphicFrameMkLst>
+        </pc:graphicFrameChg>
+        <pc:graphicFrameChg chg="add del mod ord replST">
+          <ac:chgData name="Selvyn Yovany Martinez Barahona" userId="3ccf779dc7355a40" providerId="LiveId" clId="{176DFD19-9071-4B24-AA88-5DC23F609659}" dt="2022-11-18T03:12:12.414" v="8981"/>
+          <ac:graphicFrameMkLst>
+            <pc:docMk/>
+            <pc:sldMk cId="849266544" sldId="256"/>
+            <ac:graphicFrameMk id="473" creationId="{58D91DE2-3E3B-858D-C8D5-4333C13A76BF}"/>
           </ac:graphicFrameMkLst>
         </pc:graphicFrameChg>
         <pc:graphicFrameChg chg="add del mod ord replST delST">
@@ -714,12 +1442,132 @@
             <ac:graphicFrameMk id="475" creationId="{547E4975-53E5-8C12-5A08-8C747245BDC3}"/>
           </ac:graphicFrameMkLst>
         </pc:graphicFrameChg>
+        <pc:graphicFrameChg chg="add del mod ord replST">
+          <ac:chgData name="Selvyn Yovany Martinez Barahona" userId="3ccf779dc7355a40" providerId="LiveId" clId="{176DFD19-9071-4B24-AA88-5DC23F609659}" dt="2022-11-18T03:12:19.599" v="9116"/>
+          <ac:graphicFrameMkLst>
+            <pc:docMk/>
+            <pc:sldMk cId="849266544" sldId="256"/>
+            <ac:graphicFrameMk id="475" creationId="{EA22EFEF-A990-D073-2FC6-0EA858308E7C}"/>
+          </ac:graphicFrameMkLst>
+        </pc:graphicFrameChg>
         <pc:graphicFrameChg chg="add mod ord replST delST">
           <ac:chgData name="Selvyn Yovany Martinez Barahona" userId="3ccf779dc7355a40" providerId="LiveId" clId="{176DFD19-9071-4B24-AA88-5DC23F609659}" dt="2022-11-08T00:33:44.234" v="2229"/>
           <ac:graphicFrameMkLst>
             <pc:docMk/>
             <pc:sldMk cId="849266544" sldId="256"/>
             <ac:graphicFrameMk id="476" creationId="{764FF080-E647-F290-5FBD-8BBC00267995}"/>
+          </ac:graphicFrameMkLst>
+        </pc:graphicFrameChg>
+        <pc:graphicFrameChg chg="add del mod ord replST">
+          <ac:chgData name="Selvyn Yovany Martinez Barahona" userId="3ccf779dc7355a40" providerId="LiveId" clId="{176DFD19-9071-4B24-AA88-5DC23F609659}" dt="2022-11-18T03:12:33.432" v="9251"/>
+          <ac:graphicFrameMkLst>
+            <pc:docMk/>
+            <pc:sldMk cId="849266544" sldId="256"/>
+            <ac:graphicFrameMk id="477" creationId="{604BFEFF-3F9A-CEBC-E855-55088FB3B464}"/>
+          </ac:graphicFrameMkLst>
+        </pc:graphicFrameChg>
+        <pc:graphicFrameChg chg="add del mod ord replST">
+          <ac:chgData name="Selvyn Yovany Martinez Barahona" userId="3ccf779dc7355a40" providerId="LiveId" clId="{176DFD19-9071-4B24-AA88-5DC23F609659}" dt="2022-11-18T03:12:37.758" v="9386"/>
+          <ac:graphicFrameMkLst>
+            <pc:docMk/>
+            <pc:sldMk cId="849266544" sldId="256"/>
+            <ac:graphicFrameMk id="479" creationId="{69C239A6-9659-D1FC-C1AF-A1D573FCB7EF}"/>
+          </ac:graphicFrameMkLst>
+        </pc:graphicFrameChg>
+        <pc:graphicFrameChg chg="add del mod ord replST">
+          <ac:chgData name="Selvyn Yovany Martinez Barahona" userId="3ccf779dc7355a40" providerId="LiveId" clId="{176DFD19-9071-4B24-AA88-5DC23F609659}" dt="2022-11-18T03:12:43.666" v="9521"/>
+          <ac:graphicFrameMkLst>
+            <pc:docMk/>
+            <pc:sldMk cId="849266544" sldId="256"/>
+            <ac:graphicFrameMk id="481" creationId="{9D240AAC-A410-3503-0D21-1D76FACBC14A}"/>
+          </ac:graphicFrameMkLst>
+        </pc:graphicFrameChg>
+        <pc:graphicFrameChg chg="add del mod ord replST">
+          <ac:chgData name="Selvyn Yovany Martinez Barahona" userId="3ccf779dc7355a40" providerId="LiveId" clId="{176DFD19-9071-4B24-AA88-5DC23F609659}" dt="2022-11-18T03:18:28.979" v="9673"/>
+          <ac:graphicFrameMkLst>
+            <pc:docMk/>
+            <pc:sldMk cId="849266544" sldId="256"/>
+            <ac:graphicFrameMk id="483" creationId="{B0F4275D-8CBF-BB74-C3AC-54B96AA1675B}"/>
+          </ac:graphicFrameMkLst>
+        </pc:graphicFrameChg>
+        <pc:graphicFrameChg chg="add del mod ord replST">
+          <ac:chgData name="Selvyn Yovany Martinez Barahona" userId="3ccf779dc7355a40" providerId="LiveId" clId="{176DFD19-9071-4B24-AA88-5DC23F609659}" dt="2022-11-18T03:19:46.543" v="9813"/>
+          <ac:graphicFrameMkLst>
+            <pc:docMk/>
+            <pc:sldMk cId="849266544" sldId="256"/>
+            <ac:graphicFrameMk id="485" creationId="{F36F5B0E-C84E-1DEB-5332-9E02CB93CE10}"/>
+          </ac:graphicFrameMkLst>
+        </pc:graphicFrameChg>
+        <pc:graphicFrameChg chg="add del mod ord replST">
+          <ac:chgData name="Selvyn Yovany Martinez Barahona" userId="3ccf779dc7355a40" providerId="LiveId" clId="{176DFD19-9071-4B24-AA88-5DC23F609659}" dt="2022-11-18T03:19:46.560" v="9831"/>
+          <ac:graphicFrameMkLst>
+            <pc:docMk/>
+            <pc:sldMk cId="849266544" sldId="256"/>
+            <ac:graphicFrameMk id="486" creationId="{367B603A-FA44-F6A9-8573-E528D3FD6A89}"/>
+          </ac:graphicFrameMkLst>
+        </pc:graphicFrameChg>
+        <pc:graphicFrameChg chg="add del mod ord replST">
+          <ac:chgData name="Selvyn Yovany Martinez Barahona" userId="3ccf779dc7355a40" providerId="LiveId" clId="{176DFD19-9071-4B24-AA88-5DC23F609659}" dt="2022-11-18T03:43:21.989" v="9969"/>
+          <ac:graphicFrameMkLst>
+            <pc:docMk/>
+            <pc:sldMk cId="849266544" sldId="256"/>
+            <ac:graphicFrameMk id="488" creationId="{231C64E1-F119-3F5C-86B9-5C6752906BCA}"/>
+          </ac:graphicFrameMkLst>
+        </pc:graphicFrameChg>
+        <pc:graphicFrameChg chg="add mod ord replST">
+          <ac:chgData name="Selvyn Yovany Martinez Barahona" userId="3ccf779dc7355a40" providerId="LiveId" clId="{176DFD19-9071-4B24-AA88-5DC23F609659}" dt="2022-11-18T03:44:08.356" v="10674"/>
+          <ac:graphicFrameMkLst>
+            <pc:docMk/>
+            <pc:sldMk cId="849266544" sldId="256"/>
+            <ac:graphicFrameMk id="489" creationId="{EE4F1251-00F0-114E-CC45-94FF57E81E85}"/>
+          </ac:graphicFrameMkLst>
+        </pc:graphicFrameChg>
+        <pc:graphicFrameChg chg="add del mod ord replST">
+          <ac:chgData name="Selvyn Yovany Martinez Barahona" userId="3ccf779dc7355a40" providerId="LiveId" clId="{176DFD19-9071-4B24-AA88-5DC23F609659}" dt="2022-11-18T03:43:28.322" v="10157"/>
+          <ac:graphicFrameMkLst>
+            <pc:docMk/>
+            <pc:sldMk cId="849266544" sldId="256"/>
+            <ac:graphicFrameMk id="491" creationId="{F73EB82F-8CDB-6BFA-1554-FA5002E233A4}"/>
+          </ac:graphicFrameMkLst>
+        </pc:graphicFrameChg>
+        <pc:graphicFrameChg chg="add del mod ord replST">
+          <ac:chgData name="Selvyn Yovany Martinez Barahona" userId="3ccf779dc7355a40" providerId="LiveId" clId="{176DFD19-9071-4B24-AA88-5DC23F609659}" dt="2022-11-18T03:43:42.021" v="10291"/>
+          <ac:graphicFrameMkLst>
+            <pc:docMk/>
+            <pc:sldMk cId="849266544" sldId="256"/>
+            <ac:graphicFrameMk id="493" creationId="{285C7E3A-77D9-FF0B-68EA-93B15DA27F3F}"/>
+          </ac:graphicFrameMkLst>
+        </pc:graphicFrameChg>
+        <pc:graphicFrameChg chg="add del mod ord replST">
+          <ac:chgData name="Selvyn Yovany Martinez Barahona" userId="3ccf779dc7355a40" providerId="LiveId" clId="{176DFD19-9071-4B24-AA88-5DC23F609659}" dt="2022-11-18T03:43:49.916" v="10464"/>
+          <ac:graphicFrameMkLst>
+            <pc:docMk/>
+            <pc:sldMk cId="849266544" sldId="256"/>
+            <ac:graphicFrameMk id="495" creationId="{22E6D88E-6E1A-8768-7290-0BF6468DA431}"/>
+          </ac:graphicFrameMkLst>
+        </pc:graphicFrameChg>
+        <pc:graphicFrameChg chg="add del mod ord replST">
+          <ac:chgData name="Selvyn Yovany Martinez Barahona" userId="3ccf779dc7355a40" providerId="LiveId" clId="{176DFD19-9071-4B24-AA88-5DC23F609659}" dt="2022-11-18T03:44:03.791" v="10551"/>
+          <ac:graphicFrameMkLst>
+            <pc:docMk/>
+            <pc:sldMk cId="849266544" sldId="256"/>
+            <ac:graphicFrameMk id="497" creationId="{53E30A1A-48FC-4C03-76D6-B3535DA13AA6}"/>
+          </ac:graphicFrameMkLst>
+        </pc:graphicFrameChg>
+        <pc:graphicFrameChg chg="add del mod ord replST">
+          <ac:chgData name="Selvyn Yovany Martinez Barahona" userId="3ccf779dc7355a40" providerId="LiveId" clId="{176DFD19-9071-4B24-AA88-5DC23F609659}" dt="2022-11-18T03:44:08.339" v="10636"/>
+          <ac:graphicFrameMkLst>
+            <pc:docMk/>
+            <pc:sldMk cId="849266544" sldId="256"/>
+            <ac:graphicFrameMk id="498" creationId="{86DC74B4-D53F-769E-F2E3-27E1E42CAA72}"/>
+          </ac:graphicFrameMkLst>
+        </pc:graphicFrameChg>
+        <pc:graphicFrameChg chg="add mod ord replST">
+          <ac:chgData name="Selvyn Yovany Martinez Barahona" userId="3ccf779dc7355a40" providerId="LiveId" clId="{176DFD19-9071-4B24-AA88-5DC23F609659}" dt="2022-11-18T03:44:08.351" v="10644"/>
+          <ac:graphicFrameMkLst>
+            <pc:docMk/>
+            <pc:sldMk cId="849266544" sldId="256"/>
+            <ac:graphicFrameMk id="499" creationId="{06981403-D4C8-139F-FFA1-4AF8690D9C8C}"/>
           </ac:graphicFrameMkLst>
         </pc:graphicFrameChg>
       </pc:sldChg>
@@ -773,7 +1621,7 @@
             </c:spPr>
             <c:extLst>
               <c:ext xmlns:c16="http://schemas.microsoft.com/office/drawing/2014/chart" uri="{C3380CC4-5D6E-409C-BE32-E72D297353CC}">
-                <c16:uniqueId val="{00000000-26CD-48A0-83D0-4F2AED668977}"/>
+                <c16:uniqueId val="{00000000-4810-4C29-8417-44EC3335E912}"/>
               </c:ext>
             </c:extLst>
           </c:dPt>
@@ -790,7 +1638,7 @@
             </c:spPr>
             <c:extLst>
               <c:ext xmlns:c16="http://schemas.microsoft.com/office/drawing/2014/chart" uri="{C3380CC4-5D6E-409C-BE32-E72D297353CC}">
-                <c16:uniqueId val="{00000001-26CD-48A0-83D0-4F2AED668977}"/>
+                <c16:uniqueId val="{00000001-4810-4C29-8417-44EC3335E912}"/>
               </c:ext>
             </c:extLst>
           </c:dPt>
@@ -807,7 +1655,7 @@
             </c:spPr>
             <c:extLst>
               <c:ext xmlns:c16="http://schemas.microsoft.com/office/drawing/2014/chart" uri="{C3380CC4-5D6E-409C-BE32-E72D297353CC}">
-                <c16:uniqueId val="{00000002-26CD-48A0-83D0-4F2AED668977}"/>
+                <c16:uniqueId val="{00000002-4810-4C29-8417-44EC3335E912}"/>
               </c:ext>
             </c:extLst>
           </c:dPt>
@@ -824,7 +1672,7 @@
             </c:spPr>
             <c:extLst>
               <c:ext xmlns:c16="http://schemas.microsoft.com/office/drawing/2014/chart" uri="{C3380CC4-5D6E-409C-BE32-E72D297353CC}">
-                <c16:uniqueId val="{00000003-26CD-48A0-83D0-4F2AED668977}"/>
+                <c16:uniqueId val="{00000003-4810-4C29-8417-44EC3335E912}"/>
               </c:ext>
             </c:extLst>
           </c:dPt>
@@ -841,7 +1689,7 @@
             </c:spPr>
             <c:extLst>
               <c:ext xmlns:c16="http://schemas.microsoft.com/office/drawing/2014/chart" uri="{C3380CC4-5D6E-409C-BE32-E72D297353CC}">
-                <c16:uniqueId val="{00000004-26CD-48A0-83D0-4F2AED668977}"/>
+                <c16:uniqueId val="{00000004-4810-4C29-8417-44EC3335E912}"/>
               </c:ext>
             </c:extLst>
           </c:dPt>
@@ -858,7 +1706,7 @@
             </c:spPr>
             <c:extLst>
               <c:ext xmlns:c16="http://schemas.microsoft.com/office/drawing/2014/chart" uri="{C3380CC4-5D6E-409C-BE32-E72D297353CC}">
-                <c16:uniqueId val="{00000005-26CD-48A0-83D0-4F2AED668977}"/>
+                <c16:uniqueId val="{00000005-4810-4C29-8417-44EC3335E912}"/>
               </c:ext>
             </c:extLst>
           </c:dPt>
@@ -867,8 +1715,8 @@
               <c:idx val="0"/>
               <c:layout>
                 <c:manualLayout>
-                  <c:x val="1.6129032258064516E-2"/>
-                  <c:y val="6.6820276497695855E-2"/>
+                  <c:x val="2.3502304147465437E-2"/>
+                  <c:y val="5.6221198156682028E-2"/>
                 </c:manualLayout>
               </c:layout>
               <c:numFmt formatCode="#,##0.0&quot;%&quot;;&quot;-&quot;#,##0.0&quot;%&quot;" sourceLinked="0"/>
@@ -910,7 +1758,7 @@
                   </c15:spPr>
                 </c:ext>
                 <c:ext xmlns:c16="http://schemas.microsoft.com/office/drawing/2014/chart" uri="{C3380CC4-5D6E-409C-BE32-E72D297353CC}">
-                  <c16:uniqueId val="{00000000-26CD-48A0-83D0-4F2AED668977}"/>
+                  <c16:uniqueId val="{00000000-4810-4C29-8417-44EC3335E912}"/>
                 </c:ext>
               </c:extLst>
             </c:dLbl>
@@ -938,29 +1786,29 @@
                 <c:formatCode>General</c:formatCode>
                 <c:ptCount val="6"/>
                 <c:pt idx="0">
-                  <c:v>92.661139493323958</c:v>
+                  <c:v>87.770704081100774</c:v>
                 </c:pt>
                 <c:pt idx="1">
-                  <c:v>1.4148241599792153</c:v>
+                  <c:v>1.2120626269760846</c:v>
                 </c:pt>
                 <c:pt idx="2">
-                  <c:v>1.4296714654205718</c:v>
+                  <c:v>1.3491099741269266</c:v>
                 </c:pt>
                 <c:pt idx="3">
-                  <c:v>1.456222484907294</c:v>
+                  <c:v>3.0565958924939576</c:v>
                 </c:pt>
                 <c:pt idx="4">
-                  <c:v>1.4940226304679034</c:v>
+                  <c:v>3.2360065756617038</c:v>
                 </c:pt>
                 <c:pt idx="5">
-                  <c:v>1.5441197659010633</c:v>
+                  <c:v>3.3755208496403828</c:v>
                 </c:pt>
               </c:numCache>
             </c:numRef>
           </c:val>
           <c:extLst>
             <c:ext xmlns:c16="http://schemas.microsoft.com/office/drawing/2014/chart" uri="{C3380CC4-5D6E-409C-BE32-E72D297353CC}">
-              <c16:uniqueId val="{00000006-26CD-48A0-83D0-4F2AED668977}"/>
+              <c16:uniqueId val="{00000006-4810-4C29-8417-44EC3335E912}"/>
             </c:ext>
           </c:extLst>
         </c:ser>
@@ -971,7 +1819,7 @@
           <c:showSerName val="0"/>
           <c:showPercent val="0"/>
           <c:showBubbleSize val="0"/>
-          <c:showLeaderLines val="1"/>
+          <c:showLeaderLines val="0"/>
         </c:dLbls>
         <c:firstSliceAng val="0"/>
         <c:holeSize val="50"/>
@@ -1032,7 +1880,7 @@
             </c:spPr>
             <c:extLst>
               <c:ext xmlns:c16="http://schemas.microsoft.com/office/drawing/2014/chart" uri="{C3380CC4-5D6E-409C-BE32-E72D297353CC}">
-                <c16:uniqueId val="{00000000-717F-4ED5-8C37-B6E2B63010D7}"/>
+                <c16:uniqueId val="{00000000-5890-45CC-8BE2-F0F06A381667}"/>
               </c:ext>
             </c:extLst>
           </c:dPt>
@@ -1049,7 +1897,7 @@
             </c:spPr>
             <c:extLst>
               <c:ext xmlns:c16="http://schemas.microsoft.com/office/drawing/2014/chart" uri="{C3380CC4-5D6E-409C-BE32-E72D297353CC}">
-                <c16:uniqueId val="{00000001-717F-4ED5-8C37-B6E2B63010D7}"/>
+                <c16:uniqueId val="{00000001-5890-45CC-8BE2-F0F06A381667}"/>
               </c:ext>
             </c:extLst>
           </c:dPt>
@@ -1066,7 +1914,7 @@
             </c:spPr>
             <c:extLst>
               <c:ext xmlns:c16="http://schemas.microsoft.com/office/drawing/2014/chart" uri="{C3380CC4-5D6E-409C-BE32-E72D297353CC}">
-                <c16:uniqueId val="{00000002-717F-4ED5-8C37-B6E2B63010D7}"/>
+                <c16:uniqueId val="{00000002-5890-45CC-8BE2-F0F06A381667}"/>
               </c:ext>
             </c:extLst>
           </c:dPt>
@@ -1083,7 +1931,7 @@
             </c:spPr>
             <c:extLst>
               <c:ext xmlns:c16="http://schemas.microsoft.com/office/drawing/2014/chart" uri="{C3380CC4-5D6E-409C-BE32-E72D297353CC}">
-                <c16:uniqueId val="{00000003-717F-4ED5-8C37-B6E2B63010D7}"/>
+                <c16:uniqueId val="{00000003-5890-45CC-8BE2-F0F06A381667}"/>
               </c:ext>
             </c:extLst>
           </c:dPt>
@@ -1100,7 +1948,7 @@
             </c:spPr>
             <c:extLst>
               <c:ext xmlns:c16="http://schemas.microsoft.com/office/drawing/2014/chart" uri="{C3380CC4-5D6E-409C-BE32-E72D297353CC}">
-                <c16:uniqueId val="{00000004-717F-4ED5-8C37-B6E2B63010D7}"/>
+                <c16:uniqueId val="{00000004-5890-45CC-8BE2-F0F06A381667}"/>
               </c:ext>
             </c:extLst>
           </c:dPt>
@@ -1117,7 +1965,7 @@
             </c:spPr>
             <c:extLst>
               <c:ext xmlns:c16="http://schemas.microsoft.com/office/drawing/2014/chart" uri="{C3380CC4-5D6E-409C-BE32-E72D297353CC}">
-                <c16:uniqueId val="{00000005-717F-4ED5-8C37-B6E2B63010D7}"/>
+                <c16:uniqueId val="{00000005-5890-45CC-8BE2-F0F06A381667}"/>
               </c:ext>
             </c:extLst>
           </c:dPt>
@@ -1126,8 +1974,8 @@
               <c:idx val="0"/>
               <c:layout>
                 <c:manualLayout>
-                  <c:x val="1.7050691244239632E-2"/>
-                  <c:y val="6.4976958525345616E-2"/>
+                  <c:x val="2.5806451612903226E-2"/>
+                  <c:y val="5.2073732718894011E-2"/>
                 </c:manualLayout>
               </c:layout>
               <c:numFmt formatCode="#,##0.0&quot;%&quot;;&quot;-&quot;#,##0.0&quot;%&quot;" sourceLinked="0"/>
@@ -1169,7 +2017,58 @@
                   </c15:spPr>
                 </c:ext>
                 <c:ext xmlns:c16="http://schemas.microsoft.com/office/drawing/2014/chart" uri="{C3380CC4-5D6E-409C-BE32-E72D297353CC}">
-                  <c16:uniqueId val="{00000000-717F-4ED5-8C37-B6E2B63010D7}"/>
+                  <c16:uniqueId val="{00000000-5890-45CC-8BE2-F0F06A381667}"/>
+                </c:ext>
+              </c:extLst>
+            </c:dLbl>
+            <c:dLbl>
+              <c:idx val="5"/>
+              <c:layout>
+                <c:manualLayout>
+                  <c:x val="-1.1520737327188941E-2"/>
+                  <c:y val="-7.8341013824884786E-2"/>
+                </c:manualLayout>
+              </c:layout>
+              <c:numFmt formatCode="#,##0.0&quot;%&quot;;&quot;-&quot;#,##0.0&quot;%&quot;" sourceLinked="0"/>
+              <c:spPr>
+                <a:noFill/>
+                <a:ln>
+                  <a:noFill/>
+                </a:ln>
+              </c:spPr>
+              <c:txPr>
+                <a:bodyPr wrap="none"/>
+                <a:lstStyle/>
+                <a:p>
+                  <a:pPr>
+                    <a:defRPr sz="1400" kern="1200">
+                      <a:solidFill>
+                        <a:schemeClr val="bg1"/>
+                      </a:solidFill>
+                      <a:latin typeface="+mn-lt"/>
+                      <a:ea typeface="+mn-ea"/>
+                      <a:cs typeface="+mn-cs"/>
+                    </a:defRPr>
+                  </a:pPr>
+                  <a:endParaRPr lang="en-US"/>
+                </a:p>
+              </c:txPr>
+              <c:showLegendKey val="0"/>
+              <c:showVal val="1"/>
+              <c:showCatName val="0"/>
+              <c:showSerName val="0"/>
+              <c:showPercent val="0"/>
+              <c:showBubbleSize val="0"/>
+              <c:extLst>
+                <c:ext xmlns:c15="http://schemas.microsoft.com/office/drawing/2012/chart" uri="{CE6537A1-D6FC-4f65-9D91-7224C49458BB}">
+                  <c15:spPr xmlns:c15="http://schemas.microsoft.com/office/drawing/2012/chart">
+                    <a:prstGeom prst="rect">
+                      <a:avLst/>
+                    </a:prstGeom>
+                  </c15:spPr>
+                </c:ext>
+                <c:ext xmlns:c16="http://schemas.microsoft.com/office/drawing/2014/chart" uri="{C3380CC4-5D6E-409C-BE32-E72D297353CC}">
+                  <c16:uniqueId val="{00000005-5890-45CC-8BE2-F0F06A381667}"/>
                 </c:ext>
               </c:extLst>
             </c:dLbl>
@@ -1197,29 +2096,29 @@
                 <c:formatCode>General</c:formatCode>
                 <c:ptCount val="6"/>
                 <c:pt idx="0">
-                  <c:v>91.797443848618272</c:v>
+                  <c:v>85.741157031144922</c:v>
                 </c:pt>
                 <c:pt idx="1">
-                  <c:v>1.5736092788980451</c:v>
+                  <c:v>1.5926950640767001</c:v>
                 </c:pt>
                 <c:pt idx="2">
-                  <c:v>1.5766074457331802</c:v>
+                  <c:v>1.9118296923934137</c:v>
                 </c:pt>
                 <c:pt idx="3">
-                  <c:v>1.605304185440902</c:v>
+                  <c:v>2.5897746267796418</c:v>
                 </c:pt>
                 <c:pt idx="4">
-                  <c:v>1.6862546899895494</c:v>
+                  <c:v>3.4523603665917344</c:v>
                 </c:pt>
                 <c:pt idx="5">
-                  <c:v>1.7607805513200501</c:v>
+                  <c:v>4.7121832190135837</c:v>
                 </c:pt>
               </c:numCache>
             </c:numRef>
           </c:val>
           <c:extLst>
             <c:ext xmlns:c16="http://schemas.microsoft.com/office/drawing/2014/chart" uri="{C3380CC4-5D6E-409C-BE32-E72D297353CC}">
-              <c16:uniqueId val="{00000006-717F-4ED5-8C37-B6E2B63010D7}"/>
+              <c16:uniqueId val="{00000006-5890-45CC-8BE2-F0F06A381667}"/>
             </c:ext>
           </c:extLst>
         </c:ser>
@@ -1393,7 +2292,7 @@
           <a:p>
             <a:fld id="{6E4A95F8-A962-462E-B5CA-65B478895019}" type="datetimeFigureOut">
               <a:rPr lang="en-US" smtClean="0"/>
-              <a:t>11/7/2022</a:t>
+              <a:t>11/17/2022</a:t>
             </a:fld>
             <a:endParaRPr lang="en-US"/>
           </a:p>
@@ -1591,7 +2490,7 @@
           <a:p>
             <a:fld id="{6E4A95F8-A962-462E-B5CA-65B478895019}" type="datetimeFigureOut">
               <a:rPr lang="en-US" smtClean="0"/>
-              <a:t>11/7/2022</a:t>
+              <a:t>11/17/2022</a:t>
             </a:fld>
             <a:endParaRPr lang="en-US"/>
           </a:p>
@@ -1799,7 +2698,7 @@
           <a:p>
             <a:fld id="{6E4A95F8-A962-462E-B5CA-65B478895019}" type="datetimeFigureOut">
               <a:rPr lang="en-US" smtClean="0"/>
-              <a:t>11/7/2022</a:t>
+              <a:t>11/17/2022</a:t>
             </a:fld>
             <a:endParaRPr lang="en-US"/>
           </a:p>
@@ -1997,7 +2896,7 @@
           <a:p>
             <a:fld id="{6E4A95F8-A962-462E-B5CA-65B478895019}" type="datetimeFigureOut">
               <a:rPr lang="en-US" smtClean="0"/>
-              <a:t>11/7/2022</a:t>
+              <a:t>11/17/2022</a:t>
             </a:fld>
             <a:endParaRPr lang="en-US"/>
           </a:p>
@@ -2272,7 +3171,7 @@
           <a:p>
             <a:fld id="{6E4A95F8-A962-462E-B5CA-65B478895019}" type="datetimeFigureOut">
               <a:rPr lang="en-US" smtClean="0"/>
-              <a:t>11/7/2022</a:t>
+              <a:t>11/17/2022</a:t>
             </a:fld>
             <a:endParaRPr lang="en-US"/>
           </a:p>
@@ -2537,7 +3436,7 @@
           <a:p>
             <a:fld id="{6E4A95F8-A962-462E-B5CA-65B478895019}" type="datetimeFigureOut">
               <a:rPr lang="en-US" smtClean="0"/>
-              <a:t>11/7/2022</a:t>
+              <a:t>11/17/2022</a:t>
             </a:fld>
             <a:endParaRPr lang="en-US"/>
           </a:p>
@@ -2949,7 +3848,7 @@
           <a:p>
             <a:fld id="{6E4A95F8-A962-462E-B5CA-65B478895019}" type="datetimeFigureOut">
               <a:rPr lang="en-US" smtClean="0"/>
-              <a:t>11/7/2022</a:t>
+              <a:t>11/17/2022</a:t>
             </a:fld>
             <a:endParaRPr lang="en-US"/>
           </a:p>
@@ -3090,7 +3989,7 @@
           <a:p>
             <a:fld id="{6E4A95F8-A962-462E-B5CA-65B478895019}" type="datetimeFigureOut">
               <a:rPr lang="en-US" smtClean="0"/>
-              <a:t>11/7/2022</a:t>
+              <a:t>11/17/2022</a:t>
             </a:fld>
             <a:endParaRPr lang="en-US"/>
           </a:p>
@@ -3203,7 +4102,7 @@
           <a:p>
             <a:fld id="{6E4A95F8-A962-462E-B5CA-65B478895019}" type="datetimeFigureOut">
               <a:rPr lang="en-US" smtClean="0"/>
-              <a:t>11/7/2022</a:t>
+              <a:t>11/17/2022</a:t>
             </a:fld>
             <a:endParaRPr lang="en-US"/>
           </a:p>
@@ -3514,7 +4413,7 @@
           <a:p>
             <a:fld id="{6E4A95F8-A962-462E-B5CA-65B478895019}" type="datetimeFigureOut">
               <a:rPr lang="en-US" smtClean="0"/>
-              <a:t>11/7/2022</a:t>
+              <a:t>11/17/2022</a:t>
             </a:fld>
             <a:endParaRPr lang="en-US"/>
           </a:p>
@@ -3802,7 +4701,7 @@
           <a:p>
             <a:fld id="{6E4A95F8-A962-462E-B5CA-65B478895019}" type="datetimeFigureOut">
               <a:rPr lang="en-US" smtClean="0"/>
-              <a:t>11/7/2022</a:t>
+              <a:t>11/17/2022</a:t>
             </a:fld>
             <a:endParaRPr lang="en-US"/>
           </a:p>
@@ -4115,7 +5014,7 @@
           <a:p>
             <a:fld id="{6E4A95F8-A962-462E-B5CA-65B478895019}" type="datetimeFigureOut">
               <a:rPr lang="en-US" smtClean="0"/>
-              <a:t>11/7/2022</a:t>
+              <a:t>11/17/2022</a:t>
             </a:fld>
             <a:endParaRPr lang="en-US"/>
           </a:p>
@@ -4550,7 +5449,7 @@
             </p:custDataLst>
             <p:extLst>
               <p:ext uri="{D42A27DB-BD31-4B8C-83A1-F6EECF244321}">
-                <p14:modId xmlns:p14="http://schemas.microsoft.com/office/powerpoint/2010/main" val="2410412473"/>
+                <p14:modId xmlns:p14="http://schemas.microsoft.com/office/powerpoint/2010/main" val="3709017494"/>
               </p:ext>
             </p:extLst>
           </p:nvPr>
@@ -4563,12 +5462,12 @@
           <a:graphicData uri="http://schemas.openxmlformats.org/presentationml/2006/ole">
             <mc:AlternateContent xmlns:mc="http://schemas.openxmlformats.org/markup-compatibility/2006">
               <mc:Choice xmlns:v="urn:schemas-microsoft-com:vml" Requires="v">
-                <p:oleObj name="think-cell Slide" r:id="rId41" imgW="425" imgH="424" progId="TCLayout.ActiveDocument.1">
+                <p:oleObj name="think-cell Slide" r:id="rId40" imgW="425" imgH="424" progId="TCLayout.ActiveDocument.1">
                   <p:embed/>
                 </p:oleObj>
               </mc:Choice>
               <mc:Fallback>
-                <p:oleObj name="think-cell Slide" r:id="rId41" imgW="425" imgH="424" progId="TCLayout.ActiveDocument.1">
+                <p:oleObj name="think-cell Slide" r:id="rId40" imgW="425" imgH="424" progId="TCLayout.ActiveDocument.1">
                   <p:embed/>
                   <p:pic>
                     <p:nvPicPr>
@@ -4583,7 +5482,7 @@
                       <p:nvPr/>
                     </p:nvPicPr>
                     <p:blipFill>
-                      <a:blip r:embed="rId42"/>
+                      <a:blip r:embed="rId41"/>
                       <a:stretch>
                         <a:fillRect/>
                       </a:stretch>
@@ -4606,10 +5505,10 @@
       </p:graphicFrame>
       <p:graphicFrame>
         <p:nvGraphicFramePr>
-          <p:cNvPr id="462" name="Chart 461">
+          <p:cNvPr id="499" name="Chart 498">
             <a:extLst>
               <a:ext uri="{FF2B5EF4-FFF2-40B4-BE49-F238E27FC236}">
-                <a16:creationId xmlns:a16="http://schemas.microsoft.com/office/drawing/2014/main" id="{FE7E016F-660B-7432-CC61-F44D24B69DED}"/>
+                <a16:creationId xmlns:a16="http://schemas.microsoft.com/office/drawing/2014/main" id="{06981403-D4C8-139F-FFA1-4AF8690D9C8C}"/>
               </a:ext>
             </a:extLst>
           </p:cNvPr>
@@ -4620,7 +5519,7 @@
             </p:custDataLst>
             <p:extLst>
               <p:ext uri="{D42A27DB-BD31-4B8C-83A1-F6EECF244321}">
-                <p14:modId xmlns:p14="http://schemas.microsoft.com/office/powerpoint/2010/main" val="1171780040"/>
+                <p14:modId xmlns:p14="http://schemas.microsoft.com/office/powerpoint/2010/main" val="1063911595"/>
               </p:ext>
             </p:extLst>
           </p:nvPr>
@@ -4631,7 +5530,7 @@
         </p:xfrm>
         <a:graphic>
           <a:graphicData uri="http://schemas.openxmlformats.org/drawingml/2006/chart">
-            <c:chart xmlns:c="http://schemas.openxmlformats.org/drawingml/2006/chart" xmlns:r="http://schemas.openxmlformats.org/officeDocument/2006/relationships" r:id="rId43"/>
+            <c:chart xmlns:c="http://schemas.openxmlformats.org/drawingml/2006/chart" xmlns:r="http://schemas.openxmlformats.org/officeDocument/2006/relationships" r:id="rId42"/>
           </a:graphicData>
         </a:graphic>
       </p:graphicFrame>
@@ -4655,7 +5554,7 @@
         </p:nvSpPr>
         <p:spPr bwMode="gray">
           <a:xfrm>
-            <a:off x="1030288" y="1533525"/>
+            <a:off x="663575" y="1801813"/>
             <a:ext cx="403225" cy="192088"/>
           </a:xfrm>
           <a:prstGeom prst="rect">
@@ -4847,20 +5746,12 @@
               </a:spcAft>
               <a:buNone/>
             </a:pPr>
-            <a:fld id="{71D81FB6-E561-4B15-ABE6-EAAFB56D8169}" type="datetime'''''1''''''''''''''''''''''''.''''4''''''''%'''''''''''">
+            <a:fld id="{ADCA3028-C143-4286-84BB-287C22EE3EA0}" type="datetime'''''''''''1''.''2''''''''''''''''''''''''''''''''''%'">
               <a:rPr lang="en-US" altLang="en-US" sz="1400" smtClean="0">
                 <a:effectLst/>
               </a:rPr>
-              <a:pPr marL="0" indent="0" algn="ctr">
-                <a:spcBef>
-                  <a:spcPct val="0"/>
-                </a:spcBef>
-                <a:spcAft>
-                  <a:spcPct val="0"/>
-                </a:spcAft>
-                <a:buNone/>
-              </a:pPr>
-              <a:t>1.4%</a:t>
+              <a:pPr/>
+              <a:t>1.2%</a:t>
             </a:fld>
             <a:endParaRPr lang="en-US" sz="1400" dirty="0"/>
           </a:p>
@@ -4868,7 +5759,7 @@
       </p:sp>
       <p:sp>
         <p:nvSpPr>
-          <p:cNvPr id="461" name="Text Placeholder 2">
+          <p:cNvPr id="26" name="Text Placeholder 2">
             <a:extLst>
               <a:ext uri="{FF2B5EF4-FFF2-40B4-BE49-F238E27FC236}">
                 <a16:creationId xmlns:a16="http://schemas.microsoft.com/office/drawing/2014/main" id="{F01B8698-9294-F532-DDB4-2EE198CBAA21}"/>
@@ -4886,7 +5777,683 @@
         </p:nvSpPr>
         <p:spPr bwMode="gray">
           <a:xfrm>
-            <a:off x="1585913" y="2109788"/>
+            <a:off x="1273175" y="1795463"/>
+            <a:ext cx="403225" cy="192088"/>
+          </a:xfrm>
+          <a:prstGeom prst="rect">
+            <a:avLst/>
+          </a:prstGeom>
+          <a:solidFill>
+            <a:srgbClr val="C30C3E"/>
+          </a:solidFill>
+          <a:ln>
+            <a:noFill/>
+          </a:ln>
+          <a:effectLst/>
+        </p:spPr>
+        <p:txBody>
+          <a:bodyPr vert="horz" wrap="none" lIns="25400" tIns="0" rIns="25400" bIns="0" numCol="1" spcCol="0" rtlCol="0" anchor="ctr" anchorCtr="0">
+            <a:noAutofit/>
+          </a:bodyPr>
+          <a:lstStyle>
+            <a:lvl1pPr marL="228600" indent="-228600" algn="l" defTabSz="914400" rtl="0" eaLnBrk="1" latinLnBrk="0" hangingPunct="1">
+              <a:lnSpc>
+                <a:spcPct val="90000"/>
+              </a:lnSpc>
+              <a:spcBef>
+                <a:spcPts val="1000"/>
+              </a:spcBef>
+              <a:buFont typeface="Arial" panose="020B0604020202020204" pitchFamily="34" charset="0"/>
+              <a:buChar char="•"/>
+              <a:defRPr sz="2800" kern="1200">
+                <a:solidFill>
+                  <a:schemeClr val="tx1"/>
+                </a:solidFill>
+                <a:latin typeface="+mn-lt"/>
+                <a:ea typeface="+mn-ea"/>
+                <a:cs typeface="+mn-cs"/>
+              </a:defRPr>
+            </a:lvl1pPr>
+            <a:lvl2pPr marL="685800" indent="-228600" algn="l" defTabSz="914400" rtl="0" eaLnBrk="1" latinLnBrk="0" hangingPunct="1">
+              <a:lnSpc>
+                <a:spcPct val="90000"/>
+              </a:lnSpc>
+              <a:spcBef>
+                <a:spcPts val="500"/>
+              </a:spcBef>
+              <a:buFont typeface="Arial" panose="020B0604020202020204" pitchFamily="34" charset="0"/>
+              <a:buChar char="•"/>
+              <a:defRPr sz="2400" kern="1200">
+                <a:solidFill>
+                  <a:schemeClr val="tx1"/>
+                </a:solidFill>
+                <a:latin typeface="+mn-lt"/>
+                <a:ea typeface="+mn-ea"/>
+                <a:cs typeface="+mn-cs"/>
+              </a:defRPr>
+            </a:lvl2pPr>
+            <a:lvl3pPr marL="1143000" indent="-228600" algn="l" defTabSz="914400" rtl="0" eaLnBrk="1" latinLnBrk="0" hangingPunct="1">
+              <a:lnSpc>
+                <a:spcPct val="90000"/>
+              </a:lnSpc>
+              <a:spcBef>
+                <a:spcPts val="500"/>
+              </a:spcBef>
+              <a:buFont typeface="Arial" panose="020B0604020202020204" pitchFamily="34" charset="0"/>
+              <a:buChar char="•"/>
+              <a:defRPr sz="2000" kern="1200">
+                <a:solidFill>
+                  <a:schemeClr val="tx1"/>
+                </a:solidFill>
+                <a:latin typeface="+mn-lt"/>
+                <a:ea typeface="+mn-ea"/>
+                <a:cs typeface="+mn-cs"/>
+              </a:defRPr>
+            </a:lvl3pPr>
+            <a:lvl4pPr marL="1600200" indent="-228600" algn="l" defTabSz="914400" rtl="0" eaLnBrk="1" latinLnBrk="0" hangingPunct="1">
+              <a:lnSpc>
+                <a:spcPct val="90000"/>
+              </a:lnSpc>
+              <a:spcBef>
+                <a:spcPts val="500"/>
+              </a:spcBef>
+              <a:buFont typeface="Arial" panose="020B0604020202020204" pitchFamily="34" charset="0"/>
+              <a:buChar char="•"/>
+              <a:defRPr sz="1800" kern="1200">
+                <a:solidFill>
+                  <a:schemeClr val="tx1"/>
+                </a:solidFill>
+                <a:latin typeface="+mn-lt"/>
+                <a:ea typeface="+mn-ea"/>
+                <a:cs typeface="+mn-cs"/>
+              </a:defRPr>
+            </a:lvl4pPr>
+            <a:lvl5pPr marL="2057400" indent="-228600" algn="l" defTabSz="914400" rtl="0" eaLnBrk="1" latinLnBrk="0" hangingPunct="1">
+              <a:lnSpc>
+                <a:spcPct val="90000"/>
+              </a:lnSpc>
+              <a:spcBef>
+                <a:spcPts val="500"/>
+              </a:spcBef>
+              <a:buFont typeface="Arial" panose="020B0604020202020204" pitchFamily="34" charset="0"/>
+              <a:buChar char="•"/>
+              <a:defRPr sz="1800" kern="1200">
+                <a:solidFill>
+                  <a:schemeClr val="tx1"/>
+                </a:solidFill>
+                <a:latin typeface="+mn-lt"/>
+                <a:ea typeface="+mn-ea"/>
+                <a:cs typeface="+mn-cs"/>
+              </a:defRPr>
+            </a:lvl5pPr>
+            <a:lvl6pPr marL="2514600" indent="-228600" algn="l" defTabSz="914400" rtl="0" eaLnBrk="1" latinLnBrk="0" hangingPunct="1">
+              <a:lnSpc>
+                <a:spcPct val="90000"/>
+              </a:lnSpc>
+              <a:spcBef>
+                <a:spcPts val="500"/>
+              </a:spcBef>
+              <a:buFont typeface="Arial" panose="020B0604020202020204" pitchFamily="34" charset="0"/>
+              <a:buChar char="•"/>
+              <a:defRPr sz="1800" kern="1200">
+                <a:solidFill>
+                  <a:schemeClr val="tx1"/>
+                </a:solidFill>
+                <a:latin typeface="+mn-lt"/>
+                <a:ea typeface="+mn-ea"/>
+                <a:cs typeface="+mn-cs"/>
+              </a:defRPr>
+            </a:lvl6pPr>
+            <a:lvl7pPr marL="2971800" indent="-228600" algn="l" defTabSz="914400" rtl="0" eaLnBrk="1" latinLnBrk="0" hangingPunct="1">
+              <a:lnSpc>
+                <a:spcPct val="90000"/>
+              </a:lnSpc>
+              <a:spcBef>
+                <a:spcPts val="500"/>
+              </a:spcBef>
+              <a:buFont typeface="Arial" panose="020B0604020202020204" pitchFamily="34" charset="0"/>
+              <a:buChar char="•"/>
+              <a:defRPr sz="1800" kern="1200">
+                <a:solidFill>
+                  <a:schemeClr val="tx1"/>
+                </a:solidFill>
+                <a:latin typeface="+mn-lt"/>
+                <a:ea typeface="+mn-ea"/>
+                <a:cs typeface="+mn-cs"/>
+              </a:defRPr>
+            </a:lvl7pPr>
+            <a:lvl8pPr marL="3429000" indent="-228600" algn="l" defTabSz="914400" rtl="0" eaLnBrk="1" latinLnBrk="0" hangingPunct="1">
+              <a:lnSpc>
+                <a:spcPct val="90000"/>
+              </a:lnSpc>
+              <a:spcBef>
+                <a:spcPts val="500"/>
+              </a:spcBef>
+              <a:buFont typeface="Arial" panose="020B0604020202020204" pitchFamily="34" charset="0"/>
+              <a:buChar char="•"/>
+              <a:defRPr sz="1800" kern="1200">
+                <a:solidFill>
+                  <a:schemeClr val="tx1"/>
+                </a:solidFill>
+                <a:latin typeface="+mn-lt"/>
+                <a:ea typeface="+mn-ea"/>
+                <a:cs typeface="+mn-cs"/>
+              </a:defRPr>
+            </a:lvl8pPr>
+            <a:lvl9pPr marL="3886200" indent="-228600" algn="l" defTabSz="914400" rtl="0" eaLnBrk="1" latinLnBrk="0" hangingPunct="1">
+              <a:lnSpc>
+                <a:spcPct val="90000"/>
+              </a:lnSpc>
+              <a:spcBef>
+                <a:spcPts val="500"/>
+              </a:spcBef>
+              <a:buFont typeface="Arial" panose="020B0604020202020204" pitchFamily="34" charset="0"/>
+              <a:buChar char="•"/>
+              <a:defRPr sz="1800" kern="1200">
+                <a:solidFill>
+                  <a:schemeClr val="tx1"/>
+                </a:solidFill>
+                <a:latin typeface="+mn-lt"/>
+                <a:ea typeface="+mn-ea"/>
+                <a:cs typeface="+mn-cs"/>
+              </a:defRPr>
+            </a:lvl9pPr>
+          </a:lstStyle>
+          <a:p>
+            <a:pPr marL="0" indent="0" algn="ctr">
+              <a:spcBef>
+                <a:spcPct val="0"/>
+              </a:spcBef>
+              <a:spcAft>
+                <a:spcPct val="0"/>
+              </a:spcAft>
+              <a:buNone/>
+            </a:pPr>
+            <a:fld id="{9964A3B9-B94F-49A0-B661-C9C48DC1A666}" type="datetime'''3''.''''''''''''''''''''''2''''''%'''''''''''">
+              <a:rPr lang="en-US" altLang="en-US" sz="1400" smtClean="0">
+                <a:solidFill>
+                  <a:schemeClr val="bg1"/>
+                </a:solidFill>
+                <a:effectLst/>
+              </a:rPr>
+              <a:pPr/>
+              <a:t>3.2%</a:t>
+            </a:fld>
+            <a:endParaRPr lang="en-US" sz="1400" dirty="0">
+              <a:solidFill>
+                <a:schemeClr val="bg1"/>
+              </a:solidFill>
+            </a:endParaRPr>
+          </a:p>
+        </p:txBody>
+      </p:sp>
+      <p:sp>
+        <p:nvSpPr>
+          <p:cNvPr id="24" name="Text Placeholder 2">
+            <a:extLst>
+              <a:ext uri="{FF2B5EF4-FFF2-40B4-BE49-F238E27FC236}">
+                <a16:creationId xmlns:a16="http://schemas.microsoft.com/office/drawing/2014/main" id="{F01B8698-9294-F532-DDB4-2EE198CBAA21}"/>
+              </a:ext>
+            </a:extLst>
+          </p:cNvPr>
+          <p:cNvSpPr>
+            <a:spLocks noGrp="1"/>
+          </p:cNvSpPr>
+          <p:nvPr>
+            <p:custDataLst>
+              <p:tags r:id="rId5"/>
+            </p:custDataLst>
+          </p:nvPr>
+        </p:nvSpPr>
+        <p:spPr bwMode="gray">
+          <a:xfrm>
+            <a:off x="955675" y="1993900"/>
+            <a:ext cx="403225" cy="192088"/>
+          </a:xfrm>
+          <a:prstGeom prst="rect">
+            <a:avLst/>
+          </a:prstGeom>
+          <a:solidFill>
+            <a:schemeClr val="accent3"/>
+          </a:solidFill>
+          <a:ln>
+            <a:noFill/>
+          </a:ln>
+          <a:effectLst/>
+        </p:spPr>
+        <p:txBody>
+          <a:bodyPr vert="horz" wrap="none" lIns="25400" tIns="0" rIns="25400" bIns="0" numCol="1" spcCol="0" rtlCol="0" anchor="ctr" anchorCtr="0">
+            <a:noAutofit/>
+          </a:bodyPr>
+          <a:lstStyle>
+            <a:lvl1pPr marL="228600" indent="-228600" algn="l" defTabSz="914400" rtl="0" eaLnBrk="1" latinLnBrk="0" hangingPunct="1">
+              <a:lnSpc>
+                <a:spcPct val="90000"/>
+              </a:lnSpc>
+              <a:spcBef>
+                <a:spcPts val="1000"/>
+              </a:spcBef>
+              <a:buFont typeface="Arial" panose="020B0604020202020204" pitchFamily="34" charset="0"/>
+              <a:buChar char="•"/>
+              <a:defRPr sz="2800" kern="1200">
+                <a:solidFill>
+                  <a:schemeClr val="tx1"/>
+                </a:solidFill>
+                <a:latin typeface="+mn-lt"/>
+                <a:ea typeface="+mn-ea"/>
+                <a:cs typeface="+mn-cs"/>
+              </a:defRPr>
+            </a:lvl1pPr>
+            <a:lvl2pPr marL="685800" indent="-228600" algn="l" defTabSz="914400" rtl="0" eaLnBrk="1" latinLnBrk="0" hangingPunct="1">
+              <a:lnSpc>
+                <a:spcPct val="90000"/>
+              </a:lnSpc>
+              <a:spcBef>
+                <a:spcPts val="500"/>
+              </a:spcBef>
+              <a:buFont typeface="Arial" panose="020B0604020202020204" pitchFamily="34" charset="0"/>
+              <a:buChar char="•"/>
+              <a:defRPr sz="2400" kern="1200">
+                <a:solidFill>
+                  <a:schemeClr val="tx1"/>
+                </a:solidFill>
+                <a:latin typeface="+mn-lt"/>
+                <a:ea typeface="+mn-ea"/>
+                <a:cs typeface="+mn-cs"/>
+              </a:defRPr>
+            </a:lvl2pPr>
+            <a:lvl3pPr marL="1143000" indent="-228600" algn="l" defTabSz="914400" rtl="0" eaLnBrk="1" latinLnBrk="0" hangingPunct="1">
+              <a:lnSpc>
+                <a:spcPct val="90000"/>
+              </a:lnSpc>
+              <a:spcBef>
+                <a:spcPts val="500"/>
+              </a:spcBef>
+              <a:buFont typeface="Arial" panose="020B0604020202020204" pitchFamily="34" charset="0"/>
+              <a:buChar char="•"/>
+              <a:defRPr sz="2000" kern="1200">
+                <a:solidFill>
+                  <a:schemeClr val="tx1"/>
+                </a:solidFill>
+                <a:latin typeface="+mn-lt"/>
+                <a:ea typeface="+mn-ea"/>
+                <a:cs typeface="+mn-cs"/>
+              </a:defRPr>
+            </a:lvl3pPr>
+            <a:lvl4pPr marL="1600200" indent="-228600" algn="l" defTabSz="914400" rtl="0" eaLnBrk="1" latinLnBrk="0" hangingPunct="1">
+              <a:lnSpc>
+                <a:spcPct val="90000"/>
+              </a:lnSpc>
+              <a:spcBef>
+                <a:spcPts val="500"/>
+              </a:spcBef>
+              <a:buFont typeface="Arial" panose="020B0604020202020204" pitchFamily="34" charset="0"/>
+              <a:buChar char="•"/>
+              <a:defRPr sz="1800" kern="1200">
+                <a:solidFill>
+                  <a:schemeClr val="tx1"/>
+                </a:solidFill>
+                <a:latin typeface="+mn-lt"/>
+                <a:ea typeface="+mn-ea"/>
+                <a:cs typeface="+mn-cs"/>
+              </a:defRPr>
+            </a:lvl4pPr>
+            <a:lvl5pPr marL="2057400" indent="-228600" algn="l" defTabSz="914400" rtl="0" eaLnBrk="1" latinLnBrk="0" hangingPunct="1">
+              <a:lnSpc>
+                <a:spcPct val="90000"/>
+              </a:lnSpc>
+              <a:spcBef>
+                <a:spcPts val="500"/>
+              </a:spcBef>
+              <a:buFont typeface="Arial" panose="020B0604020202020204" pitchFamily="34" charset="0"/>
+              <a:buChar char="•"/>
+              <a:defRPr sz="1800" kern="1200">
+                <a:solidFill>
+                  <a:schemeClr val="tx1"/>
+                </a:solidFill>
+                <a:latin typeface="+mn-lt"/>
+                <a:ea typeface="+mn-ea"/>
+                <a:cs typeface="+mn-cs"/>
+              </a:defRPr>
+            </a:lvl5pPr>
+            <a:lvl6pPr marL="2514600" indent="-228600" algn="l" defTabSz="914400" rtl="0" eaLnBrk="1" latinLnBrk="0" hangingPunct="1">
+              <a:lnSpc>
+                <a:spcPct val="90000"/>
+              </a:lnSpc>
+              <a:spcBef>
+                <a:spcPts val="500"/>
+              </a:spcBef>
+              <a:buFont typeface="Arial" panose="020B0604020202020204" pitchFamily="34" charset="0"/>
+              <a:buChar char="•"/>
+              <a:defRPr sz="1800" kern="1200">
+                <a:solidFill>
+                  <a:schemeClr val="tx1"/>
+                </a:solidFill>
+                <a:latin typeface="+mn-lt"/>
+                <a:ea typeface="+mn-ea"/>
+                <a:cs typeface="+mn-cs"/>
+              </a:defRPr>
+            </a:lvl6pPr>
+            <a:lvl7pPr marL="2971800" indent="-228600" algn="l" defTabSz="914400" rtl="0" eaLnBrk="1" latinLnBrk="0" hangingPunct="1">
+              <a:lnSpc>
+                <a:spcPct val="90000"/>
+              </a:lnSpc>
+              <a:spcBef>
+                <a:spcPts val="500"/>
+              </a:spcBef>
+              <a:buFont typeface="Arial" panose="020B0604020202020204" pitchFamily="34" charset="0"/>
+              <a:buChar char="•"/>
+              <a:defRPr sz="1800" kern="1200">
+                <a:solidFill>
+                  <a:schemeClr val="tx1"/>
+                </a:solidFill>
+                <a:latin typeface="+mn-lt"/>
+                <a:ea typeface="+mn-ea"/>
+                <a:cs typeface="+mn-cs"/>
+              </a:defRPr>
+            </a:lvl7pPr>
+            <a:lvl8pPr marL="3429000" indent="-228600" algn="l" defTabSz="914400" rtl="0" eaLnBrk="1" latinLnBrk="0" hangingPunct="1">
+              <a:lnSpc>
+                <a:spcPct val="90000"/>
+              </a:lnSpc>
+              <a:spcBef>
+                <a:spcPts val="500"/>
+              </a:spcBef>
+              <a:buFont typeface="Arial" panose="020B0604020202020204" pitchFamily="34" charset="0"/>
+              <a:buChar char="•"/>
+              <a:defRPr sz="1800" kern="1200">
+                <a:solidFill>
+                  <a:schemeClr val="tx1"/>
+                </a:solidFill>
+                <a:latin typeface="+mn-lt"/>
+                <a:ea typeface="+mn-ea"/>
+                <a:cs typeface="+mn-cs"/>
+              </a:defRPr>
+            </a:lvl8pPr>
+            <a:lvl9pPr marL="3886200" indent="-228600" algn="l" defTabSz="914400" rtl="0" eaLnBrk="1" latinLnBrk="0" hangingPunct="1">
+              <a:lnSpc>
+                <a:spcPct val="90000"/>
+              </a:lnSpc>
+              <a:spcBef>
+                <a:spcPts val="500"/>
+              </a:spcBef>
+              <a:buFont typeface="Arial" panose="020B0604020202020204" pitchFamily="34" charset="0"/>
+              <a:buChar char="•"/>
+              <a:defRPr sz="1800" kern="1200">
+                <a:solidFill>
+                  <a:schemeClr val="tx1"/>
+                </a:solidFill>
+                <a:latin typeface="+mn-lt"/>
+                <a:ea typeface="+mn-ea"/>
+                <a:cs typeface="+mn-cs"/>
+              </a:defRPr>
+            </a:lvl9pPr>
+          </a:lstStyle>
+          <a:p>
+            <a:pPr marL="0" indent="0" algn="ctr">
+              <a:spcBef>
+                <a:spcPct val="0"/>
+              </a:spcBef>
+              <a:spcAft>
+                <a:spcPct val="0"/>
+              </a:spcAft>
+              <a:buNone/>
+            </a:pPr>
+            <a:fld id="{4DB5C706-257C-42EF-ADFF-AAEFF205831D}" type="datetime'''''1''.''3''''''''''%'''''''''''">
+              <a:rPr lang="en-US" altLang="en-US" sz="1400" smtClean="0">
+                <a:effectLst/>
+              </a:rPr>
+              <a:pPr/>
+              <a:t>1.3%</a:t>
+            </a:fld>
+            <a:endParaRPr lang="en-US" sz="1400" dirty="0"/>
+          </a:p>
+        </p:txBody>
+      </p:sp>
+      <p:sp>
+        <p:nvSpPr>
+          <p:cNvPr id="25" name="Text Placeholder 2">
+            <a:extLst>
+              <a:ext uri="{FF2B5EF4-FFF2-40B4-BE49-F238E27FC236}">
+                <a16:creationId xmlns:a16="http://schemas.microsoft.com/office/drawing/2014/main" id="{F01B8698-9294-F532-DDB4-2EE198CBAA21}"/>
+              </a:ext>
+            </a:extLst>
+          </p:cNvPr>
+          <p:cNvSpPr>
+            <a:spLocks noGrp="1"/>
+          </p:cNvSpPr>
+          <p:nvPr>
+            <p:custDataLst>
+              <p:tags r:id="rId6"/>
+            </p:custDataLst>
+          </p:nvPr>
+        </p:nvSpPr>
+        <p:spPr bwMode="gray">
+          <a:xfrm>
+            <a:off x="911225" y="1603375"/>
+            <a:ext cx="403225" cy="192088"/>
+          </a:xfrm>
+          <a:prstGeom prst="rect">
+            <a:avLst/>
+          </a:prstGeom>
+          <a:solidFill>
+            <a:schemeClr val="accent4"/>
+          </a:solidFill>
+          <a:ln>
+            <a:noFill/>
+          </a:ln>
+          <a:effectLst/>
+        </p:spPr>
+        <p:txBody>
+          <a:bodyPr vert="horz" wrap="none" lIns="25400" tIns="0" rIns="25400" bIns="0" numCol="1" spcCol="0" rtlCol="0" anchor="ctr" anchorCtr="0">
+            <a:noAutofit/>
+          </a:bodyPr>
+          <a:lstStyle>
+            <a:lvl1pPr marL="228600" indent="-228600" algn="l" defTabSz="914400" rtl="0" eaLnBrk="1" latinLnBrk="0" hangingPunct="1">
+              <a:lnSpc>
+                <a:spcPct val="90000"/>
+              </a:lnSpc>
+              <a:spcBef>
+                <a:spcPts val="1000"/>
+              </a:spcBef>
+              <a:buFont typeface="Arial" panose="020B0604020202020204" pitchFamily="34" charset="0"/>
+              <a:buChar char="•"/>
+              <a:defRPr sz="2800" kern="1200">
+                <a:solidFill>
+                  <a:schemeClr val="tx1"/>
+                </a:solidFill>
+                <a:latin typeface="+mn-lt"/>
+                <a:ea typeface="+mn-ea"/>
+                <a:cs typeface="+mn-cs"/>
+              </a:defRPr>
+            </a:lvl1pPr>
+            <a:lvl2pPr marL="685800" indent="-228600" algn="l" defTabSz="914400" rtl="0" eaLnBrk="1" latinLnBrk="0" hangingPunct="1">
+              <a:lnSpc>
+                <a:spcPct val="90000"/>
+              </a:lnSpc>
+              <a:spcBef>
+                <a:spcPts val="500"/>
+              </a:spcBef>
+              <a:buFont typeface="Arial" panose="020B0604020202020204" pitchFamily="34" charset="0"/>
+              <a:buChar char="•"/>
+              <a:defRPr sz="2400" kern="1200">
+                <a:solidFill>
+                  <a:schemeClr val="tx1"/>
+                </a:solidFill>
+                <a:latin typeface="+mn-lt"/>
+                <a:ea typeface="+mn-ea"/>
+                <a:cs typeface="+mn-cs"/>
+              </a:defRPr>
+            </a:lvl2pPr>
+            <a:lvl3pPr marL="1143000" indent="-228600" algn="l" defTabSz="914400" rtl="0" eaLnBrk="1" latinLnBrk="0" hangingPunct="1">
+              <a:lnSpc>
+                <a:spcPct val="90000"/>
+              </a:lnSpc>
+              <a:spcBef>
+                <a:spcPts val="500"/>
+              </a:spcBef>
+              <a:buFont typeface="Arial" panose="020B0604020202020204" pitchFamily="34" charset="0"/>
+              <a:buChar char="•"/>
+              <a:defRPr sz="2000" kern="1200">
+                <a:solidFill>
+                  <a:schemeClr val="tx1"/>
+                </a:solidFill>
+                <a:latin typeface="+mn-lt"/>
+                <a:ea typeface="+mn-ea"/>
+                <a:cs typeface="+mn-cs"/>
+              </a:defRPr>
+            </a:lvl3pPr>
+            <a:lvl4pPr marL="1600200" indent="-228600" algn="l" defTabSz="914400" rtl="0" eaLnBrk="1" latinLnBrk="0" hangingPunct="1">
+              <a:lnSpc>
+                <a:spcPct val="90000"/>
+              </a:lnSpc>
+              <a:spcBef>
+                <a:spcPts val="500"/>
+              </a:spcBef>
+              <a:buFont typeface="Arial" panose="020B0604020202020204" pitchFamily="34" charset="0"/>
+              <a:buChar char="•"/>
+              <a:defRPr sz="1800" kern="1200">
+                <a:solidFill>
+                  <a:schemeClr val="tx1"/>
+                </a:solidFill>
+                <a:latin typeface="+mn-lt"/>
+                <a:ea typeface="+mn-ea"/>
+                <a:cs typeface="+mn-cs"/>
+              </a:defRPr>
+            </a:lvl4pPr>
+            <a:lvl5pPr marL="2057400" indent="-228600" algn="l" defTabSz="914400" rtl="0" eaLnBrk="1" latinLnBrk="0" hangingPunct="1">
+              <a:lnSpc>
+                <a:spcPct val="90000"/>
+              </a:lnSpc>
+              <a:spcBef>
+                <a:spcPts val="500"/>
+              </a:spcBef>
+              <a:buFont typeface="Arial" panose="020B0604020202020204" pitchFamily="34" charset="0"/>
+              <a:buChar char="•"/>
+              <a:defRPr sz="1800" kern="1200">
+                <a:solidFill>
+                  <a:schemeClr val="tx1"/>
+                </a:solidFill>
+                <a:latin typeface="+mn-lt"/>
+                <a:ea typeface="+mn-ea"/>
+                <a:cs typeface="+mn-cs"/>
+              </a:defRPr>
+            </a:lvl5pPr>
+            <a:lvl6pPr marL="2514600" indent="-228600" algn="l" defTabSz="914400" rtl="0" eaLnBrk="1" latinLnBrk="0" hangingPunct="1">
+              <a:lnSpc>
+                <a:spcPct val="90000"/>
+              </a:lnSpc>
+              <a:spcBef>
+                <a:spcPts val="500"/>
+              </a:spcBef>
+              <a:buFont typeface="Arial" panose="020B0604020202020204" pitchFamily="34" charset="0"/>
+              <a:buChar char="•"/>
+              <a:defRPr sz="1800" kern="1200">
+                <a:solidFill>
+                  <a:schemeClr val="tx1"/>
+                </a:solidFill>
+                <a:latin typeface="+mn-lt"/>
+                <a:ea typeface="+mn-ea"/>
+                <a:cs typeface="+mn-cs"/>
+              </a:defRPr>
+            </a:lvl6pPr>
+            <a:lvl7pPr marL="2971800" indent="-228600" algn="l" defTabSz="914400" rtl="0" eaLnBrk="1" latinLnBrk="0" hangingPunct="1">
+              <a:lnSpc>
+                <a:spcPct val="90000"/>
+              </a:lnSpc>
+              <a:spcBef>
+                <a:spcPts val="500"/>
+              </a:spcBef>
+              <a:buFont typeface="Arial" panose="020B0604020202020204" pitchFamily="34" charset="0"/>
+              <a:buChar char="•"/>
+              <a:defRPr sz="1800" kern="1200">
+                <a:solidFill>
+                  <a:schemeClr val="tx1"/>
+                </a:solidFill>
+                <a:latin typeface="+mn-lt"/>
+                <a:ea typeface="+mn-ea"/>
+                <a:cs typeface="+mn-cs"/>
+              </a:defRPr>
+            </a:lvl7pPr>
+            <a:lvl8pPr marL="3429000" indent="-228600" algn="l" defTabSz="914400" rtl="0" eaLnBrk="1" latinLnBrk="0" hangingPunct="1">
+              <a:lnSpc>
+                <a:spcPct val="90000"/>
+              </a:lnSpc>
+              <a:spcBef>
+                <a:spcPts val="500"/>
+              </a:spcBef>
+              <a:buFont typeface="Arial" panose="020B0604020202020204" pitchFamily="34" charset="0"/>
+              <a:buChar char="•"/>
+              <a:defRPr sz="1800" kern="1200">
+                <a:solidFill>
+                  <a:schemeClr val="tx1"/>
+                </a:solidFill>
+                <a:latin typeface="+mn-lt"/>
+                <a:ea typeface="+mn-ea"/>
+                <a:cs typeface="+mn-cs"/>
+              </a:defRPr>
+            </a:lvl8pPr>
+            <a:lvl9pPr marL="3886200" indent="-228600" algn="l" defTabSz="914400" rtl="0" eaLnBrk="1" latinLnBrk="0" hangingPunct="1">
+              <a:lnSpc>
+                <a:spcPct val="90000"/>
+              </a:lnSpc>
+              <a:spcBef>
+                <a:spcPts val="500"/>
+              </a:spcBef>
+              <a:buFont typeface="Arial" panose="020B0604020202020204" pitchFamily="34" charset="0"/>
+              <a:buChar char="•"/>
+              <a:defRPr sz="1800" kern="1200">
+                <a:solidFill>
+                  <a:schemeClr val="tx1"/>
+                </a:solidFill>
+                <a:latin typeface="+mn-lt"/>
+                <a:ea typeface="+mn-ea"/>
+                <a:cs typeface="+mn-cs"/>
+              </a:defRPr>
+            </a:lvl9pPr>
+          </a:lstStyle>
+          <a:p>
+            <a:pPr marL="0" indent="0" algn="ctr">
+              <a:spcBef>
+                <a:spcPct val="0"/>
+              </a:spcBef>
+              <a:spcAft>
+                <a:spcPct val="0"/>
+              </a:spcAft>
+              <a:buNone/>
+            </a:pPr>
+            <a:fld id="{9810004D-1102-46B6-9585-F96112AE486D}" type="datetime'''''''''''3''.''1''''''''''''''''''''''''''''''''''''''%'">
+              <a:rPr lang="en-US" altLang="en-US" sz="1400" smtClean="0">
+                <a:effectLst/>
+              </a:rPr>
+              <a:pPr/>
+              <a:t>3.1%</a:t>
+            </a:fld>
+            <a:endParaRPr lang="en-US" sz="1400" dirty="0"/>
+          </a:p>
+        </p:txBody>
+      </p:sp>
+      <p:sp>
+        <p:nvSpPr>
+          <p:cNvPr id="27" name="Text Placeholder 2">
+            <a:extLst>
+              <a:ext uri="{FF2B5EF4-FFF2-40B4-BE49-F238E27FC236}">
+                <a16:creationId xmlns:a16="http://schemas.microsoft.com/office/drawing/2014/main" id="{F01B8698-9294-F532-DDB4-2EE198CBAA21}"/>
+              </a:ext>
+            </a:extLst>
+          </p:cNvPr>
+          <p:cNvSpPr>
+            <a:spLocks noGrp="1"/>
+          </p:cNvSpPr>
+          <p:nvPr>
+            <p:custDataLst>
+              <p:tags r:id="rId7"/>
+            </p:custDataLst>
+          </p:nvPr>
+        </p:nvSpPr>
+        <p:spPr bwMode="gray">
+          <a:xfrm>
+            <a:off x="1463675" y="1374775"/>
             <a:ext cx="403225" cy="192088"/>
           </a:xfrm>
           <a:prstGeom prst="rect">
@@ -5078,723 +6645,15 @@
               </a:spcAft>
               <a:buNone/>
             </a:pPr>
-            <a:fld id="{DCE7AF03-DA7E-4BE6-81D2-EE2DA761436B}" type="datetime'''''''''''''''''1''.''''''''''''''''''''5''''''''''''''%'''''">
+            <a:fld id="{48E09346-3BBD-4E84-B2CF-03266D32550F}" type="datetime'''''''''''''3''''''''''''.''4''''%'''''''''''''''''''">
               <a:rPr lang="en-US" altLang="en-US" sz="1400" smtClean="0">
                 <a:solidFill>
                   <a:schemeClr val="bg1"/>
                 </a:solidFill>
                 <a:effectLst/>
               </a:rPr>
-              <a:pPr marL="0" indent="0" algn="ctr">
-                <a:spcBef>
-                  <a:spcPct val="0"/>
-                </a:spcBef>
-                <a:spcAft>
-                  <a:spcPct val="0"/>
-                </a:spcAft>
-                <a:buNone/>
-              </a:pPr>
-              <a:t>1.5%</a:t>
-            </a:fld>
-            <a:endParaRPr lang="en-US" sz="1400" dirty="0">
-              <a:solidFill>
-                <a:schemeClr val="bg1"/>
-              </a:solidFill>
-            </a:endParaRPr>
-          </a:p>
-        </p:txBody>
-      </p:sp>
-      <p:sp>
-        <p:nvSpPr>
-          <p:cNvPr id="458" name="Text Placeholder 2">
-            <a:extLst>
-              <a:ext uri="{FF2B5EF4-FFF2-40B4-BE49-F238E27FC236}">
-                <a16:creationId xmlns:a16="http://schemas.microsoft.com/office/drawing/2014/main" id="{F01B8698-9294-F532-DDB4-2EE198CBAA21}"/>
-              </a:ext>
-            </a:extLst>
-          </p:cNvPr>
-          <p:cNvSpPr>
-            <a:spLocks noGrp="1"/>
-          </p:cNvSpPr>
-          <p:nvPr>
-            <p:custDataLst>
-              <p:tags r:id="rId5"/>
-            </p:custDataLst>
-          </p:nvPr>
-        </p:nvSpPr>
-        <p:spPr bwMode="gray">
-          <a:xfrm>
-            <a:off x="1233488" y="1725613"/>
-            <a:ext cx="403225" cy="192088"/>
-          </a:xfrm>
-          <a:prstGeom prst="rect">
-            <a:avLst/>
-          </a:prstGeom>
-          <a:solidFill>
-            <a:schemeClr val="accent3"/>
-          </a:solidFill>
-          <a:ln>
-            <a:noFill/>
-          </a:ln>
-          <a:effectLst/>
-        </p:spPr>
-        <p:txBody>
-          <a:bodyPr vert="horz" wrap="none" lIns="25400" tIns="0" rIns="25400" bIns="0" numCol="1" spcCol="0" rtlCol="0" anchor="ctr" anchorCtr="0">
-            <a:noAutofit/>
-          </a:bodyPr>
-          <a:lstStyle>
-            <a:lvl1pPr marL="228600" indent="-228600" algn="l" defTabSz="914400" rtl="0" eaLnBrk="1" latinLnBrk="0" hangingPunct="1">
-              <a:lnSpc>
-                <a:spcPct val="90000"/>
-              </a:lnSpc>
-              <a:spcBef>
-                <a:spcPts val="1000"/>
-              </a:spcBef>
-              <a:buFont typeface="Arial" panose="020B0604020202020204" pitchFamily="34" charset="0"/>
-              <a:buChar char="•"/>
-              <a:defRPr sz="2800" kern="1200">
-                <a:solidFill>
-                  <a:schemeClr val="tx1"/>
-                </a:solidFill>
-                <a:latin typeface="+mn-lt"/>
-                <a:ea typeface="+mn-ea"/>
-                <a:cs typeface="+mn-cs"/>
-              </a:defRPr>
-            </a:lvl1pPr>
-            <a:lvl2pPr marL="685800" indent="-228600" algn="l" defTabSz="914400" rtl="0" eaLnBrk="1" latinLnBrk="0" hangingPunct="1">
-              <a:lnSpc>
-                <a:spcPct val="90000"/>
-              </a:lnSpc>
-              <a:spcBef>
-                <a:spcPts val="500"/>
-              </a:spcBef>
-              <a:buFont typeface="Arial" panose="020B0604020202020204" pitchFamily="34" charset="0"/>
-              <a:buChar char="•"/>
-              <a:defRPr sz="2400" kern="1200">
-                <a:solidFill>
-                  <a:schemeClr val="tx1"/>
-                </a:solidFill>
-                <a:latin typeface="+mn-lt"/>
-                <a:ea typeface="+mn-ea"/>
-                <a:cs typeface="+mn-cs"/>
-              </a:defRPr>
-            </a:lvl2pPr>
-            <a:lvl3pPr marL="1143000" indent="-228600" algn="l" defTabSz="914400" rtl="0" eaLnBrk="1" latinLnBrk="0" hangingPunct="1">
-              <a:lnSpc>
-                <a:spcPct val="90000"/>
-              </a:lnSpc>
-              <a:spcBef>
-                <a:spcPts val="500"/>
-              </a:spcBef>
-              <a:buFont typeface="Arial" panose="020B0604020202020204" pitchFamily="34" charset="0"/>
-              <a:buChar char="•"/>
-              <a:defRPr sz="2000" kern="1200">
-                <a:solidFill>
-                  <a:schemeClr val="tx1"/>
-                </a:solidFill>
-                <a:latin typeface="+mn-lt"/>
-                <a:ea typeface="+mn-ea"/>
-                <a:cs typeface="+mn-cs"/>
-              </a:defRPr>
-            </a:lvl3pPr>
-            <a:lvl4pPr marL="1600200" indent="-228600" algn="l" defTabSz="914400" rtl="0" eaLnBrk="1" latinLnBrk="0" hangingPunct="1">
-              <a:lnSpc>
-                <a:spcPct val="90000"/>
-              </a:lnSpc>
-              <a:spcBef>
-                <a:spcPts val="500"/>
-              </a:spcBef>
-              <a:buFont typeface="Arial" panose="020B0604020202020204" pitchFamily="34" charset="0"/>
-              <a:buChar char="•"/>
-              <a:defRPr sz="1800" kern="1200">
-                <a:solidFill>
-                  <a:schemeClr val="tx1"/>
-                </a:solidFill>
-                <a:latin typeface="+mn-lt"/>
-                <a:ea typeface="+mn-ea"/>
-                <a:cs typeface="+mn-cs"/>
-              </a:defRPr>
-            </a:lvl4pPr>
-            <a:lvl5pPr marL="2057400" indent="-228600" algn="l" defTabSz="914400" rtl="0" eaLnBrk="1" latinLnBrk="0" hangingPunct="1">
-              <a:lnSpc>
-                <a:spcPct val="90000"/>
-              </a:lnSpc>
-              <a:spcBef>
-                <a:spcPts val="500"/>
-              </a:spcBef>
-              <a:buFont typeface="Arial" panose="020B0604020202020204" pitchFamily="34" charset="0"/>
-              <a:buChar char="•"/>
-              <a:defRPr sz="1800" kern="1200">
-                <a:solidFill>
-                  <a:schemeClr val="tx1"/>
-                </a:solidFill>
-                <a:latin typeface="+mn-lt"/>
-                <a:ea typeface="+mn-ea"/>
-                <a:cs typeface="+mn-cs"/>
-              </a:defRPr>
-            </a:lvl5pPr>
-            <a:lvl6pPr marL="2514600" indent="-228600" algn="l" defTabSz="914400" rtl="0" eaLnBrk="1" latinLnBrk="0" hangingPunct="1">
-              <a:lnSpc>
-                <a:spcPct val="90000"/>
-              </a:lnSpc>
-              <a:spcBef>
-                <a:spcPts val="500"/>
-              </a:spcBef>
-              <a:buFont typeface="Arial" panose="020B0604020202020204" pitchFamily="34" charset="0"/>
-              <a:buChar char="•"/>
-              <a:defRPr sz="1800" kern="1200">
-                <a:solidFill>
-                  <a:schemeClr val="tx1"/>
-                </a:solidFill>
-                <a:latin typeface="+mn-lt"/>
-                <a:ea typeface="+mn-ea"/>
-                <a:cs typeface="+mn-cs"/>
-              </a:defRPr>
-            </a:lvl6pPr>
-            <a:lvl7pPr marL="2971800" indent="-228600" algn="l" defTabSz="914400" rtl="0" eaLnBrk="1" latinLnBrk="0" hangingPunct="1">
-              <a:lnSpc>
-                <a:spcPct val="90000"/>
-              </a:lnSpc>
-              <a:spcBef>
-                <a:spcPts val="500"/>
-              </a:spcBef>
-              <a:buFont typeface="Arial" panose="020B0604020202020204" pitchFamily="34" charset="0"/>
-              <a:buChar char="•"/>
-              <a:defRPr sz="1800" kern="1200">
-                <a:solidFill>
-                  <a:schemeClr val="tx1"/>
-                </a:solidFill>
-                <a:latin typeface="+mn-lt"/>
-                <a:ea typeface="+mn-ea"/>
-                <a:cs typeface="+mn-cs"/>
-              </a:defRPr>
-            </a:lvl7pPr>
-            <a:lvl8pPr marL="3429000" indent="-228600" algn="l" defTabSz="914400" rtl="0" eaLnBrk="1" latinLnBrk="0" hangingPunct="1">
-              <a:lnSpc>
-                <a:spcPct val="90000"/>
-              </a:lnSpc>
-              <a:spcBef>
-                <a:spcPts val="500"/>
-              </a:spcBef>
-              <a:buFont typeface="Arial" panose="020B0604020202020204" pitchFamily="34" charset="0"/>
-              <a:buChar char="•"/>
-              <a:defRPr sz="1800" kern="1200">
-                <a:solidFill>
-                  <a:schemeClr val="tx1"/>
-                </a:solidFill>
-                <a:latin typeface="+mn-lt"/>
-                <a:ea typeface="+mn-ea"/>
-                <a:cs typeface="+mn-cs"/>
-              </a:defRPr>
-            </a:lvl8pPr>
-            <a:lvl9pPr marL="3886200" indent="-228600" algn="l" defTabSz="914400" rtl="0" eaLnBrk="1" latinLnBrk="0" hangingPunct="1">
-              <a:lnSpc>
-                <a:spcPct val="90000"/>
-              </a:lnSpc>
-              <a:spcBef>
-                <a:spcPts val="500"/>
-              </a:spcBef>
-              <a:buFont typeface="Arial" panose="020B0604020202020204" pitchFamily="34" charset="0"/>
-              <a:buChar char="•"/>
-              <a:defRPr sz="1800" kern="1200">
-                <a:solidFill>
-                  <a:schemeClr val="tx1"/>
-                </a:solidFill>
-                <a:latin typeface="+mn-lt"/>
-                <a:ea typeface="+mn-ea"/>
-                <a:cs typeface="+mn-cs"/>
-              </a:defRPr>
-            </a:lvl9pPr>
-          </a:lstStyle>
-          <a:p>
-            <a:pPr marL="0" indent="0" algn="ctr">
-              <a:spcBef>
-                <a:spcPct val="0"/>
-              </a:spcBef>
-              <a:spcAft>
-                <a:spcPct val="0"/>
-              </a:spcAft>
-              <a:buNone/>
-            </a:pPr>
-            <a:fld id="{955240C2-7B6C-4352-AACC-973F54BDBD0C}" type="datetime'''''1''''''''''''''''''''''''''''.4%'''''''''''''''">
-              <a:rPr lang="en-US" altLang="en-US" sz="1400" smtClean="0">
-                <a:effectLst/>
-              </a:rPr>
-              <a:pPr marL="0" indent="0" algn="ctr">
-                <a:spcBef>
-                  <a:spcPct val="0"/>
-                </a:spcBef>
-                <a:spcAft>
-                  <a:spcPct val="0"/>
-                </a:spcAft>
-                <a:buNone/>
-              </a:pPr>
-              <a:t>1.4%</a:t>
-            </a:fld>
-            <a:endParaRPr lang="en-US" sz="1400" dirty="0"/>
-          </a:p>
-        </p:txBody>
-      </p:sp>
-      <p:sp>
-        <p:nvSpPr>
-          <p:cNvPr id="459" name="Text Placeholder 2">
-            <a:extLst>
-              <a:ext uri="{FF2B5EF4-FFF2-40B4-BE49-F238E27FC236}">
-                <a16:creationId xmlns:a16="http://schemas.microsoft.com/office/drawing/2014/main" id="{F01B8698-9294-F532-DDB4-2EE198CBAA21}"/>
-              </a:ext>
-            </a:extLst>
-          </p:cNvPr>
-          <p:cNvSpPr>
-            <a:spLocks noGrp="1"/>
-          </p:cNvSpPr>
-          <p:nvPr>
-            <p:custDataLst>
-              <p:tags r:id="rId6"/>
-            </p:custDataLst>
-          </p:nvPr>
-        </p:nvSpPr>
-        <p:spPr bwMode="gray">
-          <a:xfrm>
-            <a:off x="1392238" y="1917700"/>
-            <a:ext cx="403225" cy="192088"/>
-          </a:xfrm>
-          <a:prstGeom prst="rect">
-            <a:avLst/>
-          </a:prstGeom>
-          <a:solidFill>
-            <a:schemeClr val="accent4"/>
-          </a:solidFill>
-          <a:ln>
-            <a:noFill/>
-          </a:ln>
-          <a:effectLst/>
-        </p:spPr>
-        <p:txBody>
-          <a:bodyPr vert="horz" wrap="none" lIns="25400" tIns="0" rIns="25400" bIns="0" numCol="1" spcCol="0" rtlCol="0" anchor="ctr" anchorCtr="0">
-            <a:noAutofit/>
-          </a:bodyPr>
-          <a:lstStyle>
-            <a:lvl1pPr marL="228600" indent="-228600" algn="l" defTabSz="914400" rtl="0" eaLnBrk="1" latinLnBrk="0" hangingPunct="1">
-              <a:lnSpc>
-                <a:spcPct val="90000"/>
-              </a:lnSpc>
-              <a:spcBef>
-                <a:spcPts val="1000"/>
-              </a:spcBef>
-              <a:buFont typeface="Arial" panose="020B0604020202020204" pitchFamily="34" charset="0"/>
-              <a:buChar char="•"/>
-              <a:defRPr sz="2800" kern="1200">
-                <a:solidFill>
-                  <a:schemeClr val="tx1"/>
-                </a:solidFill>
-                <a:latin typeface="+mn-lt"/>
-                <a:ea typeface="+mn-ea"/>
-                <a:cs typeface="+mn-cs"/>
-              </a:defRPr>
-            </a:lvl1pPr>
-            <a:lvl2pPr marL="685800" indent="-228600" algn="l" defTabSz="914400" rtl="0" eaLnBrk="1" latinLnBrk="0" hangingPunct="1">
-              <a:lnSpc>
-                <a:spcPct val="90000"/>
-              </a:lnSpc>
-              <a:spcBef>
-                <a:spcPts val="500"/>
-              </a:spcBef>
-              <a:buFont typeface="Arial" panose="020B0604020202020204" pitchFamily="34" charset="0"/>
-              <a:buChar char="•"/>
-              <a:defRPr sz="2400" kern="1200">
-                <a:solidFill>
-                  <a:schemeClr val="tx1"/>
-                </a:solidFill>
-                <a:latin typeface="+mn-lt"/>
-                <a:ea typeface="+mn-ea"/>
-                <a:cs typeface="+mn-cs"/>
-              </a:defRPr>
-            </a:lvl2pPr>
-            <a:lvl3pPr marL="1143000" indent="-228600" algn="l" defTabSz="914400" rtl="0" eaLnBrk="1" latinLnBrk="0" hangingPunct="1">
-              <a:lnSpc>
-                <a:spcPct val="90000"/>
-              </a:lnSpc>
-              <a:spcBef>
-                <a:spcPts val="500"/>
-              </a:spcBef>
-              <a:buFont typeface="Arial" panose="020B0604020202020204" pitchFamily="34" charset="0"/>
-              <a:buChar char="•"/>
-              <a:defRPr sz="2000" kern="1200">
-                <a:solidFill>
-                  <a:schemeClr val="tx1"/>
-                </a:solidFill>
-                <a:latin typeface="+mn-lt"/>
-                <a:ea typeface="+mn-ea"/>
-                <a:cs typeface="+mn-cs"/>
-              </a:defRPr>
-            </a:lvl3pPr>
-            <a:lvl4pPr marL="1600200" indent="-228600" algn="l" defTabSz="914400" rtl="0" eaLnBrk="1" latinLnBrk="0" hangingPunct="1">
-              <a:lnSpc>
-                <a:spcPct val="90000"/>
-              </a:lnSpc>
-              <a:spcBef>
-                <a:spcPts val="500"/>
-              </a:spcBef>
-              <a:buFont typeface="Arial" panose="020B0604020202020204" pitchFamily="34" charset="0"/>
-              <a:buChar char="•"/>
-              <a:defRPr sz="1800" kern="1200">
-                <a:solidFill>
-                  <a:schemeClr val="tx1"/>
-                </a:solidFill>
-                <a:latin typeface="+mn-lt"/>
-                <a:ea typeface="+mn-ea"/>
-                <a:cs typeface="+mn-cs"/>
-              </a:defRPr>
-            </a:lvl4pPr>
-            <a:lvl5pPr marL="2057400" indent="-228600" algn="l" defTabSz="914400" rtl="0" eaLnBrk="1" latinLnBrk="0" hangingPunct="1">
-              <a:lnSpc>
-                <a:spcPct val="90000"/>
-              </a:lnSpc>
-              <a:spcBef>
-                <a:spcPts val="500"/>
-              </a:spcBef>
-              <a:buFont typeface="Arial" panose="020B0604020202020204" pitchFamily="34" charset="0"/>
-              <a:buChar char="•"/>
-              <a:defRPr sz="1800" kern="1200">
-                <a:solidFill>
-                  <a:schemeClr val="tx1"/>
-                </a:solidFill>
-                <a:latin typeface="+mn-lt"/>
-                <a:ea typeface="+mn-ea"/>
-                <a:cs typeface="+mn-cs"/>
-              </a:defRPr>
-            </a:lvl5pPr>
-            <a:lvl6pPr marL="2514600" indent="-228600" algn="l" defTabSz="914400" rtl="0" eaLnBrk="1" latinLnBrk="0" hangingPunct="1">
-              <a:lnSpc>
-                <a:spcPct val="90000"/>
-              </a:lnSpc>
-              <a:spcBef>
-                <a:spcPts val="500"/>
-              </a:spcBef>
-              <a:buFont typeface="Arial" panose="020B0604020202020204" pitchFamily="34" charset="0"/>
-              <a:buChar char="•"/>
-              <a:defRPr sz="1800" kern="1200">
-                <a:solidFill>
-                  <a:schemeClr val="tx1"/>
-                </a:solidFill>
-                <a:latin typeface="+mn-lt"/>
-                <a:ea typeface="+mn-ea"/>
-                <a:cs typeface="+mn-cs"/>
-              </a:defRPr>
-            </a:lvl6pPr>
-            <a:lvl7pPr marL="2971800" indent="-228600" algn="l" defTabSz="914400" rtl="0" eaLnBrk="1" latinLnBrk="0" hangingPunct="1">
-              <a:lnSpc>
-                <a:spcPct val="90000"/>
-              </a:lnSpc>
-              <a:spcBef>
-                <a:spcPts val="500"/>
-              </a:spcBef>
-              <a:buFont typeface="Arial" panose="020B0604020202020204" pitchFamily="34" charset="0"/>
-              <a:buChar char="•"/>
-              <a:defRPr sz="1800" kern="1200">
-                <a:solidFill>
-                  <a:schemeClr val="tx1"/>
-                </a:solidFill>
-                <a:latin typeface="+mn-lt"/>
-                <a:ea typeface="+mn-ea"/>
-                <a:cs typeface="+mn-cs"/>
-              </a:defRPr>
-            </a:lvl7pPr>
-            <a:lvl8pPr marL="3429000" indent="-228600" algn="l" defTabSz="914400" rtl="0" eaLnBrk="1" latinLnBrk="0" hangingPunct="1">
-              <a:lnSpc>
-                <a:spcPct val="90000"/>
-              </a:lnSpc>
-              <a:spcBef>
-                <a:spcPts val="500"/>
-              </a:spcBef>
-              <a:buFont typeface="Arial" panose="020B0604020202020204" pitchFamily="34" charset="0"/>
-              <a:buChar char="•"/>
-              <a:defRPr sz="1800" kern="1200">
-                <a:solidFill>
-                  <a:schemeClr val="tx1"/>
-                </a:solidFill>
-                <a:latin typeface="+mn-lt"/>
-                <a:ea typeface="+mn-ea"/>
-                <a:cs typeface="+mn-cs"/>
-              </a:defRPr>
-            </a:lvl8pPr>
-            <a:lvl9pPr marL="3886200" indent="-228600" algn="l" defTabSz="914400" rtl="0" eaLnBrk="1" latinLnBrk="0" hangingPunct="1">
-              <a:lnSpc>
-                <a:spcPct val="90000"/>
-              </a:lnSpc>
-              <a:spcBef>
-                <a:spcPts val="500"/>
-              </a:spcBef>
-              <a:buFont typeface="Arial" panose="020B0604020202020204" pitchFamily="34" charset="0"/>
-              <a:buChar char="•"/>
-              <a:defRPr sz="1800" kern="1200">
-                <a:solidFill>
-                  <a:schemeClr val="tx1"/>
-                </a:solidFill>
-                <a:latin typeface="+mn-lt"/>
-                <a:ea typeface="+mn-ea"/>
-                <a:cs typeface="+mn-cs"/>
-              </a:defRPr>
-            </a:lvl9pPr>
-          </a:lstStyle>
-          <a:p>
-            <a:pPr marL="0" indent="0" algn="ctr">
-              <a:spcBef>
-                <a:spcPct val="0"/>
-              </a:spcBef>
-              <a:spcAft>
-                <a:spcPct val="0"/>
-              </a:spcAft>
-              <a:buNone/>
-            </a:pPr>
-            <a:fld id="{0CE1CFC3-A6C8-4AF2-AC46-DE4F3E8EFDC3}" type="datetime'''''''''''''''''''''''''''''''1''''.5''''''''''%'">
-              <a:rPr lang="en-US" altLang="en-US" sz="1400" smtClean="0">
-                <a:effectLst/>
-              </a:rPr>
-              <a:pPr marL="0" indent="0" algn="ctr">
-                <a:spcBef>
-                  <a:spcPct val="0"/>
-                </a:spcBef>
-                <a:spcAft>
-                  <a:spcPct val="0"/>
-                </a:spcAft>
-                <a:buNone/>
-              </a:pPr>
-              <a:t>1.5%</a:t>
-            </a:fld>
-            <a:endParaRPr lang="en-US" sz="1400" dirty="0"/>
-          </a:p>
-        </p:txBody>
-      </p:sp>
-      <p:sp>
-        <p:nvSpPr>
-          <p:cNvPr id="460" name="Text Placeholder 2">
-            <a:extLst>
-              <a:ext uri="{FF2B5EF4-FFF2-40B4-BE49-F238E27FC236}">
-                <a16:creationId xmlns:a16="http://schemas.microsoft.com/office/drawing/2014/main" id="{F01B8698-9294-F532-DDB4-2EE198CBAA21}"/>
-              </a:ext>
-            </a:extLst>
-          </p:cNvPr>
-          <p:cNvSpPr>
-            <a:spLocks noGrp="1"/>
-          </p:cNvSpPr>
-          <p:nvPr>
-            <p:custDataLst>
-              <p:tags r:id="rId7"/>
-            </p:custDataLst>
-          </p:nvPr>
-        </p:nvSpPr>
-        <p:spPr bwMode="gray">
-          <a:xfrm>
-            <a:off x="1408113" y="1393825"/>
-            <a:ext cx="403225" cy="192088"/>
-          </a:xfrm>
-          <a:prstGeom prst="rect">
-            <a:avLst/>
-          </a:prstGeom>
-          <a:solidFill>
-            <a:srgbClr val="C30C3E"/>
-          </a:solidFill>
-          <a:ln>
-            <a:noFill/>
-          </a:ln>
-          <a:effectLst/>
-        </p:spPr>
-        <p:txBody>
-          <a:bodyPr vert="horz" wrap="none" lIns="25400" tIns="0" rIns="25400" bIns="0" numCol="1" spcCol="0" rtlCol="0" anchor="ctr" anchorCtr="0">
-            <a:noAutofit/>
-          </a:bodyPr>
-          <a:lstStyle>
-            <a:lvl1pPr marL="228600" indent="-228600" algn="l" defTabSz="914400" rtl="0" eaLnBrk="1" latinLnBrk="0" hangingPunct="1">
-              <a:lnSpc>
-                <a:spcPct val="90000"/>
-              </a:lnSpc>
-              <a:spcBef>
-                <a:spcPts val="1000"/>
-              </a:spcBef>
-              <a:buFont typeface="Arial" panose="020B0604020202020204" pitchFamily="34" charset="0"/>
-              <a:buChar char="•"/>
-              <a:defRPr sz="2800" kern="1200">
-                <a:solidFill>
-                  <a:schemeClr val="tx1"/>
-                </a:solidFill>
-                <a:latin typeface="+mn-lt"/>
-                <a:ea typeface="+mn-ea"/>
-                <a:cs typeface="+mn-cs"/>
-              </a:defRPr>
-            </a:lvl1pPr>
-            <a:lvl2pPr marL="685800" indent="-228600" algn="l" defTabSz="914400" rtl="0" eaLnBrk="1" latinLnBrk="0" hangingPunct="1">
-              <a:lnSpc>
-                <a:spcPct val="90000"/>
-              </a:lnSpc>
-              <a:spcBef>
-                <a:spcPts val="500"/>
-              </a:spcBef>
-              <a:buFont typeface="Arial" panose="020B0604020202020204" pitchFamily="34" charset="0"/>
-              <a:buChar char="•"/>
-              <a:defRPr sz="2400" kern="1200">
-                <a:solidFill>
-                  <a:schemeClr val="tx1"/>
-                </a:solidFill>
-                <a:latin typeface="+mn-lt"/>
-                <a:ea typeface="+mn-ea"/>
-                <a:cs typeface="+mn-cs"/>
-              </a:defRPr>
-            </a:lvl2pPr>
-            <a:lvl3pPr marL="1143000" indent="-228600" algn="l" defTabSz="914400" rtl="0" eaLnBrk="1" latinLnBrk="0" hangingPunct="1">
-              <a:lnSpc>
-                <a:spcPct val="90000"/>
-              </a:lnSpc>
-              <a:spcBef>
-                <a:spcPts val="500"/>
-              </a:spcBef>
-              <a:buFont typeface="Arial" panose="020B0604020202020204" pitchFamily="34" charset="0"/>
-              <a:buChar char="•"/>
-              <a:defRPr sz="2000" kern="1200">
-                <a:solidFill>
-                  <a:schemeClr val="tx1"/>
-                </a:solidFill>
-                <a:latin typeface="+mn-lt"/>
-                <a:ea typeface="+mn-ea"/>
-                <a:cs typeface="+mn-cs"/>
-              </a:defRPr>
-            </a:lvl3pPr>
-            <a:lvl4pPr marL="1600200" indent="-228600" algn="l" defTabSz="914400" rtl="0" eaLnBrk="1" latinLnBrk="0" hangingPunct="1">
-              <a:lnSpc>
-                <a:spcPct val="90000"/>
-              </a:lnSpc>
-              <a:spcBef>
-                <a:spcPts val="500"/>
-              </a:spcBef>
-              <a:buFont typeface="Arial" panose="020B0604020202020204" pitchFamily="34" charset="0"/>
-              <a:buChar char="•"/>
-              <a:defRPr sz="1800" kern="1200">
-                <a:solidFill>
-                  <a:schemeClr val="tx1"/>
-                </a:solidFill>
-                <a:latin typeface="+mn-lt"/>
-                <a:ea typeface="+mn-ea"/>
-                <a:cs typeface="+mn-cs"/>
-              </a:defRPr>
-            </a:lvl4pPr>
-            <a:lvl5pPr marL="2057400" indent="-228600" algn="l" defTabSz="914400" rtl="0" eaLnBrk="1" latinLnBrk="0" hangingPunct="1">
-              <a:lnSpc>
-                <a:spcPct val="90000"/>
-              </a:lnSpc>
-              <a:spcBef>
-                <a:spcPts val="500"/>
-              </a:spcBef>
-              <a:buFont typeface="Arial" panose="020B0604020202020204" pitchFamily="34" charset="0"/>
-              <a:buChar char="•"/>
-              <a:defRPr sz="1800" kern="1200">
-                <a:solidFill>
-                  <a:schemeClr val="tx1"/>
-                </a:solidFill>
-                <a:latin typeface="+mn-lt"/>
-                <a:ea typeface="+mn-ea"/>
-                <a:cs typeface="+mn-cs"/>
-              </a:defRPr>
-            </a:lvl5pPr>
-            <a:lvl6pPr marL="2514600" indent="-228600" algn="l" defTabSz="914400" rtl="0" eaLnBrk="1" latinLnBrk="0" hangingPunct="1">
-              <a:lnSpc>
-                <a:spcPct val="90000"/>
-              </a:lnSpc>
-              <a:spcBef>
-                <a:spcPts val="500"/>
-              </a:spcBef>
-              <a:buFont typeface="Arial" panose="020B0604020202020204" pitchFamily="34" charset="0"/>
-              <a:buChar char="•"/>
-              <a:defRPr sz="1800" kern="1200">
-                <a:solidFill>
-                  <a:schemeClr val="tx1"/>
-                </a:solidFill>
-                <a:latin typeface="+mn-lt"/>
-                <a:ea typeface="+mn-ea"/>
-                <a:cs typeface="+mn-cs"/>
-              </a:defRPr>
-            </a:lvl6pPr>
-            <a:lvl7pPr marL="2971800" indent="-228600" algn="l" defTabSz="914400" rtl="0" eaLnBrk="1" latinLnBrk="0" hangingPunct="1">
-              <a:lnSpc>
-                <a:spcPct val="90000"/>
-              </a:lnSpc>
-              <a:spcBef>
-                <a:spcPts val="500"/>
-              </a:spcBef>
-              <a:buFont typeface="Arial" panose="020B0604020202020204" pitchFamily="34" charset="0"/>
-              <a:buChar char="•"/>
-              <a:defRPr sz="1800" kern="1200">
-                <a:solidFill>
-                  <a:schemeClr val="tx1"/>
-                </a:solidFill>
-                <a:latin typeface="+mn-lt"/>
-                <a:ea typeface="+mn-ea"/>
-                <a:cs typeface="+mn-cs"/>
-              </a:defRPr>
-            </a:lvl7pPr>
-            <a:lvl8pPr marL="3429000" indent="-228600" algn="l" defTabSz="914400" rtl="0" eaLnBrk="1" latinLnBrk="0" hangingPunct="1">
-              <a:lnSpc>
-                <a:spcPct val="90000"/>
-              </a:lnSpc>
-              <a:spcBef>
-                <a:spcPts val="500"/>
-              </a:spcBef>
-              <a:buFont typeface="Arial" panose="020B0604020202020204" pitchFamily="34" charset="0"/>
-              <a:buChar char="•"/>
-              <a:defRPr sz="1800" kern="1200">
-                <a:solidFill>
-                  <a:schemeClr val="tx1"/>
-                </a:solidFill>
-                <a:latin typeface="+mn-lt"/>
-                <a:ea typeface="+mn-ea"/>
-                <a:cs typeface="+mn-cs"/>
-              </a:defRPr>
-            </a:lvl8pPr>
-            <a:lvl9pPr marL="3886200" indent="-228600" algn="l" defTabSz="914400" rtl="0" eaLnBrk="1" latinLnBrk="0" hangingPunct="1">
-              <a:lnSpc>
-                <a:spcPct val="90000"/>
-              </a:lnSpc>
-              <a:spcBef>
-                <a:spcPts val="500"/>
-              </a:spcBef>
-              <a:buFont typeface="Arial" panose="020B0604020202020204" pitchFamily="34" charset="0"/>
-              <a:buChar char="•"/>
-              <a:defRPr sz="1800" kern="1200">
-                <a:solidFill>
-                  <a:schemeClr val="tx1"/>
-                </a:solidFill>
-                <a:latin typeface="+mn-lt"/>
-                <a:ea typeface="+mn-ea"/>
-                <a:cs typeface="+mn-cs"/>
-              </a:defRPr>
-            </a:lvl9pPr>
-          </a:lstStyle>
-          <a:p>
-            <a:pPr marL="0" indent="0" algn="ctr">
-              <a:spcBef>
-                <a:spcPct val="0"/>
-              </a:spcBef>
-              <a:spcAft>
-                <a:spcPct val="0"/>
-              </a:spcAft>
-              <a:buNone/>
-            </a:pPr>
-            <a:fld id="{A1B00B06-CE3E-432E-BD62-CE5A25F69D8D}" type="datetime'1''''''''''''.''''''''''''''''''''5''%'''''''''''''''''">
-              <a:rPr lang="en-US" altLang="en-US" sz="1400" smtClean="0">
-                <a:solidFill>
-                  <a:schemeClr val="bg1"/>
-                </a:solidFill>
-                <a:effectLst/>
-              </a:rPr>
-              <a:pPr marL="0" indent="0" algn="ctr">
-                <a:spcBef>
-                  <a:spcPct val="0"/>
-                </a:spcBef>
-                <a:spcAft>
-                  <a:spcPct val="0"/>
-                </a:spcAft>
-                <a:buNone/>
-              </a:pPr>
-              <a:t>1.5%</a:t>
+              <a:pPr/>
+              <a:t>3.4%</a:t>
             </a:fld>
             <a:endParaRPr lang="en-US" sz="1400" dirty="0">
               <a:solidFill>
@@ -6023,10 +6882,10 @@
               </a:spcAft>
               <a:buNone/>
             </a:pPr>
-            <a:fld id="{32EFC032-B492-4187-9586-CB6FA4BB7B9B}" type="datetime'''$1'''',2''9''''''''''''''''''''7,8''78''''''''.6''0 '''">
+            <a:fld id="{8977D5D1-3364-4F85-9675-FAC69C070440}" type="datetime'''$''5,8''''''''''''4''6'',''14''0''''''''.1''6 '''''''''''''">
               <a:rPr lang="en-US" altLang="en-US" sz="1400" smtClean="0"/>
               <a:pPr/>
-              <a:t>$1,297,878.60 </a:t>
+              <a:t>$5,846,140.16 </a:t>
             </a:fld>
             <a:endParaRPr lang="en-US" sz="1400" dirty="0"/>
           </a:p>
@@ -6034,10 +6893,10 @@
       </p:sp>
       <p:sp>
         <p:nvSpPr>
-          <p:cNvPr id="211" name="Rectangle 210">
+          <p:cNvPr id="212" name="Rectangle 211">
             <a:extLst>
               <a:ext uri="{FF2B5EF4-FFF2-40B4-BE49-F238E27FC236}">
-                <a16:creationId xmlns:a16="http://schemas.microsoft.com/office/drawing/2014/main" id="{ACB5FA66-420A-A81B-9515-200E417A7614}"/>
+                <a16:creationId xmlns:a16="http://schemas.microsoft.com/office/drawing/2014/main" id="{CFE16A47-45D9-1330-227A-6FA04AF148BD}"/>
               </a:ext>
             </a:extLst>
           </p:cNvPr>
@@ -6050,14 +6909,14 @@
         </p:nvSpPr>
         <p:spPr bwMode="auto">
           <a:xfrm>
-            <a:off x="3721100" y="1906588"/>
+            <a:off x="3721100" y="2160588"/>
             <a:ext cx="250825" cy="187325"/>
           </a:xfrm>
           <a:prstGeom prst="rect">
             <a:avLst/>
           </a:prstGeom>
           <a:solidFill>
-            <a:schemeClr val="accent4"/>
+            <a:schemeClr val="accent3"/>
           </a:solidFill>
           <a:ln w="12700" cap="flat" cmpd="sng" algn="ctr">
             <a:noFill/>
@@ -6186,10 +7045,10 @@
       </p:sp>
       <p:sp>
         <p:nvSpPr>
-          <p:cNvPr id="212" name="Rectangle 211">
+          <p:cNvPr id="211" name="Rectangle 210">
             <a:extLst>
               <a:ext uri="{FF2B5EF4-FFF2-40B4-BE49-F238E27FC236}">
-                <a16:creationId xmlns:a16="http://schemas.microsoft.com/office/drawing/2014/main" id="{CFE16A47-45D9-1330-227A-6FA04AF148BD}"/>
+                <a16:creationId xmlns:a16="http://schemas.microsoft.com/office/drawing/2014/main" id="{ACB5FA66-420A-A81B-9515-200E417A7614}"/>
               </a:ext>
             </a:extLst>
           </p:cNvPr>
@@ -6202,14 +7061,14 @@
         </p:nvSpPr>
         <p:spPr bwMode="auto">
           <a:xfrm>
-            <a:off x="3721100" y="2160588"/>
+            <a:off x="3721100" y="1906588"/>
             <a:ext cx="250825" cy="187325"/>
           </a:xfrm>
           <a:prstGeom prst="rect">
             <a:avLst/>
           </a:prstGeom>
           <a:solidFill>
-            <a:schemeClr val="accent3"/>
+            <a:schemeClr val="accent4"/>
           </a:solidFill>
           <a:ln w="12700" cap="flat" cmpd="sng" algn="ctr">
             <a:noFill/>
@@ -6323,10 +7182,10 @@
       </p:sp>
       <p:sp>
         <p:nvSpPr>
-          <p:cNvPr id="213" name="Rectangle 212">
+          <p:cNvPr id="291" name="Rectangle 290">
             <a:extLst>
               <a:ext uri="{FF2B5EF4-FFF2-40B4-BE49-F238E27FC236}">
-                <a16:creationId xmlns:a16="http://schemas.microsoft.com/office/drawing/2014/main" id="{FCAE7E1D-1499-C758-F9FE-00B9371A46F4}"/>
+                <a16:creationId xmlns:a16="http://schemas.microsoft.com/office/drawing/2014/main" id="{42BABA56-84CC-058A-9FA9-01E2AE4F30F6}"/>
               </a:ext>
             </a:extLst>
           </p:cNvPr>
@@ -6339,14 +7198,14 @@
         </p:nvSpPr>
         <p:spPr bwMode="auto">
           <a:xfrm>
-            <a:off x="3721100" y="2414588"/>
+            <a:off x="3721100" y="2668588"/>
             <a:ext cx="250825" cy="187325"/>
           </a:xfrm>
           <a:prstGeom prst="rect">
             <a:avLst/>
           </a:prstGeom>
           <a:solidFill>
-            <a:schemeClr val="accent2"/>
+            <a:schemeClr val="accent1"/>
           </a:solidFill>
           <a:ln w="12700" cap="flat" cmpd="sng" algn="ctr">
             <a:noFill/>
@@ -6399,10 +7258,10 @@
       </p:sp>
       <p:sp>
         <p:nvSpPr>
-          <p:cNvPr id="291" name="Rectangle 290">
+          <p:cNvPr id="213" name="Rectangle 212">
             <a:extLst>
               <a:ext uri="{FF2B5EF4-FFF2-40B4-BE49-F238E27FC236}">
-                <a16:creationId xmlns:a16="http://schemas.microsoft.com/office/drawing/2014/main" id="{42BABA56-84CC-058A-9FA9-01E2AE4F30F6}"/>
+                <a16:creationId xmlns:a16="http://schemas.microsoft.com/office/drawing/2014/main" id="{FCAE7E1D-1499-C758-F9FE-00B9371A46F4}"/>
               </a:ext>
             </a:extLst>
           </p:cNvPr>
@@ -6415,14 +7274,14 @@
         </p:nvSpPr>
         <p:spPr bwMode="auto">
           <a:xfrm>
-            <a:off x="3721100" y="2668588"/>
+            <a:off x="3721100" y="2414588"/>
             <a:ext cx="250825" cy="187325"/>
           </a:xfrm>
           <a:prstGeom prst="rect">
             <a:avLst/>
           </a:prstGeom>
           <a:solidFill>
-            <a:schemeClr val="accent1"/>
+            <a:schemeClr val="accent2"/>
           </a:solidFill>
           <a:ln w="12700" cap="flat" cmpd="sng" algn="ctr">
             <a:noFill/>
@@ -6475,10 +7334,10 @@
       </p:sp>
       <p:sp>
         <p:nvSpPr>
-          <p:cNvPr id="169" name="Text Placeholder 2">
+          <p:cNvPr id="186" name="Text Placeholder 2">
             <a:extLst>
               <a:ext uri="{FF2B5EF4-FFF2-40B4-BE49-F238E27FC236}">
-                <a16:creationId xmlns:a16="http://schemas.microsoft.com/office/drawing/2014/main" id="{F01B8698-9294-F532-DDB4-2EE198CBAA21}"/>
+                <a16:creationId xmlns:a16="http://schemas.microsoft.com/office/drawing/2014/main" id="{D2C85364-35B4-24C7-21A3-4F985EAEEE7E}"/>
               </a:ext>
             </a:extLst>
           </p:cNvPr>
@@ -6493,8 +7352,8 @@
         </p:nvSpPr>
         <p:spPr bwMode="auto">
           <a:xfrm>
-            <a:off x="4022725" y="1917700"/>
-            <a:ext cx="1270000" cy="192088"/>
+            <a:off x="4022725" y="1409700"/>
+            <a:ext cx="2124075" cy="192088"/>
           </a:xfrm>
           <a:prstGeom prst="rect">
             <a:avLst/>
@@ -6692,10 +7551,10 @@
               </a:spcAft>
               <a:buNone/>
             </a:pPr>
-            <a:fld id="{D9CD9367-4C90-4362-9C02-23DADA762573}" type="datetime'Fo''''l''g''e''''r''''s'''' ='' ''$1''''''''''''8'',9''00'">
+            <a:fld id="{59D7D596-DC6E-46F9-A140-590D4A253A5C}" type="datetime'B''en a''n''''d'' Jerrys = $1''97'',3''''3''''''''7''.68'''">
               <a:rPr lang="en-US" altLang="en-US" sz="1400" smtClean="0"/>
               <a:pPr/>
-              <a:t>Folgers = $18,900</a:t>
+              <a:t>Ben and Jerrys = $197,337.68</a:t>
             </a:fld>
             <a:endParaRPr lang="en-US" sz="1400" dirty="0"/>
           </a:p>
@@ -6703,10 +7562,10 @@
       </p:sp>
       <p:sp>
         <p:nvSpPr>
-          <p:cNvPr id="186" name="Text Placeholder 2">
+          <p:cNvPr id="168" name="Text Placeholder 2">
             <a:extLst>
               <a:ext uri="{FF2B5EF4-FFF2-40B4-BE49-F238E27FC236}">
-                <a16:creationId xmlns:a16="http://schemas.microsoft.com/office/drawing/2014/main" id="{D2C85364-35B4-24C7-21A3-4F985EAEEE7E}"/>
+                <a16:creationId xmlns:a16="http://schemas.microsoft.com/office/drawing/2014/main" id="{F01B8698-9294-F532-DDB4-2EE198CBAA21}"/>
               </a:ext>
             </a:extLst>
           </p:cNvPr>
@@ -6721,8 +7580,8 @@
         </p:nvSpPr>
         <p:spPr bwMode="auto">
           <a:xfrm>
-            <a:off x="4022725" y="1409700"/>
-            <a:ext cx="2033588" cy="192088"/>
+            <a:off x="4022725" y="1663700"/>
+            <a:ext cx="1547813" cy="192088"/>
           </a:xfrm>
           <a:prstGeom prst="rect">
             <a:avLst/>
@@ -6920,10 +7779,10 @@
               </a:spcAft>
               <a:buNone/>
             </a:pPr>
-            <a:fld id="{D27E9563-F2BC-4D4F-8C4E-BDF5A3FDB97B}" type="datetime'Ben and J''''e''''''r''rys ''='''' $''2''''0,''''040.''8''0'">
+            <a:fld id="{117FC453-4D40-44D6-8C24-4FEEB81839BF}" type="datetime'K''r''''''''o''ge''''''r'' = $1''''8''9,''''181.4''8'''''''">
               <a:rPr lang="en-US" altLang="en-US" sz="1400" smtClean="0"/>
               <a:pPr/>
-              <a:t>Ben and Jerrys = $20,040.80</a:t>
+              <a:t>Kroger = $189,181.48</a:t>
             </a:fld>
             <a:endParaRPr lang="en-US" sz="1400" dirty="0"/>
           </a:p>
@@ -7148,10 +8007,10 @@
               </a:spcAft>
               <a:buNone/>
             </a:pPr>
-            <a:fld id="{BF842435-0263-4D0F-B81A-B2CC55BFBE9E}" type="datetime'''''All'' ''''Ot''her Brand''s = ''''$''1'',20''''2'',629.10'">
+            <a:fld id="{2BAD8510-9072-46F8-BB35-8998DFEB5254}" type="datetime'A''ll ''O''th''er ''B''ra''n''ds ='''''' $5'',131,198.38'''">
               <a:rPr lang="en-US" altLang="en-US" sz="1400" smtClean="0"/>
               <a:pPr/>
-              <a:t>All Other Brands = $1,202,629.10</a:t>
+              <a:t>All Other Brands = $5,131,198.38</a:t>
             </a:fld>
             <a:endParaRPr lang="en-US" sz="1400" dirty="0"/>
           </a:p>
@@ -7178,7 +8037,7 @@
         <p:spPr bwMode="auto">
           <a:xfrm>
             <a:off x="4022725" y="2425700"/>
-            <a:ext cx="1552575" cy="192088"/>
+            <a:ext cx="1327150" cy="192088"/>
           </a:xfrm>
           <a:prstGeom prst="rect">
             <a:avLst/>
@@ -7376,10 +8235,10 @@
               </a:spcAft>
               <a:buNone/>
             </a:pPr>
-            <a:fld id="{335E228E-03E8-43CC-A0FC-B50AB6B3ACA0}" type="datetime'''B''ig''e''low = ''''''$''''1''''8'',''3''6''2''.''''70'''''">
+            <a:fld id="{84637349-F2A9-47FC-9B9A-70CE69E4D600}" type="datetime'Kr''af''t ''''''='''' ''$''70'',''''''8''5''''''8.''88'''">
               <a:rPr lang="en-US" altLang="en-US" sz="1400" smtClean="0"/>
               <a:pPr/>
-              <a:t>Bigelow = $18,362.70</a:t>
+              <a:t>Kraft = $70,858.88</a:t>
             </a:fld>
             <a:endParaRPr lang="en-US" sz="1400" dirty="0"/>
           </a:p>
@@ -7387,7 +8246,7 @@
       </p:sp>
       <p:sp>
         <p:nvSpPr>
-          <p:cNvPr id="168" name="Text Placeholder 2">
+          <p:cNvPr id="169" name="Text Placeholder 2">
             <a:extLst>
               <a:ext uri="{FF2B5EF4-FFF2-40B4-BE49-F238E27FC236}">
                 <a16:creationId xmlns:a16="http://schemas.microsoft.com/office/drawing/2014/main" id="{F01B8698-9294-F532-DDB4-2EE198CBAA21}"/>
@@ -7405,8 +8264,8 @@
         </p:nvSpPr>
         <p:spPr bwMode="auto">
           <a:xfrm>
-            <a:off x="4022725" y="1663700"/>
-            <a:ext cx="1362075" cy="192088"/>
+            <a:off x="4022725" y="1917700"/>
+            <a:ext cx="1587500" cy="192088"/>
           </a:xfrm>
           <a:prstGeom prst="rect">
             <a:avLst/>
@@ -7604,10 +8463,10 @@
               </a:spcAft>
               <a:buNone/>
             </a:pPr>
-            <a:fld id="{D28F3D5C-6800-4691-A322-E713C2DC232D}" type="datetime'Pep''''''si'' ''''''''''''''= $1''''''9'',''''3''''90''.''60'">
+            <a:fld id="{C0654D1D-6DCF-45F5-A742-D90596AA8331}" type="datetime'H''y''-V''e''''e'''''''' = $''''''''17''''8,692''.8''8'''">
               <a:rPr lang="en-US" altLang="en-US" sz="1400" smtClean="0"/>
               <a:pPr/>
-              <a:t>Pepsi = $19,390.60</a:t>
+              <a:t>Hy-Vee = $178,692.88</a:t>
             </a:fld>
             <a:endParaRPr lang="en-US" sz="1400" dirty="0"/>
           </a:p>
@@ -7634,7 +8493,7 @@
         <p:spPr bwMode="auto">
           <a:xfrm>
             <a:off x="4022725" y="2171700"/>
-            <a:ext cx="1616075" cy="192088"/>
+            <a:ext cx="1362075" cy="192088"/>
           </a:xfrm>
           <a:prstGeom prst="rect">
             <a:avLst/>
@@ -7832,10 +8691,10 @@
               </a:spcAft>
               <a:buNone/>
             </a:pPr>
-            <a:fld id="{D731A5A5-500D-4E77-B48A-60B1DF216EF2}" type="datetime'Ke''l''lo''''''gg''''’s'''' = ''''$18'',5''''''55''''.''40'''">
+            <a:fld id="{BC61769B-4543-4DC1-B7C2-3C0F6246F88B}" type="datetime'Peps''i ''''= $''''''''''''''''7''8,''8''''''7''0''.''86'''''">
               <a:rPr lang="en-US" altLang="en-US" sz="1400" smtClean="0"/>
               <a:pPr/>
-              <a:t>Kellogg’s = $18,555.40</a:t>
+              <a:t>Pepsi = $78,870.86</a:t>
             </a:fld>
             <a:endParaRPr lang="en-US" sz="1400" dirty="0"/>
           </a:p>
@@ -7943,10 +8802,10 @@
       </p:sp>
       <p:graphicFrame>
         <p:nvGraphicFramePr>
-          <p:cNvPr id="3" name="Chart 2">
+          <p:cNvPr id="489" name="Chart 488">
             <a:extLst>
               <a:ext uri="{FF2B5EF4-FFF2-40B4-BE49-F238E27FC236}">
-                <a16:creationId xmlns:a16="http://schemas.microsoft.com/office/drawing/2014/main" id="{D2E8DBCA-E70C-D175-5372-A226706F5712}"/>
+                <a16:creationId xmlns:a16="http://schemas.microsoft.com/office/drawing/2014/main" id="{EE4F1251-00F0-114E-CC45-94FF57E81E85}"/>
               </a:ext>
             </a:extLst>
           </p:cNvPr>
@@ -7957,7 +8816,7 @@
             </p:custDataLst>
             <p:extLst>
               <p:ext uri="{D42A27DB-BD31-4B8C-83A1-F6EECF244321}">
-                <p14:modId xmlns:p14="http://schemas.microsoft.com/office/powerpoint/2010/main" val="2283266206"/>
+                <p14:modId xmlns:p14="http://schemas.microsoft.com/office/powerpoint/2010/main" val="969537925"/>
               </p:ext>
             </p:extLst>
           </p:nvPr>
@@ -7968,16 +8827,16 @@
         </p:xfrm>
         <a:graphic>
           <a:graphicData uri="http://schemas.openxmlformats.org/drawingml/2006/chart">
-            <c:chart xmlns:c="http://schemas.openxmlformats.org/drawingml/2006/chart" xmlns:r="http://schemas.openxmlformats.org/officeDocument/2006/relationships" r:id="rId44"/>
+            <c:chart xmlns:c="http://schemas.openxmlformats.org/drawingml/2006/chart" xmlns:r="http://schemas.openxmlformats.org/officeDocument/2006/relationships" r:id="rId43"/>
           </a:graphicData>
         </a:graphic>
       </p:graphicFrame>
       <p:sp>
         <p:nvSpPr>
-          <p:cNvPr id="387" name="Text Placeholder 2">
+          <p:cNvPr id="55" name="Text Placeholder 2">
             <a:extLst>
               <a:ext uri="{FF2B5EF4-FFF2-40B4-BE49-F238E27FC236}">
-                <a16:creationId xmlns:a16="http://schemas.microsoft.com/office/drawing/2014/main" id="{F048C153-7E8A-8CE6-EB18-71AEF89CFA99}"/>
+                <a16:creationId xmlns:a16="http://schemas.microsoft.com/office/drawing/2014/main" id="{F01B8698-9294-F532-DDB4-2EE198CBAA21}"/>
               </a:ext>
             </a:extLst>
           </p:cNvPr>
@@ -7992,7 +8851,230 @@
         </p:nvSpPr>
         <p:spPr bwMode="gray">
           <a:xfrm>
-            <a:off x="7453313" y="1568450"/>
+            <a:off x="7299325" y="1673225"/>
+            <a:ext cx="403225" cy="192088"/>
+          </a:xfrm>
+          <a:prstGeom prst="rect">
+            <a:avLst/>
+          </a:prstGeom>
+          <a:solidFill>
+            <a:schemeClr val="accent4"/>
+          </a:solidFill>
+          <a:ln>
+            <a:noFill/>
+          </a:ln>
+          <a:effectLst/>
+        </p:spPr>
+        <p:txBody>
+          <a:bodyPr vert="horz" wrap="none" lIns="25400" tIns="0" rIns="25400" bIns="0" numCol="1" spcCol="0" rtlCol="0" anchor="ctr" anchorCtr="0">
+            <a:noAutofit/>
+          </a:bodyPr>
+          <a:lstStyle>
+            <a:lvl1pPr marL="228600" indent="-228600" algn="l" defTabSz="914400" rtl="0" eaLnBrk="1" latinLnBrk="0" hangingPunct="1">
+              <a:lnSpc>
+                <a:spcPct val="90000"/>
+              </a:lnSpc>
+              <a:spcBef>
+                <a:spcPts val="1000"/>
+              </a:spcBef>
+              <a:buFont typeface="Arial" panose="020B0604020202020204" pitchFamily="34" charset="0"/>
+              <a:buChar char="•"/>
+              <a:defRPr sz="2800" kern="1200">
+                <a:solidFill>
+                  <a:schemeClr val="tx1"/>
+                </a:solidFill>
+                <a:latin typeface="+mn-lt"/>
+                <a:ea typeface="+mn-ea"/>
+                <a:cs typeface="+mn-cs"/>
+              </a:defRPr>
+            </a:lvl1pPr>
+            <a:lvl2pPr marL="685800" indent="-228600" algn="l" defTabSz="914400" rtl="0" eaLnBrk="1" latinLnBrk="0" hangingPunct="1">
+              <a:lnSpc>
+                <a:spcPct val="90000"/>
+              </a:lnSpc>
+              <a:spcBef>
+                <a:spcPts val="500"/>
+              </a:spcBef>
+              <a:buFont typeface="Arial" panose="020B0604020202020204" pitchFamily="34" charset="0"/>
+              <a:buChar char="•"/>
+              <a:defRPr sz="2400" kern="1200">
+                <a:solidFill>
+                  <a:schemeClr val="tx1"/>
+                </a:solidFill>
+                <a:latin typeface="+mn-lt"/>
+                <a:ea typeface="+mn-ea"/>
+                <a:cs typeface="+mn-cs"/>
+              </a:defRPr>
+            </a:lvl2pPr>
+            <a:lvl3pPr marL="1143000" indent="-228600" algn="l" defTabSz="914400" rtl="0" eaLnBrk="1" latinLnBrk="0" hangingPunct="1">
+              <a:lnSpc>
+                <a:spcPct val="90000"/>
+              </a:lnSpc>
+              <a:spcBef>
+                <a:spcPts val="500"/>
+              </a:spcBef>
+              <a:buFont typeface="Arial" panose="020B0604020202020204" pitchFamily="34" charset="0"/>
+              <a:buChar char="•"/>
+              <a:defRPr sz="2000" kern="1200">
+                <a:solidFill>
+                  <a:schemeClr val="tx1"/>
+                </a:solidFill>
+                <a:latin typeface="+mn-lt"/>
+                <a:ea typeface="+mn-ea"/>
+                <a:cs typeface="+mn-cs"/>
+              </a:defRPr>
+            </a:lvl3pPr>
+            <a:lvl4pPr marL="1600200" indent="-228600" algn="l" defTabSz="914400" rtl="0" eaLnBrk="1" latinLnBrk="0" hangingPunct="1">
+              <a:lnSpc>
+                <a:spcPct val="90000"/>
+              </a:lnSpc>
+              <a:spcBef>
+                <a:spcPts val="500"/>
+              </a:spcBef>
+              <a:buFont typeface="Arial" panose="020B0604020202020204" pitchFamily="34" charset="0"/>
+              <a:buChar char="•"/>
+              <a:defRPr sz="1800" kern="1200">
+                <a:solidFill>
+                  <a:schemeClr val="tx1"/>
+                </a:solidFill>
+                <a:latin typeface="+mn-lt"/>
+                <a:ea typeface="+mn-ea"/>
+                <a:cs typeface="+mn-cs"/>
+              </a:defRPr>
+            </a:lvl4pPr>
+            <a:lvl5pPr marL="2057400" indent="-228600" algn="l" defTabSz="914400" rtl="0" eaLnBrk="1" latinLnBrk="0" hangingPunct="1">
+              <a:lnSpc>
+                <a:spcPct val="90000"/>
+              </a:lnSpc>
+              <a:spcBef>
+                <a:spcPts val="500"/>
+              </a:spcBef>
+              <a:buFont typeface="Arial" panose="020B0604020202020204" pitchFamily="34" charset="0"/>
+              <a:buChar char="•"/>
+              <a:defRPr sz="1800" kern="1200">
+                <a:solidFill>
+                  <a:schemeClr val="tx1"/>
+                </a:solidFill>
+                <a:latin typeface="+mn-lt"/>
+                <a:ea typeface="+mn-ea"/>
+                <a:cs typeface="+mn-cs"/>
+              </a:defRPr>
+            </a:lvl5pPr>
+            <a:lvl6pPr marL="2514600" indent="-228600" algn="l" defTabSz="914400" rtl="0" eaLnBrk="1" latinLnBrk="0" hangingPunct="1">
+              <a:lnSpc>
+                <a:spcPct val="90000"/>
+              </a:lnSpc>
+              <a:spcBef>
+                <a:spcPts val="500"/>
+              </a:spcBef>
+              <a:buFont typeface="Arial" panose="020B0604020202020204" pitchFamily="34" charset="0"/>
+              <a:buChar char="•"/>
+              <a:defRPr sz="1800" kern="1200">
+                <a:solidFill>
+                  <a:schemeClr val="tx1"/>
+                </a:solidFill>
+                <a:latin typeface="+mn-lt"/>
+                <a:ea typeface="+mn-ea"/>
+                <a:cs typeface="+mn-cs"/>
+              </a:defRPr>
+            </a:lvl6pPr>
+            <a:lvl7pPr marL="2971800" indent="-228600" algn="l" defTabSz="914400" rtl="0" eaLnBrk="1" latinLnBrk="0" hangingPunct="1">
+              <a:lnSpc>
+                <a:spcPct val="90000"/>
+              </a:lnSpc>
+              <a:spcBef>
+                <a:spcPts val="500"/>
+              </a:spcBef>
+              <a:buFont typeface="Arial" panose="020B0604020202020204" pitchFamily="34" charset="0"/>
+              <a:buChar char="•"/>
+              <a:defRPr sz="1800" kern="1200">
+                <a:solidFill>
+                  <a:schemeClr val="tx1"/>
+                </a:solidFill>
+                <a:latin typeface="+mn-lt"/>
+                <a:ea typeface="+mn-ea"/>
+                <a:cs typeface="+mn-cs"/>
+              </a:defRPr>
+            </a:lvl7pPr>
+            <a:lvl8pPr marL="3429000" indent="-228600" algn="l" defTabSz="914400" rtl="0" eaLnBrk="1" latinLnBrk="0" hangingPunct="1">
+              <a:lnSpc>
+                <a:spcPct val="90000"/>
+              </a:lnSpc>
+              <a:spcBef>
+                <a:spcPts val="500"/>
+              </a:spcBef>
+              <a:buFont typeface="Arial" panose="020B0604020202020204" pitchFamily="34" charset="0"/>
+              <a:buChar char="•"/>
+              <a:defRPr sz="1800" kern="1200">
+                <a:solidFill>
+                  <a:schemeClr val="tx1"/>
+                </a:solidFill>
+                <a:latin typeface="+mn-lt"/>
+                <a:ea typeface="+mn-ea"/>
+                <a:cs typeface="+mn-cs"/>
+              </a:defRPr>
+            </a:lvl8pPr>
+            <a:lvl9pPr marL="3886200" indent="-228600" algn="l" defTabSz="914400" rtl="0" eaLnBrk="1" latinLnBrk="0" hangingPunct="1">
+              <a:lnSpc>
+                <a:spcPct val="90000"/>
+              </a:lnSpc>
+              <a:spcBef>
+                <a:spcPts val="500"/>
+              </a:spcBef>
+              <a:buFont typeface="Arial" panose="020B0604020202020204" pitchFamily="34" charset="0"/>
+              <a:buChar char="•"/>
+              <a:defRPr sz="1800" kern="1200">
+                <a:solidFill>
+                  <a:schemeClr val="tx1"/>
+                </a:solidFill>
+                <a:latin typeface="+mn-lt"/>
+                <a:ea typeface="+mn-ea"/>
+                <a:cs typeface="+mn-cs"/>
+              </a:defRPr>
+            </a:lvl9pPr>
+          </a:lstStyle>
+          <a:p>
+            <a:pPr marL="0" indent="0" algn="ctr">
+              <a:spcBef>
+                <a:spcPct val="0"/>
+              </a:spcBef>
+              <a:spcAft>
+                <a:spcPct val="0"/>
+              </a:spcAft>
+              <a:buNone/>
+            </a:pPr>
+            <a:fld id="{6C6FDCAC-CC9C-471E-89C4-16429C330D25}" type="datetime'''''''''2''''''''''''''.''''''''''''''''6%'''''''''">
+              <a:rPr lang="en-US" altLang="en-US" sz="1400" smtClean="0">
+                <a:effectLst/>
+              </a:rPr>
+              <a:pPr/>
+              <a:t>2.6%</a:t>
+            </a:fld>
+            <a:endParaRPr lang="en-US" sz="1400" dirty="0"/>
+          </a:p>
+        </p:txBody>
+      </p:sp>
+      <p:sp>
+        <p:nvSpPr>
+          <p:cNvPr id="53" name="Text Placeholder 2">
+            <a:extLst>
+              <a:ext uri="{FF2B5EF4-FFF2-40B4-BE49-F238E27FC236}">
+                <a16:creationId xmlns:a16="http://schemas.microsoft.com/office/drawing/2014/main" id="{F01B8698-9294-F532-DDB4-2EE198CBAA21}"/>
+              </a:ext>
+            </a:extLst>
+          </p:cNvPr>
+          <p:cNvSpPr>
+            <a:spLocks noGrp="1"/>
+          </p:cNvSpPr>
+          <p:nvPr>
+            <p:custDataLst>
+              <p:tags r:id="rId23"/>
+            </p:custDataLst>
+          </p:nvPr>
+        </p:nvSpPr>
+        <p:spPr bwMode="gray">
+          <a:xfrm>
+            <a:off x="7037388" y="1922463"/>
             <a:ext cx="403225" cy="192088"/>
           </a:xfrm>
           <a:prstGeom prst="rect">
@@ -8184,7 +9266,7 @@
               </a:spcAft>
               <a:buNone/>
             </a:pPr>
-            <a:fld id="{FAD003EE-DCF8-4E79-AABE-E0049623447B}" type="datetime'1''''''''''''.''''''''''''''6''''''''''''''''''''%'''''">
+            <a:fld id="{CC1EB4FA-3D16-44D6-BFF4-EB85D306101B}" type="datetime'1''''''''''''.''''''''''''''6''''''''''''''''''''%'''''">
               <a:rPr lang="en-US" altLang="en-US" sz="1400" smtClean="0">
                 <a:effectLst/>
               </a:rPr>
@@ -8197,10 +9279,10 @@
       </p:sp>
       <p:sp>
         <p:nvSpPr>
-          <p:cNvPr id="388" name="Text Placeholder 2">
+          <p:cNvPr id="54" name="Text Placeholder 2">
             <a:extLst>
               <a:ext uri="{FF2B5EF4-FFF2-40B4-BE49-F238E27FC236}">
-                <a16:creationId xmlns:a16="http://schemas.microsoft.com/office/drawing/2014/main" id="{1668D685-E39E-CA78-E994-97AB150EA2B8}"/>
+                <a16:creationId xmlns:a16="http://schemas.microsoft.com/office/drawing/2014/main" id="{F01B8698-9294-F532-DDB4-2EE198CBAA21}"/>
               </a:ext>
             </a:extLst>
           </p:cNvPr>
@@ -8209,13 +9291,13 @@
           </p:cNvSpPr>
           <p:nvPr>
             <p:custDataLst>
-              <p:tags r:id="rId23"/>
+              <p:tags r:id="rId24"/>
             </p:custDataLst>
           </p:nvPr>
         </p:nvSpPr>
         <p:spPr bwMode="gray">
           <a:xfrm>
-            <a:off x="7681913" y="1760538"/>
+            <a:off x="7415213" y="2105025"/>
             <a:ext cx="403225" cy="192088"/>
           </a:xfrm>
           <a:prstGeom prst="rect">
@@ -8407,12 +9489,12 @@
               </a:spcAft>
               <a:buNone/>
             </a:pPr>
-            <a:fld id="{02549225-C675-4F4B-BEE8-C5B7C2DEB887}" type="datetime'1''''''''''''''.''6''''''''''''''''''''''''%'''''''">
+            <a:fld id="{45EBE88C-D42F-4734-AF3E-958D5B16FAA6}" type="datetime'1''''''''''''''''''''''.''''''''''''9''''''''''''''''%'''''''">
               <a:rPr lang="en-US" altLang="en-US" sz="1400" smtClean="0">
                 <a:effectLst/>
               </a:rPr>
               <a:pPr/>
-              <a:t>1.6%</a:t>
+              <a:t>1.9%</a:t>
             </a:fld>
             <a:endParaRPr lang="en-US" sz="1400" dirty="0"/>
           </a:p>
@@ -8420,233 +9502,10 @@
       </p:sp>
       <p:sp>
         <p:nvSpPr>
-          <p:cNvPr id="389" name="Text Placeholder 2">
+          <p:cNvPr id="56" name="Text Placeholder 2">
             <a:extLst>
               <a:ext uri="{FF2B5EF4-FFF2-40B4-BE49-F238E27FC236}">
-                <a16:creationId xmlns:a16="http://schemas.microsoft.com/office/drawing/2014/main" id="{761668BA-4084-A0C9-1315-764B23165AFC}"/>
-              </a:ext>
-            </a:extLst>
-          </p:cNvPr>
-          <p:cNvSpPr>
-            <a:spLocks noGrp="1"/>
-          </p:cNvSpPr>
-          <p:nvPr>
-            <p:custDataLst>
-              <p:tags r:id="rId24"/>
-            </p:custDataLst>
-          </p:nvPr>
-        </p:nvSpPr>
-        <p:spPr bwMode="gray">
-          <a:xfrm>
-            <a:off x="7858125" y="1952625"/>
-            <a:ext cx="403225" cy="192088"/>
-          </a:xfrm>
-          <a:prstGeom prst="rect">
-            <a:avLst/>
-          </a:prstGeom>
-          <a:solidFill>
-            <a:schemeClr val="accent4"/>
-          </a:solidFill>
-          <a:ln>
-            <a:noFill/>
-          </a:ln>
-          <a:effectLst/>
-        </p:spPr>
-        <p:txBody>
-          <a:bodyPr vert="horz" wrap="none" lIns="25400" tIns="0" rIns="25400" bIns="0" numCol="1" spcCol="0" rtlCol="0" anchor="ctr" anchorCtr="0">
-            <a:noAutofit/>
-          </a:bodyPr>
-          <a:lstStyle>
-            <a:lvl1pPr marL="228600" indent="-228600" algn="l" defTabSz="914400" rtl="0" eaLnBrk="1" latinLnBrk="0" hangingPunct="1">
-              <a:lnSpc>
-                <a:spcPct val="90000"/>
-              </a:lnSpc>
-              <a:spcBef>
-                <a:spcPts val="1000"/>
-              </a:spcBef>
-              <a:buFont typeface="Arial" panose="020B0604020202020204" pitchFamily="34" charset="0"/>
-              <a:buChar char="•"/>
-              <a:defRPr sz="2800" kern="1200">
-                <a:solidFill>
-                  <a:schemeClr val="tx1"/>
-                </a:solidFill>
-                <a:latin typeface="+mn-lt"/>
-                <a:ea typeface="+mn-ea"/>
-                <a:cs typeface="+mn-cs"/>
-              </a:defRPr>
-            </a:lvl1pPr>
-            <a:lvl2pPr marL="685800" indent="-228600" algn="l" defTabSz="914400" rtl="0" eaLnBrk="1" latinLnBrk="0" hangingPunct="1">
-              <a:lnSpc>
-                <a:spcPct val="90000"/>
-              </a:lnSpc>
-              <a:spcBef>
-                <a:spcPts val="500"/>
-              </a:spcBef>
-              <a:buFont typeface="Arial" panose="020B0604020202020204" pitchFamily="34" charset="0"/>
-              <a:buChar char="•"/>
-              <a:defRPr sz="2400" kern="1200">
-                <a:solidFill>
-                  <a:schemeClr val="tx1"/>
-                </a:solidFill>
-                <a:latin typeface="+mn-lt"/>
-                <a:ea typeface="+mn-ea"/>
-                <a:cs typeface="+mn-cs"/>
-              </a:defRPr>
-            </a:lvl2pPr>
-            <a:lvl3pPr marL="1143000" indent="-228600" algn="l" defTabSz="914400" rtl="0" eaLnBrk="1" latinLnBrk="0" hangingPunct="1">
-              <a:lnSpc>
-                <a:spcPct val="90000"/>
-              </a:lnSpc>
-              <a:spcBef>
-                <a:spcPts val="500"/>
-              </a:spcBef>
-              <a:buFont typeface="Arial" panose="020B0604020202020204" pitchFamily="34" charset="0"/>
-              <a:buChar char="•"/>
-              <a:defRPr sz="2000" kern="1200">
-                <a:solidFill>
-                  <a:schemeClr val="tx1"/>
-                </a:solidFill>
-                <a:latin typeface="+mn-lt"/>
-                <a:ea typeface="+mn-ea"/>
-                <a:cs typeface="+mn-cs"/>
-              </a:defRPr>
-            </a:lvl3pPr>
-            <a:lvl4pPr marL="1600200" indent="-228600" algn="l" defTabSz="914400" rtl="0" eaLnBrk="1" latinLnBrk="0" hangingPunct="1">
-              <a:lnSpc>
-                <a:spcPct val="90000"/>
-              </a:lnSpc>
-              <a:spcBef>
-                <a:spcPts val="500"/>
-              </a:spcBef>
-              <a:buFont typeface="Arial" panose="020B0604020202020204" pitchFamily="34" charset="0"/>
-              <a:buChar char="•"/>
-              <a:defRPr sz="1800" kern="1200">
-                <a:solidFill>
-                  <a:schemeClr val="tx1"/>
-                </a:solidFill>
-                <a:latin typeface="+mn-lt"/>
-                <a:ea typeface="+mn-ea"/>
-                <a:cs typeface="+mn-cs"/>
-              </a:defRPr>
-            </a:lvl4pPr>
-            <a:lvl5pPr marL="2057400" indent="-228600" algn="l" defTabSz="914400" rtl="0" eaLnBrk="1" latinLnBrk="0" hangingPunct="1">
-              <a:lnSpc>
-                <a:spcPct val="90000"/>
-              </a:lnSpc>
-              <a:spcBef>
-                <a:spcPts val="500"/>
-              </a:spcBef>
-              <a:buFont typeface="Arial" panose="020B0604020202020204" pitchFamily="34" charset="0"/>
-              <a:buChar char="•"/>
-              <a:defRPr sz="1800" kern="1200">
-                <a:solidFill>
-                  <a:schemeClr val="tx1"/>
-                </a:solidFill>
-                <a:latin typeface="+mn-lt"/>
-                <a:ea typeface="+mn-ea"/>
-                <a:cs typeface="+mn-cs"/>
-              </a:defRPr>
-            </a:lvl5pPr>
-            <a:lvl6pPr marL="2514600" indent="-228600" algn="l" defTabSz="914400" rtl="0" eaLnBrk="1" latinLnBrk="0" hangingPunct="1">
-              <a:lnSpc>
-                <a:spcPct val="90000"/>
-              </a:lnSpc>
-              <a:spcBef>
-                <a:spcPts val="500"/>
-              </a:spcBef>
-              <a:buFont typeface="Arial" panose="020B0604020202020204" pitchFamily="34" charset="0"/>
-              <a:buChar char="•"/>
-              <a:defRPr sz="1800" kern="1200">
-                <a:solidFill>
-                  <a:schemeClr val="tx1"/>
-                </a:solidFill>
-                <a:latin typeface="+mn-lt"/>
-                <a:ea typeface="+mn-ea"/>
-                <a:cs typeface="+mn-cs"/>
-              </a:defRPr>
-            </a:lvl6pPr>
-            <a:lvl7pPr marL="2971800" indent="-228600" algn="l" defTabSz="914400" rtl="0" eaLnBrk="1" latinLnBrk="0" hangingPunct="1">
-              <a:lnSpc>
-                <a:spcPct val="90000"/>
-              </a:lnSpc>
-              <a:spcBef>
-                <a:spcPts val="500"/>
-              </a:spcBef>
-              <a:buFont typeface="Arial" panose="020B0604020202020204" pitchFamily="34" charset="0"/>
-              <a:buChar char="•"/>
-              <a:defRPr sz="1800" kern="1200">
-                <a:solidFill>
-                  <a:schemeClr val="tx1"/>
-                </a:solidFill>
-                <a:latin typeface="+mn-lt"/>
-                <a:ea typeface="+mn-ea"/>
-                <a:cs typeface="+mn-cs"/>
-              </a:defRPr>
-            </a:lvl7pPr>
-            <a:lvl8pPr marL="3429000" indent="-228600" algn="l" defTabSz="914400" rtl="0" eaLnBrk="1" latinLnBrk="0" hangingPunct="1">
-              <a:lnSpc>
-                <a:spcPct val="90000"/>
-              </a:lnSpc>
-              <a:spcBef>
-                <a:spcPts val="500"/>
-              </a:spcBef>
-              <a:buFont typeface="Arial" panose="020B0604020202020204" pitchFamily="34" charset="0"/>
-              <a:buChar char="•"/>
-              <a:defRPr sz="1800" kern="1200">
-                <a:solidFill>
-                  <a:schemeClr val="tx1"/>
-                </a:solidFill>
-                <a:latin typeface="+mn-lt"/>
-                <a:ea typeface="+mn-ea"/>
-                <a:cs typeface="+mn-cs"/>
-              </a:defRPr>
-            </a:lvl8pPr>
-            <a:lvl9pPr marL="3886200" indent="-228600" algn="l" defTabSz="914400" rtl="0" eaLnBrk="1" latinLnBrk="0" hangingPunct="1">
-              <a:lnSpc>
-                <a:spcPct val="90000"/>
-              </a:lnSpc>
-              <a:spcBef>
-                <a:spcPts val="500"/>
-              </a:spcBef>
-              <a:buFont typeface="Arial" panose="020B0604020202020204" pitchFamily="34" charset="0"/>
-              <a:buChar char="•"/>
-              <a:defRPr sz="1800" kern="1200">
-                <a:solidFill>
-                  <a:schemeClr val="tx1"/>
-                </a:solidFill>
-                <a:latin typeface="+mn-lt"/>
-                <a:ea typeface="+mn-ea"/>
-                <a:cs typeface="+mn-cs"/>
-              </a:defRPr>
-            </a:lvl9pPr>
-          </a:lstStyle>
-          <a:p>
-            <a:pPr marL="0" indent="0" algn="ctr">
-              <a:spcBef>
-                <a:spcPct val="0"/>
-              </a:spcBef>
-              <a:spcAft>
-                <a:spcPct val="0"/>
-              </a:spcAft>
-              <a:buNone/>
-            </a:pPr>
-            <a:fld id="{0BD2B7AC-F465-449B-B01C-C840CAD83FF4}" type="datetime'''''''''''''''1''''''''''''''.''''''''''''6''''%'''''">
-              <a:rPr lang="en-US" altLang="en-US" sz="1400" smtClean="0">
-                <a:effectLst/>
-              </a:rPr>
-              <a:pPr/>
-              <a:t>1.6%</a:t>
-            </a:fld>
-            <a:endParaRPr lang="en-US" sz="1400" dirty="0"/>
-          </a:p>
-        </p:txBody>
-      </p:sp>
-      <p:sp>
-        <p:nvSpPr>
-          <p:cNvPr id="390" name="Text Placeholder 2">
-            <a:extLst>
-              <a:ext uri="{FF2B5EF4-FFF2-40B4-BE49-F238E27FC236}">
-                <a16:creationId xmlns:a16="http://schemas.microsoft.com/office/drawing/2014/main" id="{5A361C12-95C9-5F06-4553-BA298A0D4878}"/>
+                <a16:creationId xmlns:a16="http://schemas.microsoft.com/office/drawing/2014/main" id="{F01B8698-9294-F532-DDB4-2EE198CBAA21}"/>
               </a:ext>
             </a:extLst>
           </p:cNvPr>
@@ -8661,7 +9520,7 @@
         </p:nvSpPr>
         <p:spPr bwMode="gray">
           <a:xfrm>
-            <a:off x="7864475" y="1395413"/>
+            <a:off x="7677150" y="1863725"/>
             <a:ext cx="403225" cy="192088"/>
           </a:xfrm>
           <a:prstGeom prst="rect">
@@ -8853,7 +9712,7 @@
               </a:spcAft>
               <a:buNone/>
             </a:pPr>
-            <a:fld id="{776F9243-2302-4A0A-BAAC-07467FE57D56}" type="datetime'1''''.7''''''''''''''''''''''''''''''''''''''''''%'''">
+            <a:fld id="{2571539C-A51B-4B76-A4D8-E959F15A4856}" type="datetime'''''''''3''''''''''''''''.''''''''''''''''''''''5''''''''''%'">
               <a:rPr lang="en-US" altLang="en-US" sz="1400" smtClean="0">
                 <a:solidFill>
                   <a:schemeClr val="bg1"/>
@@ -8861,7 +9720,7 @@
                 <a:effectLst/>
               </a:rPr>
               <a:pPr/>
-              <a:t>1.7%</a:t>
+              <a:t>3.5%</a:t>
             </a:fld>
             <a:endParaRPr lang="en-US" sz="1400" dirty="0">
               <a:solidFill>
@@ -8873,260 +9732,30 @@
       </p:sp>
       <p:sp>
         <p:nvSpPr>
-          <p:cNvPr id="391" name="Text Placeholder 2">
+          <p:cNvPr id="395" name="Rectangle 394">
             <a:extLst>
               <a:ext uri="{FF2B5EF4-FFF2-40B4-BE49-F238E27FC236}">
-                <a16:creationId xmlns:a16="http://schemas.microsoft.com/office/drawing/2014/main" id="{9D0C0292-A91B-A51A-422D-523D00681132}"/>
+                <a16:creationId xmlns:a16="http://schemas.microsoft.com/office/drawing/2014/main" id="{57391670-30A4-EAC2-32E2-D9315693A9AC}"/>
               </a:ext>
             </a:extLst>
           </p:cNvPr>
-          <p:cNvSpPr>
-            <a:spLocks noGrp="1"/>
-          </p:cNvSpPr>
+          <p:cNvSpPr/>
           <p:nvPr>
             <p:custDataLst>
               <p:tags r:id="rId26"/>
             </p:custDataLst>
           </p:nvPr>
         </p:nvSpPr>
-        <p:spPr bwMode="gray">
-          <a:xfrm>
-            <a:off x="8069263" y="2144713"/>
-            <a:ext cx="403225" cy="192088"/>
-          </a:xfrm>
-          <a:prstGeom prst="rect">
-            <a:avLst/>
-          </a:prstGeom>
-          <a:solidFill>
-            <a:schemeClr val="accent6"/>
-          </a:solidFill>
-          <a:ln>
-            <a:noFill/>
-          </a:ln>
-          <a:effectLst/>
-        </p:spPr>
-        <p:txBody>
-          <a:bodyPr vert="horz" wrap="none" lIns="25400" tIns="0" rIns="25400" bIns="0" numCol="1" spcCol="0" rtlCol="0" anchor="ctr" anchorCtr="0">
-            <a:noAutofit/>
-          </a:bodyPr>
-          <a:lstStyle>
-            <a:lvl1pPr marL="228600" indent="-228600" algn="l" defTabSz="914400" rtl="0" eaLnBrk="1" latinLnBrk="0" hangingPunct="1">
-              <a:lnSpc>
-                <a:spcPct val="90000"/>
-              </a:lnSpc>
-              <a:spcBef>
-                <a:spcPts val="1000"/>
-              </a:spcBef>
-              <a:buFont typeface="Arial" panose="020B0604020202020204" pitchFamily="34" charset="0"/>
-              <a:buChar char="•"/>
-              <a:defRPr sz="2800" kern="1200">
-                <a:solidFill>
-                  <a:schemeClr val="tx1"/>
-                </a:solidFill>
-                <a:latin typeface="+mn-lt"/>
-                <a:ea typeface="+mn-ea"/>
-                <a:cs typeface="+mn-cs"/>
-              </a:defRPr>
-            </a:lvl1pPr>
-            <a:lvl2pPr marL="685800" indent="-228600" algn="l" defTabSz="914400" rtl="0" eaLnBrk="1" latinLnBrk="0" hangingPunct="1">
-              <a:lnSpc>
-                <a:spcPct val="90000"/>
-              </a:lnSpc>
-              <a:spcBef>
-                <a:spcPts val="500"/>
-              </a:spcBef>
-              <a:buFont typeface="Arial" panose="020B0604020202020204" pitchFamily="34" charset="0"/>
-              <a:buChar char="•"/>
-              <a:defRPr sz="2400" kern="1200">
-                <a:solidFill>
-                  <a:schemeClr val="tx1"/>
-                </a:solidFill>
-                <a:latin typeface="+mn-lt"/>
-                <a:ea typeface="+mn-ea"/>
-                <a:cs typeface="+mn-cs"/>
-              </a:defRPr>
-            </a:lvl2pPr>
-            <a:lvl3pPr marL="1143000" indent="-228600" algn="l" defTabSz="914400" rtl="0" eaLnBrk="1" latinLnBrk="0" hangingPunct="1">
-              <a:lnSpc>
-                <a:spcPct val="90000"/>
-              </a:lnSpc>
-              <a:spcBef>
-                <a:spcPts val="500"/>
-              </a:spcBef>
-              <a:buFont typeface="Arial" panose="020B0604020202020204" pitchFamily="34" charset="0"/>
-              <a:buChar char="•"/>
-              <a:defRPr sz="2000" kern="1200">
-                <a:solidFill>
-                  <a:schemeClr val="tx1"/>
-                </a:solidFill>
-                <a:latin typeface="+mn-lt"/>
-                <a:ea typeface="+mn-ea"/>
-                <a:cs typeface="+mn-cs"/>
-              </a:defRPr>
-            </a:lvl3pPr>
-            <a:lvl4pPr marL="1600200" indent="-228600" algn="l" defTabSz="914400" rtl="0" eaLnBrk="1" latinLnBrk="0" hangingPunct="1">
-              <a:lnSpc>
-                <a:spcPct val="90000"/>
-              </a:lnSpc>
-              <a:spcBef>
-                <a:spcPts val="500"/>
-              </a:spcBef>
-              <a:buFont typeface="Arial" panose="020B0604020202020204" pitchFamily="34" charset="0"/>
-              <a:buChar char="•"/>
-              <a:defRPr sz="1800" kern="1200">
-                <a:solidFill>
-                  <a:schemeClr val="tx1"/>
-                </a:solidFill>
-                <a:latin typeface="+mn-lt"/>
-                <a:ea typeface="+mn-ea"/>
-                <a:cs typeface="+mn-cs"/>
-              </a:defRPr>
-            </a:lvl4pPr>
-            <a:lvl5pPr marL="2057400" indent="-228600" algn="l" defTabSz="914400" rtl="0" eaLnBrk="1" latinLnBrk="0" hangingPunct="1">
-              <a:lnSpc>
-                <a:spcPct val="90000"/>
-              </a:lnSpc>
-              <a:spcBef>
-                <a:spcPts val="500"/>
-              </a:spcBef>
-              <a:buFont typeface="Arial" panose="020B0604020202020204" pitchFamily="34" charset="0"/>
-              <a:buChar char="•"/>
-              <a:defRPr sz="1800" kern="1200">
-                <a:solidFill>
-                  <a:schemeClr val="tx1"/>
-                </a:solidFill>
-                <a:latin typeface="+mn-lt"/>
-                <a:ea typeface="+mn-ea"/>
-                <a:cs typeface="+mn-cs"/>
-              </a:defRPr>
-            </a:lvl5pPr>
-            <a:lvl6pPr marL="2514600" indent="-228600" algn="l" defTabSz="914400" rtl="0" eaLnBrk="1" latinLnBrk="0" hangingPunct="1">
-              <a:lnSpc>
-                <a:spcPct val="90000"/>
-              </a:lnSpc>
-              <a:spcBef>
-                <a:spcPts val="500"/>
-              </a:spcBef>
-              <a:buFont typeface="Arial" panose="020B0604020202020204" pitchFamily="34" charset="0"/>
-              <a:buChar char="•"/>
-              <a:defRPr sz="1800" kern="1200">
-                <a:solidFill>
-                  <a:schemeClr val="tx1"/>
-                </a:solidFill>
-                <a:latin typeface="+mn-lt"/>
-                <a:ea typeface="+mn-ea"/>
-                <a:cs typeface="+mn-cs"/>
-              </a:defRPr>
-            </a:lvl6pPr>
-            <a:lvl7pPr marL="2971800" indent="-228600" algn="l" defTabSz="914400" rtl="0" eaLnBrk="1" latinLnBrk="0" hangingPunct="1">
-              <a:lnSpc>
-                <a:spcPct val="90000"/>
-              </a:lnSpc>
-              <a:spcBef>
-                <a:spcPts val="500"/>
-              </a:spcBef>
-              <a:buFont typeface="Arial" panose="020B0604020202020204" pitchFamily="34" charset="0"/>
-              <a:buChar char="•"/>
-              <a:defRPr sz="1800" kern="1200">
-                <a:solidFill>
-                  <a:schemeClr val="tx1"/>
-                </a:solidFill>
-                <a:latin typeface="+mn-lt"/>
-                <a:ea typeface="+mn-ea"/>
-                <a:cs typeface="+mn-cs"/>
-              </a:defRPr>
-            </a:lvl7pPr>
-            <a:lvl8pPr marL="3429000" indent="-228600" algn="l" defTabSz="914400" rtl="0" eaLnBrk="1" latinLnBrk="0" hangingPunct="1">
-              <a:lnSpc>
-                <a:spcPct val="90000"/>
-              </a:lnSpc>
-              <a:spcBef>
-                <a:spcPts val="500"/>
-              </a:spcBef>
-              <a:buFont typeface="Arial" panose="020B0604020202020204" pitchFamily="34" charset="0"/>
-              <a:buChar char="•"/>
-              <a:defRPr sz="1800" kern="1200">
-                <a:solidFill>
-                  <a:schemeClr val="tx1"/>
-                </a:solidFill>
-                <a:latin typeface="+mn-lt"/>
-                <a:ea typeface="+mn-ea"/>
-                <a:cs typeface="+mn-cs"/>
-              </a:defRPr>
-            </a:lvl8pPr>
-            <a:lvl9pPr marL="3886200" indent="-228600" algn="l" defTabSz="914400" rtl="0" eaLnBrk="1" latinLnBrk="0" hangingPunct="1">
-              <a:lnSpc>
-                <a:spcPct val="90000"/>
-              </a:lnSpc>
-              <a:spcBef>
-                <a:spcPts val="500"/>
-              </a:spcBef>
-              <a:buFont typeface="Arial" panose="020B0604020202020204" pitchFamily="34" charset="0"/>
-              <a:buChar char="•"/>
-              <a:defRPr sz="1800" kern="1200">
-                <a:solidFill>
-                  <a:schemeClr val="tx1"/>
-                </a:solidFill>
-                <a:latin typeface="+mn-lt"/>
-                <a:ea typeface="+mn-ea"/>
-                <a:cs typeface="+mn-cs"/>
-              </a:defRPr>
-            </a:lvl9pPr>
-          </a:lstStyle>
-          <a:p>
-            <a:pPr marL="0" indent="0" algn="ctr">
-              <a:spcBef>
-                <a:spcPct val="0"/>
-              </a:spcBef>
-              <a:spcAft>
-                <a:spcPct val="0"/>
-              </a:spcAft>
-              <a:buNone/>
-            </a:pPr>
-            <a:fld id="{64105A3C-3918-4CA9-B467-72F78DA07DBB}" type="datetime'''''''''''''''''''''1''''''.''8''''%'''">
-              <a:rPr lang="en-US" altLang="en-US" sz="1400" smtClean="0">
-                <a:solidFill>
-                  <a:schemeClr val="bg1"/>
-                </a:solidFill>
-                <a:effectLst/>
-              </a:rPr>
-              <a:pPr/>
-              <a:t>1.8%</a:t>
-            </a:fld>
-            <a:endParaRPr lang="en-US" sz="1400" dirty="0">
-              <a:solidFill>
-                <a:schemeClr val="bg1"/>
-              </a:solidFill>
-            </a:endParaRPr>
-          </a:p>
-        </p:txBody>
-      </p:sp>
-      <p:sp>
-        <p:nvSpPr>
-          <p:cNvPr id="394" name="Rectangle 393">
-            <a:extLst>
-              <a:ext uri="{FF2B5EF4-FFF2-40B4-BE49-F238E27FC236}">
-                <a16:creationId xmlns:a16="http://schemas.microsoft.com/office/drawing/2014/main" id="{6862160E-83C3-739C-81C9-3F8FCCDA48C6}"/>
-              </a:ext>
-            </a:extLst>
-          </p:cNvPr>
-          <p:cNvSpPr/>
-          <p:nvPr>
-            <p:custDataLst>
-              <p:tags r:id="rId27"/>
-            </p:custDataLst>
-          </p:nvPr>
-        </p:nvSpPr>
         <p:spPr bwMode="auto">
           <a:xfrm>
-            <a:off x="10207625" y="1906588"/>
+            <a:off x="10207625" y="2160588"/>
             <a:ext cx="250825" cy="187325"/>
           </a:xfrm>
           <a:prstGeom prst="rect">
             <a:avLst/>
           </a:prstGeom>
           <a:solidFill>
-            <a:schemeClr val="accent4"/>
+            <a:schemeClr val="accent3"/>
           </a:solidFill>
           <a:ln w="12700" cap="flat" cmpd="sng" algn="ctr">
             <a:noFill/>
@@ -9179,82 +9808,6 @@
       </p:sp>
       <p:sp>
         <p:nvSpPr>
-          <p:cNvPr id="392" name="Rectangle 391">
-            <a:extLst>
-              <a:ext uri="{FF2B5EF4-FFF2-40B4-BE49-F238E27FC236}">
-                <a16:creationId xmlns:a16="http://schemas.microsoft.com/office/drawing/2014/main" id="{AC2C9A98-FE6C-C979-12CC-1FDE567E04C6}"/>
-              </a:ext>
-            </a:extLst>
-          </p:cNvPr>
-          <p:cNvSpPr/>
-          <p:nvPr>
-            <p:custDataLst>
-              <p:tags r:id="rId28"/>
-            </p:custDataLst>
-          </p:nvPr>
-        </p:nvSpPr>
-        <p:spPr bwMode="auto">
-          <a:xfrm>
-            <a:off x="10207625" y="1398588"/>
-            <a:ext cx="250825" cy="187325"/>
-          </a:xfrm>
-          <a:prstGeom prst="rect">
-            <a:avLst/>
-          </a:prstGeom>
-          <a:solidFill>
-            <a:schemeClr val="accent6"/>
-          </a:solidFill>
-          <a:ln w="12700" cap="flat" cmpd="sng" algn="ctr">
-            <a:noFill/>
-            <a:prstDash val="solid"/>
-            <a:miter lim="800000"/>
-            <a:headEnd type="none" w="med" len="med"/>
-            <a:tailEnd type="none" w="med" len="med"/>
-          </a:ln>
-          <a:effectLst/>
-          <a:extLst>
-            <a:ext uri="{91240B29-F687-4F45-9708-019B960494DF}">
-              <a14:hiddenLine xmlns:a14="http://schemas.microsoft.com/office/drawing/2010/main" w="12700" cap="flat" cmpd="sng" algn="ctr">
-                <a:solidFill>
-                  <a:schemeClr val="accent1">
-                    <a:shade val="50000"/>
-                  </a:schemeClr>
-                </a:solidFill>
-                <a:prstDash val="solid"/>
-                <a:miter lim="800000"/>
-                <a:headEnd type="none" w="med" len="med"/>
-                <a:tailEnd type="none" w="med" len="med"/>
-              </a14:hiddenLine>
-            </a:ext>
-          </a:extLst>
-        </p:spPr>
-        <p:style>
-          <a:lnRef idx="2">
-            <a:schemeClr val="accent1">
-              <a:shade val="50000"/>
-            </a:schemeClr>
-          </a:lnRef>
-          <a:fillRef idx="1">
-            <a:schemeClr val="accent1"/>
-          </a:fillRef>
-          <a:effectRef idx="0">
-            <a:schemeClr val="accent1"/>
-          </a:effectRef>
-          <a:fontRef idx="minor">
-            <a:schemeClr val="lt1"/>
-          </a:fontRef>
-        </p:style>
-        <p:txBody>
-          <a:bodyPr rtlCol="0" anchor="ctr"/>
-          <a:lstStyle/>
-          <a:p>
-            <a:pPr algn="ctr"/>
-            <a:endParaRPr lang="en-US"/>
-          </a:p>
-        </p:txBody>
-      </p:sp>
-      <p:sp>
-        <p:nvSpPr>
           <p:cNvPr id="393" name="Rectangle 392">
             <a:extLst>
               <a:ext uri="{FF2B5EF4-FFF2-40B4-BE49-F238E27FC236}">
@@ -9265,7 +9818,7 @@
           <p:cNvSpPr/>
           <p:nvPr>
             <p:custDataLst>
-              <p:tags r:id="rId29"/>
+              <p:tags r:id="rId27"/>
             </p:custDataLst>
           </p:nvPr>
         </p:nvSpPr>
@@ -9316,30 +9869,30 @@
       </p:sp>
       <p:sp>
         <p:nvSpPr>
-          <p:cNvPr id="395" name="Rectangle 394">
+          <p:cNvPr id="392" name="Rectangle 391">
             <a:extLst>
               <a:ext uri="{FF2B5EF4-FFF2-40B4-BE49-F238E27FC236}">
-                <a16:creationId xmlns:a16="http://schemas.microsoft.com/office/drawing/2014/main" id="{57391670-30A4-EAC2-32E2-D9315693A9AC}"/>
+                <a16:creationId xmlns:a16="http://schemas.microsoft.com/office/drawing/2014/main" id="{AC2C9A98-FE6C-C979-12CC-1FDE567E04C6}"/>
               </a:ext>
             </a:extLst>
           </p:cNvPr>
           <p:cNvSpPr/>
           <p:nvPr>
             <p:custDataLst>
-              <p:tags r:id="rId30"/>
+              <p:tags r:id="rId28"/>
             </p:custDataLst>
           </p:nvPr>
         </p:nvSpPr>
         <p:spPr bwMode="auto">
           <a:xfrm>
-            <a:off x="10207625" y="2160588"/>
+            <a:off x="10207625" y="1398588"/>
             <a:ext cx="250825" cy="187325"/>
           </a:xfrm>
           <a:prstGeom prst="rect">
             <a:avLst/>
           </a:prstGeom>
           <a:solidFill>
-            <a:schemeClr val="accent3"/>
+            <a:schemeClr val="accent6"/>
           </a:solidFill>
           <a:ln w="12700" cap="flat" cmpd="sng" algn="ctr">
             <a:noFill/>
@@ -9392,30 +9945,30 @@
       </p:sp>
       <p:sp>
         <p:nvSpPr>
-          <p:cNvPr id="396" name="Rectangle 395">
+          <p:cNvPr id="394" name="Rectangle 393">
             <a:extLst>
               <a:ext uri="{FF2B5EF4-FFF2-40B4-BE49-F238E27FC236}">
-                <a16:creationId xmlns:a16="http://schemas.microsoft.com/office/drawing/2014/main" id="{7E6EDAA4-3319-9A94-5A27-347D4BF81F7F}"/>
+                <a16:creationId xmlns:a16="http://schemas.microsoft.com/office/drawing/2014/main" id="{6862160E-83C3-739C-81C9-3F8FCCDA48C6}"/>
               </a:ext>
             </a:extLst>
           </p:cNvPr>
           <p:cNvSpPr/>
           <p:nvPr>
             <p:custDataLst>
-              <p:tags r:id="rId31"/>
+              <p:tags r:id="rId29"/>
             </p:custDataLst>
           </p:nvPr>
         </p:nvSpPr>
         <p:spPr bwMode="auto">
           <a:xfrm>
-            <a:off x="10207625" y="2414588"/>
+            <a:off x="10207625" y="1906588"/>
             <a:ext cx="250825" cy="187325"/>
           </a:xfrm>
           <a:prstGeom prst="rect">
             <a:avLst/>
           </a:prstGeom>
           <a:solidFill>
-            <a:schemeClr val="accent2"/>
+            <a:schemeClr val="accent4"/>
           </a:solidFill>
           <a:ln w="12700" cap="flat" cmpd="sng" algn="ctr">
             <a:noFill/>
@@ -9468,30 +10021,30 @@
       </p:sp>
       <p:sp>
         <p:nvSpPr>
-          <p:cNvPr id="397" name="Rectangle 396">
+          <p:cNvPr id="396" name="Rectangle 395">
             <a:extLst>
               <a:ext uri="{FF2B5EF4-FFF2-40B4-BE49-F238E27FC236}">
-                <a16:creationId xmlns:a16="http://schemas.microsoft.com/office/drawing/2014/main" id="{8F139A8E-8B69-16D8-FF4D-4485EEEA81BF}"/>
+                <a16:creationId xmlns:a16="http://schemas.microsoft.com/office/drawing/2014/main" id="{7E6EDAA4-3319-9A94-5A27-347D4BF81F7F}"/>
               </a:ext>
             </a:extLst>
           </p:cNvPr>
           <p:cNvSpPr/>
           <p:nvPr>
             <p:custDataLst>
-              <p:tags r:id="rId32"/>
+              <p:tags r:id="rId30"/>
             </p:custDataLst>
           </p:nvPr>
         </p:nvSpPr>
         <p:spPr bwMode="auto">
           <a:xfrm>
-            <a:off x="10207625" y="2668588"/>
+            <a:off x="10207625" y="2414588"/>
             <a:ext cx="250825" cy="187325"/>
           </a:xfrm>
           <a:prstGeom prst="rect">
             <a:avLst/>
           </a:prstGeom>
           <a:solidFill>
-            <a:schemeClr val="accent1"/>
+            <a:schemeClr val="accent2"/>
           </a:solidFill>
           <a:ln w="12700" cap="flat" cmpd="sng" algn="ctr">
             <a:noFill/>
@@ -9544,10 +10097,314 @@
       </p:sp>
       <p:sp>
         <p:nvSpPr>
+          <p:cNvPr id="397" name="Rectangle 396">
+            <a:extLst>
+              <a:ext uri="{FF2B5EF4-FFF2-40B4-BE49-F238E27FC236}">
+                <a16:creationId xmlns:a16="http://schemas.microsoft.com/office/drawing/2014/main" id="{8F139A8E-8B69-16D8-FF4D-4485EEEA81BF}"/>
+              </a:ext>
+            </a:extLst>
+          </p:cNvPr>
+          <p:cNvSpPr/>
+          <p:nvPr>
+            <p:custDataLst>
+              <p:tags r:id="rId31"/>
+            </p:custDataLst>
+          </p:nvPr>
+        </p:nvSpPr>
+        <p:spPr bwMode="auto">
+          <a:xfrm>
+            <a:off x="10207625" y="2668588"/>
+            <a:ext cx="250825" cy="187325"/>
+          </a:xfrm>
+          <a:prstGeom prst="rect">
+            <a:avLst/>
+          </a:prstGeom>
+          <a:solidFill>
+            <a:schemeClr val="accent1"/>
+          </a:solidFill>
+          <a:ln w="12700" cap="flat" cmpd="sng" algn="ctr">
+            <a:noFill/>
+            <a:prstDash val="solid"/>
+            <a:miter lim="800000"/>
+            <a:headEnd type="none" w="med" len="med"/>
+            <a:tailEnd type="none" w="med" len="med"/>
+          </a:ln>
+          <a:effectLst/>
+          <a:extLst>
+            <a:ext uri="{91240B29-F687-4F45-9708-019B960494DF}">
+              <a14:hiddenLine xmlns:a14="http://schemas.microsoft.com/office/drawing/2010/main" w="12700" cap="flat" cmpd="sng" algn="ctr">
+                <a:solidFill>
+                  <a:schemeClr val="accent1">
+                    <a:shade val="50000"/>
+                  </a:schemeClr>
+                </a:solidFill>
+                <a:prstDash val="solid"/>
+                <a:miter lim="800000"/>
+                <a:headEnd type="none" w="med" len="med"/>
+                <a:tailEnd type="none" w="med" len="med"/>
+              </a14:hiddenLine>
+            </a:ext>
+          </a:extLst>
+        </p:spPr>
+        <p:style>
+          <a:lnRef idx="2">
+            <a:schemeClr val="accent1">
+              <a:shade val="50000"/>
+            </a:schemeClr>
+          </a:lnRef>
+          <a:fillRef idx="1">
+            <a:schemeClr val="accent1"/>
+          </a:fillRef>
+          <a:effectRef idx="0">
+            <a:schemeClr val="accent1"/>
+          </a:effectRef>
+          <a:fontRef idx="minor">
+            <a:schemeClr val="lt1"/>
+          </a:fontRef>
+        </p:style>
+        <p:txBody>
+          <a:bodyPr rtlCol="0" anchor="ctr"/>
+          <a:lstStyle/>
+          <a:p>
+            <a:pPr algn="ctr"/>
+            <a:endParaRPr lang="en-US"/>
+          </a:p>
+        </p:txBody>
+      </p:sp>
+      <p:sp>
+        <p:nvSpPr>
           <p:cNvPr id="398" name="Text Placeholder 2">
             <a:extLst>
               <a:ext uri="{FF2B5EF4-FFF2-40B4-BE49-F238E27FC236}">
                 <a16:creationId xmlns:a16="http://schemas.microsoft.com/office/drawing/2014/main" id="{E5A7DB12-3395-5216-4A11-B585E10FA73D}"/>
+              </a:ext>
+            </a:extLst>
+          </p:cNvPr>
+          <p:cNvSpPr>
+            <a:spLocks noGrp="1"/>
+          </p:cNvSpPr>
+          <p:nvPr>
+            <p:custDataLst>
+              <p:tags r:id="rId32"/>
+            </p:custDataLst>
+          </p:nvPr>
+        </p:nvSpPr>
+        <p:spPr bwMode="auto">
+          <a:xfrm>
+            <a:off x="10509250" y="1409700"/>
+            <a:ext cx="1181100" cy="192088"/>
+          </a:xfrm>
+          <a:prstGeom prst="rect">
+            <a:avLst/>
+          </a:prstGeom>
+          <a:noFill/>
+          <a:ln>
+            <a:noFill/>
+          </a:ln>
+          <a:effectLst/>
+          <a:extLst>
+            <a:ext uri="{909E8E84-426E-40DD-AFC4-6F175D3DCCD1}">
+              <a14:hiddenFill xmlns:a14="http://schemas.microsoft.com/office/drawing/2010/main">
+                <a:solidFill>
+                  <a:schemeClr val="accent1"/>
+                </a:solidFill>
+              </a14:hiddenFill>
+            </a:ext>
+          </a:extLst>
+        </p:spPr>
+        <p:txBody>
+          <a:bodyPr vert="horz" wrap="none" lIns="0" tIns="0" rIns="0" bIns="0" numCol="1" spcCol="0" rtlCol="0" anchor="ctr" anchorCtr="0">
+            <a:noAutofit/>
+          </a:bodyPr>
+          <a:lstStyle>
+            <a:lvl1pPr marL="228600" indent="-228600" algn="l" defTabSz="914400" rtl="0" eaLnBrk="1" latinLnBrk="0" hangingPunct="1">
+              <a:lnSpc>
+                <a:spcPct val="90000"/>
+              </a:lnSpc>
+              <a:spcBef>
+                <a:spcPts val="1000"/>
+              </a:spcBef>
+              <a:buFont typeface="Arial" panose="020B0604020202020204" pitchFamily="34" charset="0"/>
+              <a:buChar char="•"/>
+              <a:defRPr sz="2800" kern="1200">
+                <a:solidFill>
+                  <a:schemeClr val="tx1"/>
+                </a:solidFill>
+                <a:latin typeface="+mn-lt"/>
+                <a:ea typeface="+mn-ea"/>
+                <a:cs typeface="+mn-cs"/>
+              </a:defRPr>
+            </a:lvl1pPr>
+            <a:lvl2pPr marL="685800" indent="-228600" algn="l" defTabSz="914400" rtl="0" eaLnBrk="1" latinLnBrk="0" hangingPunct="1">
+              <a:lnSpc>
+                <a:spcPct val="90000"/>
+              </a:lnSpc>
+              <a:spcBef>
+                <a:spcPts val="500"/>
+              </a:spcBef>
+              <a:buFont typeface="Arial" panose="020B0604020202020204" pitchFamily="34" charset="0"/>
+              <a:buChar char="•"/>
+              <a:defRPr sz="2400" kern="1200">
+                <a:solidFill>
+                  <a:schemeClr val="tx1"/>
+                </a:solidFill>
+                <a:latin typeface="+mn-lt"/>
+                <a:ea typeface="+mn-ea"/>
+                <a:cs typeface="+mn-cs"/>
+              </a:defRPr>
+            </a:lvl2pPr>
+            <a:lvl3pPr marL="1143000" indent="-228600" algn="l" defTabSz="914400" rtl="0" eaLnBrk="1" latinLnBrk="0" hangingPunct="1">
+              <a:lnSpc>
+                <a:spcPct val="90000"/>
+              </a:lnSpc>
+              <a:spcBef>
+                <a:spcPts val="500"/>
+              </a:spcBef>
+              <a:buFont typeface="Arial" panose="020B0604020202020204" pitchFamily="34" charset="0"/>
+              <a:buChar char="•"/>
+              <a:defRPr sz="2000" kern="1200">
+                <a:solidFill>
+                  <a:schemeClr val="tx1"/>
+                </a:solidFill>
+                <a:latin typeface="+mn-lt"/>
+                <a:ea typeface="+mn-ea"/>
+                <a:cs typeface="+mn-cs"/>
+              </a:defRPr>
+            </a:lvl3pPr>
+            <a:lvl4pPr marL="1600200" indent="-228600" algn="l" defTabSz="914400" rtl="0" eaLnBrk="1" latinLnBrk="0" hangingPunct="1">
+              <a:lnSpc>
+                <a:spcPct val="90000"/>
+              </a:lnSpc>
+              <a:spcBef>
+                <a:spcPts val="500"/>
+              </a:spcBef>
+              <a:buFont typeface="Arial" panose="020B0604020202020204" pitchFamily="34" charset="0"/>
+              <a:buChar char="•"/>
+              <a:defRPr sz="1800" kern="1200">
+                <a:solidFill>
+                  <a:schemeClr val="tx1"/>
+                </a:solidFill>
+                <a:latin typeface="+mn-lt"/>
+                <a:ea typeface="+mn-ea"/>
+                <a:cs typeface="+mn-cs"/>
+              </a:defRPr>
+            </a:lvl4pPr>
+            <a:lvl5pPr marL="2057400" indent="-228600" algn="l" defTabSz="914400" rtl="0" eaLnBrk="1" latinLnBrk="0" hangingPunct="1">
+              <a:lnSpc>
+                <a:spcPct val="90000"/>
+              </a:lnSpc>
+              <a:spcBef>
+                <a:spcPts val="500"/>
+              </a:spcBef>
+              <a:buFont typeface="Arial" panose="020B0604020202020204" pitchFamily="34" charset="0"/>
+              <a:buChar char="•"/>
+              <a:defRPr sz="1800" kern="1200">
+                <a:solidFill>
+                  <a:schemeClr val="tx1"/>
+                </a:solidFill>
+                <a:latin typeface="+mn-lt"/>
+                <a:ea typeface="+mn-ea"/>
+                <a:cs typeface="+mn-cs"/>
+              </a:defRPr>
+            </a:lvl5pPr>
+            <a:lvl6pPr marL="2514600" indent="-228600" algn="l" defTabSz="914400" rtl="0" eaLnBrk="1" latinLnBrk="0" hangingPunct="1">
+              <a:lnSpc>
+                <a:spcPct val="90000"/>
+              </a:lnSpc>
+              <a:spcBef>
+                <a:spcPts val="500"/>
+              </a:spcBef>
+              <a:buFont typeface="Arial" panose="020B0604020202020204" pitchFamily="34" charset="0"/>
+              <a:buChar char="•"/>
+              <a:defRPr sz="1800" kern="1200">
+                <a:solidFill>
+                  <a:schemeClr val="tx1"/>
+                </a:solidFill>
+                <a:latin typeface="+mn-lt"/>
+                <a:ea typeface="+mn-ea"/>
+                <a:cs typeface="+mn-cs"/>
+              </a:defRPr>
+            </a:lvl6pPr>
+            <a:lvl7pPr marL="2971800" indent="-228600" algn="l" defTabSz="914400" rtl="0" eaLnBrk="1" latinLnBrk="0" hangingPunct="1">
+              <a:lnSpc>
+                <a:spcPct val="90000"/>
+              </a:lnSpc>
+              <a:spcBef>
+                <a:spcPts val="500"/>
+              </a:spcBef>
+              <a:buFont typeface="Arial" panose="020B0604020202020204" pitchFamily="34" charset="0"/>
+              <a:buChar char="•"/>
+              <a:defRPr sz="1800" kern="1200">
+                <a:solidFill>
+                  <a:schemeClr val="tx1"/>
+                </a:solidFill>
+                <a:latin typeface="+mn-lt"/>
+                <a:ea typeface="+mn-ea"/>
+                <a:cs typeface="+mn-cs"/>
+              </a:defRPr>
+            </a:lvl7pPr>
+            <a:lvl8pPr marL="3429000" indent="-228600" algn="l" defTabSz="914400" rtl="0" eaLnBrk="1" latinLnBrk="0" hangingPunct="1">
+              <a:lnSpc>
+                <a:spcPct val="90000"/>
+              </a:lnSpc>
+              <a:spcBef>
+                <a:spcPts val="500"/>
+              </a:spcBef>
+              <a:buFont typeface="Arial" panose="020B0604020202020204" pitchFamily="34" charset="0"/>
+              <a:buChar char="•"/>
+              <a:defRPr sz="1800" kern="1200">
+                <a:solidFill>
+                  <a:schemeClr val="tx1"/>
+                </a:solidFill>
+                <a:latin typeface="+mn-lt"/>
+                <a:ea typeface="+mn-ea"/>
+                <a:cs typeface="+mn-cs"/>
+              </a:defRPr>
+            </a:lvl8pPr>
+            <a:lvl9pPr marL="3886200" indent="-228600" algn="l" defTabSz="914400" rtl="0" eaLnBrk="1" latinLnBrk="0" hangingPunct="1">
+              <a:lnSpc>
+                <a:spcPct val="90000"/>
+              </a:lnSpc>
+              <a:spcBef>
+                <a:spcPts val="500"/>
+              </a:spcBef>
+              <a:buFont typeface="Arial" panose="020B0604020202020204" pitchFamily="34" charset="0"/>
+              <a:buChar char="•"/>
+              <a:defRPr sz="1800" kern="1200">
+                <a:solidFill>
+                  <a:schemeClr val="tx1"/>
+                </a:solidFill>
+                <a:latin typeface="+mn-lt"/>
+                <a:ea typeface="+mn-ea"/>
+                <a:cs typeface="+mn-cs"/>
+              </a:defRPr>
+            </a:lvl9pPr>
+          </a:lstStyle>
+          <a:p>
+            <a:pPr marL="0" indent="0">
+              <a:spcBef>
+                <a:spcPct val="0"/>
+              </a:spcBef>
+              <a:spcAft>
+                <a:spcPct val="0"/>
+              </a:spcAft>
+              <a:buNone/>
+            </a:pPr>
+            <a:fld id="{6C6297A7-9F89-415F-B56E-17CCBDFF9F8D}" type="datetime'''''''''''Hy''''''''''''-''V''''e''''e ='' 4''''''9,051'''">
+              <a:rPr lang="en-US" altLang="en-US" sz="1400" smtClean="0"/>
+              <a:pPr/>
+              <a:t>Hy-Vee = 49,051</a:t>
+            </a:fld>
+            <a:endParaRPr lang="en-US" sz="1400" dirty="0"/>
+          </a:p>
+        </p:txBody>
+      </p:sp>
+      <p:sp>
+        <p:nvSpPr>
+          <p:cNvPr id="399" name="Text Placeholder 2">
+            <a:extLst>
+              <a:ext uri="{FF2B5EF4-FFF2-40B4-BE49-F238E27FC236}">
+                <a16:creationId xmlns:a16="http://schemas.microsoft.com/office/drawing/2014/main" id="{733610BC-6B23-F9CC-4330-A6823B338323}"/>
               </a:ext>
             </a:extLst>
           </p:cNvPr>
@@ -9562,8 +10419,8 @@
         </p:nvSpPr>
         <p:spPr bwMode="auto">
           <a:xfrm>
-            <a:off x="10509250" y="1409700"/>
-            <a:ext cx="1627188" cy="192088"/>
+            <a:off x="10509249" y="2425700"/>
+            <a:ext cx="1233488" cy="192088"/>
           </a:xfrm>
           <a:prstGeom prst="rect">
             <a:avLst/>
@@ -9761,10 +10618,10 @@
               </a:spcAft>
               <a:buNone/>
             </a:pPr>
-            <a:fld id="{1D1264A1-4B90-4442-B2AA-F187F627F355}" type="datetime'''Be''n and'' ''''J''er''''''''''''rys = 4,''''111'''''">
+            <a:fld id="{0572D022-6A5B-434E-8AA3-D4C31C3BEEE5}" type="datetime'''''K''le''''e''''''n''''''''''''ex'' = ''''16'''''',5''''79'">
               <a:rPr lang="en-US" altLang="en-US" sz="1400" smtClean="0"/>
               <a:pPr/>
-              <a:t>Ben and Jerrys = 4,111</a:t>
+              <a:t>Kleenex = 16,579</a:t>
             </a:fld>
             <a:endParaRPr lang="en-US" sz="1400" dirty="0"/>
           </a:p>
@@ -9791,7 +10648,7 @@
         <p:spPr bwMode="auto">
           <a:xfrm>
             <a:off x="10509250" y="1663700"/>
-            <a:ext cx="955675" cy="192088"/>
+            <a:ext cx="1717675" cy="192088"/>
           </a:xfrm>
           <a:prstGeom prst="rect">
             <a:avLst/>
@@ -9989,10 +10846,10 @@
               </a:spcAft>
               <a:buNone/>
             </a:pPr>
-            <a:fld id="{928F2506-4869-4C2F-A4E8-7CECD87F5576}" type="datetime'Pe''ps''''i'' ''''= ''''''''3'''''''''''''''''''''',9''''37'''">
+            <a:fld id="{C1D7BAE1-D44C-41A3-8981-A9620ABF8D63}" type="datetime'Ben'''' ''an''d J''e''''r''''rys ''''''='' 3''5,93''''''''''7'">
               <a:rPr lang="en-US" altLang="en-US" sz="1400" smtClean="0"/>
               <a:pPr/>
-              <a:t>Pepsi = 3,937</a:t>
+              <a:t>Ben and Jerrys = 35,937</a:t>
             </a:fld>
             <a:endParaRPr lang="en-US" sz="1400" dirty="0"/>
           </a:p>
@@ -10019,7 +10876,7 @@
         <p:spPr bwMode="auto">
           <a:xfrm>
             <a:off x="10509250" y="1917700"/>
-            <a:ext cx="863600" cy="192088"/>
+            <a:ext cx="1101725" cy="192088"/>
           </a:xfrm>
           <a:prstGeom prst="rect">
             <a:avLst/>
@@ -10217,10 +11074,10 @@
               </a:spcAft>
               <a:buNone/>
             </a:pPr>
-            <a:fld id="{9FE4CA86-6675-4EC1-9D47-BBEFB0070755}" type="datetime'''''''D''''o''l''e'''''''' ''''''''''''''''''''='' 3''''748'">
+            <a:fld id="{3017AD38-DB38-4196-83C6-51381B75F6A8}" type="datetime'''''Kro''g''''''er''='''''' ''''''''''''''26,9''''''5''''8'''">
               <a:rPr lang="en-US" altLang="en-US" sz="1400" smtClean="0"/>
               <a:pPr/>
-              <a:t>Dole = 3748</a:t>
+              <a:t>Kroger= 26,958</a:t>
             </a:fld>
             <a:endParaRPr lang="en-US" sz="1400" dirty="0"/>
           </a:p>
@@ -10247,7 +11104,7 @@
         <p:spPr bwMode="auto">
           <a:xfrm>
             <a:off x="10509250" y="2171700"/>
-            <a:ext cx="1089025" cy="192088"/>
+            <a:ext cx="1046163" cy="192088"/>
           </a:xfrm>
           <a:prstGeom prst="rect">
             <a:avLst/>
@@ -10445,238 +11302,10 @@
               </a:spcAft>
               <a:buNone/>
             </a:pPr>
-            <a:fld id="{8257C297-36FD-4073-A97E-3AA7764846DC}" type="datetime'F''ol''g''e''''rs ''= ''''''3,''''''''''6''''''8''1'''''''">
+            <a:fld id="{FDAFC479-DF8A-40F2-B307-B33D6A25EEA4}" type="datetime'''''''''P''''''e''''p''''''s''i ='''' ''''''1''''''9,''901'''">
               <a:rPr lang="en-US" altLang="en-US" sz="1400" smtClean="0"/>
               <a:pPr/>
-              <a:t>Folgers = 3,681</a:t>
-            </a:fld>
-            <a:endParaRPr lang="en-US" sz="1400" dirty="0"/>
-          </a:p>
-        </p:txBody>
-      </p:sp>
-      <p:sp>
-        <p:nvSpPr>
-          <p:cNvPr id="399" name="Text Placeholder 2">
-            <a:extLst>
-              <a:ext uri="{FF2B5EF4-FFF2-40B4-BE49-F238E27FC236}">
-                <a16:creationId xmlns:a16="http://schemas.microsoft.com/office/drawing/2014/main" id="{733610BC-6B23-F9CC-4330-A6823B338323}"/>
-              </a:ext>
-            </a:extLst>
-          </p:cNvPr>
-          <p:cNvSpPr>
-            <a:spLocks noGrp="1"/>
-          </p:cNvSpPr>
-          <p:nvPr>
-            <p:custDataLst>
-              <p:tags r:id="rId37"/>
-            </p:custDataLst>
-          </p:nvPr>
-        </p:nvSpPr>
-        <p:spPr bwMode="auto">
-          <a:xfrm>
-            <a:off x="10509250" y="2425700"/>
-            <a:ext cx="974725" cy="192088"/>
-          </a:xfrm>
-          <a:prstGeom prst="rect">
-            <a:avLst/>
-          </a:prstGeom>
-          <a:noFill/>
-          <a:ln>
-            <a:noFill/>
-          </a:ln>
-          <a:effectLst/>
-          <a:extLst>
-            <a:ext uri="{909E8E84-426E-40DD-AFC4-6F175D3DCCD1}">
-              <a14:hiddenFill xmlns:a14="http://schemas.microsoft.com/office/drawing/2010/main">
-                <a:solidFill>
-                  <a:schemeClr val="accent1"/>
-                </a:solidFill>
-              </a14:hiddenFill>
-            </a:ext>
-          </a:extLst>
-        </p:spPr>
-        <p:txBody>
-          <a:bodyPr vert="horz" wrap="none" lIns="0" tIns="0" rIns="0" bIns="0" numCol="1" spcCol="0" rtlCol="0" anchor="ctr" anchorCtr="0">
-            <a:noAutofit/>
-          </a:bodyPr>
-          <a:lstStyle>
-            <a:lvl1pPr marL="228600" indent="-228600" algn="l" defTabSz="914400" rtl="0" eaLnBrk="1" latinLnBrk="0" hangingPunct="1">
-              <a:lnSpc>
-                <a:spcPct val="90000"/>
-              </a:lnSpc>
-              <a:spcBef>
-                <a:spcPts val="1000"/>
-              </a:spcBef>
-              <a:buFont typeface="Arial" panose="020B0604020202020204" pitchFamily="34" charset="0"/>
-              <a:buChar char="•"/>
-              <a:defRPr sz="2800" kern="1200">
-                <a:solidFill>
-                  <a:schemeClr val="tx1"/>
-                </a:solidFill>
-                <a:latin typeface="+mn-lt"/>
-                <a:ea typeface="+mn-ea"/>
-                <a:cs typeface="+mn-cs"/>
-              </a:defRPr>
-            </a:lvl1pPr>
-            <a:lvl2pPr marL="685800" indent="-228600" algn="l" defTabSz="914400" rtl="0" eaLnBrk="1" latinLnBrk="0" hangingPunct="1">
-              <a:lnSpc>
-                <a:spcPct val="90000"/>
-              </a:lnSpc>
-              <a:spcBef>
-                <a:spcPts val="500"/>
-              </a:spcBef>
-              <a:buFont typeface="Arial" panose="020B0604020202020204" pitchFamily="34" charset="0"/>
-              <a:buChar char="•"/>
-              <a:defRPr sz="2400" kern="1200">
-                <a:solidFill>
-                  <a:schemeClr val="tx1"/>
-                </a:solidFill>
-                <a:latin typeface="+mn-lt"/>
-                <a:ea typeface="+mn-ea"/>
-                <a:cs typeface="+mn-cs"/>
-              </a:defRPr>
-            </a:lvl2pPr>
-            <a:lvl3pPr marL="1143000" indent="-228600" algn="l" defTabSz="914400" rtl="0" eaLnBrk="1" latinLnBrk="0" hangingPunct="1">
-              <a:lnSpc>
-                <a:spcPct val="90000"/>
-              </a:lnSpc>
-              <a:spcBef>
-                <a:spcPts val="500"/>
-              </a:spcBef>
-              <a:buFont typeface="Arial" panose="020B0604020202020204" pitchFamily="34" charset="0"/>
-              <a:buChar char="•"/>
-              <a:defRPr sz="2000" kern="1200">
-                <a:solidFill>
-                  <a:schemeClr val="tx1"/>
-                </a:solidFill>
-                <a:latin typeface="+mn-lt"/>
-                <a:ea typeface="+mn-ea"/>
-                <a:cs typeface="+mn-cs"/>
-              </a:defRPr>
-            </a:lvl3pPr>
-            <a:lvl4pPr marL="1600200" indent="-228600" algn="l" defTabSz="914400" rtl="0" eaLnBrk="1" latinLnBrk="0" hangingPunct="1">
-              <a:lnSpc>
-                <a:spcPct val="90000"/>
-              </a:lnSpc>
-              <a:spcBef>
-                <a:spcPts val="500"/>
-              </a:spcBef>
-              <a:buFont typeface="Arial" panose="020B0604020202020204" pitchFamily="34" charset="0"/>
-              <a:buChar char="•"/>
-              <a:defRPr sz="1800" kern="1200">
-                <a:solidFill>
-                  <a:schemeClr val="tx1"/>
-                </a:solidFill>
-                <a:latin typeface="+mn-lt"/>
-                <a:ea typeface="+mn-ea"/>
-                <a:cs typeface="+mn-cs"/>
-              </a:defRPr>
-            </a:lvl4pPr>
-            <a:lvl5pPr marL="2057400" indent="-228600" algn="l" defTabSz="914400" rtl="0" eaLnBrk="1" latinLnBrk="0" hangingPunct="1">
-              <a:lnSpc>
-                <a:spcPct val="90000"/>
-              </a:lnSpc>
-              <a:spcBef>
-                <a:spcPts val="500"/>
-              </a:spcBef>
-              <a:buFont typeface="Arial" panose="020B0604020202020204" pitchFamily="34" charset="0"/>
-              <a:buChar char="•"/>
-              <a:defRPr sz="1800" kern="1200">
-                <a:solidFill>
-                  <a:schemeClr val="tx1"/>
-                </a:solidFill>
-                <a:latin typeface="+mn-lt"/>
-                <a:ea typeface="+mn-ea"/>
-                <a:cs typeface="+mn-cs"/>
-              </a:defRPr>
-            </a:lvl5pPr>
-            <a:lvl6pPr marL="2514600" indent="-228600" algn="l" defTabSz="914400" rtl="0" eaLnBrk="1" latinLnBrk="0" hangingPunct="1">
-              <a:lnSpc>
-                <a:spcPct val="90000"/>
-              </a:lnSpc>
-              <a:spcBef>
-                <a:spcPts val="500"/>
-              </a:spcBef>
-              <a:buFont typeface="Arial" panose="020B0604020202020204" pitchFamily="34" charset="0"/>
-              <a:buChar char="•"/>
-              <a:defRPr sz="1800" kern="1200">
-                <a:solidFill>
-                  <a:schemeClr val="tx1"/>
-                </a:solidFill>
-                <a:latin typeface="+mn-lt"/>
-                <a:ea typeface="+mn-ea"/>
-                <a:cs typeface="+mn-cs"/>
-              </a:defRPr>
-            </a:lvl6pPr>
-            <a:lvl7pPr marL="2971800" indent="-228600" algn="l" defTabSz="914400" rtl="0" eaLnBrk="1" latinLnBrk="0" hangingPunct="1">
-              <a:lnSpc>
-                <a:spcPct val="90000"/>
-              </a:lnSpc>
-              <a:spcBef>
-                <a:spcPts val="500"/>
-              </a:spcBef>
-              <a:buFont typeface="Arial" panose="020B0604020202020204" pitchFamily="34" charset="0"/>
-              <a:buChar char="•"/>
-              <a:defRPr sz="1800" kern="1200">
-                <a:solidFill>
-                  <a:schemeClr val="tx1"/>
-                </a:solidFill>
-                <a:latin typeface="+mn-lt"/>
-                <a:ea typeface="+mn-ea"/>
-                <a:cs typeface="+mn-cs"/>
-              </a:defRPr>
-            </a:lvl7pPr>
-            <a:lvl8pPr marL="3429000" indent="-228600" algn="l" defTabSz="914400" rtl="0" eaLnBrk="1" latinLnBrk="0" hangingPunct="1">
-              <a:lnSpc>
-                <a:spcPct val="90000"/>
-              </a:lnSpc>
-              <a:spcBef>
-                <a:spcPts val="500"/>
-              </a:spcBef>
-              <a:buFont typeface="Arial" panose="020B0604020202020204" pitchFamily="34" charset="0"/>
-              <a:buChar char="•"/>
-              <a:defRPr sz="1800" kern="1200">
-                <a:solidFill>
-                  <a:schemeClr val="tx1"/>
-                </a:solidFill>
-                <a:latin typeface="+mn-lt"/>
-                <a:ea typeface="+mn-ea"/>
-                <a:cs typeface="+mn-cs"/>
-              </a:defRPr>
-            </a:lvl8pPr>
-            <a:lvl9pPr marL="3886200" indent="-228600" algn="l" defTabSz="914400" rtl="0" eaLnBrk="1" latinLnBrk="0" hangingPunct="1">
-              <a:lnSpc>
-                <a:spcPct val="90000"/>
-              </a:lnSpc>
-              <a:spcBef>
-                <a:spcPts val="500"/>
-              </a:spcBef>
-              <a:buFont typeface="Arial" panose="020B0604020202020204" pitchFamily="34" charset="0"/>
-              <a:buChar char="•"/>
-              <a:defRPr sz="1800" kern="1200">
-                <a:solidFill>
-                  <a:schemeClr val="tx1"/>
-                </a:solidFill>
-                <a:latin typeface="+mn-lt"/>
-                <a:ea typeface="+mn-ea"/>
-                <a:cs typeface="+mn-cs"/>
-              </a:defRPr>
-            </a:lvl9pPr>
-          </a:lstStyle>
-          <a:p>
-            <a:pPr marL="0" indent="0">
-              <a:spcBef>
-                <a:spcPct val="0"/>
-              </a:spcBef>
-              <a:spcAft>
-                <a:spcPct val="0"/>
-              </a:spcAft>
-              <a:buNone/>
-            </a:pPr>
-            <a:fld id="{CA270955-CCC4-4691-871D-C250577D5B56}" type="datetime'''''K''n''''''o''''rr ''= ''''''''3'''''''',''6''7''''4'">
-              <a:rPr lang="en-US" altLang="en-US" sz="1400" smtClean="0"/>
-              <a:pPr/>
-              <a:t>Knorr = 3,674</a:t>
+              <a:t>Pepsi = 19,901</a:t>
             </a:fld>
             <a:endParaRPr lang="en-US" sz="1400" dirty="0"/>
           </a:p>
@@ -10696,14 +11325,14 @@
           </p:cNvSpPr>
           <p:nvPr>
             <p:custDataLst>
-              <p:tags r:id="rId38"/>
+              <p:tags r:id="rId37"/>
             </p:custDataLst>
           </p:nvPr>
         </p:nvSpPr>
         <p:spPr bwMode="auto">
           <a:xfrm>
             <a:off x="10509250" y="2679700"/>
-            <a:ext cx="1917700" cy="192088"/>
+            <a:ext cx="1941513" cy="192088"/>
           </a:xfrm>
           <a:prstGeom prst="rect">
             <a:avLst/>
@@ -10901,10 +11530,10 @@
               </a:spcAft>
               <a:buNone/>
             </a:pPr>
-            <a:fld id="{037DFC31-B64B-431F-BCC1-3A00E218A990}" type="datetime'Al''''l'''' o''''ther'' B''''rands'' ''''= 214'''''',3''2''5'">
+            <a:fld id="{0B9CC4FA-680F-43DD-80DC-482A95BEA078}" type="datetime'A''l''''''''l Ot''''h''''er B''''ran''d''s'' ='''' 892,''514'">
               <a:rPr lang="en-US" altLang="en-US" sz="1400" smtClean="0"/>
               <a:pPr/>
-              <a:t>All other Brands = 214,325</a:t>
+              <a:t>All Other Brands = 892,514</a:t>
             </a:fld>
             <a:endParaRPr lang="en-US" sz="1400" dirty="0"/>
           </a:p>
@@ -10924,14 +11553,14 @@
           </p:cNvSpPr>
           <p:nvPr>
             <p:custDataLst>
-              <p:tags r:id="rId39"/>
+              <p:tags r:id="rId38"/>
             </p:custDataLst>
           </p:nvPr>
         </p:nvSpPr>
         <p:spPr bwMode="auto">
           <a:xfrm>
-            <a:off x="8012113" y="2870200"/>
-            <a:ext cx="600075" cy="193675"/>
+            <a:off x="7943850" y="2870200"/>
+            <a:ext cx="735013" cy="193675"/>
           </a:xfrm>
           <a:prstGeom prst="rect">
             <a:avLst/>
@@ -11129,20 +11758,10 @@
               </a:spcAft>
               <a:buNone/>
             </a:pPr>
-            <a:fld id="{72734556-06F1-41D3-ADB8-66BB873D248F}" type="datetime'''''''''2''3''''''''''''3'',''''''''''''''4''''7''''''''6'''">
-              <a:rPr lang="en-US" altLang="en-US" sz="1400" smtClean="0">
-                <a:effectLst/>
-              </a:rPr>
-              <a:pPr marL="0" indent="0" algn="ctr">
-                <a:spcBef>
-                  <a:spcPct val="0"/>
-                </a:spcBef>
-                <a:spcAft>
-                  <a:spcPct val="0"/>
-                </a:spcAft>
-                <a:buNone/>
-              </a:pPr>
-              <a:t>233,476</a:t>
+            <a:fld id="{2C5F56D3-AEF5-414F-9625-5F28ABC61ADE}" type="datetime'''1'',''''''0''''''''''''4''0'''''',9''''''4''''''0'">
+              <a:rPr lang="en-US" altLang="en-US" sz="1400" smtClean="0"/>
+              <a:pPr/>
+              <a:t>1,040,940</a:t>
             </a:fld>
             <a:endParaRPr lang="en-US" sz="1400" dirty="0"/>
           </a:p>
@@ -11176,7 +11795,7 @@
 
 <file path=ppt/tags/tag11.xml><?xml version="1.0" encoding="utf-8"?>
 <p:tagLst xmlns:a="http://schemas.openxmlformats.org/drawingml/2006/main" xmlns:r="http://schemas.openxmlformats.org/officeDocument/2006/relationships" xmlns:p="http://schemas.openxmlformats.org/presentationml/2006/main">
-  <p:tag name="THINKCELLSHAPEDONOTDELETE" val="tvdPJ2BK_KDRRTG8YJTFUtw"/>
+  <p:tag name="THINKCELLSHAPEDONOTDELETE" val="tD9L9gK2CGfz0AdCUjf4mbQ"/>
 </p:tagLst>
 </file>
 
@@ -11188,7 +11807,7 @@
 
 <file path=ppt/tags/tag13.xml><?xml version="1.0" encoding="utf-8"?>
 <p:tagLst xmlns:a="http://schemas.openxmlformats.org/drawingml/2006/main" xmlns:r="http://schemas.openxmlformats.org/officeDocument/2006/relationships" xmlns:p="http://schemas.openxmlformats.org/presentationml/2006/main">
-  <p:tag name="THINKCELLSHAPEDONOTDELETE" val="tD9L9gK2CGfz0AdCUjf4mbQ"/>
+  <p:tag name="THINKCELLSHAPEDONOTDELETE" val="tvdPJ2BK_KDRRTG8YJTFUtw"/>
 </p:tagLst>
 </file>
 
@@ -11200,25 +11819,25 @@
 
 <file path=ppt/tags/tag15.xml><?xml version="1.0" encoding="utf-8"?>
 <p:tagLst xmlns:a="http://schemas.openxmlformats.org/drawingml/2006/main" xmlns:r="http://schemas.openxmlformats.org/officeDocument/2006/relationships" xmlns:p="http://schemas.openxmlformats.org/presentationml/2006/main">
-  <p:tag name="THINKCELLSHAPEDONOTDELETE" val="tIEeVToyh_ePbZi7KkG5ZvQ"/>
+  <p:tag name="THINKCELLSHAPEDONOTDELETE" val="t0E0yUYwIhwPZ6g0leqCnYw"/>
 </p:tagLst>
 </file>
 
 <file path=ppt/tags/tag16.xml><?xml version="1.0" encoding="utf-8"?>
 <p:tagLst xmlns:a="http://schemas.openxmlformats.org/drawingml/2006/main" xmlns:r="http://schemas.openxmlformats.org/officeDocument/2006/relationships" xmlns:p="http://schemas.openxmlformats.org/presentationml/2006/main">
-  <p:tag name="THINKCELLSHAPEDONOTDELETE" val="t0E0yUYwIhwPZ6g0leqCnYw"/>
+  <p:tag name="THINKCELLSHAPEDONOTDELETE" val="tIEeVToyh_ePbZi7KkG5ZvQ"/>
 </p:tagLst>
 </file>
 
 <file path=ppt/tags/tag17.xml><?xml version="1.0" encoding="utf-8"?>
 <p:tagLst xmlns:a="http://schemas.openxmlformats.org/drawingml/2006/main" xmlns:r="http://schemas.openxmlformats.org/officeDocument/2006/relationships" xmlns:p="http://schemas.openxmlformats.org/presentationml/2006/main">
-  <p:tag name="THINKCELLSHAPEDONOTDELETE" val="tyZE1tDnQd7FxTbiKg7kkZA"/>
+  <p:tag name="THINKCELLSHAPEDONOTDELETE" val="tYgv0Nn1riYpa_OJ3EtKKGQ"/>
 </p:tagLst>
 </file>
 
 <file path=ppt/tags/tag18.xml><?xml version="1.0" encoding="utf-8"?>
 <p:tagLst xmlns:a="http://schemas.openxmlformats.org/drawingml/2006/main" xmlns:r="http://schemas.openxmlformats.org/officeDocument/2006/relationships" xmlns:p="http://schemas.openxmlformats.org/presentationml/2006/main">
-  <p:tag name="THINKCELLSHAPEDONOTDELETE" val="tYgv0Nn1riYpa_OJ3EtKKGQ"/>
+  <p:tag name="THINKCELLSHAPEDONOTDELETE" val="tktWMyF0DecPPTK46OiubkA"/>
 </p:tagLst>
 </file>
 
@@ -11242,7 +11861,7 @@
 
 <file path=ppt/tags/tag21.xml><?xml version="1.0" encoding="utf-8"?>
 <p:tagLst xmlns:a="http://schemas.openxmlformats.org/drawingml/2006/main" xmlns:r="http://schemas.openxmlformats.org/officeDocument/2006/relationships" xmlns:p="http://schemas.openxmlformats.org/presentationml/2006/main">
-  <p:tag name="THINKCELLSHAPEDONOTDELETE" val="tktWMyF0DecPPTK46OiubkA"/>
+  <p:tag name="THINKCELLSHAPEDONOTDELETE" val="tyZE1tDnQd7FxTbiKg7kkZA"/>
 </p:tagLst>
 </file>
 
@@ -11260,19 +11879,19 @@
 
 <file path=ppt/tags/tag24.xml><?xml version="1.0" encoding="utf-8"?>
 <p:tagLst xmlns:a="http://schemas.openxmlformats.org/drawingml/2006/main" xmlns:r="http://schemas.openxmlformats.org/officeDocument/2006/relationships" xmlns:p="http://schemas.openxmlformats.org/presentationml/2006/main">
-  <p:tag name="THINKCELLSHAPEDONOTDELETE" val="tSYcb0WNgJh.Mw4Q8FVoycA"/>
+  <p:tag name="THINKCELLSHAPEDONOTDELETE" val="tJj230LI.fgbdLzvwwPEIQw"/>
 </p:tagLst>
 </file>
 
 <file path=ppt/tags/tag25.xml><?xml version="1.0" encoding="utf-8"?>
 <p:tagLst xmlns:a="http://schemas.openxmlformats.org/drawingml/2006/main" xmlns:r="http://schemas.openxmlformats.org/officeDocument/2006/relationships" xmlns:p="http://schemas.openxmlformats.org/presentationml/2006/main">
-  <p:tag name="THINKCELLSHAPEDONOTDELETE" val="tqrDDi9IDWQreswKEvcZYHQ"/>
+  <p:tag name="THINKCELLSHAPEDONOTDELETE" val="tSYcb0WNgJh.Mw4Q8FVoycA"/>
 </p:tagLst>
 </file>
 
 <file path=ppt/tags/tag26.xml><?xml version="1.0" encoding="utf-8"?>
 <p:tagLst xmlns:a="http://schemas.openxmlformats.org/drawingml/2006/main" xmlns:r="http://schemas.openxmlformats.org/officeDocument/2006/relationships" xmlns:p="http://schemas.openxmlformats.org/presentationml/2006/main">
-  <p:tag name="THINKCELLSHAPEDONOTDELETE" val="tJj230LI.fgbdLzvwwPEIQw"/>
+  <p:tag name="THINKCELLSHAPEDONOTDELETE" val="tqrDDi9IDWQreswKEvcZYHQ"/>
 </p:tagLst>
 </file>
 
@@ -11284,13 +11903,13 @@
 
 <file path=ppt/tags/tag28.xml><?xml version="1.0" encoding="utf-8"?>
 <p:tagLst xmlns:a="http://schemas.openxmlformats.org/drawingml/2006/main" xmlns:r="http://schemas.openxmlformats.org/officeDocument/2006/relationships" xmlns:p="http://schemas.openxmlformats.org/presentationml/2006/main">
-  <p:tag name="THINKCELLSHAPEDONOTDELETE" val="t46twseCPXrfgiJebg.3kJQ"/>
+  <p:tag name="THINKCELLSHAPEDONOTDELETE" val="t_MlWqP_vcr_1JxIJPsGQFQ"/>
 </p:tagLst>
 </file>
 
 <file path=ppt/tags/tag29.xml><?xml version="1.0" encoding="utf-8"?>
 <p:tagLst xmlns:a="http://schemas.openxmlformats.org/drawingml/2006/main" xmlns:r="http://schemas.openxmlformats.org/officeDocument/2006/relationships" xmlns:p="http://schemas.openxmlformats.org/presentationml/2006/main">
-  <p:tag name="THINKCELLSHAPEDONOTDELETE" val="tDkNdLW.GKmbF52DfGrZ6Kg"/>
+  <p:tag name="THINKCELLSHAPEDONOTDELETE" val="tdVnhjOCVIFBxw9bDKZpRWQ"/>
 </p:tagLst>
 </file>
 
@@ -11308,31 +11927,31 @@
 
 <file path=ppt/tags/tag31.xml><?xml version="1.0" encoding="utf-8"?>
 <p:tagLst xmlns:a="http://schemas.openxmlformats.org/drawingml/2006/main" xmlns:r="http://schemas.openxmlformats.org/officeDocument/2006/relationships" xmlns:p="http://schemas.openxmlformats.org/presentationml/2006/main">
-  <p:tag name="THINKCELLSHAPEDONOTDELETE" val="tdVnhjOCVIFBxw9bDKZpRWQ"/>
+  <p:tag name="THINKCELLSHAPEDONOTDELETE" val="tDkNdLW.GKmbF52DfGrZ6Kg"/>
 </p:tagLst>
 </file>
 
 <file path=ppt/tags/tag32.xml><?xml version="1.0" encoding="utf-8"?>
 <p:tagLst xmlns:a="http://schemas.openxmlformats.org/drawingml/2006/main" xmlns:r="http://schemas.openxmlformats.org/officeDocument/2006/relationships" xmlns:p="http://schemas.openxmlformats.org/presentationml/2006/main">
-  <p:tag name="THINKCELLSHAPEDONOTDELETE" val="t_MlWqP_vcr_1JxIJPsGQFQ"/>
+  <p:tag name="THINKCELLSHAPEDONOTDELETE" val="tPZcJPBJFyGOnLM882CqlPw"/>
 </p:tagLst>
 </file>
 
 <file path=ppt/tags/tag33.xml><?xml version="1.0" encoding="utf-8"?>
 <p:tagLst xmlns:a="http://schemas.openxmlformats.org/drawingml/2006/main" xmlns:r="http://schemas.openxmlformats.org/officeDocument/2006/relationships" xmlns:p="http://schemas.openxmlformats.org/presentationml/2006/main">
-  <p:tag name="THINKCELLSHAPEDONOTDELETE" val="tPZcJPBJFyGOnLM882CqlPw"/>
+  <p:tag name="THINKCELLSHAPEDONOTDELETE" val="t3i6NrAQs5.3SrAlaGyQ2eA"/>
 </p:tagLst>
 </file>
 
 <file path=ppt/tags/tag34.xml><?xml version="1.0" encoding="utf-8"?>
 <p:tagLst xmlns:a="http://schemas.openxmlformats.org/drawingml/2006/main" xmlns:r="http://schemas.openxmlformats.org/officeDocument/2006/relationships" xmlns:p="http://schemas.openxmlformats.org/presentationml/2006/main">
-  <p:tag name="THINKCELLSHAPEDONOTDELETE" val="t3i6NrAQs5.3SrAlaGyQ2eA"/>
+  <p:tag name="THINKCELLSHAPEDONOTDELETE" val="tVk2huZE1X3hTNlTquLouXg"/>
 </p:tagLst>
 </file>
 
 <file path=ppt/tags/tag35.xml><?xml version="1.0" encoding="utf-8"?>
 <p:tagLst xmlns:a="http://schemas.openxmlformats.org/drawingml/2006/main" xmlns:r="http://schemas.openxmlformats.org/officeDocument/2006/relationships" xmlns:p="http://schemas.openxmlformats.org/presentationml/2006/main">
-  <p:tag name="THINKCELLSHAPEDONOTDELETE" val="tVk2huZE1X3hTNlTquLouXg"/>
+  <p:tag name="THINKCELLSHAPEDONOTDELETE" val="t6D0Wa370kvC7mhaqHRWxSA"/>
 </p:tagLst>
 </file>
 
@@ -11356,7 +11975,7 @@
 
 <file path=ppt/tags/tag39.xml><?xml version="1.0" encoding="utf-8"?>
 <p:tagLst xmlns:a="http://schemas.openxmlformats.org/drawingml/2006/main" xmlns:r="http://schemas.openxmlformats.org/officeDocument/2006/relationships" xmlns:p="http://schemas.openxmlformats.org/presentationml/2006/main">
-  <p:tag name="THINKCELLSHAPEDONOTDELETE" val="t6D0Wa370kvC7mhaqHRWxSA"/>
+  <p:tag name="THINKCELLSHAPEDONOTDELETE" val="t2sEN0B4nhTwuG_g76ucfyg"/>
 </p:tagLst>
 </file>
 
@@ -11367,12 +11986,6 @@
 </file>
 
 <file path=ppt/tags/tag40.xml><?xml version="1.0" encoding="utf-8"?>
-<p:tagLst xmlns:a="http://schemas.openxmlformats.org/drawingml/2006/main" xmlns:r="http://schemas.openxmlformats.org/officeDocument/2006/relationships" xmlns:p="http://schemas.openxmlformats.org/presentationml/2006/main">
-  <p:tag name="THINKCELLSHAPEDONOTDELETE" val="t2sEN0B4nhTwuG_g76ucfyg"/>
-</p:tagLst>
-</file>
-
-<file path=ppt/tags/tag41.xml><?xml version="1.0" encoding="utf-8"?>
 <p:tagLst xmlns:a="http://schemas.openxmlformats.org/drawingml/2006/main" xmlns:r="http://schemas.openxmlformats.org/officeDocument/2006/relationships" xmlns:p="http://schemas.openxmlformats.org/presentationml/2006/main">
   <p:tag name="THINKCELLSHAPEDONOTDELETE" val="tuspbIxDvGOiqAf9e9RQKng"/>
 </p:tagLst>
@@ -11386,7 +11999,7 @@
 
 <file path=ppt/tags/tag6.xml><?xml version="1.0" encoding="utf-8"?>
 <p:tagLst xmlns:a="http://schemas.openxmlformats.org/drawingml/2006/main" xmlns:r="http://schemas.openxmlformats.org/officeDocument/2006/relationships" xmlns:p="http://schemas.openxmlformats.org/presentationml/2006/main">
-  <p:tag name="THINKCELLSHAPEDONOTDELETE" val="tQeM1bSm56yWwcBVqMHEtDg"/>
+  <p:tag name="THINKCELLSHAPEDONOTDELETE" val="t.cGUlLZiStFrEkbqz0bGGA"/>
 </p:tagLst>
 </file>
 
@@ -11404,7 +12017,7 @@
 
 <file path=ppt/tags/tag9.xml><?xml version="1.0" encoding="utf-8"?>
 <p:tagLst xmlns:a="http://schemas.openxmlformats.org/drawingml/2006/main" xmlns:r="http://schemas.openxmlformats.org/officeDocument/2006/relationships" xmlns:p="http://schemas.openxmlformats.org/presentationml/2006/main">
-  <p:tag name="THINKCELLSHAPEDONOTDELETE" val="t.cGUlLZiStFrEkbqz0bGGA"/>
+  <p:tag name="THINKCELLSHAPEDONOTDELETE" val="tQeM1bSm56yWwcBVqMHEtDg"/>
 </p:tagLst>
 </file>
 

--- a/Supplemental/Stakeholder Visuals.pptx
+++ b/Supplemental/Stakeholder Visuals.pptx
@@ -118,7 +118,7 @@
 <file path=ppt/revisionInfo.xml><?xml version="1.0" encoding="utf-8"?>
 <p1510:revInfo xmlns:a="http://schemas.openxmlformats.org/drawingml/2006/main" xmlns:r="http://schemas.openxmlformats.org/officeDocument/2006/relationships" xmlns:p1510="http://schemas.microsoft.com/office/powerpoint/2015/10/main">
   <p1510:revLst>
-    <p1510:client id="{176DFD19-9071-4B24-AA88-5DC23F609659}" v="4837" dt="2022-11-18T03:44:08.363"/>
+    <p1510:client id="{176DFD19-9071-4B24-AA88-5DC23F609659}" v="1056" dt="2022-11-08T05:29:39.214"/>
   </p1510:revLst>
 </p1510:revInfo>
 </file>
@@ -128,12 +128,12 @@
   <pc:docChgLst>
     <pc:chgData name="Selvyn Yovany Martinez Barahona" userId="3ccf779dc7355a40" providerId="LiveId" clId="{176DFD19-9071-4B24-AA88-5DC23F609659}"/>
     <pc:docChg chg="undo custSel modSld replTag">
-      <pc:chgData name="Selvyn Yovany Martinez Barahona" userId="3ccf779dc7355a40" providerId="LiveId" clId="{176DFD19-9071-4B24-AA88-5DC23F609659}" dt="2022-11-18T03:44:08.363" v="10700"/>
+      <pc:chgData name="Selvyn Yovany Martinez Barahona" userId="3ccf779dc7355a40" providerId="LiveId" clId="{176DFD19-9071-4B24-AA88-5DC23F609659}" dt="2022-11-08T05:29:39.214" v="2838"/>
       <pc:docMkLst>
         <pc:docMk/>
       </pc:docMkLst>
       <pc:sldChg chg="addSp delSp modSp mod">
-        <pc:chgData name="Selvyn Yovany Martinez Barahona" userId="3ccf779dc7355a40" providerId="LiveId" clId="{176DFD19-9071-4B24-AA88-5DC23F609659}" dt="2022-11-18T03:44:08.363" v="10700"/>
+        <pc:chgData name="Selvyn Yovany Martinez Barahona" userId="3ccf779dc7355a40" providerId="LiveId" clId="{176DFD19-9071-4B24-AA88-5DC23F609659}" dt="2022-11-08T05:29:39.214" v="2838"/>
         <pc:sldMkLst>
           <pc:docMk/>
           <pc:sldMk cId="849266544" sldId="256"/>
@@ -146,256 +146,8 @@
             <ac:spMk id="2" creationId="{142B63F9-4705-DEFE-E463-E546F7705356}"/>
           </ac:spMkLst>
         </pc:spChg>
-        <pc:spChg chg="add del mod modVis">
-          <ac:chgData name="Selvyn Yovany Martinez Barahona" userId="3ccf779dc7355a40" providerId="LiveId" clId="{176DFD19-9071-4B24-AA88-5DC23F609659}" dt="2022-11-18T02:51:20.188" v="3155"/>
-          <ac:spMkLst>
-            <pc:docMk/>
-            <pc:sldMk cId="849266544" sldId="256"/>
-            <ac:spMk id="2" creationId="{1E2808E5-45EF-3B51-6F1E-1BA389E28C0E}"/>
-          </ac:spMkLst>
-        </pc:spChg>
-        <pc:spChg chg="add del mod modVis">
-          <ac:chgData name="Selvyn Yovany Martinez Barahona" userId="3ccf779dc7355a40" providerId="LiveId" clId="{176DFD19-9071-4B24-AA88-5DC23F609659}" dt="2022-11-18T02:51:41.050" v="3658"/>
-          <ac:spMkLst>
-            <pc:docMk/>
-            <pc:sldMk cId="849266544" sldId="256"/>
-            <ac:spMk id="6" creationId="{7D7C7BDE-CF4E-3E46-CA82-030189DEED17}"/>
-          </ac:spMkLst>
-        </pc:spChg>
-        <pc:spChg chg="add del mod ord replST">
-          <ac:chgData name="Selvyn Yovany Martinez Barahona" userId="3ccf779dc7355a40" providerId="LiveId" clId="{176DFD19-9071-4B24-AA88-5DC23F609659}" dt="2022-11-18T02:51:54.858" v="3925"/>
-          <ac:spMkLst>
-            <pc:docMk/>
-            <pc:sldMk cId="849266544" sldId="256"/>
-            <ac:spMk id="7" creationId="{F01B8698-9294-F532-DDB4-2EE198CBAA21}"/>
-          </ac:spMkLst>
-        </pc:spChg>
-        <pc:spChg chg="add del mod ord replST">
-          <ac:chgData name="Selvyn Yovany Martinez Barahona" userId="3ccf779dc7355a40" providerId="LiveId" clId="{176DFD19-9071-4B24-AA88-5DC23F609659}" dt="2022-11-18T02:51:54.859" v="3927"/>
-          <ac:spMkLst>
-            <pc:docMk/>
-            <pc:sldMk cId="849266544" sldId="256"/>
-            <ac:spMk id="8" creationId="{F01B8698-9294-F532-DDB4-2EE198CBAA21}"/>
-          </ac:spMkLst>
-        </pc:spChg>
-        <pc:spChg chg="add del mod ord replST">
-          <ac:chgData name="Selvyn Yovany Martinez Barahona" userId="3ccf779dc7355a40" providerId="LiveId" clId="{176DFD19-9071-4B24-AA88-5DC23F609659}" dt="2022-11-18T02:51:54.860" v="3929"/>
-          <ac:spMkLst>
-            <pc:docMk/>
-            <pc:sldMk cId="849266544" sldId="256"/>
-            <ac:spMk id="10" creationId="{F01B8698-9294-F532-DDB4-2EE198CBAA21}"/>
-          </ac:spMkLst>
-        </pc:spChg>
-        <pc:spChg chg="add del mod ord replST">
-          <ac:chgData name="Selvyn Yovany Martinez Barahona" userId="3ccf779dc7355a40" providerId="LiveId" clId="{176DFD19-9071-4B24-AA88-5DC23F609659}" dt="2022-11-18T02:51:54.861" v="3931"/>
-          <ac:spMkLst>
-            <pc:docMk/>
-            <pc:sldMk cId="849266544" sldId="256"/>
-            <ac:spMk id="11" creationId="{F01B8698-9294-F532-DDB4-2EE198CBAA21}"/>
-          </ac:spMkLst>
-        </pc:spChg>
-        <pc:spChg chg="add del mod modVis">
-          <ac:chgData name="Selvyn Yovany Martinez Barahona" userId="3ccf779dc7355a40" providerId="LiveId" clId="{176DFD19-9071-4B24-AA88-5DC23F609659}" dt="2022-11-18T02:51:54.880" v="3991"/>
-          <ac:spMkLst>
-            <pc:docMk/>
-            <pc:sldMk cId="849266544" sldId="256"/>
-            <ac:spMk id="16" creationId="{03F1CCC7-BCC5-9FAB-DB0A-33B2304DE452}"/>
-          </ac:spMkLst>
-        </pc:spChg>
-        <pc:spChg chg="add del mod modVis">
-          <ac:chgData name="Selvyn Yovany Martinez Barahona" userId="3ccf779dc7355a40" providerId="LiveId" clId="{176DFD19-9071-4B24-AA88-5DC23F609659}" dt="2022-11-18T02:51:59.071" v="4288"/>
-          <ac:spMkLst>
-            <pc:docMk/>
-            <pc:sldMk cId="849266544" sldId="256"/>
-            <ac:spMk id="20" creationId="{ABAB4E0A-FFBC-AEB5-D2DF-3F6F2FDA765E}"/>
-          </ac:spMkLst>
-        </pc:spChg>
-        <pc:spChg chg="add del mod modVis">
-          <ac:chgData name="Selvyn Yovany Martinez Barahona" userId="3ccf779dc7355a40" providerId="LiveId" clId="{176DFD19-9071-4B24-AA88-5DC23F609659}" dt="2022-11-18T03:03:20.416" v="4791"/>
-          <ac:spMkLst>
-            <pc:docMk/>
-            <pc:sldMk cId="849266544" sldId="256"/>
-            <ac:spMk id="23" creationId="{537012DD-9438-A4D8-7FB1-27968E57FD47}"/>
-          </ac:spMkLst>
-        </pc:spChg>
-        <pc:spChg chg="add mod ord replST">
-          <ac:chgData name="Selvyn Yovany Martinez Barahona" userId="3ccf779dc7355a40" providerId="LiveId" clId="{176DFD19-9071-4B24-AA88-5DC23F609659}" dt="2022-11-18T03:44:08.352" v="10650"/>
-          <ac:spMkLst>
-            <pc:docMk/>
-            <pc:sldMk cId="849266544" sldId="256"/>
-            <ac:spMk id="24" creationId="{F01B8698-9294-F532-DDB4-2EE198CBAA21}"/>
-          </ac:spMkLst>
-        </pc:spChg>
-        <pc:spChg chg="add mod ord replST">
-          <ac:chgData name="Selvyn Yovany Martinez Barahona" userId="3ccf779dc7355a40" providerId="LiveId" clId="{176DFD19-9071-4B24-AA88-5DC23F609659}" dt="2022-11-18T03:44:08.352" v="10652"/>
-          <ac:spMkLst>
-            <pc:docMk/>
-            <pc:sldMk cId="849266544" sldId="256"/>
-            <ac:spMk id="25" creationId="{F01B8698-9294-F532-DDB4-2EE198CBAA21}"/>
-          </ac:spMkLst>
-        </pc:spChg>
-        <pc:spChg chg="add mod ord replST">
-          <ac:chgData name="Selvyn Yovany Martinez Barahona" userId="3ccf779dc7355a40" providerId="LiveId" clId="{176DFD19-9071-4B24-AA88-5DC23F609659}" dt="2022-11-18T03:44:08.351" v="10648"/>
-          <ac:spMkLst>
-            <pc:docMk/>
-            <pc:sldMk cId="849266544" sldId="256"/>
-            <ac:spMk id="26" creationId="{F01B8698-9294-F532-DDB4-2EE198CBAA21}"/>
-          </ac:spMkLst>
-        </pc:spChg>
-        <pc:spChg chg="add mod ord replST">
-          <ac:chgData name="Selvyn Yovany Martinez Barahona" userId="3ccf779dc7355a40" providerId="LiveId" clId="{176DFD19-9071-4B24-AA88-5DC23F609659}" dt="2022-11-18T03:44:08.352" v="10654"/>
-          <ac:spMkLst>
-            <pc:docMk/>
-            <pc:sldMk cId="849266544" sldId="256"/>
-            <ac:spMk id="27" creationId="{F01B8698-9294-F532-DDB4-2EE198CBAA21}"/>
-          </ac:spMkLst>
-        </pc:spChg>
-        <pc:spChg chg="add del mod modVis">
-          <ac:chgData name="Selvyn Yovany Martinez Barahona" userId="3ccf779dc7355a40" providerId="LiveId" clId="{176DFD19-9071-4B24-AA88-5DC23F609659}" dt="2022-11-18T03:03:35.791" v="5097"/>
-          <ac:spMkLst>
-            <pc:docMk/>
-            <pc:sldMk cId="849266544" sldId="256"/>
-            <ac:spMk id="31" creationId="{14FA6DD7-9A25-8003-0FF7-4BC9F01412EF}"/>
-          </ac:spMkLst>
-        </pc:spChg>
-        <pc:spChg chg="add del mod modVis">
-          <ac:chgData name="Selvyn Yovany Martinez Barahona" userId="3ccf779dc7355a40" providerId="LiveId" clId="{176DFD19-9071-4B24-AA88-5DC23F609659}" dt="2022-11-18T03:04:00.781" v="5320"/>
-          <ac:spMkLst>
-            <pc:docMk/>
-            <pc:sldMk cId="849266544" sldId="256"/>
-            <ac:spMk id="34" creationId="{028D805F-D0F7-A890-6EA0-8D7FCD616FC5}"/>
-          </ac:spMkLst>
-        </pc:spChg>
-        <pc:spChg chg="add del mod modVis">
-          <ac:chgData name="Selvyn Yovany Martinez Barahona" userId="3ccf779dc7355a40" providerId="LiveId" clId="{176DFD19-9071-4B24-AA88-5DC23F609659}" dt="2022-11-18T03:04:14.268" v="5456"/>
-          <ac:spMkLst>
-            <pc:docMk/>
-            <pc:sldMk cId="849266544" sldId="256"/>
-            <ac:spMk id="36" creationId="{FF2DE2FA-A918-A2D4-3E4A-51B219C19D1B}"/>
-          </ac:spMkLst>
-        </pc:spChg>
-        <pc:spChg chg="add del mod modVis">
-          <ac:chgData name="Selvyn Yovany Martinez Barahona" userId="3ccf779dc7355a40" providerId="LiveId" clId="{176DFD19-9071-4B24-AA88-5DC23F609659}" dt="2022-11-18T03:04:41.946" v="5679"/>
-          <ac:spMkLst>
-            <pc:docMk/>
-            <pc:sldMk cId="849266544" sldId="256"/>
-            <ac:spMk id="39" creationId="{B0FB9350-6BED-AAB0-242D-44EA8FEBCD45}"/>
-          </ac:spMkLst>
-        </pc:spChg>
-        <pc:spChg chg="add del mod modVis">
-          <ac:chgData name="Selvyn Yovany Martinez Barahona" userId="3ccf779dc7355a40" providerId="LiveId" clId="{176DFD19-9071-4B24-AA88-5DC23F609659}" dt="2022-11-18T03:04:52.984" v="5817"/>
-          <ac:spMkLst>
-            <pc:docMk/>
-            <pc:sldMk cId="849266544" sldId="256"/>
-            <ac:spMk id="41" creationId="{6377E8CB-98DC-EA82-2E74-7F53E52D0DCD}"/>
-          </ac:spMkLst>
-        </pc:spChg>
-        <pc:spChg chg="add del mod modVis">
-          <ac:chgData name="Selvyn Yovany Martinez Barahona" userId="3ccf779dc7355a40" providerId="LiveId" clId="{176DFD19-9071-4B24-AA88-5DC23F609659}" dt="2022-11-18T03:05:01.421" v="5955"/>
-          <ac:spMkLst>
-            <pc:docMk/>
-            <pc:sldMk cId="849266544" sldId="256"/>
-            <ac:spMk id="43" creationId="{BFACC36F-821F-F54B-1D30-1E686E217AF4}"/>
-          </ac:spMkLst>
-        </pc:spChg>
-        <pc:spChg chg="add del mod modVis">
-          <ac:chgData name="Selvyn Yovany Martinez Barahona" userId="3ccf779dc7355a40" providerId="LiveId" clId="{176DFD19-9071-4B24-AA88-5DC23F609659}" dt="2022-11-18T03:05:14.314" v="6093"/>
-          <ac:spMkLst>
-            <pc:docMk/>
-            <pc:sldMk cId="849266544" sldId="256"/>
-            <ac:spMk id="45" creationId="{47E0D8CA-85B8-4D54-46FD-F5AD1F01F10C}"/>
-          </ac:spMkLst>
-        </pc:spChg>
-        <pc:spChg chg="add del mod modVis">
-          <ac:chgData name="Selvyn Yovany Martinez Barahona" userId="3ccf779dc7355a40" providerId="LiveId" clId="{176DFD19-9071-4B24-AA88-5DC23F609659}" dt="2022-11-18T03:05:39.074" v="6292"/>
-          <ac:spMkLst>
-            <pc:docMk/>
-            <pc:sldMk cId="849266544" sldId="256"/>
-            <ac:spMk id="47" creationId="{4FAC759E-9227-FC07-66ED-4D8294B67909}"/>
-          </ac:spMkLst>
-        </pc:spChg>
-        <pc:spChg chg="add del mod modVis">
-          <ac:chgData name="Selvyn Yovany Martinez Barahona" userId="3ccf779dc7355a40" providerId="LiveId" clId="{176DFD19-9071-4B24-AA88-5DC23F609659}" dt="2022-11-18T03:06:20.840" v="6575"/>
-          <ac:spMkLst>
-            <pc:docMk/>
-            <pc:sldMk cId="849266544" sldId="256"/>
-            <ac:spMk id="50" creationId="{783B3BFA-924F-B093-41E4-C788A0AC91CE}"/>
-          </ac:spMkLst>
-        </pc:spChg>
-        <pc:spChg chg="add del mod modVis">
-          <ac:chgData name="Selvyn Yovany Martinez Barahona" userId="3ccf779dc7355a40" providerId="LiveId" clId="{176DFD19-9071-4B24-AA88-5DC23F609659}" dt="2022-11-18T03:06:27.317" v="7126"/>
-          <ac:spMkLst>
-            <pc:docMk/>
-            <pc:sldMk cId="849266544" sldId="256"/>
-            <ac:spMk id="52" creationId="{4FBEBCD0-9782-C2C3-2EF9-BC6FDAB8E421}"/>
-          </ac:spMkLst>
-        </pc:spChg>
-        <pc:spChg chg="add mod ord replST">
-          <ac:chgData name="Selvyn Yovany Martinez Barahona" userId="3ccf779dc7355a40" providerId="LiveId" clId="{176DFD19-9071-4B24-AA88-5DC23F609659}" dt="2022-11-18T03:44:08.356" v="10678"/>
-          <ac:spMkLst>
-            <pc:docMk/>
-            <pc:sldMk cId="849266544" sldId="256"/>
-            <ac:spMk id="53" creationId="{F01B8698-9294-F532-DDB4-2EE198CBAA21}"/>
-          </ac:spMkLst>
-        </pc:spChg>
-        <pc:spChg chg="add mod ord replST">
-          <ac:chgData name="Selvyn Yovany Martinez Barahona" userId="3ccf779dc7355a40" providerId="LiveId" clId="{176DFD19-9071-4B24-AA88-5DC23F609659}" dt="2022-11-18T03:44:08.357" v="10680"/>
-          <ac:spMkLst>
-            <pc:docMk/>
-            <pc:sldMk cId="849266544" sldId="256"/>
-            <ac:spMk id="54" creationId="{F01B8698-9294-F532-DDB4-2EE198CBAA21}"/>
-          </ac:spMkLst>
-        </pc:spChg>
-        <pc:spChg chg="add mod ord replST">
-          <ac:chgData name="Selvyn Yovany Martinez Barahona" userId="3ccf779dc7355a40" providerId="LiveId" clId="{176DFD19-9071-4B24-AA88-5DC23F609659}" dt="2022-11-18T03:44:08.356" v="10676"/>
-          <ac:spMkLst>
-            <pc:docMk/>
-            <pc:sldMk cId="849266544" sldId="256"/>
-            <ac:spMk id="55" creationId="{F01B8698-9294-F532-DDB4-2EE198CBAA21}"/>
-          </ac:spMkLst>
-        </pc:spChg>
-        <pc:spChg chg="add mod ord replST">
-          <ac:chgData name="Selvyn Yovany Martinez Barahona" userId="3ccf779dc7355a40" providerId="LiveId" clId="{176DFD19-9071-4B24-AA88-5DC23F609659}" dt="2022-11-18T03:44:08.357" v="10682"/>
-          <ac:spMkLst>
-            <pc:docMk/>
-            <pc:sldMk cId="849266544" sldId="256"/>
-            <ac:spMk id="56" creationId="{F01B8698-9294-F532-DDB4-2EE198CBAA21}"/>
-          </ac:spMkLst>
-        </pc:spChg>
-        <pc:spChg chg="add del mod ord replST">
-          <ac:chgData name="Selvyn Yovany Martinez Barahona" userId="3ccf779dc7355a40" providerId="LiveId" clId="{176DFD19-9071-4B24-AA88-5DC23F609659}" dt="2022-11-18T03:06:38.504" v="7275"/>
-          <ac:spMkLst>
-            <pc:docMk/>
-            <pc:sldMk cId="849266544" sldId="256"/>
-            <ac:spMk id="57" creationId="{F01B8698-9294-F532-DDB4-2EE198CBAA21}"/>
-          </ac:spMkLst>
-        </pc:spChg>
-        <pc:spChg chg="add del mod modVis">
-          <ac:chgData name="Selvyn Yovany Martinez Barahona" userId="3ccf779dc7355a40" providerId="LiveId" clId="{176DFD19-9071-4B24-AA88-5DC23F609659}" dt="2022-11-18T03:06:38.529" v="7341"/>
-          <ac:spMkLst>
-            <pc:docMk/>
-            <pc:sldMk cId="849266544" sldId="256"/>
-            <ac:spMk id="59" creationId="{303751EF-A7C6-9C22-CCA8-0B3EE27985F6}"/>
-          </ac:spMkLst>
-        </pc:spChg>
-        <pc:spChg chg="add del mod modVis">
-          <ac:chgData name="Selvyn Yovany Martinez Barahona" userId="3ccf779dc7355a40" providerId="LiveId" clId="{176DFD19-9071-4B24-AA88-5DC23F609659}" dt="2022-11-18T03:07:10.514" v="7474"/>
-          <ac:spMkLst>
-            <pc:docMk/>
-            <pc:sldMk cId="849266544" sldId="256"/>
-            <ac:spMk id="61" creationId="{B102D54E-609F-9431-DE33-1A9C4D92EB45}"/>
-          </ac:spMkLst>
-        </pc:spChg>
-        <pc:spChg chg="add del mod modVis">
-          <ac:chgData name="Selvyn Yovany Martinez Barahona" userId="3ccf779dc7355a40" providerId="LiveId" clId="{176DFD19-9071-4B24-AA88-5DC23F609659}" dt="2022-11-18T03:07:17.870" v="7609"/>
-          <ac:spMkLst>
-            <pc:docMk/>
-            <pc:sldMk cId="849266544" sldId="256"/>
-            <ac:spMk id="63" creationId="{70B26617-DE3B-9AAB-3B16-E66093C22C93}"/>
-          </ac:spMkLst>
-        </pc:spChg>
         <pc:spChg chg="mod">
-          <ac:chgData name="Selvyn Yovany Martinez Barahona" userId="3ccf779dc7355a40" providerId="LiveId" clId="{176DFD19-9071-4B24-AA88-5DC23F609659}" dt="2022-11-18T03:44:08.354" v="10664"/>
+          <ac:chgData name="Selvyn Yovany Martinez Barahona" userId="3ccf779dc7355a40" providerId="LiveId" clId="{176DFD19-9071-4B24-AA88-5DC23F609659}" dt="2022-11-08T05:29:39.203" v="2801"/>
           <ac:spMkLst>
             <pc:docMk/>
             <pc:sldMk cId="849266544" sldId="256"/>
@@ -403,7 +155,7 @@
           </ac:spMkLst>
         </pc:spChg>
         <pc:spChg chg="mod">
-          <ac:chgData name="Selvyn Yovany Martinez Barahona" userId="3ccf779dc7355a40" providerId="LiveId" clId="{176DFD19-9071-4B24-AA88-5DC23F609659}" dt="2022-11-18T03:44:08.355" v="10667"/>
+          <ac:chgData name="Selvyn Yovany Martinez Barahona" userId="3ccf779dc7355a40" providerId="LiveId" clId="{176DFD19-9071-4B24-AA88-5DC23F609659}" dt="2022-11-08T05:29:39.202" v="2797"/>
           <ac:spMkLst>
             <pc:docMk/>
             <pc:sldMk cId="849266544" sldId="256"/>
@@ -411,7 +163,7 @@
           </ac:spMkLst>
         </pc:spChg>
         <pc:spChg chg="mod">
-          <ac:chgData name="Selvyn Yovany Martinez Barahona" userId="3ccf779dc7355a40" providerId="LiveId" clId="{176DFD19-9071-4B24-AA88-5DC23F609659}" dt="2022-11-18T03:44:08.354" v="10663"/>
+          <ac:chgData name="Selvyn Yovany Martinez Barahona" userId="3ccf779dc7355a40" providerId="LiveId" clId="{176DFD19-9071-4B24-AA88-5DC23F609659}" dt="2022-11-08T05:29:39.202" v="2798"/>
           <ac:spMkLst>
             <pc:docMk/>
             <pc:sldMk cId="849266544" sldId="256"/>
@@ -419,7 +171,7 @@
           </ac:spMkLst>
         </pc:spChg>
         <pc:spChg chg="mod">
-          <ac:chgData name="Selvyn Yovany Martinez Barahona" userId="3ccf779dc7355a40" providerId="LiveId" clId="{176DFD19-9071-4B24-AA88-5DC23F609659}" dt="2022-11-18T03:44:08.355" v="10668"/>
+          <ac:chgData name="Selvyn Yovany Martinez Barahona" userId="3ccf779dc7355a40" providerId="LiveId" clId="{176DFD19-9071-4B24-AA88-5DC23F609659}" dt="2022-11-08T05:29:39.203" v="2802"/>
           <ac:spMkLst>
             <pc:docMk/>
             <pc:sldMk cId="849266544" sldId="256"/>
@@ -427,7 +179,7 @@
           </ac:spMkLst>
         </pc:spChg>
         <pc:spChg chg="mod">
-          <ac:chgData name="Selvyn Yovany Martinez Barahona" userId="3ccf779dc7355a40" providerId="LiveId" clId="{176DFD19-9071-4B24-AA88-5DC23F609659}" dt="2022-11-18T03:44:08.355" v="10666"/>
+          <ac:chgData name="Selvyn Yovany Martinez Barahona" userId="3ccf779dc7355a40" providerId="LiveId" clId="{176DFD19-9071-4B24-AA88-5DC23F609659}" dt="2022-11-08T05:29:39.203" v="2800"/>
           <ac:spMkLst>
             <pc:docMk/>
             <pc:sldMk cId="849266544" sldId="256"/>
@@ -435,7 +187,7 @@
           </ac:spMkLst>
         </pc:spChg>
         <pc:spChg chg="mod">
-          <ac:chgData name="Selvyn Yovany Martinez Barahona" userId="3ccf779dc7355a40" providerId="LiveId" clId="{176DFD19-9071-4B24-AA88-5DC23F609659}" dt="2022-11-18T03:44:08.354" v="10665"/>
+          <ac:chgData name="Selvyn Yovany Martinez Barahona" userId="3ccf779dc7355a40" providerId="LiveId" clId="{176DFD19-9071-4B24-AA88-5DC23F609659}" dt="2022-11-08T05:29:39.203" v="2799"/>
           <ac:spMkLst>
             <pc:docMk/>
             <pc:sldMk cId="849266544" sldId="256"/>
@@ -483,7 +235,7 @@
           </ac:spMkLst>
         </pc:spChg>
         <pc:spChg chg="mod">
-          <ac:chgData name="Selvyn Yovany Martinez Barahona" userId="3ccf779dc7355a40" providerId="LiveId" clId="{176DFD19-9071-4B24-AA88-5DC23F609659}" dt="2022-11-18T03:44:08.352" v="10655"/>
+          <ac:chgData name="Selvyn Yovany Martinez Barahona" userId="3ccf779dc7355a40" providerId="LiveId" clId="{176DFD19-9071-4B24-AA88-5DC23F609659}" dt="2022-11-08T05:29:39.201" v="2789"/>
           <ac:spMkLst>
             <pc:docMk/>
             <pc:sldMk cId="849266544" sldId="256"/>
@@ -491,7 +243,7 @@
           </ac:spMkLst>
         </pc:spChg>
         <pc:spChg chg="mod">
-          <ac:chgData name="Selvyn Yovany Martinez Barahona" userId="3ccf779dc7355a40" providerId="LiveId" clId="{176DFD19-9071-4B24-AA88-5DC23F609659}" dt="2022-11-18T03:44:08.353" v="10657"/>
+          <ac:chgData name="Selvyn Yovany Martinez Barahona" userId="3ccf779dc7355a40" providerId="LiveId" clId="{176DFD19-9071-4B24-AA88-5DC23F609659}" dt="2022-11-08T05:29:39.201" v="2791"/>
           <ac:spMkLst>
             <pc:docMk/>
             <pc:sldMk cId="849266544" sldId="256"/>
@@ -499,7 +251,7 @@
           </ac:spMkLst>
         </pc:spChg>
         <pc:spChg chg="mod ord">
-          <ac:chgData name="Selvyn Yovany Martinez Barahona" userId="3ccf779dc7355a40" providerId="LiveId" clId="{176DFD19-9071-4B24-AA88-5DC23F609659}" dt="2022-11-18T03:44:08.353" v="10660"/>
+          <ac:chgData name="Selvyn Yovany Martinez Barahona" userId="3ccf779dc7355a40" providerId="LiveId" clId="{176DFD19-9071-4B24-AA88-5DC23F609659}" dt="2022-11-08T05:29:39.202" v="2794"/>
           <ac:spMkLst>
             <pc:docMk/>
             <pc:sldMk cId="849266544" sldId="256"/>
@@ -507,7 +259,7 @@
           </ac:spMkLst>
         </pc:spChg>
         <pc:spChg chg="mod">
-          <ac:chgData name="Selvyn Yovany Martinez Barahona" userId="3ccf779dc7355a40" providerId="LiveId" clId="{176DFD19-9071-4B24-AA88-5DC23F609659}" dt="2022-11-18T03:44:08.353" v="10658"/>
+          <ac:chgData name="Selvyn Yovany Martinez Barahona" userId="3ccf779dc7355a40" providerId="LiveId" clId="{176DFD19-9071-4B24-AA88-5DC23F609659}" dt="2022-11-08T05:29:39.201" v="2790"/>
           <ac:spMkLst>
             <pc:docMk/>
             <pc:sldMk cId="849266544" sldId="256"/>
@@ -515,7 +267,7 @@
           </ac:spMkLst>
         </pc:spChg>
         <pc:spChg chg="mod">
-          <ac:chgData name="Selvyn Yovany Martinez Barahona" userId="3ccf779dc7355a40" providerId="LiveId" clId="{176DFD19-9071-4B24-AA88-5DC23F609659}" dt="2022-11-18T03:44:08.353" v="10656"/>
+          <ac:chgData name="Selvyn Yovany Martinez Barahona" userId="3ccf779dc7355a40" providerId="LiveId" clId="{176DFD19-9071-4B24-AA88-5DC23F609659}" dt="2022-11-08T05:29:39.201" v="2792"/>
           <ac:spMkLst>
             <pc:docMk/>
             <pc:sldMk cId="849266544" sldId="256"/>
@@ -523,7 +275,7 @@
           </ac:spMkLst>
         </pc:spChg>
         <pc:spChg chg="mod">
-          <ac:chgData name="Selvyn Yovany Martinez Barahona" userId="3ccf779dc7355a40" providerId="LiveId" clId="{176DFD19-9071-4B24-AA88-5DC23F609659}" dt="2022-11-18T03:44:08.354" v="10662"/>
+          <ac:chgData name="Selvyn Yovany Martinez Barahona" userId="3ccf779dc7355a40" providerId="LiveId" clId="{176DFD19-9071-4B24-AA88-5DC23F609659}" dt="2022-11-08T05:29:39.202" v="2795"/>
           <ac:spMkLst>
             <pc:docMk/>
             <pc:sldMk cId="849266544" sldId="256"/>
@@ -531,7 +283,7 @@
           </ac:spMkLst>
         </pc:spChg>
         <pc:spChg chg="mod">
-          <ac:chgData name="Selvyn Yovany Martinez Barahona" userId="3ccf779dc7355a40" providerId="LiveId" clId="{176DFD19-9071-4B24-AA88-5DC23F609659}" dt="2022-11-18T03:44:08.354" v="10661"/>
+          <ac:chgData name="Selvyn Yovany Martinez Barahona" userId="3ccf779dc7355a40" providerId="LiveId" clId="{176DFD19-9071-4B24-AA88-5DC23F609659}" dt="2022-11-08T05:29:39.202" v="2796"/>
           <ac:spMkLst>
             <pc:docMk/>
             <pc:sldMk cId="849266544" sldId="256"/>
@@ -539,7 +291,7 @@
           </ac:spMkLst>
         </pc:spChg>
         <pc:spChg chg="mod ord">
-          <ac:chgData name="Selvyn Yovany Martinez Barahona" userId="3ccf779dc7355a40" providerId="LiveId" clId="{176DFD19-9071-4B24-AA88-5DC23F609659}" dt="2022-11-18T03:44:08.355" v="10670"/>
+          <ac:chgData name="Selvyn Yovany Martinez Barahona" userId="3ccf779dc7355a40" providerId="LiveId" clId="{176DFD19-9071-4B24-AA88-5DC23F609659}" dt="2022-11-08T05:29:39.204" v="2804"/>
           <ac:spMkLst>
             <pc:docMk/>
             <pc:sldMk cId="849266544" sldId="256"/>
@@ -547,47 +299,47 @@
           </ac:spMkLst>
         </pc:spChg>
         <pc:spChg chg="mod ord">
-          <ac:chgData name="Selvyn Yovany Martinez Barahona" userId="3ccf779dc7355a40" providerId="LiveId" clId="{176DFD19-9071-4B24-AA88-5DC23F609659}" dt="2022-11-18T03:44:08.356" v="10672"/>
+          <ac:chgData name="Selvyn Yovany Martinez Barahona" userId="3ccf779dc7355a40" providerId="LiveId" clId="{176DFD19-9071-4B24-AA88-5DC23F609659}" dt="2022-11-08T05:29:39.204" v="2806"/>
           <ac:spMkLst>
             <pc:docMk/>
             <pc:sldMk cId="849266544" sldId="256"/>
             <ac:spMk id="385" creationId="{046DFD33-DE3E-0A85-004B-7F5CE8942312}"/>
           </ac:spMkLst>
         </pc:spChg>
-        <pc:spChg chg="del mod ord">
-          <ac:chgData name="Selvyn Yovany Martinez Barahona" userId="3ccf779dc7355a40" providerId="LiveId" clId="{176DFD19-9071-4B24-AA88-5DC23F609659}" dt="2022-11-18T03:06:20.801" v="6509"/>
+        <pc:spChg chg="mod ord">
+          <ac:chgData name="Selvyn Yovany Martinez Barahona" userId="3ccf779dc7355a40" providerId="LiveId" clId="{176DFD19-9071-4B24-AA88-5DC23F609659}" dt="2022-11-08T05:29:39.205" v="2810"/>
           <ac:spMkLst>
             <pc:docMk/>
             <pc:sldMk cId="849266544" sldId="256"/>
             <ac:spMk id="387" creationId="{F048C153-7E8A-8CE6-EB18-71AEF89CFA99}"/>
           </ac:spMkLst>
         </pc:spChg>
-        <pc:spChg chg="del mod ord">
-          <ac:chgData name="Selvyn Yovany Martinez Barahona" userId="3ccf779dc7355a40" providerId="LiveId" clId="{176DFD19-9071-4B24-AA88-5DC23F609659}" dt="2022-11-18T03:06:20.802" v="6511"/>
+        <pc:spChg chg="mod ord">
+          <ac:chgData name="Selvyn Yovany Martinez Barahona" userId="3ccf779dc7355a40" providerId="LiveId" clId="{176DFD19-9071-4B24-AA88-5DC23F609659}" dt="2022-11-08T05:29:39.205" v="2812"/>
           <ac:spMkLst>
             <pc:docMk/>
             <pc:sldMk cId="849266544" sldId="256"/>
             <ac:spMk id="388" creationId="{1668D685-E39E-CA78-E994-97AB150EA2B8}"/>
           </ac:spMkLst>
         </pc:spChg>
-        <pc:spChg chg="del mod ord">
-          <ac:chgData name="Selvyn Yovany Martinez Barahona" userId="3ccf779dc7355a40" providerId="LiveId" clId="{176DFD19-9071-4B24-AA88-5DC23F609659}" dt="2022-11-18T03:06:20.803" v="6513"/>
+        <pc:spChg chg="mod ord">
+          <ac:chgData name="Selvyn Yovany Martinez Barahona" userId="3ccf779dc7355a40" providerId="LiveId" clId="{176DFD19-9071-4B24-AA88-5DC23F609659}" dt="2022-11-08T05:29:39.205" v="2814"/>
           <ac:spMkLst>
             <pc:docMk/>
             <pc:sldMk cId="849266544" sldId="256"/>
             <ac:spMk id="389" creationId="{761668BA-4084-A0C9-1315-764B23165AFC}"/>
           </ac:spMkLst>
         </pc:spChg>
-        <pc:spChg chg="del mod ord">
-          <ac:chgData name="Selvyn Yovany Martinez Barahona" userId="3ccf779dc7355a40" providerId="LiveId" clId="{176DFD19-9071-4B24-AA88-5DC23F609659}" dt="2022-11-18T03:06:20.804" v="6515"/>
+        <pc:spChg chg="mod ord">
+          <ac:chgData name="Selvyn Yovany Martinez Barahona" userId="3ccf779dc7355a40" providerId="LiveId" clId="{176DFD19-9071-4B24-AA88-5DC23F609659}" dt="2022-11-08T05:29:39.206" v="2816"/>
           <ac:spMkLst>
             <pc:docMk/>
             <pc:sldMk cId="849266544" sldId="256"/>
             <ac:spMk id="390" creationId="{5A361C12-95C9-5F06-4553-BA298A0D4878}"/>
           </ac:spMkLst>
         </pc:spChg>
-        <pc:spChg chg="del mod ord">
-          <ac:chgData name="Selvyn Yovany Martinez Barahona" userId="3ccf779dc7355a40" providerId="LiveId" clId="{176DFD19-9071-4B24-AA88-5DC23F609659}" dt="2022-11-18T03:06:20.805" v="6517"/>
+        <pc:spChg chg="mod ord">
+          <ac:chgData name="Selvyn Yovany Martinez Barahona" userId="3ccf779dc7355a40" providerId="LiveId" clId="{176DFD19-9071-4B24-AA88-5DC23F609659}" dt="2022-11-08T05:29:39.206" v="2818"/>
           <ac:spMkLst>
             <pc:docMk/>
             <pc:sldMk cId="849266544" sldId="256"/>
@@ -595,7 +347,7 @@
           </ac:spMkLst>
         </pc:spChg>
         <pc:spChg chg="mod">
-          <ac:chgData name="Selvyn Yovany Martinez Barahona" userId="3ccf779dc7355a40" providerId="LiveId" clId="{176DFD19-9071-4B24-AA88-5DC23F609659}" dt="2022-11-18T03:44:08.358" v="10686"/>
+          <ac:chgData name="Selvyn Yovany Martinez Barahona" userId="3ccf779dc7355a40" providerId="LiveId" clId="{176DFD19-9071-4B24-AA88-5DC23F609659}" dt="2022-11-08T05:29:39.207" v="2820"/>
           <ac:spMkLst>
             <pc:docMk/>
             <pc:sldMk cId="849266544" sldId="256"/>
@@ -603,7 +355,7 @@
           </ac:spMkLst>
         </pc:spChg>
         <pc:spChg chg="mod ord">
-          <ac:chgData name="Selvyn Yovany Martinez Barahona" userId="3ccf779dc7355a40" providerId="LiveId" clId="{176DFD19-9071-4B24-AA88-5DC23F609659}" dt="2022-11-18T03:44:08.358" v="10685"/>
+          <ac:chgData name="Selvyn Yovany Martinez Barahona" userId="3ccf779dc7355a40" providerId="LiveId" clId="{176DFD19-9071-4B24-AA88-5DC23F609659}" dt="2022-11-08T05:29:39.207" v="2822"/>
           <ac:spMkLst>
             <pc:docMk/>
             <pc:sldMk cId="849266544" sldId="256"/>
@@ -611,7 +363,7 @@
           </ac:spMkLst>
         </pc:spChg>
         <pc:spChg chg="mod">
-          <ac:chgData name="Selvyn Yovany Martinez Barahona" userId="3ccf779dc7355a40" providerId="LiveId" clId="{176DFD19-9071-4B24-AA88-5DC23F609659}" dt="2022-11-18T03:44:08.358" v="10687"/>
+          <ac:chgData name="Selvyn Yovany Martinez Barahona" userId="3ccf779dc7355a40" providerId="LiveId" clId="{176DFD19-9071-4B24-AA88-5DC23F609659}" dt="2022-11-08T05:29:39.206" v="2819"/>
           <ac:spMkLst>
             <pc:docMk/>
             <pc:sldMk cId="849266544" sldId="256"/>
@@ -619,7 +371,7 @@
           </ac:spMkLst>
         </pc:spChg>
         <pc:spChg chg="mod">
-          <ac:chgData name="Selvyn Yovany Martinez Barahona" userId="3ccf779dc7355a40" providerId="LiveId" clId="{176DFD19-9071-4B24-AA88-5DC23F609659}" dt="2022-11-18T03:44:08.357" v="10683"/>
+          <ac:chgData name="Selvyn Yovany Martinez Barahona" userId="3ccf779dc7355a40" providerId="LiveId" clId="{176DFD19-9071-4B24-AA88-5DC23F609659}" dt="2022-11-08T05:29:39.207" v="2823"/>
           <ac:spMkLst>
             <pc:docMk/>
             <pc:sldMk cId="849266544" sldId="256"/>
@@ -627,7 +379,7 @@
           </ac:spMkLst>
         </pc:spChg>
         <pc:spChg chg="mod">
-          <ac:chgData name="Selvyn Yovany Martinez Barahona" userId="3ccf779dc7355a40" providerId="LiveId" clId="{176DFD19-9071-4B24-AA88-5DC23F609659}" dt="2022-11-18T03:44:08.358" v="10688"/>
+          <ac:chgData name="Selvyn Yovany Martinez Barahona" userId="3ccf779dc7355a40" providerId="LiveId" clId="{176DFD19-9071-4B24-AA88-5DC23F609659}" dt="2022-11-08T05:29:39.207" v="2824"/>
           <ac:spMkLst>
             <pc:docMk/>
             <pc:sldMk cId="849266544" sldId="256"/>
@@ -635,7 +387,7 @@
           </ac:spMkLst>
         </pc:spChg>
         <pc:spChg chg="mod">
-          <ac:chgData name="Selvyn Yovany Martinez Barahona" userId="3ccf779dc7355a40" providerId="LiveId" clId="{176DFD19-9071-4B24-AA88-5DC23F609659}" dt="2022-11-18T03:44:08.358" v="10689"/>
+          <ac:chgData name="Selvyn Yovany Martinez Barahona" userId="3ccf779dc7355a40" providerId="LiveId" clId="{176DFD19-9071-4B24-AA88-5DC23F609659}" dt="2022-11-08T05:29:39.208" v="2825"/>
           <ac:spMkLst>
             <pc:docMk/>
             <pc:sldMk cId="849266544" sldId="256"/>
@@ -643,7 +395,7 @@
           </ac:spMkLst>
         </pc:spChg>
         <pc:spChg chg="mod">
-          <ac:chgData name="Selvyn Yovany Martinez Barahona" userId="3ccf779dc7355a40" providerId="LiveId" clId="{176DFD19-9071-4B24-AA88-5DC23F609659}" dt="2022-11-18T03:44:08.359" v="10690"/>
+          <ac:chgData name="Selvyn Yovany Martinez Barahona" userId="3ccf779dc7355a40" providerId="LiveId" clId="{176DFD19-9071-4B24-AA88-5DC23F609659}" dt="2022-11-08T05:29:39.208" v="2826"/>
           <ac:spMkLst>
             <pc:docMk/>
             <pc:sldMk cId="849266544" sldId="256"/>
@@ -651,7 +403,7 @@
           </ac:spMkLst>
         </pc:spChg>
         <pc:spChg chg="mod">
-          <ac:chgData name="Selvyn Yovany Martinez Barahona" userId="3ccf779dc7355a40" providerId="LiveId" clId="{176DFD19-9071-4B24-AA88-5DC23F609659}" dt="2022-11-18T03:44:08.359" v="10691"/>
+          <ac:chgData name="Selvyn Yovany Martinez Barahona" userId="3ccf779dc7355a40" providerId="LiveId" clId="{176DFD19-9071-4B24-AA88-5DC23F609659}" dt="2022-11-08T05:29:39.209" v="2830"/>
           <ac:spMkLst>
             <pc:docMk/>
             <pc:sldMk cId="849266544" sldId="256"/>
@@ -659,7 +411,7 @@
           </ac:spMkLst>
         </pc:spChg>
         <pc:spChg chg="mod">
-          <ac:chgData name="Selvyn Yovany Martinez Barahona" userId="3ccf779dc7355a40" providerId="LiveId" clId="{176DFD19-9071-4B24-AA88-5DC23F609659}" dt="2022-11-18T03:44:08.359" v="10692"/>
+          <ac:chgData name="Selvyn Yovany Martinez Barahona" userId="3ccf779dc7355a40" providerId="LiveId" clId="{176DFD19-9071-4B24-AA88-5DC23F609659}" dt="2022-11-08T05:29:39.208" v="2827"/>
           <ac:spMkLst>
             <pc:docMk/>
             <pc:sldMk cId="849266544" sldId="256"/>
@@ -667,7 +419,7 @@
           </ac:spMkLst>
         </pc:spChg>
         <pc:spChg chg="mod">
-          <ac:chgData name="Selvyn Yovany Martinez Barahona" userId="3ccf779dc7355a40" providerId="LiveId" clId="{176DFD19-9071-4B24-AA88-5DC23F609659}" dt="2022-11-18T03:44:08.359" v="10694"/>
+          <ac:chgData name="Selvyn Yovany Martinez Barahona" userId="3ccf779dc7355a40" providerId="LiveId" clId="{176DFD19-9071-4B24-AA88-5DC23F609659}" dt="2022-11-08T05:29:39.208" v="2829"/>
           <ac:spMkLst>
             <pc:docMk/>
             <pc:sldMk cId="849266544" sldId="256"/>
@@ -675,7 +427,7 @@
           </ac:spMkLst>
         </pc:spChg>
         <pc:spChg chg="mod">
-          <ac:chgData name="Selvyn Yovany Martinez Barahona" userId="3ccf779dc7355a40" providerId="LiveId" clId="{176DFD19-9071-4B24-AA88-5DC23F609659}" dt="2022-11-18T03:44:08.359" v="10693"/>
+          <ac:chgData name="Selvyn Yovany Martinez Barahona" userId="3ccf779dc7355a40" providerId="LiveId" clId="{176DFD19-9071-4B24-AA88-5DC23F609659}" dt="2022-11-08T05:29:39.208" v="2828"/>
           <ac:spMkLst>
             <pc:docMk/>
             <pc:sldMk cId="849266544" sldId="256"/>
@@ -683,7 +435,7 @@
           </ac:spMkLst>
         </pc:spChg>
         <pc:spChg chg="mod">
-          <ac:chgData name="Selvyn Yovany Martinez Barahona" userId="3ccf779dc7355a40" providerId="LiveId" clId="{176DFD19-9071-4B24-AA88-5DC23F609659}" dt="2022-11-18T03:44:08.359" v="10695"/>
+          <ac:chgData name="Selvyn Yovany Martinez Barahona" userId="3ccf779dc7355a40" providerId="LiveId" clId="{176DFD19-9071-4B24-AA88-5DC23F609659}" dt="2022-11-08T05:29:39.209" v="2831"/>
           <ac:spMkLst>
             <pc:docMk/>
             <pc:sldMk cId="849266544" sldId="256"/>
@@ -691,7 +443,7 @@
           </ac:spMkLst>
         </pc:spChg>
         <pc:spChg chg="mod">
-          <ac:chgData name="Selvyn Yovany Martinez Barahona" userId="3ccf779dc7355a40" providerId="LiveId" clId="{176DFD19-9071-4B24-AA88-5DC23F609659}" dt="2022-11-18T03:44:08.360" v="10696"/>
+          <ac:chgData name="Selvyn Yovany Martinez Barahona" userId="3ccf779dc7355a40" providerId="LiveId" clId="{176DFD19-9071-4B24-AA88-5DC23F609659}" dt="2022-11-08T05:29:39.209" v="2832"/>
           <ac:spMkLst>
             <pc:docMk/>
             <pc:sldMk cId="849266544" sldId="256"/>
@@ -707,35 +459,11 @@
           </ac:spMkLst>
         </pc:spChg>
         <pc:spChg chg="add del mod modVis">
-          <ac:chgData name="Selvyn Yovany Martinez Barahona" userId="3ccf779dc7355a40" providerId="LiveId" clId="{176DFD19-9071-4B24-AA88-5DC23F609659}" dt="2022-11-18T03:07:24.884" v="7744"/>
-          <ac:spMkLst>
-            <pc:docMk/>
-            <pc:sldMk cId="849266544" sldId="256"/>
-            <ac:spMk id="449" creationId="{7EEBA972-7EC7-5BC6-C526-19EE0DA6E20B}"/>
-          </ac:spMkLst>
-        </pc:spChg>
-        <pc:spChg chg="add del mod modVis">
-          <ac:chgData name="Selvyn Yovany Martinez Barahona" userId="3ccf779dc7355a40" providerId="LiveId" clId="{176DFD19-9071-4B24-AA88-5DC23F609659}" dt="2022-11-18T03:07:33.465" v="7879"/>
-          <ac:spMkLst>
-            <pc:docMk/>
-            <pc:sldMk cId="849266544" sldId="256"/>
-            <ac:spMk id="451" creationId="{407F5696-C526-BAF8-B029-3709A0B4B7F9}"/>
-          </ac:spMkLst>
-        </pc:spChg>
-        <pc:spChg chg="add del mod modVis">
           <ac:chgData name="Selvyn Yovany Martinez Barahona" userId="3ccf779dc7355a40" providerId="LiveId" clId="{176DFD19-9071-4B24-AA88-5DC23F609659}" dt="2022-11-08T00:30:32.181" v="511"/>
           <ac:spMkLst>
             <pc:docMk/>
             <pc:sldMk cId="849266544" sldId="256"/>
             <ac:spMk id="451" creationId="{AF3C9087-4FFD-14A9-5B21-4D7078B94799}"/>
-          </ac:spMkLst>
-        </pc:spChg>
-        <pc:spChg chg="add del mod modVis">
-          <ac:chgData name="Selvyn Yovany Martinez Barahona" userId="3ccf779dc7355a40" providerId="LiveId" clId="{176DFD19-9071-4B24-AA88-5DC23F609659}" dt="2022-11-18T03:07:41.042" v="8014"/>
-          <ac:spMkLst>
-            <pc:docMk/>
-            <pc:sldMk cId="849266544" sldId="256"/>
-            <ac:spMk id="453" creationId="{41668ABC-80FD-9E79-02CB-393FCF53CCC0}"/>
           </ac:spMkLst>
         </pc:spChg>
         <pc:spChg chg="add del mod modVis">
@@ -747,14 +475,6 @@
           </ac:spMkLst>
         </pc:spChg>
         <pc:spChg chg="add del mod modVis">
-          <ac:chgData name="Selvyn Yovany Martinez Barahona" userId="3ccf779dc7355a40" providerId="LiveId" clId="{176DFD19-9071-4B24-AA88-5DC23F609659}" dt="2022-11-18T03:07:49.245" v="8149"/>
-          <ac:spMkLst>
-            <pc:docMk/>
-            <pc:sldMk cId="849266544" sldId="256"/>
-            <ac:spMk id="455" creationId="{5B2CEDCA-83B7-008B-7392-71E9EE8D61C2}"/>
-          </ac:spMkLst>
-        </pc:spChg>
-        <pc:spChg chg="add del mod modVis">
           <ac:chgData name="Selvyn Yovany Martinez Barahona" userId="3ccf779dc7355a40" providerId="LiveId" clId="{176DFD19-9071-4B24-AA88-5DC23F609659}" dt="2022-11-08T00:30:44.658" v="1268"/>
           <ac:spMkLst>
             <pc:docMk/>
@@ -763,7 +483,7 @@
           </ac:spMkLst>
         </pc:spChg>
         <pc:spChg chg="add del mod ord replST">
-          <ac:chgData name="Selvyn Yovany Martinez Barahona" userId="3ccf779dc7355a40" providerId="LiveId" clId="{176DFD19-9071-4B24-AA88-5DC23F609659}" dt="2022-11-18T03:44:08.351" v="10646"/>
+          <ac:chgData name="Selvyn Yovany Martinez Barahona" userId="3ccf779dc7355a40" providerId="LiveId" clId="{176DFD19-9071-4B24-AA88-5DC23F609659}" dt="2022-11-08T05:29:39.199" v="2780"/>
           <ac:spMkLst>
             <pc:docMk/>
             <pc:sldMk cId="849266544" sldId="256"/>
@@ -771,7 +491,7 @@
           </ac:spMkLst>
         </pc:spChg>
         <pc:spChg chg="add del mod ord replST">
-          <ac:chgData name="Selvyn Yovany Martinez Barahona" userId="3ccf779dc7355a40" providerId="LiveId" clId="{176DFD19-9071-4B24-AA88-5DC23F609659}" dt="2022-11-18T02:51:20.099" v="3028"/>
+          <ac:chgData name="Selvyn Yovany Martinez Barahona" userId="3ccf779dc7355a40" providerId="LiveId" clId="{176DFD19-9071-4B24-AA88-5DC23F609659}" dt="2022-11-08T05:29:39.200" v="2784"/>
           <ac:spMkLst>
             <pc:docMk/>
             <pc:sldMk cId="849266544" sldId="256"/>
@@ -779,7 +499,7 @@
           </ac:spMkLst>
         </pc:spChg>
         <pc:spChg chg="add del mod ord replST">
-          <ac:chgData name="Selvyn Yovany Martinez Barahona" userId="3ccf779dc7355a40" providerId="LiveId" clId="{176DFD19-9071-4B24-AA88-5DC23F609659}" dt="2022-11-18T02:51:20.101" v="3030"/>
+          <ac:chgData name="Selvyn Yovany Martinez Barahona" userId="3ccf779dc7355a40" providerId="LiveId" clId="{176DFD19-9071-4B24-AA88-5DC23F609659}" dt="2022-11-08T05:29:39.200" v="2786"/>
           <ac:spMkLst>
             <pc:docMk/>
             <pc:sldMk cId="849266544" sldId="256"/>
@@ -787,7 +507,7 @@
           </ac:spMkLst>
         </pc:spChg>
         <pc:spChg chg="add del mod ord replST">
-          <ac:chgData name="Selvyn Yovany Martinez Barahona" userId="3ccf779dc7355a40" providerId="LiveId" clId="{176DFD19-9071-4B24-AA88-5DC23F609659}" dt="2022-11-18T02:51:20.101" v="3032"/>
+          <ac:chgData name="Selvyn Yovany Martinez Barahona" userId="3ccf779dc7355a40" providerId="LiveId" clId="{176DFD19-9071-4B24-AA88-5DC23F609659}" dt="2022-11-08T05:29:39.200" v="2788"/>
           <ac:spMkLst>
             <pc:docMk/>
             <pc:sldMk cId="849266544" sldId="256"/>
@@ -795,19 +515,11 @@
           </ac:spMkLst>
         </pc:spChg>
         <pc:spChg chg="add del mod ord replST">
-          <ac:chgData name="Selvyn Yovany Martinez Barahona" userId="3ccf779dc7355a40" providerId="LiveId" clId="{176DFD19-9071-4B24-AA88-5DC23F609659}" dt="2022-11-18T02:51:20.102" v="3034"/>
+          <ac:chgData name="Selvyn Yovany Martinez Barahona" userId="3ccf779dc7355a40" providerId="LiveId" clId="{176DFD19-9071-4B24-AA88-5DC23F609659}" dt="2022-11-08T05:29:39.199" v="2782"/>
           <ac:spMkLst>
             <pc:docMk/>
             <pc:sldMk cId="849266544" sldId="256"/>
             <ac:spMk id="461" creationId="{F01B8698-9294-F532-DDB4-2EE198CBAA21}"/>
-          </ac:spMkLst>
-        </pc:spChg>
-        <pc:spChg chg="add del mod modVis">
-          <ac:chgData name="Selvyn Yovany Martinez Barahona" userId="3ccf779dc7355a40" providerId="LiveId" clId="{176DFD19-9071-4B24-AA88-5DC23F609659}" dt="2022-11-18T03:07:53.219" v="8284"/>
-          <ac:spMkLst>
-            <pc:docMk/>
-            <pc:sldMk cId="849266544" sldId="256"/>
-            <ac:spMk id="463" creationId="{B2881AA3-EE2B-87C1-34BC-BCCCD6C84601}"/>
           </ac:spMkLst>
         </pc:spChg>
         <pc:spChg chg="add del mod modVis">
@@ -816,22 +528,6 @@
             <pc:docMk/>
             <pc:sldMk cId="849266544" sldId="256"/>
             <ac:spMk id="464" creationId="{AFA32FEB-4726-A115-0A7B-3750501E13DA}"/>
-          </ac:spMkLst>
-        </pc:spChg>
-        <pc:spChg chg="add del mod modVis">
-          <ac:chgData name="Selvyn Yovany Martinez Barahona" userId="3ccf779dc7355a40" providerId="LiveId" clId="{176DFD19-9071-4B24-AA88-5DC23F609659}" dt="2022-11-18T03:11:28.655" v="8420"/>
-          <ac:spMkLst>
-            <pc:docMk/>
-            <pc:sldMk cId="849266544" sldId="256"/>
-            <ac:spMk id="465" creationId="{B861AE32-0BDD-DA3A-367F-1D1C2CC2C3AB}"/>
-          </ac:spMkLst>
-        </pc:spChg>
-        <pc:spChg chg="add del mod modVis">
-          <ac:chgData name="Selvyn Yovany Martinez Barahona" userId="3ccf779dc7355a40" providerId="LiveId" clId="{176DFD19-9071-4B24-AA88-5DC23F609659}" dt="2022-11-18T03:11:39.049" v="8556"/>
-          <ac:spMkLst>
-            <pc:docMk/>
-            <pc:sldMk cId="849266544" sldId="256"/>
-            <ac:spMk id="467" creationId="{97A7D520-7402-714F-AA57-B9B607651E03}"/>
           </ac:spMkLst>
         </pc:spChg>
         <pc:spChg chg="add del mod replST delST">
@@ -843,27 +539,11 @@
           </ac:spMkLst>
         </pc:spChg>
         <pc:spChg chg="add del mod modVis">
-          <ac:chgData name="Selvyn Yovany Martinez Barahona" userId="3ccf779dc7355a40" providerId="LiveId" clId="{176DFD19-9071-4B24-AA88-5DC23F609659}" dt="2022-11-18T03:11:43.523" v="8692"/>
-          <ac:spMkLst>
-            <pc:docMk/>
-            <pc:sldMk cId="849266544" sldId="256"/>
-            <ac:spMk id="469" creationId="{2221B23B-A4DD-7AD3-D495-914EEE901B99}"/>
-          </ac:spMkLst>
-        </pc:spChg>
-        <pc:spChg chg="add del mod modVis">
           <ac:chgData name="Selvyn Yovany Martinez Barahona" userId="3ccf779dc7355a40" providerId="LiveId" clId="{176DFD19-9071-4B24-AA88-5DC23F609659}" dt="2022-11-08T00:33:45.132" v="2447"/>
           <ac:spMkLst>
             <pc:docMk/>
             <pc:sldMk cId="849266544" sldId="256"/>
             <ac:spMk id="469" creationId="{33044A17-34E3-B11D-D299-466C139DF639}"/>
-          </ac:spMkLst>
-        </pc:spChg>
-        <pc:spChg chg="add del mod modVis">
-          <ac:chgData name="Selvyn Yovany Martinez Barahona" userId="3ccf779dc7355a40" providerId="LiveId" clId="{176DFD19-9071-4B24-AA88-5DC23F609659}" dt="2022-11-18T03:11:55.514" v="8828"/>
-          <ac:spMkLst>
-            <pc:docMk/>
-            <pc:sldMk cId="849266544" sldId="256"/>
-            <ac:spMk id="471" creationId="{3DFB44B4-5C2D-D950-E75D-7A098E71297E}"/>
           </ac:spMkLst>
         </pc:spChg>
         <pc:spChg chg="add mod replST delST">
@@ -890,340 +570,20 @@
             <ac:spMk id="474" creationId="{12BDC72C-847B-096B-F025-BF3A4D463DD0}"/>
           </ac:spMkLst>
         </pc:spChg>
-        <pc:spChg chg="add del mod modVis">
-          <ac:chgData name="Selvyn Yovany Martinez Barahona" userId="3ccf779dc7355a40" providerId="LiveId" clId="{176DFD19-9071-4B24-AA88-5DC23F609659}" dt="2022-11-18T03:12:12.435" v="9047"/>
-          <ac:spMkLst>
-            <pc:docMk/>
-            <pc:sldMk cId="849266544" sldId="256"/>
-            <ac:spMk id="474" creationId="{86AF6335-CD4E-781E-797A-947E89EA6162}"/>
-          </ac:spMkLst>
-        </pc:spChg>
-        <pc:spChg chg="add del mod modVis">
-          <ac:chgData name="Selvyn Yovany Martinez Barahona" userId="3ccf779dc7355a40" providerId="LiveId" clId="{176DFD19-9071-4B24-AA88-5DC23F609659}" dt="2022-11-18T03:12:19.623" v="9182"/>
-          <ac:spMkLst>
-            <pc:docMk/>
-            <pc:sldMk cId="849266544" sldId="256"/>
-            <ac:spMk id="476" creationId="{6C8A0238-0458-AA39-1713-5F39173844D2}"/>
-          </ac:spMkLst>
-        </pc:spChg>
-        <pc:spChg chg="add del mod modVis">
-          <ac:chgData name="Selvyn Yovany Martinez Barahona" userId="3ccf779dc7355a40" providerId="LiveId" clId="{176DFD19-9071-4B24-AA88-5DC23F609659}" dt="2022-11-18T03:12:33.451" v="9317"/>
-          <ac:spMkLst>
-            <pc:docMk/>
-            <pc:sldMk cId="849266544" sldId="256"/>
-            <ac:spMk id="478" creationId="{77DEB970-1BB9-B919-84FC-0ED7FFEEA991}"/>
-          </ac:spMkLst>
-        </pc:spChg>
-        <pc:spChg chg="add del mod modVis">
-          <ac:chgData name="Selvyn Yovany Martinez Barahona" userId="3ccf779dc7355a40" providerId="LiveId" clId="{176DFD19-9071-4B24-AA88-5DC23F609659}" dt="2022-11-18T03:12:37.780" v="9452"/>
-          <ac:spMkLst>
-            <pc:docMk/>
-            <pc:sldMk cId="849266544" sldId="256"/>
-            <ac:spMk id="480" creationId="{6B26876E-AF1C-0596-F896-1EB66F974372}"/>
-          </ac:spMkLst>
-        </pc:spChg>
-        <pc:spChg chg="add del mod modVis">
-          <ac:chgData name="Selvyn Yovany Martinez Barahona" userId="3ccf779dc7355a40" providerId="LiveId" clId="{176DFD19-9071-4B24-AA88-5DC23F609659}" dt="2022-11-18T03:12:43.688" v="9587"/>
-          <ac:spMkLst>
-            <pc:docMk/>
-            <pc:sldMk cId="849266544" sldId="256"/>
-            <ac:spMk id="482" creationId="{83336727-DE64-4962-4FCC-8D4F5E0E9550}"/>
-          </ac:spMkLst>
-        </pc:spChg>
-        <pc:spChg chg="add del mod modVis">
-          <ac:chgData name="Selvyn Yovany Martinez Barahona" userId="3ccf779dc7355a40" providerId="LiveId" clId="{176DFD19-9071-4B24-AA88-5DC23F609659}" dt="2022-11-18T03:18:29" v="9743"/>
-          <ac:spMkLst>
-            <pc:docMk/>
-            <pc:sldMk cId="849266544" sldId="256"/>
-            <ac:spMk id="484" creationId="{5FA1455B-EDF9-CA59-7999-C5449B904FB1}"/>
-          </ac:spMkLst>
-        </pc:spChg>
-        <pc:spChg chg="add del mod modVis">
-          <ac:chgData name="Selvyn Yovany Martinez Barahona" userId="3ccf779dc7355a40" providerId="LiveId" clId="{176DFD19-9071-4B24-AA88-5DC23F609659}" dt="2022-11-18T03:19:46.580" v="9899"/>
-          <ac:spMkLst>
-            <pc:docMk/>
-            <pc:sldMk cId="849266544" sldId="256"/>
-            <ac:spMk id="487" creationId="{845F1D37-8AC3-6C1D-AD6D-A5B9CAB81FE6}"/>
-          </ac:spMkLst>
-        </pc:spChg>
-        <pc:spChg chg="add del mod modVis">
-          <ac:chgData name="Selvyn Yovany Martinez Barahona" userId="3ccf779dc7355a40" providerId="LiveId" clId="{176DFD19-9071-4B24-AA88-5DC23F609659}" dt="2022-11-18T03:43:22.013" v="10035"/>
-          <ac:spMkLst>
-            <pc:docMk/>
-            <pc:sldMk cId="849266544" sldId="256"/>
-            <ac:spMk id="490" creationId="{A56AC53B-756C-81A0-0107-3E26CAD63AA8}"/>
-          </ac:spMkLst>
-        </pc:spChg>
-        <pc:spChg chg="add del mod modVis">
-          <ac:chgData name="Selvyn Yovany Martinez Barahona" userId="3ccf779dc7355a40" providerId="LiveId" clId="{176DFD19-9071-4B24-AA88-5DC23F609659}" dt="2022-11-18T03:43:28.344" v="10221"/>
-          <ac:spMkLst>
-            <pc:docMk/>
-            <pc:sldMk cId="849266544" sldId="256"/>
-            <ac:spMk id="492" creationId="{19B7DBCE-31F6-2369-0656-9FDCFE06CA4C}"/>
-          </ac:spMkLst>
-        </pc:spChg>
-        <pc:spChg chg="add del mod modVis">
-          <ac:chgData name="Selvyn Yovany Martinez Barahona" userId="3ccf779dc7355a40" providerId="LiveId" clId="{176DFD19-9071-4B24-AA88-5DC23F609659}" dt="2022-11-18T03:43:42.043" v="10355"/>
-          <ac:spMkLst>
-            <pc:docMk/>
-            <pc:sldMk cId="849266544" sldId="256"/>
-            <ac:spMk id="494" creationId="{275CC632-83BA-86A3-9914-3B782929A9B0}"/>
-          </ac:spMkLst>
-        </pc:spChg>
-        <pc:spChg chg="add del mod modVis">
-          <ac:chgData name="Selvyn Yovany Martinez Barahona" userId="3ccf779dc7355a40" providerId="LiveId" clId="{176DFD19-9071-4B24-AA88-5DC23F609659}" dt="2022-11-18T03:43:49.937" v="10528"/>
-          <ac:spMkLst>
-            <pc:docMk/>
-            <pc:sldMk cId="849266544" sldId="256"/>
-            <ac:spMk id="496" creationId="{574EE19A-AECF-26F7-6348-E6D179D8D26A}"/>
-          </ac:spMkLst>
-        </pc:spChg>
-        <pc:graphicFrameChg chg="add del mod ord replST">
-          <ac:chgData name="Selvyn Yovany Martinez Barahona" userId="3ccf779dc7355a40" providerId="LiveId" clId="{176DFD19-9071-4B24-AA88-5DC23F609659}" dt="2022-11-18T02:51:20.159" v="3093"/>
+        <pc:graphicFrameChg chg="add mod ord replST">
+          <ac:chgData name="Selvyn Yovany Martinez Barahona" userId="3ccf779dc7355a40" providerId="LiveId" clId="{176DFD19-9071-4B24-AA88-5DC23F609659}" dt="2022-11-08T05:29:39.204" v="2808"/>
           <ac:graphicFrameMkLst>
             <pc:docMk/>
             <pc:sldMk cId="849266544" sldId="256"/>
             <ac:graphicFrameMk id="3" creationId="{D2E8DBCA-E70C-D175-5372-A226706F5712}"/>
           </ac:graphicFrameMkLst>
         </pc:graphicFrameChg>
-        <pc:graphicFrameChg chg="add del mod ord replST">
-          <ac:chgData name="Selvyn Yovany Martinez Barahona" userId="3ccf779dc7355a40" providerId="LiveId" clId="{176DFD19-9071-4B24-AA88-5DC23F609659}" dt="2022-11-18T02:51:41.010" v="3569"/>
-          <ac:graphicFrameMkLst>
-            <pc:docMk/>
-            <pc:sldMk cId="849266544" sldId="256"/>
-            <ac:graphicFrameMk id="4" creationId="{F4267790-173E-201E-AB74-DF98393BBCEC}"/>
-          </ac:graphicFrameMkLst>
-        </pc:graphicFrameChg>
-        <pc:graphicFrameChg chg="add del mod ord replST">
-          <ac:chgData name="Selvyn Yovany Martinez Barahona" userId="3ccf779dc7355a40" providerId="LiveId" clId="{176DFD19-9071-4B24-AA88-5DC23F609659}" dt="2022-11-18T02:51:41.026" v="3588"/>
-          <ac:graphicFrameMkLst>
-            <pc:docMk/>
-            <pc:sldMk cId="849266544" sldId="256"/>
-            <ac:graphicFrameMk id="5" creationId="{1EBF0A35-1F30-F14D-A625-98F345D893C1}"/>
-          </ac:graphicFrameMkLst>
-        </pc:graphicFrameChg>
         <pc:graphicFrameChg chg="mod">
-          <ac:chgData name="Selvyn Yovany Martinez Barahona" userId="3ccf779dc7355a40" providerId="LiveId" clId="{176DFD19-9071-4B24-AA88-5DC23F609659}" dt="2022-11-18T03:44:08.363" v="10700"/>
+          <ac:chgData name="Selvyn Yovany Martinez Barahona" userId="3ccf779dc7355a40" providerId="LiveId" clId="{176DFD19-9071-4B24-AA88-5DC23F609659}" dt="2022-11-08T05:29:39.214" v="2838"/>
           <ac:graphicFrameMkLst>
             <pc:docMk/>
             <pc:sldMk cId="849266544" sldId="256"/>
             <ac:graphicFrameMk id="9" creationId="{94F6DDB2-4988-6D60-A3BC-07C92A74F16B}"/>
-          </ac:graphicFrameMkLst>
-        </pc:graphicFrameChg>
-        <pc:graphicFrameChg chg="add del mod ord replST">
-          <ac:chgData name="Selvyn Yovany Martinez Barahona" userId="3ccf779dc7355a40" providerId="LiveId" clId="{176DFD19-9071-4B24-AA88-5DC23F609659}" dt="2022-11-18T02:51:44.767" v="3681"/>
-          <ac:graphicFrameMkLst>
-            <pc:docMk/>
-            <pc:sldMk cId="849266544" sldId="256"/>
-            <ac:graphicFrameMk id="12" creationId="{6570D037-3C93-6CE5-2379-B3C4D6166539}"/>
-          </ac:graphicFrameMkLst>
-        </pc:graphicFrameChg>
-        <pc:graphicFrameChg chg="add del mod ord replST">
-          <ac:chgData name="Selvyn Yovany Martinez Barahona" userId="3ccf779dc7355a40" providerId="LiveId" clId="{176DFD19-9071-4B24-AA88-5DC23F609659}" dt="2022-11-18T02:51:59.050" v="4226"/>
-          <ac:graphicFrameMkLst>
-            <pc:docMk/>
-            <pc:sldMk cId="849266544" sldId="256"/>
-            <ac:graphicFrameMk id="13" creationId="{425E93D9-1E5D-CABB-0A00-64CE09ED4253}"/>
-          </ac:graphicFrameMkLst>
-        </pc:graphicFrameChg>
-        <pc:graphicFrameChg chg="add del mod ord replST">
-          <ac:chgData name="Selvyn Yovany Martinez Barahona" userId="3ccf779dc7355a40" providerId="LiveId" clId="{176DFD19-9071-4B24-AA88-5DC23F609659}" dt="2022-11-18T02:51:54.148" v="3768"/>
-          <ac:graphicFrameMkLst>
-            <pc:docMk/>
-            <pc:sldMk cId="849266544" sldId="256"/>
-            <ac:graphicFrameMk id="14" creationId="{FE219A26-F621-2A41-0F65-270F64A0D130}"/>
-          </ac:graphicFrameMkLst>
-        </pc:graphicFrameChg>
-        <pc:graphicFrameChg chg="add del mod ord replST">
-          <ac:chgData name="Selvyn Yovany Martinez Barahona" userId="3ccf779dc7355a40" providerId="LiveId" clId="{176DFD19-9071-4B24-AA88-5DC23F609659}" dt="2022-11-18T02:51:54.861" v="3933"/>
-          <ac:graphicFrameMkLst>
-            <pc:docMk/>
-            <pc:sldMk cId="849266544" sldId="256"/>
-            <ac:graphicFrameMk id="15" creationId="{2EBEC890-7371-B65F-470D-100C6A4A94B7}"/>
-          </ac:graphicFrameMkLst>
-        </pc:graphicFrameChg>
-        <pc:graphicFrameChg chg="add del mod ord replST">
-          <ac:chgData name="Selvyn Yovany Martinez Barahona" userId="3ccf779dc7355a40" providerId="LiveId" clId="{176DFD19-9071-4B24-AA88-5DC23F609659}" dt="2022-11-18T02:51:57.404" v="4010"/>
-          <ac:graphicFrameMkLst>
-            <pc:docMk/>
-            <pc:sldMk cId="849266544" sldId="256"/>
-            <ac:graphicFrameMk id="17" creationId="{CC12AE94-CCA1-94E3-7ACA-177AE3EF9B60}"/>
-          </ac:graphicFrameMkLst>
-        </pc:graphicFrameChg>
-        <pc:graphicFrameChg chg="add del mod ord replST">
-          <ac:chgData name="Selvyn Yovany Martinez Barahona" userId="3ccf779dc7355a40" providerId="LiveId" clId="{176DFD19-9071-4B24-AA88-5DC23F609659}" dt="2022-11-18T02:51:58.198" v="4085"/>
-          <ac:graphicFrameMkLst>
-            <pc:docMk/>
-            <pc:sldMk cId="849266544" sldId="256"/>
-            <ac:graphicFrameMk id="18" creationId="{01B50015-3DA0-24B2-C3E4-100B7DC6BF29}"/>
-          </ac:graphicFrameMkLst>
-        </pc:graphicFrameChg>
-        <pc:graphicFrameChg chg="add del mod ord replST">
-          <ac:chgData name="Selvyn Yovany Martinez Barahona" userId="3ccf779dc7355a40" providerId="LiveId" clId="{176DFD19-9071-4B24-AA88-5DC23F609659}" dt="2022-11-18T02:51:59.036" v="4207"/>
-          <ac:graphicFrameMkLst>
-            <pc:docMk/>
-            <pc:sldMk cId="849266544" sldId="256"/>
-            <ac:graphicFrameMk id="19" creationId="{3590559C-924B-F7E4-5F7F-F831F4CAE889}"/>
-          </ac:graphicFrameMkLst>
-        </pc:graphicFrameChg>
-        <pc:graphicFrameChg chg="add del mod ord replST">
-          <ac:chgData name="Selvyn Yovany Martinez Barahona" userId="3ccf779dc7355a40" providerId="LiveId" clId="{176DFD19-9071-4B24-AA88-5DC23F609659}" dt="2022-11-18T03:03:20.379" v="4702"/>
-          <ac:graphicFrameMkLst>
-            <pc:docMk/>
-            <pc:sldMk cId="849266544" sldId="256"/>
-            <ac:graphicFrameMk id="21" creationId="{D3E47005-3DD8-EAC7-C703-7F27B96ECAB2}"/>
-          </ac:graphicFrameMkLst>
-        </pc:graphicFrameChg>
-        <pc:graphicFrameChg chg="add del mod ord replST">
-          <ac:chgData name="Selvyn Yovany Martinez Barahona" userId="3ccf779dc7355a40" providerId="LiveId" clId="{176DFD19-9071-4B24-AA88-5DC23F609659}" dt="2022-11-18T03:03:20.392" v="4721"/>
-          <ac:graphicFrameMkLst>
-            <pc:docMk/>
-            <pc:sldMk cId="849266544" sldId="256"/>
-            <ac:graphicFrameMk id="22" creationId="{FE42C5EB-156A-FF91-C542-75194D521AE0}"/>
-          </ac:graphicFrameMkLst>
-        </pc:graphicFrameChg>
-        <pc:graphicFrameChg chg="add del mod ord replST">
-          <ac:chgData name="Selvyn Yovany Martinez Barahona" userId="3ccf779dc7355a40" providerId="LiveId" clId="{176DFD19-9071-4B24-AA88-5DC23F609659}" dt="2022-11-18T03:03:25.155" v="4814"/>
-          <ac:graphicFrameMkLst>
-            <pc:docMk/>
-            <pc:sldMk cId="849266544" sldId="256"/>
-            <ac:graphicFrameMk id="28" creationId="{8F35EEB3-F504-16BF-BA90-E58908C60DC3}"/>
-          </ac:graphicFrameMkLst>
-        </pc:graphicFrameChg>
-        <pc:graphicFrameChg chg="add del mod ord replST">
-          <ac:chgData name="Selvyn Yovany Martinez Barahona" userId="3ccf779dc7355a40" providerId="LiveId" clId="{176DFD19-9071-4B24-AA88-5DC23F609659}" dt="2022-11-18T03:06:20.806" v="6519"/>
-          <ac:graphicFrameMkLst>
-            <pc:docMk/>
-            <pc:sldMk cId="849266544" sldId="256"/>
-            <ac:graphicFrameMk id="29" creationId="{9D669673-AAC3-BACC-4256-32BD9DB18B32}"/>
-          </ac:graphicFrameMkLst>
-        </pc:graphicFrameChg>
-        <pc:graphicFrameChg chg="add del mod ord replST">
-          <ac:chgData name="Selvyn Yovany Martinez Barahona" userId="3ccf779dc7355a40" providerId="LiveId" clId="{176DFD19-9071-4B24-AA88-5DC23F609659}" dt="2022-11-18T03:03:35.765" v="5031"/>
-          <ac:graphicFrameMkLst>
-            <pc:docMk/>
-            <pc:sldMk cId="849266544" sldId="256"/>
-            <ac:graphicFrameMk id="30" creationId="{7464D0A0-64DC-BFE7-4C78-F7F98ADB3511}"/>
-          </ac:graphicFrameMkLst>
-        </pc:graphicFrameChg>
-        <pc:graphicFrameChg chg="add del mod ord replST">
-          <ac:chgData name="Selvyn Yovany Martinez Barahona" userId="3ccf779dc7355a40" providerId="LiveId" clId="{176DFD19-9071-4B24-AA88-5DC23F609659}" dt="2022-11-18T03:03:43.158" v="5120"/>
-          <ac:graphicFrameMkLst>
-            <pc:docMk/>
-            <pc:sldMk cId="849266544" sldId="256"/>
-            <ac:graphicFrameMk id="32" creationId="{AC978A3A-0E65-6CB4-AA80-F86440ADAD2C}"/>
-          </ac:graphicFrameMkLst>
-        </pc:graphicFrameChg>
-        <pc:graphicFrameChg chg="add del mod ord replST">
-          <ac:chgData name="Selvyn Yovany Martinez Barahona" userId="3ccf779dc7355a40" providerId="LiveId" clId="{176DFD19-9071-4B24-AA88-5DC23F609659}" dt="2022-11-18T03:04:00.757" v="5254"/>
-          <ac:graphicFrameMkLst>
-            <pc:docMk/>
-            <pc:sldMk cId="849266544" sldId="256"/>
-            <ac:graphicFrameMk id="33" creationId="{306C685A-4833-A856-B17D-AB9F4BAA91C4}"/>
-          </ac:graphicFrameMkLst>
-        </pc:graphicFrameChg>
-        <pc:graphicFrameChg chg="add del mod ord replST">
-          <ac:chgData name="Selvyn Yovany Martinez Barahona" userId="3ccf779dc7355a40" providerId="LiveId" clId="{176DFD19-9071-4B24-AA88-5DC23F609659}" dt="2022-11-18T03:04:14.243" v="5390"/>
-          <ac:graphicFrameMkLst>
-            <pc:docMk/>
-            <pc:sldMk cId="849266544" sldId="256"/>
-            <ac:graphicFrameMk id="35" creationId="{CDB0D7ED-55BB-BD1C-3056-E95B77D7312F}"/>
-          </ac:graphicFrameMkLst>
-        </pc:graphicFrameChg>
-        <pc:graphicFrameChg chg="add del mod ord replST">
-          <ac:chgData name="Selvyn Yovany Martinez Barahona" userId="3ccf779dc7355a40" providerId="LiveId" clId="{176DFD19-9071-4B24-AA88-5DC23F609659}" dt="2022-11-18T03:04:23.450" v="5479"/>
-          <ac:graphicFrameMkLst>
-            <pc:docMk/>
-            <pc:sldMk cId="849266544" sldId="256"/>
-            <ac:graphicFrameMk id="37" creationId="{2BC5AD40-21CC-C4D8-9FEC-B399A33EE330}"/>
-          </ac:graphicFrameMkLst>
-        </pc:graphicFrameChg>
-        <pc:graphicFrameChg chg="add del mod ord replST">
-          <ac:chgData name="Selvyn Yovany Martinez Barahona" userId="3ccf779dc7355a40" providerId="LiveId" clId="{176DFD19-9071-4B24-AA88-5DC23F609659}" dt="2022-11-18T03:04:41.923" v="5613"/>
-          <ac:graphicFrameMkLst>
-            <pc:docMk/>
-            <pc:sldMk cId="849266544" sldId="256"/>
-            <ac:graphicFrameMk id="38" creationId="{41826500-F02D-5FD8-BC92-E3617354BD10}"/>
-          </ac:graphicFrameMkLst>
-        </pc:graphicFrameChg>
-        <pc:graphicFrameChg chg="add del mod ord replST">
-          <ac:chgData name="Selvyn Yovany Martinez Barahona" userId="3ccf779dc7355a40" providerId="LiveId" clId="{176DFD19-9071-4B24-AA88-5DC23F609659}" dt="2022-11-18T03:04:52.962" v="5749"/>
-          <ac:graphicFrameMkLst>
-            <pc:docMk/>
-            <pc:sldMk cId="849266544" sldId="256"/>
-            <ac:graphicFrameMk id="40" creationId="{FE2F9B10-8F15-E6A3-284D-7A081AD974C1}"/>
-          </ac:graphicFrameMkLst>
-        </pc:graphicFrameChg>
-        <pc:graphicFrameChg chg="add del mod ord replST">
-          <ac:chgData name="Selvyn Yovany Martinez Barahona" userId="3ccf779dc7355a40" providerId="LiveId" clId="{176DFD19-9071-4B24-AA88-5DC23F609659}" dt="2022-11-18T03:05:01.399" v="5887"/>
-          <ac:graphicFrameMkLst>
-            <pc:docMk/>
-            <pc:sldMk cId="849266544" sldId="256"/>
-            <ac:graphicFrameMk id="42" creationId="{3FE7CC04-C6E0-0B29-05F9-6DA8C6327526}"/>
-          </ac:graphicFrameMkLst>
-        </pc:graphicFrameChg>
-        <pc:graphicFrameChg chg="add del mod ord replST">
-          <ac:chgData name="Selvyn Yovany Martinez Barahona" userId="3ccf779dc7355a40" providerId="LiveId" clId="{176DFD19-9071-4B24-AA88-5DC23F609659}" dt="2022-11-18T03:05:14.292" v="6025"/>
-          <ac:graphicFrameMkLst>
-            <pc:docMk/>
-            <pc:sldMk cId="849266544" sldId="256"/>
-            <ac:graphicFrameMk id="44" creationId="{99DFE40A-F6D9-5881-F525-953E8BD77700}"/>
-          </ac:graphicFrameMkLst>
-        </pc:graphicFrameChg>
-        <pc:graphicFrameChg chg="add del mod ord replST">
-          <ac:chgData name="Selvyn Yovany Martinez Barahona" userId="3ccf779dc7355a40" providerId="LiveId" clId="{176DFD19-9071-4B24-AA88-5DC23F609659}" dt="2022-11-18T03:05:39.053" v="6226"/>
-          <ac:graphicFrameMkLst>
-            <pc:docMk/>
-            <pc:sldMk cId="849266544" sldId="256"/>
-            <ac:graphicFrameMk id="46" creationId="{350101C1-CCCC-CF2B-733B-B0AE893F914E}"/>
-          </ac:graphicFrameMkLst>
-        </pc:graphicFrameChg>
-        <pc:graphicFrameChg chg="add del mod ord replST">
-          <ac:chgData name="Selvyn Yovany Martinez Barahona" userId="3ccf779dc7355a40" providerId="LiveId" clId="{176DFD19-9071-4B24-AA88-5DC23F609659}" dt="2022-11-18T03:05:45.050" v="6315"/>
-          <ac:graphicFrameMkLst>
-            <pc:docMk/>
-            <pc:sldMk cId="849266544" sldId="256"/>
-            <ac:graphicFrameMk id="48" creationId="{685587F7-C7A4-6550-704C-4B13067E9A66}"/>
-          </ac:graphicFrameMkLst>
-        </pc:graphicFrameChg>
-        <pc:graphicFrameChg chg="add del mod ord replST">
-          <ac:chgData name="Selvyn Yovany Martinez Barahona" userId="3ccf779dc7355a40" providerId="LiveId" clId="{176DFD19-9071-4B24-AA88-5DC23F609659}" dt="2022-11-18T03:11:28.633" v="8354"/>
-          <ac:graphicFrameMkLst>
-            <pc:docMk/>
-            <pc:sldMk cId="849266544" sldId="256"/>
-            <ac:graphicFrameMk id="49" creationId="{A3EC9328-5819-5F0E-A5C2-2EFCBED57DB4}"/>
-          </ac:graphicFrameMkLst>
-        </pc:graphicFrameChg>
-        <pc:graphicFrameChg chg="add del mod ord replST">
-          <ac:chgData name="Selvyn Yovany Martinez Barahona" userId="3ccf779dc7355a40" providerId="LiveId" clId="{176DFD19-9071-4B24-AA88-5DC23F609659}" dt="2022-11-18T03:06:27.295" v="7058"/>
-          <ac:graphicFrameMkLst>
-            <pc:docMk/>
-            <pc:sldMk cId="849266544" sldId="256"/>
-            <ac:graphicFrameMk id="51" creationId="{6D721D88-F991-919D-F693-C9001E404190}"/>
-          </ac:graphicFrameMkLst>
-        </pc:graphicFrameChg>
-        <pc:graphicFrameChg chg="add del mod ord replST">
-          <ac:chgData name="Selvyn Yovany Martinez Barahona" userId="3ccf779dc7355a40" providerId="LiveId" clId="{176DFD19-9071-4B24-AA88-5DC23F609659}" dt="2022-11-18T03:06:38.505" v="7277"/>
-          <ac:graphicFrameMkLst>
-            <pc:docMk/>
-            <pc:sldMk cId="849266544" sldId="256"/>
-            <ac:graphicFrameMk id="58" creationId="{CD14C85A-D0C0-BB41-F884-19C88EC2DC63}"/>
-          </ac:graphicFrameMkLst>
-        </pc:graphicFrameChg>
-        <pc:graphicFrameChg chg="add del mod ord replST">
-          <ac:chgData name="Selvyn Yovany Martinez Barahona" userId="3ccf779dc7355a40" providerId="LiveId" clId="{176DFD19-9071-4B24-AA88-5DC23F609659}" dt="2022-11-18T03:07:10.493" v="7410"/>
-          <ac:graphicFrameMkLst>
-            <pc:docMk/>
-            <pc:sldMk cId="849266544" sldId="256"/>
-            <ac:graphicFrameMk id="60" creationId="{720C932B-9873-2D13-C35F-241B39F975E1}"/>
-          </ac:graphicFrameMkLst>
-        </pc:graphicFrameChg>
-        <pc:graphicFrameChg chg="add del mod ord replST">
-          <ac:chgData name="Selvyn Yovany Martinez Barahona" userId="3ccf779dc7355a40" providerId="LiveId" clId="{176DFD19-9071-4B24-AA88-5DC23F609659}" dt="2022-11-18T03:07:17.848" v="7543"/>
-          <ac:graphicFrameMkLst>
-            <pc:docMk/>
-            <pc:sldMk cId="849266544" sldId="256"/>
-            <ac:graphicFrameMk id="62" creationId="{C4238B31-170D-833A-8D27-10A02010D8DB}"/>
           </ac:graphicFrameMkLst>
         </pc:graphicFrameChg>
         <pc:graphicFrameChg chg="del">
@@ -1251,14 +611,6 @@
           </ac:graphicFrameMkLst>
         </pc:graphicFrameChg>
         <pc:graphicFrameChg chg="add del mod ord replST">
-          <ac:chgData name="Selvyn Yovany Martinez Barahona" userId="3ccf779dc7355a40" providerId="LiveId" clId="{176DFD19-9071-4B24-AA88-5DC23F609659}" dt="2022-11-18T03:07:24.864" v="7678"/>
-          <ac:graphicFrameMkLst>
-            <pc:docMk/>
-            <pc:sldMk cId="849266544" sldId="256"/>
-            <ac:graphicFrameMk id="448" creationId="{4A3AFDA2-951D-B0FF-3589-2324A6CDC3B6}"/>
-          </ac:graphicFrameMkLst>
-        </pc:graphicFrameChg>
-        <pc:graphicFrameChg chg="add del mod ord replST">
           <ac:chgData name="Selvyn Yovany Martinez Barahona" userId="3ccf779dc7355a40" providerId="LiveId" clId="{176DFD19-9071-4B24-AA88-5DC23F609659}" dt="2022-11-08T00:30:44.639" v="1202"/>
           <ac:graphicFrameMkLst>
             <pc:docMk/>
@@ -1275,27 +627,11 @@
           </ac:graphicFrameMkLst>
         </pc:graphicFrameChg>
         <pc:graphicFrameChg chg="add del mod ord replST">
-          <ac:chgData name="Selvyn Yovany Martinez Barahona" userId="3ccf779dc7355a40" providerId="LiveId" clId="{176DFD19-9071-4B24-AA88-5DC23F609659}" dt="2022-11-18T03:07:33.443" v="7813"/>
-          <ac:graphicFrameMkLst>
-            <pc:docMk/>
-            <pc:sldMk cId="849266544" sldId="256"/>
-            <ac:graphicFrameMk id="450" creationId="{D4BAC420-A9EF-A5D0-2A09-7DB0C7A89442}"/>
-          </ac:graphicFrameMkLst>
-        </pc:graphicFrameChg>
-        <pc:graphicFrameChg chg="add del mod ord replST">
           <ac:chgData name="Selvyn Yovany Martinez Barahona" userId="3ccf779dc7355a40" providerId="LiveId" clId="{176DFD19-9071-4B24-AA88-5DC23F609659}" dt="2022-11-08T00:30:37.632" v="529"/>
           <ac:graphicFrameMkLst>
             <pc:docMk/>
             <pc:sldMk cId="849266544" sldId="256"/>
             <ac:graphicFrameMk id="452" creationId="{7F3FF725-2A47-BE20-1B08-92318A058139}"/>
-          </ac:graphicFrameMkLst>
-        </pc:graphicFrameChg>
-        <pc:graphicFrameChg chg="add del mod ord replST">
-          <ac:chgData name="Selvyn Yovany Martinez Barahona" userId="3ccf779dc7355a40" providerId="LiveId" clId="{176DFD19-9071-4B24-AA88-5DC23F609659}" dt="2022-11-18T03:07:41.021" v="7948"/>
-          <ac:graphicFrameMkLst>
-            <pc:docMk/>
-            <pc:sldMk cId="849266544" sldId="256"/>
-            <ac:graphicFrameMk id="452" creationId="{85C73E77-D16F-345C-F9E8-C5ABB35C0238}"/>
           </ac:graphicFrameMkLst>
         </pc:graphicFrameChg>
         <pc:graphicFrameChg chg="add del mod ord replST">
@@ -1307,14 +643,6 @@
           </ac:graphicFrameMkLst>
         </pc:graphicFrameChg>
         <pc:graphicFrameChg chg="add del mod ord replST">
-          <ac:chgData name="Selvyn Yovany Martinez Barahona" userId="3ccf779dc7355a40" providerId="LiveId" clId="{176DFD19-9071-4B24-AA88-5DC23F609659}" dt="2022-11-18T03:07:49.223" v="8083"/>
-          <ac:graphicFrameMkLst>
-            <pc:docMk/>
-            <pc:sldMk cId="849266544" sldId="256"/>
-            <ac:graphicFrameMk id="454" creationId="{79511F56-F2AB-4DB5-AEA5-7436BBA1B7AC}"/>
-          </ac:graphicFrameMkLst>
-        </pc:graphicFrameChg>
-        <pc:graphicFrameChg chg="add del mod ord replST">
           <ac:chgData name="Selvyn Yovany Martinez Barahona" userId="3ccf779dc7355a40" providerId="LiveId" clId="{176DFD19-9071-4B24-AA88-5DC23F609659}" dt="2022-11-08T00:30:44.627" v="1187"/>
           <ac:graphicFrameMkLst>
             <pc:docMk/>
@@ -1323,15 +651,7 @@
           </ac:graphicFrameMkLst>
         </pc:graphicFrameChg>
         <pc:graphicFrameChg chg="add del mod ord replST">
-          <ac:chgData name="Selvyn Yovany Martinez Barahona" userId="3ccf779dc7355a40" providerId="LiveId" clId="{176DFD19-9071-4B24-AA88-5DC23F609659}" dt="2022-11-18T03:07:53.199" v="8218"/>
-          <ac:graphicFrameMkLst>
-            <pc:docMk/>
-            <pc:sldMk cId="849266544" sldId="256"/>
-            <ac:graphicFrameMk id="456" creationId="{D87191AF-BF4E-45C8-EDDE-722AE8DF194C}"/>
-          </ac:graphicFrameMkLst>
-        </pc:graphicFrameChg>
-        <pc:graphicFrameChg chg="add del mod ord replST">
-          <ac:chgData name="Selvyn Yovany Martinez Barahona" userId="3ccf779dc7355a40" providerId="LiveId" clId="{176DFD19-9071-4B24-AA88-5DC23F609659}" dt="2022-11-18T02:51:20.105" v="3036"/>
+          <ac:chgData name="Selvyn Yovany Martinez Barahona" userId="3ccf779dc7355a40" providerId="LiveId" clId="{176DFD19-9071-4B24-AA88-5DC23F609659}" dt="2022-11-08T05:29:39.198" v="2778"/>
           <ac:graphicFrameMkLst>
             <pc:docMk/>
             <pc:sldMk cId="849266544" sldId="256"/>
@@ -1344,14 +664,6 @@
             <pc:docMk/>
             <pc:sldMk cId="849266544" sldId="256"/>
             <ac:graphicFrameMk id="463" creationId="{3A984127-996E-BA42-FDDD-4539A83BB14B}"/>
-          </ac:graphicFrameMkLst>
-        </pc:graphicFrameChg>
-        <pc:graphicFrameChg chg="add del mod ord replST">
-          <ac:chgData name="Selvyn Yovany Martinez Barahona" userId="3ccf779dc7355a40" providerId="LiveId" clId="{176DFD19-9071-4B24-AA88-5DC23F609659}" dt="2022-11-18T03:12:06.952" v="8850"/>
-          <ac:graphicFrameMkLst>
-            <pc:docMk/>
-            <pc:sldMk cId="849266544" sldId="256"/>
-            <ac:graphicFrameMk id="464" creationId="{5E510D8A-48DE-0B09-BDDE-298C32D355B0}"/>
           </ac:graphicFrameMkLst>
         </pc:graphicFrameChg>
         <pc:graphicFrameChg chg="add del mod ord replST delST">
@@ -1370,14 +682,6 @@
             <ac:graphicFrameMk id="466" creationId="{CD531800-BBAC-7DB6-290E-263C489B6B9E}"/>
           </ac:graphicFrameMkLst>
         </pc:graphicFrameChg>
-        <pc:graphicFrameChg chg="add del mod ord replST">
-          <ac:chgData name="Selvyn Yovany Martinez Barahona" userId="3ccf779dc7355a40" providerId="LiveId" clId="{176DFD19-9071-4B24-AA88-5DC23F609659}" dt="2022-11-18T03:11:39.025" v="8490"/>
-          <ac:graphicFrameMkLst>
-            <pc:docMk/>
-            <pc:sldMk cId="849266544" sldId="256"/>
-            <ac:graphicFrameMk id="466" creationId="{D500B6D5-B737-9CB5-5846-F8AE0B94DD4B}"/>
-          </ac:graphicFrameMkLst>
-        </pc:graphicFrameChg>
         <pc:graphicFrameChg chg="add del mod ord replST delST">
           <ac:chgData name="Selvyn Yovany Martinez Barahona" userId="3ccf779dc7355a40" providerId="LiveId" clId="{176DFD19-9071-4B24-AA88-5DC23F609659}" dt="2022-11-08T00:33:45.719" v="2469"/>
           <ac:graphicFrameMkLst>
@@ -1386,44 +690,12 @@
             <ac:graphicFrameMk id="467" creationId="{3D68EE8B-D5DE-71BC-E783-FA6537FC6110}"/>
           </ac:graphicFrameMkLst>
         </pc:graphicFrameChg>
-        <pc:graphicFrameChg chg="add del mod ord replST">
-          <ac:chgData name="Selvyn Yovany Martinez Barahona" userId="3ccf779dc7355a40" providerId="LiveId" clId="{176DFD19-9071-4B24-AA88-5DC23F609659}" dt="2022-11-18T03:11:43.500" v="8626"/>
-          <ac:graphicFrameMkLst>
-            <pc:docMk/>
-            <pc:sldMk cId="849266544" sldId="256"/>
-            <ac:graphicFrameMk id="468" creationId="{4231AB39-B045-0876-65CF-B9D226122017}"/>
-          </ac:graphicFrameMkLst>
-        </pc:graphicFrameChg>
-        <pc:graphicFrameChg chg="add del mod ord replST">
-          <ac:chgData name="Selvyn Yovany Martinez Barahona" userId="3ccf779dc7355a40" providerId="LiveId" clId="{176DFD19-9071-4B24-AA88-5DC23F609659}" dt="2022-11-18T03:11:55.491" v="8762"/>
-          <ac:graphicFrameMkLst>
-            <pc:docMk/>
-            <pc:sldMk cId="849266544" sldId="256"/>
-            <ac:graphicFrameMk id="470" creationId="{6A6AF5E1-8A2D-DBCF-85AC-2AC58904D67C}"/>
-          </ac:graphicFrameMkLst>
-        </pc:graphicFrameChg>
         <pc:graphicFrameChg chg="add del mod ord replST delST">
           <ac:chgData name="Selvyn Yovany Martinez Barahona" userId="3ccf779dc7355a40" providerId="LiveId" clId="{176DFD19-9071-4B24-AA88-5DC23F609659}" dt="2022-11-08T00:33:45.132" v="2447"/>
           <ac:graphicFrameMkLst>
             <pc:docMk/>
             <pc:sldMk cId="849266544" sldId="256"/>
             <ac:graphicFrameMk id="470" creationId="{A270799A-9B3A-D67B-B9FB-8F4DEBC286B9}"/>
-          </ac:graphicFrameMkLst>
-        </pc:graphicFrameChg>
-        <pc:graphicFrameChg chg="add del mod ord replST">
-          <ac:chgData name="Selvyn Yovany Martinez Barahona" userId="3ccf779dc7355a40" providerId="LiveId" clId="{176DFD19-9071-4B24-AA88-5DC23F609659}" dt="2022-11-18T03:18:28.963" v="9657"/>
-          <ac:graphicFrameMkLst>
-            <pc:docMk/>
-            <pc:sldMk cId="849266544" sldId="256"/>
-            <ac:graphicFrameMk id="472" creationId="{AE992DAD-59A8-7547-159B-E73FB69721B8}"/>
-          </ac:graphicFrameMkLst>
-        </pc:graphicFrameChg>
-        <pc:graphicFrameChg chg="add del mod ord replST">
-          <ac:chgData name="Selvyn Yovany Martinez Barahona" userId="3ccf779dc7355a40" providerId="LiveId" clId="{176DFD19-9071-4B24-AA88-5DC23F609659}" dt="2022-11-18T03:12:12.414" v="8981"/>
-          <ac:graphicFrameMkLst>
-            <pc:docMk/>
-            <pc:sldMk cId="849266544" sldId="256"/>
-            <ac:graphicFrameMk id="473" creationId="{58D91DE2-3E3B-858D-C8D5-4333C13A76BF}"/>
           </ac:graphicFrameMkLst>
         </pc:graphicFrameChg>
         <pc:graphicFrameChg chg="add del mod ord replST delST">
@@ -1442,132 +714,12 @@
             <ac:graphicFrameMk id="475" creationId="{547E4975-53E5-8C12-5A08-8C747245BDC3}"/>
           </ac:graphicFrameMkLst>
         </pc:graphicFrameChg>
-        <pc:graphicFrameChg chg="add del mod ord replST">
-          <ac:chgData name="Selvyn Yovany Martinez Barahona" userId="3ccf779dc7355a40" providerId="LiveId" clId="{176DFD19-9071-4B24-AA88-5DC23F609659}" dt="2022-11-18T03:12:19.599" v="9116"/>
-          <ac:graphicFrameMkLst>
-            <pc:docMk/>
-            <pc:sldMk cId="849266544" sldId="256"/>
-            <ac:graphicFrameMk id="475" creationId="{EA22EFEF-A990-D073-2FC6-0EA858308E7C}"/>
-          </ac:graphicFrameMkLst>
-        </pc:graphicFrameChg>
         <pc:graphicFrameChg chg="add mod ord replST delST">
           <ac:chgData name="Selvyn Yovany Martinez Barahona" userId="3ccf779dc7355a40" providerId="LiveId" clId="{176DFD19-9071-4B24-AA88-5DC23F609659}" dt="2022-11-08T00:33:44.234" v="2229"/>
           <ac:graphicFrameMkLst>
             <pc:docMk/>
             <pc:sldMk cId="849266544" sldId="256"/>
             <ac:graphicFrameMk id="476" creationId="{764FF080-E647-F290-5FBD-8BBC00267995}"/>
-          </ac:graphicFrameMkLst>
-        </pc:graphicFrameChg>
-        <pc:graphicFrameChg chg="add del mod ord replST">
-          <ac:chgData name="Selvyn Yovany Martinez Barahona" userId="3ccf779dc7355a40" providerId="LiveId" clId="{176DFD19-9071-4B24-AA88-5DC23F609659}" dt="2022-11-18T03:12:33.432" v="9251"/>
-          <ac:graphicFrameMkLst>
-            <pc:docMk/>
-            <pc:sldMk cId="849266544" sldId="256"/>
-            <ac:graphicFrameMk id="477" creationId="{604BFEFF-3F9A-CEBC-E855-55088FB3B464}"/>
-          </ac:graphicFrameMkLst>
-        </pc:graphicFrameChg>
-        <pc:graphicFrameChg chg="add del mod ord replST">
-          <ac:chgData name="Selvyn Yovany Martinez Barahona" userId="3ccf779dc7355a40" providerId="LiveId" clId="{176DFD19-9071-4B24-AA88-5DC23F609659}" dt="2022-11-18T03:12:37.758" v="9386"/>
-          <ac:graphicFrameMkLst>
-            <pc:docMk/>
-            <pc:sldMk cId="849266544" sldId="256"/>
-            <ac:graphicFrameMk id="479" creationId="{69C239A6-9659-D1FC-C1AF-A1D573FCB7EF}"/>
-          </ac:graphicFrameMkLst>
-        </pc:graphicFrameChg>
-        <pc:graphicFrameChg chg="add del mod ord replST">
-          <ac:chgData name="Selvyn Yovany Martinez Barahona" userId="3ccf779dc7355a40" providerId="LiveId" clId="{176DFD19-9071-4B24-AA88-5DC23F609659}" dt="2022-11-18T03:12:43.666" v="9521"/>
-          <ac:graphicFrameMkLst>
-            <pc:docMk/>
-            <pc:sldMk cId="849266544" sldId="256"/>
-            <ac:graphicFrameMk id="481" creationId="{9D240AAC-A410-3503-0D21-1D76FACBC14A}"/>
-          </ac:graphicFrameMkLst>
-        </pc:graphicFrameChg>
-        <pc:graphicFrameChg chg="add del mod ord replST">
-          <ac:chgData name="Selvyn Yovany Martinez Barahona" userId="3ccf779dc7355a40" providerId="LiveId" clId="{176DFD19-9071-4B24-AA88-5DC23F609659}" dt="2022-11-18T03:18:28.979" v="9673"/>
-          <ac:graphicFrameMkLst>
-            <pc:docMk/>
-            <pc:sldMk cId="849266544" sldId="256"/>
-            <ac:graphicFrameMk id="483" creationId="{B0F4275D-8CBF-BB74-C3AC-54B96AA1675B}"/>
-          </ac:graphicFrameMkLst>
-        </pc:graphicFrameChg>
-        <pc:graphicFrameChg chg="add del mod ord replST">
-          <ac:chgData name="Selvyn Yovany Martinez Barahona" userId="3ccf779dc7355a40" providerId="LiveId" clId="{176DFD19-9071-4B24-AA88-5DC23F609659}" dt="2022-11-18T03:19:46.543" v="9813"/>
-          <ac:graphicFrameMkLst>
-            <pc:docMk/>
-            <pc:sldMk cId="849266544" sldId="256"/>
-            <ac:graphicFrameMk id="485" creationId="{F36F5B0E-C84E-1DEB-5332-9E02CB93CE10}"/>
-          </ac:graphicFrameMkLst>
-        </pc:graphicFrameChg>
-        <pc:graphicFrameChg chg="add del mod ord replST">
-          <ac:chgData name="Selvyn Yovany Martinez Barahona" userId="3ccf779dc7355a40" providerId="LiveId" clId="{176DFD19-9071-4B24-AA88-5DC23F609659}" dt="2022-11-18T03:19:46.560" v="9831"/>
-          <ac:graphicFrameMkLst>
-            <pc:docMk/>
-            <pc:sldMk cId="849266544" sldId="256"/>
-            <ac:graphicFrameMk id="486" creationId="{367B603A-FA44-F6A9-8573-E528D3FD6A89}"/>
-          </ac:graphicFrameMkLst>
-        </pc:graphicFrameChg>
-        <pc:graphicFrameChg chg="add del mod ord replST">
-          <ac:chgData name="Selvyn Yovany Martinez Barahona" userId="3ccf779dc7355a40" providerId="LiveId" clId="{176DFD19-9071-4B24-AA88-5DC23F609659}" dt="2022-11-18T03:43:21.989" v="9969"/>
-          <ac:graphicFrameMkLst>
-            <pc:docMk/>
-            <pc:sldMk cId="849266544" sldId="256"/>
-            <ac:graphicFrameMk id="488" creationId="{231C64E1-F119-3F5C-86B9-5C6752906BCA}"/>
-          </ac:graphicFrameMkLst>
-        </pc:graphicFrameChg>
-        <pc:graphicFrameChg chg="add mod ord replST">
-          <ac:chgData name="Selvyn Yovany Martinez Barahona" userId="3ccf779dc7355a40" providerId="LiveId" clId="{176DFD19-9071-4B24-AA88-5DC23F609659}" dt="2022-11-18T03:44:08.356" v="10674"/>
-          <ac:graphicFrameMkLst>
-            <pc:docMk/>
-            <pc:sldMk cId="849266544" sldId="256"/>
-            <ac:graphicFrameMk id="489" creationId="{EE4F1251-00F0-114E-CC45-94FF57E81E85}"/>
-          </ac:graphicFrameMkLst>
-        </pc:graphicFrameChg>
-        <pc:graphicFrameChg chg="add del mod ord replST">
-          <ac:chgData name="Selvyn Yovany Martinez Barahona" userId="3ccf779dc7355a40" providerId="LiveId" clId="{176DFD19-9071-4B24-AA88-5DC23F609659}" dt="2022-11-18T03:43:28.322" v="10157"/>
-          <ac:graphicFrameMkLst>
-            <pc:docMk/>
-            <pc:sldMk cId="849266544" sldId="256"/>
-            <ac:graphicFrameMk id="491" creationId="{F73EB82F-8CDB-6BFA-1554-FA5002E233A4}"/>
-          </ac:graphicFrameMkLst>
-        </pc:graphicFrameChg>
-        <pc:graphicFrameChg chg="add del mod ord replST">
-          <ac:chgData name="Selvyn Yovany Martinez Barahona" userId="3ccf779dc7355a40" providerId="LiveId" clId="{176DFD19-9071-4B24-AA88-5DC23F609659}" dt="2022-11-18T03:43:42.021" v="10291"/>
-          <ac:graphicFrameMkLst>
-            <pc:docMk/>
-            <pc:sldMk cId="849266544" sldId="256"/>
-            <ac:graphicFrameMk id="493" creationId="{285C7E3A-77D9-FF0B-68EA-93B15DA27F3F}"/>
-          </ac:graphicFrameMkLst>
-        </pc:graphicFrameChg>
-        <pc:graphicFrameChg chg="add del mod ord replST">
-          <ac:chgData name="Selvyn Yovany Martinez Barahona" userId="3ccf779dc7355a40" providerId="LiveId" clId="{176DFD19-9071-4B24-AA88-5DC23F609659}" dt="2022-11-18T03:43:49.916" v="10464"/>
-          <ac:graphicFrameMkLst>
-            <pc:docMk/>
-            <pc:sldMk cId="849266544" sldId="256"/>
-            <ac:graphicFrameMk id="495" creationId="{22E6D88E-6E1A-8768-7290-0BF6468DA431}"/>
-          </ac:graphicFrameMkLst>
-        </pc:graphicFrameChg>
-        <pc:graphicFrameChg chg="add del mod ord replST">
-          <ac:chgData name="Selvyn Yovany Martinez Barahona" userId="3ccf779dc7355a40" providerId="LiveId" clId="{176DFD19-9071-4B24-AA88-5DC23F609659}" dt="2022-11-18T03:44:03.791" v="10551"/>
-          <ac:graphicFrameMkLst>
-            <pc:docMk/>
-            <pc:sldMk cId="849266544" sldId="256"/>
-            <ac:graphicFrameMk id="497" creationId="{53E30A1A-48FC-4C03-76D6-B3535DA13AA6}"/>
-          </ac:graphicFrameMkLst>
-        </pc:graphicFrameChg>
-        <pc:graphicFrameChg chg="add del mod ord replST">
-          <ac:chgData name="Selvyn Yovany Martinez Barahona" userId="3ccf779dc7355a40" providerId="LiveId" clId="{176DFD19-9071-4B24-AA88-5DC23F609659}" dt="2022-11-18T03:44:08.339" v="10636"/>
-          <ac:graphicFrameMkLst>
-            <pc:docMk/>
-            <pc:sldMk cId="849266544" sldId="256"/>
-            <ac:graphicFrameMk id="498" creationId="{86DC74B4-D53F-769E-F2E3-27E1E42CAA72}"/>
-          </ac:graphicFrameMkLst>
-        </pc:graphicFrameChg>
-        <pc:graphicFrameChg chg="add mod ord replST">
-          <ac:chgData name="Selvyn Yovany Martinez Barahona" userId="3ccf779dc7355a40" providerId="LiveId" clId="{176DFD19-9071-4B24-AA88-5DC23F609659}" dt="2022-11-18T03:44:08.351" v="10644"/>
-          <ac:graphicFrameMkLst>
-            <pc:docMk/>
-            <pc:sldMk cId="849266544" sldId="256"/>
-            <ac:graphicFrameMk id="499" creationId="{06981403-D4C8-139F-FFA1-4AF8690D9C8C}"/>
           </ac:graphicFrameMkLst>
         </pc:graphicFrameChg>
       </pc:sldChg>
@@ -1621,7 +773,7 @@
             </c:spPr>
             <c:extLst>
               <c:ext xmlns:c16="http://schemas.microsoft.com/office/drawing/2014/chart" uri="{C3380CC4-5D6E-409C-BE32-E72D297353CC}">
-                <c16:uniqueId val="{00000000-4810-4C29-8417-44EC3335E912}"/>
+                <c16:uniqueId val="{00000000-26CD-48A0-83D0-4F2AED668977}"/>
               </c:ext>
             </c:extLst>
           </c:dPt>
@@ -1638,7 +790,7 @@
             </c:spPr>
             <c:extLst>
               <c:ext xmlns:c16="http://schemas.microsoft.com/office/drawing/2014/chart" uri="{C3380CC4-5D6E-409C-BE32-E72D297353CC}">
-                <c16:uniqueId val="{00000001-4810-4C29-8417-44EC3335E912}"/>
+                <c16:uniqueId val="{00000001-26CD-48A0-83D0-4F2AED668977}"/>
               </c:ext>
             </c:extLst>
           </c:dPt>
@@ -1655,7 +807,7 @@
             </c:spPr>
             <c:extLst>
               <c:ext xmlns:c16="http://schemas.microsoft.com/office/drawing/2014/chart" uri="{C3380CC4-5D6E-409C-BE32-E72D297353CC}">
-                <c16:uniqueId val="{00000002-4810-4C29-8417-44EC3335E912}"/>
+                <c16:uniqueId val="{00000002-26CD-48A0-83D0-4F2AED668977}"/>
               </c:ext>
             </c:extLst>
           </c:dPt>
@@ -1672,7 +824,7 @@
             </c:spPr>
             <c:extLst>
               <c:ext xmlns:c16="http://schemas.microsoft.com/office/drawing/2014/chart" uri="{C3380CC4-5D6E-409C-BE32-E72D297353CC}">
-                <c16:uniqueId val="{00000003-4810-4C29-8417-44EC3335E912}"/>
+                <c16:uniqueId val="{00000003-26CD-48A0-83D0-4F2AED668977}"/>
               </c:ext>
             </c:extLst>
           </c:dPt>
@@ -1689,7 +841,7 @@
             </c:spPr>
             <c:extLst>
               <c:ext xmlns:c16="http://schemas.microsoft.com/office/drawing/2014/chart" uri="{C3380CC4-5D6E-409C-BE32-E72D297353CC}">
-                <c16:uniqueId val="{00000004-4810-4C29-8417-44EC3335E912}"/>
+                <c16:uniqueId val="{00000004-26CD-48A0-83D0-4F2AED668977}"/>
               </c:ext>
             </c:extLst>
           </c:dPt>
@@ -1706,7 +858,7 @@
             </c:spPr>
             <c:extLst>
               <c:ext xmlns:c16="http://schemas.microsoft.com/office/drawing/2014/chart" uri="{C3380CC4-5D6E-409C-BE32-E72D297353CC}">
-                <c16:uniqueId val="{00000005-4810-4C29-8417-44EC3335E912}"/>
+                <c16:uniqueId val="{00000005-26CD-48A0-83D0-4F2AED668977}"/>
               </c:ext>
             </c:extLst>
           </c:dPt>
@@ -1715,8 +867,8 @@
               <c:idx val="0"/>
               <c:layout>
                 <c:manualLayout>
-                  <c:x val="2.3502304147465437E-2"/>
-                  <c:y val="5.6221198156682028E-2"/>
+                  <c:x val="1.6129032258064516E-2"/>
+                  <c:y val="6.6820276497695855E-2"/>
                 </c:manualLayout>
               </c:layout>
               <c:numFmt formatCode="#,##0.0&quot;%&quot;;&quot;-&quot;#,##0.0&quot;%&quot;" sourceLinked="0"/>
@@ -1758,7 +910,7 @@
                   </c15:spPr>
                 </c:ext>
                 <c:ext xmlns:c16="http://schemas.microsoft.com/office/drawing/2014/chart" uri="{C3380CC4-5D6E-409C-BE32-E72D297353CC}">
-                  <c16:uniqueId val="{00000000-4810-4C29-8417-44EC3335E912}"/>
+                  <c16:uniqueId val="{00000000-26CD-48A0-83D0-4F2AED668977}"/>
                 </c:ext>
               </c:extLst>
             </c:dLbl>
@@ -1786,29 +938,29 @@
                 <c:formatCode>General</c:formatCode>
                 <c:ptCount val="6"/>
                 <c:pt idx="0">
-                  <c:v>87.770704081100774</c:v>
+                  <c:v>92.661139493323958</c:v>
                 </c:pt>
                 <c:pt idx="1">
-                  <c:v>1.2120626269760846</c:v>
+                  <c:v>1.4148241599792153</c:v>
                 </c:pt>
                 <c:pt idx="2">
-                  <c:v>1.3491099741269266</c:v>
+                  <c:v>1.4296714654205718</c:v>
                 </c:pt>
                 <c:pt idx="3">
-                  <c:v>3.0565958924939576</c:v>
+                  <c:v>1.456222484907294</c:v>
                 </c:pt>
                 <c:pt idx="4">
-                  <c:v>3.2360065756617038</c:v>
+                  <c:v>1.4940226304679034</c:v>
                 </c:pt>
                 <c:pt idx="5">
-                  <c:v>3.3755208496403828</c:v>
+                  <c:v>1.5441197659010633</c:v>
                 </c:pt>
               </c:numCache>
             </c:numRef>
           </c:val>
           <c:extLst>
             <c:ext xmlns:c16="http://schemas.microsoft.com/office/drawing/2014/chart" uri="{C3380CC4-5D6E-409C-BE32-E72D297353CC}">
-              <c16:uniqueId val="{00000006-4810-4C29-8417-44EC3335E912}"/>
+              <c16:uniqueId val="{00000006-26CD-48A0-83D0-4F2AED668977}"/>
             </c:ext>
           </c:extLst>
         </c:ser>
@@ -1819,7 +971,7 @@
           <c:showSerName val="0"/>
           <c:showPercent val="0"/>
           <c:showBubbleSize val="0"/>
-          <c:showLeaderLines val="0"/>
+          <c:showLeaderLines val="1"/>
         </c:dLbls>
         <c:firstSliceAng val="0"/>
         <c:holeSize val="50"/>
@@ -1880,7 +1032,7 @@
             </c:spPr>
             <c:extLst>
               <c:ext xmlns:c16="http://schemas.microsoft.com/office/drawing/2014/chart" uri="{C3380CC4-5D6E-409C-BE32-E72D297353CC}">
-                <c16:uniqueId val="{00000000-5890-45CC-8BE2-F0F06A381667}"/>
+                <c16:uniqueId val="{00000000-717F-4ED5-8C37-B6E2B63010D7}"/>
               </c:ext>
             </c:extLst>
           </c:dPt>
@@ -1897,7 +1049,7 @@
             </c:spPr>
             <c:extLst>
               <c:ext xmlns:c16="http://schemas.microsoft.com/office/drawing/2014/chart" uri="{C3380CC4-5D6E-409C-BE32-E72D297353CC}">
-                <c16:uniqueId val="{00000001-5890-45CC-8BE2-F0F06A381667}"/>
+                <c16:uniqueId val="{00000001-717F-4ED5-8C37-B6E2B63010D7}"/>
               </c:ext>
             </c:extLst>
           </c:dPt>
@@ -1914,7 +1066,7 @@
             </c:spPr>
             <c:extLst>
               <c:ext xmlns:c16="http://schemas.microsoft.com/office/drawing/2014/chart" uri="{C3380CC4-5D6E-409C-BE32-E72D297353CC}">
-                <c16:uniqueId val="{00000002-5890-45CC-8BE2-F0F06A381667}"/>
+                <c16:uniqueId val="{00000002-717F-4ED5-8C37-B6E2B63010D7}"/>
               </c:ext>
             </c:extLst>
           </c:dPt>
@@ -1931,7 +1083,7 @@
             </c:spPr>
             <c:extLst>
               <c:ext xmlns:c16="http://schemas.microsoft.com/office/drawing/2014/chart" uri="{C3380CC4-5D6E-409C-BE32-E72D297353CC}">
-                <c16:uniqueId val="{00000003-5890-45CC-8BE2-F0F06A381667}"/>
+                <c16:uniqueId val="{00000003-717F-4ED5-8C37-B6E2B63010D7}"/>
               </c:ext>
             </c:extLst>
           </c:dPt>
@@ -1948,7 +1100,7 @@
             </c:spPr>
             <c:extLst>
               <c:ext xmlns:c16="http://schemas.microsoft.com/office/drawing/2014/chart" uri="{C3380CC4-5D6E-409C-BE32-E72D297353CC}">
-                <c16:uniqueId val="{00000004-5890-45CC-8BE2-F0F06A381667}"/>
+                <c16:uniqueId val="{00000004-717F-4ED5-8C37-B6E2B63010D7}"/>
               </c:ext>
             </c:extLst>
           </c:dPt>
@@ -1965,7 +1117,7 @@
             </c:spPr>
             <c:extLst>
               <c:ext xmlns:c16="http://schemas.microsoft.com/office/drawing/2014/chart" uri="{C3380CC4-5D6E-409C-BE32-E72D297353CC}">
-                <c16:uniqueId val="{00000005-5890-45CC-8BE2-F0F06A381667}"/>
+                <c16:uniqueId val="{00000005-717F-4ED5-8C37-B6E2B63010D7}"/>
               </c:ext>
             </c:extLst>
           </c:dPt>
@@ -1974,8 +1126,8 @@
               <c:idx val="0"/>
               <c:layout>
                 <c:manualLayout>
-                  <c:x val="2.5806451612903226E-2"/>
-                  <c:y val="5.2073732718894011E-2"/>
+                  <c:x val="1.7050691244239632E-2"/>
+                  <c:y val="6.4976958525345616E-2"/>
                 </c:manualLayout>
               </c:layout>
               <c:numFmt formatCode="#,##0.0&quot;%&quot;;&quot;-&quot;#,##0.0&quot;%&quot;" sourceLinked="0"/>
@@ -2017,58 +1169,7 @@
                   </c15:spPr>
                 </c:ext>
                 <c:ext xmlns:c16="http://schemas.microsoft.com/office/drawing/2014/chart" uri="{C3380CC4-5D6E-409C-BE32-E72D297353CC}">
-                  <c16:uniqueId val="{00000000-5890-45CC-8BE2-F0F06A381667}"/>
-                </c:ext>
-              </c:extLst>
-            </c:dLbl>
-            <c:dLbl>
-              <c:idx val="5"/>
-              <c:layout>
-                <c:manualLayout>
-                  <c:x val="-1.1520737327188941E-2"/>
-                  <c:y val="-7.8341013824884786E-2"/>
-                </c:manualLayout>
-              </c:layout>
-              <c:numFmt formatCode="#,##0.0&quot;%&quot;;&quot;-&quot;#,##0.0&quot;%&quot;" sourceLinked="0"/>
-              <c:spPr>
-                <a:noFill/>
-                <a:ln>
-                  <a:noFill/>
-                </a:ln>
-              </c:spPr>
-              <c:txPr>
-                <a:bodyPr wrap="none"/>
-                <a:lstStyle/>
-                <a:p>
-                  <a:pPr>
-                    <a:defRPr sz="1400" kern="1200">
-                      <a:solidFill>
-                        <a:schemeClr val="bg1"/>
-                      </a:solidFill>
-                      <a:latin typeface="+mn-lt"/>
-                      <a:ea typeface="+mn-ea"/>
-                      <a:cs typeface="+mn-cs"/>
-                    </a:defRPr>
-                  </a:pPr>
-                  <a:endParaRPr lang="en-US"/>
-                </a:p>
-              </c:txPr>
-              <c:showLegendKey val="0"/>
-              <c:showVal val="1"/>
-              <c:showCatName val="0"/>
-              <c:showSerName val="0"/>
-              <c:showPercent val="0"/>
-              <c:showBubbleSize val="0"/>
-              <c:extLst>
-                <c:ext xmlns:c15="http://schemas.microsoft.com/office/drawing/2012/chart" uri="{CE6537A1-D6FC-4f65-9D91-7224C49458BB}">
-                  <c15:spPr xmlns:c15="http://schemas.microsoft.com/office/drawing/2012/chart">
-                    <a:prstGeom prst="rect">
-                      <a:avLst/>
-                    </a:prstGeom>
-                  </c15:spPr>
-                </c:ext>
-                <c:ext xmlns:c16="http://schemas.microsoft.com/office/drawing/2014/chart" uri="{C3380CC4-5D6E-409C-BE32-E72D297353CC}">
-                  <c16:uniqueId val="{00000005-5890-45CC-8BE2-F0F06A381667}"/>
+                  <c16:uniqueId val="{00000000-717F-4ED5-8C37-B6E2B63010D7}"/>
                 </c:ext>
               </c:extLst>
             </c:dLbl>
@@ -2096,29 +1197,29 @@
                 <c:formatCode>General</c:formatCode>
                 <c:ptCount val="6"/>
                 <c:pt idx="0">
-                  <c:v>85.741157031144922</c:v>
+                  <c:v>91.797443848618272</c:v>
                 </c:pt>
                 <c:pt idx="1">
-                  <c:v>1.5926950640767001</c:v>
+                  <c:v>1.5736092788980451</c:v>
                 </c:pt>
                 <c:pt idx="2">
-                  <c:v>1.9118296923934137</c:v>
+                  <c:v>1.5766074457331802</c:v>
                 </c:pt>
                 <c:pt idx="3">
-                  <c:v>2.5897746267796418</c:v>
+                  <c:v>1.605304185440902</c:v>
                 </c:pt>
                 <c:pt idx="4">
-                  <c:v>3.4523603665917344</c:v>
+                  <c:v>1.6862546899895494</c:v>
                 </c:pt>
                 <c:pt idx="5">
-                  <c:v>4.7121832190135837</c:v>
+                  <c:v>1.7607805513200501</c:v>
                 </c:pt>
               </c:numCache>
             </c:numRef>
           </c:val>
           <c:extLst>
             <c:ext xmlns:c16="http://schemas.microsoft.com/office/drawing/2014/chart" uri="{C3380CC4-5D6E-409C-BE32-E72D297353CC}">
-              <c16:uniqueId val="{00000006-5890-45CC-8BE2-F0F06A381667}"/>
+              <c16:uniqueId val="{00000006-717F-4ED5-8C37-B6E2B63010D7}"/>
             </c:ext>
           </c:extLst>
         </c:ser>
@@ -2292,7 +1393,7 @@
           <a:p>
             <a:fld id="{6E4A95F8-A962-462E-B5CA-65B478895019}" type="datetimeFigureOut">
               <a:rPr lang="en-US" smtClean="0"/>
-              <a:t>11/17/2022</a:t>
+              <a:t>11/7/2022</a:t>
             </a:fld>
             <a:endParaRPr lang="en-US"/>
           </a:p>
@@ -2490,7 +1591,7 @@
           <a:p>
             <a:fld id="{6E4A95F8-A962-462E-B5CA-65B478895019}" type="datetimeFigureOut">
               <a:rPr lang="en-US" smtClean="0"/>
-              <a:t>11/17/2022</a:t>
+              <a:t>11/7/2022</a:t>
             </a:fld>
             <a:endParaRPr lang="en-US"/>
           </a:p>
@@ -2698,7 +1799,7 @@
           <a:p>
             <a:fld id="{6E4A95F8-A962-462E-B5CA-65B478895019}" type="datetimeFigureOut">
               <a:rPr lang="en-US" smtClean="0"/>
-              <a:t>11/17/2022</a:t>
+              <a:t>11/7/2022</a:t>
             </a:fld>
             <a:endParaRPr lang="en-US"/>
           </a:p>
@@ -2896,7 +1997,7 @@
           <a:p>
             <a:fld id="{6E4A95F8-A962-462E-B5CA-65B478895019}" type="datetimeFigureOut">
               <a:rPr lang="en-US" smtClean="0"/>
-              <a:t>11/17/2022</a:t>
+              <a:t>11/7/2022</a:t>
             </a:fld>
             <a:endParaRPr lang="en-US"/>
           </a:p>
@@ -3171,7 +2272,7 @@
           <a:p>
             <a:fld id="{6E4A95F8-A962-462E-B5CA-65B478895019}" type="datetimeFigureOut">
               <a:rPr lang="en-US" smtClean="0"/>
-              <a:t>11/17/2022</a:t>
+              <a:t>11/7/2022</a:t>
             </a:fld>
             <a:endParaRPr lang="en-US"/>
           </a:p>
@@ -3436,7 +2537,7 @@
           <a:p>
             <a:fld id="{6E4A95F8-A962-462E-B5CA-65B478895019}" type="datetimeFigureOut">
               <a:rPr lang="en-US" smtClean="0"/>
-              <a:t>11/17/2022</a:t>
+              <a:t>11/7/2022</a:t>
             </a:fld>
             <a:endParaRPr lang="en-US"/>
           </a:p>
@@ -3848,7 +2949,7 @@
           <a:p>
             <a:fld id="{6E4A95F8-A962-462E-B5CA-65B478895019}" type="datetimeFigureOut">
               <a:rPr lang="en-US" smtClean="0"/>
-              <a:t>11/17/2022</a:t>
+              <a:t>11/7/2022</a:t>
             </a:fld>
             <a:endParaRPr lang="en-US"/>
           </a:p>
@@ -3989,7 +3090,7 @@
           <a:p>
             <a:fld id="{6E4A95F8-A962-462E-B5CA-65B478895019}" type="datetimeFigureOut">
               <a:rPr lang="en-US" smtClean="0"/>
-              <a:t>11/17/2022</a:t>
+              <a:t>11/7/2022</a:t>
             </a:fld>
             <a:endParaRPr lang="en-US"/>
           </a:p>
@@ -4102,7 +3203,7 @@
           <a:p>
             <a:fld id="{6E4A95F8-A962-462E-B5CA-65B478895019}" type="datetimeFigureOut">
               <a:rPr lang="en-US" smtClean="0"/>
-              <a:t>11/17/2022</a:t>
+              <a:t>11/7/2022</a:t>
             </a:fld>
             <a:endParaRPr lang="en-US"/>
           </a:p>
@@ -4413,7 +3514,7 @@
           <a:p>
             <a:fld id="{6E4A95F8-A962-462E-B5CA-65B478895019}" type="datetimeFigureOut">
               <a:rPr lang="en-US" smtClean="0"/>
-              <a:t>11/17/2022</a:t>
+              <a:t>11/7/2022</a:t>
             </a:fld>
             <a:endParaRPr lang="en-US"/>
           </a:p>
@@ -4701,7 +3802,7 @@
           <a:p>
             <a:fld id="{6E4A95F8-A962-462E-B5CA-65B478895019}" type="datetimeFigureOut">
               <a:rPr lang="en-US" smtClean="0"/>
-              <a:t>11/17/2022</a:t>
+              <a:t>11/7/2022</a:t>
             </a:fld>
             <a:endParaRPr lang="en-US"/>
           </a:p>
@@ -5014,7 +4115,7 @@
           <a:p>
             <a:fld id="{6E4A95F8-A962-462E-B5CA-65B478895019}" type="datetimeFigureOut">
               <a:rPr lang="en-US" smtClean="0"/>
-              <a:t>11/17/2022</a:t>
+              <a:t>11/7/2022</a:t>
             </a:fld>
             <a:endParaRPr lang="en-US"/>
           </a:p>
@@ -5449,7 +4550,7 @@
             </p:custDataLst>
             <p:extLst>
               <p:ext uri="{D42A27DB-BD31-4B8C-83A1-F6EECF244321}">
-                <p14:modId xmlns:p14="http://schemas.microsoft.com/office/powerpoint/2010/main" val="3709017494"/>
+                <p14:modId xmlns:p14="http://schemas.microsoft.com/office/powerpoint/2010/main" val="2410412473"/>
               </p:ext>
             </p:extLst>
           </p:nvPr>
@@ -5462,12 +4563,12 @@
           <a:graphicData uri="http://schemas.openxmlformats.org/presentationml/2006/ole">
             <mc:AlternateContent xmlns:mc="http://schemas.openxmlformats.org/markup-compatibility/2006">
               <mc:Choice xmlns:v="urn:schemas-microsoft-com:vml" Requires="v">
-                <p:oleObj name="think-cell Slide" r:id="rId40" imgW="425" imgH="424" progId="TCLayout.ActiveDocument.1">
+                <p:oleObj name="think-cell Slide" r:id="rId41" imgW="425" imgH="424" progId="TCLayout.ActiveDocument.1">
                   <p:embed/>
                 </p:oleObj>
               </mc:Choice>
               <mc:Fallback>
-                <p:oleObj name="think-cell Slide" r:id="rId40" imgW="425" imgH="424" progId="TCLayout.ActiveDocument.1">
+                <p:oleObj name="think-cell Slide" r:id="rId41" imgW="425" imgH="424" progId="TCLayout.ActiveDocument.1">
                   <p:embed/>
                   <p:pic>
                     <p:nvPicPr>
@@ -5482,7 +4583,7 @@
                       <p:nvPr/>
                     </p:nvPicPr>
                     <p:blipFill>
-                      <a:blip r:embed="rId41"/>
+                      <a:blip r:embed="rId42"/>
                       <a:stretch>
                         <a:fillRect/>
                       </a:stretch>
@@ -5505,10 +4606,10 @@
       </p:graphicFrame>
       <p:graphicFrame>
         <p:nvGraphicFramePr>
-          <p:cNvPr id="499" name="Chart 498">
+          <p:cNvPr id="462" name="Chart 461">
             <a:extLst>
               <a:ext uri="{FF2B5EF4-FFF2-40B4-BE49-F238E27FC236}">
-                <a16:creationId xmlns:a16="http://schemas.microsoft.com/office/drawing/2014/main" id="{06981403-D4C8-139F-FFA1-4AF8690D9C8C}"/>
+                <a16:creationId xmlns:a16="http://schemas.microsoft.com/office/drawing/2014/main" id="{FE7E016F-660B-7432-CC61-F44D24B69DED}"/>
               </a:ext>
             </a:extLst>
           </p:cNvPr>
@@ -5519,7 +4620,7 @@
             </p:custDataLst>
             <p:extLst>
               <p:ext uri="{D42A27DB-BD31-4B8C-83A1-F6EECF244321}">
-                <p14:modId xmlns:p14="http://schemas.microsoft.com/office/powerpoint/2010/main" val="1063911595"/>
+                <p14:modId xmlns:p14="http://schemas.microsoft.com/office/powerpoint/2010/main" val="1171780040"/>
               </p:ext>
             </p:extLst>
           </p:nvPr>
@@ -5530,7 +4631,7 @@
         </p:xfrm>
         <a:graphic>
           <a:graphicData uri="http://schemas.openxmlformats.org/drawingml/2006/chart">
-            <c:chart xmlns:c="http://schemas.openxmlformats.org/drawingml/2006/chart" xmlns:r="http://schemas.openxmlformats.org/officeDocument/2006/relationships" r:id="rId42"/>
+            <c:chart xmlns:c="http://schemas.openxmlformats.org/drawingml/2006/chart" xmlns:r="http://schemas.openxmlformats.org/officeDocument/2006/relationships" r:id="rId43"/>
           </a:graphicData>
         </a:graphic>
       </p:graphicFrame>
@@ -5554,7 +4655,7 @@
         </p:nvSpPr>
         <p:spPr bwMode="gray">
           <a:xfrm>
-            <a:off x="663575" y="1801813"/>
+            <a:off x="1030288" y="1533525"/>
             <a:ext cx="403225" cy="192088"/>
           </a:xfrm>
           <a:prstGeom prst="rect">
@@ -5746,12 +4847,20 @@
               </a:spcAft>
               <a:buNone/>
             </a:pPr>
-            <a:fld id="{ADCA3028-C143-4286-84BB-287C22EE3EA0}" type="datetime'''''''''''1''.''2''''''''''''''''''''''''''''''''''%'">
+            <a:fld id="{71D81FB6-E561-4B15-ABE6-EAAFB56D8169}" type="datetime'''''1''''''''''''''''''''''''.''''4''''''''%'''''''''''">
               <a:rPr lang="en-US" altLang="en-US" sz="1400" smtClean="0">
                 <a:effectLst/>
               </a:rPr>
-              <a:pPr/>
-              <a:t>1.2%</a:t>
+              <a:pPr marL="0" indent="0" algn="ctr">
+                <a:spcBef>
+                  <a:spcPct val="0"/>
+                </a:spcBef>
+                <a:spcAft>
+                  <a:spcPct val="0"/>
+                </a:spcAft>
+                <a:buNone/>
+              </a:pPr>
+              <a:t>1.4%</a:t>
             </a:fld>
             <a:endParaRPr lang="en-US" sz="1400" dirty="0"/>
           </a:p>
@@ -5759,7 +4868,7 @@
       </p:sp>
       <p:sp>
         <p:nvSpPr>
-          <p:cNvPr id="26" name="Text Placeholder 2">
+          <p:cNvPr id="461" name="Text Placeholder 2">
             <a:extLst>
               <a:ext uri="{FF2B5EF4-FFF2-40B4-BE49-F238E27FC236}">
                 <a16:creationId xmlns:a16="http://schemas.microsoft.com/office/drawing/2014/main" id="{F01B8698-9294-F532-DDB4-2EE198CBAA21}"/>
@@ -5777,7 +4886,707 @@
         </p:nvSpPr>
         <p:spPr bwMode="gray">
           <a:xfrm>
-            <a:off x="1273175" y="1795463"/>
+            <a:off x="1585913" y="2109788"/>
+            <a:ext cx="403225" cy="192088"/>
+          </a:xfrm>
+          <a:prstGeom prst="rect">
+            <a:avLst/>
+          </a:prstGeom>
+          <a:solidFill>
+            <a:schemeClr val="accent6"/>
+          </a:solidFill>
+          <a:ln>
+            <a:noFill/>
+          </a:ln>
+          <a:effectLst/>
+        </p:spPr>
+        <p:txBody>
+          <a:bodyPr vert="horz" wrap="none" lIns="25400" tIns="0" rIns="25400" bIns="0" numCol="1" spcCol="0" rtlCol="0" anchor="ctr" anchorCtr="0">
+            <a:noAutofit/>
+          </a:bodyPr>
+          <a:lstStyle>
+            <a:lvl1pPr marL="228600" indent="-228600" algn="l" defTabSz="914400" rtl="0" eaLnBrk="1" latinLnBrk="0" hangingPunct="1">
+              <a:lnSpc>
+                <a:spcPct val="90000"/>
+              </a:lnSpc>
+              <a:spcBef>
+                <a:spcPts val="1000"/>
+              </a:spcBef>
+              <a:buFont typeface="Arial" panose="020B0604020202020204" pitchFamily="34" charset="0"/>
+              <a:buChar char="•"/>
+              <a:defRPr sz="2800" kern="1200">
+                <a:solidFill>
+                  <a:schemeClr val="tx1"/>
+                </a:solidFill>
+                <a:latin typeface="+mn-lt"/>
+                <a:ea typeface="+mn-ea"/>
+                <a:cs typeface="+mn-cs"/>
+              </a:defRPr>
+            </a:lvl1pPr>
+            <a:lvl2pPr marL="685800" indent="-228600" algn="l" defTabSz="914400" rtl="0" eaLnBrk="1" latinLnBrk="0" hangingPunct="1">
+              <a:lnSpc>
+                <a:spcPct val="90000"/>
+              </a:lnSpc>
+              <a:spcBef>
+                <a:spcPts val="500"/>
+              </a:spcBef>
+              <a:buFont typeface="Arial" panose="020B0604020202020204" pitchFamily="34" charset="0"/>
+              <a:buChar char="•"/>
+              <a:defRPr sz="2400" kern="1200">
+                <a:solidFill>
+                  <a:schemeClr val="tx1"/>
+                </a:solidFill>
+                <a:latin typeface="+mn-lt"/>
+                <a:ea typeface="+mn-ea"/>
+                <a:cs typeface="+mn-cs"/>
+              </a:defRPr>
+            </a:lvl2pPr>
+            <a:lvl3pPr marL="1143000" indent="-228600" algn="l" defTabSz="914400" rtl="0" eaLnBrk="1" latinLnBrk="0" hangingPunct="1">
+              <a:lnSpc>
+                <a:spcPct val="90000"/>
+              </a:lnSpc>
+              <a:spcBef>
+                <a:spcPts val="500"/>
+              </a:spcBef>
+              <a:buFont typeface="Arial" panose="020B0604020202020204" pitchFamily="34" charset="0"/>
+              <a:buChar char="•"/>
+              <a:defRPr sz="2000" kern="1200">
+                <a:solidFill>
+                  <a:schemeClr val="tx1"/>
+                </a:solidFill>
+                <a:latin typeface="+mn-lt"/>
+                <a:ea typeface="+mn-ea"/>
+                <a:cs typeface="+mn-cs"/>
+              </a:defRPr>
+            </a:lvl3pPr>
+            <a:lvl4pPr marL="1600200" indent="-228600" algn="l" defTabSz="914400" rtl="0" eaLnBrk="1" latinLnBrk="0" hangingPunct="1">
+              <a:lnSpc>
+                <a:spcPct val="90000"/>
+              </a:lnSpc>
+              <a:spcBef>
+                <a:spcPts val="500"/>
+              </a:spcBef>
+              <a:buFont typeface="Arial" panose="020B0604020202020204" pitchFamily="34" charset="0"/>
+              <a:buChar char="•"/>
+              <a:defRPr sz="1800" kern="1200">
+                <a:solidFill>
+                  <a:schemeClr val="tx1"/>
+                </a:solidFill>
+                <a:latin typeface="+mn-lt"/>
+                <a:ea typeface="+mn-ea"/>
+                <a:cs typeface="+mn-cs"/>
+              </a:defRPr>
+            </a:lvl4pPr>
+            <a:lvl5pPr marL="2057400" indent="-228600" algn="l" defTabSz="914400" rtl="0" eaLnBrk="1" latinLnBrk="0" hangingPunct="1">
+              <a:lnSpc>
+                <a:spcPct val="90000"/>
+              </a:lnSpc>
+              <a:spcBef>
+                <a:spcPts val="500"/>
+              </a:spcBef>
+              <a:buFont typeface="Arial" panose="020B0604020202020204" pitchFamily="34" charset="0"/>
+              <a:buChar char="•"/>
+              <a:defRPr sz="1800" kern="1200">
+                <a:solidFill>
+                  <a:schemeClr val="tx1"/>
+                </a:solidFill>
+                <a:latin typeface="+mn-lt"/>
+                <a:ea typeface="+mn-ea"/>
+                <a:cs typeface="+mn-cs"/>
+              </a:defRPr>
+            </a:lvl5pPr>
+            <a:lvl6pPr marL="2514600" indent="-228600" algn="l" defTabSz="914400" rtl="0" eaLnBrk="1" latinLnBrk="0" hangingPunct="1">
+              <a:lnSpc>
+                <a:spcPct val="90000"/>
+              </a:lnSpc>
+              <a:spcBef>
+                <a:spcPts val="500"/>
+              </a:spcBef>
+              <a:buFont typeface="Arial" panose="020B0604020202020204" pitchFamily="34" charset="0"/>
+              <a:buChar char="•"/>
+              <a:defRPr sz="1800" kern="1200">
+                <a:solidFill>
+                  <a:schemeClr val="tx1"/>
+                </a:solidFill>
+                <a:latin typeface="+mn-lt"/>
+                <a:ea typeface="+mn-ea"/>
+                <a:cs typeface="+mn-cs"/>
+              </a:defRPr>
+            </a:lvl6pPr>
+            <a:lvl7pPr marL="2971800" indent="-228600" algn="l" defTabSz="914400" rtl="0" eaLnBrk="1" latinLnBrk="0" hangingPunct="1">
+              <a:lnSpc>
+                <a:spcPct val="90000"/>
+              </a:lnSpc>
+              <a:spcBef>
+                <a:spcPts val="500"/>
+              </a:spcBef>
+              <a:buFont typeface="Arial" panose="020B0604020202020204" pitchFamily="34" charset="0"/>
+              <a:buChar char="•"/>
+              <a:defRPr sz="1800" kern="1200">
+                <a:solidFill>
+                  <a:schemeClr val="tx1"/>
+                </a:solidFill>
+                <a:latin typeface="+mn-lt"/>
+                <a:ea typeface="+mn-ea"/>
+                <a:cs typeface="+mn-cs"/>
+              </a:defRPr>
+            </a:lvl7pPr>
+            <a:lvl8pPr marL="3429000" indent="-228600" algn="l" defTabSz="914400" rtl="0" eaLnBrk="1" latinLnBrk="0" hangingPunct="1">
+              <a:lnSpc>
+                <a:spcPct val="90000"/>
+              </a:lnSpc>
+              <a:spcBef>
+                <a:spcPts val="500"/>
+              </a:spcBef>
+              <a:buFont typeface="Arial" panose="020B0604020202020204" pitchFamily="34" charset="0"/>
+              <a:buChar char="•"/>
+              <a:defRPr sz="1800" kern="1200">
+                <a:solidFill>
+                  <a:schemeClr val="tx1"/>
+                </a:solidFill>
+                <a:latin typeface="+mn-lt"/>
+                <a:ea typeface="+mn-ea"/>
+                <a:cs typeface="+mn-cs"/>
+              </a:defRPr>
+            </a:lvl8pPr>
+            <a:lvl9pPr marL="3886200" indent="-228600" algn="l" defTabSz="914400" rtl="0" eaLnBrk="1" latinLnBrk="0" hangingPunct="1">
+              <a:lnSpc>
+                <a:spcPct val="90000"/>
+              </a:lnSpc>
+              <a:spcBef>
+                <a:spcPts val="500"/>
+              </a:spcBef>
+              <a:buFont typeface="Arial" panose="020B0604020202020204" pitchFamily="34" charset="0"/>
+              <a:buChar char="•"/>
+              <a:defRPr sz="1800" kern="1200">
+                <a:solidFill>
+                  <a:schemeClr val="tx1"/>
+                </a:solidFill>
+                <a:latin typeface="+mn-lt"/>
+                <a:ea typeface="+mn-ea"/>
+                <a:cs typeface="+mn-cs"/>
+              </a:defRPr>
+            </a:lvl9pPr>
+          </a:lstStyle>
+          <a:p>
+            <a:pPr marL="0" indent="0" algn="ctr">
+              <a:spcBef>
+                <a:spcPct val="0"/>
+              </a:spcBef>
+              <a:spcAft>
+                <a:spcPct val="0"/>
+              </a:spcAft>
+              <a:buNone/>
+            </a:pPr>
+            <a:fld id="{DCE7AF03-DA7E-4BE6-81D2-EE2DA761436B}" type="datetime'''''''''''''''''1''.''''''''''''''''''''5''''''''''''''%'''''">
+              <a:rPr lang="en-US" altLang="en-US" sz="1400" smtClean="0">
+                <a:solidFill>
+                  <a:schemeClr val="bg1"/>
+                </a:solidFill>
+                <a:effectLst/>
+              </a:rPr>
+              <a:pPr marL="0" indent="0" algn="ctr">
+                <a:spcBef>
+                  <a:spcPct val="0"/>
+                </a:spcBef>
+                <a:spcAft>
+                  <a:spcPct val="0"/>
+                </a:spcAft>
+                <a:buNone/>
+              </a:pPr>
+              <a:t>1.5%</a:t>
+            </a:fld>
+            <a:endParaRPr lang="en-US" sz="1400" dirty="0">
+              <a:solidFill>
+                <a:schemeClr val="bg1"/>
+              </a:solidFill>
+            </a:endParaRPr>
+          </a:p>
+        </p:txBody>
+      </p:sp>
+      <p:sp>
+        <p:nvSpPr>
+          <p:cNvPr id="458" name="Text Placeholder 2">
+            <a:extLst>
+              <a:ext uri="{FF2B5EF4-FFF2-40B4-BE49-F238E27FC236}">
+                <a16:creationId xmlns:a16="http://schemas.microsoft.com/office/drawing/2014/main" id="{F01B8698-9294-F532-DDB4-2EE198CBAA21}"/>
+              </a:ext>
+            </a:extLst>
+          </p:cNvPr>
+          <p:cNvSpPr>
+            <a:spLocks noGrp="1"/>
+          </p:cNvSpPr>
+          <p:nvPr>
+            <p:custDataLst>
+              <p:tags r:id="rId5"/>
+            </p:custDataLst>
+          </p:nvPr>
+        </p:nvSpPr>
+        <p:spPr bwMode="gray">
+          <a:xfrm>
+            <a:off x="1233488" y="1725613"/>
+            <a:ext cx="403225" cy="192088"/>
+          </a:xfrm>
+          <a:prstGeom prst="rect">
+            <a:avLst/>
+          </a:prstGeom>
+          <a:solidFill>
+            <a:schemeClr val="accent3"/>
+          </a:solidFill>
+          <a:ln>
+            <a:noFill/>
+          </a:ln>
+          <a:effectLst/>
+        </p:spPr>
+        <p:txBody>
+          <a:bodyPr vert="horz" wrap="none" lIns="25400" tIns="0" rIns="25400" bIns="0" numCol="1" spcCol="0" rtlCol="0" anchor="ctr" anchorCtr="0">
+            <a:noAutofit/>
+          </a:bodyPr>
+          <a:lstStyle>
+            <a:lvl1pPr marL="228600" indent="-228600" algn="l" defTabSz="914400" rtl="0" eaLnBrk="1" latinLnBrk="0" hangingPunct="1">
+              <a:lnSpc>
+                <a:spcPct val="90000"/>
+              </a:lnSpc>
+              <a:spcBef>
+                <a:spcPts val="1000"/>
+              </a:spcBef>
+              <a:buFont typeface="Arial" panose="020B0604020202020204" pitchFamily="34" charset="0"/>
+              <a:buChar char="•"/>
+              <a:defRPr sz="2800" kern="1200">
+                <a:solidFill>
+                  <a:schemeClr val="tx1"/>
+                </a:solidFill>
+                <a:latin typeface="+mn-lt"/>
+                <a:ea typeface="+mn-ea"/>
+                <a:cs typeface="+mn-cs"/>
+              </a:defRPr>
+            </a:lvl1pPr>
+            <a:lvl2pPr marL="685800" indent="-228600" algn="l" defTabSz="914400" rtl="0" eaLnBrk="1" latinLnBrk="0" hangingPunct="1">
+              <a:lnSpc>
+                <a:spcPct val="90000"/>
+              </a:lnSpc>
+              <a:spcBef>
+                <a:spcPts val="500"/>
+              </a:spcBef>
+              <a:buFont typeface="Arial" panose="020B0604020202020204" pitchFamily="34" charset="0"/>
+              <a:buChar char="•"/>
+              <a:defRPr sz="2400" kern="1200">
+                <a:solidFill>
+                  <a:schemeClr val="tx1"/>
+                </a:solidFill>
+                <a:latin typeface="+mn-lt"/>
+                <a:ea typeface="+mn-ea"/>
+                <a:cs typeface="+mn-cs"/>
+              </a:defRPr>
+            </a:lvl2pPr>
+            <a:lvl3pPr marL="1143000" indent="-228600" algn="l" defTabSz="914400" rtl="0" eaLnBrk="1" latinLnBrk="0" hangingPunct="1">
+              <a:lnSpc>
+                <a:spcPct val="90000"/>
+              </a:lnSpc>
+              <a:spcBef>
+                <a:spcPts val="500"/>
+              </a:spcBef>
+              <a:buFont typeface="Arial" panose="020B0604020202020204" pitchFamily="34" charset="0"/>
+              <a:buChar char="•"/>
+              <a:defRPr sz="2000" kern="1200">
+                <a:solidFill>
+                  <a:schemeClr val="tx1"/>
+                </a:solidFill>
+                <a:latin typeface="+mn-lt"/>
+                <a:ea typeface="+mn-ea"/>
+                <a:cs typeface="+mn-cs"/>
+              </a:defRPr>
+            </a:lvl3pPr>
+            <a:lvl4pPr marL="1600200" indent="-228600" algn="l" defTabSz="914400" rtl="0" eaLnBrk="1" latinLnBrk="0" hangingPunct="1">
+              <a:lnSpc>
+                <a:spcPct val="90000"/>
+              </a:lnSpc>
+              <a:spcBef>
+                <a:spcPts val="500"/>
+              </a:spcBef>
+              <a:buFont typeface="Arial" panose="020B0604020202020204" pitchFamily="34" charset="0"/>
+              <a:buChar char="•"/>
+              <a:defRPr sz="1800" kern="1200">
+                <a:solidFill>
+                  <a:schemeClr val="tx1"/>
+                </a:solidFill>
+                <a:latin typeface="+mn-lt"/>
+                <a:ea typeface="+mn-ea"/>
+                <a:cs typeface="+mn-cs"/>
+              </a:defRPr>
+            </a:lvl4pPr>
+            <a:lvl5pPr marL="2057400" indent="-228600" algn="l" defTabSz="914400" rtl="0" eaLnBrk="1" latinLnBrk="0" hangingPunct="1">
+              <a:lnSpc>
+                <a:spcPct val="90000"/>
+              </a:lnSpc>
+              <a:spcBef>
+                <a:spcPts val="500"/>
+              </a:spcBef>
+              <a:buFont typeface="Arial" panose="020B0604020202020204" pitchFamily="34" charset="0"/>
+              <a:buChar char="•"/>
+              <a:defRPr sz="1800" kern="1200">
+                <a:solidFill>
+                  <a:schemeClr val="tx1"/>
+                </a:solidFill>
+                <a:latin typeface="+mn-lt"/>
+                <a:ea typeface="+mn-ea"/>
+                <a:cs typeface="+mn-cs"/>
+              </a:defRPr>
+            </a:lvl5pPr>
+            <a:lvl6pPr marL="2514600" indent="-228600" algn="l" defTabSz="914400" rtl="0" eaLnBrk="1" latinLnBrk="0" hangingPunct="1">
+              <a:lnSpc>
+                <a:spcPct val="90000"/>
+              </a:lnSpc>
+              <a:spcBef>
+                <a:spcPts val="500"/>
+              </a:spcBef>
+              <a:buFont typeface="Arial" panose="020B0604020202020204" pitchFamily="34" charset="0"/>
+              <a:buChar char="•"/>
+              <a:defRPr sz="1800" kern="1200">
+                <a:solidFill>
+                  <a:schemeClr val="tx1"/>
+                </a:solidFill>
+                <a:latin typeface="+mn-lt"/>
+                <a:ea typeface="+mn-ea"/>
+                <a:cs typeface="+mn-cs"/>
+              </a:defRPr>
+            </a:lvl6pPr>
+            <a:lvl7pPr marL="2971800" indent="-228600" algn="l" defTabSz="914400" rtl="0" eaLnBrk="1" latinLnBrk="0" hangingPunct="1">
+              <a:lnSpc>
+                <a:spcPct val="90000"/>
+              </a:lnSpc>
+              <a:spcBef>
+                <a:spcPts val="500"/>
+              </a:spcBef>
+              <a:buFont typeface="Arial" panose="020B0604020202020204" pitchFamily="34" charset="0"/>
+              <a:buChar char="•"/>
+              <a:defRPr sz="1800" kern="1200">
+                <a:solidFill>
+                  <a:schemeClr val="tx1"/>
+                </a:solidFill>
+                <a:latin typeface="+mn-lt"/>
+                <a:ea typeface="+mn-ea"/>
+                <a:cs typeface="+mn-cs"/>
+              </a:defRPr>
+            </a:lvl7pPr>
+            <a:lvl8pPr marL="3429000" indent="-228600" algn="l" defTabSz="914400" rtl="0" eaLnBrk="1" latinLnBrk="0" hangingPunct="1">
+              <a:lnSpc>
+                <a:spcPct val="90000"/>
+              </a:lnSpc>
+              <a:spcBef>
+                <a:spcPts val="500"/>
+              </a:spcBef>
+              <a:buFont typeface="Arial" panose="020B0604020202020204" pitchFamily="34" charset="0"/>
+              <a:buChar char="•"/>
+              <a:defRPr sz="1800" kern="1200">
+                <a:solidFill>
+                  <a:schemeClr val="tx1"/>
+                </a:solidFill>
+                <a:latin typeface="+mn-lt"/>
+                <a:ea typeface="+mn-ea"/>
+                <a:cs typeface="+mn-cs"/>
+              </a:defRPr>
+            </a:lvl8pPr>
+            <a:lvl9pPr marL="3886200" indent="-228600" algn="l" defTabSz="914400" rtl="0" eaLnBrk="1" latinLnBrk="0" hangingPunct="1">
+              <a:lnSpc>
+                <a:spcPct val="90000"/>
+              </a:lnSpc>
+              <a:spcBef>
+                <a:spcPts val="500"/>
+              </a:spcBef>
+              <a:buFont typeface="Arial" panose="020B0604020202020204" pitchFamily="34" charset="0"/>
+              <a:buChar char="•"/>
+              <a:defRPr sz="1800" kern="1200">
+                <a:solidFill>
+                  <a:schemeClr val="tx1"/>
+                </a:solidFill>
+                <a:latin typeface="+mn-lt"/>
+                <a:ea typeface="+mn-ea"/>
+                <a:cs typeface="+mn-cs"/>
+              </a:defRPr>
+            </a:lvl9pPr>
+          </a:lstStyle>
+          <a:p>
+            <a:pPr marL="0" indent="0" algn="ctr">
+              <a:spcBef>
+                <a:spcPct val="0"/>
+              </a:spcBef>
+              <a:spcAft>
+                <a:spcPct val="0"/>
+              </a:spcAft>
+              <a:buNone/>
+            </a:pPr>
+            <a:fld id="{955240C2-7B6C-4352-AACC-973F54BDBD0C}" type="datetime'''''1''''''''''''''''''''''''''''.4%'''''''''''''''">
+              <a:rPr lang="en-US" altLang="en-US" sz="1400" smtClean="0">
+                <a:effectLst/>
+              </a:rPr>
+              <a:pPr marL="0" indent="0" algn="ctr">
+                <a:spcBef>
+                  <a:spcPct val="0"/>
+                </a:spcBef>
+                <a:spcAft>
+                  <a:spcPct val="0"/>
+                </a:spcAft>
+                <a:buNone/>
+              </a:pPr>
+              <a:t>1.4%</a:t>
+            </a:fld>
+            <a:endParaRPr lang="en-US" sz="1400" dirty="0"/>
+          </a:p>
+        </p:txBody>
+      </p:sp>
+      <p:sp>
+        <p:nvSpPr>
+          <p:cNvPr id="459" name="Text Placeholder 2">
+            <a:extLst>
+              <a:ext uri="{FF2B5EF4-FFF2-40B4-BE49-F238E27FC236}">
+                <a16:creationId xmlns:a16="http://schemas.microsoft.com/office/drawing/2014/main" id="{F01B8698-9294-F532-DDB4-2EE198CBAA21}"/>
+              </a:ext>
+            </a:extLst>
+          </p:cNvPr>
+          <p:cNvSpPr>
+            <a:spLocks noGrp="1"/>
+          </p:cNvSpPr>
+          <p:nvPr>
+            <p:custDataLst>
+              <p:tags r:id="rId6"/>
+            </p:custDataLst>
+          </p:nvPr>
+        </p:nvSpPr>
+        <p:spPr bwMode="gray">
+          <a:xfrm>
+            <a:off x="1392238" y="1917700"/>
+            <a:ext cx="403225" cy="192088"/>
+          </a:xfrm>
+          <a:prstGeom prst="rect">
+            <a:avLst/>
+          </a:prstGeom>
+          <a:solidFill>
+            <a:schemeClr val="accent4"/>
+          </a:solidFill>
+          <a:ln>
+            <a:noFill/>
+          </a:ln>
+          <a:effectLst/>
+        </p:spPr>
+        <p:txBody>
+          <a:bodyPr vert="horz" wrap="none" lIns="25400" tIns="0" rIns="25400" bIns="0" numCol="1" spcCol="0" rtlCol="0" anchor="ctr" anchorCtr="0">
+            <a:noAutofit/>
+          </a:bodyPr>
+          <a:lstStyle>
+            <a:lvl1pPr marL="228600" indent="-228600" algn="l" defTabSz="914400" rtl="0" eaLnBrk="1" latinLnBrk="0" hangingPunct="1">
+              <a:lnSpc>
+                <a:spcPct val="90000"/>
+              </a:lnSpc>
+              <a:spcBef>
+                <a:spcPts val="1000"/>
+              </a:spcBef>
+              <a:buFont typeface="Arial" panose="020B0604020202020204" pitchFamily="34" charset="0"/>
+              <a:buChar char="•"/>
+              <a:defRPr sz="2800" kern="1200">
+                <a:solidFill>
+                  <a:schemeClr val="tx1"/>
+                </a:solidFill>
+                <a:latin typeface="+mn-lt"/>
+                <a:ea typeface="+mn-ea"/>
+                <a:cs typeface="+mn-cs"/>
+              </a:defRPr>
+            </a:lvl1pPr>
+            <a:lvl2pPr marL="685800" indent="-228600" algn="l" defTabSz="914400" rtl="0" eaLnBrk="1" latinLnBrk="0" hangingPunct="1">
+              <a:lnSpc>
+                <a:spcPct val="90000"/>
+              </a:lnSpc>
+              <a:spcBef>
+                <a:spcPts val="500"/>
+              </a:spcBef>
+              <a:buFont typeface="Arial" panose="020B0604020202020204" pitchFamily="34" charset="0"/>
+              <a:buChar char="•"/>
+              <a:defRPr sz="2400" kern="1200">
+                <a:solidFill>
+                  <a:schemeClr val="tx1"/>
+                </a:solidFill>
+                <a:latin typeface="+mn-lt"/>
+                <a:ea typeface="+mn-ea"/>
+                <a:cs typeface="+mn-cs"/>
+              </a:defRPr>
+            </a:lvl2pPr>
+            <a:lvl3pPr marL="1143000" indent="-228600" algn="l" defTabSz="914400" rtl="0" eaLnBrk="1" latinLnBrk="0" hangingPunct="1">
+              <a:lnSpc>
+                <a:spcPct val="90000"/>
+              </a:lnSpc>
+              <a:spcBef>
+                <a:spcPts val="500"/>
+              </a:spcBef>
+              <a:buFont typeface="Arial" panose="020B0604020202020204" pitchFamily="34" charset="0"/>
+              <a:buChar char="•"/>
+              <a:defRPr sz="2000" kern="1200">
+                <a:solidFill>
+                  <a:schemeClr val="tx1"/>
+                </a:solidFill>
+                <a:latin typeface="+mn-lt"/>
+                <a:ea typeface="+mn-ea"/>
+                <a:cs typeface="+mn-cs"/>
+              </a:defRPr>
+            </a:lvl3pPr>
+            <a:lvl4pPr marL="1600200" indent="-228600" algn="l" defTabSz="914400" rtl="0" eaLnBrk="1" latinLnBrk="0" hangingPunct="1">
+              <a:lnSpc>
+                <a:spcPct val="90000"/>
+              </a:lnSpc>
+              <a:spcBef>
+                <a:spcPts val="500"/>
+              </a:spcBef>
+              <a:buFont typeface="Arial" panose="020B0604020202020204" pitchFamily="34" charset="0"/>
+              <a:buChar char="•"/>
+              <a:defRPr sz="1800" kern="1200">
+                <a:solidFill>
+                  <a:schemeClr val="tx1"/>
+                </a:solidFill>
+                <a:latin typeface="+mn-lt"/>
+                <a:ea typeface="+mn-ea"/>
+                <a:cs typeface="+mn-cs"/>
+              </a:defRPr>
+            </a:lvl4pPr>
+            <a:lvl5pPr marL="2057400" indent="-228600" algn="l" defTabSz="914400" rtl="0" eaLnBrk="1" latinLnBrk="0" hangingPunct="1">
+              <a:lnSpc>
+                <a:spcPct val="90000"/>
+              </a:lnSpc>
+              <a:spcBef>
+                <a:spcPts val="500"/>
+              </a:spcBef>
+              <a:buFont typeface="Arial" panose="020B0604020202020204" pitchFamily="34" charset="0"/>
+              <a:buChar char="•"/>
+              <a:defRPr sz="1800" kern="1200">
+                <a:solidFill>
+                  <a:schemeClr val="tx1"/>
+                </a:solidFill>
+                <a:latin typeface="+mn-lt"/>
+                <a:ea typeface="+mn-ea"/>
+                <a:cs typeface="+mn-cs"/>
+              </a:defRPr>
+            </a:lvl5pPr>
+            <a:lvl6pPr marL="2514600" indent="-228600" algn="l" defTabSz="914400" rtl="0" eaLnBrk="1" latinLnBrk="0" hangingPunct="1">
+              <a:lnSpc>
+                <a:spcPct val="90000"/>
+              </a:lnSpc>
+              <a:spcBef>
+                <a:spcPts val="500"/>
+              </a:spcBef>
+              <a:buFont typeface="Arial" panose="020B0604020202020204" pitchFamily="34" charset="0"/>
+              <a:buChar char="•"/>
+              <a:defRPr sz="1800" kern="1200">
+                <a:solidFill>
+                  <a:schemeClr val="tx1"/>
+                </a:solidFill>
+                <a:latin typeface="+mn-lt"/>
+                <a:ea typeface="+mn-ea"/>
+                <a:cs typeface="+mn-cs"/>
+              </a:defRPr>
+            </a:lvl6pPr>
+            <a:lvl7pPr marL="2971800" indent="-228600" algn="l" defTabSz="914400" rtl="0" eaLnBrk="1" latinLnBrk="0" hangingPunct="1">
+              <a:lnSpc>
+                <a:spcPct val="90000"/>
+              </a:lnSpc>
+              <a:spcBef>
+                <a:spcPts val="500"/>
+              </a:spcBef>
+              <a:buFont typeface="Arial" panose="020B0604020202020204" pitchFamily="34" charset="0"/>
+              <a:buChar char="•"/>
+              <a:defRPr sz="1800" kern="1200">
+                <a:solidFill>
+                  <a:schemeClr val="tx1"/>
+                </a:solidFill>
+                <a:latin typeface="+mn-lt"/>
+                <a:ea typeface="+mn-ea"/>
+                <a:cs typeface="+mn-cs"/>
+              </a:defRPr>
+            </a:lvl7pPr>
+            <a:lvl8pPr marL="3429000" indent="-228600" algn="l" defTabSz="914400" rtl="0" eaLnBrk="1" latinLnBrk="0" hangingPunct="1">
+              <a:lnSpc>
+                <a:spcPct val="90000"/>
+              </a:lnSpc>
+              <a:spcBef>
+                <a:spcPts val="500"/>
+              </a:spcBef>
+              <a:buFont typeface="Arial" panose="020B0604020202020204" pitchFamily="34" charset="0"/>
+              <a:buChar char="•"/>
+              <a:defRPr sz="1800" kern="1200">
+                <a:solidFill>
+                  <a:schemeClr val="tx1"/>
+                </a:solidFill>
+                <a:latin typeface="+mn-lt"/>
+                <a:ea typeface="+mn-ea"/>
+                <a:cs typeface="+mn-cs"/>
+              </a:defRPr>
+            </a:lvl8pPr>
+            <a:lvl9pPr marL="3886200" indent="-228600" algn="l" defTabSz="914400" rtl="0" eaLnBrk="1" latinLnBrk="0" hangingPunct="1">
+              <a:lnSpc>
+                <a:spcPct val="90000"/>
+              </a:lnSpc>
+              <a:spcBef>
+                <a:spcPts val="500"/>
+              </a:spcBef>
+              <a:buFont typeface="Arial" panose="020B0604020202020204" pitchFamily="34" charset="0"/>
+              <a:buChar char="•"/>
+              <a:defRPr sz="1800" kern="1200">
+                <a:solidFill>
+                  <a:schemeClr val="tx1"/>
+                </a:solidFill>
+                <a:latin typeface="+mn-lt"/>
+                <a:ea typeface="+mn-ea"/>
+                <a:cs typeface="+mn-cs"/>
+              </a:defRPr>
+            </a:lvl9pPr>
+          </a:lstStyle>
+          <a:p>
+            <a:pPr marL="0" indent="0" algn="ctr">
+              <a:spcBef>
+                <a:spcPct val="0"/>
+              </a:spcBef>
+              <a:spcAft>
+                <a:spcPct val="0"/>
+              </a:spcAft>
+              <a:buNone/>
+            </a:pPr>
+            <a:fld id="{0CE1CFC3-A6C8-4AF2-AC46-DE4F3E8EFDC3}" type="datetime'''''''''''''''''''''''''''''''1''''.5''''''''''%'">
+              <a:rPr lang="en-US" altLang="en-US" sz="1400" smtClean="0">
+                <a:effectLst/>
+              </a:rPr>
+              <a:pPr marL="0" indent="0" algn="ctr">
+                <a:spcBef>
+                  <a:spcPct val="0"/>
+                </a:spcBef>
+                <a:spcAft>
+                  <a:spcPct val="0"/>
+                </a:spcAft>
+                <a:buNone/>
+              </a:pPr>
+              <a:t>1.5%</a:t>
+            </a:fld>
+            <a:endParaRPr lang="en-US" sz="1400" dirty="0"/>
+          </a:p>
+        </p:txBody>
+      </p:sp>
+      <p:sp>
+        <p:nvSpPr>
+          <p:cNvPr id="460" name="Text Placeholder 2">
+            <a:extLst>
+              <a:ext uri="{FF2B5EF4-FFF2-40B4-BE49-F238E27FC236}">
+                <a16:creationId xmlns:a16="http://schemas.microsoft.com/office/drawing/2014/main" id="{F01B8698-9294-F532-DDB4-2EE198CBAA21}"/>
+              </a:ext>
+            </a:extLst>
+          </p:cNvPr>
+          <p:cNvSpPr>
+            <a:spLocks noGrp="1"/>
+          </p:cNvSpPr>
+          <p:nvPr>
+            <p:custDataLst>
+              <p:tags r:id="rId7"/>
+            </p:custDataLst>
+          </p:nvPr>
+        </p:nvSpPr>
+        <p:spPr bwMode="gray">
+          <a:xfrm>
+            <a:off x="1408113" y="1393825"/>
             <a:ext cx="403225" cy="192088"/>
           </a:xfrm>
           <a:prstGeom prst="rect">
@@ -5969,691 +5778,23 @@
               </a:spcAft>
               <a:buNone/>
             </a:pPr>
-            <a:fld id="{9964A3B9-B94F-49A0-B661-C9C48DC1A666}" type="datetime'''3''.''''''''''''''''''''''2''''''%'''''''''''">
+            <a:fld id="{A1B00B06-CE3E-432E-BD62-CE5A25F69D8D}" type="datetime'1''''''''''''.''''''''''''''''''''5''%'''''''''''''''''">
               <a:rPr lang="en-US" altLang="en-US" sz="1400" smtClean="0">
                 <a:solidFill>
                   <a:schemeClr val="bg1"/>
                 </a:solidFill>
                 <a:effectLst/>
               </a:rPr>
-              <a:pPr/>
-              <a:t>3.2%</a:t>
-            </a:fld>
-            <a:endParaRPr lang="en-US" sz="1400" dirty="0">
-              <a:solidFill>
-                <a:schemeClr val="bg1"/>
-              </a:solidFill>
-            </a:endParaRPr>
-          </a:p>
-        </p:txBody>
-      </p:sp>
-      <p:sp>
-        <p:nvSpPr>
-          <p:cNvPr id="24" name="Text Placeholder 2">
-            <a:extLst>
-              <a:ext uri="{FF2B5EF4-FFF2-40B4-BE49-F238E27FC236}">
-                <a16:creationId xmlns:a16="http://schemas.microsoft.com/office/drawing/2014/main" id="{F01B8698-9294-F532-DDB4-2EE198CBAA21}"/>
-              </a:ext>
-            </a:extLst>
-          </p:cNvPr>
-          <p:cNvSpPr>
-            <a:spLocks noGrp="1"/>
-          </p:cNvSpPr>
-          <p:nvPr>
-            <p:custDataLst>
-              <p:tags r:id="rId5"/>
-            </p:custDataLst>
-          </p:nvPr>
-        </p:nvSpPr>
-        <p:spPr bwMode="gray">
-          <a:xfrm>
-            <a:off x="955675" y="1993900"/>
-            <a:ext cx="403225" cy="192088"/>
-          </a:xfrm>
-          <a:prstGeom prst="rect">
-            <a:avLst/>
-          </a:prstGeom>
-          <a:solidFill>
-            <a:schemeClr val="accent3"/>
-          </a:solidFill>
-          <a:ln>
-            <a:noFill/>
-          </a:ln>
-          <a:effectLst/>
-        </p:spPr>
-        <p:txBody>
-          <a:bodyPr vert="horz" wrap="none" lIns="25400" tIns="0" rIns="25400" bIns="0" numCol="1" spcCol="0" rtlCol="0" anchor="ctr" anchorCtr="0">
-            <a:noAutofit/>
-          </a:bodyPr>
-          <a:lstStyle>
-            <a:lvl1pPr marL="228600" indent="-228600" algn="l" defTabSz="914400" rtl="0" eaLnBrk="1" latinLnBrk="0" hangingPunct="1">
-              <a:lnSpc>
-                <a:spcPct val="90000"/>
-              </a:lnSpc>
-              <a:spcBef>
-                <a:spcPts val="1000"/>
-              </a:spcBef>
-              <a:buFont typeface="Arial" panose="020B0604020202020204" pitchFamily="34" charset="0"/>
-              <a:buChar char="•"/>
-              <a:defRPr sz="2800" kern="1200">
-                <a:solidFill>
-                  <a:schemeClr val="tx1"/>
-                </a:solidFill>
-                <a:latin typeface="+mn-lt"/>
-                <a:ea typeface="+mn-ea"/>
-                <a:cs typeface="+mn-cs"/>
-              </a:defRPr>
-            </a:lvl1pPr>
-            <a:lvl2pPr marL="685800" indent="-228600" algn="l" defTabSz="914400" rtl="0" eaLnBrk="1" latinLnBrk="0" hangingPunct="1">
-              <a:lnSpc>
-                <a:spcPct val="90000"/>
-              </a:lnSpc>
-              <a:spcBef>
-                <a:spcPts val="500"/>
-              </a:spcBef>
-              <a:buFont typeface="Arial" panose="020B0604020202020204" pitchFamily="34" charset="0"/>
-              <a:buChar char="•"/>
-              <a:defRPr sz="2400" kern="1200">
-                <a:solidFill>
-                  <a:schemeClr val="tx1"/>
-                </a:solidFill>
-                <a:latin typeface="+mn-lt"/>
-                <a:ea typeface="+mn-ea"/>
-                <a:cs typeface="+mn-cs"/>
-              </a:defRPr>
-            </a:lvl2pPr>
-            <a:lvl3pPr marL="1143000" indent="-228600" algn="l" defTabSz="914400" rtl="0" eaLnBrk="1" latinLnBrk="0" hangingPunct="1">
-              <a:lnSpc>
-                <a:spcPct val="90000"/>
-              </a:lnSpc>
-              <a:spcBef>
-                <a:spcPts val="500"/>
-              </a:spcBef>
-              <a:buFont typeface="Arial" panose="020B0604020202020204" pitchFamily="34" charset="0"/>
-              <a:buChar char="•"/>
-              <a:defRPr sz="2000" kern="1200">
-                <a:solidFill>
-                  <a:schemeClr val="tx1"/>
-                </a:solidFill>
-                <a:latin typeface="+mn-lt"/>
-                <a:ea typeface="+mn-ea"/>
-                <a:cs typeface="+mn-cs"/>
-              </a:defRPr>
-            </a:lvl3pPr>
-            <a:lvl4pPr marL="1600200" indent="-228600" algn="l" defTabSz="914400" rtl="0" eaLnBrk="1" latinLnBrk="0" hangingPunct="1">
-              <a:lnSpc>
-                <a:spcPct val="90000"/>
-              </a:lnSpc>
-              <a:spcBef>
-                <a:spcPts val="500"/>
-              </a:spcBef>
-              <a:buFont typeface="Arial" panose="020B0604020202020204" pitchFamily="34" charset="0"/>
-              <a:buChar char="•"/>
-              <a:defRPr sz="1800" kern="1200">
-                <a:solidFill>
-                  <a:schemeClr val="tx1"/>
-                </a:solidFill>
-                <a:latin typeface="+mn-lt"/>
-                <a:ea typeface="+mn-ea"/>
-                <a:cs typeface="+mn-cs"/>
-              </a:defRPr>
-            </a:lvl4pPr>
-            <a:lvl5pPr marL="2057400" indent="-228600" algn="l" defTabSz="914400" rtl="0" eaLnBrk="1" latinLnBrk="0" hangingPunct="1">
-              <a:lnSpc>
-                <a:spcPct val="90000"/>
-              </a:lnSpc>
-              <a:spcBef>
-                <a:spcPts val="500"/>
-              </a:spcBef>
-              <a:buFont typeface="Arial" panose="020B0604020202020204" pitchFamily="34" charset="0"/>
-              <a:buChar char="•"/>
-              <a:defRPr sz="1800" kern="1200">
-                <a:solidFill>
-                  <a:schemeClr val="tx1"/>
-                </a:solidFill>
-                <a:latin typeface="+mn-lt"/>
-                <a:ea typeface="+mn-ea"/>
-                <a:cs typeface="+mn-cs"/>
-              </a:defRPr>
-            </a:lvl5pPr>
-            <a:lvl6pPr marL="2514600" indent="-228600" algn="l" defTabSz="914400" rtl="0" eaLnBrk="1" latinLnBrk="0" hangingPunct="1">
-              <a:lnSpc>
-                <a:spcPct val="90000"/>
-              </a:lnSpc>
-              <a:spcBef>
-                <a:spcPts val="500"/>
-              </a:spcBef>
-              <a:buFont typeface="Arial" panose="020B0604020202020204" pitchFamily="34" charset="0"/>
-              <a:buChar char="•"/>
-              <a:defRPr sz="1800" kern="1200">
-                <a:solidFill>
-                  <a:schemeClr val="tx1"/>
-                </a:solidFill>
-                <a:latin typeface="+mn-lt"/>
-                <a:ea typeface="+mn-ea"/>
-                <a:cs typeface="+mn-cs"/>
-              </a:defRPr>
-            </a:lvl6pPr>
-            <a:lvl7pPr marL="2971800" indent="-228600" algn="l" defTabSz="914400" rtl="0" eaLnBrk="1" latinLnBrk="0" hangingPunct="1">
-              <a:lnSpc>
-                <a:spcPct val="90000"/>
-              </a:lnSpc>
-              <a:spcBef>
-                <a:spcPts val="500"/>
-              </a:spcBef>
-              <a:buFont typeface="Arial" panose="020B0604020202020204" pitchFamily="34" charset="0"/>
-              <a:buChar char="•"/>
-              <a:defRPr sz="1800" kern="1200">
-                <a:solidFill>
-                  <a:schemeClr val="tx1"/>
-                </a:solidFill>
-                <a:latin typeface="+mn-lt"/>
-                <a:ea typeface="+mn-ea"/>
-                <a:cs typeface="+mn-cs"/>
-              </a:defRPr>
-            </a:lvl7pPr>
-            <a:lvl8pPr marL="3429000" indent="-228600" algn="l" defTabSz="914400" rtl="0" eaLnBrk="1" latinLnBrk="0" hangingPunct="1">
-              <a:lnSpc>
-                <a:spcPct val="90000"/>
-              </a:lnSpc>
-              <a:spcBef>
-                <a:spcPts val="500"/>
-              </a:spcBef>
-              <a:buFont typeface="Arial" panose="020B0604020202020204" pitchFamily="34" charset="0"/>
-              <a:buChar char="•"/>
-              <a:defRPr sz="1800" kern="1200">
-                <a:solidFill>
-                  <a:schemeClr val="tx1"/>
-                </a:solidFill>
-                <a:latin typeface="+mn-lt"/>
-                <a:ea typeface="+mn-ea"/>
-                <a:cs typeface="+mn-cs"/>
-              </a:defRPr>
-            </a:lvl8pPr>
-            <a:lvl9pPr marL="3886200" indent="-228600" algn="l" defTabSz="914400" rtl="0" eaLnBrk="1" latinLnBrk="0" hangingPunct="1">
-              <a:lnSpc>
-                <a:spcPct val="90000"/>
-              </a:lnSpc>
-              <a:spcBef>
-                <a:spcPts val="500"/>
-              </a:spcBef>
-              <a:buFont typeface="Arial" panose="020B0604020202020204" pitchFamily="34" charset="0"/>
-              <a:buChar char="•"/>
-              <a:defRPr sz="1800" kern="1200">
-                <a:solidFill>
-                  <a:schemeClr val="tx1"/>
-                </a:solidFill>
-                <a:latin typeface="+mn-lt"/>
-                <a:ea typeface="+mn-ea"/>
-                <a:cs typeface="+mn-cs"/>
-              </a:defRPr>
-            </a:lvl9pPr>
-          </a:lstStyle>
-          <a:p>
-            <a:pPr marL="0" indent="0" algn="ctr">
-              <a:spcBef>
-                <a:spcPct val="0"/>
-              </a:spcBef>
-              <a:spcAft>
-                <a:spcPct val="0"/>
-              </a:spcAft>
-              <a:buNone/>
-            </a:pPr>
-            <a:fld id="{4DB5C706-257C-42EF-ADFF-AAEFF205831D}" type="datetime'''''1''.''3''''''''''%'''''''''''">
-              <a:rPr lang="en-US" altLang="en-US" sz="1400" smtClean="0">
-                <a:effectLst/>
-              </a:rPr>
-              <a:pPr/>
-              <a:t>1.3%</a:t>
-            </a:fld>
-            <a:endParaRPr lang="en-US" sz="1400" dirty="0"/>
-          </a:p>
-        </p:txBody>
-      </p:sp>
-      <p:sp>
-        <p:nvSpPr>
-          <p:cNvPr id="25" name="Text Placeholder 2">
-            <a:extLst>
-              <a:ext uri="{FF2B5EF4-FFF2-40B4-BE49-F238E27FC236}">
-                <a16:creationId xmlns:a16="http://schemas.microsoft.com/office/drawing/2014/main" id="{F01B8698-9294-F532-DDB4-2EE198CBAA21}"/>
-              </a:ext>
-            </a:extLst>
-          </p:cNvPr>
-          <p:cNvSpPr>
-            <a:spLocks noGrp="1"/>
-          </p:cNvSpPr>
-          <p:nvPr>
-            <p:custDataLst>
-              <p:tags r:id="rId6"/>
-            </p:custDataLst>
-          </p:nvPr>
-        </p:nvSpPr>
-        <p:spPr bwMode="gray">
-          <a:xfrm>
-            <a:off x="911225" y="1603375"/>
-            <a:ext cx="403225" cy="192088"/>
-          </a:xfrm>
-          <a:prstGeom prst="rect">
-            <a:avLst/>
-          </a:prstGeom>
-          <a:solidFill>
-            <a:schemeClr val="accent4"/>
-          </a:solidFill>
-          <a:ln>
-            <a:noFill/>
-          </a:ln>
-          <a:effectLst/>
-        </p:spPr>
-        <p:txBody>
-          <a:bodyPr vert="horz" wrap="none" lIns="25400" tIns="0" rIns="25400" bIns="0" numCol="1" spcCol="0" rtlCol="0" anchor="ctr" anchorCtr="0">
-            <a:noAutofit/>
-          </a:bodyPr>
-          <a:lstStyle>
-            <a:lvl1pPr marL="228600" indent="-228600" algn="l" defTabSz="914400" rtl="0" eaLnBrk="1" latinLnBrk="0" hangingPunct="1">
-              <a:lnSpc>
-                <a:spcPct val="90000"/>
-              </a:lnSpc>
-              <a:spcBef>
-                <a:spcPts val="1000"/>
-              </a:spcBef>
-              <a:buFont typeface="Arial" panose="020B0604020202020204" pitchFamily="34" charset="0"/>
-              <a:buChar char="•"/>
-              <a:defRPr sz="2800" kern="1200">
-                <a:solidFill>
-                  <a:schemeClr val="tx1"/>
-                </a:solidFill>
-                <a:latin typeface="+mn-lt"/>
-                <a:ea typeface="+mn-ea"/>
-                <a:cs typeface="+mn-cs"/>
-              </a:defRPr>
-            </a:lvl1pPr>
-            <a:lvl2pPr marL="685800" indent="-228600" algn="l" defTabSz="914400" rtl="0" eaLnBrk="1" latinLnBrk="0" hangingPunct="1">
-              <a:lnSpc>
-                <a:spcPct val="90000"/>
-              </a:lnSpc>
-              <a:spcBef>
-                <a:spcPts val="500"/>
-              </a:spcBef>
-              <a:buFont typeface="Arial" panose="020B0604020202020204" pitchFamily="34" charset="0"/>
-              <a:buChar char="•"/>
-              <a:defRPr sz="2400" kern="1200">
-                <a:solidFill>
-                  <a:schemeClr val="tx1"/>
-                </a:solidFill>
-                <a:latin typeface="+mn-lt"/>
-                <a:ea typeface="+mn-ea"/>
-                <a:cs typeface="+mn-cs"/>
-              </a:defRPr>
-            </a:lvl2pPr>
-            <a:lvl3pPr marL="1143000" indent="-228600" algn="l" defTabSz="914400" rtl="0" eaLnBrk="1" latinLnBrk="0" hangingPunct="1">
-              <a:lnSpc>
-                <a:spcPct val="90000"/>
-              </a:lnSpc>
-              <a:spcBef>
-                <a:spcPts val="500"/>
-              </a:spcBef>
-              <a:buFont typeface="Arial" panose="020B0604020202020204" pitchFamily="34" charset="0"/>
-              <a:buChar char="•"/>
-              <a:defRPr sz="2000" kern="1200">
-                <a:solidFill>
-                  <a:schemeClr val="tx1"/>
-                </a:solidFill>
-                <a:latin typeface="+mn-lt"/>
-                <a:ea typeface="+mn-ea"/>
-                <a:cs typeface="+mn-cs"/>
-              </a:defRPr>
-            </a:lvl3pPr>
-            <a:lvl4pPr marL="1600200" indent="-228600" algn="l" defTabSz="914400" rtl="0" eaLnBrk="1" latinLnBrk="0" hangingPunct="1">
-              <a:lnSpc>
-                <a:spcPct val="90000"/>
-              </a:lnSpc>
-              <a:spcBef>
-                <a:spcPts val="500"/>
-              </a:spcBef>
-              <a:buFont typeface="Arial" panose="020B0604020202020204" pitchFamily="34" charset="0"/>
-              <a:buChar char="•"/>
-              <a:defRPr sz="1800" kern="1200">
-                <a:solidFill>
-                  <a:schemeClr val="tx1"/>
-                </a:solidFill>
-                <a:latin typeface="+mn-lt"/>
-                <a:ea typeface="+mn-ea"/>
-                <a:cs typeface="+mn-cs"/>
-              </a:defRPr>
-            </a:lvl4pPr>
-            <a:lvl5pPr marL="2057400" indent="-228600" algn="l" defTabSz="914400" rtl="0" eaLnBrk="1" latinLnBrk="0" hangingPunct="1">
-              <a:lnSpc>
-                <a:spcPct val="90000"/>
-              </a:lnSpc>
-              <a:spcBef>
-                <a:spcPts val="500"/>
-              </a:spcBef>
-              <a:buFont typeface="Arial" panose="020B0604020202020204" pitchFamily="34" charset="0"/>
-              <a:buChar char="•"/>
-              <a:defRPr sz="1800" kern="1200">
-                <a:solidFill>
-                  <a:schemeClr val="tx1"/>
-                </a:solidFill>
-                <a:latin typeface="+mn-lt"/>
-                <a:ea typeface="+mn-ea"/>
-                <a:cs typeface="+mn-cs"/>
-              </a:defRPr>
-            </a:lvl5pPr>
-            <a:lvl6pPr marL="2514600" indent="-228600" algn="l" defTabSz="914400" rtl="0" eaLnBrk="1" latinLnBrk="0" hangingPunct="1">
-              <a:lnSpc>
-                <a:spcPct val="90000"/>
-              </a:lnSpc>
-              <a:spcBef>
-                <a:spcPts val="500"/>
-              </a:spcBef>
-              <a:buFont typeface="Arial" panose="020B0604020202020204" pitchFamily="34" charset="0"/>
-              <a:buChar char="•"/>
-              <a:defRPr sz="1800" kern="1200">
-                <a:solidFill>
-                  <a:schemeClr val="tx1"/>
-                </a:solidFill>
-                <a:latin typeface="+mn-lt"/>
-                <a:ea typeface="+mn-ea"/>
-                <a:cs typeface="+mn-cs"/>
-              </a:defRPr>
-            </a:lvl6pPr>
-            <a:lvl7pPr marL="2971800" indent="-228600" algn="l" defTabSz="914400" rtl="0" eaLnBrk="1" latinLnBrk="0" hangingPunct="1">
-              <a:lnSpc>
-                <a:spcPct val="90000"/>
-              </a:lnSpc>
-              <a:spcBef>
-                <a:spcPts val="500"/>
-              </a:spcBef>
-              <a:buFont typeface="Arial" panose="020B0604020202020204" pitchFamily="34" charset="0"/>
-              <a:buChar char="•"/>
-              <a:defRPr sz="1800" kern="1200">
-                <a:solidFill>
-                  <a:schemeClr val="tx1"/>
-                </a:solidFill>
-                <a:latin typeface="+mn-lt"/>
-                <a:ea typeface="+mn-ea"/>
-                <a:cs typeface="+mn-cs"/>
-              </a:defRPr>
-            </a:lvl7pPr>
-            <a:lvl8pPr marL="3429000" indent="-228600" algn="l" defTabSz="914400" rtl="0" eaLnBrk="1" latinLnBrk="0" hangingPunct="1">
-              <a:lnSpc>
-                <a:spcPct val="90000"/>
-              </a:lnSpc>
-              <a:spcBef>
-                <a:spcPts val="500"/>
-              </a:spcBef>
-              <a:buFont typeface="Arial" panose="020B0604020202020204" pitchFamily="34" charset="0"/>
-              <a:buChar char="•"/>
-              <a:defRPr sz="1800" kern="1200">
-                <a:solidFill>
-                  <a:schemeClr val="tx1"/>
-                </a:solidFill>
-                <a:latin typeface="+mn-lt"/>
-                <a:ea typeface="+mn-ea"/>
-                <a:cs typeface="+mn-cs"/>
-              </a:defRPr>
-            </a:lvl8pPr>
-            <a:lvl9pPr marL="3886200" indent="-228600" algn="l" defTabSz="914400" rtl="0" eaLnBrk="1" latinLnBrk="0" hangingPunct="1">
-              <a:lnSpc>
-                <a:spcPct val="90000"/>
-              </a:lnSpc>
-              <a:spcBef>
-                <a:spcPts val="500"/>
-              </a:spcBef>
-              <a:buFont typeface="Arial" panose="020B0604020202020204" pitchFamily="34" charset="0"/>
-              <a:buChar char="•"/>
-              <a:defRPr sz="1800" kern="1200">
-                <a:solidFill>
-                  <a:schemeClr val="tx1"/>
-                </a:solidFill>
-                <a:latin typeface="+mn-lt"/>
-                <a:ea typeface="+mn-ea"/>
-                <a:cs typeface="+mn-cs"/>
-              </a:defRPr>
-            </a:lvl9pPr>
-          </a:lstStyle>
-          <a:p>
-            <a:pPr marL="0" indent="0" algn="ctr">
-              <a:spcBef>
-                <a:spcPct val="0"/>
-              </a:spcBef>
-              <a:spcAft>
-                <a:spcPct val="0"/>
-              </a:spcAft>
-              <a:buNone/>
-            </a:pPr>
-            <a:fld id="{9810004D-1102-46B6-9585-F96112AE486D}" type="datetime'''''''''''3''.''1''''''''''''''''''''''''''''''''''''''%'">
-              <a:rPr lang="en-US" altLang="en-US" sz="1400" smtClean="0">
-                <a:effectLst/>
-              </a:rPr>
-              <a:pPr/>
-              <a:t>3.1%</a:t>
-            </a:fld>
-            <a:endParaRPr lang="en-US" sz="1400" dirty="0"/>
-          </a:p>
-        </p:txBody>
-      </p:sp>
-      <p:sp>
-        <p:nvSpPr>
-          <p:cNvPr id="27" name="Text Placeholder 2">
-            <a:extLst>
-              <a:ext uri="{FF2B5EF4-FFF2-40B4-BE49-F238E27FC236}">
-                <a16:creationId xmlns:a16="http://schemas.microsoft.com/office/drawing/2014/main" id="{F01B8698-9294-F532-DDB4-2EE198CBAA21}"/>
-              </a:ext>
-            </a:extLst>
-          </p:cNvPr>
-          <p:cNvSpPr>
-            <a:spLocks noGrp="1"/>
-          </p:cNvSpPr>
-          <p:nvPr>
-            <p:custDataLst>
-              <p:tags r:id="rId7"/>
-            </p:custDataLst>
-          </p:nvPr>
-        </p:nvSpPr>
-        <p:spPr bwMode="gray">
-          <a:xfrm>
-            <a:off x="1463675" y="1374775"/>
-            <a:ext cx="403225" cy="192088"/>
-          </a:xfrm>
-          <a:prstGeom prst="rect">
-            <a:avLst/>
-          </a:prstGeom>
-          <a:solidFill>
-            <a:schemeClr val="accent6"/>
-          </a:solidFill>
-          <a:ln>
-            <a:noFill/>
-          </a:ln>
-          <a:effectLst/>
-        </p:spPr>
-        <p:txBody>
-          <a:bodyPr vert="horz" wrap="none" lIns="25400" tIns="0" rIns="25400" bIns="0" numCol="1" spcCol="0" rtlCol="0" anchor="ctr" anchorCtr="0">
-            <a:noAutofit/>
-          </a:bodyPr>
-          <a:lstStyle>
-            <a:lvl1pPr marL="228600" indent="-228600" algn="l" defTabSz="914400" rtl="0" eaLnBrk="1" latinLnBrk="0" hangingPunct="1">
-              <a:lnSpc>
-                <a:spcPct val="90000"/>
-              </a:lnSpc>
-              <a:spcBef>
-                <a:spcPts val="1000"/>
-              </a:spcBef>
-              <a:buFont typeface="Arial" panose="020B0604020202020204" pitchFamily="34" charset="0"/>
-              <a:buChar char="•"/>
-              <a:defRPr sz="2800" kern="1200">
-                <a:solidFill>
-                  <a:schemeClr val="tx1"/>
-                </a:solidFill>
-                <a:latin typeface="+mn-lt"/>
-                <a:ea typeface="+mn-ea"/>
-                <a:cs typeface="+mn-cs"/>
-              </a:defRPr>
-            </a:lvl1pPr>
-            <a:lvl2pPr marL="685800" indent="-228600" algn="l" defTabSz="914400" rtl="0" eaLnBrk="1" latinLnBrk="0" hangingPunct="1">
-              <a:lnSpc>
-                <a:spcPct val="90000"/>
-              </a:lnSpc>
-              <a:spcBef>
-                <a:spcPts val="500"/>
-              </a:spcBef>
-              <a:buFont typeface="Arial" panose="020B0604020202020204" pitchFamily="34" charset="0"/>
-              <a:buChar char="•"/>
-              <a:defRPr sz="2400" kern="1200">
-                <a:solidFill>
-                  <a:schemeClr val="tx1"/>
-                </a:solidFill>
-                <a:latin typeface="+mn-lt"/>
-                <a:ea typeface="+mn-ea"/>
-                <a:cs typeface="+mn-cs"/>
-              </a:defRPr>
-            </a:lvl2pPr>
-            <a:lvl3pPr marL="1143000" indent="-228600" algn="l" defTabSz="914400" rtl="0" eaLnBrk="1" latinLnBrk="0" hangingPunct="1">
-              <a:lnSpc>
-                <a:spcPct val="90000"/>
-              </a:lnSpc>
-              <a:spcBef>
-                <a:spcPts val="500"/>
-              </a:spcBef>
-              <a:buFont typeface="Arial" panose="020B0604020202020204" pitchFamily="34" charset="0"/>
-              <a:buChar char="•"/>
-              <a:defRPr sz="2000" kern="1200">
-                <a:solidFill>
-                  <a:schemeClr val="tx1"/>
-                </a:solidFill>
-                <a:latin typeface="+mn-lt"/>
-                <a:ea typeface="+mn-ea"/>
-                <a:cs typeface="+mn-cs"/>
-              </a:defRPr>
-            </a:lvl3pPr>
-            <a:lvl4pPr marL="1600200" indent="-228600" algn="l" defTabSz="914400" rtl="0" eaLnBrk="1" latinLnBrk="0" hangingPunct="1">
-              <a:lnSpc>
-                <a:spcPct val="90000"/>
-              </a:lnSpc>
-              <a:spcBef>
-                <a:spcPts val="500"/>
-              </a:spcBef>
-              <a:buFont typeface="Arial" panose="020B0604020202020204" pitchFamily="34" charset="0"/>
-              <a:buChar char="•"/>
-              <a:defRPr sz="1800" kern="1200">
-                <a:solidFill>
-                  <a:schemeClr val="tx1"/>
-                </a:solidFill>
-                <a:latin typeface="+mn-lt"/>
-                <a:ea typeface="+mn-ea"/>
-                <a:cs typeface="+mn-cs"/>
-              </a:defRPr>
-            </a:lvl4pPr>
-            <a:lvl5pPr marL="2057400" indent="-228600" algn="l" defTabSz="914400" rtl="0" eaLnBrk="1" latinLnBrk="0" hangingPunct="1">
-              <a:lnSpc>
-                <a:spcPct val="90000"/>
-              </a:lnSpc>
-              <a:spcBef>
-                <a:spcPts val="500"/>
-              </a:spcBef>
-              <a:buFont typeface="Arial" panose="020B0604020202020204" pitchFamily="34" charset="0"/>
-              <a:buChar char="•"/>
-              <a:defRPr sz="1800" kern="1200">
-                <a:solidFill>
-                  <a:schemeClr val="tx1"/>
-                </a:solidFill>
-                <a:latin typeface="+mn-lt"/>
-                <a:ea typeface="+mn-ea"/>
-                <a:cs typeface="+mn-cs"/>
-              </a:defRPr>
-            </a:lvl5pPr>
-            <a:lvl6pPr marL="2514600" indent="-228600" algn="l" defTabSz="914400" rtl="0" eaLnBrk="1" latinLnBrk="0" hangingPunct="1">
-              <a:lnSpc>
-                <a:spcPct val="90000"/>
-              </a:lnSpc>
-              <a:spcBef>
-                <a:spcPts val="500"/>
-              </a:spcBef>
-              <a:buFont typeface="Arial" panose="020B0604020202020204" pitchFamily="34" charset="0"/>
-              <a:buChar char="•"/>
-              <a:defRPr sz="1800" kern="1200">
-                <a:solidFill>
-                  <a:schemeClr val="tx1"/>
-                </a:solidFill>
-                <a:latin typeface="+mn-lt"/>
-                <a:ea typeface="+mn-ea"/>
-                <a:cs typeface="+mn-cs"/>
-              </a:defRPr>
-            </a:lvl6pPr>
-            <a:lvl7pPr marL="2971800" indent="-228600" algn="l" defTabSz="914400" rtl="0" eaLnBrk="1" latinLnBrk="0" hangingPunct="1">
-              <a:lnSpc>
-                <a:spcPct val="90000"/>
-              </a:lnSpc>
-              <a:spcBef>
-                <a:spcPts val="500"/>
-              </a:spcBef>
-              <a:buFont typeface="Arial" panose="020B0604020202020204" pitchFamily="34" charset="0"/>
-              <a:buChar char="•"/>
-              <a:defRPr sz="1800" kern="1200">
-                <a:solidFill>
-                  <a:schemeClr val="tx1"/>
-                </a:solidFill>
-                <a:latin typeface="+mn-lt"/>
-                <a:ea typeface="+mn-ea"/>
-                <a:cs typeface="+mn-cs"/>
-              </a:defRPr>
-            </a:lvl7pPr>
-            <a:lvl8pPr marL="3429000" indent="-228600" algn="l" defTabSz="914400" rtl="0" eaLnBrk="1" latinLnBrk="0" hangingPunct="1">
-              <a:lnSpc>
-                <a:spcPct val="90000"/>
-              </a:lnSpc>
-              <a:spcBef>
-                <a:spcPts val="500"/>
-              </a:spcBef>
-              <a:buFont typeface="Arial" panose="020B0604020202020204" pitchFamily="34" charset="0"/>
-              <a:buChar char="•"/>
-              <a:defRPr sz="1800" kern="1200">
-                <a:solidFill>
-                  <a:schemeClr val="tx1"/>
-                </a:solidFill>
-                <a:latin typeface="+mn-lt"/>
-                <a:ea typeface="+mn-ea"/>
-                <a:cs typeface="+mn-cs"/>
-              </a:defRPr>
-            </a:lvl8pPr>
-            <a:lvl9pPr marL="3886200" indent="-228600" algn="l" defTabSz="914400" rtl="0" eaLnBrk="1" latinLnBrk="0" hangingPunct="1">
-              <a:lnSpc>
-                <a:spcPct val="90000"/>
-              </a:lnSpc>
-              <a:spcBef>
-                <a:spcPts val="500"/>
-              </a:spcBef>
-              <a:buFont typeface="Arial" panose="020B0604020202020204" pitchFamily="34" charset="0"/>
-              <a:buChar char="•"/>
-              <a:defRPr sz="1800" kern="1200">
-                <a:solidFill>
-                  <a:schemeClr val="tx1"/>
-                </a:solidFill>
-                <a:latin typeface="+mn-lt"/>
-                <a:ea typeface="+mn-ea"/>
-                <a:cs typeface="+mn-cs"/>
-              </a:defRPr>
-            </a:lvl9pPr>
-          </a:lstStyle>
-          <a:p>
-            <a:pPr marL="0" indent="0" algn="ctr">
-              <a:spcBef>
-                <a:spcPct val="0"/>
-              </a:spcBef>
-              <a:spcAft>
-                <a:spcPct val="0"/>
-              </a:spcAft>
-              <a:buNone/>
-            </a:pPr>
-            <a:fld id="{48E09346-3BBD-4E84-B2CF-03266D32550F}" type="datetime'''''''''''''3''''''''''''.''4''''%'''''''''''''''''''">
-              <a:rPr lang="en-US" altLang="en-US" sz="1400" smtClean="0">
-                <a:solidFill>
-                  <a:schemeClr val="bg1"/>
-                </a:solidFill>
-                <a:effectLst/>
-              </a:rPr>
-              <a:pPr/>
-              <a:t>3.4%</a:t>
+              <a:pPr marL="0" indent="0" algn="ctr">
+                <a:spcBef>
+                  <a:spcPct val="0"/>
+                </a:spcBef>
+                <a:spcAft>
+                  <a:spcPct val="0"/>
+                </a:spcAft>
+                <a:buNone/>
+              </a:pPr>
+              <a:t>1.5%</a:t>
             </a:fld>
             <a:endParaRPr lang="en-US" sz="1400" dirty="0">
               <a:solidFill>
@@ -6882,10 +6023,10 @@
               </a:spcAft>
               <a:buNone/>
             </a:pPr>
-            <a:fld id="{8977D5D1-3364-4F85-9675-FAC69C070440}" type="datetime'''$''5,8''''''''''''4''6'',''14''0''''''''.1''6 '''''''''''''">
+            <a:fld id="{32EFC032-B492-4187-9586-CB6FA4BB7B9B}" type="datetime'''$1'''',2''9''''''''''''''''''''7,8''78''''''''.6''0 '''">
               <a:rPr lang="en-US" altLang="en-US" sz="1400" smtClean="0"/>
               <a:pPr/>
-              <a:t>$5,846,140.16 </a:t>
+              <a:t>$1,297,878.60 </a:t>
             </a:fld>
             <a:endParaRPr lang="en-US" sz="1400" dirty="0"/>
           </a:p>
@@ -6893,10 +6034,10 @@
       </p:sp>
       <p:sp>
         <p:nvSpPr>
-          <p:cNvPr id="212" name="Rectangle 211">
+          <p:cNvPr id="211" name="Rectangle 210">
             <a:extLst>
               <a:ext uri="{FF2B5EF4-FFF2-40B4-BE49-F238E27FC236}">
-                <a16:creationId xmlns:a16="http://schemas.microsoft.com/office/drawing/2014/main" id="{CFE16A47-45D9-1330-227A-6FA04AF148BD}"/>
+                <a16:creationId xmlns:a16="http://schemas.microsoft.com/office/drawing/2014/main" id="{ACB5FA66-420A-A81B-9515-200E417A7614}"/>
               </a:ext>
             </a:extLst>
           </p:cNvPr>
@@ -6909,14 +6050,14 @@
         </p:nvSpPr>
         <p:spPr bwMode="auto">
           <a:xfrm>
-            <a:off x="3721100" y="2160588"/>
+            <a:off x="3721100" y="1906588"/>
             <a:ext cx="250825" cy="187325"/>
           </a:xfrm>
           <a:prstGeom prst="rect">
             <a:avLst/>
           </a:prstGeom>
           <a:solidFill>
-            <a:schemeClr val="accent3"/>
+            <a:schemeClr val="accent4"/>
           </a:solidFill>
           <a:ln w="12700" cap="flat" cmpd="sng" algn="ctr">
             <a:noFill/>
@@ -7045,10 +6186,10 @@
       </p:sp>
       <p:sp>
         <p:nvSpPr>
-          <p:cNvPr id="211" name="Rectangle 210">
+          <p:cNvPr id="212" name="Rectangle 211">
             <a:extLst>
               <a:ext uri="{FF2B5EF4-FFF2-40B4-BE49-F238E27FC236}">
-                <a16:creationId xmlns:a16="http://schemas.microsoft.com/office/drawing/2014/main" id="{ACB5FA66-420A-A81B-9515-200E417A7614}"/>
+                <a16:creationId xmlns:a16="http://schemas.microsoft.com/office/drawing/2014/main" id="{CFE16A47-45D9-1330-227A-6FA04AF148BD}"/>
               </a:ext>
             </a:extLst>
           </p:cNvPr>
@@ -7061,14 +6202,14 @@
         </p:nvSpPr>
         <p:spPr bwMode="auto">
           <a:xfrm>
-            <a:off x="3721100" y="1906588"/>
+            <a:off x="3721100" y="2160588"/>
             <a:ext cx="250825" cy="187325"/>
           </a:xfrm>
           <a:prstGeom prst="rect">
             <a:avLst/>
           </a:prstGeom>
           <a:solidFill>
-            <a:schemeClr val="accent4"/>
+            <a:schemeClr val="accent3"/>
           </a:solidFill>
           <a:ln w="12700" cap="flat" cmpd="sng" algn="ctr">
             <a:noFill/>
@@ -7182,10 +6323,10 @@
       </p:sp>
       <p:sp>
         <p:nvSpPr>
-          <p:cNvPr id="291" name="Rectangle 290">
+          <p:cNvPr id="213" name="Rectangle 212">
             <a:extLst>
               <a:ext uri="{FF2B5EF4-FFF2-40B4-BE49-F238E27FC236}">
-                <a16:creationId xmlns:a16="http://schemas.microsoft.com/office/drawing/2014/main" id="{42BABA56-84CC-058A-9FA9-01E2AE4F30F6}"/>
+                <a16:creationId xmlns:a16="http://schemas.microsoft.com/office/drawing/2014/main" id="{FCAE7E1D-1499-C758-F9FE-00B9371A46F4}"/>
               </a:ext>
             </a:extLst>
           </p:cNvPr>
@@ -7198,14 +6339,14 @@
         </p:nvSpPr>
         <p:spPr bwMode="auto">
           <a:xfrm>
-            <a:off x="3721100" y="2668588"/>
+            <a:off x="3721100" y="2414588"/>
             <a:ext cx="250825" cy="187325"/>
           </a:xfrm>
           <a:prstGeom prst="rect">
             <a:avLst/>
           </a:prstGeom>
           <a:solidFill>
-            <a:schemeClr val="accent1"/>
+            <a:schemeClr val="accent2"/>
           </a:solidFill>
           <a:ln w="12700" cap="flat" cmpd="sng" algn="ctr">
             <a:noFill/>
@@ -7258,10 +6399,10 @@
       </p:sp>
       <p:sp>
         <p:nvSpPr>
-          <p:cNvPr id="213" name="Rectangle 212">
+          <p:cNvPr id="291" name="Rectangle 290">
             <a:extLst>
               <a:ext uri="{FF2B5EF4-FFF2-40B4-BE49-F238E27FC236}">
-                <a16:creationId xmlns:a16="http://schemas.microsoft.com/office/drawing/2014/main" id="{FCAE7E1D-1499-C758-F9FE-00B9371A46F4}"/>
+                <a16:creationId xmlns:a16="http://schemas.microsoft.com/office/drawing/2014/main" id="{42BABA56-84CC-058A-9FA9-01E2AE4F30F6}"/>
               </a:ext>
             </a:extLst>
           </p:cNvPr>
@@ -7274,14 +6415,14 @@
         </p:nvSpPr>
         <p:spPr bwMode="auto">
           <a:xfrm>
-            <a:off x="3721100" y="2414588"/>
+            <a:off x="3721100" y="2668588"/>
             <a:ext cx="250825" cy="187325"/>
           </a:xfrm>
           <a:prstGeom prst="rect">
             <a:avLst/>
           </a:prstGeom>
           <a:solidFill>
-            <a:schemeClr val="accent2"/>
+            <a:schemeClr val="accent1"/>
           </a:solidFill>
           <a:ln w="12700" cap="flat" cmpd="sng" algn="ctr">
             <a:noFill/>
@@ -7334,10 +6475,10 @@
       </p:sp>
       <p:sp>
         <p:nvSpPr>
-          <p:cNvPr id="186" name="Text Placeholder 2">
+          <p:cNvPr id="169" name="Text Placeholder 2">
             <a:extLst>
               <a:ext uri="{FF2B5EF4-FFF2-40B4-BE49-F238E27FC236}">
-                <a16:creationId xmlns:a16="http://schemas.microsoft.com/office/drawing/2014/main" id="{D2C85364-35B4-24C7-21A3-4F985EAEEE7E}"/>
+                <a16:creationId xmlns:a16="http://schemas.microsoft.com/office/drawing/2014/main" id="{F01B8698-9294-F532-DDB4-2EE198CBAA21}"/>
               </a:ext>
             </a:extLst>
           </p:cNvPr>
@@ -7352,8 +6493,8 @@
         </p:nvSpPr>
         <p:spPr bwMode="auto">
           <a:xfrm>
-            <a:off x="4022725" y="1409700"/>
-            <a:ext cx="2124075" cy="192088"/>
+            <a:off x="4022725" y="1917700"/>
+            <a:ext cx="1270000" cy="192088"/>
           </a:xfrm>
           <a:prstGeom prst="rect">
             <a:avLst/>
@@ -7551,10 +6692,10 @@
               </a:spcAft>
               <a:buNone/>
             </a:pPr>
-            <a:fld id="{59D7D596-DC6E-46F9-A140-590D4A253A5C}" type="datetime'B''en a''n''''d'' Jerrys = $1''97'',3''''3''''''''7''.68'''">
+            <a:fld id="{D9CD9367-4C90-4362-9C02-23DADA762573}" type="datetime'Fo''''l''g''e''''r''''s'''' ='' ''$1''''''''''''8'',9''00'">
               <a:rPr lang="en-US" altLang="en-US" sz="1400" smtClean="0"/>
               <a:pPr/>
-              <a:t>Ben and Jerrys = $197,337.68</a:t>
+              <a:t>Folgers = $18,900</a:t>
             </a:fld>
             <a:endParaRPr lang="en-US" sz="1400" dirty="0"/>
           </a:p>
@@ -7562,10 +6703,10 @@
       </p:sp>
       <p:sp>
         <p:nvSpPr>
-          <p:cNvPr id="168" name="Text Placeholder 2">
+          <p:cNvPr id="186" name="Text Placeholder 2">
             <a:extLst>
               <a:ext uri="{FF2B5EF4-FFF2-40B4-BE49-F238E27FC236}">
-                <a16:creationId xmlns:a16="http://schemas.microsoft.com/office/drawing/2014/main" id="{F01B8698-9294-F532-DDB4-2EE198CBAA21}"/>
+                <a16:creationId xmlns:a16="http://schemas.microsoft.com/office/drawing/2014/main" id="{D2C85364-35B4-24C7-21A3-4F985EAEEE7E}"/>
               </a:ext>
             </a:extLst>
           </p:cNvPr>
@@ -7580,8 +6721,8 @@
         </p:nvSpPr>
         <p:spPr bwMode="auto">
           <a:xfrm>
-            <a:off x="4022725" y="1663700"/>
-            <a:ext cx="1547813" cy="192088"/>
+            <a:off x="4022725" y="1409700"/>
+            <a:ext cx="2033588" cy="192088"/>
           </a:xfrm>
           <a:prstGeom prst="rect">
             <a:avLst/>
@@ -7779,10 +6920,10 @@
               </a:spcAft>
               <a:buNone/>
             </a:pPr>
-            <a:fld id="{117FC453-4D40-44D6-8C24-4FEEB81839BF}" type="datetime'K''r''''''''o''ge''''''r'' = $1''''8''9,''''181.4''8'''''''">
+            <a:fld id="{D27E9563-F2BC-4D4F-8C4E-BDF5A3FDB97B}" type="datetime'Ben and J''''e''''''r''rys ''='''' $''2''''0,''''040.''8''0'">
               <a:rPr lang="en-US" altLang="en-US" sz="1400" smtClean="0"/>
               <a:pPr/>
-              <a:t>Kroger = $189,181.48</a:t>
+              <a:t>Ben and Jerrys = $20,040.80</a:t>
             </a:fld>
             <a:endParaRPr lang="en-US" sz="1400" dirty="0"/>
           </a:p>
@@ -8007,10 +7148,10 @@
               </a:spcAft>
               <a:buNone/>
             </a:pPr>
-            <a:fld id="{2BAD8510-9072-46F8-BB35-8998DFEB5254}" type="datetime'A''ll ''O''th''er ''B''ra''n''ds ='''''' $5'',131,198.38'''">
+            <a:fld id="{BF842435-0263-4D0F-B81A-B2CC55BFBE9E}" type="datetime'''''All'' ''''Ot''her Brand''s = ''''$''1'',20''''2'',629.10'">
               <a:rPr lang="en-US" altLang="en-US" sz="1400" smtClean="0"/>
               <a:pPr/>
-              <a:t>All Other Brands = $5,131,198.38</a:t>
+              <a:t>All Other Brands = $1,202,629.10</a:t>
             </a:fld>
             <a:endParaRPr lang="en-US" sz="1400" dirty="0"/>
           </a:p>
@@ -8037,7 +7178,7 @@
         <p:spPr bwMode="auto">
           <a:xfrm>
             <a:off x="4022725" y="2425700"/>
-            <a:ext cx="1327150" cy="192088"/>
+            <a:ext cx="1552575" cy="192088"/>
           </a:xfrm>
           <a:prstGeom prst="rect">
             <a:avLst/>
@@ -8235,10 +7376,10 @@
               </a:spcAft>
               <a:buNone/>
             </a:pPr>
-            <a:fld id="{84637349-F2A9-47FC-9B9A-70CE69E4D600}" type="datetime'Kr''af''t ''''''='''' ''$''70'',''''''8''5''''''8.''88'''">
+            <a:fld id="{335E228E-03E8-43CC-A0FC-B50AB6B3ACA0}" type="datetime'''B''ig''e''low = ''''''$''''1''''8'',''3''6''2''.''''70'''''">
               <a:rPr lang="en-US" altLang="en-US" sz="1400" smtClean="0"/>
               <a:pPr/>
-              <a:t>Kraft = $70,858.88</a:t>
+              <a:t>Bigelow = $18,362.70</a:t>
             </a:fld>
             <a:endParaRPr lang="en-US" sz="1400" dirty="0"/>
           </a:p>
@@ -8246,7 +7387,7 @@
       </p:sp>
       <p:sp>
         <p:nvSpPr>
-          <p:cNvPr id="169" name="Text Placeholder 2">
+          <p:cNvPr id="168" name="Text Placeholder 2">
             <a:extLst>
               <a:ext uri="{FF2B5EF4-FFF2-40B4-BE49-F238E27FC236}">
                 <a16:creationId xmlns:a16="http://schemas.microsoft.com/office/drawing/2014/main" id="{F01B8698-9294-F532-DDB4-2EE198CBAA21}"/>
@@ -8264,8 +7405,8 @@
         </p:nvSpPr>
         <p:spPr bwMode="auto">
           <a:xfrm>
-            <a:off x="4022725" y="1917700"/>
-            <a:ext cx="1587500" cy="192088"/>
+            <a:off x="4022725" y="1663700"/>
+            <a:ext cx="1362075" cy="192088"/>
           </a:xfrm>
           <a:prstGeom prst="rect">
             <a:avLst/>
@@ -8463,10 +7604,10 @@
               </a:spcAft>
               <a:buNone/>
             </a:pPr>
-            <a:fld id="{C0654D1D-6DCF-45F5-A742-D90596AA8331}" type="datetime'H''y''-V''e''''e'''''''' = $''''''''17''''8,692''.8''8'''">
+            <a:fld id="{D28F3D5C-6800-4691-A322-E713C2DC232D}" type="datetime'Pep''''''si'' ''''''''''''''= $1''''''9'',''''3''''90''.''60'">
               <a:rPr lang="en-US" altLang="en-US" sz="1400" smtClean="0"/>
               <a:pPr/>
-              <a:t>Hy-Vee = $178,692.88</a:t>
+              <a:t>Pepsi = $19,390.60</a:t>
             </a:fld>
             <a:endParaRPr lang="en-US" sz="1400" dirty="0"/>
           </a:p>
@@ -8493,7 +7634,7 @@
         <p:spPr bwMode="auto">
           <a:xfrm>
             <a:off x="4022725" y="2171700"/>
-            <a:ext cx="1362075" cy="192088"/>
+            <a:ext cx="1616075" cy="192088"/>
           </a:xfrm>
           <a:prstGeom prst="rect">
             <a:avLst/>
@@ -8691,10 +7832,10 @@
               </a:spcAft>
               <a:buNone/>
             </a:pPr>
-            <a:fld id="{BC61769B-4543-4DC1-B7C2-3C0F6246F88B}" type="datetime'Peps''i ''''= $''''''''''''''''7''8,''8''''''7''0''.''86'''''">
+            <a:fld id="{D731A5A5-500D-4E77-B48A-60B1DF216EF2}" type="datetime'Ke''l''lo''''''gg''''’s'''' = ''''$18'',5''''''55''''.''40'''">
               <a:rPr lang="en-US" altLang="en-US" sz="1400" smtClean="0"/>
               <a:pPr/>
-              <a:t>Pepsi = $78,870.86</a:t>
+              <a:t>Kellogg’s = $18,555.40</a:t>
             </a:fld>
             <a:endParaRPr lang="en-US" sz="1400" dirty="0"/>
           </a:p>
@@ -8802,10 +7943,10 @@
       </p:sp>
       <p:graphicFrame>
         <p:nvGraphicFramePr>
-          <p:cNvPr id="489" name="Chart 488">
+          <p:cNvPr id="3" name="Chart 2">
             <a:extLst>
               <a:ext uri="{FF2B5EF4-FFF2-40B4-BE49-F238E27FC236}">
-                <a16:creationId xmlns:a16="http://schemas.microsoft.com/office/drawing/2014/main" id="{EE4F1251-00F0-114E-CC45-94FF57E81E85}"/>
+                <a16:creationId xmlns:a16="http://schemas.microsoft.com/office/drawing/2014/main" id="{D2E8DBCA-E70C-D175-5372-A226706F5712}"/>
               </a:ext>
             </a:extLst>
           </p:cNvPr>
@@ -8816,7 +7957,7 @@
             </p:custDataLst>
             <p:extLst>
               <p:ext uri="{D42A27DB-BD31-4B8C-83A1-F6EECF244321}">
-                <p14:modId xmlns:p14="http://schemas.microsoft.com/office/powerpoint/2010/main" val="969537925"/>
+                <p14:modId xmlns:p14="http://schemas.microsoft.com/office/powerpoint/2010/main" val="2283266206"/>
               </p:ext>
             </p:extLst>
           </p:nvPr>
@@ -8827,16 +7968,16 @@
         </p:xfrm>
         <a:graphic>
           <a:graphicData uri="http://schemas.openxmlformats.org/drawingml/2006/chart">
-            <c:chart xmlns:c="http://schemas.openxmlformats.org/drawingml/2006/chart" xmlns:r="http://schemas.openxmlformats.org/officeDocument/2006/relationships" r:id="rId43"/>
+            <c:chart xmlns:c="http://schemas.openxmlformats.org/drawingml/2006/chart" xmlns:r="http://schemas.openxmlformats.org/officeDocument/2006/relationships" r:id="rId44"/>
           </a:graphicData>
         </a:graphic>
       </p:graphicFrame>
       <p:sp>
         <p:nvSpPr>
-          <p:cNvPr id="55" name="Text Placeholder 2">
+          <p:cNvPr id="387" name="Text Placeholder 2">
             <a:extLst>
               <a:ext uri="{FF2B5EF4-FFF2-40B4-BE49-F238E27FC236}">
-                <a16:creationId xmlns:a16="http://schemas.microsoft.com/office/drawing/2014/main" id="{F01B8698-9294-F532-DDB4-2EE198CBAA21}"/>
+                <a16:creationId xmlns:a16="http://schemas.microsoft.com/office/drawing/2014/main" id="{F048C153-7E8A-8CE6-EB18-71AEF89CFA99}"/>
               </a:ext>
             </a:extLst>
           </p:cNvPr>
@@ -8851,7 +7992,453 @@
         </p:nvSpPr>
         <p:spPr bwMode="gray">
           <a:xfrm>
-            <a:off x="7299325" y="1673225"/>
+            <a:off x="7453313" y="1568450"/>
+            <a:ext cx="403225" cy="192088"/>
+          </a:xfrm>
+          <a:prstGeom prst="rect">
+            <a:avLst/>
+          </a:prstGeom>
+          <a:solidFill>
+            <a:schemeClr val="accent2"/>
+          </a:solidFill>
+          <a:ln>
+            <a:noFill/>
+          </a:ln>
+          <a:effectLst/>
+        </p:spPr>
+        <p:txBody>
+          <a:bodyPr vert="horz" wrap="none" lIns="25400" tIns="0" rIns="25400" bIns="0" numCol="1" spcCol="0" rtlCol="0" anchor="ctr" anchorCtr="0">
+            <a:noAutofit/>
+          </a:bodyPr>
+          <a:lstStyle>
+            <a:lvl1pPr marL="228600" indent="-228600" algn="l" defTabSz="914400" rtl="0" eaLnBrk="1" latinLnBrk="0" hangingPunct="1">
+              <a:lnSpc>
+                <a:spcPct val="90000"/>
+              </a:lnSpc>
+              <a:spcBef>
+                <a:spcPts val="1000"/>
+              </a:spcBef>
+              <a:buFont typeface="Arial" panose="020B0604020202020204" pitchFamily="34" charset="0"/>
+              <a:buChar char="•"/>
+              <a:defRPr sz="2800" kern="1200">
+                <a:solidFill>
+                  <a:schemeClr val="tx1"/>
+                </a:solidFill>
+                <a:latin typeface="+mn-lt"/>
+                <a:ea typeface="+mn-ea"/>
+                <a:cs typeface="+mn-cs"/>
+              </a:defRPr>
+            </a:lvl1pPr>
+            <a:lvl2pPr marL="685800" indent="-228600" algn="l" defTabSz="914400" rtl="0" eaLnBrk="1" latinLnBrk="0" hangingPunct="1">
+              <a:lnSpc>
+                <a:spcPct val="90000"/>
+              </a:lnSpc>
+              <a:spcBef>
+                <a:spcPts val="500"/>
+              </a:spcBef>
+              <a:buFont typeface="Arial" panose="020B0604020202020204" pitchFamily="34" charset="0"/>
+              <a:buChar char="•"/>
+              <a:defRPr sz="2400" kern="1200">
+                <a:solidFill>
+                  <a:schemeClr val="tx1"/>
+                </a:solidFill>
+                <a:latin typeface="+mn-lt"/>
+                <a:ea typeface="+mn-ea"/>
+                <a:cs typeface="+mn-cs"/>
+              </a:defRPr>
+            </a:lvl2pPr>
+            <a:lvl3pPr marL="1143000" indent="-228600" algn="l" defTabSz="914400" rtl="0" eaLnBrk="1" latinLnBrk="0" hangingPunct="1">
+              <a:lnSpc>
+                <a:spcPct val="90000"/>
+              </a:lnSpc>
+              <a:spcBef>
+                <a:spcPts val="500"/>
+              </a:spcBef>
+              <a:buFont typeface="Arial" panose="020B0604020202020204" pitchFamily="34" charset="0"/>
+              <a:buChar char="•"/>
+              <a:defRPr sz="2000" kern="1200">
+                <a:solidFill>
+                  <a:schemeClr val="tx1"/>
+                </a:solidFill>
+                <a:latin typeface="+mn-lt"/>
+                <a:ea typeface="+mn-ea"/>
+                <a:cs typeface="+mn-cs"/>
+              </a:defRPr>
+            </a:lvl3pPr>
+            <a:lvl4pPr marL="1600200" indent="-228600" algn="l" defTabSz="914400" rtl="0" eaLnBrk="1" latinLnBrk="0" hangingPunct="1">
+              <a:lnSpc>
+                <a:spcPct val="90000"/>
+              </a:lnSpc>
+              <a:spcBef>
+                <a:spcPts val="500"/>
+              </a:spcBef>
+              <a:buFont typeface="Arial" panose="020B0604020202020204" pitchFamily="34" charset="0"/>
+              <a:buChar char="•"/>
+              <a:defRPr sz="1800" kern="1200">
+                <a:solidFill>
+                  <a:schemeClr val="tx1"/>
+                </a:solidFill>
+                <a:latin typeface="+mn-lt"/>
+                <a:ea typeface="+mn-ea"/>
+                <a:cs typeface="+mn-cs"/>
+              </a:defRPr>
+            </a:lvl4pPr>
+            <a:lvl5pPr marL="2057400" indent="-228600" algn="l" defTabSz="914400" rtl="0" eaLnBrk="1" latinLnBrk="0" hangingPunct="1">
+              <a:lnSpc>
+                <a:spcPct val="90000"/>
+              </a:lnSpc>
+              <a:spcBef>
+                <a:spcPts val="500"/>
+              </a:spcBef>
+              <a:buFont typeface="Arial" panose="020B0604020202020204" pitchFamily="34" charset="0"/>
+              <a:buChar char="•"/>
+              <a:defRPr sz="1800" kern="1200">
+                <a:solidFill>
+                  <a:schemeClr val="tx1"/>
+                </a:solidFill>
+                <a:latin typeface="+mn-lt"/>
+                <a:ea typeface="+mn-ea"/>
+                <a:cs typeface="+mn-cs"/>
+              </a:defRPr>
+            </a:lvl5pPr>
+            <a:lvl6pPr marL="2514600" indent="-228600" algn="l" defTabSz="914400" rtl="0" eaLnBrk="1" latinLnBrk="0" hangingPunct="1">
+              <a:lnSpc>
+                <a:spcPct val="90000"/>
+              </a:lnSpc>
+              <a:spcBef>
+                <a:spcPts val="500"/>
+              </a:spcBef>
+              <a:buFont typeface="Arial" panose="020B0604020202020204" pitchFamily="34" charset="0"/>
+              <a:buChar char="•"/>
+              <a:defRPr sz="1800" kern="1200">
+                <a:solidFill>
+                  <a:schemeClr val="tx1"/>
+                </a:solidFill>
+                <a:latin typeface="+mn-lt"/>
+                <a:ea typeface="+mn-ea"/>
+                <a:cs typeface="+mn-cs"/>
+              </a:defRPr>
+            </a:lvl6pPr>
+            <a:lvl7pPr marL="2971800" indent="-228600" algn="l" defTabSz="914400" rtl="0" eaLnBrk="1" latinLnBrk="0" hangingPunct="1">
+              <a:lnSpc>
+                <a:spcPct val="90000"/>
+              </a:lnSpc>
+              <a:spcBef>
+                <a:spcPts val="500"/>
+              </a:spcBef>
+              <a:buFont typeface="Arial" panose="020B0604020202020204" pitchFamily="34" charset="0"/>
+              <a:buChar char="•"/>
+              <a:defRPr sz="1800" kern="1200">
+                <a:solidFill>
+                  <a:schemeClr val="tx1"/>
+                </a:solidFill>
+                <a:latin typeface="+mn-lt"/>
+                <a:ea typeface="+mn-ea"/>
+                <a:cs typeface="+mn-cs"/>
+              </a:defRPr>
+            </a:lvl7pPr>
+            <a:lvl8pPr marL="3429000" indent="-228600" algn="l" defTabSz="914400" rtl="0" eaLnBrk="1" latinLnBrk="0" hangingPunct="1">
+              <a:lnSpc>
+                <a:spcPct val="90000"/>
+              </a:lnSpc>
+              <a:spcBef>
+                <a:spcPts val="500"/>
+              </a:spcBef>
+              <a:buFont typeface="Arial" panose="020B0604020202020204" pitchFamily="34" charset="0"/>
+              <a:buChar char="•"/>
+              <a:defRPr sz="1800" kern="1200">
+                <a:solidFill>
+                  <a:schemeClr val="tx1"/>
+                </a:solidFill>
+                <a:latin typeface="+mn-lt"/>
+                <a:ea typeface="+mn-ea"/>
+                <a:cs typeface="+mn-cs"/>
+              </a:defRPr>
+            </a:lvl8pPr>
+            <a:lvl9pPr marL="3886200" indent="-228600" algn="l" defTabSz="914400" rtl="0" eaLnBrk="1" latinLnBrk="0" hangingPunct="1">
+              <a:lnSpc>
+                <a:spcPct val="90000"/>
+              </a:lnSpc>
+              <a:spcBef>
+                <a:spcPts val="500"/>
+              </a:spcBef>
+              <a:buFont typeface="Arial" panose="020B0604020202020204" pitchFamily="34" charset="0"/>
+              <a:buChar char="•"/>
+              <a:defRPr sz="1800" kern="1200">
+                <a:solidFill>
+                  <a:schemeClr val="tx1"/>
+                </a:solidFill>
+                <a:latin typeface="+mn-lt"/>
+                <a:ea typeface="+mn-ea"/>
+                <a:cs typeface="+mn-cs"/>
+              </a:defRPr>
+            </a:lvl9pPr>
+          </a:lstStyle>
+          <a:p>
+            <a:pPr marL="0" indent="0" algn="ctr">
+              <a:spcBef>
+                <a:spcPct val="0"/>
+              </a:spcBef>
+              <a:spcAft>
+                <a:spcPct val="0"/>
+              </a:spcAft>
+              <a:buNone/>
+            </a:pPr>
+            <a:fld id="{FAD003EE-DCF8-4E79-AABE-E0049623447B}" type="datetime'1''''''''''''.''''''''''''''6''''''''''''''''''''%'''''">
+              <a:rPr lang="en-US" altLang="en-US" sz="1400" smtClean="0">
+                <a:effectLst/>
+              </a:rPr>
+              <a:pPr/>
+              <a:t>1.6%</a:t>
+            </a:fld>
+            <a:endParaRPr lang="en-US" sz="1400" dirty="0"/>
+          </a:p>
+        </p:txBody>
+      </p:sp>
+      <p:sp>
+        <p:nvSpPr>
+          <p:cNvPr id="388" name="Text Placeholder 2">
+            <a:extLst>
+              <a:ext uri="{FF2B5EF4-FFF2-40B4-BE49-F238E27FC236}">
+                <a16:creationId xmlns:a16="http://schemas.microsoft.com/office/drawing/2014/main" id="{1668D685-E39E-CA78-E994-97AB150EA2B8}"/>
+              </a:ext>
+            </a:extLst>
+          </p:cNvPr>
+          <p:cNvSpPr>
+            <a:spLocks noGrp="1"/>
+          </p:cNvSpPr>
+          <p:nvPr>
+            <p:custDataLst>
+              <p:tags r:id="rId23"/>
+            </p:custDataLst>
+          </p:nvPr>
+        </p:nvSpPr>
+        <p:spPr bwMode="gray">
+          <a:xfrm>
+            <a:off x="7681913" y="1760538"/>
+            <a:ext cx="403225" cy="192088"/>
+          </a:xfrm>
+          <a:prstGeom prst="rect">
+            <a:avLst/>
+          </a:prstGeom>
+          <a:solidFill>
+            <a:schemeClr val="accent3"/>
+          </a:solidFill>
+          <a:ln>
+            <a:noFill/>
+          </a:ln>
+          <a:effectLst/>
+        </p:spPr>
+        <p:txBody>
+          <a:bodyPr vert="horz" wrap="none" lIns="25400" tIns="0" rIns="25400" bIns="0" numCol="1" spcCol="0" rtlCol="0" anchor="ctr" anchorCtr="0">
+            <a:noAutofit/>
+          </a:bodyPr>
+          <a:lstStyle>
+            <a:lvl1pPr marL="228600" indent="-228600" algn="l" defTabSz="914400" rtl="0" eaLnBrk="1" latinLnBrk="0" hangingPunct="1">
+              <a:lnSpc>
+                <a:spcPct val="90000"/>
+              </a:lnSpc>
+              <a:spcBef>
+                <a:spcPts val="1000"/>
+              </a:spcBef>
+              <a:buFont typeface="Arial" panose="020B0604020202020204" pitchFamily="34" charset="0"/>
+              <a:buChar char="•"/>
+              <a:defRPr sz="2800" kern="1200">
+                <a:solidFill>
+                  <a:schemeClr val="tx1"/>
+                </a:solidFill>
+                <a:latin typeface="+mn-lt"/>
+                <a:ea typeface="+mn-ea"/>
+                <a:cs typeface="+mn-cs"/>
+              </a:defRPr>
+            </a:lvl1pPr>
+            <a:lvl2pPr marL="685800" indent="-228600" algn="l" defTabSz="914400" rtl="0" eaLnBrk="1" latinLnBrk="0" hangingPunct="1">
+              <a:lnSpc>
+                <a:spcPct val="90000"/>
+              </a:lnSpc>
+              <a:spcBef>
+                <a:spcPts val="500"/>
+              </a:spcBef>
+              <a:buFont typeface="Arial" panose="020B0604020202020204" pitchFamily="34" charset="0"/>
+              <a:buChar char="•"/>
+              <a:defRPr sz="2400" kern="1200">
+                <a:solidFill>
+                  <a:schemeClr val="tx1"/>
+                </a:solidFill>
+                <a:latin typeface="+mn-lt"/>
+                <a:ea typeface="+mn-ea"/>
+                <a:cs typeface="+mn-cs"/>
+              </a:defRPr>
+            </a:lvl2pPr>
+            <a:lvl3pPr marL="1143000" indent="-228600" algn="l" defTabSz="914400" rtl="0" eaLnBrk="1" latinLnBrk="0" hangingPunct="1">
+              <a:lnSpc>
+                <a:spcPct val="90000"/>
+              </a:lnSpc>
+              <a:spcBef>
+                <a:spcPts val="500"/>
+              </a:spcBef>
+              <a:buFont typeface="Arial" panose="020B0604020202020204" pitchFamily="34" charset="0"/>
+              <a:buChar char="•"/>
+              <a:defRPr sz="2000" kern="1200">
+                <a:solidFill>
+                  <a:schemeClr val="tx1"/>
+                </a:solidFill>
+                <a:latin typeface="+mn-lt"/>
+                <a:ea typeface="+mn-ea"/>
+                <a:cs typeface="+mn-cs"/>
+              </a:defRPr>
+            </a:lvl3pPr>
+            <a:lvl4pPr marL="1600200" indent="-228600" algn="l" defTabSz="914400" rtl="0" eaLnBrk="1" latinLnBrk="0" hangingPunct="1">
+              <a:lnSpc>
+                <a:spcPct val="90000"/>
+              </a:lnSpc>
+              <a:spcBef>
+                <a:spcPts val="500"/>
+              </a:spcBef>
+              <a:buFont typeface="Arial" panose="020B0604020202020204" pitchFamily="34" charset="0"/>
+              <a:buChar char="•"/>
+              <a:defRPr sz="1800" kern="1200">
+                <a:solidFill>
+                  <a:schemeClr val="tx1"/>
+                </a:solidFill>
+                <a:latin typeface="+mn-lt"/>
+                <a:ea typeface="+mn-ea"/>
+                <a:cs typeface="+mn-cs"/>
+              </a:defRPr>
+            </a:lvl4pPr>
+            <a:lvl5pPr marL="2057400" indent="-228600" algn="l" defTabSz="914400" rtl="0" eaLnBrk="1" latinLnBrk="0" hangingPunct="1">
+              <a:lnSpc>
+                <a:spcPct val="90000"/>
+              </a:lnSpc>
+              <a:spcBef>
+                <a:spcPts val="500"/>
+              </a:spcBef>
+              <a:buFont typeface="Arial" panose="020B0604020202020204" pitchFamily="34" charset="0"/>
+              <a:buChar char="•"/>
+              <a:defRPr sz="1800" kern="1200">
+                <a:solidFill>
+                  <a:schemeClr val="tx1"/>
+                </a:solidFill>
+                <a:latin typeface="+mn-lt"/>
+                <a:ea typeface="+mn-ea"/>
+                <a:cs typeface="+mn-cs"/>
+              </a:defRPr>
+            </a:lvl5pPr>
+            <a:lvl6pPr marL="2514600" indent="-228600" algn="l" defTabSz="914400" rtl="0" eaLnBrk="1" latinLnBrk="0" hangingPunct="1">
+              <a:lnSpc>
+                <a:spcPct val="90000"/>
+              </a:lnSpc>
+              <a:spcBef>
+                <a:spcPts val="500"/>
+              </a:spcBef>
+              <a:buFont typeface="Arial" panose="020B0604020202020204" pitchFamily="34" charset="0"/>
+              <a:buChar char="•"/>
+              <a:defRPr sz="1800" kern="1200">
+                <a:solidFill>
+                  <a:schemeClr val="tx1"/>
+                </a:solidFill>
+                <a:latin typeface="+mn-lt"/>
+                <a:ea typeface="+mn-ea"/>
+                <a:cs typeface="+mn-cs"/>
+              </a:defRPr>
+            </a:lvl6pPr>
+            <a:lvl7pPr marL="2971800" indent="-228600" algn="l" defTabSz="914400" rtl="0" eaLnBrk="1" latinLnBrk="0" hangingPunct="1">
+              <a:lnSpc>
+                <a:spcPct val="90000"/>
+              </a:lnSpc>
+              <a:spcBef>
+                <a:spcPts val="500"/>
+              </a:spcBef>
+              <a:buFont typeface="Arial" panose="020B0604020202020204" pitchFamily="34" charset="0"/>
+              <a:buChar char="•"/>
+              <a:defRPr sz="1800" kern="1200">
+                <a:solidFill>
+                  <a:schemeClr val="tx1"/>
+                </a:solidFill>
+                <a:latin typeface="+mn-lt"/>
+                <a:ea typeface="+mn-ea"/>
+                <a:cs typeface="+mn-cs"/>
+              </a:defRPr>
+            </a:lvl7pPr>
+            <a:lvl8pPr marL="3429000" indent="-228600" algn="l" defTabSz="914400" rtl="0" eaLnBrk="1" latinLnBrk="0" hangingPunct="1">
+              <a:lnSpc>
+                <a:spcPct val="90000"/>
+              </a:lnSpc>
+              <a:spcBef>
+                <a:spcPts val="500"/>
+              </a:spcBef>
+              <a:buFont typeface="Arial" panose="020B0604020202020204" pitchFamily="34" charset="0"/>
+              <a:buChar char="•"/>
+              <a:defRPr sz="1800" kern="1200">
+                <a:solidFill>
+                  <a:schemeClr val="tx1"/>
+                </a:solidFill>
+                <a:latin typeface="+mn-lt"/>
+                <a:ea typeface="+mn-ea"/>
+                <a:cs typeface="+mn-cs"/>
+              </a:defRPr>
+            </a:lvl8pPr>
+            <a:lvl9pPr marL="3886200" indent="-228600" algn="l" defTabSz="914400" rtl="0" eaLnBrk="1" latinLnBrk="0" hangingPunct="1">
+              <a:lnSpc>
+                <a:spcPct val="90000"/>
+              </a:lnSpc>
+              <a:spcBef>
+                <a:spcPts val="500"/>
+              </a:spcBef>
+              <a:buFont typeface="Arial" panose="020B0604020202020204" pitchFamily="34" charset="0"/>
+              <a:buChar char="•"/>
+              <a:defRPr sz="1800" kern="1200">
+                <a:solidFill>
+                  <a:schemeClr val="tx1"/>
+                </a:solidFill>
+                <a:latin typeface="+mn-lt"/>
+                <a:ea typeface="+mn-ea"/>
+                <a:cs typeface="+mn-cs"/>
+              </a:defRPr>
+            </a:lvl9pPr>
+          </a:lstStyle>
+          <a:p>
+            <a:pPr marL="0" indent="0" algn="ctr">
+              <a:spcBef>
+                <a:spcPct val="0"/>
+              </a:spcBef>
+              <a:spcAft>
+                <a:spcPct val="0"/>
+              </a:spcAft>
+              <a:buNone/>
+            </a:pPr>
+            <a:fld id="{02549225-C675-4F4B-BEE8-C5B7C2DEB887}" type="datetime'1''''''''''''''.''6''''''''''''''''''''''''%'''''''">
+              <a:rPr lang="en-US" altLang="en-US" sz="1400" smtClean="0">
+                <a:effectLst/>
+              </a:rPr>
+              <a:pPr/>
+              <a:t>1.6%</a:t>
+            </a:fld>
+            <a:endParaRPr lang="en-US" sz="1400" dirty="0"/>
+          </a:p>
+        </p:txBody>
+      </p:sp>
+      <p:sp>
+        <p:nvSpPr>
+          <p:cNvPr id="389" name="Text Placeholder 2">
+            <a:extLst>
+              <a:ext uri="{FF2B5EF4-FFF2-40B4-BE49-F238E27FC236}">
+                <a16:creationId xmlns:a16="http://schemas.microsoft.com/office/drawing/2014/main" id="{761668BA-4084-A0C9-1315-764B23165AFC}"/>
+              </a:ext>
+            </a:extLst>
+          </p:cNvPr>
+          <p:cNvSpPr>
+            <a:spLocks noGrp="1"/>
+          </p:cNvSpPr>
+          <p:nvPr>
+            <p:custDataLst>
+              <p:tags r:id="rId24"/>
+            </p:custDataLst>
+          </p:nvPr>
+        </p:nvSpPr>
+        <p:spPr bwMode="gray">
+          <a:xfrm>
+            <a:off x="7858125" y="1952625"/>
             <a:ext cx="403225" cy="192088"/>
           </a:xfrm>
           <a:prstGeom prst="rect">
@@ -9043,230 +8630,7 @@
               </a:spcAft>
               <a:buNone/>
             </a:pPr>
-            <a:fld id="{6C6FDCAC-CC9C-471E-89C4-16429C330D25}" type="datetime'''''''''2''''''''''''''.''''''''''''''''6%'''''''''">
-              <a:rPr lang="en-US" altLang="en-US" sz="1400" smtClean="0">
-                <a:effectLst/>
-              </a:rPr>
-              <a:pPr/>
-              <a:t>2.6%</a:t>
-            </a:fld>
-            <a:endParaRPr lang="en-US" sz="1400" dirty="0"/>
-          </a:p>
-        </p:txBody>
-      </p:sp>
-      <p:sp>
-        <p:nvSpPr>
-          <p:cNvPr id="53" name="Text Placeholder 2">
-            <a:extLst>
-              <a:ext uri="{FF2B5EF4-FFF2-40B4-BE49-F238E27FC236}">
-                <a16:creationId xmlns:a16="http://schemas.microsoft.com/office/drawing/2014/main" id="{F01B8698-9294-F532-DDB4-2EE198CBAA21}"/>
-              </a:ext>
-            </a:extLst>
-          </p:cNvPr>
-          <p:cNvSpPr>
-            <a:spLocks noGrp="1"/>
-          </p:cNvSpPr>
-          <p:nvPr>
-            <p:custDataLst>
-              <p:tags r:id="rId23"/>
-            </p:custDataLst>
-          </p:nvPr>
-        </p:nvSpPr>
-        <p:spPr bwMode="gray">
-          <a:xfrm>
-            <a:off x="7037388" y="1922463"/>
-            <a:ext cx="403225" cy="192088"/>
-          </a:xfrm>
-          <a:prstGeom prst="rect">
-            <a:avLst/>
-          </a:prstGeom>
-          <a:solidFill>
-            <a:schemeClr val="accent2"/>
-          </a:solidFill>
-          <a:ln>
-            <a:noFill/>
-          </a:ln>
-          <a:effectLst/>
-        </p:spPr>
-        <p:txBody>
-          <a:bodyPr vert="horz" wrap="none" lIns="25400" tIns="0" rIns="25400" bIns="0" numCol="1" spcCol="0" rtlCol="0" anchor="ctr" anchorCtr="0">
-            <a:noAutofit/>
-          </a:bodyPr>
-          <a:lstStyle>
-            <a:lvl1pPr marL="228600" indent="-228600" algn="l" defTabSz="914400" rtl="0" eaLnBrk="1" latinLnBrk="0" hangingPunct="1">
-              <a:lnSpc>
-                <a:spcPct val="90000"/>
-              </a:lnSpc>
-              <a:spcBef>
-                <a:spcPts val="1000"/>
-              </a:spcBef>
-              <a:buFont typeface="Arial" panose="020B0604020202020204" pitchFamily="34" charset="0"/>
-              <a:buChar char="•"/>
-              <a:defRPr sz="2800" kern="1200">
-                <a:solidFill>
-                  <a:schemeClr val="tx1"/>
-                </a:solidFill>
-                <a:latin typeface="+mn-lt"/>
-                <a:ea typeface="+mn-ea"/>
-                <a:cs typeface="+mn-cs"/>
-              </a:defRPr>
-            </a:lvl1pPr>
-            <a:lvl2pPr marL="685800" indent="-228600" algn="l" defTabSz="914400" rtl="0" eaLnBrk="1" latinLnBrk="0" hangingPunct="1">
-              <a:lnSpc>
-                <a:spcPct val="90000"/>
-              </a:lnSpc>
-              <a:spcBef>
-                <a:spcPts val="500"/>
-              </a:spcBef>
-              <a:buFont typeface="Arial" panose="020B0604020202020204" pitchFamily="34" charset="0"/>
-              <a:buChar char="•"/>
-              <a:defRPr sz="2400" kern="1200">
-                <a:solidFill>
-                  <a:schemeClr val="tx1"/>
-                </a:solidFill>
-                <a:latin typeface="+mn-lt"/>
-                <a:ea typeface="+mn-ea"/>
-                <a:cs typeface="+mn-cs"/>
-              </a:defRPr>
-            </a:lvl2pPr>
-            <a:lvl3pPr marL="1143000" indent="-228600" algn="l" defTabSz="914400" rtl="0" eaLnBrk="1" latinLnBrk="0" hangingPunct="1">
-              <a:lnSpc>
-                <a:spcPct val="90000"/>
-              </a:lnSpc>
-              <a:spcBef>
-                <a:spcPts val="500"/>
-              </a:spcBef>
-              <a:buFont typeface="Arial" panose="020B0604020202020204" pitchFamily="34" charset="0"/>
-              <a:buChar char="•"/>
-              <a:defRPr sz="2000" kern="1200">
-                <a:solidFill>
-                  <a:schemeClr val="tx1"/>
-                </a:solidFill>
-                <a:latin typeface="+mn-lt"/>
-                <a:ea typeface="+mn-ea"/>
-                <a:cs typeface="+mn-cs"/>
-              </a:defRPr>
-            </a:lvl3pPr>
-            <a:lvl4pPr marL="1600200" indent="-228600" algn="l" defTabSz="914400" rtl="0" eaLnBrk="1" latinLnBrk="0" hangingPunct="1">
-              <a:lnSpc>
-                <a:spcPct val="90000"/>
-              </a:lnSpc>
-              <a:spcBef>
-                <a:spcPts val="500"/>
-              </a:spcBef>
-              <a:buFont typeface="Arial" panose="020B0604020202020204" pitchFamily="34" charset="0"/>
-              <a:buChar char="•"/>
-              <a:defRPr sz="1800" kern="1200">
-                <a:solidFill>
-                  <a:schemeClr val="tx1"/>
-                </a:solidFill>
-                <a:latin typeface="+mn-lt"/>
-                <a:ea typeface="+mn-ea"/>
-                <a:cs typeface="+mn-cs"/>
-              </a:defRPr>
-            </a:lvl4pPr>
-            <a:lvl5pPr marL="2057400" indent="-228600" algn="l" defTabSz="914400" rtl="0" eaLnBrk="1" latinLnBrk="0" hangingPunct="1">
-              <a:lnSpc>
-                <a:spcPct val="90000"/>
-              </a:lnSpc>
-              <a:spcBef>
-                <a:spcPts val="500"/>
-              </a:spcBef>
-              <a:buFont typeface="Arial" panose="020B0604020202020204" pitchFamily="34" charset="0"/>
-              <a:buChar char="•"/>
-              <a:defRPr sz="1800" kern="1200">
-                <a:solidFill>
-                  <a:schemeClr val="tx1"/>
-                </a:solidFill>
-                <a:latin typeface="+mn-lt"/>
-                <a:ea typeface="+mn-ea"/>
-                <a:cs typeface="+mn-cs"/>
-              </a:defRPr>
-            </a:lvl5pPr>
-            <a:lvl6pPr marL="2514600" indent="-228600" algn="l" defTabSz="914400" rtl="0" eaLnBrk="1" latinLnBrk="0" hangingPunct="1">
-              <a:lnSpc>
-                <a:spcPct val="90000"/>
-              </a:lnSpc>
-              <a:spcBef>
-                <a:spcPts val="500"/>
-              </a:spcBef>
-              <a:buFont typeface="Arial" panose="020B0604020202020204" pitchFamily="34" charset="0"/>
-              <a:buChar char="•"/>
-              <a:defRPr sz="1800" kern="1200">
-                <a:solidFill>
-                  <a:schemeClr val="tx1"/>
-                </a:solidFill>
-                <a:latin typeface="+mn-lt"/>
-                <a:ea typeface="+mn-ea"/>
-                <a:cs typeface="+mn-cs"/>
-              </a:defRPr>
-            </a:lvl6pPr>
-            <a:lvl7pPr marL="2971800" indent="-228600" algn="l" defTabSz="914400" rtl="0" eaLnBrk="1" latinLnBrk="0" hangingPunct="1">
-              <a:lnSpc>
-                <a:spcPct val="90000"/>
-              </a:lnSpc>
-              <a:spcBef>
-                <a:spcPts val="500"/>
-              </a:spcBef>
-              <a:buFont typeface="Arial" panose="020B0604020202020204" pitchFamily="34" charset="0"/>
-              <a:buChar char="•"/>
-              <a:defRPr sz="1800" kern="1200">
-                <a:solidFill>
-                  <a:schemeClr val="tx1"/>
-                </a:solidFill>
-                <a:latin typeface="+mn-lt"/>
-                <a:ea typeface="+mn-ea"/>
-                <a:cs typeface="+mn-cs"/>
-              </a:defRPr>
-            </a:lvl7pPr>
-            <a:lvl8pPr marL="3429000" indent="-228600" algn="l" defTabSz="914400" rtl="0" eaLnBrk="1" latinLnBrk="0" hangingPunct="1">
-              <a:lnSpc>
-                <a:spcPct val="90000"/>
-              </a:lnSpc>
-              <a:spcBef>
-                <a:spcPts val="500"/>
-              </a:spcBef>
-              <a:buFont typeface="Arial" panose="020B0604020202020204" pitchFamily="34" charset="0"/>
-              <a:buChar char="•"/>
-              <a:defRPr sz="1800" kern="1200">
-                <a:solidFill>
-                  <a:schemeClr val="tx1"/>
-                </a:solidFill>
-                <a:latin typeface="+mn-lt"/>
-                <a:ea typeface="+mn-ea"/>
-                <a:cs typeface="+mn-cs"/>
-              </a:defRPr>
-            </a:lvl8pPr>
-            <a:lvl9pPr marL="3886200" indent="-228600" algn="l" defTabSz="914400" rtl="0" eaLnBrk="1" latinLnBrk="0" hangingPunct="1">
-              <a:lnSpc>
-                <a:spcPct val="90000"/>
-              </a:lnSpc>
-              <a:spcBef>
-                <a:spcPts val="500"/>
-              </a:spcBef>
-              <a:buFont typeface="Arial" panose="020B0604020202020204" pitchFamily="34" charset="0"/>
-              <a:buChar char="•"/>
-              <a:defRPr sz="1800" kern="1200">
-                <a:solidFill>
-                  <a:schemeClr val="tx1"/>
-                </a:solidFill>
-                <a:latin typeface="+mn-lt"/>
-                <a:ea typeface="+mn-ea"/>
-                <a:cs typeface="+mn-cs"/>
-              </a:defRPr>
-            </a:lvl9pPr>
-          </a:lstStyle>
-          <a:p>
-            <a:pPr marL="0" indent="0" algn="ctr">
-              <a:spcBef>
-                <a:spcPct val="0"/>
-              </a:spcBef>
-              <a:spcAft>
-                <a:spcPct val="0"/>
-              </a:spcAft>
-              <a:buNone/>
-            </a:pPr>
-            <a:fld id="{CC1EB4FA-3D16-44D6-BFF4-EB85D306101B}" type="datetime'1''''''''''''.''''''''''''''6''''''''''''''''''''%'''''">
+            <a:fld id="{0BD2B7AC-F465-449B-B01C-C840CAD83FF4}" type="datetime'''''''''''''''1''''''''''''''.''''''''''''6''''%'''''">
               <a:rPr lang="en-US" altLang="en-US" sz="1400" smtClean="0">
                 <a:effectLst/>
               </a:rPr>
@@ -9279,233 +8643,10 @@
       </p:sp>
       <p:sp>
         <p:nvSpPr>
-          <p:cNvPr id="54" name="Text Placeholder 2">
+          <p:cNvPr id="390" name="Text Placeholder 2">
             <a:extLst>
               <a:ext uri="{FF2B5EF4-FFF2-40B4-BE49-F238E27FC236}">
-                <a16:creationId xmlns:a16="http://schemas.microsoft.com/office/drawing/2014/main" id="{F01B8698-9294-F532-DDB4-2EE198CBAA21}"/>
-              </a:ext>
-            </a:extLst>
-          </p:cNvPr>
-          <p:cNvSpPr>
-            <a:spLocks noGrp="1"/>
-          </p:cNvSpPr>
-          <p:nvPr>
-            <p:custDataLst>
-              <p:tags r:id="rId24"/>
-            </p:custDataLst>
-          </p:nvPr>
-        </p:nvSpPr>
-        <p:spPr bwMode="gray">
-          <a:xfrm>
-            <a:off x="7415213" y="2105025"/>
-            <a:ext cx="403225" cy="192088"/>
-          </a:xfrm>
-          <a:prstGeom prst="rect">
-            <a:avLst/>
-          </a:prstGeom>
-          <a:solidFill>
-            <a:schemeClr val="accent3"/>
-          </a:solidFill>
-          <a:ln>
-            <a:noFill/>
-          </a:ln>
-          <a:effectLst/>
-        </p:spPr>
-        <p:txBody>
-          <a:bodyPr vert="horz" wrap="none" lIns="25400" tIns="0" rIns="25400" bIns="0" numCol="1" spcCol="0" rtlCol="0" anchor="ctr" anchorCtr="0">
-            <a:noAutofit/>
-          </a:bodyPr>
-          <a:lstStyle>
-            <a:lvl1pPr marL="228600" indent="-228600" algn="l" defTabSz="914400" rtl="0" eaLnBrk="1" latinLnBrk="0" hangingPunct="1">
-              <a:lnSpc>
-                <a:spcPct val="90000"/>
-              </a:lnSpc>
-              <a:spcBef>
-                <a:spcPts val="1000"/>
-              </a:spcBef>
-              <a:buFont typeface="Arial" panose="020B0604020202020204" pitchFamily="34" charset="0"/>
-              <a:buChar char="•"/>
-              <a:defRPr sz="2800" kern="1200">
-                <a:solidFill>
-                  <a:schemeClr val="tx1"/>
-                </a:solidFill>
-                <a:latin typeface="+mn-lt"/>
-                <a:ea typeface="+mn-ea"/>
-                <a:cs typeface="+mn-cs"/>
-              </a:defRPr>
-            </a:lvl1pPr>
-            <a:lvl2pPr marL="685800" indent="-228600" algn="l" defTabSz="914400" rtl="0" eaLnBrk="1" latinLnBrk="0" hangingPunct="1">
-              <a:lnSpc>
-                <a:spcPct val="90000"/>
-              </a:lnSpc>
-              <a:spcBef>
-                <a:spcPts val="500"/>
-              </a:spcBef>
-              <a:buFont typeface="Arial" panose="020B0604020202020204" pitchFamily="34" charset="0"/>
-              <a:buChar char="•"/>
-              <a:defRPr sz="2400" kern="1200">
-                <a:solidFill>
-                  <a:schemeClr val="tx1"/>
-                </a:solidFill>
-                <a:latin typeface="+mn-lt"/>
-                <a:ea typeface="+mn-ea"/>
-                <a:cs typeface="+mn-cs"/>
-              </a:defRPr>
-            </a:lvl2pPr>
-            <a:lvl3pPr marL="1143000" indent="-228600" algn="l" defTabSz="914400" rtl="0" eaLnBrk="1" latinLnBrk="0" hangingPunct="1">
-              <a:lnSpc>
-                <a:spcPct val="90000"/>
-              </a:lnSpc>
-              <a:spcBef>
-                <a:spcPts val="500"/>
-              </a:spcBef>
-              <a:buFont typeface="Arial" panose="020B0604020202020204" pitchFamily="34" charset="0"/>
-              <a:buChar char="•"/>
-              <a:defRPr sz="2000" kern="1200">
-                <a:solidFill>
-                  <a:schemeClr val="tx1"/>
-                </a:solidFill>
-                <a:latin typeface="+mn-lt"/>
-                <a:ea typeface="+mn-ea"/>
-                <a:cs typeface="+mn-cs"/>
-              </a:defRPr>
-            </a:lvl3pPr>
-            <a:lvl4pPr marL="1600200" indent="-228600" algn="l" defTabSz="914400" rtl="0" eaLnBrk="1" latinLnBrk="0" hangingPunct="1">
-              <a:lnSpc>
-                <a:spcPct val="90000"/>
-              </a:lnSpc>
-              <a:spcBef>
-                <a:spcPts val="500"/>
-              </a:spcBef>
-              <a:buFont typeface="Arial" panose="020B0604020202020204" pitchFamily="34" charset="0"/>
-              <a:buChar char="•"/>
-              <a:defRPr sz="1800" kern="1200">
-                <a:solidFill>
-                  <a:schemeClr val="tx1"/>
-                </a:solidFill>
-                <a:latin typeface="+mn-lt"/>
-                <a:ea typeface="+mn-ea"/>
-                <a:cs typeface="+mn-cs"/>
-              </a:defRPr>
-            </a:lvl4pPr>
-            <a:lvl5pPr marL="2057400" indent="-228600" algn="l" defTabSz="914400" rtl="0" eaLnBrk="1" latinLnBrk="0" hangingPunct="1">
-              <a:lnSpc>
-                <a:spcPct val="90000"/>
-              </a:lnSpc>
-              <a:spcBef>
-                <a:spcPts val="500"/>
-              </a:spcBef>
-              <a:buFont typeface="Arial" panose="020B0604020202020204" pitchFamily="34" charset="0"/>
-              <a:buChar char="•"/>
-              <a:defRPr sz="1800" kern="1200">
-                <a:solidFill>
-                  <a:schemeClr val="tx1"/>
-                </a:solidFill>
-                <a:latin typeface="+mn-lt"/>
-                <a:ea typeface="+mn-ea"/>
-                <a:cs typeface="+mn-cs"/>
-              </a:defRPr>
-            </a:lvl5pPr>
-            <a:lvl6pPr marL="2514600" indent="-228600" algn="l" defTabSz="914400" rtl="0" eaLnBrk="1" latinLnBrk="0" hangingPunct="1">
-              <a:lnSpc>
-                <a:spcPct val="90000"/>
-              </a:lnSpc>
-              <a:spcBef>
-                <a:spcPts val="500"/>
-              </a:spcBef>
-              <a:buFont typeface="Arial" panose="020B0604020202020204" pitchFamily="34" charset="0"/>
-              <a:buChar char="•"/>
-              <a:defRPr sz="1800" kern="1200">
-                <a:solidFill>
-                  <a:schemeClr val="tx1"/>
-                </a:solidFill>
-                <a:latin typeface="+mn-lt"/>
-                <a:ea typeface="+mn-ea"/>
-                <a:cs typeface="+mn-cs"/>
-              </a:defRPr>
-            </a:lvl6pPr>
-            <a:lvl7pPr marL="2971800" indent="-228600" algn="l" defTabSz="914400" rtl="0" eaLnBrk="1" latinLnBrk="0" hangingPunct="1">
-              <a:lnSpc>
-                <a:spcPct val="90000"/>
-              </a:lnSpc>
-              <a:spcBef>
-                <a:spcPts val="500"/>
-              </a:spcBef>
-              <a:buFont typeface="Arial" panose="020B0604020202020204" pitchFamily="34" charset="0"/>
-              <a:buChar char="•"/>
-              <a:defRPr sz="1800" kern="1200">
-                <a:solidFill>
-                  <a:schemeClr val="tx1"/>
-                </a:solidFill>
-                <a:latin typeface="+mn-lt"/>
-                <a:ea typeface="+mn-ea"/>
-                <a:cs typeface="+mn-cs"/>
-              </a:defRPr>
-            </a:lvl7pPr>
-            <a:lvl8pPr marL="3429000" indent="-228600" algn="l" defTabSz="914400" rtl="0" eaLnBrk="1" latinLnBrk="0" hangingPunct="1">
-              <a:lnSpc>
-                <a:spcPct val="90000"/>
-              </a:lnSpc>
-              <a:spcBef>
-                <a:spcPts val="500"/>
-              </a:spcBef>
-              <a:buFont typeface="Arial" panose="020B0604020202020204" pitchFamily="34" charset="0"/>
-              <a:buChar char="•"/>
-              <a:defRPr sz="1800" kern="1200">
-                <a:solidFill>
-                  <a:schemeClr val="tx1"/>
-                </a:solidFill>
-                <a:latin typeface="+mn-lt"/>
-                <a:ea typeface="+mn-ea"/>
-                <a:cs typeface="+mn-cs"/>
-              </a:defRPr>
-            </a:lvl8pPr>
-            <a:lvl9pPr marL="3886200" indent="-228600" algn="l" defTabSz="914400" rtl="0" eaLnBrk="1" latinLnBrk="0" hangingPunct="1">
-              <a:lnSpc>
-                <a:spcPct val="90000"/>
-              </a:lnSpc>
-              <a:spcBef>
-                <a:spcPts val="500"/>
-              </a:spcBef>
-              <a:buFont typeface="Arial" panose="020B0604020202020204" pitchFamily="34" charset="0"/>
-              <a:buChar char="•"/>
-              <a:defRPr sz="1800" kern="1200">
-                <a:solidFill>
-                  <a:schemeClr val="tx1"/>
-                </a:solidFill>
-                <a:latin typeface="+mn-lt"/>
-                <a:ea typeface="+mn-ea"/>
-                <a:cs typeface="+mn-cs"/>
-              </a:defRPr>
-            </a:lvl9pPr>
-          </a:lstStyle>
-          <a:p>
-            <a:pPr marL="0" indent="0" algn="ctr">
-              <a:spcBef>
-                <a:spcPct val="0"/>
-              </a:spcBef>
-              <a:spcAft>
-                <a:spcPct val="0"/>
-              </a:spcAft>
-              <a:buNone/>
-            </a:pPr>
-            <a:fld id="{45EBE88C-D42F-4734-AF3E-958D5B16FAA6}" type="datetime'1''''''''''''''''''''''.''''''''''''9''''''''''''''''%'''''''">
-              <a:rPr lang="en-US" altLang="en-US" sz="1400" smtClean="0">
-                <a:effectLst/>
-              </a:rPr>
-              <a:pPr/>
-              <a:t>1.9%</a:t>
-            </a:fld>
-            <a:endParaRPr lang="en-US" sz="1400" dirty="0"/>
-          </a:p>
-        </p:txBody>
-      </p:sp>
-      <p:sp>
-        <p:nvSpPr>
-          <p:cNvPr id="56" name="Text Placeholder 2">
-            <a:extLst>
-              <a:ext uri="{FF2B5EF4-FFF2-40B4-BE49-F238E27FC236}">
-                <a16:creationId xmlns:a16="http://schemas.microsoft.com/office/drawing/2014/main" id="{F01B8698-9294-F532-DDB4-2EE198CBAA21}"/>
+                <a16:creationId xmlns:a16="http://schemas.microsoft.com/office/drawing/2014/main" id="{5A361C12-95C9-5F06-4553-BA298A0D4878}"/>
               </a:ext>
             </a:extLst>
           </p:cNvPr>
@@ -9520,7 +8661,7 @@
         </p:nvSpPr>
         <p:spPr bwMode="gray">
           <a:xfrm>
-            <a:off x="7677150" y="1863725"/>
+            <a:off x="7864475" y="1395413"/>
             <a:ext cx="403225" cy="192088"/>
           </a:xfrm>
           <a:prstGeom prst="rect">
@@ -9712,7 +8853,7 @@
               </a:spcAft>
               <a:buNone/>
             </a:pPr>
-            <a:fld id="{2571539C-A51B-4B76-A4D8-E959F15A4856}" type="datetime'''''''''3''''''''''''''''.''''''''''''''''''''''5''''''''''%'">
+            <a:fld id="{776F9243-2302-4A0A-BAAC-07467FE57D56}" type="datetime'1''''.7''''''''''''''''''''''''''''''''''''''''''%'''">
               <a:rPr lang="en-US" altLang="en-US" sz="1400" smtClean="0">
                 <a:solidFill>
                   <a:schemeClr val="bg1"/>
@@ -9720,7 +8861,7 @@
                 <a:effectLst/>
               </a:rPr>
               <a:pPr/>
-              <a:t>3.5%</a:t>
+              <a:t>1.7%</a:t>
             </a:fld>
             <a:endParaRPr lang="en-US" sz="1400" dirty="0">
               <a:solidFill>
@@ -9732,30 +8873,260 @@
       </p:sp>
       <p:sp>
         <p:nvSpPr>
-          <p:cNvPr id="395" name="Rectangle 394">
+          <p:cNvPr id="391" name="Text Placeholder 2">
             <a:extLst>
               <a:ext uri="{FF2B5EF4-FFF2-40B4-BE49-F238E27FC236}">
-                <a16:creationId xmlns:a16="http://schemas.microsoft.com/office/drawing/2014/main" id="{57391670-30A4-EAC2-32E2-D9315693A9AC}"/>
+                <a16:creationId xmlns:a16="http://schemas.microsoft.com/office/drawing/2014/main" id="{9D0C0292-A91B-A51A-422D-523D00681132}"/>
+              </a:ext>
+            </a:extLst>
+          </p:cNvPr>
+          <p:cNvSpPr>
+            <a:spLocks noGrp="1"/>
+          </p:cNvSpPr>
+          <p:nvPr>
+            <p:custDataLst>
+              <p:tags r:id="rId26"/>
+            </p:custDataLst>
+          </p:nvPr>
+        </p:nvSpPr>
+        <p:spPr bwMode="gray">
+          <a:xfrm>
+            <a:off x="8069263" y="2144713"/>
+            <a:ext cx="403225" cy="192088"/>
+          </a:xfrm>
+          <a:prstGeom prst="rect">
+            <a:avLst/>
+          </a:prstGeom>
+          <a:solidFill>
+            <a:schemeClr val="accent6"/>
+          </a:solidFill>
+          <a:ln>
+            <a:noFill/>
+          </a:ln>
+          <a:effectLst/>
+        </p:spPr>
+        <p:txBody>
+          <a:bodyPr vert="horz" wrap="none" lIns="25400" tIns="0" rIns="25400" bIns="0" numCol="1" spcCol="0" rtlCol="0" anchor="ctr" anchorCtr="0">
+            <a:noAutofit/>
+          </a:bodyPr>
+          <a:lstStyle>
+            <a:lvl1pPr marL="228600" indent="-228600" algn="l" defTabSz="914400" rtl="0" eaLnBrk="1" latinLnBrk="0" hangingPunct="1">
+              <a:lnSpc>
+                <a:spcPct val="90000"/>
+              </a:lnSpc>
+              <a:spcBef>
+                <a:spcPts val="1000"/>
+              </a:spcBef>
+              <a:buFont typeface="Arial" panose="020B0604020202020204" pitchFamily="34" charset="0"/>
+              <a:buChar char="•"/>
+              <a:defRPr sz="2800" kern="1200">
+                <a:solidFill>
+                  <a:schemeClr val="tx1"/>
+                </a:solidFill>
+                <a:latin typeface="+mn-lt"/>
+                <a:ea typeface="+mn-ea"/>
+                <a:cs typeface="+mn-cs"/>
+              </a:defRPr>
+            </a:lvl1pPr>
+            <a:lvl2pPr marL="685800" indent="-228600" algn="l" defTabSz="914400" rtl="0" eaLnBrk="1" latinLnBrk="0" hangingPunct="1">
+              <a:lnSpc>
+                <a:spcPct val="90000"/>
+              </a:lnSpc>
+              <a:spcBef>
+                <a:spcPts val="500"/>
+              </a:spcBef>
+              <a:buFont typeface="Arial" panose="020B0604020202020204" pitchFamily="34" charset="0"/>
+              <a:buChar char="•"/>
+              <a:defRPr sz="2400" kern="1200">
+                <a:solidFill>
+                  <a:schemeClr val="tx1"/>
+                </a:solidFill>
+                <a:latin typeface="+mn-lt"/>
+                <a:ea typeface="+mn-ea"/>
+                <a:cs typeface="+mn-cs"/>
+              </a:defRPr>
+            </a:lvl2pPr>
+            <a:lvl3pPr marL="1143000" indent="-228600" algn="l" defTabSz="914400" rtl="0" eaLnBrk="1" latinLnBrk="0" hangingPunct="1">
+              <a:lnSpc>
+                <a:spcPct val="90000"/>
+              </a:lnSpc>
+              <a:spcBef>
+                <a:spcPts val="500"/>
+              </a:spcBef>
+              <a:buFont typeface="Arial" panose="020B0604020202020204" pitchFamily="34" charset="0"/>
+              <a:buChar char="•"/>
+              <a:defRPr sz="2000" kern="1200">
+                <a:solidFill>
+                  <a:schemeClr val="tx1"/>
+                </a:solidFill>
+                <a:latin typeface="+mn-lt"/>
+                <a:ea typeface="+mn-ea"/>
+                <a:cs typeface="+mn-cs"/>
+              </a:defRPr>
+            </a:lvl3pPr>
+            <a:lvl4pPr marL="1600200" indent="-228600" algn="l" defTabSz="914400" rtl="0" eaLnBrk="1" latinLnBrk="0" hangingPunct="1">
+              <a:lnSpc>
+                <a:spcPct val="90000"/>
+              </a:lnSpc>
+              <a:spcBef>
+                <a:spcPts val="500"/>
+              </a:spcBef>
+              <a:buFont typeface="Arial" panose="020B0604020202020204" pitchFamily="34" charset="0"/>
+              <a:buChar char="•"/>
+              <a:defRPr sz="1800" kern="1200">
+                <a:solidFill>
+                  <a:schemeClr val="tx1"/>
+                </a:solidFill>
+                <a:latin typeface="+mn-lt"/>
+                <a:ea typeface="+mn-ea"/>
+                <a:cs typeface="+mn-cs"/>
+              </a:defRPr>
+            </a:lvl4pPr>
+            <a:lvl5pPr marL="2057400" indent="-228600" algn="l" defTabSz="914400" rtl="0" eaLnBrk="1" latinLnBrk="0" hangingPunct="1">
+              <a:lnSpc>
+                <a:spcPct val="90000"/>
+              </a:lnSpc>
+              <a:spcBef>
+                <a:spcPts val="500"/>
+              </a:spcBef>
+              <a:buFont typeface="Arial" panose="020B0604020202020204" pitchFamily="34" charset="0"/>
+              <a:buChar char="•"/>
+              <a:defRPr sz="1800" kern="1200">
+                <a:solidFill>
+                  <a:schemeClr val="tx1"/>
+                </a:solidFill>
+                <a:latin typeface="+mn-lt"/>
+                <a:ea typeface="+mn-ea"/>
+                <a:cs typeface="+mn-cs"/>
+              </a:defRPr>
+            </a:lvl5pPr>
+            <a:lvl6pPr marL="2514600" indent="-228600" algn="l" defTabSz="914400" rtl="0" eaLnBrk="1" latinLnBrk="0" hangingPunct="1">
+              <a:lnSpc>
+                <a:spcPct val="90000"/>
+              </a:lnSpc>
+              <a:spcBef>
+                <a:spcPts val="500"/>
+              </a:spcBef>
+              <a:buFont typeface="Arial" panose="020B0604020202020204" pitchFamily="34" charset="0"/>
+              <a:buChar char="•"/>
+              <a:defRPr sz="1800" kern="1200">
+                <a:solidFill>
+                  <a:schemeClr val="tx1"/>
+                </a:solidFill>
+                <a:latin typeface="+mn-lt"/>
+                <a:ea typeface="+mn-ea"/>
+                <a:cs typeface="+mn-cs"/>
+              </a:defRPr>
+            </a:lvl6pPr>
+            <a:lvl7pPr marL="2971800" indent="-228600" algn="l" defTabSz="914400" rtl="0" eaLnBrk="1" latinLnBrk="0" hangingPunct="1">
+              <a:lnSpc>
+                <a:spcPct val="90000"/>
+              </a:lnSpc>
+              <a:spcBef>
+                <a:spcPts val="500"/>
+              </a:spcBef>
+              <a:buFont typeface="Arial" panose="020B0604020202020204" pitchFamily="34" charset="0"/>
+              <a:buChar char="•"/>
+              <a:defRPr sz="1800" kern="1200">
+                <a:solidFill>
+                  <a:schemeClr val="tx1"/>
+                </a:solidFill>
+                <a:latin typeface="+mn-lt"/>
+                <a:ea typeface="+mn-ea"/>
+                <a:cs typeface="+mn-cs"/>
+              </a:defRPr>
+            </a:lvl7pPr>
+            <a:lvl8pPr marL="3429000" indent="-228600" algn="l" defTabSz="914400" rtl="0" eaLnBrk="1" latinLnBrk="0" hangingPunct="1">
+              <a:lnSpc>
+                <a:spcPct val="90000"/>
+              </a:lnSpc>
+              <a:spcBef>
+                <a:spcPts val="500"/>
+              </a:spcBef>
+              <a:buFont typeface="Arial" panose="020B0604020202020204" pitchFamily="34" charset="0"/>
+              <a:buChar char="•"/>
+              <a:defRPr sz="1800" kern="1200">
+                <a:solidFill>
+                  <a:schemeClr val="tx1"/>
+                </a:solidFill>
+                <a:latin typeface="+mn-lt"/>
+                <a:ea typeface="+mn-ea"/>
+                <a:cs typeface="+mn-cs"/>
+              </a:defRPr>
+            </a:lvl8pPr>
+            <a:lvl9pPr marL="3886200" indent="-228600" algn="l" defTabSz="914400" rtl="0" eaLnBrk="1" latinLnBrk="0" hangingPunct="1">
+              <a:lnSpc>
+                <a:spcPct val="90000"/>
+              </a:lnSpc>
+              <a:spcBef>
+                <a:spcPts val="500"/>
+              </a:spcBef>
+              <a:buFont typeface="Arial" panose="020B0604020202020204" pitchFamily="34" charset="0"/>
+              <a:buChar char="•"/>
+              <a:defRPr sz="1800" kern="1200">
+                <a:solidFill>
+                  <a:schemeClr val="tx1"/>
+                </a:solidFill>
+                <a:latin typeface="+mn-lt"/>
+                <a:ea typeface="+mn-ea"/>
+                <a:cs typeface="+mn-cs"/>
+              </a:defRPr>
+            </a:lvl9pPr>
+          </a:lstStyle>
+          <a:p>
+            <a:pPr marL="0" indent="0" algn="ctr">
+              <a:spcBef>
+                <a:spcPct val="0"/>
+              </a:spcBef>
+              <a:spcAft>
+                <a:spcPct val="0"/>
+              </a:spcAft>
+              <a:buNone/>
+            </a:pPr>
+            <a:fld id="{64105A3C-3918-4CA9-B467-72F78DA07DBB}" type="datetime'''''''''''''''''''''1''''''.''8''''%'''">
+              <a:rPr lang="en-US" altLang="en-US" sz="1400" smtClean="0">
+                <a:solidFill>
+                  <a:schemeClr val="bg1"/>
+                </a:solidFill>
+                <a:effectLst/>
+              </a:rPr>
+              <a:pPr/>
+              <a:t>1.8%</a:t>
+            </a:fld>
+            <a:endParaRPr lang="en-US" sz="1400" dirty="0">
+              <a:solidFill>
+                <a:schemeClr val="bg1"/>
+              </a:solidFill>
+            </a:endParaRPr>
+          </a:p>
+        </p:txBody>
+      </p:sp>
+      <p:sp>
+        <p:nvSpPr>
+          <p:cNvPr id="394" name="Rectangle 393">
+            <a:extLst>
+              <a:ext uri="{FF2B5EF4-FFF2-40B4-BE49-F238E27FC236}">
+                <a16:creationId xmlns:a16="http://schemas.microsoft.com/office/drawing/2014/main" id="{6862160E-83C3-739C-81C9-3F8FCCDA48C6}"/>
               </a:ext>
             </a:extLst>
           </p:cNvPr>
           <p:cNvSpPr/>
           <p:nvPr>
             <p:custDataLst>
-              <p:tags r:id="rId26"/>
+              <p:tags r:id="rId27"/>
             </p:custDataLst>
           </p:nvPr>
         </p:nvSpPr>
         <p:spPr bwMode="auto">
           <a:xfrm>
-            <a:off x="10207625" y="2160588"/>
+            <a:off x="10207625" y="1906588"/>
             <a:ext cx="250825" cy="187325"/>
           </a:xfrm>
           <a:prstGeom prst="rect">
             <a:avLst/>
           </a:prstGeom>
           <a:solidFill>
-            <a:schemeClr val="accent3"/>
+            <a:schemeClr val="accent4"/>
           </a:solidFill>
           <a:ln w="12700" cap="flat" cmpd="sng" algn="ctr">
             <a:noFill/>
@@ -9808,6 +9179,82 @@
       </p:sp>
       <p:sp>
         <p:nvSpPr>
+          <p:cNvPr id="392" name="Rectangle 391">
+            <a:extLst>
+              <a:ext uri="{FF2B5EF4-FFF2-40B4-BE49-F238E27FC236}">
+                <a16:creationId xmlns:a16="http://schemas.microsoft.com/office/drawing/2014/main" id="{AC2C9A98-FE6C-C979-12CC-1FDE567E04C6}"/>
+              </a:ext>
+            </a:extLst>
+          </p:cNvPr>
+          <p:cNvSpPr/>
+          <p:nvPr>
+            <p:custDataLst>
+              <p:tags r:id="rId28"/>
+            </p:custDataLst>
+          </p:nvPr>
+        </p:nvSpPr>
+        <p:spPr bwMode="auto">
+          <a:xfrm>
+            <a:off x="10207625" y="1398588"/>
+            <a:ext cx="250825" cy="187325"/>
+          </a:xfrm>
+          <a:prstGeom prst="rect">
+            <a:avLst/>
+          </a:prstGeom>
+          <a:solidFill>
+            <a:schemeClr val="accent6"/>
+          </a:solidFill>
+          <a:ln w="12700" cap="flat" cmpd="sng" algn="ctr">
+            <a:noFill/>
+            <a:prstDash val="solid"/>
+            <a:miter lim="800000"/>
+            <a:headEnd type="none" w="med" len="med"/>
+            <a:tailEnd type="none" w="med" len="med"/>
+          </a:ln>
+          <a:effectLst/>
+          <a:extLst>
+            <a:ext uri="{91240B29-F687-4F45-9708-019B960494DF}">
+              <a14:hiddenLine xmlns:a14="http://schemas.microsoft.com/office/drawing/2010/main" w="12700" cap="flat" cmpd="sng" algn="ctr">
+                <a:solidFill>
+                  <a:schemeClr val="accent1">
+                    <a:shade val="50000"/>
+                  </a:schemeClr>
+                </a:solidFill>
+                <a:prstDash val="solid"/>
+                <a:miter lim="800000"/>
+                <a:headEnd type="none" w="med" len="med"/>
+                <a:tailEnd type="none" w="med" len="med"/>
+              </a14:hiddenLine>
+            </a:ext>
+          </a:extLst>
+        </p:spPr>
+        <p:style>
+          <a:lnRef idx="2">
+            <a:schemeClr val="accent1">
+              <a:shade val="50000"/>
+            </a:schemeClr>
+          </a:lnRef>
+          <a:fillRef idx="1">
+            <a:schemeClr val="accent1"/>
+          </a:fillRef>
+          <a:effectRef idx="0">
+            <a:schemeClr val="accent1"/>
+          </a:effectRef>
+          <a:fontRef idx="minor">
+            <a:schemeClr val="lt1"/>
+          </a:fontRef>
+        </p:style>
+        <p:txBody>
+          <a:bodyPr rtlCol="0" anchor="ctr"/>
+          <a:lstStyle/>
+          <a:p>
+            <a:pPr algn="ctr"/>
+            <a:endParaRPr lang="en-US"/>
+          </a:p>
+        </p:txBody>
+      </p:sp>
+      <p:sp>
+        <p:nvSpPr>
           <p:cNvPr id="393" name="Rectangle 392">
             <a:extLst>
               <a:ext uri="{FF2B5EF4-FFF2-40B4-BE49-F238E27FC236}">
@@ -9818,7 +9265,7 @@
           <p:cNvSpPr/>
           <p:nvPr>
             <p:custDataLst>
-              <p:tags r:id="rId27"/>
+              <p:tags r:id="rId29"/>
             </p:custDataLst>
           </p:nvPr>
         </p:nvSpPr>
@@ -9869,30 +9316,30 @@
       </p:sp>
       <p:sp>
         <p:nvSpPr>
-          <p:cNvPr id="392" name="Rectangle 391">
+          <p:cNvPr id="395" name="Rectangle 394">
             <a:extLst>
               <a:ext uri="{FF2B5EF4-FFF2-40B4-BE49-F238E27FC236}">
-                <a16:creationId xmlns:a16="http://schemas.microsoft.com/office/drawing/2014/main" id="{AC2C9A98-FE6C-C979-12CC-1FDE567E04C6}"/>
+                <a16:creationId xmlns:a16="http://schemas.microsoft.com/office/drawing/2014/main" id="{57391670-30A4-EAC2-32E2-D9315693A9AC}"/>
               </a:ext>
             </a:extLst>
           </p:cNvPr>
           <p:cNvSpPr/>
           <p:nvPr>
             <p:custDataLst>
-              <p:tags r:id="rId28"/>
+              <p:tags r:id="rId30"/>
             </p:custDataLst>
           </p:nvPr>
         </p:nvSpPr>
         <p:spPr bwMode="auto">
           <a:xfrm>
-            <a:off x="10207625" y="1398588"/>
+            <a:off x="10207625" y="2160588"/>
             <a:ext cx="250825" cy="187325"/>
           </a:xfrm>
           <a:prstGeom prst="rect">
             <a:avLst/>
           </a:prstGeom>
           <a:solidFill>
-            <a:schemeClr val="accent6"/>
+            <a:schemeClr val="accent3"/>
           </a:solidFill>
           <a:ln w="12700" cap="flat" cmpd="sng" algn="ctr">
             <a:noFill/>
@@ -9945,30 +9392,30 @@
       </p:sp>
       <p:sp>
         <p:nvSpPr>
-          <p:cNvPr id="394" name="Rectangle 393">
+          <p:cNvPr id="396" name="Rectangle 395">
             <a:extLst>
               <a:ext uri="{FF2B5EF4-FFF2-40B4-BE49-F238E27FC236}">
-                <a16:creationId xmlns:a16="http://schemas.microsoft.com/office/drawing/2014/main" id="{6862160E-83C3-739C-81C9-3F8FCCDA48C6}"/>
+                <a16:creationId xmlns:a16="http://schemas.microsoft.com/office/drawing/2014/main" id="{7E6EDAA4-3319-9A94-5A27-347D4BF81F7F}"/>
               </a:ext>
             </a:extLst>
           </p:cNvPr>
           <p:cNvSpPr/>
           <p:nvPr>
             <p:custDataLst>
-              <p:tags r:id="rId29"/>
+              <p:tags r:id="rId31"/>
             </p:custDataLst>
           </p:nvPr>
         </p:nvSpPr>
         <p:spPr bwMode="auto">
           <a:xfrm>
-            <a:off x="10207625" y="1906588"/>
+            <a:off x="10207625" y="2414588"/>
             <a:ext cx="250825" cy="187325"/>
           </a:xfrm>
           <a:prstGeom prst="rect">
             <a:avLst/>
           </a:prstGeom>
           <a:solidFill>
-            <a:schemeClr val="accent4"/>
+            <a:schemeClr val="accent2"/>
           </a:solidFill>
           <a:ln w="12700" cap="flat" cmpd="sng" algn="ctr">
             <a:noFill/>
@@ -10021,30 +9468,30 @@
       </p:sp>
       <p:sp>
         <p:nvSpPr>
-          <p:cNvPr id="396" name="Rectangle 395">
+          <p:cNvPr id="397" name="Rectangle 396">
             <a:extLst>
               <a:ext uri="{FF2B5EF4-FFF2-40B4-BE49-F238E27FC236}">
-                <a16:creationId xmlns:a16="http://schemas.microsoft.com/office/drawing/2014/main" id="{7E6EDAA4-3319-9A94-5A27-347D4BF81F7F}"/>
+                <a16:creationId xmlns:a16="http://schemas.microsoft.com/office/drawing/2014/main" id="{8F139A8E-8B69-16D8-FF4D-4485EEEA81BF}"/>
               </a:ext>
             </a:extLst>
           </p:cNvPr>
           <p:cNvSpPr/>
           <p:nvPr>
             <p:custDataLst>
-              <p:tags r:id="rId30"/>
+              <p:tags r:id="rId32"/>
             </p:custDataLst>
           </p:nvPr>
         </p:nvSpPr>
         <p:spPr bwMode="auto">
           <a:xfrm>
-            <a:off x="10207625" y="2414588"/>
+            <a:off x="10207625" y="2668588"/>
             <a:ext cx="250825" cy="187325"/>
           </a:xfrm>
           <a:prstGeom prst="rect">
             <a:avLst/>
           </a:prstGeom>
           <a:solidFill>
-            <a:schemeClr val="accent2"/>
+            <a:schemeClr val="accent1"/>
           </a:solidFill>
           <a:ln w="12700" cap="flat" cmpd="sng" algn="ctr">
             <a:noFill/>
@@ -10097,314 +9544,10 @@
       </p:sp>
       <p:sp>
         <p:nvSpPr>
-          <p:cNvPr id="397" name="Rectangle 396">
-            <a:extLst>
-              <a:ext uri="{FF2B5EF4-FFF2-40B4-BE49-F238E27FC236}">
-                <a16:creationId xmlns:a16="http://schemas.microsoft.com/office/drawing/2014/main" id="{8F139A8E-8B69-16D8-FF4D-4485EEEA81BF}"/>
-              </a:ext>
-            </a:extLst>
-          </p:cNvPr>
-          <p:cNvSpPr/>
-          <p:nvPr>
-            <p:custDataLst>
-              <p:tags r:id="rId31"/>
-            </p:custDataLst>
-          </p:nvPr>
-        </p:nvSpPr>
-        <p:spPr bwMode="auto">
-          <a:xfrm>
-            <a:off x="10207625" y="2668588"/>
-            <a:ext cx="250825" cy="187325"/>
-          </a:xfrm>
-          <a:prstGeom prst="rect">
-            <a:avLst/>
-          </a:prstGeom>
-          <a:solidFill>
-            <a:schemeClr val="accent1"/>
-          </a:solidFill>
-          <a:ln w="12700" cap="flat" cmpd="sng" algn="ctr">
-            <a:noFill/>
-            <a:prstDash val="solid"/>
-            <a:miter lim="800000"/>
-            <a:headEnd type="none" w="med" len="med"/>
-            <a:tailEnd type="none" w="med" len="med"/>
-          </a:ln>
-          <a:effectLst/>
-          <a:extLst>
-            <a:ext uri="{91240B29-F687-4F45-9708-019B960494DF}">
-              <a14:hiddenLine xmlns:a14="http://schemas.microsoft.com/office/drawing/2010/main" w="12700" cap="flat" cmpd="sng" algn="ctr">
-                <a:solidFill>
-                  <a:schemeClr val="accent1">
-                    <a:shade val="50000"/>
-                  </a:schemeClr>
-                </a:solidFill>
-                <a:prstDash val="solid"/>
-                <a:miter lim="800000"/>
-                <a:headEnd type="none" w="med" len="med"/>
-                <a:tailEnd type="none" w="med" len="med"/>
-              </a14:hiddenLine>
-            </a:ext>
-          </a:extLst>
-        </p:spPr>
-        <p:style>
-          <a:lnRef idx="2">
-            <a:schemeClr val="accent1">
-              <a:shade val="50000"/>
-            </a:schemeClr>
-          </a:lnRef>
-          <a:fillRef idx="1">
-            <a:schemeClr val="accent1"/>
-          </a:fillRef>
-          <a:effectRef idx="0">
-            <a:schemeClr val="accent1"/>
-          </a:effectRef>
-          <a:fontRef idx="minor">
-            <a:schemeClr val="lt1"/>
-          </a:fontRef>
-        </p:style>
-        <p:txBody>
-          <a:bodyPr rtlCol="0" anchor="ctr"/>
-          <a:lstStyle/>
-          <a:p>
-            <a:pPr algn="ctr"/>
-            <a:endParaRPr lang="en-US"/>
-          </a:p>
-        </p:txBody>
-      </p:sp>
-      <p:sp>
-        <p:nvSpPr>
           <p:cNvPr id="398" name="Text Placeholder 2">
             <a:extLst>
               <a:ext uri="{FF2B5EF4-FFF2-40B4-BE49-F238E27FC236}">
                 <a16:creationId xmlns:a16="http://schemas.microsoft.com/office/drawing/2014/main" id="{E5A7DB12-3395-5216-4A11-B585E10FA73D}"/>
-              </a:ext>
-            </a:extLst>
-          </p:cNvPr>
-          <p:cNvSpPr>
-            <a:spLocks noGrp="1"/>
-          </p:cNvSpPr>
-          <p:nvPr>
-            <p:custDataLst>
-              <p:tags r:id="rId32"/>
-            </p:custDataLst>
-          </p:nvPr>
-        </p:nvSpPr>
-        <p:spPr bwMode="auto">
-          <a:xfrm>
-            <a:off x="10509250" y="1409700"/>
-            <a:ext cx="1181100" cy="192088"/>
-          </a:xfrm>
-          <a:prstGeom prst="rect">
-            <a:avLst/>
-          </a:prstGeom>
-          <a:noFill/>
-          <a:ln>
-            <a:noFill/>
-          </a:ln>
-          <a:effectLst/>
-          <a:extLst>
-            <a:ext uri="{909E8E84-426E-40DD-AFC4-6F175D3DCCD1}">
-              <a14:hiddenFill xmlns:a14="http://schemas.microsoft.com/office/drawing/2010/main">
-                <a:solidFill>
-                  <a:schemeClr val="accent1"/>
-                </a:solidFill>
-              </a14:hiddenFill>
-            </a:ext>
-          </a:extLst>
-        </p:spPr>
-        <p:txBody>
-          <a:bodyPr vert="horz" wrap="none" lIns="0" tIns="0" rIns="0" bIns="0" numCol="1" spcCol="0" rtlCol="0" anchor="ctr" anchorCtr="0">
-            <a:noAutofit/>
-          </a:bodyPr>
-          <a:lstStyle>
-            <a:lvl1pPr marL="228600" indent="-228600" algn="l" defTabSz="914400" rtl="0" eaLnBrk="1" latinLnBrk="0" hangingPunct="1">
-              <a:lnSpc>
-                <a:spcPct val="90000"/>
-              </a:lnSpc>
-              <a:spcBef>
-                <a:spcPts val="1000"/>
-              </a:spcBef>
-              <a:buFont typeface="Arial" panose="020B0604020202020204" pitchFamily="34" charset="0"/>
-              <a:buChar char="•"/>
-              <a:defRPr sz="2800" kern="1200">
-                <a:solidFill>
-                  <a:schemeClr val="tx1"/>
-                </a:solidFill>
-                <a:latin typeface="+mn-lt"/>
-                <a:ea typeface="+mn-ea"/>
-                <a:cs typeface="+mn-cs"/>
-              </a:defRPr>
-            </a:lvl1pPr>
-            <a:lvl2pPr marL="685800" indent="-228600" algn="l" defTabSz="914400" rtl="0" eaLnBrk="1" latinLnBrk="0" hangingPunct="1">
-              <a:lnSpc>
-                <a:spcPct val="90000"/>
-              </a:lnSpc>
-              <a:spcBef>
-                <a:spcPts val="500"/>
-              </a:spcBef>
-              <a:buFont typeface="Arial" panose="020B0604020202020204" pitchFamily="34" charset="0"/>
-              <a:buChar char="•"/>
-              <a:defRPr sz="2400" kern="1200">
-                <a:solidFill>
-                  <a:schemeClr val="tx1"/>
-                </a:solidFill>
-                <a:latin typeface="+mn-lt"/>
-                <a:ea typeface="+mn-ea"/>
-                <a:cs typeface="+mn-cs"/>
-              </a:defRPr>
-            </a:lvl2pPr>
-            <a:lvl3pPr marL="1143000" indent="-228600" algn="l" defTabSz="914400" rtl="0" eaLnBrk="1" latinLnBrk="0" hangingPunct="1">
-              <a:lnSpc>
-                <a:spcPct val="90000"/>
-              </a:lnSpc>
-              <a:spcBef>
-                <a:spcPts val="500"/>
-              </a:spcBef>
-              <a:buFont typeface="Arial" panose="020B0604020202020204" pitchFamily="34" charset="0"/>
-              <a:buChar char="•"/>
-              <a:defRPr sz="2000" kern="1200">
-                <a:solidFill>
-                  <a:schemeClr val="tx1"/>
-                </a:solidFill>
-                <a:latin typeface="+mn-lt"/>
-                <a:ea typeface="+mn-ea"/>
-                <a:cs typeface="+mn-cs"/>
-              </a:defRPr>
-            </a:lvl3pPr>
-            <a:lvl4pPr marL="1600200" indent="-228600" algn="l" defTabSz="914400" rtl="0" eaLnBrk="1" latinLnBrk="0" hangingPunct="1">
-              <a:lnSpc>
-                <a:spcPct val="90000"/>
-              </a:lnSpc>
-              <a:spcBef>
-                <a:spcPts val="500"/>
-              </a:spcBef>
-              <a:buFont typeface="Arial" panose="020B0604020202020204" pitchFamily="34" charset="0"/>
-              <a:buChar char="•"/>
-              <a:defRPr sz="1800" kern="1200">
-                <a:solidFill>
-                  <a:schemeClr val="tx1"/>
-                </a:solidFill>
-                <a:latin typeface="+mn-lt"/>
-                <a:ea typeface="+mn-ea"/>
-                <a:cs typeface="+mn-cs"/>
-              </a:defRPr>
-            </a:lvl4pPr>
-            <a:lvl5pPr marL="2057400" indent="-228600" algn="l" defTabSz="914400" rtl="0" eaLnBrk="1" latinLnBrk="0" hangingPunct="1">
-              <a:lnSpc>
-                <a:spcPct val="90000"/>
-              </a:lnSpc>
-              <a:spcBef>
-                <a:spcPts val="500"/>
-              </a:spcBef>
-              <a:buFont typeface="Arial" panose="020B0604020202020204" pitchFamily="34" charset="0"/>
-              <a:buChar char="•"/>
-              <a:defRPr sz="1800" kern="1200">
-                <a:solidFill>
-                  <a:schemeClr val="tx1"/>
-                </a:solidFill>
-                <a:latin typeface="+mn-lt"/>
-                <a:ea typeface="+mn-ea"/>
-                <a:cs typeface="+mn-cs"/>
-              </a:defRPr>
-            </a:lvl5pPr>
-            <a:lvl6pPr marL="2514600" indent="-228600" algn="l" defTabSz="914400" rtl="0" eaLnBrk="1" latinLnBrk="0" hangingPunct="1">
-              <a:lnSpc>
-                <a:spcPct val="90000"/>
-              </a:lnSpc>
-              <a:spcBef>
-                <a:spcPts val="500"/>
-              </a:spcBef>
-              <a:buFont typeface="Arial" panose="020B0604020202020204" pitchFamily="34" charset="0"/>
-              <a:buChar char="•"/>
-              <a:defRPr sz="1800" kern="1200">
-                <a:solidFill>
-                  <a:schemeClr val="tx1"/>
-                </a:solidFill>
-                <a:latin typeface="+mn-lt"/>
-                <a:ea typeface="+mn-ea"/>
-                <a:cs typeface="+mn-cs"/>
-              </a:defRPr>
-            </a:lvl6pPr>
-            <a:lvl7pPr marL="2971800" indent="-228600" algn="l" defTabSz="914400" rtl="0" eaLnBrk="1" latinLnBrk="0" hangingPunct="1">
-              <a:lnSpc>
-                <a:spcPct val="90000"/>
-              </a:lnSpc>
-              <a:spcBef>
-                <a:spcPts val="500"/>
-              </a:spcBef>
-              <a:buFont typeface="Arial" panose="020B0604020202020204" pitchFamily="34" charset="0"/>
-              <a:buChar char="•"/>
-              <a:defRPr sz="1800" kern="1200">
-                <a:solidFill>
-                  <a:schemeClr val="tx1"/>
-                </a:solidFill>
-                <a:latin typeface="+mn-lt"/>
-                <a:ea typeface="+mn-ea"/>
-                <a:cs typeface="+mn-cs"/>
-              </a:defRPr>
-            </a:lvl7pPr>
-            <a:lvl8pPr marL="3429000" indent="-228600" algn="l" defTabSz="914400" rtl="0" eaLnBrk="1" latinLnBrk="0" hangingPunct="1">
-              <a:lnSpc>
-                <a:spcPct val="90000"/>
-              </a:lnSpc>
-              <a:spcBef>
-                <a:spcPts val="500"/>
-              </a:spcBef>
-              <a:buFont typeface="Arial" panose="020B0604020202020204" pitchFamily="34" charset="0"/>
-              <a:buChar char="•"/>
-              <a:defRPr sz="1800" kern="1200">
-                <a:solidFill>
-                  <a:schemeClr val="tx1"/>
-                </a:solidFill>
-                <a:latin typeface="+mn-lt"/>
-                <a:ea typeface="+mn-ea"/>
-                <a:cs typeface="+mn-cs"/>
-              </a:defRPr>
-            </a:lvl8pPr>
-            <a:lvl9pPr marL="3886200" indent="-228600" algn="l" defTabSz="914400" rtl="0" eaLnBrk="1" latinLnBrk="0" hangingPunct="1">
-              <a:lnSpc>
-                <a:spcPct val="90000"/>
-              </a:lnSpc>
-              <a:spcBef>
-                <a:spcPts val="500"/>
-              </a:spcBef>
-              <a:buFont typeface="Arial" panose="020B0604020202020204" pitchFamily="34" charset="0"/>
-              <a:buChar char="•"/>
-              <a:defRPr sz="1800" kern="1200">
-                <a:solidFill>
-                  <a:schemeClr val="tx1"/>
-                </a:solidFill>
-                <a:latin typeface="+mn-lt"/>
-                <a:ea typeface="+mn-ea"/>
-                <a:cs typeface="+mn-cs"/>
-              </a:defRPr>
-            </a:lvl9pPr>
-          </a:lstStyle>
-          <a:p>
-            <a:pPr marL="0" indent="0">
-              <a:spcBef>
-                <a:spcPct val="0"/>
-              </a:spcBef>
-              <a:spcAft>
-                <a:spcPct val="0"/>
-              </a:spcAft>
-              <a:buNone/>
-            </a:pPr>
-            <a:fld id="{6C6297A7-9F89-415F-B56E-17CCBDFF9F8D}" type="datetime'''''''''''Hy''''''''''''-''V''''e''''e ='' 4''''''9,051'''">
-              <a:rPr lang="en-US" altLang="en-US" sz="1400" smtClean="0"/>
-              <a:pPr/>
-              <a:t>Hy-Vee = 49,051</a:t>
-            </a:fld>
-            <a:endParaRPr lang="en-US" sz="1400" dirty="0"/>
-          </a:p>
-        </p:txBody>
-      </p:sp>
-      <p:sp>
-        <p:nvSpPr>
-          <p:cNvPr id="399" name="Text Placeholder 2">
-            <a:extLst>
-              <a:ext uri="{FF2B5EF4-FFF2-40B4-BE49-F238E27FC236}">
-                <a16:creationId xmlns:a16="http://schemas.microsoft.com/office/drawing/2014/main" id="{733610BC-6B23-F9CC-4330-A6823B338323}"/>
               </a:ext>
             </a:extLst>
           </p:cNvPr>
@@ -10419,8 +9562,8 @@
         </p:nvSpPr>
         <p:spPr bwMode="auto">
           <a:xfrm>
-            <a:off x="10509249" y="2425700"/>
-            <a:ext cx="1233488" cy="192088"/>
+            <a:off x="10509250" y="1409700"/>
+            <a:ext cx="1627188" cy="192088"/>
           </a:xfrm>
           <a:prstGeom prst="rect">
             <a:avLst/>
@@ -10618,10 +9761,10 @@
               </a:spcAft>
               <a:buNone/>
             </a:pPr>
-            <a:fld id="{0572D022-6A5B-434E-8AA3-D4C31C3BEEE5}" type="datetime'''''K''le''''e''''''n''''''''''''ex'' = ''''16'''''',5''''79'">
+            <a:fld id="{1D1264A1-4B90-4442-B2AA-F187F627F355}" type="datetime'''Be''n and'' ''''J''er''''''''''''rys = 4,''''111'''''">
               <a:rPr lang="en-US" altLang="en-US" sz="1400" smtClean="0"/>
               <a:pPr/>
-              <a:t>Kleenex = 16,579</a:t>
+              <a:t>Ben and Jerrys = 4,111</a:t>
             </a:fld>
             <a:endParaRPr lang="en-US" sz="1400" dirty="0"/>
           </a:p>
@@ -10648,7 +9791,7 @@
         <p:spPr bwMode="auto">
           <a:xfrm>
             <a:off x="10509250" y="1663700"/>
-            <a:ext cx="1717675" cy="192088"/>
+            <a:ext cx="955675" cy="192088"/>
           </a:xfrm>
           <a:prstGeom prst="rect">
             <a:avLst/>
@@ -10846,10 +9989,10 @@
               </a:spcAft>
               <a:buNone/>
             </a:pPr>
-            <a:fld id="{C1D7BAE1-D44C-41A3-8981-A9620ABF8D63}" type="datetime'Ben'''' ''an''d J''e''''r''''rys ''''''='' 3''5,93''''''''''7'">
+            <a:fld id="{928F2506-4869-4C2F-A4E8-7CECD87F5576}" type="datetime'Pe''ps''''i'' ''''= ''''''''3'''''''''''''''''''''',9''''37'''">
               <a:rPr lang="en-US" altLang="en-US" sz="1400" smtClean="0"/>
               <a:pPr/>
-              <a:t>Ben and Jerrys = 35,937</a:t>
+              <a:t>Pepsi = 3,937</a:t>
             </a:fld>
             <a:endParaRPr lang="en-US" sz="1400" dirty="0"/>
           </a:p>
@@ -10876,7 +10019,7 @@
         <p:spPr bwMode="auto">
           <a:xfrm>
             <a:off x="10509250" y="1917700"/>
-            <a:ext cx="1101725" cy="192088"/>
+            <a:ext cx="863600" cy="192088"/>
           </a:xfrm>
           <a:prstGeom prst="rect">
             <a:avLst/>
@@ -11074,10 +10217,10 @@
               </a:spcAft>
               <a:buNone/>
             </a:pPr>
-            <a:fld id="{3017AD38-DB38-4196-83C6-51381B75F6A8}" type="datetime'''''Kro''g''''''er''='''''' ''''''''''''''26,9''''''5''''8'''">
+            <a:fld id="{9FE4CA86-6675-4EC1-9D47-BBEFB0070755}" type="datetime'''''''D''''o''l''e'''''''' ''''''''''''''''''''='' 3''''748'">
               <a:rPr lang="en-US" altLang="en-US" sz="1400" smtClean="0"/>
               <a:pPr/>
-              <a:t>Kroger= 26,958</a:t>
+              <a:t>Dole = 3748</a:t>
             </a:fld>
             <a:endParaRPr lang="en-US" sz="1400" dirty="0"/>
           </a:p>
@@ -11104,7 +10247,7 @@
         <p:spPr bwMode="auto">
           <a:xfrm>
             <a:off x="10509250" y="2171700"/>
-            <a:ext cx="1046163" cy="192088"/>
+            <a:ext cx="1089025" cy="192088"/>
           </a:xfrm>
           <a:prstGeom prst="rect">
             <a:avLst/>
@@ -11302,10 +10445,238 @@
               </a:spcAft>
               <a:buNone/>
             </a:pPr>
-            <a:fld id="{FDAFC479-DF8A-40F2-B307-B33D6A25EEA4}" type="datetime'''''''''P''''''e''''p''''''s''i ='''' ''''''1''''''9,''901'''">
+            <a:fld id="{8257C297-36FD-4073-A97E-3AA7764846DC}" type="datetime'F''ol''g''e''''rs ''= ''''''3,''''''''''6''''''8''1'''''''">
               <a:rPr lang="en-US" altLang="en-US" sz="1400" smtClean="0"/>
               <a:pPr/>
-              <a:t>Pepsi = 19,901</a:t>
+              <a:t>Folgers = 3,681</a:t>
+            </a:fld>
+            <a:endParaRPr lang="en-US" sz="1400" dirty="0"/>
+          </a:p>
+        </p:txBody>
+      </p:sp>
+      <p:sp>
+        <p:nvSpPr>
+          <p:cNvPr id="399" name="Text Placeholder 2">
+            <a:extLst>
+              <a:ext uri="{FF2B5EF4-FFF2-40B4-BE49-F238E27FC236}">
+                <a16:creationId xmlns:a16="http://schemas.microsoft.com/office/drawing/2014/main" id="{733610BC-6B23-F9CC-4330-A6823B338323}"/>
+              </a:ext>
+            </a:extLst>
+          </p:cNvPr>
+          <p:cNvSpPr>
+            <a:spLocks noGrp="1"/>
+          </p:cNvSpPr>
+          <p:nvPr>
+            <p:custDataLst>
+              <p:tags r:id="rId37"/>
+            </p:custDataLst>
+          </p:nvPr>
+        </p:nvSpPr>
+        <p:spPr bwMode="auto">
+          <a:xfrm>
+            <a:off x="10509250" y="2425700"/>
+            <a:ext cx="974725" cy="192088"/>
+          </a:xfrm>
+          <a:prstGeom prst="rect">
+            <a:avLst/>
+          </a:prstGeom>
+          <a:noFill/>
+          <a:ln>
+            <a:noFill/>
+          </a:ln>
+          <a:effectLst/>
+          <a:extLst>
+            <a:ext uri="{909E8E84-426E-40DD-AFC4-6F175D3DCCD1}">
+              <a14:hiddenFill xmlns:a14="http://schemas.microsoft.com/office/drawing/2010/main">
+                <a:solidFill>
+                  <a:schemeClr val="accent1"/>
+                </a:solidFill>
+              </a14:hiddenFill>
+            </a:ext>
+          </a:extLst>
+        </p:spPr>
+        <p:txBody>
+          <a:bodyPr vert="horz" wrap="none" lIns="0" tIns="0" rIns="0" bIns="0" numCol="1" spcCol="0" rtlCol="0" anchor="ctr" anchorCtr="0">
+            <a:noAutofit/>
+          </a:bodyPr>
+          <a:lstStyle>
+            <a:lvl1pPr marL="228600" indent="-228600" algn="l" defTabSz="914400" rtl="0" eaLnBrk="1" latinLnBrk="0" hangingPunct="1">
+              <a:lnSpc>
+                <a:spcPct val="90000"/>
+              </a:lnSpc>
+              <a:spcBef>
+                <a:spcPts val="1000"/>
+              </a:spcBef>
+              <a:buFont typeface="Arial" panose="020B0604020202020204" pitchFamily="34" charset="0"/>
+              <a:buChar char="•"/>
+              <a:defRPr sz="2800" kern="1200">
+                <a:solidFill>
+                  <a:schemeClr val="tx1"/>
+                </a:solidFill>
+                <a:latin typeface="+mn-lt"/>
+                <a:ea typeface="+mn-ea"/>
+                <a:cs typeface="+mn-cs"/>
+              </a:defRPr>
+            </a:lvl1pPr>
+            <a:lvl2pPr marL="685800" indent="-228600" algn="l" defTabSz="914400" rtl="0" eaLnBrk="1" latinLnBrk="0" hangingPunct="1">
+              <a:lnSpc>
+                <a:spcPct val="90000"/>
+              </a:lnSpc>
+              <a:spcBef>
+                <a:spcPts val="500"/>
+              </a:spcBef>
+              <a:buFont typeface="Arial" panose="020B0604020202020204" pitchFamily="34" charset="0"/>
+              <a:buChar char="•"/>
+              <a:defRPr sz="2400" kern="1200">
+                <a:solidFill>
+                  <a:schemeClr val="tx1"/>
+                </a:solidFill>
+                <a:latin typeface="+mn-lt"/>
+                <a:ea typeface="+mn-ea"/>
+                <a:cs typeface="+mn-cs"/>
+              </a:defRPr>
+            </a:lvl2pPr>
+            <a:lvl3pPr marL="1143000" indent="-228600" algn="l" defTabSz="914400" rtl="0" eaLnBrk="1" latinLnBrk="0" hangingPunct="1">
+              <a:lnSpc>
+                <a:spcPct val="90000"/>
+              </a:lnSpc>
+              <a:spcBef>
+                <a:spcPts val="500"/>
+              </a:spcBef>
+              <a:buFont typeface="Arial" panose="020B0604020202020204" pitchFamily="34" charset="0"/>
+              <a:buChar char="•"/>
+              <a:defRPr sz="2000" kern="1200">
+                <a:solidFill>
+                  <a:schemeClr val="tx1"/>
+                </a:solidFill>
+                <a:latin typeface="+mn-lt"/>
+                <a:ea typeface="+mn-ea"/>
+                <a:cs typeface="+mn-cs"/>
+              </a:defRPr>
+            </a:lvl3pPr>
+            <a:lvl4pPr marL="1600200" indent="-228600" algn="l" defTabSz="914400" rtl="0" eaLnBrk="1" latinLnBrk="0" hangingPunct="1">
+              <a:lnSpc>
+                <a:spcPct val="90000"/>
+              </a:lnSpc>
+              <a:spcBef>
+                <a:spcPts val="500"/>
+              </a:spcBef>
+              <a:buFont typeface="Arial" panose="020B0604020202020204" pitchFamily="34" charset="0"/>
+              <a:buChar char="•"/>
+              <a:defRPr sz="1800" kern="1200">
+                <a:solidFill>
+                  <a:schemeClr val="tx1"/>
+                </a:solidFill>
+                <a:latin typeface="+mn-lt"/>
+                <a:ea typeface="+mn-ea"/>
+                <a:cs typeface="+mn-cs"/>
+              </a:defRPr>
+            </a:lvl4pPr>
+            <a:lvl5pPr marL="2057400" indent="-228600" algn="l" defTabSz="914400" rtl="0" eaLnBrk="1" latinLnBrk="0" hangingPunct="1">
+              <a:lnSpc>
+                <a:spcPct val="90000"/>
+              </a:lnSpc>
+              <a:spcBef>
+                <a:spcPts val="500"/>
+              </a:spcBef>
+              <a:buFont typeface="Arial" panose="020B0604020202020204" pitchFamily="34" charset="0"/>
+              <a:buChar char="•"/>
+              <a:defRPr sz="1800" kern="1200">
+                <a:solidFill>
+                  <a:schemeClr val="tx1"/>
+                </a:solidFill>
+                <a:latin typeface="+mn-lt"/>
+                <a:ea typeface="+mn-ea"/>
+                <a:cs typeface="+mn-cs"/>
+              </a:defRPr>
+            </a:lvl5pPr>
+            <a:lvl6pPr marL="2514600" indent="-228600" algn="l" defTabSz="914400" rtl="0" eaLnBrk="1" latinLnBrk="0" hangingPunct="1">
+              <a:lnSpc>
+                <a:spcPct val="90000"/>
+              </a:lnSpc>
+              <a:spcBef>
+                <a:spcPts val="500"/>
+              </a:spcBef>
+              <a:buFont typeface="Arial" panose="020B0604020202020204" pitchFamily="34" charset="0"/>
+              <a:buChar char="•"/>
+              <a:defRPr sz="1800" kern="1200">
+                <a:solidFill>
+                  <a:schemeClr val="tx1"/>
+                </a:solidFill>
+                <a:latin typeface="+mn-lt"/>
+                <a:ea typeface="+mn-ea"/>
+                <a:cs typeface="+mn-cs"/>
+              </a:defRPr>
+            </a:lvl6pPr>
+            <a:lvl7pPr marL="2971800" indent="-228600" algn="l" defTabSz="914400" rtl="0" eaLnBrk="1" latinLnBrk="0" hangingPunct="1">
+              <a:lnSpc>
+                <a:spcPct val="90000"/>
+              </a:lnSpc>
+              <a:spcBef>
+                <a:spcPts val="500"/>
+              </a:spcBef>
+              <a:buFont typeface="Arial" panose="020B0604020202020204" pitchFamily="34" charset="0"/>
+              <a:buChar char="•"/>
+              <a:defRPr sz="1800" kern="1200">
+                <a:solidFill>
+                  <a:schemeClr val="tx1"/>
+                </a:solidFill>
+                <a:latin typeface="+mn-lt"/>
+                <a:ea typeface="+mn-ea"/>
+                <a:cs typeface="+mn-cs"/>
+              </a:defRPr>
+            </a:lvl7pPr>
+            <a:lvl8pPr marL="3429000" indent="-228600" algn="l" defTabSz="914400" rtl="0" eaLnBrk="1" latinLnBrk="0" hangingPunct="1">
+              <a:lnSpc>
+                <a:spcPct val="90000"/>
+              </a:lnSpc>
+              <a:spcBef>
+                <a:spcPts val="500"/>
+              </a:spcBef>
+              <a:buFont typeface="Arial" panose="020B0604020202020204" pitchFamily="34" charset="0"/>
+              <a:buChar char="•"/>
+              <a:defRPr sz="1800" kern="1200">
+                <a:solidFill>
+                  <a:schemeClr val="tx1"/>
+                </a:solidFill>
+                <a:latin typeface="+mn-lt"/>
+                <a:ea typeface="+mn-ea"/>
+                <a:cs typeface="+mn-cs"/>
+              </a:defRPr>
+            </a:lvl8pPr>
+            <a:lvl9pPr marL="3886200" indent="-228600" algn="l" defTabSz="914400" rtl="0" eaLnBrk="1" latinLnBrk="0" hangingPunct="1">
+              <a:lnSpc>
+                <a:spcPct val="90000"/>
+              </a:lnSpc>
+              <a:spcBef>
+                <a:spcPts val="500"/>
+              </a:spcBef>
+              <a:buFont typeface="Arial" panose="020B0604020202020204" pitchFamily="34" charset="0"/>
+              <a:buChar char="•"/>
+              <a:defRPr sz="1800" kern="1200">
+                <a:solidFill>
+                  <a:schemeClr val="tx1"/>
+                </a:solidFill>
+                <a:latin typeface="+mn-lt"/>
+                <a:ea typeface="+mn-ea"/>
+                <a:cs typeface="+mn-cs"/>
+              </a:defRPr>
+            </a:lvl9pPr>
+          </a:lstStyle>
+          <a:p>
+            <a:pPr marL="0" indent="0">
+              <a:spcBef>
+                <a:spcPct val="0"/>
+              </a:spcBef>
+              <a:spcAft>
+                <a:spcPct val="0"/>
+              </a:spcAft>
+              <a:buNone/>
+            </a:pPr>
+            <a:fld id="{CA270955-CCC4-4691-871D-C250577D5B56}" type="datetime'''''K''n''''''o''''rr ''= ''''''''3'''''''',''6''7''''4'">
+              <a:rPr lang="en-US" altLang="en-US" sz="1400" smtClean="0"/>
+              <a:pPr/>
+              <a:t>Knorr = 3,674</a:t>
             </a:fld>
             <a:endParaRPr lang="en-US" sz="1400" dirty="0"/>
           </a:p>
@@ -11325,14 +10696,14 @@
           </p:cNvSpPr>
           <p:nvPr>
             <p:custDataLst>
-              <p:tags r:id="rId37"/>
+              <p:tags r:id="rId38"/>
             </p:custDataLst>
           </p:nvPr>
         </p:nvSpPr>
         <p:spPr bwMode="auto">
           <a:xfrm>
             <a:off x="10509250" y="2679700"/>
-            <a:ext cx="1941513" cy="192088"/>
+            <a:ext cx="1917700" cy="192088"/>
           </a:xfrm>
           <a:prstGeom prst="rect">
             <a:avLst/>
@@ -11530,10 +10901,10 @@
               </a:spcAft>
               <a:buNone/>
             </a:pPr>
-            <a:fld id="{0B9CC4FA-680F-43DD-80DC-482A95BEA078}" type="datetime'A''l''''''''l Ot''''h''''er B''''ran''d''s'' ='''' 892,''514'">
+            <a:fld id="{037DFC31-B64B-431F-BCC1-3A00E218A990}" type="datetime'Al''''l'''' o''''ther'' B''''rands'' ''''= 214'''''',3''2''5'">
               <a:rPr lang="en-US" altLang="en-US" sz="1400" smtClean="0"/>
               <a:pPr/>
-              <a:t>All Other Brands = 892,514</a:t>
+              <a:t>All other Brands = 214,325</a:t>
             </a:fld>
             <a:endParaRPr lang="en-US" sz="1400" dirty="0"/>
           </a:p>
@@ -11553,14 +10924,14 @@
           </p:cNvSpPr>
           <p:nvPr>
             <p:custDataLst>
-              <p:tags r:id="rId38"/>
+              <p:tags r:id="rId39"/>
             </p:custDataLst>
           </p:nvPr>
         </p:nvSpPr>
         <p:spPr bwMode="auto">
           <a:xfrm>
-            <a:off x="7943850" y="2870200"/>
-            <a:ext cx="735013" cy="193675"/>
+            <a:off x="8012113" y="2870200"/>
+            <a:ext cx="600075" cy="193675"/>
           </a:xfrm>
           <a:prstGeom prst="rect">
             <a:avLst/>
@@ -11758,10 +11129,20 @@
               </a:spcAft>
               <a:buNone/>
             </a:pPr>
-            <a:fld id="{2C5F56D3-AEF5-414F-9625-5F28ABC61ADE}" type="datetime'''1'',''''''0''''''''''''4''0'''''',9''''''4''''''0'">
-              <a:rPr lang="en-US" altLang="en-US" sz="1400" smtClean="0"/>
-              <a:pPr/>
-              <a:t>1,040,940</a:t>
+            <a:fld id="{72734556-06F1-41D3-ADB8-66BB873D248F}" type="datetime'''''''''2''3''''''''''''3'',''''''''''''''4''''7''''''''6'''">
+              <a:rPr lang="en-US" altLang="en-US" sz="1400" smtClean="0">
+                <a:effectLst/>
+              </a:rPr>
+              <a:pPr marL="0" indent="0" algn="ctr">
+                <a:spcBef>
+                  <a:spcPct val="0"/>
+                </a:spcBef>
+                <a:spcAft>
+                  <a:spcPct val="0"/>
+                </a:spcAft>
+                <a:buNone/>
+              </a:pPr>
+              <a:t>233,476</a:t>
             </a:fld>
             <a:endParaRPr lang="en-US" sz="1400" dirty="0"/>
           </a:p>
@@ -11795,7 +11176,7 @@
 
 <file path=ppt/tags/tag11.xml><?xml version="1.0" encoding="utf-8"?>
 <p:tagLst xmlns:a="http://schemas.openxmlformats.org/drawingml/2006/main" xmlns:r="http://schemas.openxmlformats.org/officeDocument/2006/relationships" xmlns:p="http://schemas.openxmlformats.org/presentationml/2006/main">
-  <p:tag name="THINKCELLSHAPEDONOTDELETE" val="tD9L9gK2CGfz0AdCUjf4mbQ"/>
+  <p:tag name="THINKCELLSHAPEDONOTDELETE" val="tvdPJ2BK_KDRRTG8YJTFUtw"/>
 </p:tagLst>
 </file>
 
@@ -11807,7 +11188,7 @@
 
 <file path=ppt/tags/tag13.xml><?xml version="1.0" encoding="utf-8"?>
 <p:tagLst xmlns:a="http://schemas.openxmlformats.org/drawingml/2006/main" xmlns:r="http://schemas.openxmlformats.org/officeDocument/2006/relationships" xmlns:p="http://schemas.openxmlformats.org/presentationml/2006/main">
-  <p:tag name="THINKCELLSHAPEDONOTDELETE" val="tvdPJ2BK_KDRRTG8YJTFUtw"/>
+  <p:tag name="THINKCELLSHAPEDONOTDELETE" val="tD9L9gK2CGfz0AdCUjf4mbQ"/>
 </p:tagLst>
 </file>
 
@@ -11819,25 +11200,25 @@
 
 <file path=ppt/tags/tag15.xml><?xml version="1.0" encoding="utf-8"?>
 <p:tagLst xmlns:a="http://schemas.openxmlformats.org/drawingml/2006/main" xmlns:r="http://schemas.openxmlformats.org/officeDocument/2006/relationships" xmlns:p="http://schemas.openxmlformats.org/presentationml/2006/main">
-  <p:tag name="THINKCELLSHAPEDONOTDELETE" val="t0E0yUYwIhwPZ6g0leqCnYw"/>
+  <p:tag name="THINKCELLSHAPEDONOTDELETE" val="tIEeVToyh_ePbZi7KkG5ZvQ"/>
 </p:tagLst>
 </file>
 
 <file path=ppt/tags/tag16.xml><?xml version="1.0" encoding="utf-8"?>
 <p:tagLst xmlns:a="http://schemas.openxmlformats.org/drawingml/2006/main" xmlns:r="http://schemas.openxmlformats.org/officeDocument/2006/relationships" xmlns:p="http://schemas.openxmlformats.org/presentationml/2006/main">
-  <p:tag name="THINKCELLSHAPEDONOTDELETE" val="tIEeVToyh_ePbZi7KkG5ZvQ"/>
+  <p:tag name="THINKCELLSHAPEDONOTDELETE" val="t0E0yUYwIhwPZ6g0leqCnYw"/>
 </p:tagLst>
 </file>
 
 <file path=ppt/tags/tag17.xml><?xml version="1.0" encoding="utf-8"?>
 <p:tagLst xmlns:a="http://schemas.openxmlformats.org/drawingml/2006/main" xmlns:r="http://schemas.openxmlformats.org/officeDocument/2006/relationships" xmlns:p="http://schemas.openxmlformats.org/presentationml/2006/main">
-  <p:tag name="THINKCELLSHAPEDONOTDELETE" val="tYgv0Nn1riYpa_OJ3EtKKGQ"/>
+  <p:tag name="THINKCELLSHAPEDONOTDELETE" val="tyZE1tDnQd7FxTbiKg7kkZA"/>
 </p:tagLst>
 </file>
 
 <file path=ppt/tags/tag18.xml><?xml version="1.0" encoding="utf-8"?>
 <p:tagLst xmlns:a="http://schemas.openxmlformats.org/drawingml/2006/main" xmlns:r="http://schemas.openxmlformats.org/officeDocument/2006/relationships" xmlns:p="http://schemas.openxmlformats.org/presentationml/2006/main">
-  <p:tag name="THINKCELLSHAPEDONOTDELETE" val="tktWMyF0DecPPTK46OiubkA"/>
+  <p:tag name="THINKCELLSHAPEDONOTDELETE" val="tYgv0Nn1riYpa_OJ3EtKKGQ"/>
 </p:tagLst>
 </file>
 
@@ -11861,7 +11242,7 @@
 
 <file path=ppt/tags/tag21.xml><?xml version="1.0" encoding="utf-8"?>
 <p:tagLst xmlns:a="http://schemas.openxmlformats.org/drawingml/2006/main" xmlns:r="http://schemas.openxmlformats.org/officeDocument/2006/relationships" xmlns:p="http://schemas.openxmlformats.org/presentationml/2006/main">
-  <p:tag name="THINKCELLSHAPEDONOTDELETE" val="tyZE1tDnQd7FxTbiKg7kkZA"/>
+  <p:tag name="THINKCELLSHAPEDONOTDELETE" val="tktWMyF0DecPPTK46OiubkA"/>
 </p:tagLst>
 </file>
 
@@ -11879,19 +11260,19 @@
 
 <file path=ppt/tags/tag24.xml><?xml version="1.0" encoding="utf-8"?>
 <p:tagLst xmlns:a="http://schemas.openxmlformats.org/drawingml/2006/main" xmlns:r="http://schemas.openxmlformats.org/officeDocument/2006/relationships" xmlns:p="http://schemas.openxmlformats.org/presentationml/2006/main">
-  <p:tag name="THINKCELLSHAPEDONOTDELETE" val="tJj230LI.fgbdLzvwwPEIQw"/>
+  <p:tag name="THINKCELLSHAPEDONOTDELETE" val="tSYcb0WNgJh.Mw4Q8FVoycA"/>
 </p:tagLst>
 </file>
 
 <file path=ppt/tags/tag25.xml><?xml version="1.0" encoding="utf-8"?>
 <p:tagLst xmlns:a="http://schemas.openxmlformats.org/drawingml/2006/main" xmlns:r="http://schemas.openxmlformats.org/officeDocument/2006/relationships" xmlns:p="http://schemas.openxmlformats.org/presentationml/2006/main">
-  <p:tag name="THINKCELLSHAPEDONOTDELETE" val="tSYcb0WNgJh.Mw4Q8FVoycA"/>
+  <p:tag name="THINKCELLSHAPEDONOTDELETE" val="tqrDDi9IDWQreswKEvcZYHQ"/>
 </p:tagLst>
 </file>
 
 <file path=ppt/tags/tag26.xml><?xml version="1.0" encoding="utf-8"?>
 <p:tagLst xmlns:a="http://schemas.openxmlformats.org/drawingml/2006/main" xmlns:r="http://schemas.openxmlformats.org/officeDocument/2006/relationships" xmlns:p="http://schemas.openxmlformats.org/presentationml/2006/main">
-  <p:tag name="THINKCELLSHAPEDONOTDELETE" val="tqrDDi9IDWQreswKEvcZYHQ"/>
+  <p:tag name="THINKCELLSHAPEDONOTDELETE" val="tJj230LI.fgbdLzvwwPEIQw"/>
 </p:tagLst>
 </file>
 
@@ -11903,13 +11284,13 @@
 
 <file path=ppt/tags/tag28.xml><?xml version="1.0" encoding="utf-8"?>
 <p:tagLst xmlns:a="http://schemas.openxmlformats.org/drawingml/2006/main" xmlns:r="http://schemas.openxmlformats.org/officeDocument/2006/relationships" xmlns:p="http://schemas.openxmlformats.org/presentationml/2006/main">
-  <p:tag name="THINKCELLSHAPEDONOTDELETE" val="t_MlWqP_vcr_1JxIJPsGQFQ"/>
+  <p:tag name="THINKCELLSHAPEDONOTDELETE" val="t46twseCPXrfgiJebg.3kJQ"/>
 </p:tagLst>
 </file>
 
 <file path=ppt/tags/tag29.xml><?xml version="1.0" encoding="utf-8"?>
 <p:tagLst xmlns:a="http://schemas.openxmlformats.org/drawingml/2006/main" xmlns:r="http://schemas.openxmlformats.org/officeDocument/2006/relationships" xmlns:p="http://schemas.openxmlformats.org/presentationml/2006/main">
-  <p:tag name="THINKCELLSHAPEDONOTDELETE" val="tdVnhjOCVIFBxw9bDKZpRWQ"/>
+  <p:tag name="THINKCELLSHAPEDONOTDELETE" val="tDkNdLW.GKmbF52DfGrZ6Kg"/>
 </p:tagLst>
 </file>
 
@@ -11927,31 +11308,31 @@
 
 <file path=ppt/tags/tag31.xml><?xml version="1.0" encoding="utf-8"?>
 <p:tagLst xmlns:a="http://schemas.openxmlformats.org/drawingml/2006/main" xmlns:r="http://schemas.openxmlformats.org/officeDocument/2006/relationships" xmlns:p="http://schemas.openxmlformats.org/presentationml/2006/main">
-  <p:tag name="THINKCELLSHAPEDONOTDELETE" val="tDkNdLW.GKmbF52DfGrZ6Kg"/>
+  <p:tag name="THINKCELLSHAPEDONOTDELETE" val="tdVnhjOCVIFBxw9bDKZpRWQ"/>
 </p:tagLst>
 </file>
 
 <file path=ppt/tags/tag32.xml><?xml version="1.0" encoding="utf-8"?>
 <p:tagLst xmlns:a="http://schemas.openxmlformats.org/drawingml/2006/main" xmlns:r="http://schemas.openxmlformats.org/officeDocument/2006/relationships" xmlns:p="http://schemas.openxmlformats.org/presentationml/2006/main">
-  <p:tag name="THINKCELLSHAPEDONOTDELETE" val="tPZcJPBJFyGOnLM882CqlPw"/>
+  <p:tag name="THINKCELLSHAPEDONOTDELETE" val="t_MlWqP_vcr_1JxIJPsGQFQ"/>
 </p:tagLst>
 </file>
 
 <file path=ppt/tags/tag33.xml><?xml version="1.0" encoding="utf-8"?>
 <p:tagLst xmlns:a="http://schemas.openxmlformats.org/drawingml/2006/main" xmlns:r="http://schemas.openxmlformats.org/officeDocument/2006/relationships" xmlns:p="http://schemas.openxmlformats.org/presentationml/2006/main">
-  <p:tag name="THINKCELLSHAPEDONOTDELETE" val="t3i6NrAQs5.3SrAlaGyQ2eA"/>
+  <p:tag name="THINKCELLSHAPEDONOTDELETE" val="tPZcJPBJFyGOnLM882CqlPw"/>
 </p:tagLst>
 </file>
 
 <file path=ppt/tags/tag34.xml><?xml version="1.0" encoding="utf-8"?>
 <p:tagLst xmlns:a="http://schemas.openxmlformats.org/drawingml/2006/main" xmlns:r="http://schemas.openxmlformats.org/officeDocument/2006/relationships" xmlns:p="http://schemas.openxmlformats.org/presentationml/2006/main">
-  <p:tag name="THINKCELLSHAPEDONOTDELETE" val="tVk2huZE1X3hTNlTquLouXg"/>
+  <p:tag name="THINKCELLSHAPEDONOTDELETE" val="t3i6NrAQs5.3SrAlaGyQ2eA"/>
 </p:tagLst>
 </file>
 
 <file path=ppt/tags/tag35.xml><?xml version="1.0" encoding="utf-8"?>
 <p:tagLst xmlns:a="http://schemas.openxmlformats.org/drawingml/2006/main" xmlns:r="http://schemas.openxmlformats.org/officeDocument/2006/relationships" xmlns:p="http://schemas.openxmlformats.org/presentationml/2006/main">
-  <p:tag name="THINKCELLSHAPEDONOTDELETE" val="t6D0Wa370kvC7mhaqHRWxSA"/>
+  <p:tag name="THINKCELLSHAPEDONOTDELETE" val="tVk2huZE1X3hTNlTquLouXg"/>
 </p:tagLst>
 </file>
 
@@ -11975,7 +11356,7 @@
 
 <file path=ppt/tags/tag39.xml><?xml version="1.0" encoding="utf-8"?>
 <p:tagLst xmlns:a="http://schemas.openxmlformats.org/drawingml/2006/main" xmlns:r="http://schemas.openxmlformats.org/officeDocument/2006/relationships" xmlns:p="http://schemas.openxmlformats.org/presentationml/2006/main">
-  <p:tag name="THINKCELLSHAPEDONOTDELETE" val="t2sEN0B4nhTwuG_g76ucfyg"/>
+  <p:tag name="THINKCELLSHAPEDONOTDELETE" val="t6D0Wa370kvC7mhaqHRWxSA"/>
 </p:tagLst>
 </file>
 
@@ -11986,6 +11367,12 @@
 </file>
 
 <file path=ppt/tags/tag40.xml><?xml version="1.0" encoding="utf-8"?>
+<p:tagLst xmlns:a="http://schemas.openxmlformats.org/drawingml/2006/main" xmlns:r="http://schemas.openxmlformats.org/officeDocument/2006/relationships" xmlns:p="http://schemas.openxmlformats.org/presentationml/2006/main">
+  <p:tag name="THINKCELLSHAPEDONOTDELETE" val="t2sEN0B4nhTwuG_g76ucfyg"/>
+</p:tagLst>
+</file>
+
+<file path=ppt/tags/tag41.xml><?xml version="1.0" encoding="utf-8"?>
 <p:tagLst xmlns:a="http://schemas.openxmlformats.org/drawingml/2006/main" xmlns:r="http://schemas.openxmlformats.org/officeDocument/2006/relationships" xmlns:p="http://schemas.openxmlformats.org/presentationml/2006/main">
   <p:tag name="THINKCELLSHAPEDONOTDELETE" val="tuspbIxDvGOiqAf9e9RQKng"/>
 </p:tagLst>
@@ -11999,7 +11386,7 @@
 
 <file path=ppt/tags/tag6.xml><?xml version="1.0" encoding="utf-8"?>
 <p:tagLst xmlns:a="http://schemas.openxmlformats.org/drawingml/2006/main" xmlns:r="http://schemas.openxmlformats.org/officeDocument/2006/relationships" xmlns:p="http://schemas.openxmlformats.org/presentationml/2006/main">
-  <p:tag name="THINKCELLSHAPEDONOTDELETE" val="t.cGUlLZiStFrEkbqz0bGGA"/>
+  <p:tag name="THINKCELLSHAPEDONOTDELETE" val="tQeM1bSm56yWwcBVqMHEtDg"/>
 </p:tagLst>
 </file>
 
@@ -12017,7 +11404,7 @@
 
 <file path=ppt/tags/tag9.xml><?xml version="1.0" encoding="utf-8"?>
 <p:tagLst xmlns:a="http://schemas.openxmlformats.org/drawingml/2006/main" xmlns:r="http://schemas.openxmlformats.org/officeDocument/2006/relationships" xmlns:p="http://schemas.openxmlformats.org/presentationml/2006/main">
-  <p:tag name="THINKCELLSHAPEDONOTDELETE" val="tQeM1bSm56yWwcBVqMHEtDg"/>
+  <p:tag name="THINKCELLSHAPEDONOTDELETE" val="t.cGUlLZiStFrEkbqz0bGGA"/>
 </p:tagLst>
 </file>
 

--- a/Supplemental/Stakeholder Visuals.pptx
+++ b/Supplemental/Stakeholder Visuals.pptx
@@ -118,7 +118,7 @@
 <file path=ppt/revisionInfo.xml><?xml version="1.0" encoding="utf-8"?>
 <p1510:revInfo xmlns:a="http://schemas.openxmlformats.org/drawingml/2006/main" xmlns:r="http://schemas.openxmlformats.org/officeDocument/2006/relationships" xmlns:p1510="http://schemas.microsoft.com/office/powerpoint/2015/10/main">
   <p1510:revLst>
-    <p1510:client id="{176DFD19-9071-4B24-AA88-5DC23F609659}" v="1056" dt="2022-11-08T05:29:39.214"/>
+    <p1510:client id="{176DFD19-9071-4B24-AA88-5DC23F609659}" v="4166" dt="2022-11-19T03:27:19.622"/>
   </p1510:revLst>
 </p1510:revInfo>
 </file>
@@ -128,17 +128,25 @@
   <pc:docChgLst>
     <pc:chgData name="Selvyn Yovany Martinez Barahona" userId="3ccf779dc7355a40" providerId="LiveId" clId="{176DFD19-9071-4B24-AA88-5DC23F609659}"/>
     <pc:docChg chg="undo custSel modSld replTag">
-      <pc:chgData name="Selvyn Yovany Martinez Barahona" userId="3ccf779dc7355a40" providerId="LiveId" clId="{176DFD19-9071-4B24-AA88-5DC23F609659}" dt="2022-11-08T05:29:39.214" v="2838"/>
+      <pc:chgData name="Selvyn Yovany Martinez Barahona" userId="3ccf779dc7355a40" providerId="LiveId" clId="{176DFD19-9071-4B24-AA88-5DC23F609659}" dt="2022-11-19T03:27:19.622" v="8222"/>
       <pc:docMkLst>
         <pc:docMk/>
       </pc:docMkLst>
       <pc:sldChg chg="addSp delSp modSp mod">
-        <pc:chgData name="Selvyn Yovany Martinez Barahona" userId="3ccf779dc7355a40" providerId="LiveId" clId="{176DFD19-9071-4B24-AA88-5DC23F609659}" dt="2022-11-08T05:29:39.214" v="2838"/>
+        <pc:chgData name="Selvyn Yovany Martinez Barahona" userId="3ccf779dc7355a40" providerId="LiveId" clId="{176DFD19-9071-4B24-AA88-5DC23F609659}" dt="2022-11-19T03:27:19.622" v="8222"/>
         <pc:sldMkLst>
           <pc:docMk/>
           <pc:sldMk cId="849266544" sldId="256"/>
         </pc:sldMkLst>
         <pc:spChg chg="add del mod modVis">
+          <ac:chgData name="Selvyn Yovany Martinez Barahona" userId="3ccf779dc7355a40" providerId="LiveId" clId="{176DFD19-9071-4B24-AA88-5DC23F609659}" dt="2022-11-19T03:20:00.569" v="3026"/>
+          <ac:spMkLst>
+            <pc:docMk/>
+            <pc:sldMk cId="849266544" sldId="256"/>
+            <ac:spMk id="2" creationId="{0C94FFEE-B61F-F0F5-26C1-9FAC96E2B601}"/>
+          </ac:spMkLst>
+        </pc:spChg>
+        <pc:spChg chg="add del mod modVis">
           <ac:chgData name="Selvyn Yovany Martinez Barahona" userId="3ccf779dc7355a40" providerId="LiveId" clId="{176DFD19-9071-4B24-AA88-5DC23F609659}" dt="2022-11-08T05:29:39.210" v="2836"/>
           <ac:spMkLst>
             <pc:docMk/>
@@ -146,8 +154,48 @@
             <ac:spMk id="2" creationId="{142B63F9-4705-DEFE-E463-E546F7705356}"/>
           </ac:spMkLst>
         </pc:spChg>
+        <pc:spChg chg="add del mod modVis">
+          <ac:chgData name="Selvyn Yovany Martinez Barahona" userId="3ccf779dc7355a40" providerId="LiveId" clId="{176DFD19-9071-4B24-AA88-5DC23F609659}" dt="2022-11-19T03:20:05.420" v="3246"/>
+          <ac:spMkLst>
+            <pc:docMk/>
+            <pc:sldMk cId="849266544" sldId="256"/>
+            <ac:spMk id="5" creationId="{2D821C52-5A1B-7358-0CF4-D394009C308D}"/>
+          </ac:spMkLst>
+        </pc:spChg>
+        <pc:spChg chg="add del mod modVis">
+          <ac:chgData name="Selvyn Yovany Martinez Barahona" userId="3ccf779dc7355a40" providerId="LiveId" clId="{176DFD19-9071-4B24-AA88-5DC23F609659}" dt="2022-11-19T03:26:21.158" v="6807"/>
+          <ac:spMkLst>
+            <pc:docMk/>
+            <pc:sldMk cId="849266544" sldId="256"/>
+            <ac:spMk id="57" creationId="{B47714E9-0F25-BE72-31CE-185206AE05BE}"/>
+          </ac:spMkLst>
+        </pc:spChg>
+        <pc:spChg chg="add del mod modVis">
+          <ac:chgData name="Selvyn Yovany Martinez Barahona" userId="3ccf779dc7355a40" providerId="LiveId" clId="{176DFD19-9071-4B24-AA88-5DC23F609659}" dt="2022-11-19T03:26:25.617" v="7224"/>
+          <ac:spMkLst>
+            <pc:docMk/>
+            <pc:sldMk cId="849266544" sldId="256"/>
+            <ac:spMk id="58" creationId="{2FCF5A2B-D680-8058-52AC-6C0D7836A0AC}"/>
+          </ac:spMkLst>
+        </pc:spChg>
+        <pc:spChg chg="add del mod modVis">
+          <ac:chgData name="Selvyn Yovany Martinez Barahona" userId="3ccf779dc7355a40" providerId="LiveId" clId="{176DFD19-9071-4B24-AA88-5DC23F609659}" dt="2022-11-19T03:26:40.382" v="7269"/>
+          <ac:spMkLst>
+            <pc:docMk/>
+            <pc:sldMk cId="849266544" sldId="256"/>
+            <ac:spMk id="61" creationId="{E6E62093-958B-DA75-D397-2895F03C6F60}"/>
+          </ac:spMkLst>
+        </pc:spChg>
+        <pc:spChg chg="add del mod modVis">
+          <ac:chgData name="Selvyn Yovany Martinez Barahona" userId="3ccf779dc7355a40" providerId="LiveId" clId="{176DFD19-9071-4B24-AA88-5DC23F609659}" dt="2022-11-19T03:26:40.758" v="7507"/>
+          <ac:spMkLst>
+            <pc:docMk/>
+            <pc:sldMk cId="849266544" sldId="256"/>
+            <ac:spMk id="62" creationId="{E7BE51FB-E21E-50FD-2D38-B9845BE039B6}"/>
+          </ac:spMkLst>
+        </pc:spChg>
         <pc:spChg chg="mod">
-          <ac:chgData name="Selvyn Yovany Martinez Barahona" userId="3ccf779dc7355a40" providerId="LiveId" clId="{176DFD19-9071-4B24-AA88-5DC23F609659}" dt="2022-11-08T05:29:39.203" v="2801"/>
+          <ac:chgData name="Selvyn Yovany Martinez Barahona" userId="3ccf779dc7355a40" providerId="LiveId" clId="{176DFD19-9071-4B24-AA88-5DC23F609659}" dt="2022-11-19T03:27:19.602" v="8206"/>
           <ac:spMkLst>
             <pc:docMk/>
             <pc:sldMk cId="849266544" sldId="256"/>
@@ -155,7 +203,7 @@
           </ac:spMkLst>
         </pc:spChg>
         <pc:spChg chg="mod">
-          <ac:chgData name="Selvyn Yovany Martinez Barahona" userId="3ccf779dc7355a40" providerId="LiveId" clId="{176DFD19-9071-4B24-AA88-5DC23F609659}" dt="2022-11-08T05:29:39.202" v="2797"/>
+          <ac:chgData name="Selvyn Yovany Martinez Barahona" userId="3ccf779dc7355a40" providerId="LiveId" clId="{176DFD19-9071-4B24-AA88-5DC23F609659}" dt="2022-11-19T03:27:19.603" v="8207"/>
           <ac:spMkLst>
             <pc:docMk/>
             <pc:sldMk cId="849266544" sldId="256"/>
@@ -163,7 +211,7 @@
           </ac:spMkLst>
         </pc:spChg>
         <pc:spChg chg="mod">
-          <ac:chgData name="Selvyn Yovany Martinez Barahona" userId="3ccf779dc7355a40" providerId="LiveId" clId="{176DFD19-9071-4B24-AA88-5DC23F609659}" dt="2022-11-08T05:29:39.202" v="2798"/>
+          <ac:chgData name="Selvyn Yovany Martinez Barahona" userId="3ccf779dc7355a40" providerId="LiveId" clId="{176DFD19-9071-4B24-AA88-5DC23F609659}" dt="2022-11-19T03:27:19.602" v="8205"/>
           <ac:spMkLst>
             <pc:docMk/>
             <pc:sldMk cId="849266544" sldId="256"/>
@@ -171,7 +219,7 @@
           </ac:spMkLst>
         </pc:spChg>
         <pc:spChg chg="mod">
-          <ac:chgData name="Selvyn Yovany Martinez Barahona" userId="3ccf779dc7355a40" providerId="LiveId" clId="{176DFD19-9071-4B24-AA88-5DC23F609659}" dt="2022-11-08T05:29:39.203" v="2802"/>
+          <ac:chgData name="Selvyn Yovany Martinez Barahona" userId="3ccf779dc7355a40" providerId="LiveId" clId="{176DFD19-9071-4B24-AA88-5DC23F609659}" dt="2022-11-19T03:27:19.604" v="8208"/>
           <ac:spMkLst>
             <pc:docMk/>
             <pc:sldMk cId="849266544" sldId="256"/>
@@ -179,7 +227,7 @@
           </ac:spMkLst>
         </pc:spChg>
         <pc:spChg chg="mod">
-          <ac:chgData name="Selvyn Yovany Martinez Barahona" userId="3ccf779dc7355a40" providerId="LiveId" clId="{176DFD19-9071-4B24-AA88-5DC23F609659}" dt="2022-11-08T05:29:39.203" v="2800"/>
+          <ac:chgData name="Selvyn Yovany Martinez Barahona" userId="3ccf779dc7355a40" providerId="LiveId" clId="{176DFD19-9071-4B24-AA88-5DC23F609659}" dt="2022-11-19T03:27:19.604" v="8209"/>
           <ac:spMkLst>
             <pc:docMk/>
             <pc:sldMk cId="849266544" sldId="256"/>
@@ -187,7 +235,7 @@
           </ac:spMkLst>
         </pc:spChg>
         <pc:spChg chg="mod">
-          <ac:chgData name="Selvyn Yovany Martinez Barahona" userId="3ccf779dc7355a40" providerId="LiveId" clId="{176DFD19-9071-4B24-AA88-5DC23F609659}" dt="2022-11-08T05:29:39.203" v="2799"/>
+          <ac:chgData name="Selvyn Yovany Martinez Barahona" userId="3ccf779dc7355a40" providerId="LiveId" clId="{176DFD19-9071-4B24-AA88-5DC23F609659}" dt="2022-11-19T03:27:19.605" v="8210"/>
           <ac:spMkLst>
             <pc:docMk/>
             <pc:sldMk cId="849266544" sldId="256"/>
@@ -235,7 +283,7 @@
           </ac:spMkLst>
         </pc:spChg>
         <pc:spChg chg="mod">
-          <ac:chgData name="Selvyn Yovany Martinez Barahona" userId="3ccf779dc7355a40" providerId="LiveId" clId="{176DFD19-9071-4B24-AA88-5DC23F609659}" dt="2022-11-08T05:29:39.201" v="2789"/>
+          <ac:chgData name="Selvyn Yovany Martinez Barahona" userId="3ccf779dc7355a40" providerId="LiveId" clId="{176DFD19-9071-4B24-AA88-5DC23F609659}" dt="2022-11-19T03:27:19.609" v="8217"/>
           <ac:spMkLst>
             <pc:docMk/>
             <pc:sldMk cId="849266544" sldId="256"/>
@@ -243,7 +291,7 @@
           </ac:spMkLst>
         </pc:spChg>
         <pc:spChg chg="mod">
-          <ac:chgData name="Selvyn Yovany Martinez Barahona" userId="3ccf779dc7355a40" providerId="LiveId" clId="{176DFD19-9071-4B24-AA88-5DC23F609659}" dt="2022-11-08T05:29:39.201" v="2791"/>
+          <ac:chgData name="Selvyn Yovany Martinez Barahona" userId="3ccf779dc7355a40" providerId="LiveId" clId="{176DFD19-9071-4B24-AA88-5DC23F609659}" dt="2022-11-19T03:27:16.999" v="8159"/>
           <ac:spMkLst>
             <pc:docMk/>
             <pc:sldMk cId="849266544" sldId="256"/>
@@ -251,7 +299,7 @@
           </ac:spMkLst>
         </pc:spChg>
         <pc:spChg chg="mod ord">
-          <ac:chgData name="Selvyn Yovany Martinez Barahona" userId="3ccf779dc7355a40" providerId="LiveId" clId="{176DFD19-9071-4B24-AA88-5DC23F609659}" dt="2022-11-08T05:29:39.202" v="2794"/>
+          <ac:chgData name="Selvyn Yovany Martinez Barahona" userId="3ccf779dc7355a40" providerId="LiveId" clId="{176DFD19-9071-4B24-AA88-5DC23F609659}" dt="2022-11-19T03:27:16.999" v="8161"/>
           <ac:spMkLst>
             <pc:docMk/>
             <pc:sldMk cId="849266544" sldId="256"/>
@@ -259,7 +307,7 @@
           </ac:spMkLst>
         </pc:spChg>
         <pc:spChg chg="mod">
-          <ac:chgData name="Selvyn Yovany Martinez Barahona" userId="3ccf779dc7355a40" providerId="LiveId" clId="{176DFD19-9071-4B24-AA88-5DC23F609659}" dt="2022-11-08T05:29:39.201" v="2790"/>
+          <ac:chgData name="Selvyn Yovany Martinez Barahona" userId="3ccf779dc7355a40" providerId="LiveId" clId="{176DFD19-9071-4B24-AA88-5DC23F609659}" dt="2022-11-19T03:27:17" v="8162"/>
           <ac:spMkLst>
             <pc:docMk/>
             <pc:sldMk cId="849266544" sldId="256"/>
@@ -267,7 +315,7 @@
           </ac:spMkLst>
         </pc:spChg>
         <pc:spChg chg="mod">
-          <ac:chgData name="Selvyn Yovany Martinez Barahona" userId="3ccf779dc7355a40" providerId="LiveId" clId="{176DFD19-9071-4B24-AA88-5DC23F609659}" dt="2022-11-08T05:29:39.201" v="2792"/>
+          <ac:chgData name="Selvyn Yovany Martinez Barahona" userId="3ccf779dc7355a40" providerId="LiveId" clId="{176DFD19-9071-4B24-AA88-5DC23F609659}" dt="2022-11-19T03:27:16.998" v="8158"/>
           <ac:spMkLst>
             <pc:docMk/>
             <pc:sldMk cId="849266544" sldId="256"/>
@@ -275,7 +323,7 @@
           </ac:spMkLst>
         </pc:spChg>
         <pc:spChg chg="mod">
-          <ac:chgData name="Selvyn Yovany Martinez Barahona" userId="3ccf779dc7355a40" providerId="LiveId" clId="{176DFD19-9071-4B24-AA88-5DC23F609659}" dt="2022-11-08T05:29:39.202" v="2795"/>
+          <ac:chgData name="Selvyn Yovany Martinez Barahona" userId="3ccf779dc7355a40" providerId="LiveId" clId="{176DFD19-9071-4B24-AA88-5DC23F609659}" dt="2022-11-19T03:27:17" v="8163"/>
           <ac:spMkLst>
             <pc:docMk/>
             <pc:sldMk cId="849266544" sldId="256"/>
@@ -283,7 +331,7 @@
           </ac:spMkLst>
         </pc:spChg>
         <pc:spChg chg="mod">
-          <ac:chgData name="Selvyn Yovany Martinez Barahona" userId="3ccf779dc7355a40" providerId="LiveId" clId="{176DFD19-9071-4B24-AA88-5DC23F609659}" dt="2022-11-08T05:29:39.202" v="2796"/>
+          <ac:chgData name="Selvyn Yovany Martinez Barahona" userId="3ccf779dc7355a40" providerId="LiveId" clId="{176DFD19-9071-4B24-AA88-5DC23F609659}" dt="2022-11-19T03:27:17.001" v="8164"/>
           <ac:spMkLst>
             <pc:docMk/>
             <pc:sldMk cId="849266544" sldId="256"/>
@@ -291,7 +339,7 @@
           </ac:spMkLst>
         </pc:spChg>
         <pc:spChg chg="mod ord">
-          <ac:chgData name="Selvyn Yovany Martinez Barahona" userId="3ccf779dc7355a40" providerId="LiveId" clId="{176DFD19-9071-4B24-AA88-5DC23F609659}" dt="2022-11-08T05:29:39.204" v="2804"/>
+          <ac:chgData name="Selvyn Yovany Martinez Barahona" userId="3ccf779dc7355a40" providerId="LiveId" clId="{176DFD19-9071-4B24-AA88-5DC23F609659}" dt="2022-11-19T03:27:17.004" v="8172"/>
           <ac:spMkLst>
             <pc:docMk/>
             <pc:sldMk cId="849266544" sldId="256"/>
@@ -299,7 +347,7 @@
           </ac:spMkLst>
         </pc:spChg>
         <pc:spChg chg="mod ord">
-          <ac:chgData name="Selvyn Yovany Martinez Barahona" userId="3ccf779dc7355a40" providerId="LiveId" clId="{176DFD19-9071-4B24-AA88-5DC23F609659}" dt="2022-11-08T05:29:39.204" v="2806"/>
+          <ac:chgData name="Selvyn Yovany Martinez Barahona" userId="3ccf779dc7355a40" providerId="LiveId" clId="{176DFD19-9071-4B24-AA88-5DC23F609659}" dt="2022-11-19T03:27:17.004" v="8174"/>
           <ac:spMkLst>
             <pc:docMk/>
             <pc:sldMk cId="849266544" sldId="256"/>
@@ -307,7 +355,7 @@
           </ac:spMkLst>
         </pc:spChg>
         <pc:spChg chg="mod ord">
-          <ac:chgData name="Selvyn Yovany Martinez Barahona" userId="3ccf779dc7355a40" providerId="LiveId" clId="{176DFD19-9071-4B24-AA88-5DC23F609659}" dt="2022-11-08T05:29:39.205" v="2810"/>
+          <ac:chgData name="Selvyn Yovany Martinez Barahona" userId="3ccf779dc7355a40" providerId="LiveId" clId="{176DFD19-9071-4B24-AA88-5DC23F609659}" dt="2022-11-19T03:27:17.005" v="8178"/>
           <ac:spMkLst>
             <pc:docMk/>
             <pc:sldMk cId="849266544" sldId="256"/>
@@ -315,7 +363,7 @@
           </ac:spMkLst>
         </pc:spChg>
         <pc:spChg chg="mod ord">
-          <ac:chgData name="Selvyn Yovany Martinez Barahona" userId="3ccf779dc7355a40" providerId="LiveId" clId="{176DFD19-9071-4B24-AA88-5DC23F609659}" dt="2022-11-08T05:29:39.205" v="2812"/>
+          <ac:chgData name="Selvyn Yovany Martinez Barahona" userId="3ccf779dc7355a40" providerId="LiveId" clId="{176DFD19-9071-4B24-AA88-5DC23F609659}" dt="2022-11-19T03:27:17.006" v="8182"/>
           <ac:spMkLst>
             <pc:docMk/>
             <pc:sldMk cId="849266544" sldId="256"/>
@@ -323,7 +371,7 @@
           </ac:spMkLst>
         </pc:spChg>
         <pc:spChg chg="mod ord">
-          <ac:chgData name="Selvyn Yovany Martinez Barahona" userId="3ccf779dc7355a40" providerId="LiveId" clId="{176DFD19-9071-4B24-AA88-5DC23F609659}" dt="2022-11-08T05:29:39.205" v="2814"/>
+          <ac:chgData name="Selvyn Yovany Martinez Barahona" userId="3ccf779dc7355a40" providerId="LiveId" clId="{176DFD19-9071-4B24-AA88-5DC23F609659}" dt="2022-11-19T03:27:17.007" v="8186"/>
           <ac:spMkLst>
             <pc:docMk/>
             <pc:sldMk cId="849266544" sldId="256"/>
@@ -331,7 +379,7 @@
           </ac:spMkLst>
         </pc:spChg>
         <pc:spChg chg="mod ord">
-          <ac:chgData name="Selvyn Yovany Martinez Barahona" userId="3ccf779dc7355a40" providerId="LiveId" clId="{176DFD19-9071-4B24-AA88-5DC23F609659}" dt="2022-11-08T05:29:39.206" v="2816"/>
+          <ac:chgData name="Selvyn Yovany Martinez Barahona" userId="3ccf779dc7355a40" providerId="LiveId" clId="{176DFD19-9071-4B24-AA88-5DC23F609659}" dt="2022-11-19T03:27:17.006" v="8180"/>
           <ac:spMkLst>
             <pc:docMk/>
             <pc:sldMk cId="849266544" sldId="256"/>
@@ -339,7 +387,7 @@
           </ac:spMkLst>
         </pc:spChg>
         <pc:spChg chg="mod ord">
-          <ac:chgData name="Selvyn Yovany Martinez Barahona" userId="3ccf779dc7355a40" providerId="LiveId" clId="{176DFD19-9071-4B24-AA88-5DC23F609659}" dt="2022-11-08T05:29:39.206" v="2818"/>
+          <ac:chgData name="Selvyn Yovany Martinez Barahona" userId="3ccf779dc7355a40" providerId="LiveId" clId="{176DFD19-9071-4B24-AA88-5DC23F609659}" dt="2022-11-19T03:27:17.007" v="8184"/>
           <ac:spMkLst>
             <pc:docMk/>
             <pc:sldMk cId="849266544" sldId="256"/>
@@ -347,7 +395,7 @@
           </ac:spMkLst>
         </pc:spChg>
         <pc:spChg chg="mod">
-          <ac:chgData name="Selvyn Yovany Martinez Barahona" userId="3ccf779dc7355a40" providerId="LiveId" clId="{176DFD19-9071-4B24-AA88-5DC23F609659}" dt="2022-11-08T05:29:39.207" v="2820"/>
+          <ac:chgData name="Selvyn Yovany Martinez Barahona" userId="3ccf779dc7355a40" providerId="LiveId" clId="{176DFD19-9071-4B24-AA88-5DC23F609659}" dt="2022-11-19T03:27:17.008" v="8189"/>
           <ac:spMkLst>
             <pc:docMk/>
             <pc:sldMk cId="849266544" sldId="256"/>
@@ -355,7 +403,7 @@
           </ac:spMkLst>
         </pc:spChg>
         <pc:spChg chg="mod ord">
-          <ac:chgData name="Selvyn Yovany Martinez Barahona" userId="3ccf779dc7355a40" providerId="LiveId" clId="{176DFD19-9071-4B24-AA88-5DC23F609659}" dt="2022-11-08T05:29:39.207" v="2822"/>
+          <ac:chgData name="Selvyn Yovany Martinez Barahona" userId="3ccf779dc7355a40" providerId="LiveId" clId="{176DFD19-9071-4B24-AA88-5DC23F609659}" dt="2022-11-19T03:27:17.008" v="8188"/>
           <ac:spMkLst>
             <pc:docMk/>
             <pc:sldMk cId="849266544" sldId="256"/>
@@ -363,7 +411,7 @@
           </ac:spMkLst>
         </pc:spChg>
         <pc:spChg chg="mod">
-          <ac:chgData name="Selvyn Yovany Martinez Barahona" userId="3ccf779dc7355a40" providerId="LiveId" clId="{176DFD19-9071-4B24-AA88-5DC23F609659}" dt="2022-11-08T05:29:39.206" v="2819"/>
+          <ac:chgData name="Selvyn Yovany Martinez Barahona" userId="3ccf779dc7355a40" providerId="LiveId" clId="{176DFD19-9071-4B24-AA88-5DC23F609659}" dt="2022-11-19T03:27:17.009" v="8190"/>
           <ac:spMkLst>
             <pc:docMk/>
             <pc:sldMk cId="849266544" sldId="256"/>
@@ -371,7 +419,7 @@
           </ac:spMkLst>
         </pc:spChg>
         <pc:spChg chg="mod">
-          <ac:chgData name="Selvyn Yovany Martinez Barahona" userId="3ccf779dc7355a40" providerId="LiveId" clId="{176DFD19-9071-4B24-AA88-5DC23F609659}" dt="2022-11-08T05:29:39.207" v="2823"/>
+          <ac:chgData name="Selvyn Yovany Martinez Barahona" userId="3ccf779dc7355a40" providerId="LiveId" clId="{176DFD19-9071-4B24-AA88-5DC23F609659}" dt="2022-11-19T03:27:17.009" v="8191"/>
           <ac:spMkLst>
             <pc:docMk/>
             <pc:sldMk cId="849266544" sldId="256"/>
@@ -379,7 +427,7 @@
           </ac:spMkLst>
         </pc:spChg>
         <pc:spChg chg="mod">
-          <ac:chgData name="Selvyn Yovany Martinez Barahona" userId="3ccf779dc7355a40" providerId="LiveId" clId="{176DFD19-9071-4B24-AA88-5DC23F609659}" dt="2022-11-08T05:29:39.207" v="2824"/>
+          <ac:chgData name="Selvyn Yovany Martinez Barahona" userId="3ccf779dc7355a40" providerId="LiveId" clId="{176DFD19-9071-4B24-AA88-5DC23F609659}" dt="2022-11-19T03:27:17.009" v="8192"/>
           <ac:spMkLst>
             <pc:docMk/>
             <pc:sldMk cId="849266544" sldId="256"/>
@@ -387,7 +435,7 @@
           </ac:spMkLst>
         </pc:spChg>
         <pc:spChg chg="mod">
-          <ac:chgData name="Selvyn Yovany Martinez Barahona" userId="3ccf779dc7355a40" providerId="LiveId" clId="{176DFD19-9071-4B24-AA88-5DC23F609659}" dt="2022-11-08T05:29:39.208" v="2825"/>
+          <ac:chgData name="Selvyn Yovany Martinez Barahona" userId="3ccf779dc7355a40" providerId="LiveId" clId="{176DFD19-9071-4B24-AA88-5DC23F609659}" dt="2022-11-19T03:27:17.010" v="8193"/>
           <ac:spMkLst>
             <pc:docMk/>
             <pc:sldMk cId="849266544" sldId="256"/>
@@ -395,7 +443,7 @@
           </ac:spMkLst>
         </pc:spChg>
         <pc:spChg chg="mod">
-          <ac:chgData name="Selvyn Yovany Martinez Barahona" userId="3ccf779dc7355a40" providerId="LiveId" clId="{176DFD19-9071-4B24-AA88-5DC23F609659}" dt="2022-11-08T05:29:39.208" v="2826"/>
+          <ac:chgData name="Selvyn Yovany Martinez Barahona" userId="3ccf779dc7355a40" providerId="LiveId" clId="{176DFD19-9071-4B24-AA88-5DC23F609659}" dt="2022-11-19T03:27:19.606" v="8211"/>
           <ac:spMkLst>
             <pc:docMk/>
             <pc:sldMk cId="849266544" sldId="256"/>
@@ -403,7 +451,7 @@
           </ac:spMkLst>
         </pc:spChg>
         <pc:spChg chg="mod">
-          <ac:chgData name="Selvyn Yovany Martinez Barahona" userId="3ccf779dc7355a40" providerId="LiveId" clId="{176DFD19-9071-4B24-AA88-5DC23F609659}" dt="2022-11-08T05:29:39.209" v="2830"/>
+          <ac:chgData name="Selvyn Yovany Martinez Barahona" userId="3ccf779dc7355a40" providerId="LiveId" clId="{176DFD19-9071-4B24-AA88-5DC23F609659}" dt="2022-11-19T03:27:19.607" v="8215"/>
           <ac:spMkLst>
             <pc:docMk/>
             <pc:sldMk cId="849266544" sldId="256"/>
@@ -411,7 +459,7 @@
           </ac:spMkLst>
         </pc:spChg>
         <pc:spChg chg="mod">
-          <ac:chgData name="Selvyn Yovany Martinez Barahona" userId="3ccf779dc7355a40" providerId="LiveId" clId="{176DFD19-9071-4B24-AA88-5DC23F609659}" dt="2022-11-08T05:29:39.208" v="2827"/>
+          <ac:chgData name="Selvyn Yovany Martinez Barahona" userId="3ccf779dc7355a40" providerId="LiveId" clId="{176DFD19-9071-4B24-AA88-5DC23F609659}" dt="2022-11-19T03:27:19.606" v="8212"/>
           <ac:spMkLst>
             <pc:docMk/>
             <pc:sldMk cId="849266544" sldId="256"/>
@@ -419,7 +467,7 @@
           </ac:spMkLst>
         </pc:spChg>
         <pc:spChg chg="mod">
-          <ac:chgData name="Selvyn Yovany Martinez Barahona" userId="3ccf779dc7355a40" providerId="LiveId" clId="{176DFD19-9071-4B24-AA88-5DC23F609659}" dt="2022-11-08T05:29:39.208" v="2829"/>
+          <ac:chgData name="Selvyn Yovany Martinez Barahona" userId="3ccf779dc7355a40" providerId="LiveId" clId="{176DFD19-9071-4B24-AA88-5DC23F609659}" dt="2022-11-19T03:27:19.607" v="8214"/>
           <ac:spMkLst>
             <pc:docMk/>
             <pc:sldMk cId="849266544" sldId="256"/>
@@ -427,7 +475,7 @@
           </ac:spMkLst>
         </pc:spChg>
         <pc:spChg chg="mod">
-          <ac:chgData name="Selvyn Yovany Martinez Barahona" userId="3ccf779dc7355a40" providerId="LiveId" clId="{176DFD19-9071-4B24-AA88-5DC23F609659}" dt="2022-11-08T05:29:39.208" v="2828"/>
+          <ac:chgData name="Selvyn Yovany Martinez Barahona" userId="3ccf779dc7355a40" providerId="LiveId" clId="{176DFD19-9071-4B24-AA88-5DC23F609659}" dt="2022-11-19T03:27:19.607" v="8213"/>
           <ac:spMkLst>
             <pc:docMk/>
             <pc:sldMk cId="849266544" sldId="256"/>
@@ -435,7 +483,7 @@
           </ac:spMkLst>
         </pc:spChg>
         <pc:spChg chg="mod">
-          <ac:chgData name="Selvyn Yovany Martinez Barahona" userId="3ccf779dc7355a40" providerId="LiveId" clId="{176DFD19-9071-4B24-AA88-5DC23F609659}" dt="2022-11-08T05:29:39.209" v="2831"/>
+          <ac:chgData name="Selvyn Yovany Martinez Barahona" userId="3ccf779dc7355a40" providerId="LiveId" clId="{176DFD19-9071-4B24-AA88-5DC23F609659}" dt="2022-11-19T03:27:19.608" v="8216"/>
           <ac:spMkLst>
             <pc:docMk/>
             <pc:sldMk cId="849266544" sldId="256"/>
@@ -443,7 +491,7 @@
           </ac:spMkLst>
         </pc:spChg>
         <pc:spChg chg="mod">
-          <ac:chgData name="Selvyn Yovany Martinez Barahona" userId="3ccf779dc7355a40" providerId="LiveId" clId="{176DFD19-9071-4B24-AA88-5DC23F609659}" dt="2022-11-08T05:29:39.209" v="2832"/>
+          <ac:chgData name="Selvyn Yovany Martinez Barahona" userId="3ccf779dc7355a40" providerId="LiveId" clId="{176DFD19-9071-4B24-AA88-5DC23F609659}" dt="2022-11-19T03:27:19.610" v="8218"/>
           <ac:spMkLst>
             <pc:docMk/>
             <pc:sldMk cId="849266544" sldId="256"/>
@@ -483,7 +531,7 @@
           </ac:spMkLst>
         </pc:spChg>
         <pc:spChg chg="add del mod ord replST">
-          <ac:chgData name="Selvyn Yovany Martinez Barahona" userId="3ccf779dc7355a40" providerId="LiveId" clId="{176DFD19-9071-4B24-AA88-5DC23F609659}" dt="2022-11-08T05:29:39.199" v="2780"/>
+          <ac:chgData name="Selvyn Yovany Martinez Barahona" userId="3ccf779dc7355a40" providerId="LiveId" clId="{176DFD19-9071-4B24-AA88-5DC23F609659}" dt="2022-11-19T03:27:16.995" v="8150"/>
           <ac:spMkLst>
             <pc:docMk/>
             <pc:sldMk cId="849266544" sldId="256"/>
@@ -491,7 +539,7 @@
           </ac:spMkLst>
         </pc:spChg>
         <pc:spChg chg="add del mod ord replST">
-          <ac:chgData name="Selvyn Yovany Martinez Barahona" userId="3ccf779dc7355a40" providerId="LiveId" clId="{176DFD19-9071-4B24-AA88-5DC23F609659}" dt="2022-11-08T05:29:39.200" v="2784"/>
+          <ac:chgData name="Selvyn Yovany Martinez Barahona" userId="3ccf779dc7355a40" providerId="LiveId" clId="{176DFD19-9071-4B24-AA88-5DC23F609659}" dt="2022-11-19T03:27:16.996" v="8152"/>
           <ac:spMkLst>
             <pc:docMk/>
             <pc:sldMk cId="849266544" sldId="256"/>
@@ -499,7 +547,7 @@
           </ac:spMkLst>
         </pc:spChg>
         <pc:spChg chg="add del mod ord replST">
-          <ac:chgData name="Selvyn Yovany Martinez Barahona" userId="3ccf779dc7355a40" providerId="LiveId" clId="{176DFD19-9071-4B24-AA88-5DC23F609659}" dt="2022-11-08T05:29:39.200" v="2786"/>
+          <ac:chgData name="Selvyn Yovany Martinez Barahona" userId="3ccf779dc7355a40" providerId="LiveId" clId="{176DFD19-9071-4B24-AA88-5DC23F609659}" dt="2022-11-19T03:27:16.997" v="8154"/>
           <ac:spMkLst>
             <pc:docMk/>
             <pc:sldMk cId="849266544" sldId="256"/>
@@ -507,7 +555,7 @@
           </ac:spMkLst>
         </pc:spChg>
         <pc:spChg chg="add del mod ord replST">
-          <ac:chgData name="Selvyn Yovany Martinez Barahona" userId="3ccf779dc7355a40" providerId="LiveId" clId="{176DFD19-9071-4B24-AA88-5DC23F609659}" dt="2022-11-08T05:29:39.200" v="2788"/>
+          <ac:chgData name="Selvyn Yovany Martinez Barahona" userId="3ccf779dc7355a40" providerId="LiveId" clId="{176DFD19-9071-4B24-AA88-5DC23F609659}" dt="2022-11-19T03:27:16.997" v="8156"/>
           <ac:spMkLst>
             <pc:docMk/>
             <pc:sldMk cId="849266544" sldId="256"/>
@@ -515,7 +563,7 @@
           </ac:spMkLst>
         </pc:spChg>
         <pc:spChg chg="add del mod ord replST">
-          <ac:chgData name="Selvyn Yovany Martinez Barahona" userId="3ccf779dc7355a40" providerId="LiveId" clId="{176DFD19-9071-4B24-AA88-5DC23F609659}" dt="2022-11-08T05:29:39.199" v="2782"/>
+          <ac:chgData name="Selvyn Yovany Martinez Barahona" userId="3ccf779dc7355a40" providerId="LiveId" clId="{176DFD19-9071-4B24-AA88-5DC23F609659}" dt="2022-11-19T03:27:16.995" v="8148"/>
           <ac:spMkLst>
             <pc:docMk/>
             <pc:sldMk cId="849266544" sldId="256"/>
@@ -570,20 +618,452 @@
             <ac:spMk id="474" creationId="{12BDC72C-847B-096B-F025-BF3A4D463DD0}"/>
           </ac:spMkLst>
         </pc:spChg>
-        <pc:graphicFrameChg chg="add mod ord replST">
-          <ac:chgData name="Selvyn Yovany Martinez Barahona" userId="3ccf779dc7355a40" providerId="LiveId" clId="{176DFD19-9071-4B24-AA88-5DC23F609659}" dt="2022-11-08T05:29:39.204" v="2808"/>
+        <pc:graphicFrameChg chg="add del mod ord replST">
+          <ac:chgData name="Selvyn Yovany Martinez Barahona" userId="3ccf779dc7355a40" providerId="LiveId" clId="{176DFD19-9071-4B24-AA88-5DC23F609659}" dt="2022-11-19T03:20:00.522" v="2960"/>
           <ac:graphicFrameMkLst>
             <pc:docMk/>
             <pc:sldMk cId="849266544" sldId="256"/>
             <ac:graphicFrameMk id="3" creationId="{D2E8DBCA-E70C-D175-5372-A226706F5712}"/>
           </ac:graphicFrameMkLst>
         </pc:graphicFrameChg>
+        <pc:graphicFrameChg chg="add del mod ord replST">
+          <ac:chgData name="Selvyn Yovany Martinez Barahona" userId="3ccf779dc7355a40" providerId="LiveId" clId="{176DFD19-9071-4B24-AA88-5DC23F609659}" dt="2022-11-19T03:20:05.389" v="3174"/>
+          <ac:graphicFrameMkLst>
+            <pc:docMk/>
+            <pc:sldMk cId="849266544" sldId="256"/>
+            <ac:graphicFrameMk id="4" creationId="{10278C6B-1D83-1D57-F46B-9D8A94D75795}"/>
+          </ac:graphicFrameMkLst>
+        </pc:graphicFrameChg>
+        <pc:graphicFrameChg chg="add del mod ord replST">
+          <ac:chgData name="Selvyn Yovany Martinez Barahona" userId="3ccf779dc7355a40" providerId="LiveId" clId="{176DFD19-9071-4B24-AA88-5DC23F609659}" dt="2022-11-19T03:20:08.433" v="3269"/>
+          <ac:graphicFrameMkLst>
+            <pc:docMk/>
+            <pc:sldMk cId="849266544" sldId="256"/>
+            <ac:graphicFrameMk id="6" creationId="{9E537AE7-5A24-85CD-A329-E58B7048CB73}"/>
+          </ac:graphicFrameMkLst>
+        </pc:graphicFrameChg>
+        <pc:graphicFrameChg chg="add del mod ord replST">
+          <ac:chgData name="Selvyn Yovany Martinez Barahona" userId="3ccf779dc7355a40" providerId="LiveId" clId="{176DFD19-9071-4B24-AA88-5DC23F609659}" dt="2022-11-19T03:20:08.475" v="3330"/>
+          <ac:graphicFrameMkLst>
+            <pc:docMk/>
+            <pc:sldMk cId="849266544" sldId="256"/>
+            <ac:graphicFrameMk id="7" creationId="{416E0771-0770-B183-47C7-0F2F7BFACA70}"/>
+          </ac:graphicFrameMkLst>
+        </pc:graphicFrameChg>
+        <pc:graphicFrameChg chg="add del mod ord replST">
+          <ac:chgData name="Selvyn Yovany Martinez Barahona" userId="3ccf779dc7355a40" providerId="LiveId" clId="{176DFD19-9071-4B24-AA88-5DC23F609659}" dt="2022-11-19T03:20:10.207" v="3419"/>
+          <ac:graphicFrameMkLst>
+            <pc:docMk/>
+            <pc:sldMk cId="849266544" sldId="256"/>
+            <ac:graphicFrameMk id="8" creationId="{7209EADE-AAA4-3A32-7350-67F4CDE6B1E2}"/>
+          </ac:graphicFrameMkLst>
+        </pc:graphicFrameChg>
         <pc:graphicFrameChg chg="mod">
-          <ac:chgData name="Selvyn Yovany Martinez Barahona" userId="3ccf779dc7355a40" providerId="LiveId" clId="{176DFD19-9071-4B24-AA88-5DC23F609659}" dt="2022-11-08T05:29:39.214" v="2838"/>
+          <ac:chgData name="Selvyn Yovany Martinez Barahona" userId="3ccf779dc7355a40" providerId="LiveId" clId="{176DFD19-9071-4B24-AA88-5DC23F609659}" dt="2022-11-19T03:27:19.622" v="8222"/>
           <ac:graphicFrameMkLst>
             <pc:docMk/>
             <pc:sldMk cId="849266544" sldId="256"/>
             <ac:graphicFrameMk id="9" creationId="{94F6DDB2-4988-6D60-A3BC-07C92A74F16B}"/>
+          </ac:graphicFrameMkLst>
+        </pc:graphicFrameChg>
+        <pc:graphicFrameChg chg="add del mod ord replST">
+          <ac:chgData name="Selvyn Yovany Martinez Barahona" userId="3ccf779dc7355a40" providerId="LiveId" clId="{176DFD19-9071-4B24-AA88-5DC23F609659}" dt="2022-11-19T03:20:10.239" v="3454"/>
+          <ac:graphicFrameMkLst>
+            <pc:docMk/>
+            <pc:sldMk cId="849266544" sldId="256"/>
+            <ac:graphicFrameMk id="10" creationId="{95CBBE71-0858-FFBC-2BB1-90AD6B346B72}"/>
+          </ac:graphicFrameMkLst>
+        </pc:graphicFrameChg>
+        <pc:graphicFrameChg chg="add del mod ord replST">
+          <ac:chgData name="Selvyn Yovany Martinez Barahona" userId="3ccf779dc7355a40" providerId="LiveId" clId="{176DFD19-9071-4B24-AA88-5DC23F609659}" dt="2022-11-19T03:20:14.190" v="3543"/>
+          <ac:graphicFrameMkLst>
+            <pc:docMk/>
+            <pc:sldMk cId="849266544" sldId="256"/>
+            <ac:graphicFrameMk id="11" creationId="{8B0767A3-C378-5577-EC7B-D3ACFEBAE88C}"/>
+          </ac:graphicFrameMkLst>
+        </pc:graphicFrameChg>
+        <pc:graphicFrameChg chg="add del mod ord replST">
+          <ac:chgData name="Selvyn Yovany Martinez Barahona" userId="3ccf779dc7355a40" providerId="LiveId" clId="{176DFD19-9071-4B24-AA88-5DC23F609659}" dt="2022-11-19T03:20:14.234" v="3604"/>
+          <ac:graphicFrameMkLst>
+            <pc:docMk/>
+            <pc:sldMk cId="849266544" sldId="256"/>
+            <ac:graphicFrameMk id="12" creationId="{92D3DA75-A56B-979B-31A0-5BA1BB3FFAAB}"/>
+          </ac:graphicFrameMkLst>
+        </pc:graphicFrameChg>
+        <pc:graphicFrameChg chg="add del mod ord replST">
+          <ac:chgData name="Selvyn Yovany Martinez Barahona" userId="3ccf779dc7355a40" providerId="LiveId" clId="{176DFD19-9071-4B24-AA88-5DC23F609659}" dt="2022-11-19T03:20:17.553" v="3693"/>
+          <ac:graphicFrameMkLst>
+            <pc:docMk/>
+            <pc:sldMk cId="849266544" sldId="256"/>
+            <ac:graphicFrameMk id="13" creationId="{964C4D50-A7E0-C433-5562-ED1EF614725E}"/>
+          </ac:graphicFrameMkLst>
+        </pc:graphicFrameChg>
+        <pc:graphicFrameChg chg="add del mod ord replST">
+          <ac:chgData name="Selvyn Yovany Martinez Barahona" userId="3ccf779dc7355a40" providerId="LiveId" clId="{176DFD19-9071-4B24-AA88-5DC23F609659}" dt="2022-11-19T03:20:17.593" v="3754"/>
+          <ac:graphicFrameMkLst>
+            <pc:docMk/>
+            <pc:sldMk cId="849266544" sldId="256"/>
+            <ac:graphicFrameMk id="14" creationId="{07F1C259-7432-4C18-E60E-ED298D628AA1}"/>
+          </ac:graphicFrameMkLst>
+        </pc:graphicFrameChg>
+        <pc:graphicFrameChg chg="add del mod ord replST">
+          <ac:chgData name="Selvyn Yovany Martinez Barahona" userId="3ccf779dc7355a40" providerId="LiveId" clId="{176DFD19-9071-4B24-AA88-5DC23F609659}" dt="2022-11-19T03:20:19.679" v="3843"/>
+          <ac:graphicFrameMkLst>
+            <pc:docMk/>
+            <pc:sldMk cId="849266544" sldId="256"/>
+            <ac:graphicFrameMk id="15" creationId="{4B57CAFC-7C43-BB84-C3C0-8B202DC8C136}"/>
+          </ac:graphicFrameMkLst>
+        </pc:graphicFrameChg>
+        <pc:graphicFrameChg chg="add del mod ord replST">
+          <ac:chgData name="Selvyn Yovany Martinez Barahona" userId="3ccf779dc7355a40" providerId="LiveId" clId="{176DFD19-9071-4B24-AA88-5DC23F609659}" dt="2022-11-19T03:20:19.727" v="3904"/>
+          <ac:graphicFrameMkLst>
+            <pc:docMk/>
+            <pc:sldMk cId="849266544" sldId="256"/>
+            <ac:graphicFrameMk id="16" creationId="{D534D00F-7FAF-80C8-7D90-1386AD7CBDC5}"/>
+          </ac:graphicFrameMkLst>
+        </pc:graphicFrameChg>
+        <pc:graphicFrameChg chg="add del mod ord replST">
+          <ac:chgData name="Selvyn Yovany Martinez Barahona" userId="3ccf779dc7355a40" providerId="LiveId" clId="{176DFD19-9071-4B24-AA88-5DC23F609659}" dt="2022-11-19T03:20:32.340" v="3993"/>
+          <ac:graphicFrameMkLst>
+            <pc:docMk/>
+            <pc:sldMk cId="849266544" sldId="256"/>
+            <ac:graphicFrameMk id="17" creationId="{49582835-FF71-4216-F7D6-44C9FCD96AF4}"/>
+          </ac:graphicFrameMkLst>
+        </pc:graphicFrameChg>
+        <pc:graphicFrameChg chg="add del mod ord replST">
+          <ac:chgData name="Selvyn Yovany Martinez Barahona" userId="3ccf779dc7355a40" providerId="LiveId" clId="{176DFD19-9071-4B24-AA88-5DC23F609659}" dt="2022-11-19T03:20:32.385" v="4058"/>
+          <ac:graphicFrameMkLst>
+            <pc:docMk/>
+            <pc:sldMk cId="849266544" sldId="256"/>
+            <ac:graphicFrameMk id="18" creationId="{D6E3F8EC-9E37-B119-7748-3E3A9BD034DE}"/>
+          </ac:graphicFrameMkLst>
+        </pc:graphicFrameChg>
+        <pc:graphicFrameChg chg="add del mod ord replST">
+          <ac:chgData name="Selvyn Yovany Martinez Barahona" userId="3ccf779dc7355a40" providerId="LiveId" clId="{176DFD19-9071-4B24-AA88-5DC23F609659}" dt="2022-11-19T03:20:44.418" v="4151"/>
+          <ac:graphicFrameMkLst>
+            <pc:docMk/>
+            <pc:sldMk cId="849266544" sldId="256"/>
+            <ac:graphicFrameMk id="19" creationId="{7E8EAAC4-1B6C-6BFC-3924-FD59C66EC602}"/>
+          </ac:graphicFrameMkLst>
+        </pc:graphicFrameChg>
+        <pc:graphicFrameChg chg="add del mod ord replST">
+          <ac:chgData name="Selvyn Yovany Martinez Barahona" userId="3ccf779dc7355a40" providerId="LiveId" clId="{176DFD19-9071-4B24-AA88-5DC23F609659}" dt="2022-11-19T03:20:44.454" v="4190"/>
+          <ac:graphicFrameMkLst>
+            <pc:docMk/>
+            <pc:sldMk cId="849266544" sldId="256"/>
+            <ac:graphicFrameMk id="20" creationId="{CA415FB2-8369-03FC-D916-3D07A06857CE}"/>
+          </ac:graphicFrameMkLst>
+        </pc:graphicFrameChg>
+        <pc:graphicFrameChg chg="add del mod ord replST">
+          <ac:chgData name="Selvyn Yovany Martinez Barahona" userId="3ccf779dc7355a40" providerId="LiveId" clId="{176DFD19-9071-4B24-AA88-5DC23F609659}" dt="2022-11-19T03:20:56.338" v="4401"/>
+          <ac:graphicFrameMkLst>
+            <pc:docMk/>
+            <pc:sldMk cId="849266544" sldId="256"/>
+            <ac:graphicFrameMk id="21" creationId="{910A2FC8-357C-C22A-0986-C82E28EC10E3}"/>
+          </ac:graphicFrameMkLst>
+        </pc:graphicFrameChg>
+        <pc:graphicFrameChg chg="add del mod ord replST">
+          <ac:chgData name="Selvyn Yovany Martinez Barahona" userId="3ccf779dc7355a40" providerId="LiveId" clId="{176DFD19-9071-4B24-AA88-5DC23F609659}" dt="2022-11-19T03:20:56.366" v="4418"/>
+          <ac:graphicFrameMkLst>
+            <pc:docMk/>
+            <pc:sldMk cId="849266544" sldId="256"/>
+            <ac:graphicFrameMk id="22" creationId="{E3DA1DF7-CC80-88B7-3C5B-DFE7A46990CF}"/>
+          </ac:graphicFrameMkLst>
+        </pc:graphicFrameChg>
+        <pc:graphicFrameChg chg="add del mod ord replST">
+          <ac:chgData name="Selvyn Yovany Martinez Barahona" userId="3ccf779dc7355a40" providerId="LiveId" clId="{176DFD19-9071-4B24-AA88-5DC23F609659}" dt="2022-11-19T03:20:59.608" v="4511"/>
+          <ac:graphicFrameMkLst>
+            <pc:docMk/>
+            <pc:sldMk cId="849266544" sldId="256"/>
+            <ac:graphicFrameMk id="23" creationId="{FAD68086-A7FC-6A9D-101B-43701C182804}"/>
+          </ac:graphicFrameMkLst>
+        </pc:graphicFrameChg>
+        <pc:graphicFrameChg chg="add del mod ord replST">
+          <ac:chgData name="Selvyn Yovany Martinez Barahona" userId="3ccf779dc7355a40" providerId="LiveId" clId="{176DFD19-9071-4B24-AA88-5DC23F609659}" dt="2022-11-19T03:20:59.633" v="4524"/>
+          <ac:graphicFrameMkLst>
+            <pc:docMk/>
+            <pc:sldMk cId="849266544" sldId="256"/>
+            <ac:graphicFrameMk id="24" creationId="{499739CB-30B2-A7B9-813E-510715478E1B}"/>
+          </ac:graphicFrameMkLst>
+        </pc:graphicFrameChg>
+        <pc:graphicFrameChg chg="add del mod ord replST">
+          <ac:chgData name="Selvyn Yovany Martinez Barahona" userId="3ccf779dc7355a40" providerId="LiveId" clId="{176DFD19-9071-4B24-AA88-5DC23F609659}" dt="2022-11-19T03:21:08.359" v="4611"/>
+          <ac:graphicFrameMkLst>
+            <pc:docMk/>
+            <pc:sldMk cId="849266544" sldId="256"/>
+            <ac:graphicFrameMk id="25" creationId="{E69633D2-86DD-40A5-B3DB-49D5B6940E02}"/>
+          </ac:graphicFrameMkLst>
+        </pc:graphicFrameChg>
+        <pc:graphicFrameChg chg="add del mod ord replST">
+          <ac:chgData name="Selvyn Yovany Martinez Barahona" userId="3ccf779dc7355a40" providerId="LiveId" clId="{176DFD19-9071-4B24-AA88-5DC23F609659}" dt="2022-11-19T03:21:08.384" v="4628"/>
+          <ac:graphicFrameMkLst>
+            <pc:docMk/>
+            <pc:sldMk cId="849266544" sldId="256"/>
+            <ac:graphicFrameMk id="26" creationId="{F73456C1-36A8-FB8D-424B-AE8FB6E672CD}"/>
+          </ac:graphicFrameMkLst>
+        </pc:graphicFrameChg>
+        <pc:graphicFrameChg chg="add del mod ord replST">
+          <ac:chgData name="Selvyn Yovany Martinez Barahona" userId="3ccf779dc7355a40" providerId="LiveId" clId="{176DFD19-9071-4B24-AA88-5DC23F609659}" dt="2022-11-19T03:21:14.253" v="4745"/>
+          <ac:graphicFrameMkLst>
+            <pc:docMk/>
+            <pc:sldMk cId="849266544" sldId="256"/>
+            <ac:graphicFrameMk id="27" creationId="{E1EF9030-A26C-AC12-B9A4-535491E47D0F}"/>
+          </ac:graphicFrameMkLst>
+        </pc:graphicFrameChg>
+        <pc:graphicFrameChg chg="add del mod ord replST">
+          <ac:chgData name="Selvyn Yovany Martinez Barahona" userId="3ccf779dc7355a40" providerId="LiveId" clId="{176DFD19-9071-4B24-AA88-5DC23F609659}" dt="2022-11-19T03:21:14.288" v="4800"/>
+          <ac:graphicFrameMkLst>
+            <pc:docMk/>
+            <pc:sldMk cId="849266544" sldId="256"/>
+            <ac:graphicFrameMk id="28" creationId="{827BA7AA-2938-AE51-B475-A5D635E30790}"/>
+          </ac:graphicFrameMkLst>
+        </pc:graphicFrameChg>
+        <pc:graphicFrameChg chg="add del mod ord replST">
+          <ac:chgData name="Selvyn Yovany Martinez Barahona" userId="3ccf779dc7355a40" providerId="LiveId" clId="{176DFD19-9071-4B24-AA88-5DC23F609659}" dt="2022-11-19T03:21:22.671" v="4893"/>
+          <ac:graphicFrameMkLst>
+            <pc:docMk/>
+            <pc:sldMk cId="849266544" sldId="256"/>
+            <ac:graphicFrameMk id="29" creationId="{66E469EE-0A39-FA51-AD4F-0268E0665117}"/>
+          </ac:graphicFrameMkLst>
+        </pc:graphicFrameChg>
+        <pc:graphicFrameChg chg="add del mod ord replST">
+          <ac:chgData name="Selvyn Yovany Martinez Barahona" userId="3ccf779dc7355a40" providerId="LiveId" clId="{176DFD19-9071-4B24-AA88-5DC23F609659}" dt="2022-11-19T03:21:22.694" v="4906"/>
+          <ac:graphicFrameMkLst>
+            <pc:docMk/>
+            <pc:sldMk cId="849266544" sldId="256"/>
+            <ac:graphicFrameMk id="30" creationId="{C48CD50D-C055-453E-F5E2-861781AB6C39}"/>
+          </ac:graphicFrameMkLst>
+        </pc:graphicFrameChg>
+        <pc:graphicFrameChg chg="add del mod ord replST">
+          <ac:chgData name="Selvyn Yovany Martinez Barahona" userId="3ccf779dc7355a40" providerId="LiveId" clId="{176DFD19-9071-4B24-AA88-5DC23F609659}" dt="2022-11-19T03:25:00.010" v="5019"/>
+          <ac:graphicFrameMkLst>
+            <pc:docMk/>
+            <pc:sldMk cId="849266544" sldId="256"/>
+            <ac:graphicFrameMk id="31" creationId="{02EF4456-ED62-AF2F-9752-E4E82B83B089}"/>
+          </ac:graphicFrameMkLst>
+        </pc:graphicFrameChg>
+        <pc:graphicFrameChg chg="add del mod ord replST">
+          <ac:chgData name="Selvyn Yovany Martinez Barahona" userId="3ccf779dc7355a40" providerId="LiveId" clId="{176DFD19-9071-4B24-AA88-5DC23F609659}" dt="2022-11-19T03:25:00.053" v="5076"/>
+          <ac:graphicFrameMkLst>
+            <pc:docMk/>
+            <pc:sldMk cId="849266544" sldId="256"/>
+            <ac:graphicFrameMk id="32" creationId="{D5B01CAB-F785-15DD-C548-A37922663161}"/>
+          </ac:graphicFrameMkLst>
+        </pc:graphicFrameChg>
+        <pc:graphicFrameChg chg="add del mod ord replST">
+          <ac:chgData name="Selvyn Yovany Martinez Barahona" userId="3ccf779dc7355a40" providerId="LiveId" clId="{176DFD19-9071-4B24-AA88-5DC23F609659}" dt="2022-11-19T03:25:04.862" v="5167"/>
+          <ac:graphicFrameMkLst>
+            <pc:docMk/>
+            <pc:sldMk cId="849266544" sldId="256"/>
+            <ac:graphicFrameMk id="33" creationId="{A95C019E-7EF8-AD8E-4F74-62DC33BE8AA4}"/>
+          </ac:graphicFrameMkLst>
+        </pc:graphicFrameChg>
+        <pc:graphicFrameChg chg="add del mod ord replST">
+          <ac:chgData name="Selvyn Yovany Martinez Barahona" userId="3ccf779dc7355a40" providerId="LiveId" clId="{176DFD19-9071-4B24-AA88-5DC23F609659}" dt="2022-11-19T03:25:04.894" v="5200"/>
+          <ac:graphicFrameMkLst>
+            <pc:docMk/>
+            <pc:sldMk cId="849266544" sldId="256"/>
+            <ac:graphicFrameMk id="34" creationId="{0DBA75F6-EFAC-1D0D-C421-7DAA3328D82E}"/>
+          </ac:graphicFrameMkLst>
+        </pc:graphicFrameChg>
+        <pc:graphicFrameChg chg="add del mod ord replST">
+          <ac:chgData name="Selvyn Yovany Martinez Barahona" userId="3ccf779dc7355a40" providerId="LiveId" clId="{176DFD19-9071-4B24-AA88-5DC23F609659}" dt="2022-11-19T03:25:08.431" v="5291"/>
+          <ac:graphicFrameMkLst>
+            <pc:docMk/>
+            <pc:sldMk cId="849266544" sldId="256"/>
+            <ac:graphicFrameMk id="35" creationId="{B8F0B766-2611-0A62-AB06-13071C4F6013}"/>
+          </ac:graphicFrameMkLst>
+        </pc:graphicFrameChg>
+        <pc:graphicFrameChg chg="add del mod ord replST">
+          <ac:chgData name="Selvyn Yovany Martinez Barahona" userId="3ccf779dc7355a40" providerId="LiveId" clId="{176DFD19-9071-4B24-AA88-5DC23F609659}" dt="2022-11-19T03:25:08.464" v="5328"/>
+          <ac:graphicFrameMkLst>
+            <pc:docMk/>
+            <pc:sldMk cId="849266544" sldId="256"/>
+            <ac:graphicFrameMk id="36" creationId="{4A6CD39E-5F3A-0D5C-8CA9-01E05D398656}"/>
+          </ac:graphicFrameMkLst>
+        </pc:graphicFrameChg>
+        <pc:graphicFrameChg chg="add del mod ord replST">
+          <ac:chgData name="Selvyn Yovany Martinez Barahona" userId="3ccf779dc7355a40" providerId="LiveId" clId="{176DFD19-9071-4B24-AA88-5DC23F609659}" dt="2022-11-19T03:25:10.067" v="5421"/>
+          <ac:graphicFrameMkLst>
+            <pc:docMk/>
+            <pc:sldMk cId="849266544" sldId="256"/>
+            <ac:graphicFrameMk id="37" creationId="{7AEC5B8F-C055-12E5-EB0C-5E6A7CE1B19F}"/>
+          </ac:graphicFrameMkLst>
+        </pc:graphicFrameChg>
+        <pc:graphicFrameChg chg="add del mod ord replST">
+          <ac:chgData name="Selvyn Yovany Martinez Barahona" userId="3ccf779dc7355a40" providerId="LiveId" clId="{176DFD19-9071-4B24-AA88-5DC23F609659}" dt="2022-11-19T03:25:10.101" v="5458"/>
+          <ac:graphicFrameMkLst>
+            <pc:docMk/>
+            <pc:sldMk cId="849266544" sldId="256"/>
+            <ac:graphicFrameMk id="38" creationId="{B951F857-80EE-2D8D-DC48-50BA9FB5F957}"/>
+          </ac:graphicFrameMkLst>
+        </pc:graphicFrameChg>
+        <pc:graphicFrameChg chg="add del mod ord replST">
+          <ac:chgData name="Selvyn Yovany Martinez Barahona" userId="3ccf779dc7355a40" providerId="LiveId" clId="{176DFD19-9071-4B24-AA88-5DC23F609659}" dt="2022-11-19T03:25:12.967" v="5551"/>
+          <ac:graphicFrameMkLst>
+            <pc:docMk/>
+            <pc:sldMk cId="849266544" sldId="256"/>
+            <ac:graphicFrameMk id="39" creationId="{3ABAF718-F084-7B7E-1E77-3FCC074D40C0}"/>
+          </ac:graphicFrameMkLst>
+        </pc:graphicFrameChg>
+        <pc:graphicFrameChg chg="add del mod ord replST">
+          <ac:chgData name="Selvyn Yovany Martinez Barahona" userId="3ccf779dc7355a40" providerId="LiveId" clId="{176DFD19-9071-4B24-AA88-5DC23F609659}" dt="2022-11-19T03:25:13.015" v="5614"/>
+          <ac:graphicFrameMkLst>
+            <pc:docMk/>
+            <pc:sldMk cId="849266544" sldId="256"/>
+            <ac:graphicFrameMk id="40" creationId="{17913FCB-5911-33E6-3964-FF11F03E9297}"/>
+          </ac:graphicFrameMkLst>
+        </pc:graphicFrameChg>
+        <pc:graphicFrameChg chg="add del mod ord replST">
+          <ac:chgData name="Selvyn Yovany Martinez Barahona" userId="3ccf779dc7355a40" providerId="LiveId" clId="{176DFD19-9071-4B24-AA88-5DC23F609659}" dt="2022-11-19T03:25:14.554" v="5707"/>
+          <ac:graphicFrameMkLst>
+            <pc:docMk/>
+            <pc:sldMk cId="849266544" sldId="256"/>
+            <ac:graphicFrameMk id="41" creationId="{611A52EA-4C20-B889-B1C7-71DEB4ADD9A6}"/>
+          </ac:graphicFrameMkLst>
+        </pc:graphicFrameChg>
+        <pc:graphicFrameChg chg="add del mod ord replST">
+          <ac:chgData name="Selvyn Yovany Martinez Barahona" userId="3ccf779dc7355a40" providerId="LiveId" clId="{176DFD19-9071-4B24-AA88-5DC23F609659}" dt="2022-11-19T03:25:14.602" v="5770"/>
+          <ac:graphicFrameMkLst>
+            <pc:docMk/>
+            <pc:sldMk cId="849266544" sldId="256"/>
+            <ac:graphicFrameMk id="42" creationId="{23BF523D-ACE5-2C6C-B898-B7ED54ABC1EE}"/>
+          </ac:graphicFrameMkLst>
+        </pc:graphicFrameChg>
+        <pc:graphicFrameChg chg="add del mod ord replST">
+          <ac:chgData name="Selvyn Yovany Martinez Barahona" userId="3ccf779dc7355a40" providerId="LiveId" clId="{176DFD19-9071-4B24-AA88-5DC23F609659}" dt="2022-11-19T03:25:16.894" v="5863"/>
+          <ac:graphicFrameMkLst>
+            <pc:docMk/>
+            <pc:sldMk cId="849266544" sldId="256"/>
+            <ac:graphicFrameMk id="43" creationId="{6AA2F400-F146-A6CB-74D1-86383F4E8495}"/>
+          </ac:graphicFrameMkLst>
+        </pc:graphicFrameChg>
+        <pc:graphicFrameChg chg="add del mod ord replST">
+          <ac:chgData name="Selvyn Yovany Martinez Barahona" userId="3ccf779dc7355a40" providerId="LiveId" clId="{176DFD19-9071-4B24-AA88-5DC23F609659}" dt="2022-11-19T03:25:16.923" v="5896"/>
+          <ac:graphicFrameMkLst>
+            <pc:docMk/>
+            <pc:sldMk cId="849266544" sldId="256"/>
+            <ac:graphicFrameMk id="44" creationId="{7555B252-5EF8-1282-458E-B9A5D0BE6A86}"/>
+          </ac:graphicFrameMkLst>
+        </pc:graphicFrameChg>
+        <pc:graphicFrameChg chg="add del mod ord replST">
+          <ac:chgData name="Selvyn Yovany Martinez Barahona" userId="3ccf779dc7355a40" providerId="LiveId" clId="{176DFD19-9071-4B24-AA88-5DC23F609659}" dt="2022-11-19T03:25:19.225" v="5987"/>
+          <ac:graphicFrameMkLst>
+            <pc:docMk/>
+            <pc:sldMk cId="849266544" sldId="256"/>
+            <ac:graphicFrameMk id="45" creationId="{27A4A471-5649-28EB-433C-0D1A7ED06D2B}"/>
+          </ac:graphicFrameMkLst>
+        </pc:graphicFrameChg>
+        <pc:graphicFrameChg chg="add del mod ord replST">
+          <ac:chgData name="Selvyn Yovany Martinez Barahona" userId="3ccf779dc7355a40" providerId="LiveId" clId="{176DFD19-9071-4B24-AA88-5DC23F609659}" dt="2022-11-19T03:25:19.254" v="6020"/>
+          <ac:graphicFrameMkLst>
+            <pc:docMk/>
+            <pc:sldMk cId="849266544" sldId="256"/>
+            <ac:graphicFrameMk id="46" creationId="{739A2F37-3CCF-97A1-C119-755F39607E82}"/>
+          </ac:graphicFrameMkLst>
+        </pc:graphicFrameChg>
+        <pc:graphicFrameChg chg="add del mod ord replST">
+          <ac:chgData name="Selvyn Yovany Martinez Barahona" userId="3ccf779dc7355a40" providerId="LiveId" clId="{176DFD19-9071-4B24-AA88-5DC23F609659}" dt="2022-11-19T03:25:32.634" v="6149"/>
+          <ac:graphicFrameMkLst>
+            <pc:docMk/>
+            <pc:sldMk cId="849266544" sldId="256"/>
+            <ac:graphicFrameMk id="47" creationId="{8ACEEAFB-869D-B827-46F3-E254D4F53CBC}"/>
+          </ac:graphicFrameMkLst>
+        </pc:graphicFrameChg>
+        <pc:graphicFrameChg chg="add del mod ord replST">
+          <ac:chgData name="Selvyn Yovany Martinez Barahona" userId="3ccf779dc7355a40" providerId="LiveId" clId="{176DFD19-9071-4B24-AA88-5DC23F609659}" dt="2022-11-19T03:25:32.658" v="6164"/>
+          <ac:graphicFrameMkLst>
+            <pc:docMk/>
+            <pc:sldMk cId="849266544" sldId="256"/>
+            <ac:graphicFrameMk id="48" creationId="{6F0DCCB7-1866-8481-9202-2BB522C5D15D}"/>
+          </ac:graphicFrameMkLst>
+        </pc:graphicFrameChg>
+        <pc:graphicFrameChg chg="add del mod ord replST">
+          <ac:chgData name="Selvyn Yovany Martinez Barahona" userId="3ccf779dc7355a40" providerId="LiveId" clId="{176DFD19-9071-4B24-AA88-5DC23F609659}" dt="2022-11-19T03:25:47.212" v="6300"/>
+          <ac:graphicFrameMkLst>
+            <pc:docMk/>
+            <pc:sldMk cId="849266544" sldId="256"/>
+            <ac:graphicFrameMk id="49" creationId="{8D1D6577-21A2-FC61-BDA9-44919FE67F00}"/>
+          </ac:graphicFrameMkLst>
+        </pc:graphicFrameChg>
+        <pc:graphicFrameChg chg="add del mod ord replST">
+          <ac:chgData name="Selvyn Yovany Martinez Barahona" userId="3ccf779dc7355a40" providerId="LiveId" clId="{176DFD19-9071-4B24-AA88-5DC23F609659}" dt="2022-11-19T03:25:47.237" v="6313"/>
+          <ac:graphicFrameMkLst>
+            <pc:docMk/>
+            <pc:sldMk cId="849266544" sldId="256"/>
+            <ac:graphicFrameMk id="50" creationId="{6612326E-FAF0-5488-064E-D83ABF6675F0}"/>
+          </ac:graphicFrameMkLst>
+        </pc:graphicFrameChg>
+        <pc:graphicFrameChg chg="add del mod ord replST">
+          <ac:chgData name="Selvyn Yovany Martinez Barahona" userId="3ccf779dc7355a40" providerId="LiveId" clId="{176DFD19-9071-4B24-AA88-5DC23F609659}" dt="2022-11-19T03:26:40.635" v="7387"/>
+          <ac:graphicFrameMkLst>
+            <pc:docMk/>
+            <pc:sldMk cId="849266544" sldId="256"/>
+            <ac:graphicFrameMk id="51" creationId="{E553924D-7DA8-15C0-529A-E315771DBE66}"/>
+          </ac:graphicFrameMkLst>
+        </pc:graphicFrameChg>
+        <pc:graphicFrameChg chg="add del mod ord replST">
+          <ac:chgData name="Selvyn Yovany Martinez Barahona" userId="3ccf779dc7355a40" providerId="LiveId" clId="{176DFD19-9071-4B24-AA88-5DC23F609659}" dt="2022-11-19T03:26:40.720" v="7438"/>
+          <ac:graphicFrameMkLst>
+            <pc:docMk/>
+            <pc:sldMk cId="849266544" sldId="256"/>
+            <ac:graphicFrameMk id="52" creationId="{D8784020-BF09-EC5E-43F7-D2A70B7B876F}"/>
+          </ac:graphicFrameMkLst>
+        </pc:graphicFrameChg>
+        <pc:graphicFrameChg chg="add del mod ord replST delST">
+          <ac:chgData name="Selvyn Yovany Martinez Barahona" userId="3ccf779dc7355a40" providerId="LiveId" clId="{176DFD19-9071-4B24-AA88-5DC23F609659}" dt="2022-11-19T03:26:14.359" v="6762"/>
+          <ac:graphicFrameMkLst>
+            <pc:docMk/>
+            <pc:sldMk cId="849266544" sldId="256"/>
+            <ac:graphicFrameMk id="53" creationId="{D82F98DD-E9B8-8AC8-AF5C-EA1CFAF0EA5D}"/>
+          </ac:graphicFrameMkLst>
+        </pc:graphicFrameChg>
+        <pc:graphicFrameChg chg="add del mod ord replST delST">
+          <ac:chgData name="Selvyn Yovany Martinez Barahona" userId="3ccf779dc7355a40" providerId="LiveId" clId="{176DFD19-9071-4B24-AA88-5DC23F609659}" dt="2022-11-19T03:26:14.359" v="6762"/>
+          <ac:graphicFrameMkLst>
+            <pc:docMk/>
+            <pc:sldMk cId="849266544" sldId="256"/>
+            <ac:graphicFrameMk id="54" creationId="{BC7E3DC2-758F-98E2-66F7-DA95C7B1F357}"/>
+          </ac:graphicFrameMkLst>
+        </pc:graphicFrameChg>
+        <pc:graphicFrameChg chg="add mod ord replST delST">
+          <ac:chgData name="Selvyn Yovany Martinez Barahona" userId="3ccf779dc7355a40" providerId="LiveId" clId="{176DFD19-9071-4B24-AA88-5DC23F609659}" dt="2022-11-19T03:26:13.495" v="6711"/>
+          <ac:graphicFrameMkLst>
+            <pc:docMk/>
+            <pc:sldMk cId="849266544" sldId="256"/>
+            <ac:graphicFrameMk id="55" creationId="{EB49AA64-62AC-B6D1-191A-B2994478409C}"/>
+          </ac:graphicFrameMkLst>
+        </pc:graphicFrameChg>
+        <pc:graphicFrameChg chg="add mod ord replST delST">
+          <ac:chgData name="Selvyn Yovany Martinez Barahona" userId="3ccf779dc7355a40" providerId="LiveId" clId="{176DFD19-9071-4B24-AA88-5DC23F609659}" dt="2022-11-19T03:26:13.495" v="6711"/>
+          <ac:graphicFrameMkLst>
+            <pc:docMk/>
+            <pc:sldMk cId="849266544" sldId="256"/>
+            <ac:graphicFrameMk id="56" creationId="{859BF745-175C-C2D7-0510-20DD329CA736}"/>
+          </ac:graphicFrameMkLst>
+        </pc:graphicFrameChg>
+        <pc:graphicFrameChg chg="add mod ord replST delST">
+          <ac:chgData name="Selvyn Yovany Martinez Barahona" userId="3ccf779dc7355a40" providerId="LiveId" clId="{176DFD19-9071-4B24-AA88-5DC23F609659}" dt="2022-11-19T03:26:25.617" v="7224"/>
+          <ac:graphicFrameMkLst>
+            <pc:docMk/>
+            <pc:sldMk cId="849266544" sldId="256"/>
+            <ac:graphicFrameMk id="59" creationId="{D0A59F42-3243-25BC-6BD1-561FFB2BDBD9}"/>
+          </ac:graphicFrameMkLst>
+        </pc:graphicFrameChg>
+        <pc:graphicFrameChg chg="add mod ord replST delST">
+          <ac:chgData name="Selvyn Yovany Martinez Barahona" userId="3ccf779dc7355a40" providerId="LiveId" clId="{176DFD19-9071-4B24-AA88-5DC23F609659}" dt="2022-11-19T03:26:25.617" v="7224"/>
+          <ac:graphicFrameMkLst>
+            <pc:docMk/>
+            <pc:sldMk cId="849266544" sldId="256"/>
+            <ac:graphicFrameMk id="60" creationId="{C688A959-3172-3AB2-EFEE-E62986C46ABA}"/>
+          </ac:graphicFrameMkLst>
+        </pc:graphicFrameChg>
+        <pc:graphicFrameChg chg="add del mod ord replST">
+          <ac:chgData name="Selvyn Yovany Martinez Barahona" userId="3ccf779dc7355a40" providerId="LiveId" clId="{176DFD19-9071-4B24-AA88-5DC23F609659}" dt="2022-11-19T03:26:42.326" v="7532"/>
+          <ac:graphicFrameMkLst>
+            <pc:docMk/>
+            <pc:sldMk cId="849266544" sldId="256"/>
+            <ac:graphicFrameMk id="63" creationId="{1BEC7C37-833F-964E-FF43-1C088BF9E3D8}"/>
           </ac:graphicFrameMkLst>
         </pc:graphicFrameChg>
         <pc:graphicFrameChg chg="del">
@@ -611,6 +1091,22 @@
           </ac:graphicFrameMkLst>
         </pc:graphicFrameChg>
         <pc:graphicFrameChg chg="add del mod ord replST">
+          <ac:chgData name="Selvyn Yovany Martinez Barahona" userId="3ccf779dc7355a40" providerId="LiveId" clId="{176DFD19-9071-4B24-AA88-5DC23F609659}" dt="2022-11-19T03:26:42.353" v="7545"/>
+          <ac:graphicFrameMkLst>
+            <pc:docMk/>
+            <pc:sldMk cId="849266544" sldId="256"/>
+            <ac:graphicFrameMk id="448" creationId="{36989CB9-BC05-9169-6B55-F1B2F8C8F6C9}"/>
+          </ac:graphicFrameMkLst>
+        </pc:graphicFrameChg>
+        <pc:graphicFrameChg chg="add del mod ord replST">
+          <ac:chgData name="Selvyn Yovany Martinez Barahona" userId="3ccf779dc7355a40" providerId="LiveId" clId="{176DFD19-9071-4B24-AA88-5DC23F609659}" dt="2022-11-19T03:26:47.084" v="7635"/>
+          <ac:graphicFrameMkLst>
+            <pc:docMk/>
+            <pc:sldMk cId="849266544" sldId="256"/>
+            <ac:graphicFrameMk id="449" creationId="{087353B7-D309-CA92-A7DE-E3B126004DBC}"/>
+          </ac:graphicFrameMkLst>
+        </pc:graphicFrameChg>
+        <pc:graphicFrameChg chg="add del mod ord replST">
           <ac:chgData name="Selvyn Yovany Martinez Barahona" userId="3ccf779dc7355a40" providerId="LiveId" clId="{176DFD19-9071-4B24-AA88-5DC23F609659}" dt="2022-11-08T00:30:44.639" v="1202"/>
           <ac:graphicFrameMkLst>
             <pc:docMk/>
@@ -627,11 +1123,43 @@
           </ac:graphicFrameMkLst>
         </pc:graphicFrameChg>
         <pc:graphicFrameChg chg="add del mod ord replST">
+          <ac:chgData name="Selvyn Yovany Martinez Barahona" userId="3ccf779dc7355a40" providerId="LiveId" clId="{176DFD19-9071-4B24-AA88-5DC23F609659}" dt="2022-11-19T03:26:47.127" v="7688"/>
+          <ac:graphicFrameMkLst>
+            <pc:docMk/>
+            <pc:sldMk cId="849266544" sldId="256"/>
+            <ac:graphicFrameMk id="450" creationId="{90205274-D1BE-44EB-99B3-3D37E68FA1D2}"/>
+          </ac:graphicFrameMkLst>
+        </pc:graphicFrameChg>
+        <pc:graphicFrameChg chg="add del mod ord replST">
+          <ac:chgData name="Selvyn Yovany Martinez Barahona" userId="3ccf779dc7355a40" providerId="LiveId" clId="{176DFD19-9071-4B24-AA88-5DC23F609659}" dt="2022-11-19T03:26:55.182" v="7777"/>
+          <ac:graphicFrameMkLst>
+            <pc:docMk/>
+            <pc:sldMk cId="849266544" sldId="256"/>
+            <ac:graphicFrameMk id="451" creationId="{176E0BB6-0507-7147-9F4E-B033527BBD41}"/>
+          </ac:graphicFrameMkLst>
+        </pc:graphicFrameChg>
+        <pc:graphicFrameChg chg="add del mod ord replST">
+          <ac:chgData name="Selvyn Yovany Martinez Barahona" userId="3ccf779dc7355a40" providerId="LiveId" clId="{176DFD19-9071-4B24-AA88-5DC23F609659}" dt="2022-11-19T03:26:55.212" v="7794"/>
+          <ac:graphicFrameMkLst>
+            <pc:docMk/>
+            <pc:sldMk cId="849266544" sldId="256"/>
+            <ac:graphicFrameMk id="452" creationId="{1FCFA108-8B04-E534-7C47-9C23C9ED2667}"/>
+          </ac:graphicFrameMkLst>
+        </pc:graphicFrameChg>
+        <pc:graphicFrameChg chg="add del mod ord replST">
           <ac:chgData name="Selvyn Yovany Martinez Barahona" userId="3ccf779dc7355a40" providerId="LiveId" clId="{176DFD19-9071-4B24-AA88-5DC23F609659}" dt="2022-11-08T00:30:37.632" v="529"/>
           <ac:graphicFrameMkLst>
             <pc:docMk/>
             <pc:sldMk cId="849266544" sldId="256"/>
             <ac:graphicFrameMk id="452" creationId="{7F3FF725-2A47-BE20-1B08-92318A058139}"/>
+          </ac:graphicFrameMkLst>
+        </pc:graphicFrameChg>
+        <pc:graphicFrameChg chg="add del mod ord replST">
+          <ac:chgData name="Selvyn Yovany Martinez Barahona" userId="3ccf779dc7355a40" providerId="LiveId" clId="{176DFD19-9071-4B24-AA88-5DC23F609659}" dt="2022-11-19T03:27:02.058" v="7885"/>
+          <ac:graphicFrameMkLst>
+            <pc:docMk/>
+            <pc:sldMk cId="849266544" sldId="256"/>
+            <ac:graphicFrameMk id="453" creationId="{16115563-F5DE-CB1D-60AF-AD5A5D597A1E}"/>
           </ac:graphicFrameMkLst>
         </pc:graphicFrameChg>
         <pc:graphicFrameChg chg="add del mod ord replST">
@@ -643,6 +1171,14 @@
           </ac:graphicFrameMkLst>
         </pc:graphicFrameChg>
         <pc:graphicFrameChg chg="add del mod ord replST">
+          <ac:chgData name="Selvyn Yovany Martinez Barahona" userId="3ccf779dc7355a40" providerId="LiveId" clId="{176DFD19-9071-4B24-AA88-5DC23F609659}" dt="2022-11-19T03:27:02.087" v="7902"/>
+          <ac:graphicFrameMkLst>
+            <pc:docMk/>
+            <pc:sldMk cId="849266544" sldId="256"/>
+            <ac:graphicFrameMk id="454" creationId="{F3E053AE-71C5-A8B0-2C5D-189B0197D6FC}"/>
+          </ac:graphicFrameMkLst>
+        </pc:graphicFrameChg>
+        <pc:graphicFrameChg chg="add del mod ord replST">
           <ac:chgData name="Selvyn Yovany Martinez Barahona" userId="3ccf779dc7355a40" providerId="LiveId" clId="{176DFD19-9071-4B24-AA88-5DC23F609659}" dt="2022-11-08T00:30:44.627" v="1187"/>
           <ac:graphicFrameMkLst>
             <pc:docMk/>
@@ -651,7 +1187,23 @@
           </ac:graphicFrameMkLst>
         </pc:graphicFrameChg>
         <pc:graphicFrameChg chg="add del mod ord replST">
-          <ac:chgData name="Selvyn Yovany Martinez Barahona" userId="3ccf779dc7355a40" providerId="LiveId" clId="{176DFD19-9071-4B24-AA88-5DC23F609659}" dt="2022-11-08T05:29:39.198" v="2778"/>
+          <ac:chgData name="Selvyn Yovany Martinez Barahona" userId="3ccf779dc7355a40" providerId="LiveId" clId="{176DFD19-9071-4B24-AA88-5DC23F609659}" dt="2022-11-19T03:27:07.614" v="7991"/>
+          <ac:graphicFrameMkLst>
+            <pc:docMk/>
+            <pc:sldMk cId="849266544" sldId="256"/>
+            <ac:graphicFrameMk id="455" creationId="{A43D170B-85CA-D239-A40E-128C5E53E024}"/>
+          </ac:graphicFrameMkLst>
+        </pc:graphicFrameChg>
+        <pc:graphicFrameChg chg="add del mod ord replST">
+          <ac:chgData name="Selvyn Yovany Martinez Barahona" userId="3ccf779dc7355a40" providerId="LiveId" clId="{176DFD19-9071-4B24-AA88-5DC23F609659}" dt="2022-11-19T03:27:07.642" v="8008"/>
+          <ac:graphicFrameMkLst>
+            <pc:docMk/>
+            <pc:sldMk cId="849266544" sldId="256"/>
+            <ac:graphicFrameMk id="456" creationId="{688040C7-8ABC-180B-4585-5FD5B8F8CA84}"/>
+          </ac:graphicFrameMkLst>
+        </pc:graphicFrameChg>
+        <pc:graphicFrameChg chg="add del mod ord replST">
+          <ac:chgData name="Selvyn Yovany Martinez Barahona" userId="3ccf779dc7355a40" providerId="LiveId" clId="{176DFD19-9071-4B24-AA88-5DC23F609659}" dt="2022-11-19T03:20:05.333" v="3109"/>
           <ac:graphicFrameMkLst>
             <pc:docMk/>
             <pc:sldMk cId="849266544" sldId="256"/>
@@ -666,12 +1218,44 @@
             <ac:graphicFrameMk id="463" creationId="{3A984127-996E-BA42-FDDD-4539A83BB14B}"/>
           </ac:graphicFrameMkLst>
         </pc:graphicFrameChg>
+        <pc:graphicFrameChg chg="add del mod ord replST">
+          <ac:chgData name="Selvyn Yovany Martinez Barahona" userId="3ccf779dc7355a40" providerId="LiveId" clId="{176DFD19-9071-4B24-AA88-5DC23F609659}" dt="2022-11-19T03:27:16.937" v="8099"/>
+          <ac:graphicFrameMkLst>
+            <pc:docMk/>
+            <pc:sldMk cId="849266544" sldId="256"/>
+            <ac:graphicFrameMk id="463" creationId="{3C7AE72C-4023-2E6E-A9F7-C1F225E365BD}"/>
+          </ac:graphicFrameMkLst>
+        </pc:graphicFrameChg>
+        <pc:graphicFrameChg chg="add del mod ord replST">
+          <ac:chgData name="Selvyn Yovany Martinez Barahona" userId="3ccf779dc7355a40" providerId="LiveId" clId="{176DFD19-9071-4B24-AA88-5DC23F609659}" dt="2022-11-19T03:27:16.966" v="8112"/>
+          <ac:graphicFrameMkLst>
+            <pc:docMk/>
+            <pc:sldMk cId="849266544" sldId="256"/>
+            <ac:graphicFrameMk id="464" creationId="{4FED833C-C698-F701-A34D-CD78B9EA7FCB}"/>
+          </ac:graphicFrameMkLst>
+        </pc:graphicFrameChg>
         <pc:graphicFrameChg chg="add del mod ord replST delST">
           <ac:chgData name="Selvyn Yovany Martinez Barahona" userId="3ccf779dc7355a40" providerId="LiveId" clId="{176DFD19-9071-4B24-AA88-5DC23F609659}" dt="2022-11-08T00:33:47.002" v="2499" actId="1076"/>
           <ac:graphicFrameMkLst>
             <pc:docMk/>
             <pc:sldMk cId="849266544" sldId="256"/>
             <ac:graphicFrameMk id="465" creationId="{E80F7508-93FE-C19F-C6AE-87DE146340DC}"/>
+          </ac:graphicFrameMkLst>
+        </pc:graphicFrameChg>
+        <pc:graphicFrameChg chg="add mod ord replST">
+          <ac:chgData name="Selvyn Yovany Martinez Barahona" userId="3ccf779dc7355a40" providerId="LiveId" clId="{176DFD19-9071-4B24-AA88-5DC23F609659}" dt="2022-11-19T03:27:16.994" v="8146"/>
+          <ac:graphicFrameMkLst>
+            <pc:docMk/>
+            <pc:sldMk cId="849266544" sldId="256"/>
+            <ac:graphicFrameMk id="465" creationId="{F65BFDD9-B94A-5DF0-B040-89637F8D1BD7}"/>
+          </ac:graphicFrameMkLst>
+        </pc:graphicFrameChg>
+        <pc:graphicFrameChg chg="add mod ord replST">
+          <ac:chgData name="Selvyn Yovany Martinez Barahona" userId="3ccf779dc7355a40" providerId="LiveId" clId="{176DFD19-9071-4B24-AA88-5DC23F609659}" dt="2022-11-19T03:27:17.005" v="8176"/>
+          <ac:graphicFrameMkLst>
+            <pc:docMk/>
+            <pc:sldMk cId="849266544" sldId="256"/>
+            <ac:graphicFrameMk id="466" creationId="{3E3198C3-C4F8-578B-8084-83A2A65F0F82}"/>
           </ac:graphicFrameMkLst>
         </pc:graphicFrameChg>
         <pc:graphicFrameChg chg="add mod ord replST delST">
@@ -773,7 +1357,7 @@
             </c:spPr>
             <c:extLst>
               <c:ext xmlns:c16="http://schemas.microsoft.com/office/drawing/2014/chart" uri="{C3380CC4-5D6E-409C-BE32-E72D297353CC}">
-                <c16:uniqueId val="{00000000-26CD-48A0-83D0-4F2AED668977}"/>
+                <c16:uniqueId val="{00000000-62C2-42CB-800E-4BB1DAD5CFE7}"/>
               </c:ext>
             </c:extLst>
           </c:dPt>
@@ -790,7 +1374,7 @@
             </c:spPr>
             <c:extLst>
               <c:ext xmlns:c16="http://schemas.microsoft.com/office/drawing/2014/chart" uri="{C3380CC4-5D6E-409C-BE32-E72D297353CC}">
-                <c16:uniqueId val="{00000001-26CD-48A0-83D0-4F2AED668977}"/>
+                <c16:uniqueId val="{00000001-62C2-42CB-800E-4BB1DAD5CFE7}"/>
               </c:ext>
             </c:extLst>
           </c:dPt>
@@ -807,7 +1391,7 @@
             </c:spPr>
             <c:extLst>
               <c:ext xmlns:c16="http://schemas.microsoft.com/office/drawing/2014/chart" uri="{C3380CC4-5D6E-409C-BE32-E72D297353CC}">
-                <c16:uniqueId val="{00000002-26CD-48A0-83D0-4F2AED668977}"/>
+                <c16:uniqueId val="{00000002-62C2-42CB-800E-4BB1DAD5CFE7}"/>
               </c:ext>
             </c:extLst>
           </c:dPt>
@@ -824,7 +1408,7 @@
             </c:spPr>
             <c:extLst>
               <c:ext xmlns:c16="http://schemas.microsoft.com/office/drawing/2014/chart" uri="{C3380CC4-5D6E-409C-BE32-E72D297353CC}">
-                <c16:uniqueId val="{00000003-26CD-48A0-83D0-4F2AED668977}"/>
+                <c16:uniqueId val="{00000003-62C2-42CB-800E-4BB1DAD5CFE7}"/>
               </c:ext>
             </c:extLst>
           </c:dPt>
@@ -841,7 +1425,7 @@
             </c:spPr>
             <c:extLst>
               <c:ext xmlns:c16="http://schemas.microsoft.com/office/drawing/2014/chart" uri="{C3380CC4-5D6E-409C-BE32-E72D297353CC}">
-                <c16:uniqueId val="{00000004-26CD-48A0-83D0-4F2AED668977}"/>
+                <c16:uniqueId val="{00000004-62C2-42CB-800E-4BB1DAD5CFE7}"/>
               </c:ext>
             </c:extLst>
           </c:dPt>
@@ -858,7 +1442,7 @@
             </c:spPr>
             <c:extLst>
               <c:ext xmlns:c16="http://schemas.microsoft.com/office/drawing/2014/chart" uri="{C3380CC4-5D6E-409C-BE32-E72D297353CC}">
-                <c16:uniqueId val="{00000005-26CD-48A0-83D0-4F2AED668977}"/>
+                <c16:uniqueId val="{00000005-62C2-42CB-800E-4BB1DAD5CFE7}"/>
               </c:ext>
             </c:extLst>
           </c:dPt>
@@ -910,7 +1494,7 @@
                   </c15:spPr>
                 </c:ext>
                 <c:ext xmlns:c16="http://schemas.microsoft.com/office/drawing/2014/chart" uri="{C3380CC4-5D6E-409C-BE32-E72D297353CC}">
-                  <c16:uniqueId val="{00000000-26CD-48A0-83D0-4F2AED668977}"/>
+                  <c16:uniqueId val="{00000000-62C2-42CB-800E-4BB1DAD5CFE7}"/>
                 </c:ext>
               </c:extLst>
             </c:dLbl>
@@ -960,7 +1544,7 @@
           </c:val>
           <c:extLst>
             <c:ext xmlns:c16="http://schemas.microsoft.com/office/drawing/2014/chart" uri="{C3380CC4-5D6E-409C-BE32-E72D297353CC}">
-              <c16:uniqueId val="{00000006-26CD-48A0-83D0-4F2AED668977}"/>
+              <c16:uniqueId val="{00000006-62C2-42CB-800E-4BB1DAD5CFE7}"/>
             </c:ext>
           </c:extLst>
         </c:ser>
@@ -971,7 +1555,7 @@
           <c:showSerName val="0"/>
           <c:showPercent val="0"/>
           <c:showBubbleSize val="0"/>
-          <c:showLeaderLines val="1"/>
+          <c:showLeaderLines val="0"/>
         </c:dLbls>
         <c:firstSliceAng val="0"/>
         <c:holeSize val="50"/>
@@ -1032,7 +1616,7 @@
             </c:spPr>
             <c:extLst>
               <c:ext xmlns:c16="http://schemas.microsoft.com/office/drawing/2014/chart" uri="{C3380CC4-5D6E-409C-BE32-E72D297353CC}">
-                <c16:uniqueId val="{00000000-717F-4ED5-8C37-B6E2B63010D7}"/>
+                <c16:uniqueId val="{00000000-F793-4CD7-9880-F204275D3AD4}"/>
               </c:ext>
             </c:extLst>
           </c:dPt>
@@ -1049,7 +1633,7 @@
             </c:spPr>
             <c:extLst>
               <c:ext xmlns:c16="http://schemas.microsoft.com/office/drawing/2014/chart" uri="{C3380CC4-5D6E-409C-BE32-E72D297353CC}">
-                <c16:uniqueId val="{00000001-717F-4ED5-8C37-B6E2B63010D7}"/>
+                <c16:uniqueId val="{00000001-F793-4CD7-9880-F204275D3AD4}"/>
               </c:ext>
             </c:extLst>
           </c:dPt>
@@ -1066,7 +1650,7 @@
             </c:spPr>
             <c:extLst>
               <c:ext xmlns:c16="http://schemas.microsoft.com/office/drawing/2014/chart" uri="{C3380CC4-5D6E-409C-BE32-E72D297353CC}">
-                <c16:uniqueId val="{00000002-717F-4ED5-8C37-B6E2B63010D7}"/>
+                <c16:uniqueId val="{00000002-F793-4CD7-9880-F204275D3AD4}"/>
               </c:ext>
             </c:extLst>
           </c:dPt>
@@ -1083,7 +1667,7 @@
             </c:spPr>
             <c:extLst>
               <c:ext xmlns:c16="http://schemas.microsoft.com/office/drawing/2014/chart" uri="{C3380CC4-5D6E-409C-BE32-E72D297353CC}">
-                <c16:uniqueId val="{00000003-717F-4ED5-8C37-B6E2B63010D7}"/>
+                <c16:uniqueId val="{00000003-F793-4CD7-9880-F204275D3AD4}"/>
               </c:ext>
             </c:extLst>
           </c:dPt>
@@ -1100,7 +1684,7 @@
             </c:spPr>
             <c:extLst>
               <c:ext xmlns:c16="http://schemas.microsoft.com/office/drawing/2014/chart" uri="{C3380CC4-5D6E-409C-BE32-E72D297353CC}">
-                <c16:uniqueId val="{00000004-717F-4ED5-8C37-B6E2B63010D7}"/>
+                <c16:uniqueId val="{00000004-F793-4CD7-9880-F204275D3AD4}"/>
               </c:ext>
             </c:extLst>
           </c:dPt>
@@ -1117,7 +1701,7 @@
             </c:spPr>
             <c:extLst>
               <c:ext xmlns:c16="http://schemas.microsoft.com/office/drawing/2014/chart" uri="{C3380CC4-5D6E-409C-BE32-E72D297353CC}">
-                <c16:uniqueId val="{00000005-717F-4ED5-8C37-B6E2B63010D7}"/>
+                <c16:uniqueId val="{00000005-F793-4CD7-9880-F204275D3AD4}"/>
               </c:ext>
             </c:extLst>
           </c:dPt>
@@ -1169,7 +1753,7 @@
                   </c15:spPr>
                 </c:ext>
                 <c:ext xmlns:c16="http://schemas.microsoft.com/office/drawing/2014/chart" uri="{C3380CC4-5D6E-409C-BE32-E72D297353CC}">
-                  <c16:uniqueId val="{00000000-717F-4ED5-8C37-B6E2B63010D7}"/>
+                  <c16:uniqueId val="{00000000-F793-4CD7-9880-F204275D3AD4}"/>
                 </c:ext>
               </c:extLst>
             </c:dLbl>
@@ -1219,7 +1803,7 @@
           </c:val>
           <c:extLst>
             <c:ext xmlns:c16="http://schemas.microsoft.com/office/drawing/2014/chart" uri="{C3380CC4-5D6E-409C-BE32-E72D297353CC}">
-              <c16:uniqueId val="{00000006-717F-4ED5-8C37-B6E2B63010D7}"/>
+              <c16:uniqueId val="{00000006-F793-4CD7-9880-F204275D3AD4}"/>
             </c:ext>
           </c:extLst>
         </c:ser>
@@ -1393,7 +1977,7 @@
           <a:p>
             <a:fld id="{6E4A95F8-A962-462E-B5CA-65B478895019}" type="datetimeFigureOut">
               <a:rPr lang="en-US" smtClean="0"/>
-              <a:t>11/7/2022</a:t>
+              <a:t>11/18/2022</a:t>
             </a:fld>
             <a:endParaRPr lang="en-US"/>
           </a:p>
@@ -1591,7 +2175,7 @@
           <a:p>
             <a:fld id="{6E4A95F8-A962-462E-B5CA-65B478895019}" type="datetimeFigureOut">
               <a:rPr lang="en-US" smtClean="0"/>
-              <a:t>11/7/2022</a:t>
+              <a:t>11/18/2022</a:t>
             </a:fld>
             <a:endParaRPr lang="en-US"/>
           </a:p>
@@ -1799,7 +2383,7 @@
           <a:p>
             <a:fld id="{6E4A95F8-A962-462E-B5CA-65B478895019}" type="datetimeFigureOut">
               <a:rPr lang="en-US" smtClean="0"/>
-              <a:t>11/7/2022</a:t>
+              <a:t>11/18/2022</a:t>
             </a:fld>
             <a:endParaRPr lang="en-US"/>
           </a:p>
@@ -1997,7 +2581,7 @@
           <a:p>
             <a:fld id="{6E4A95F8-A962-462E-B5CA-65B478895019}" type="datetimeFigureOut">
               <a:rPr lang="en-US" smtClean="0"/>
-              <a:t>11/7/2022</a:t>
+              <a:t>11/18/2022</a:t>
             </a:fld>
             <a:endParaRPr lang="en-US"/>
           </a:p>
@@ -2272,7 +2856,7 @@
           <a:p>
             <a:fld id="{6E4A95F8-A962-462E-B5CA-65B478895019}" type="datetimeFigureOut">
               <a:rPr lang="en-US" smtClean="0"/>
-              <a:t>11/7/2022</a:t>
+              <a:t>11/18/2022</a:t>
             </a:fld>
             <a:endParaRPr lang="en-US"/>
           </a:p>
@@ -2537,7 +3121,7 @@
           <a:p>
             <a:fld id="{6E4A95F8-A962-462E-B5CA-65B478895019}" type="datetimeFigureOut">
               <a:rPr lang="en-US" smtClean="0"/>
-              <a:t>11/7/2022</a:t>
+              <a:t>11/18/2022</a:t>
             </a:fld>
             <a:endParaRPr lang="en-US"/>
           </a:p>
@@ -2949,7 +3533,7 @@
           <a:p>
             <a:fld id="{6E4A95F8-A962-462E-B5CA-65B478895019}" type="datetimeFigureOut">
               <a:rPr lang="en-US" smtClean="0"/>
-              <a:t>11/7/2022</a:t>
+              <a:t>11/18/2022</a:t>
             </a:fld>
             <a:endParaRPr lang="en-US"/>
           </a:p>
@@ -3090,7 +3674,7 @@
           <a:p>
             <a:fld id="{6E4A95F8-A962-462E-B5CA-65B478895019}" type="datetimeFigureOut">
               <a:rPr lang="en-US" smtClean="0"/>
-              <a:t>11/7/2022</a:t>
+              <a:t>11/18/2022</a:t>
             </a:fld>
             <a:endParaRPr lang="en-US"/>
           </a:p>
@@ -3203,7 +3787,7 @@
           <a:p>
             <a:fld id="{6E4A95F8-A962-462E-B5CA-65B478895019}" type="datetimeFigureOut">
               <a:rPr lang="en-US" smtClean="0"/>
-              <a:t>11/7/2022</a:t>
+              <a:t>11/18/2022</a:t>
             </a:fld>
             <a:endParaRPr lang="en-US"/>
           </a:p>
@@ -3514,7 +4098,7 @@
           <a:p>
             <a:fld id="{6E4A95F8-A962-462E-B5CA-65B478895019}" type="datetimeFigureOut">
               <a:rPr lang="en-US" smtClean="0"/>
-              <a:t>11/7/2022</a:t>
+              <a:t>11/18/2022</a:t>
             </a:fld>
             <a:endParaRPr lang="en-US"/>
           </a:p>
@@ -3802,7 +4386,7 @@
           <a:p>
             <a:fld id="{6E4A95F8-A962-462E-B5CA-65B478895019}" type="datetimeFigureOut">
               <a:rPr lang="en-US" smtClean="0"/>
-              <a:t>11/7/2022</a:t>
+              <a:t>11/18/2022</a:t>
             </a:fld>
             <a:endParaRPr lang="en-US"/>
           </a:p>
@@ -4115,7 +4699,7 @@
           <a:p>
             <a:fld id="{6E4A95F8-A962-462E-B5CA-65B478895019}" type="datetimeFigureOut">
               <a:rPr lang="en-US" smtClean="0"/>
-              <a:t>11/7/2022</a:t>
+              <a:t>11/18/2022</a:t>
             </a:fld>
             <a:endParaRPr lang="en-US"/>
           </a:p>
@@ -4550,7 +5134,7 @@
             </p:custDataLst>
             <p:extLst>
               <p:ext uri="{D42A27DB-BD31-4B8C-83A1-F6EECF244321}">
-                <p14:modId xmlns:p14="http://schemas.microsoft.com/office/powerpoint/2010/main" val="2410412473"/>
+                <p14:modId xmlns:p14="http://schemas.microsoft.com/office/powerpoint/2010/main" val="4039996030"/>
               </p:ext>
             </p:extLst>
           </p:nvPr>
@@ -4606,10 +5190,10 @@
       </p:graphicFrame>
       <p:graphicFrame>
         <p:nvGraphicFramePr>
-          <p:cNvPr id="462" name="Chart 461">
+          <p:cNvPr id="465" name="Chart 464">
             <a:extLst>
               <a:ext uri="{FF2B5EF4-FFF2-40B4-BE49-F238E27FC236}">
-                <a16:creationId xmlns:a16="http://schemas.microsoft.com/office/drawing/2014/main" id="{FE7E016F-660B-7432-CC61-F44D24B69DED}"/>
+                <a16:creationId xmlns:a16="http://schemas.microsoft.com/office/drawing/2014/main" id="{F65BFDD9-B94A-5DF0-B040-89637F8D1BD7}"/>
               </a:ext>
             </a:extLst>
           </p:cNvPr>
@@ -4620,7 +5204,7 @@
             </p:custDataLst>
             <p:extLst>
               <p:ext uri="{D42A27DB-BD31-4B8C-83A1-F6EECF244321}">
-                <p14:modId xmlns:p14="http://schemas.microsoft.com/office/powerpoint/2010/main" val="1171780040"/>
+                <p14:modId xmlns:p14="http://schemas.microsoft.com/office/powerpoint/2010/main" val="895636549"/>
               </p:ext>
             </p:extLst>
           </p:nvPr>
@@ -4637,6 +5221,244 @@
       </p:graphicFrame>
       <p:sp>
         <p:nvSpPr>
+          <p:cNvPr id="461" name="Text Placeholder 2">
+            <a:extLst>
+              <a:ext uri="{FF2B5EF4-FFF2-40B4-BE49-F238E27FC236}">
+                <a16:creationId xmlns:a16="http://schemas.microsoft.com/office/drawing/2014/main" id="{F01B8698-9294-F532-DDB4-2EE198CBAA21}"/>
+              </a:ext>
+            </a:extLst>
+          </p:cNvPr>
+          <p:cNvSpPr>
+            <a:spLocks noGrp="1"/>
+          </p:cNvSpPr>
+          <p:nvPr>
+            <p:custDataLst>
+              <p:tags r:id="rId3"/>
+            </p:custDataLst>
+          </p:nvPr>
+        </p:nvSpPr>
+        <p:spPr bwMode="gray">
+          <a:xfrm>
+            <a:off x="1585913" y="2109788"/>
+            <a:ext cx="403225" cy="192088"/>
+          </a:xfrm>
+          <a:prstGeom prst="rect">
+            <a:avLst/>
+          </a:prstGeom>
+          <a:solidFill>
+            <a:schemeClr val="accent6"/>
+          </a:solidFill>
+          <a:ln>
+            <a:noFill/>
+          </a:ln>
+          <a:effectLst/>
+        </p:spPr>
+        <p:txBody>
+          <a:bodyPr vert="horz" wrap="none" lIns="25400" tIns="0" rIns="25400" bIns="0" numCol="1" spcCol="0" rtlCol="0" anchor="ctr" anchorCtr="0">
+            <a:noAutofit/>
+          </a:bodyPr>
+          <a:lstStyle>
+            <a:lvl1pPr marL="228600" indent="-228600" algn="l" defTabSz="914400" rtl="0" eaLnBrk="1" latinLnBrk="0" hangingPunct="1">
+              <a:lnSpc>
+                <a:spcPct val="90000"/>
+              </a:lnSpc>
+              <a:spcBef>
+                <a:spcPts val="1000"/>
+              </a:spcBef>
+              <a:buFont typeface="Arial" panose="020B0604020202020204" pitchFamily="34" charset="0"/>
+              <a:buChar char="•"/>
+              <a:defRPr sz="2800" kern="1200">
+                <a:solidFill>
+                  <a:schemeClr val="tx1"/>
+                </a:solidFill>
+                <a:latin typeface="+mn-lt"/>
+                <a:ea typeface="+mn-ea"/>
+                <a:cs typeface="+mn-cs"/>
+              </a:defRPr>
+            </a:lvl1pPr>
+            <a:lvl2pPr marL="685800" indent="-228600" algn="l" defTabSz="914400" rtl="0" eaLnBrk="1" latinLnBrk="0" hangingPunct="1">
+              <a:lnSpc>
+                <a:spcPct val="90000"/>
+              </a:lnSpc>
+              <a:spcBef>
+                <a:spcPts val="500"/>
+              </a:spcBef>
+              <a:buFont typeface="Arial" panose="020B0604020202020204" pitchFamily="34" charset="0"/>
+              <a:buChar char="•"/>
+              <a:defRPr sz="2400" kern="1200">
+                <a:solidFill>
+                  <a:schemeClr val="tx1"/>
+                </a:solidFill>
+                <a:latin typeface="+mn-lt"/>
+                <a:ea typeface="+mn-ea"/>
+                <a:cs typeface="+mn-cs"/>
+              </a:defRPr>
+            </a:lvl2pPr>
+            <a:lvl3pPr marL="1143000" indent="-228600" algn="l" defTabSz="914400" rtl="0" eaLnBrk="1" latinLnBrk="0" hangingPunct="1">
+              <a:lnSpc>
+                <a:spcPct val="90000"/>
+              </a:lnSpc>
+              <a:spcBef>
+                <a:spcPts val="500"/>
+              </a:spcBef>
+              <a:buFont typeface="Arial" panose="020B0604020202020204" pitchFamily="34" charset="0"/>
+              <a:buChar char="•"/>
+              <a:defRPr sz="2000" kern="1200">
+                <a:solidFill>
+                  <a:schemeClr val="tx1"/>
+                </a:solidFill>
+                <a:latin typeface="+mn-lt"/>
+                <a:ea typeface="+mn-ea"/>
+                <a:cs typeface="+mn-cs"/>
+              </a:defRPr>
+            </a:lvl3pPr>
+            <a:lvl4pPr marL="1600200" indent="-228600" algn="l" defTabSz="914400" rtl="0" eaLnBrk="1" latinLnBrk="0" hangingPunct="1">
+              <a:lnSpc>
+                <a:spcPct val="90000"/>
+              </a:lnSpc>
+              <a:spcBef>
+                <a:spcPts val="500"/>
+              </a:spcBef>
+              <a:buFont typeface="Arial" panose="020B0604020202020204" pitchFamily="34" charset="0"/>
+              <a:buChar char="•"/>
+              <a:defRPr sz="1800" kern="1200">
+                <a:solidFill>
+                  <a:schemeClr val="tx1"/>
+                </a:solidFill>
+                <a:latin typeface="+mn-lt"/>
+                <a:ea typeface="+mn-ea"/>
+                <a:cs typeface="+mn-cs"/>
+              </a:defRPr>
+            </a:lvl4pPr>
+            <a:lvl5pPr marL="2057400" indent="-228600" algn="l" defTabSz="914400" rtl="0" eaLnBrk="1" latinLnBrk="0" hangingPunct="1">
+              <a:lnSpc>
+                <a:spcPct val="90000"/>
+              </a:lnSpc>
+              <a:spcBef>
+                <a:spcPts val="500"/>
+              </a:spcBef>
+              <a:buFont typeface="Arial" panose="020B0604020202020204" pitchFamily="34" charset="0"/>
+              <a:buChar char="•"/>
+              <a:defRPr sz="1800" kern="1200">
+                <a:solidFill>
+                  <a:schemeClr val="tx1"/>
+                </a:solidFill>
+                <a:latin typeface="+mn-lt"/>
+                <a:ea typeface="+mn-ea"/>
+                <a:cs typeface="+mn-cs"/>
+              </a:defRPr>
+            </a:lvl5pPr>
+            <a:lvl6pPr marL="2514600" indent="-228600" algn="l" defTabSz="914400" rtl="0" eaLnBrk="1" latinLnBrk="0" hangingPunct="1">
+              <a:lnSpc>
+                <a:spcPct val="90000"/>
+              </a:lnSpc>
+              <a:spcBef>
+                <a:spcPts val="500"/>
+              </a:spcBef>
+              <a:buFont typeface="Arial" panose="020B0604020202020204" pitchFamily="34" charset="0"/>
+              <a:buChar char="•"/>
+              <a:defRPr sz="1800" kern="1200">
+                <a:solidFill>
+                  <a:schemeClr val="tx1"/>
+                </a:solidFill>
+                <a:latin typeface="+mn-lt"/>
+                <a:ea typeface="+mn-ea"/>
+                <a:cs typeface="+mn-cs"/>
+              </a:defRPr>
+            </a:lvl6pPr>
+            <a:lvl7pPr marL="2971800" indent="-228600" algn="l" defTabSz="914400" rtl="0" eaLnBrk="1" latinLnBrk="0" hangingPunct="1">
+              <a:lnSpc>
+                <a:spcPct val="90000"/>
+              </a:lnSpc>
+              <a:spcBef>
+                <a:spcPts val="500"/>
+              </a:spcBef>
+              <a:buFont typeface="Arial" panose="020B0604020202020204" pitchFamily="34" charset="0"/>
+              <a:buChar char="•"/>
+              <a:defRPr sz="1800" kern="1200">
+                <a:solidFill>
+                  <a:schemeClr val="tx1"/>
+                </a:solidFill>
+                <a:latin typeface="+mn-lt"/>
+                <a:ea typeface="+mn-ea"/>
+                <a:cs typeface="+mn-cs"/>
+              </a:defRPr>
+            </a:lvl7pPr>
+            <a:lvl8pPr marL="3429000" indent="-228600" algn="l" defTabSz="914400" rtl="0" eaLnBrk="1" latinLnBrk="0" hangingPunct="1">
+              <a:lnSpc>
+                <a:spcPct val="90000"/>
+              </a:lnSpc>
+              <a:spcBef>
+                <a:spcPts val="500"/>
+              </a:spcBef>
+              <a:buFont typeface="Arial" panose="020B0604020202020204" pitchFamily="34" charset="0"/>
+              <a:buChar char="•"/>
+              <a:defRPr sz="1800" kern="1200">
+                <a:solidFill>
+                  <a:schemeClr val="tx1"/>
+                </a:solidFill>
+                <a:latin typeface="+mn-lt"/>
+                <a:ea typeface="+mn-ea"/>
+                <a:cs typeface="+mn-cs"/>
+              </a:defRPr>
+            </a:lvl8pPr>
+            <a:lvl9pPr marL="3886200" indent="-228600" algn="l" defTabSz="914400" rtl="0" eaLnBrk="1" latinLnBrk="0" hangingPunct="1">
+              <a:lnSpc>
+                <a:spcPct val="90000"/>
+              </a:lnSpc>
+              <a:spcBef>
+                <a:spcPts val="500"/>
+              </a:spcBef>
+              <a:buFont typeface="Arial" panose="020B0604020202020204" pitchFamily="34" charset="0"/>
+              <a:buChar char="•"/>
+              <a:defRPr sz="1800" kern="1200">
+                <a:solidFill>
+                  <a:schemeClr val="tx1"/>
+                </a:solidFill>
+                <a:latin typeface="+mn-lt"/>
+                <a:ea typeface="+mn-ea"/>
+                <a:cs typeface="+mn-cs"/>
+              </a:defRPr>
+            </a:lvl9pPr>
+          </a:lstStyle>
+          <a:p>
+            <a:pPr marL="0" indent="0" algn="ctr">
+              <a:spcBef>
+                <a:spcPct val="0"/>
+              </a:spcBef>
+              <a:spcAft>
+                <a:spcPct val="0"/>
+              </a:spcAft>
+              <a:buNone/>
+            </a:pPr>
+            <a:fld id="{DCE7AF03-DA7E-4BE6-81D2-EE2DA761436B}" type="datetime'''''''''''''''''1''.''''''''''''''''''''5''''''''''''''%'''''">
+              <a:rPr lang="en-US" altLang="en-US" sz="1400" smtClean="0">
+                <a:solidFill>
+                  <a:schemeClr val="bg1"/>
+                </a:solidFill>
+                <a:effectLst/>
+              </a:rPr>
+              <a:pPr marL="0" indent="0" algn="ctr">
+                <a:spcBef>
+                  <a:spcPct val="0"/>
+                </a:spcBef>
+                <a:spcAft>
+                  <a:spcPct val="0"/>
+                </a:spcAft>
+                <a:buNone/>
+              </a:pPr>
+              <a:t>1.5%</a:t>
+            </a:fld>
+            <a:endParaRPr lang="en-US" sz="1400" dirty="0">
+              <a:solidFill>
+                <a:schemeClr val="bg1"/>
+              </a:solidFill>
+            </a:endParaRPr>
+          </a:p>
+        </p:txBody>
+      </p:sp>
+      <p:sp>
+        <p:nvSpPr>
           <p:cNvPr id="457" name="Text Placeholder 2">
             <a:extLst>
               <a:ext uri="{FF2B5EF4-FFF2-40B4-BE49-F238E27FC236}">
@@ -4649,7 +5471,7 @@
           </p:cNvSpPr>
           <p:nvPr>
             <p:custDataLst>
-              <p:tags r:id="rId3"/>
+              <p:tags r:id="rId4"/>
             </p:custDataLst>
           </p:nvPr>
         </p:nvSpPr>
@@ -4863,244 +5685,6 @@
               <a:t>1.4%</a:t>
             </a:fld>
             <a:endParaRPr lang="en-US" sz="1400" dirty="0"/>
-          </a:p>
-        </p:txBody>
-      </p:sp>
-      <p:sp>
-        <p:nvSpPr>
-          <p:cNvPr id="461" name="Text Placeholder 2">
-            <a:extLst>
-              <a:ext uri="{FF2B5EF4-FFF2-40B4-BE49-F238E27FC236}">
-                <a16:creationId xmlns:a16="http://schemas.microsoft.com/office/drawing/2014/main" id="{F01B8698-9294-F532-DDB4-2EE198CBAA21}"/>
-              </a:ext>
-            </a:extLst>
-          </p:cNvPr>
-          <p:cNvSpPr>
-            <a:spLocks noGrp="1"/>
-          </p:cNvSpPr>
-          <p:nvPr>
-            <p:custDataLst>
-              <p:tags r:id="rId4"/>
-            </p:custDataLst>
-          </p:nvPr>
-        </p:nvSpPr>
-        <p:spPr bwMode="gray">
-          <a:xfrm>
-            <a:off x="1585913" y="2109788"/>
-            <a:ext cx="403225" cy="192088"/>
-          </a:xfrm>
-          <a:prstGeom prst="rect">
-            <a:avLst/>
-          </a:prstGeom>
-          <a:solidFill>
-            <a:schemeClr val="accent6"/>
-          </a:solidFill>
-          <a:ln>
-            <a:noFill/>
-          </a:ln>
-          <a:effectLst/>
-        </p:spPr>
-        <p:txBody>
-          <a:bodyPr vert="horz" wrap="none" lIns="25400" tIns="0" rIns="25400" bIns="0" numCol="1" spcCol="0" rtlCol="0" anchor="ctr" anchorCtr="0">
-            <a:noAutofit/>
-          </a:bodyPr>
-          <a:lstStyle>
-            <a:lvl1pPr marL="228600" indent="-228600" algn="l" defTabSz="914400" rtl="0" eaLnBrk="1" latinLnBrk="0" hangingPunct="1">
-              <a:lnSpc>
-                <a:spcPct val="90000"/>
-              </a:lnSpc>
-              <a:spcBef>
-                <a:spcPts val="1000"/>
-              </a:spcBef>
-              <a:buFont typeface="Arial" panose="020B0604020202020204" pitchFamily="34" charset="0"/>
-              <a:buChar char="•"/>
-              <a:defRPr sz="2800" kern="1200">
-                <a:solidFill>
-                  <a:schemeClr val="tx1"/>
-                </a:solidFill>
-                <a:latin typeface="+mn-lt"/>
-                <a:ea typeface="+mn-ea"/>
-                <a:cs typeface="+mn-cs"/>
-              </a:defRPr>
-            </a:lvl1pPr>
-            <a:lvl2pPr marL="685800" indent="-228600" algn="l" defTabSz="914400" rtl="0" eaLnBrk="1" latinLnBrk="0" hangingPunct="1">
-              <a:lnSpc>
-                <a:spcPct val="90000"/>
-              </a:lnSpc>
-              <a:spcBef>
-                <a:spcPts val="500"/>
-              </a:spcBef>
-              <a:buFont typeface="Arial" panose="020B0604020202020204" pitchFamily="34" charset="0"/>
-              <a:buChar char="•"/>
-              <a:defRPr sz="2400" kern="1200">
-                <a:solidFill>
-                  <a:schemeClr val="tx1"/>
-                </a:solidFill>
-                <a:latin typeface="+mn-lt"/>
-                <a:ea typeface="+mn-ea"/>
-                <a:cs typeface="+mn-cs"/>
-              </a:defRPr>
-            </a:lvl2pPr>
-            <a:lvl3pPr marL="1143000" indent="-228600" algn="l" defTabSz="914400" rtl="0" eaLnBrk="1" latinLnBrk="0" hangingPunct="1">
-              <a:lnSpc>
-                <a:spcPct val="90000"/>
-              </a:lnSpc>
-              <a:spcBef>
-                <a:spcPts val="500"/>
-              </a:spcBef>
-              <a:buFont typeface="Arial" panose="020B0604020202020204" pitchFamily="34" charset="0"/>
-              <a:buChar char="•"/>
-              <a:defRPr sz="2000" kern="1200">
-                <a:solidFill>
-                  <a:schemeClr val="tx1"/>
-                </a:solidFill>
-                <a:latin typeface="+mn-lt"/>
-                <a:ea typeface="+mn-ea"/>
-                <a:cs typeface="+mn-cs"/>
-              </a:defRPr>
-            </a:lvl3pPr>
-            <a:lvl4pPr marL="1600200" indent="-228600" algn="l" defTabSz="914400" rtl="0" eaLnBrk="1" latinLnBrk="0" hangingPunct="1">
-              <a:lnSpc>
-                <a:spcPct val="90000"/>
-              </a:lnSpc>
-              <a:spcBef>
-                <a:spcPts val="500"/>
-              </a:spcBef>
-              <a:buFont typeface="Arial" panose="020B0604020202020204" pitchFamily="34" charset="0"/>
-              <a:buChar char="•"/>
-              <a:defRPr sz="1800" kern="1200">
-                <a:solidFill>
-                  <a:schemeClr val="tx1"/>
-                </a:solidFill>
-                <a:latin typeface="+mn-lt"/>
-                <a:ea typeface="+mn-ea"/>
-                <a:cs typeface="+mn-cs"/>
-              </a:defRPr>
-            </a:lvl4pPr>
-            <a:lvl5pPr marL="2057400" indent="-228600" algn="l" defTabSz="914400" rtl="0" eaLnBrk="1" latinLnBrk="0" hangingPunct="1">
-              <a:lnSpc>
-                <a:spcPct val="90000"/>
-              </a:lnSpc>
-              <a:spcBef>
-                <a:spcPts val="500"/>
-              </a:spcBef>
-              <a:buFont typeface="Arial" panose="020B0604020202020204" pitchFamily="34" charset="0"/>
-              <a:buChar char="•"/>
-              <a:defRPr sz="1800" kern="1200">
-                <a:solidFill>
-                  <a:schemeClr val="tx1"/>
-                </a:solidFill>
-                <a:latin typeface="+mn-lt"/>
-                <a:ea typeface="+mn-ea"/>
-                <a:cs typeface="+mn-cs"/>
-              </a:defRPr>
-            </a:lvl5pPr>
-            <a:lvl6pPr marL="2514600" indent="-228600" algn="l" defTabSz="914400" rtl="0" eaLnBrk="1" latinLnBrk="0" hangingPunct="1">
-              <a:lnSpc>
-                <a:spcPct val="90000"/>
-              </a:lnSpc>
-              <a:spcBef>
-                <a:spcPts val="500"/>
-              </a:spcBef>
-              <a:buFont typeface="Arial" panose="020B0604020202020204" pitchFamily="34" charset="0"/>
-              <a:buChar char="•"/>
-              <a:defRPr sz="1800" kern="1200">
-                <a:solidFill>
-                  <a:schemeClr val="tx1"/>
-                </a:solidFill>
-                <a:latin typeface="+mn-lt"/>
-                <a:ea typeface="+mn-ea"/>
-                <a:cs typeface="+mn-cs"/>
-              </a:defRPr>
-            </a:lvl6pPr>
-            <a:lvl7pPr marL="2971800" indent="-228600" algn="l" defTabSz="914400" rtl="0" eaLnBrk="1" latinLnBrk="0" hangingPunct="1">
-              <a:lnSpc>
-                <a:spcPct val="90000"/>
-              </a:lnSpc>
-              <a:spcBef>
-                <a:spcPts val="500"/>
-              </a:spcBef>
-              <a:buFont typeface="Arial" panose="020B0604020202020204" pitchFamily="34" charset="0"/>
-              <a:buChar char="•"/>
-              <a:defRPr sz="1800" kern="1200">
-                <a:solidFill>
-                  <a:schemeClr val="tx1"/>
-                </a:solidFill>
-                <a:latin typeface="+mn-lt"/>
-                <a:ea typeface="+mn-ea"/>
-                <a:cs typeface="+mn-cs"/>
-              </a:defRPr>
-            </a:lvl7pPr>
-            <a:lvl8pPr marL="3429000" indent="-228600" algn="l" defTabSz="914400" rtl="0" eaLnBrk="1" latinLnBrk="0" hangingPunct="1">
-              <a:lnSpc>
-                <a:spcPct val="90000"/>
-              </a:lnSpc>
-              <a:spcBef>
-                <a:spcPts val="500"/>
-              </a:spcBef>
-              <a:buFont typeface="Arial" panose="020B0604020202020204" pitchFamily="34" charset="0"/>
-              <a:buChar char="•"/>
-              <a:defRPr sz="1800" kern="1200">
-                <a:solidFill>
-                  <a:schemeClr val="tx1"/>
-                </a:solidFill>
-                <a:latin typeface="+mn-lt"/>
-                <a:ea typeface="+mn-ea"/>
-                <a:cs typeface="+mn-cs"/>
-              </a:defRPr>
-            </a:lvl8pPr>
-            <a:lvl9pPr marL="3886200" indent="-228600" algn="l" defTabSz="914400" rtl="0" eaLnBrk="1" latinLnBrk="0" hangingPunct="1">
-              <a:lnSpc>
-                <a:spcPct val="90000"/>
-              </a:lnSpc>
-              <a:spcBef>
-                <a:spcPts val="500"/>
-              </a:spcBef>
-              <a:buFont typeface="Arial" panose="020B0604020202020204" pitchFamily="34" charset="0"/>
-              <a:buChar char="•"/>
-              <a:defRPr sz="1800" kern="1200">
-                <a:solidFill>
-                  <a:schemeClr val="tx1"/>
-                </a:solidFill>
-                <a:latin typeface="+mn-lt"/>
-                <a:ea typeface="+mn-ea"/>
-                <a:cs typeface="+mn-cs"/>
-              </a:defRPr>
-            </a:lvl9pPr>
-          </a:lstStyle>
-          <a:p>
-            <a:pPr marL="0" indent="0" algn="ctr">
-              <a:spcBef>
-                <a:spcPct val="0"/>
-              </a:spcBef>
-              <a:spcAft>
-                <a:spcPct val="0"/>
-              </a:spcAft>
-              <a:buNone/>
-            </a:pPr>
-            <a:fld id="{DCE7AF03-DA7E-4BE6-81D2-EE2DA761436B}" type="datetime'''''''''''''''''1''.''''''''''''''''''''5''''''''''''''%'''''">
-              <a:rPr lang="en-US" altLang="en-US" sz="1400" smtClean="0">
-                <a:solidFill>
-                  <a:schemeClr val="bg1"/>
-                </a:solidFill>
-                <a:effectLst/>
-              </a:rPr>
-              <a:pPr marL="0" indent="0" algn="ctr">
-                <a:spcBef>
-                  <a:spcPct val="0"/>
-                </a:spcBef>
-                <a:spcAft>
-                  <a:spcPct val="0"/>
-                </a:spcAft>
-                <a:buNone/>
-              </a:pPr>
-              <a:t>1.5%</a:t>
-            </a:fld>
-            <a:endParaRPr lang="en-US" sz="1400" dirty="0">
-              <a:solidFill>
-                <a:schemeClr val="bg1"/>
-              </a:solidFill>
-            </a:endParaRPr>
           </a:p>
         </p:txBody>
       </p:sp>
@@ -6034,10 +6618,10 @@
       </p:sp>
       <p:sp>
         <p:nvSpPr>
-          <p:cNvPr id="211" name="Rectangle 210">
+          <p:cNvPr id="212" name="Rectangle 211">
             <a:extLst>
               <a:ext uri="{FF2B5EF4-FFF2-40B4-BE49-F238E27FC236}">
-                <a16:creationId xmlns:a16="http://schemas.microsoft.com/office/drawing/2014/main" id="{ACB5FA66-420A-A81B-9515-200E417A7614}"/>
+                <a16:creationId xmlns:a16="http://schemas.microsoft.com/office/drawing/2014/main" id="{CFE16A47-45D9-1330-227A-6FA04AF148BD}"/>
               </a:ext>
             </a:extLst>
           </p:cNvPr>
@@ -6050,14 +6634,14 @@
         </p:nvSpPr>
         <p:spPr bwMode="auto">
           <a:xfrm>
-            <a:off x="3721100" y="1906588"/>
+            <a:off x="3721100" y="2160588"/>
             <a:ext cx="250825" cy="187325"/>
           </a:xfrm>
           <a:prstGeom prst="rect">
             <a:avLst/>
           </a:prstGeom>
           <a:solidFill>
-            <a:schemeClr val="accent4"/>
+            <a:schemeClr val="accent3"/>
           </a:solidFill>
           <a:ln w="12700" cap="flat" cmpd="sng" algn="ctr">
             <a:noFill/>
@@ -6186,82 +6770,6 @@
       </p:sp>
       <p:sp>
         <p:nvSpPr>
-          <p:cNvPr id="212" name="Rectangle 211">
-            <a:extLst>
-              <a:ext uri="{FF2B5EF4-FFF2-40B4-BE49-F238E27FC236}">
-                <a16:creationId xmlns:a16="http://schemas.microsoft.com/office/drawing/2014/main" id="{CFE16A47-45D9-1330-227A-6FA04AF148BD}"/>
-              </a:ext>
-            </a:extLst>
-          </p:cNvPr>
-          <p:cNvSpPr/>
-          <p:nvPr>
-            <p:custDataLst>
-              <p:tags r:id="rId11"/>
-            </p:custDataLst>
-          </p:nvPr>
-        </p:nvSpPr>
-        <p:spPr bwMode="auto">
-          <a:xfrm>
-            <a:off x="3721100" y="2160588"/>
-            <a:ext cx="250825" cy="187325"/>
-          </a:xfrm>
-          <a:prstGeom prst="rect">
-            <a:avLst/>
-          </a:prstGeom>
-          <a:solidFill>
-            <a:schemeClr val="accent3"/>
-          </a:solidFill>
-          <a:ln w="12700" cap="flat" cmpd="sng" algn="ctr">
-            <a:noFill/>
-            <a:prstDash val="solid"/>
-            <a:miter lim="800000"/>
-            <a:headEnd type="none" w="med" len="med"/>
-            <a:tailEnd type="none" w="med" len="med"/>
-          </a:ln>
-          <a:effectLst/>
-          <a:extLst>
-            <a:ext uri="{91240B29-F687-4F45-9708-019B960494DF}">
-              <a14:hiddenLine xmlns:a14="http://schemas.microsoft.com/office/drawing/2010/main" w="12700" cap="flat" cmpd="sng" algn="ctr">
-                <a:solidFill>
-                  <a:schemeClr val="accent1">
-                    <a:shade val="50000"/>
-                  </a:schemeClr>
-                </a:solidFill>
-                <a:prstDash val="solid"/>
-                <a:miter lim="800000"/>
-                <a:headEnd type="none" w="med" len="med"/>
-                <a:tailEnd type="none" w="med" len="med"/>
-              </a14:hiddenLine>
-            </a:ext>
-          </a:extLst>
-        </p:spPr>
-        <p:style>
-          <a:lnRef idx="2">
-            <a:schemeClr val="accent1">
-              <a:shade val="50000"/>
-            </a:schemeClr>
-          </a:lnRef>
-          <a:fillRef idx="1">
-            <a:schemeClr val="accent1"/>
-          </a:fillRef>
-          <a:effectRef idx="0">
-            <a:schemeClr val="accent1"/>
-          </a:effectRef>
-          <a:fontRef idx="minor">
-            <a:schemeClr val="lt1"/>
-          </a:fontRef>
-        </p:style>
-        <p:txBody>
-          <a:bodyPr rtlCol="0" anchor="ctr"/>
-          <a:lstStyle/>
-          <a:p>
-            <a:pPr algn="ctr"/>
-            <a:endParaRPr lang="en-US"/>
-          </a:p>
-        </p:txBody>
-      </p:sp>
-      <p:sp>
-        <p:nvSpPr>
           <p:cNvPr id="210" name="Rectangle 209">
             <a:extLst>
               <a:ext uri="{FF2B5EF4-FFF2-40B4-BE49-F238E27FC236}">
@@ -6272,7 +6780,7 @@
           <p:cNvSpPr/>
           <p:nvPr>
             <p:custDataLst>
-              <p:tags r:id="rId12"/>
+              <p:tags r:id="rId11"/>
             </p:custDataLst>
           </p:nvPr>
         </p:nvSpPr>
@@ -6323,6 +6831,82 @@
       </p:sp>
       <p:sp>
         <p:nvSpPr>
+          <p:cNvPr id="211" name="Rectangle 210">
+            <a:extLst>
+              <a:ext uri="{FF2B5EF4-FFF2-40B4-BE49-F238E27FC236}">
+                <a16:creationId xmlns:a16="http://schemas.microsoft.com/office/drawing/2014/main" id="{ACB5FA66-420A-A81B-9515-200E417A7614}"/>
+              </a:ext>
+            </a:extLst>
+          </p:cNvPr>
+          <p:cNvSpPr/>
+          <p:nvPr>
+            <p:custDataLst>
+              <p:tags r:id="rId12"/>
+            </p:custDataLst>
+          </p:nvPr>
+        </p:nvSpPr>
+        <p:spPr bwMode="auto">
+          <a:xfrm>
+            <a:off x="3721100" y="1906588"/>
+            <a:ext cx="250825" cy="187325"/>
+          </a:xfrm>
+          <a:prstGeom prst="rect">
+            <a:avLst/>
+          </a:prstGeom>
+          <a:solidFill>
+            <a:schemeClr val="accent4"/>
+          </a:solidFill>
+          <a:ln w="12700" cap="flat" cmpd="sng" algn="ctr">
+            <a:noFill/>
+            <a:prstDash val="solid"/>
+            <a:miter lim="800000"/>
+            <a:headEnd type="none" w="med" len="med"/>
+            <a:tailEnd type="none" w="med" len="med"/>
+          </a:ln>
+          <a:effectLst/>
+          <a:extLst>
+            <a:ext uri="{91240B29-F687-4F45-9708-019B960494DF}">
+              <a14:hiddenLine xmlns:a14="http://schemas.microsoft.com/office/drawing/2010/main" w="12700" cap="flat" cmpd="sng" algn="ctr">
+                <a:solidFill>
+                  <a:schemeClr val="accent1">
+                    <a:shade val="50000"/>
+                  </a:schemeClr>
+                </a:solidFill>
+                <a:prstDash val="solid"/>
+                <a:miter lim="800000"/>
+                <a:headEnd type="none" w="med" len="med"/>
+                <a:tailEnd type="none" w="med" len="med"/>
+              </a14:hiddenLine>
+            </a:ext>
+          </a:extLst>
+        </p:spPr>
+        <p:style>
+          <a:lnRef idx="2">
+            <a:schemeClr val="accent1">
+              <a:shade val="50000"/>
+            </a:schemeClr>
+          </a:lnRef>
+          <a:fillRef idx="1">
+            <a:schemeClr val="accent1"/>
+          </a:fillRef>
+          <a:effectRef idx="0">
+            <a:schemeClr val="accent1"/>
+          </a:effectRef>
+          <a:fontRef idx="minor">
+            <a:schemeClr val="lt1"/>
+          </a:fontRef>
+        </p:style>
+        <p:txBody>
+          <a:bodyPr rtlCol="0" anchor="ctr"/>
+          <a:lstStyle/>
+          <a:p>
+            <a:pPr algn="ctr"/>
+            <a:endParaRPr lang="en-US"/>
+          </a:p>
+        </p:txBody>
+      </p:sp>
+      <p:sp>
+        <p:nvSpPr>
           <p:cNvPr id="213" name="Rectangle 212">
             <a:extLst>
               <a:ext uri="{FF2B5EF4-FFF2-40B4-BE49-F238E27FC236}">
@@ -6475,10 +7059,10 @@
       </p:sp>
       <p:sp>
         <p:nvSpPr>
-          <p:cNvPr id="169" name="Text Placeholder 2">
+          <p:cNvPr id="191" name="Text Placeholder 2">
             <a:extLst>
               <a:ext uri="{FF2B5EF4-FFF2-40B4-BE49-F238E27FC236}">
-                <a16:creationId xmlns:a16="http://schemas.microsoft.com/office/drawing/2014/main" id="{F01B8698-9294-F532-DDB4-2EE198CBAA21}"/>
+                <a16:creationId xmlns:a16="http://schemas.microsoft.com/office/drawing/2014/main" id="{35BF6085-E56A-8D0E-9B3C-4692F351187A}"/>
               </a:ext>
             </a:extLst>
           </p:cNvPr>
@@ -6493,8 +7077,8 @@
         </p:nvSpPr>
         <p:spPr bwMode="auto">
           <a:xfrm>
-            <a:off x="4022725" y="1917700"/>
-            <a:ext cx="1270000" cy="192088"/>
+            <a:off x="4022725" y="2679700"/>
+            <a:ext cx="2392363" cy="192088"/>
           </a:xfrm>
           <a:prstGeom prst="rect">
             <a:avLst/>
@@ -6692,10 +7276,10 @@
               </a:spcAft>
               <a:buNone/>
             </a:pPr>
-            <a:fld id="{D9CD9367-4C90-4362-9C02-23DADA762573}" type="datetime'Fo''''l''g''e''''r''''s'''' ='' ''$1''''''''''''8'',9''00'">
+            <a:fld id="{BF842435-0263-4D0F-B81A-B2CC55BFBE9E}" type="datetime'''''All'' ''''Ot''her Brand''s = ''''$''1'',20''''2'',629.10'">
               <a:rPr lang="en-US" altLang="en-US" sz="1400" smtClean="0"/>
               <a:pPr/>
-              <a:t>Folgers = $18,900</a:t>
+              <a:t>All Other Brands = $1,202,629.10</a:t>
             </a:fld>
             <a:endParaRPr lang="en-US" sz="1400" dirty="0"/>
           </a:p>
@@ -6931,10 +7515,10 @@
       </p:sp>
       <p:sp>
         <p:nvSpPr>
-          <p:cNvPr id="191" name="Text Placeholder 2">
+          <p:cNvPr id="168" name="Text Placeholder 2">
             <a:extLst>
               <a:ext uri="{FF2B5EF4-FFF2-40B4-BE49-F238E27FC236}">
-                <a16:creationId xmlns:a16="http://schemas.microsoft.com/office/drawing/2014/main" id="{35BF6085-E56A-8D0E-9B3C-4692F351187A}"/>
+                <a16:creationId xmlns:a16="http://schemas.microsoft.com/office/drawing/2014/main" id="{F01B8698-9294-F532-DDB4-2EE198CBAA21}"/>
               </a:ext>
             </a:extLst>
           </p:cNvPr>
@@ -6949,8 +7533,8 @@
         </p:nvSpPr>
         <p:spPr bwMode="auto">
           <a:xfrm>
-            <a:off x="4022725" y="2679700"/>
-            <a:ext cx="2392363" cy="192088"/>
+            <a:off x="4022725" y="1663700"/>
+            <a:ext cx="1362075" cy="192088"/>
           </a:xfrm>
           <a:prstGeom prst="rect">
             <a:avLst/>
@@ -7148,10 +7732,466 @@
               </a:spcAft>
               <a:buNone/>
             </a:pPr>
-            <a:fld id="{BF842435-0263-4D0F-B81A-B2CC55BFBE9E}" type="datetime'''''All'' ''''Ot''her Brand''s = ''''$''1'',20''''2'',629.10'">
+            <a:fld id="{D28F3D5C-6800-4691-A322-E713C2DC232D}" type="datetime'Pep''''''si'' ''''''''''''''= $1''''''9'',''''3''''90''.''60'">
               <a:rPr lang="en-US" altLang="en-US" sz="1400" smtClean="0"/>
               <a:pPr/>
-              <a:t>All Other Brands = $1,202,629.10</a:t>
+              <a:t>Pepsi = $19,390.60</a:t>
+            </a:fld>
+            <a:endParaRPr lang="en-US" sz="1400" dirty="0"/>
+          </a:p>
+        </p:txBody>
+      </p:sp>
+      <p:sp>
+        <p:nvSpPr>
+          <p:cNvPr id="189" name="Text Placeholder 2">
+            <a:extLst>
+              <a:ext uri="{FF2B5EF4-FFF2-40B4-BE49-F238E27FC236}">
+                <a16:creationId xmlns:a16="http://schemas.microsoft.com/office/drawing/2014/main" id="{35BB811B-08DE-AB67-F9FD-C573E1C72AC3}"/>
+              </a:ext>
+            </a:extLst>
+          </p:cNvPr>
+          <p:cNvSpPr>
+            <a:spLocks noGrp="1"/>
+          </p:cNvSpPr>
+          <p:nvPr>
+            <p:custDataLst>
+              <p:tags r:id="rId18"/>
+            </p:custDataLst>
+          </p:nvPr>
+        </p:nvSpPr>
+        <p:spPr bwMode="auto">
+          <a:xfrm>
+            <a:off x="4022725" y="2171700"/>
+            <a:ext cx="1616075" cy="192088"/>
+          </a:xfrm>
+          <a:prstGeom prst="rect">
+            <a:avLst/>
+          </a:prstGeom>
+          <a:noFill/>
+          <a:ln>
+            <a:noFill/>
+          </a:ln>
+          <a:effectLst/>
+          <a:extLst>
+            <a:ext uri="{909E8E84-426E-40DD-AFC4-6F175D3DCCD1}">
+              <a14:hiddenFill xmlns:a14="http://schemas.microsoft.com/office/drawing/2010/main">
+                <a:solidFill>
+                  <a:schemeClr val="accent1"/>
+                </a:solidFill>
+              </a14:hiddenFill>
+            </a:ext>
+          </a:extLst>
+        </p:spPr>
+        <p:txBody>
+          <a:bodyPr vert="horz" wrap="none" lIns="0" tIns="0" rIns="0" bIns="0" numCol="1" spcCol="0" rtlCol="0" anchor="ctr" anchorCtr="0">
+            <a:noAutofit/>
+          </a:bodyPr>
+          <a:lstStyle>
+            <a:lvl1pPr marL="228600" indent="-228600" algn="l" defTabSz="914400" rtl="0" eaLnBrk="1" latinLnBrk="0" hangingPunct="1">
+              <a:lnSpc>
+                <a:spcPct val="90000"/>
+              </a:lnSpc>
+              <a:spcBef>
+                <a:spcPts val="1000"/>
+              </a:spcBef>
+              <a:buFont typeface="Arial" panose="020B0604020202020204" pitchFamily="34" charset="0"/>
+              <a:buChar char="•"/>
+              <a:defRPr sz="2800" kern="1200">
+                <a:solidFill>
+                  <a:schemeClr val="tx1"/>
+                </a:solidFill>
+                <a:latin typeface="+mn-lt"/>
+                <a:ea typeface="+mn-ea"/>
+                <a:cs typeface="+mn-cs"/>
+              </a:defRPr>
+            </a:lvl1pPr>
+            <a:lvl2pPr marL="685800" indent="-228600" algn="l" defTabSz="914400" rtl="0" eaLnBrk="1" latinLnBrk="0" hangingPunct="1">
+              <a:lnSpc>
+                <a:spcPct val="90000"/>
+              </a:lnSpc>
+              <a:spcBef>
+                <a:spcPts val="500"/>
+              </a:spcBef>
+              <a:buFont typeface="Arial" panose="020B0604020202020204" pitchFamily="34" charset="0"/>
+              <a:buChar char="•"/>
+              <a:defRPr sz="2400" kern="1200">
+                <a:solidFill>
+                  <a:schemeClr val="tx1"/>
+                </a:solidFill>
+                <a:latin typeface="+mn-lt"/>
+                <a:ea typeface="+mn-ea"/>
+                <a:cs typeface="+mn-cs"/>
+              </a:defRPr>
+            </a:lvl2pPr>
+            <a:lvl3pPr marL="1143000" indent="-228600" algn="l" defTabSz="914400" rtl="0" eaLnBrk="1" latinLnBrk="0" hangingPunct="1">
+              <a:lnSpc>
+                <a:spcPct val="90000"/>
+              </a:lnSpc>
+              <a:spcBef>
+                <a:spcPts val="500"/>
+              </a:spcBef>
+              <a:buFont typeface="Arial" panose="020B0604020202020204" pitchFamily="34" charset="0"/>
+              <a:buChar char="•"/>
+              <a:defRPr sz="2000" kern="1200">
+                <a:solidFill>
+                  <a:schemeClr val="tx1"/>
+                </a:solidFill>
+                <a:latin typeface="+mn-lt"/>
+                <a:ea typeface="+mn-ea"/>
+                <a:cs typeface="+mn-cs"/>
+              </a:defRPr>
+            </a:lvl3pPr>
+            <a:lvl4pPr marL="1600200" indent="-228600" algn="l" defTabSz="914400" rtl="0" eaLnBrk="1" latinLnBrk="0" hangingPunct="1">
+              <a:lnSpc>
+                <a:spcPct val="90000"/>
+              </a:lnSpc>
+              <a:spcBef>
+                <a:spcPts val="500"/>
+              </a:spcBef>
+              <a:buFont typeface="Arial" panose="020B0604020202020204" pitchFamily="34" charset="0"/>
+              <a:buChar char="•"/>
+              <a:defRPr sz="1800" kern="1200">
+                <a:solidFill>
+                  <a:schemeClr val="tx1"/>
+                </a:solidFill>
+                <a:latin typeface="+mn-lt"/>
+                <a:ea typeface="+mn-ea"/>
+                <a:cs typeface="+mn-cs"/>
+              </a:defRPr>
+            </a:lvl4pPr>
+            <a:lvl5pPr marL="2057400" indent="-228600" algn="l" defTabSz="914400" rtl="0" eaLnBrk="1" latinLnBrk="0" hangingPunct="1">
+              <a:lnSpc>
+                <a:spcPct val="90000"/>
+              </a:lnSpc>
+              <a:spcBef>
+                <a:spcPts val="500"/>
+              </a:spcBef>
+              <a:buFont typeface="Arial" panose="020B0604020202020204" pitchFamily="34" charset="0"/>
+              <a:buChar char="•"/>
+              <a:defRPr sz="1800" kern="1200">
+                <a:solidFill>
+                  <a:schemeClr val="tx1"/>
+                </a:solidFill>
+                <a:latin typeface="+mn-lt"/>
+                <a:ea typeface="+mn-ea"/>
+                <a:cs typeface="+mn-cs"/>
+              </a:defRPr>
+            </a:lvl5pPr>
+            <a:lvl6pPr marL="2514600" indent="-228600" algn="l" defTabSz="914400" rtl="0" eaLnBrk="1" latinLnBrk="0" hangingPunct="1">
+              <a:lnSpc>
+                <a:spcPct val="90000"/>
+              </a:lnSpc>
+              <a:spcBef>
+                <a:spcPts val="500"/>
+              </a:spcBef>
+              <a:buFont typeface="Arial" panose="020B0604020202020204" pitchFamily="34" charset="0"/>
+              <a:buChar char="•"/>
+              <a:defRPr sz="1800" kern="1200">
+                <a:solidFill>
+                  <a:schemeClr val="tx1"/>
+                </a:solidFill>
+                <a:latin typeface="+mn-lt"/>
+                <a:ea typeface="+mn-ea"/>
+                <a:cs typeface="+mn-cs"/>
+              </a:defRPr>
+            </a:lvl6pPr>
+            <a:lvl7pPr marL="2971800" indent="-228600" algn="l" defTabSz="914400" rtl="0" eaLnBrk="1" latinLnBrk="0" hangingPunct="1">
+              <a:lnSpc>
+                <a:spcPct val="90000"/>
+              </a:lnSpc>
+              <a:spcBef>
+                <a:spcPts val="500"/>
+              </a:spcBef>
+              <a:buFont typeface="Arial" panose="020B0604020202020204" pitchFamily="34" charset="0"/>
+              <a:buChar char="•"/>
+              <a:defRPr sz="1800" kern="1200">
+                <a:solidFill>
+                  <a:schemeClr val="tx1"/>
+                </a:solidFill>
+                <a:latin typeface="+mn-lt"/>
+                <a:ea typeface="+mn-ea"/>
+                <a:cs typeface="+mn-cs"/>
+              </a:defRPr>
+            </a:lvl7pPr>
+            <a:lvl8pPr marL="3429000" indent="-228600" algn="l" defTabSz="914400" rtl="0" eaLnBrk="1" latinLnBrk="0" hangingPunct="1">
+              <a:lnSpc>
+                <a:spcPct val="90000"/>
+              </a:lnSpc>
+              <a:spcBef>
+                <a:spcPts val="500"/>
+              </a:spcBef>
+              <a:buFont typeface="Arial" panose="020B0604020202020204" pitchFamily="34" charset="0"/>
+              <a:buChar char="•"/>
+              <a:defRPr sz="1800" kern="1200">
+                <a:solidFill>
+                  <a:schemeClr val="tx1"/>
+                </a:solidFill>
+                <a:latin typeface="+mn-lt"/>
+                <a:ea typeface="+mn-ea"/>
+                <a:cs typeface="+mn-cs"/>
+              </a:defRPr>
+            </a:lvl8pPr>
+            <a:lvl9pPr marL="3886200" indent="-228600" algn="l" defTabSz="914400" rtl="0" eaLnBrk="1" latinLnBrk="0" hangingPunct="1">
+              <a:lnSpc>
+                <a:spcPct val="90000"/>
+              </a:lnSpc>
+              <a:spcBef>
+                <a:spcPts val="500"/>
+              </a:spcBef>
+              <a:buFont typeface="Arial" panose="020B0604020202020204" pitchFamily="34" charset="0"/>
+              <a:buChar char="•"/>
+              <a:defRPr sz="1800" kern="1200">
+                <a:solidFill>
+                  <a:schemeClr val="tx1"/>
+                </a:solidFill>
+                <a:latin typeface="+mn-lt"/>
+                <a:ea typeface="+mn-ea"/>
+                <a:cs typeface="+mn-cs"/>
+              </a:defRPr>
+            </a:lvl9pPr>
+          </a:lstStyle>
+          <a:p>
+            <a:pPr marL="0" indent="0">
+              <a:spcBef>
+                <a:spcPct val="0"/>
+              </a:spcBef>
+              <a:spcAft>
+                <a:spcPct val="0"/>
+              </a:spcAft>
+              <a:buNone/>
+            </a:pPr>
+            <a:fld id="{D731A5A5-500D-4E77-B48A-60B1DF216EF2}" type="datetime'Ke''l''lo''''''gg''''’s'''' = ''''$18'',5''''''55''''.''40'''">
+              <a:rPr lang="en-US" altLang="en-US" sz="1400" smtClean="0"/>
+              <a:pPr/>
+              <a:t>Kellogg’s = $18,555.40</a:t>
+            </a:fld>
+            <a:endParaRPr lang="en-US" sz="1400" dirty="0"/>
+          </a:p>
+        </p:txBody>
+      </p:sp>
+      <p:sp>
+        <p:nvSpPr>
+          <p:cNvPr id="169" name="Text Placeholder 2">
+            <a:extLst>
+              <a:ext uri="{FF2B5EF4-FFF2-40B4-BE49-F238E27FC236}">
+                <a16:creationId xmlns:a16="http://schemas.microsoft.com/office/drawing/2014/main" id="{F01B8698-9294-F532-DDB4-2EE198CBAA21}"/>
+              </a:ext>
+            </a:extLst>
+          </p:cNvPr>
+          <p:cNvSpPr>
+            <a:spLocks noGrp="1"/>
+          </p:cNvSpPr>
+          <p:nvPr>
+            <p:custDataLst>
+              <p:tags r:id="rId19"/>
+            </p:custDataLst>
+          </p:nvPr>
+        </p:nvSpPr>
+        <p:spPr bwMode="auto">
+          <a:xfrm>
+            <a:off x="4022725" y="1917700"/>
+            <a:ext cx="1270000" cy="192088"/>
+          </a:xfrm>
+          <a:prstGeom prst="rect">
+            <a:avLst/>
+          </a:prstGeom>
+          <a:noFill/>
+          <a:ln>
+            <a:noFill/>
+          </a:ln>
+          <a:effectLst/>
+          <a:extLst>
+            <a:ext uri="{909E8E84-426E-40DD-AFC4-6F175D3DCCD1}">
+              <a14:hiddenFill xmlns:a14="http://schemas.microsoft.com/office/drawing/2010/main">
+                <a:solidFill>
+                  <a:schemeClr val="accent1"/>
+                </a:solidFill>
+              </a14:hiddenFill>
+            </a:ext>
+          </a:extLst>
+        </p:spPr>
+        <p:txBody>
+          <a:bodyPr vert="horz" wrap="none" lIns="0" tIns="0" rIns="0" bIns="0" numCol="1" spcCol="0" rtlCol="0" anchor="ctr" anchorCtr="0">
+            <a:noAutofit/>
+          </a:bodyPr>
+          <a:lstStyle>
+            <a:lvl1pPr marL="228600" indent="-228600" algn="l" defTabSz="914400" rtl="0" eaLnBrk="1" latinLnBrk="0" hangingPunct="1">
+              <a:lnSpc>
+                <a:spcPct val="90000"/>
+              </a:lnSpc>
+              <a:spcBef>
+                <a:spcPts val="1000"/>
+              </a:spcBef>
+              <a:buFont typeface="Arial" panose="020B0604020202020204" pitchFamily="34" charset="0"/>
+              <a:buChar char="•"/>
+              <a:defRPr sz="2800" kern="1200">
+                <a:solidFill>
+                  <a:schemeClr val="tx1"/>
+                </a:solidFill>
+                <a:latin typeface="+mn-lt"/>
+                <a:ea typeface="+mn-ea"/>
+                <a:cs typeface="+mn-cs"/>
+              </a:defRPr>
+            </a:lvl1pPr>
+            <a:lvl2pPr marL="685800" indent="-228600" algn="l" defTabSz="914400" rtl="0" eaLnBrk="1" latinLnBrk="0" hangingPunct="1">
+              <a:lnSpc>
+                <a:spcPct val="90000"/>
+              </a:lnSpc>
+              <a:spcBef>
+                <a:spcPts val="500"/>
+              </a:spcBef>
+              <a:buFont typeface="Arial" panose="020B0604020202020204" pitchFamily="34" charset="0"/>
+              <a:buChar char="•"/>
+              <a:defRPr sz="2400" kern="1200">
+                <a:solidFill>
+                  <a:schemeClr val="tx1"/>
+                </a:solidFill>
+                <a:latin typeface="+mn-lt"/>
+                <a:ea typeface="+mn-ea"/>
+                <a:cs typeface="+mn-cs"/>
+              </a:defRPr>
+            </a:lvl2pPr>
+            <a:lvl3pPr marL="1143000" indent="-228600" algn="l" defTabSz="914400" rtl="0" eaLnBrk="1" latinLnBrk="0" hangingPunct="1">
+              <a:lnSpc>
+                <a:spcPct val="90000"/>
+              </a:lnSpc>
+              <a:spcBef>
+                <a:spcPts val="500"/>
+              </a:spcBef>
+              <a:buFont typeface="Arial" panose="020B0604020202020204" pitchFamily="34" charset="0"/>
+              <a:buChar char="•"/>
+              <a:defRPr sz="2000" kern="1200">
+                <a:solidFill>
+                  <a:schemeClr val="tx1"/>
+                </a:solidFill>
+                <a:latin typeface="+mn-lt"/>
+                <a:ea typeface="+mn-ea"/>
+                <a:cs typeface="+mn-cs"/>
+              </a:defRPr>
+            </a:lvl3pPr>
+            <a:lvl4pPr marL="1600200" indent="-228600" algn="l" defTabSz="914400" rtl="0" eaLnBrk="1" latinLnBrk="0" hangingPunct="1">
+              <a:lnSpc>
+                <a:spcPct val="90000"/>
+              </a:lnSpc>
+              <a:spcBef>
+                <a:spcPts val="500"/>
+              </a:spcBef>
+              <a:buFont typeface="Arial" panose="020B0604020202020204" pitchFamily="34" charset="0"/>
+              <a:buChar char="•"/>
+              <a:defRPr sz="1800" kern="1200">
+                <a:solidFill>
+                  <a:schemeClr val="tx1"/>
+                </a:solidFill>
+                <a:latin typeface="+mn-lt"/>
+                <a:ea typeface="+mn-ea"/>
+                <a:cs typeface="+mn-cs"/>
+              </a:defRPr>
+            </a:lvl4pPr>
+            <a:lvl5pPr marL="2057400" indent="-228600" algn="l" defTabSz="914400" rtl="0" eaLnBrk="1" latinLnBrk="0" hangingPunct="1">
+              <a:lnSpc>
+                <a:spcPct val="90000"/>
+              </a:lnSpc>
+              <a:spcBef>
+                <a:spcPts val="500"/>
+              </a:spcBef>
+              <a:buFont typeface="Arial" panose="020B0604020202020204" pitchFamily="34" charset="0"/>
+              <a:buChar char="•"/>
+              <a:defRPr sz="1800" kern="1200">
+                <a:solidFill>
+                  <a:schemeClr val="tx1"/>
+                </a:solidFill>
+                <a:latin typeface="+mn-lt"/>
+                <a:ea typeface="+mn-ea"/>
+                <a:cs typeface="+mn-cs"/>
+              </a:defRPr>
+            </a:lvl5pPr>
+            <a:lvl6pPr marL="2514600" indent="-228600" algn="l" defTabSz="914400" rtl="0" eaLnBrk="1" latinLnBrk="0" hangingPunct="1">
+              <a:lnSpc>
+                <a:spcPct val="90000"/>
+              </a:lnSpc>
+              <a:spcBef>
+                <a:spcPts val="500"/>
+              </a:spcBef>
+              <a:buFont typeface="Arial" panose="020B0604020202020204" pitchFamily="34" charset="0"/>
+              <a:buChar char="•"/>
+              <a:defRPr sz="1800" kern="1200">
+                <a:solidFill>
+                  <a:schemeClr val="tx1"/>
+                </a:solidFill>
+                <a:latin typeface="+mn-lt"/>
+                <a:ea typeface="+mn-ea"/>
+                <a:cs typeface="+mn-cs"/>
+              </a:defRPr>
+            </a:lvl6pPr>
+            <a:lvl7pPr marL="2971800" indent="-228600" algn="l" defTabSz="914400" rtl="0" eaLnBrk="1" latinLnBrk="0" hangingPunct="1">
+              <a:lnSpc>
+                <a:spcPct val="90000"/>
+              </a:lnSpc>
+              <a:spcBef>
+                <a:spcPts val="500"/>
+              </a:spcBef>
+              <a:buFont typeface="Arial" panose="020B0604020202020204" pitchFamily="34" charset="0"/>
+              <a:buChar char="•"/>
+              <a:defRPr sz="1800" kern="1200">
+                <a:solidFill>
+                  <a:schemeClr val="tx1"/>
+                </a:solidFill>
+                <a:latin typeface="+mn-lt"/>
+                <a:ea typeface="+mn-ea"/>
+                <a:cs typeface="+mn-cs"/>
+              </a:defRPr>
+            </a:lvl7pPr>
+            <a:lvl8pPr marL="3429000" indent="-228600" algn="l" defTabSz="914400" rtl="0" eaLnBrk="1" latinLnBrk="0" hangingPunct="1">
+              <a:lnSpc>
+                <a:spcPct val="90000"/>
+              </a:lnSpc>
+              <a:spcBef>
+                <a:spcPts val="500"/>
+              </a:spcBef>
+              <a:buFont typeface="Arial" panose="020B0604020202020204" pitchFamily="34" charset="0"/>
+              <a:buChar char="•"/>
+              <a:defRPr sz="1800" kern="1200">
+                <a:solidFill>
+                  <a:schemeClr val="tx1"/>
+                </a:solidFill>
+                <a:latin typeface="+mn-lt"/>
+                <a:ea typeface="+mn-ea"/>
+                <a:cs typeface="+mn-cs"/>
+              </a:defRPr>
+            </a:lvl8pPr>
+            <a:lvl9pPr marL="3886200" indent="-228600" algn="l" defTabSz="914400" rtl="0" eaLnBrk="1" latinLnBrk="0" hangingPunct="1">
+              <a:lnSpc>
+                <a:spcPct val="90000"/>
+              </a:lnSpc>
+              <a:spcBef>
+                <a:spcPts val="500"/>
+              </a:spcBef>
+              <a:buFont typeface="Arial" panose="020B0604020202020204" pitchFamily="34" charset="0"/>
+              <a:buChar char="•"/>
+              <a:defRPr sz="1800" kern="1200">
+                <a:solidFill>
+                  <a:schemeClr val="tx1"/>
+                </a:solidFill>
+                <a:latin typeface="+mn-lt"/>
+                <a:ea typeface="+mn-ea"/>
+                <a:cs typeface="+mn-cs"/>
+              </a:defRPr>
+            </a:lvl9pPr>
+          </a:lstStyle>
+          <a:p>
+            <a:pPr marL="0" indent="0">
+              <a:spcBef>
+                <a:spcPct val="0"/>
+              </a:spcBef>
+              <a:spcAft>
+                <a:spcPct val="0"/>
+              </a:spcAft>
+              <a:buNone/>
+            </a:pPr>
+            <a:fld id="{D9CD9367-4C90-4362-9C02-23DADA762573}" type="datetime'Fo''''l''g''e''''r''''s'''' ='' ''$1''''''''''''8'',9''00'">
+              <a:rPr lang="en-US" altLang="en-US" sz="1400" smtClean="0"/>
+              <a:pPr/>
+              <a:t>Folgers = $18,900</a:t>
             </a:fld>
             <a:endParaRPr lang="en-US" sz="1400" dirty="0"/>
           </a:p>
@@ -7171,7 +8211,7 @@
           </p:cNvSpPr>
           <p:nvPr>
             <p:custDataLst>
-              <p:tags r:id="rId18"/>
+              <p:tags r:id="rId20"/>
             </p:custDataLst>
           </p:nvPr>
         </p:nvSpPr>
@@ -7380,462 +8420,6 @@
               <a:rPr lang="en-US" altLang="en-US" sz="1400" smtClean="0"/>
               <a:pPr/>
               <a:t>Bigelow = $18,362.70</a:t>
-            </a:fld>
-            <a:endParaRPr lang="en-US" sz="1400" dirty="0"/>
-          </a:p>
-        </p:txBody>
-      </p:sp>
-      <p:sp>
-        <p:nvSpPr>
-          <p:cNvPr id="168" name="Text Placeholder 2">
-            <a:extLst>
-              <a:ext uri="{FF2B5EF4-FFF2-40B4-BE49-F238E27FC236}">
-                <a16:creationId xmlns:a16="http://schemas.microsoft.com/office/drawing/2014/main" id="{F01B8698-9294-F532-DDB4-2EE198CBAA21}"/>
-              </a:ext>
-            </a:extLst>
-          </p:cNvPr>
-          <p:cNvSpPr>
-            <a:spLocks noGrp="1"/>
-          </p:cNvSpPr>
-          <p:nvPr>
-            <p:custDataLst>
-              <p:tags r:id="rId19"/>
-            </p:custDataLst>
-          </p:nvPr>
-        </p:nvSpPr>
-        <p:spPr bwMode="auto">
-          <a:xfrm>
-            <a:off x="4022725" y="1663700"/>
-            <a:ext cx="1362075" cy="192088"/>
-          </a:xfrm>
-          <a:prstGeom prst="rect">
-            <a:avLst/>
-          </a:prstGeom>
-          <a:noFill/>
-          <a:ln>
-            <a:noFill/>
-          </a:ln>
-          <a:effectLst/>
-          <a:extLst>
-            <a:ext uri="{909E8E84-426E-40DD-AFC4-6F175D3DCCD1}">
-              <a14:hiddenFill xmlns:a14="http://schemas.microsoft.com/office/drawing/2010/main">
-                <a:solidFill>
-                  <a:schemeClr val="accent1"/>
-                </a:solidFill>
-              </a14:hiddenFill>
-            </a:ext>
-          </a:extLst>
-        </p:spPr>
-        <p:txBody>
-          <a:bodyPr vert="horz" wrap="none" lIns="0" tIns="0" rIns="0" bIns="0" numCol="1" spcCol="0" rtlCol="0" anchor="ctr" anchorCtr="0">
-            <a:noAutofit/>
-          </a:bodyPr>
-          <a:lstStyle>
-            <a:lvl1pPr marL="228600" indent="-228600" algn="l" defTabSz="914400" rtl="0" eaLnBrk="1" latinLnBrk="0" hangingPunct="1">
-              <a:lnSpc>
-                <a:spcPct val="90000"/>
-              </a:lnSpc>
-              <a:spcBef>
-                <a:spcPts val="1000"/>
-              </a:spcBef>
-              <a:buFont typeface="Arial" panose="020B0604020202020204" pitchFamily="34" charset="0"/>
-              <a:buChar char="•"/>
-              <a:defRPr sz="2800" kern="1200">
-                <a:solidFill>
-                  <a:schemeClr val="tx1"/>
-                </a:solidFill>
-                <a:latin typeface="+mn-lt"/>
-                <a:ea typeface="+mn-ea"/>
-                <a:cs typeface="+mn-cs"/>
-              </a:defRPr>
-            </a:lvl1pPr>
-            <a:lvl2pPr marL="685800" indent="-228600" algn="l" defTabSz="914400" rtl="0" eaLnBrk="1" latinLnBrk="0" hangingPunct="1">
-              <a:lnSpc>
-                <a:spcPct val="90000"/>
-              </a:lnSpc>
-              <a:spcBef>
-                <a:spcPts val="500"/>
-              </a:spcBef>
-              <a:buFont typeface="Arial" panose="020B0604020202020204" pitchFamily="34" charset="0"/>
-              <a:buChar char="•"/>
-              <a:defRPr sz="2400" kern="1200">
-                <a:solidFill>
-                  <a:schemeClr val="tx1"/>
-                </a:solidFill>
-                <a:latin typeface="+mn-lt"/>
-                <a:ea typeface="+mn-ea"/>
-                <a:cs typeface="+mn-cs"/>
-              </a:defRPr>
-            </a:lvl2pPr>
-            <a:lvl3pPr marL="1143000" indent="-228600" algn="l" defTabSz="914400" rtl="0" eaLnBrk="1" latinLnBrk="0" hangingPunct="1">
-              <a:lnSpc>
-                <a:spcPct val="90000"/>
-              </a:lnSpc>
-              <a:spcBef>
-                <a:spcPts val="500"/>
-              </a:spcBef>
-              <a:buFont typeface="Arial" panose="020B0604020202020204" pitchFamily="34" charset="0"/>
-              <a:buChar char="•"/>
-              <a:defRPr sz="2000" kern="1200">
-                <a:solidFill>
-                  <a:schemeClr val="tx1"/>
-                </a:solidFill>
-                <a:latin typeface="+mn-lt"/>
-                <a:ea typeface="+mn-ea"/>
-                <a:cs typeface="+mn-cs"/>
-              </a:defRPr>
-            </a:lvl3pPr>
-            <a:lvl4pPr marL="1600200" indent="-228600" algn="l" defTabSz="914400" rtl="0" eaLnBrk="1" latinLnBrk="0" hangingPunct="1">
-              <a:lnSpc>
-                <a:spcPct val="90000"/>
-              </a:lnSpc>
-              <a:spcBef>
-                <a:spcPts val="500"/>
-              </a:spcBef>
-              <a:buFont typeface="Arial" panose="020B0604020202020204" pitchFamily="34" charset="0"/>
-              <a:buChar char="•"/>
-              <a:defRPr sz="1800" kern="1200">
-                <a:solidFill>
-                  <a:schemeClr val="tx1"/>
-                </a:solidFill>
-                <a:latin typeface="+mn-lt"/>
-                <a:ea typeface="+mn-ea"/>
-                <a:cs typeface="+mn-cs"/>
-              </a:defRPr>
-            </a:lvl4pPr>
-            <a:lvl5pPr marL="2057400" indent="-228600" algn="l" defTabSz="914400" rtl="0" eaLnBrk="1" latinLnBrk="0" hangingPunct="1">
-              <a:lnSpc>
-                <a:spcPct val="90000"/>
-              </a:lnSpc>
-              <a:spcBef>
-                <a:spcPts val="500"/>
-              </a:spcBef>
-              <a:buFont typeface="Arial" panose="020B0604020202020204" pitchFamily="34" charset="0"/>
-              <a:buChar char="•"/>
-              <a:defRPr sz="1800" kern="1200">
-                <a:solidFill>
-                  <a:schemeClr val="tx1"/>
-                </a:solidFill>
-                <a:latin typeface="+mn-lt"/>
-                <a:ea typeface="+mn-ea"/>
-                <a:cs typeface="+mn-cs"/>
-              </a:defRPr>
-            </a:lvl5pPr>
-            <a:lvl6pPr marL="2514600" indent="-228600" algn="l" defTabSz="914400" rtl="0" eaLnBrk="1" latinLnBrk="0" hangingPunct="1">
-              <a:lnSpc>
-                <a:spcPct val="90000"/>
-              </a:lnSpc>
-              <a:spcBef>
-                <a:spcPts val="500"/>
-              </a:spcBef>
-              <a:buFont typeface="Arial" panose="020B0604020202020204" pitchFamily="34" charset="0"/>
-              <a:buChar char="•"/>
-              <a:defRPr sz="1800" kern="1200">
-                <a:solidFill>
-                  <a:schemeClr val="tx1"/>
-                </a:solidFill>
-                <a:latin typeface="+mn-lt"/>
-                <a:ea typeface="+mn-ea"/>
-                <a:cs typeface="+mn-cs"/>
-              </a:defRPr>
-            </a:lvl6pPr>
-            <a:lvl7pPr marL="2971800" indent="-228600" algn="l" defTabSz="914400" rtl="0" eaLnBrk="1" latinLnBrk="0" hangingPunct="1">
-              <a:lnSpc>
-                <a:spcPct val="90000"/>
-              </a:lnSpc>
-              <a:spcBef>
-                <a:spcPts val="500"/>
-              </a:spcBef>
-              <a:buFont typeface="Arial" panose="020B0604020202020204" pitchFamily="34" charset="0"/>
-              <a:buChar char="•"/>
-              <a:defRPr sz="1800" kern="1200">
-                <a:solidFill>
-                  <a:schemeClr val="tx1"/>
-                </a:solidFill>
-                <a:latin typeface="+mn-lt"/>
-                <a:ea typeface="+mn-ea"/>
-                <a:cs typeface="+mn-cs"/>
-              </a:defRPr>
-            </a:lvl7pPr>
-            <a:lvl8pPr marL="3429000" indent="-228600" algn="l" defTabSz="914400" rtl="0" eaLnBrk="1" latinLnBrk="0" hangingPunct="1">
-              <a:lnSpc>
-                <a:spcPct val="90000"/>
-              </a:lnSpc>
-              <a:spcBef>
-                <a:spcPts val="500"/>
-              </a:spcBef>
-              <a:buFont typeface="Arial" panose="020B0604020202020204" pitchFamily="34" charset="0"/>
-              <a:buChar char="•"/>
-              <a:defRPr sz="1800" kern="1200">
-                <a:solidFill>
-                  <a:schemeClr val="tx1"/>
-                </a:solidFill>
-                <a:latin typeface="+mn-lt"/>
-                <a:ea typeface="+mn-ea"/>
-                <a:cs typeface="+mn-cs"/>
-              </a:defRPr>
-            </a:lvl8pPr>
-            <a:lvl9pPr marL="3886200" indent="-228600" algn="l" defTabSz="914400" rtl="0" eaLnBrk="1" latinLnBrk="0" hangingPunct="1">
-              <a:lnSpc>
-                <a:spcPct val="90000"/>
-              </a:lnSpc>
-              <a:spcBef>
-                <a:spcPts val="500"/>
-              </a:spcBef>
-              <a:buFont typeface="Arial" panose="020B0604020202020204" pitchFamily="34" charset="0"/>
-              <a:buChar char="•"/>
-              <a:defRPr sz="1800" kern="1200">
-                <a:solidFill>
-                  <a:schemeClr val="tx1"/>
-                </a:solidFill>
-                <a:latin typeface="+mn-lt"/>
-                <a:ea typeface="+mn-ea"/>
-                <a:cs typeface="+mn-cs"/>
-              </a:defRPr>
-            </a:lvl9pPr>
-          </a:lstStyle>
-          <a:p>
-            <a:pPr marL="0" indent="0">
-              <a:spcBef>
-                <a:spcPct val="0"/>
-              </a:spcBef>
-              <a:spcAft>
-                <a:spcPct val="0"/>
-              </a:spcAft>
-              <a:buNone/>
-            </a:pPr>
-            <a:fld id="{D28F3D5C-6800-4691-A322-E713C2DC232D}" type="datetime'Pep''''''si'' ''''''''''''''= $1''''''9'',''''3''''90''.''60'">
-              <a:rPr lang="en-US" altLang="en-US" sz="1400" smtClean="0"/>
-              <a:pPr/>
-              <a:t>Pepsi = $19,390.60</a:t>
-            </a:fld>
-            <a:endParaRPr lang="en-US" sz="1400" dirty="0"/>
-          </a:p>
-        </p:txBody>
-      </p:sp>
-      <p:sp>
-        <p:nvSpPr>
-          <p:cNvPr id="189" name="Text Placeholder 2">
-            <a:extLst>
-              <a:ext uri="{FF2B5EF4-FFF2-40B4-BE49-F238E27FC236}">
-                <a16:creationId xmlns:a16="http://schemas.microsoft.com/office/drawing/2014/main" id="{35BB811B-08DE-AB67-F9FD-C573E1C72AC3}"/>
-              </a:ext>
-            </a:extLst>
-          </p:cNvPr>
-          <p:cNvSpPr>
-            <a:spLocks noGrp="1"/>
-          </p:cNvSpPr>
-          <p:nvPr>
-            <p:custDataLst>
-              <p:tags r:id="rId20"/>
-            </p:custDataLst>
-          </p:nvPr>
-        </p:nvSpPr>
-        <p:spPr bwMode="auto">
-          <a:xfrm>
-            <a:off x="4022725" y="2171700"/>
-            <a:ext cx="1616075" cy="192088"/>
-          </a:xfrm>
-          <a:prstGeom prst="rect">
-            <a:avLst/>
-          </a:prstGeom>
-          <a:noFill/>
-          <a:ln>
-            <a:noFill/>
-          </a:ln>
-          <a:effectLst/>
-          <a:extLst>
-            <a:ext uri="{909E8E84-426E-40DD-AFC4-6F175D3DCCD1}">
-              <a14:hiddenFill xmlns:a14="http://schemas.microsoft.com/office/drawing/2010/main">
-                <a:solidFill>
-                  <a:schemeClr val="accent1"/>
-                </a:solidFill>
-              </a14:hiddenFill>
-            </a:ext>
-          </a:extLst>
-        </p:spPr>
-        <p:txBody>
-          <a:bodyPr vert="horz" wrap="none" lIns="0" tIns="0" rIns="0" bIns="0" numCol="1" spcCol="0" rtlCol="0" anchor="ctr" anchorCtr="0">
-            <a:noAutofit/>
-          </a:bodyPr>
-          <a:lstStyle>
-            <a:lvl1pPr marL="228600" indent="-228600" algn="l" defTabSz="914400" rtl="0" eaLnBrk="1" latinLnBrk="0" hangingPunct="1">
-              <a:lnSpc>
-                <a:spcPct val="90000"/>
-              </a:lnSpc>
-              <a:spcBef>
-                <a:spcPts val="1000"/>
-              </a:spcBef>
-              <a:buFont typeface="Arial" panose="020B0604020202020204" pitchFamily="34" charset="0"/>
-              <a:buChar char="•"/>
-              <a:defRPr sz="2800" kern="1200">
-                <a:solidFill>
-                  <a:schemeClr val="tx1"/>
-                </a:solidFill>
-                <a:latin typeface="+mn-lt"/>
-                <a:ea typeface="+mn-ea"/>
-                <a:cs typeface="+mn-cs"/>
-              </a:defRPr>
-            </a:lvl1pPr>
-            <a:lvl2pPr marL="685800" indent="-228600" algn="l" defTabSz="914400" rtl="0" eaLnBrk="1" latinLnBrk="0" hangingPunct="1">
-              <a:lnSpc>
-                <a:spcPct val="90000"/>
-              </a:lnSpc>
-              <a:spcBef>
-                <a:spcPts val="500"/>
-              </a:spcBef>
-              <a:buFont typeface="Arial" panose="020B0604020202020204" pitchFamily="34" charset="0"/>
-              <a:buChar char="•"/>
-              <a:defRPr sz="2400" kern="1200">
-                <a:solidFill>
-                  <a:schemeClr val="tx1"/>
-                </a:solidFill>
-                <a:latin typeface="+mn-lt"/>
-                <a:ea typeface="+mn-ea"/>
-                <a:cs typeface="+mn-cs"/>
-              </a:defRPr>
-            </a:lvl2pPr>
-            <a:lvl3pPr marL="1143000" indent="-228600" algn="l" defTabSz="914400" rtl="0" eaLnBrk="1" latinLnBrk="0" hangingPunct="1">
-              <a:lnSpc>
-                <a:spcPct val="90000"/>
-              </a:lnSpc>
-              <a:spcBef>
-                <a:spcPts val="500"/>
-              </a:spcBef>
-              <a:buFont typeface="Arial" panose="020B0604020202020204" pitchFamily="34" charset="0"/>
-              <a:buChar char="•"/>
-              <a:defRPr sz="2000" kern="1200">
-                <a:solidFill>
-                  <a:schemeClr val="tx1"/>
-                </a:solidFill>
-                <a:latin typeface="+mn-lt"/>
-                <a:ea typeface="+mn-ea"/>
-                <a:cs typeface="+mn-cs"/>
-              </a:defRPr>
-            </a:lvl3pPr>
-            <a:lvl4pPr marL="1600200" indent="-228600" algn="l" defTabSz="914400" rtl="0" eaLnBrk="1" latinLnBrk="0" hangingPunct="1">
-              <a:lnSpc>
-                <a:spcPct val="90000"/>
-              </a:lnSpc>
-              <a:spcBef>
-                <a:spcPts val="500"/>
-              </a:spcBef>
-              <a:buFont typeface="Arial" panose="020B0604020202020204" pitchFamily="34" charset="0"/>
-              <a:buChar char="•"/>
-              <a:defRPr sz="1800" kern="1200">
-                <a:solidFill>
-                  <a:schemeClr val="tx1"/>
-                </a:solidFill>
-                <a:latin typeface="+mn-lt"/>
-                <a:ea typeface="+mn-ea"/>
-                <a:cs typeface="+mn-cs"/>
-              </a:defRPr>
-            </a:lvl4pPr>
-            <a:lvl5pPr marL="2057400" indent="-228600" algn="l" defTabSz="914400" rtl="0" eaLnBrk="1" latinLnBrk="0" hangingPunct="1">
-              <a:lnSpc>
-                <a:spcPct val="90000"/>
-              </a:lnSpc>
-              <a:spcBef>
-                <a:spcPts val="500"/>
-              </a:spcBef>
-              <a:buFont typeface="Arial" panose="020B0604020202020204" pitchFamily="34" charset="0"/>
-              <a:buChar char="•"/>
-              <a:defRPr sz="1800" kern="1200">
-                <a:solidFill>
-                  <a:schemeClr val="tx1"/>
-                </a:solidFill>
-                <a:latin typeface="+mn-lt"/>
-                <a:ea typeface="+mn-ea"/>
-                <a:cs typeface="+mn-cs"/>
-              </a:defRPr>
-            </a:lvl5pPr>
-            <a:lvl6pPr marL="2514600" indent="-228600" algn="l" defTabSz="914400" rtl="0" eaLnBrk="1" latinLnBrk="0" hangingPunct="1">
-              <a:lnSpc>
-                <a:spcPct val="90000"/>
-              </a:lnSpc>
-              <a:spcBef>
-                <a:spcPts val="500"/>
-              </a:spcBef>
-              <a:buFont typeface="Arial" panose="020B0604020202020204" pitchFamily="34" charset="0"/>
-              <a:buChar char="•"/>
-              <a:defRPr sz="1800" kern="1200">
-                <a:solidFill>
-                  <a:schemeClr val="tx1"/>
-                </a:solidFill>
-                <a:latin typeface="+mn-lt"/>
-                <a:ea typeface="+mn-ea"/>
-                <a:cs typeface="+mn-cs"/>
-              </a:defRPr>
-            </a:lvl6pPr>
-            <a:lvl7pPr marL="2971800" indent="-228600" algn="l" defTabSz="914400" rtl="0" eaLnBrk="1" latinLnBrk="0" hangingPunct="1">
-              <a:lnSpc>
-                <a:spcPct val="90000"/>
-              </a:lnSpc>
-              <a:spcBef>
-                <a:spcPts val="500"/>
-              </a:spcBef>
-              <a:buFont typeface="Arial" panose="020B0604020202020204" pitchFamily="34" charset="0"/>
-              <a:buChar char="•"/>
-              <a:defRPr sz="1800" kern="1200">
-                <a:solidFill>
-                  <a:schemeClr val="tx1"/>
-                </a:solidFill>
-                <a:latin typeface="+mn-lt"/>
-                <a:ea typeface="+mn-ea"/>
-                <a:cs typeface="+mn-cs"/>
-              </a:defRPr>
-            </a:lvl7pPr>
-            <a:lvl8pPr marL="3429000" indent="-228600" algn="l" defTabSz="914400" rtl="0" eaLnBrk="1" latinLnBrk="0" hangingPunct="1">
-              <a:lnSpc>
-                <a:spcPct val="90000"/>
-              </a:lnSpc>
-              <a:spcBef>
-                <a:spcPts val="500"/>
-              </a:spcBef>
-              <a:buFont typeface="Arial" panose="020B0604020202020204" pitchFamily="34" charset="0"/>
-              <a:buChar char="•"/>
-              <a:defRPr sz="1800" kern="1200">
-                <a:solidFill>
-                  <a:schemeClr val="tx1"/>
-                </a:solidFill>
-                <a:latin typeface="+mn-lt"/>
-                <a:ea typeface="+mn-ea"/>
-                <a:cs typeface="+mn-cs"/>
-              </a:defRPr>
-            </a:lvl8pPr>
-            <a:lvl9pPr marL="3886200" indent="-228600" algn="l" defTabSz="914400" rtl="0" eaLnBrk="1" latinLnBrk="0" hangingPunct="1">
-              <a:lnSpc>
-                <a:spcPct val="90000"/>
-              </a:lnSpc>
-              <a:spcBef>
-                <a:spcPts val="500"/>
-              </a:spcBef>
-              <a:buFont typeface="Arial" panose="020B0604020202020204" pitchFamily="34" charset="0"/>
-              <a:buChar char="•"/>
-              <a:defRPr sz="1800" kern="1200">
-                <a:solidFill>
-                  <a:schemeClr val="tx1"/>
-                </a:solidFill>
-                <a:latin typeface="+mn-lt"/>
-                <a:ea typeface="+mn-ea"/>
-                <a:cs typeface="+mn-cs"/>
-              </a:defRPr>
-            </a:lvl9pPr>
-          </a:lstStyle>
-          <a:p>
-            <a:pPr marL="0" indent="0">
-              <a:spcBef>
-                <a:spcPct val="0"/>
-              </a:spcBef>
-              <a:spcAft>
-                <a:spcPct val="0"/>
-              </a:spcAft>
-              <a:buNone/>
-            </a:pPr>
-            <a:fld id="{D731A5A5-500D-4E77-B48A-60B1DF216EF2}" type="datetime'Ke''l''lo''''''gg''''’s'''' = ''''$18'',5''''''55''''.''40'''">
-              <a:rPr lang="en-US" altLang="en-US" sz="1400" smtClean="0"/>
-              <a:pPr/>
-              <a:t>Kellogg’s = $18,555.40</a:t>
             </a:fld>
             <a:endParaRPr lang="en-US" sz="1400" dirty="0"/>
           </a:p>
@@ -7943,10 +8527,10 @@
       </p:sp>
       <p:graphicFrame>
         <p:nvGraphicFramePr>
-          <p:cNvPr id="3" name="Chart 2">
+          <p:cNvPr id="466" name="Chart 465">
             <a:extLst>
               <a:ext uri="{FF2B5EF4-FFF2-40B4-BE49-F238E27FC236}">
-                <a16:creationId xmlns:a16="http://schemas.microsoft.com/office/drawing/2014/main" id="{D2E8DBCA-E70C-D175-5372-A226706F5712}"/>
+                <a16:creationId xmlns:a16="http://schemas.microsoft.com/office/drawing/2014/main" id="{3E3198C3-C4F8-578B-8084-83A2A65F0F82}"/>
               </a:ext>
             </a:extLst>
           </p:cNvPr>
@@ -7957,13 +8541,13 @@
             </p:custDataLst>
             <p:extLst>
               <p:ext uri="{D42A27DB-BD31-4B8C-83A1-F6EECF244321}">
-                <p14:modId xmlns:p14="http://schemas.microsoft.com/office/powerpoint/2010/main" val="2283266206"/>
+                <p14:modId xmlns:p14="http://schemas.microsoft.com/office/powerpoint/2010/main" val="2102574741"/>
               </p:ext>
             </p:extLst>
           </p:nvPr>
         </p:nvGraphicFramePr>
         <p:xfrm>
-          <a:off x="6588125" y="1244600"/>
+          <a:off x="6689725" y="1185863"/>
           <a:ext cx="3444875" cy="3444875"/>
         </p:xfrm>
         <a:graphic>
@@ -7992,7 +8576,7 @@
         </p:nvSpPr>
         <p:spPr bwMode="gray">
           <a:xfrm>
-            <a:off x="7453313" y="1568450"/>
+            <a:off x="7554913" y="1509713"/>
             <a:ext cx="403225" cy="192088"/>
           </a:xfrm>
           <a:prstGeom prst="rect">
@@ -8197,10 +8781,10 @@
       </p:sp>
       <p:sp>
         <p:nvSpPr>
-          <p:cNvPr id="388" name="Text Placeholder 2">
+          <p:cNvPr id="390" name="Text Placeholder 2">
             <a:extLst>
               <a:ext uri="{FF2B5EF4-FFF2-40B4-BE49-F238E27FC236}">
-                <a16:creationId xmlns:a16="http://schemas.microsoft.com/office/drawing/2014/main" id="{1668D685-E39E-CA78-E994-97AB150EA2B8}"/>
+                <a16:creationId xmlns:a16="http://schemas.microsoft.com/office/drawing/2014/main" id="{5A361C12-95C9-5F06-4553-BA298A0D4878}"/>
               </a:ext>
             </a:extLst>
           </p:cNvPr>
@@ -8215,7 +8799,237 @@
         </p:nvSpPr>
         <p:spPr bwMode="gray">
           <a:xfrm>
-            <a:off x="7681913" y="1760538"/>
+            <a:off x="7966075" y="1336675"/>
+            <a:ext cx="403225" cy="192088"/>
+          </a:xfrm>
+          <a:prstGeom prst="rect">
+            <a:avLst/>
+          </a:prstGeom>
+          <a:solidFill>
+            <a:srgbClr val="C30C3E"/>
+          </a:solidFill>
+          <a:ln>
+            <a:noFill/>
+          </a:ln>
+          <a:effectLst/>
+        </p:spPr>
+        <p:txBody>
+          <a:bodyPr vert="horz" wrap="none" lIns="25400" tIns="0" rIns="25400" bIns="0" numCol="1" spcCol="0" rtlCol="0" anchor="ctr" anchorCtr="0">
+            <a:noAutofit/>
+          </a:bodyPr>
+          <a:lstStyle>
+            <a:lvl1pPr marL="228600" indent="-228600" algn="l" defTabSz="914400" rtl="0" eaLnBrk="1" latinLnBrk="0" hangingPunct="1">
+              <a:lnSpc>
+                <a:spcPct val="90000"/>
+              </a:lnSpc>
+              <a:spcBef>
+                <a:spcPts val="1000"/>
+              </a:spcBef>
+              <a:buFont typeface="Arial" panose="020B0604020202020204" pitchFamily="34" charset="0"/>
+              <a:buChar char="•"/>
+              <a:defRPr sz="2800" kern="1200">
+                <a:solidFill>
+                  <a:schemeClr val="tx1"/>
+                </a:solidFill>
+                <a:latin typeface="+mn-lt"/>
+                <a:ea typeface="+mn-ea"/>
+                <a:cs typeface="+mn-cs"/>
+              </a:defRPr>
+            </a:lvl1pPr>
+            <a:lvl2pPr marL="685800" indent="-228600" algn="l" defTabSz="914400" rtl="0" eaLnBrk="1" latinLnBrk="0" hangingPunct="1">
+              <a:lnSpc>
+                <a:spcPct val="90000"/>
+              </a:lnSpc>
+              <a:spcBef>
+                <a:spcPts val="500"/>
+              </a:spcBef>
+              <a:buFont typeface="Arial" panose="020B0604020202020204" pitchFamily="34" charset="0"/>
+              <a:buChar char="•"/>
+              <a:defRPr sz="2400" kern="1200">
+                <a:solidFill>
+                  <a:schemeClr val="tx1"/>
+                </a:solidFill>
+                <a:latin typeface="+mn-lt"/>
+                <a:ea typeface="+mn-ea"/>
+                <a:cs typeface="+mn-cs"/>
+              </a:defRPr>
+            </a:lvl2pPr>
+            <a:lvl3pPr marL="1143000" indent="-228600" algn="l" defTabSz="914400" rtl="0" eaLnBrk="1" latinLnBrk="0" hangingPunct="1">
+              <a:lnSpc>
+                <a:spcPct val="90000"/>
+              </a:lnSpc>
+              <a:spcBef>
+                <a:spcPts val="500"/>
+              </a:spcBef>
+              <a:buFont typeface="Arial" panose="020B0604020202020204" pitchFamily="34" charset="0"/>
+              <a:buChar char="•"/>
+              <a:defRPr sz="2000" kern="1200">
+                <a:solidFill>
+                  <a:schemeClr val="tx1"/>
+                </a:solidFill>
+                <a:latin typeface="+mn-lt"/>
+                <a:ea typeface="+mn-ea"/>
+                <a:cs typeface="+mn-cs"/>
+              </a:defRPr>
+            </a:lvl3pPr>
+            <a:lvl4pPr marL="1600200" indent="-228600" algn="l" defTabSz="914400" rtl="0" eaLnBrk="1" latinLnBrk="0" hangingPunct="1">
+              <a:lnSpc>
+                <a:spcPct val="90000"/>
+              </a:lnSpc>
+              <a:spcBef>
+                <a:spcPts val="500"/>
+              </a:spcBef>
+              <a:buFont typeface="Arial" panose="020B0604020202020204" pitchFamily="34" charset="0"/>
+              <a:buChar char="•"/>
+              <a:defRPr sz="1800" kern="1200">
+                <a:solidFill>
+                  <a:schemeClr val="tx1"/>
+                </a:solidFill>
+                <a:latin typeface="+mn-lt"/>
+                <a:ea typeface="+mn-ea"/>
+                <a:cs typeface="+mn-cs"/>
+              </a:defRPr>
+            </a:lvl4pPr>
+            <a:lvl5pPr marL="2057400" indent="-228600" algn="l" defTabSz="914400" rtl="0" eaLnBrk="1" latinLnBrk="0" hangingPunct="1">
+              <a:lnSpc>
+                <a:spcPct val="90000"/>
+              </a:lnSpc>
+              <a:spcBef>
+                <a:spcPts val="500"/>
+              </a:spcBef>
+              <a:buFont typeface="Arial" panose="020B0604020202020204" pitchFamily="34" charset="0"/>
+              <a:buChar char="•"/>
+              <a:defRPr sz="1800" kern="1200">
+                <a:solidFill>
+                  <a:schemeClr val="tx1"/>
+                </a:solidFill>
+                <a:latin typeface="+mn-lt"/>
+                <a:ea typeface="+mn-ea"/>
+                <a:cs typeface="+mn-cs"/>
+              </a:defRPr>
+            </a:lvl5pPr>
+            <a:lvl6pPr marL="2514600" indent="-228600" algn="l" defTabSz="914400" rtl="0" eaLnBrk="1" latinLnBrk="0" hangingPunct="1">
+              <a:lnSpc>
+                <a:spcPct val="90000"/>
+              </a:lnSpc>
+              <a:spcBef>
+                <a:spcPts val="500"/>
+              </a:spcBef>
+              <a:buFont typeface="Arial" panose="020B0604020202020204" pitchFamily="34" charset="0"/>
+              <a:buChar char="•"/>
+              <a:defRPr sz="1800" kern="1200">
+                <a:solidFill>
+                  <a:schemeClr val="tx1"/>
+                </a:solidFill>
+                <a:latin typeface="+mn-lt"/>
+                <a:ea typeface="+mn-ea"/>
+                <a:cs typeface="+mn-cs"/>
+              </a:defRPr>
+            </a:lvl6pPr>
+            <a:lvl7pPr marL="2971800" indent="-228600" algn="l" defTabSz="914400" rtl="0" eaLnBrk="1" latinLnBrk="0" hangingPunct="1">
+              <a:lnSpc>
+                <a:spcPct val="90000"/>
+              </a:lnSpc>
+              <a:spcBef>
+                <a:spcPts val="500"/>
+              </a:spcBef>
+              <a:buFont typeface="Arial" panose="020B0604020202020204" pitchFamily="34" charset="0"/>
+              <a:buChar char="•"/>
+              <a:defRPr sz="1800" kern="1200">
+                <a:solidFill>
+                  <a:schemeClr val="tx1"/>
+                </a:solidFill>
+                <a:latin typeface="+mn-lt"/>
+                <a:ea typeface="+mn-ea"/>
+                <a:cs typeface="+mn-cs"/>
+              </a:defRPr>
+            </a:lvl7pPr>
+            <a:lvl8pPr marL="3429000" indent="-228600" algn="l" defTabSz="914400" rtl="0" eaLnBrk="1" latinLnBrk="0" hangingPunct="1">
+              <a:lnSpc>
+                <a:spcPct val="90000"/>
+              </a:lnSpc>
+              <a:spcBef>
+                <a:spcPts val="500"/>
+              </a:spcBef>
+              <a:buFont typeface="Arial" panose="020B0604020202020204" pitchFamily="34" charset="0"/>
+              <a:buChar char="•"/>
+              <a:defRPr sz="1800" kern="1200">
+                <a:solidFill>
+                  <a:schemeClr val="tx1"/>
+                </a:solidFill>
+                <a:latin typeface="+mn-lt"/>
+                <a:ea typeface="+mn-ea"/>
+                <a:cs typeface="+mn-cs"/>
+              </a:defRPr>
+            </a:lvl8pPr>
+            <a:lvl9pPr marL="3886200" indent="-228600" algn="l" defTabSz="914400" rtl="0" eaLnBrk="1" latinLnBrk="0" hangingPunct="1">
+              <a:lnSpc>
+                <a:spcPct val="90000"/>
+              </a:lnSpc>
+              <a:spcBef>
+                <a:spcPts val="500"/>
+              </a:spcBef>
+              <a:buFont typeface="Arial" panose="020B0604020202020204" pitchFamily="34" charset="0"/>
+              <a:buChar char="•"/>
+              <a:defRPr sz="1800" kern="1200">
+                <a:solidFill>
+                  <a:schemeClr val="tx1"/>
+                </a:solidFill>
+                <a:latin typeface="+mn-lt"/>
+                <a:ea typeface="+mn-ea"/>
+                <a:cs typeface="+mn-cs"/>
+              </a:defRPr>
+            </a:lvl9pPr>
+          </a:lstStyle>
+          <a:p>
+            <a:pPr marL="0" indent="0" algn="ctr">
+              <a:spcBef>
+                <a:spcPct val="0"/>
+              </a:spcBef>
+              <a:spcAft>
+                <a:spcPct val="0"/>
+              </a:spcAft>
+              <a:buNone/>
+            </a:pPr>
+            <a:fld id="{776F9243-2302-4A0A-BAAC-07467FE57D56}" type="datetime'1''''.7''''''''''''''''''''''''''''''''''''''''''%'''">
+              <a:rPr lang="en-US" altLang="en-US" sz="1400" smtClean="0">
+                <a:solidFill>
+                  <a:schemeClr val="bg1"/>
+                </a:solidFill>
+                <a:effectLst/>
+              </a:rPr>
+              <a:pPr/>
+              <a:t>1.7%</a:t>
+            </a:fld>
+            <a:endParaRPr lang="en-US" sz="1400" dirty="0">
+              <a:solidFill>
+                <a:schemeClr val="bg1"/>
+              </a:solidFill>
+            </a:endParaRPr>
+          </a:p>
+        </p:txBody>
+      </p:sp>
+      <p:sp>
+        <p:nvSpPr>
+          <p:cNvPr id="388" name="Text Placeholder 2">
+            <a:extLst>
+              <a:ext uri="{FF2B5EF4-FFF2-40B4-BE49-F238E27FC236}">
+                <a16:creationId xmlns:a16="http://schemas.microsoft.com/office/drawing/2014/main" id="{1668D685-E39E-CA78-E994-97AB150EA2B8}"/>
+              </a:ext>
+            </a:extLst>
+          </p:cNvPr>
+          <p:cNvSpPr>
+            <a:spLocks noGrp="1"/>
+          </p:cNvSpPr>
+          <p:nvPr>
+            <p:custDataLst>
+              <p:tags r:id="rId24"/>
+            </p:custDataLst>
+          </p:nvPr>
+        </p:nvSpPr>
+        <p:spPr bwMode="gray">
+          <a:xfrm>
+            <a:off x="7783513" y="1701800"/>
             <a:ext cx="403225" cy="192088"/>
           </a:xfrm>
           <a:prstGeom prst="rect">
@@ -8420,6 +9234,236 @@
       </p:sp>
       <p:sp>
         <p:nvSpPr>
+          <p:cNvPr id="391" name="Text Placeholder 2">
+            <a:extLst>
+              <a:ext uri="{FF2B5EF4-FFF2-40B4-BE49-F238E27FC236}">
+                <a16:creationId xmlns:a16="http://schemas.microsoft.com/office/drawing/2014/main" id="{9D0C0292-A91B-A51A-422D-523D00681132}"/>
+              </a:ext>
+            </a:extLst>
+          </p:cNvPr>
+          <p:cNvSpPr>
+            <a:spLocks noGrp="1"/>
+          </p:cNvSpPr>
+          <p:nvPr>
+            <p:custDataLst>
+              <p:tags r:id="rId25"/>
+            </p:custDataLst>
+          </p:nvPr>
+        </p:nvSpPr>
+        <p:spPr bwMode="gray">
+          <a:xfrm>
+            <a:off x="8170863" y="2085975"/>
+            <a:ext cx="403225" cy="192088"/>
+          </a:xfrm>
+          <a:prstGeom prst="rect">
+            <a:avLst/>
+          </a:prstGeom>
+          <a:solidFill>
+            <a:schemeClr val="accent6"/>
+          </a:solidFill>
+          <a:ln>
+            <a:noFill/>
+          </a:ln>
+          <a:effectLst/>
+        </p:spPr>
+        <p:txBody>
+          <a:bodyPr vert="horz" wrap="none" lIns="25400" tIns="0" rIns="25400" bIns="0" numCol="1" spcCol="0" rtlCol="0" anchor="ctr" anchorCtr="0">
+            <a:noAutofit/>
+          </a:bodyPr>
+          <a:lstStyle>
+            <a:lvl1pPr marL="228600" indent="-228600" algn="l" defTabSz="914400" rtl="0" eaLnBrk="1" latinLnBrk="0" hangingPunct="1">
+              <a:lnSpc>
+                <a:spcPct val="90000"/>
+              </a:lnSpc>
+              <a:spcBef>
+                <a:spcPts val="1000"/>
+              </a:spcBef>
+              <a:buFont typeface="Arial" panose="020B0604020202020204" pitchFamily="34" charset="0"/>
+              <a:buChar char="•"/>
+              <a:defRPr sz="2800" kern="1200">
+                <a:solidFill>
+                  <a:schemeClr val="tx1"/>
+                </a:solidFill>
+                <a:latin typeface="+mn-lt"/>
+                <a:ea typeface="+mn-ea"/>
+                <a:cs typeface="+mn-cs"/>
+              </a:defRPr>
+            </a:lvl1pPr>
+            <a:lvl2pPr marL="685800" indent="-228600" algn="l" defTabSz="914400" rtl="0" eaLnBrk="1" latinLnBrk="0" hangingPunct="1">
+              <a:lnSpc>
+                <a:spcPct val="90000"/>
+              </a:lnSpc>
+              <a:spcBef>
+                <a:spcPts val="500"/>
+              </a:spcBef>
+              <a:buFont typeface="Arial" panose="020B0604020202020204" pitchFamily="34" charset="0"/>
+              <a:buChar char="•"/>
+              <a:defRPr sz="2400" kern="1200">
+                <a:solidFill>
+                  <a:schemeClr val="tx1"/>
+                </a:solidFill>
+                <a:latin typeface="+mn-lt"/>
+                <a:ea typeface="+mn-ea"/>
+                <a:cs typeface="+mn-cs"/>
+              </a:defRPr>
+            </a:lvl2pPr>
+            <a:lvl3pPr marL="1143000" indent="-228600" algn="l" defTabSz="914400" rtl="0" eaLnBrk="1" latinLnBrk="0" hangingPunct="1">
+              <a:lnSpc>
+                <a:spcPct val="90000"/>
+              </a:lnSpc>
+              <a:spcBef>
+                <a:spcPts val="500"/>
+              </a:spcBef>
+              <a:buFont typeface="Arial" panose="020B0604020202020204" pitchFamily="34" charset="0"/>
+              <a:buChar char="•"/>
+              <a:defRPr sz="2000" kern="1200">
+                <a:solidFill>
+                  <a:schemeClr val="tx1"/>
+                </a:solidFill>
+                <a:latin typeface="+mn-lt"/>
+                <a:ea typeface="+mn-ea"/>
+                <a:cs typeface="+mn-cs"/>
+              </a:defRPr>
+            </a:lvl3pPr>
+            <a:lvl4pPr marL="1600200" indent="-228600" algn="l" defTabSz="914400" rtl="0" eaLnBrk="1" latinLnBrk="0" hangingPunct="1">
+              <a:lnSpc>
+                <a:spcPct val="90000"/>
+              </a:lnSpc>
+              <a:spcBef>
+                <a:spcPts val="500"/>
+              </a:spcBef>
+              <a:buFont typeface="Arial" panose="020B0604020202020204" pitchFamily="34" charset="0"/>
+              <a:buChar char="•"/>
+              <a:defRPr sz="1800" kern="1200">
+                <a:solidFill>
+                  <a:schemeClr val="tx1"/>
+                </a:solidFill>
+                <a:latin typeface="+mn-lt"/>
+                <a:ea typeface="+mn-ea"/>
+                <a:cs typeface="+mn-cs"/>
+              </a:defRPr>
+            </a:lvl4pPr>
+            <a:lvl5pPr marL="2057400" indent="-228600" algn="l" defTabSz="914400" rtl="0" eaLnBrk="1" latinLnBrk="0" hangingPunct="1">
+              <a:lnSpc>
+                <a:spcPct val="90000"/>
+              </a:lnSpc>
+              <a:spcBef>
+                <a:spcPts val="500"/>
+              </a:spcBef>
+              <a:buFont typeface="Arial" panose="020B0604020202020204" pitchFamily="34" charset="0"/>
+              <a:buChar char="•"/>
+              <a:defRPr sz="1800" kern="1200">
+                <a:solidFill>
+                  <a:schemeClr val="tx1"/>
+                </a:solidFill>
+                <a:latin typeface="+mn-lt"/>
+                <a:ea typeface="+mn-ea"/>
+                <a:cs typeface="+mn-cs"/>
+              </a:defRPr>
+            </a:lvl5pPr>
+            <a:lvl6pPr marL="2514600" indent="-228600" algn="l" defTabSz="914400" rtl="0" eaLnBrk="1" latinLnBrk="0" hangingPunct="1">
+              <a:lnSpc>
+                <a:spcPct val="90000"/>
+              </a:lnSpc>
+              <a:spcBef>
+                <a:spcPts val="500"/>
+              </a:spcBef>
+              <a:buFont typeface="Arial" panose="020B0604020202020204" pitchFamily="34" charset="0"/>
+              <a:buChar char="•"/>
+              <a:defRPr sz="1800" kern="1200">
+                <a:solidFill>
+                  <a:schemeClr val="tx1"/>
+                </a:solidFill>
+                <a:latin typeface="+mn-lt"/>
+                <a:ea typeface="+mn-ea"/>
+                <a:cs typeface="+mn-cs"/>
+              </a:defRPr>
+            </a:lvl6pPr>
+            <a:lvl7pPr marL="2971800" indent="-228600" algn="l" defTabSz="914400" rtl="0" eaLnBrk="1" latinLnBrk="0" hangingPunct="1">
+              <a:lnSpc>
+                <a:spcPct val="90000"/>
+              </a:lnSpc>
+              <a:spcBef>
+                <a:spcPts val="500"/>
+              </a:spcBef>
+              <a:buFont typeface="Arial" panose="020B0604020202020204" pitchFamily="34" charset="0"/>
+              <a:buChar char="•"/>
+              <a:defRPr sz="1800" kern="1200">
+                <a:solidFill>
+                  <a:schemeClr val="tx1"/>
+                </a:solidFill>
+                <a:latin typeface="+mn-lt"/>
+                <a:ea typeface="+mn-ea"/>
+                <a:cs typeface="+mn-cs"/>
+              </a:defRPr>
+            </a:lvl7pPr>
+            <a:lvl8pPr marL="3429000" indent="-228600" algn="l" defTabSz="914400" rtl="0" eaLnBrk="1" latinLnBrk="0" hangingPunct="1">
+              <a:lnSpc>
+                <a:spcPct val="90000"/>
+              </a:lnSpc>
+              <a:spcBef>
+                <a:spcPts val="500"/>
+              </a:spcBef>
+              <a:buFont typeface="Arial" panose="020B0604020202020204" pitchFamily="34" charset="0"/>
+              <a:buChar char="•"/>
+              <a:defRPr sz="1800" kern="1200">
+                <a:solidFill>
+                  <a:schemeClr val="tx1"/>
+                </a:solidFill>
+                <a:latin typeface="+mn-lt"/>
+                <a:ea typeface="+mn-ea"/>
+                <a:cs typeface="+mn-cs"/>
+              </a:defRPr>
+            </a:lvl8pPr>
+            <a:lvl9pPr marL="3886200" indent="-228600" algn="l" defTabSz="914400" rtl="0" eaLnBrk="1" latinLnBrk="0" hangingPunct="1">
+              <a:lnSpc>
+                <a:spcPct val="90000"/>
+              </a:lnSpc>
+              <a:spcBef>
+                <a:spcPts val="500"/>
+              </a:spcBef>
+              <a:buFont typeface="Arial" panose="020B0604020202020204" pitchFamily="34" charset="0"/>
+              <a:buChar char="•"/>
+              <a:defRPr sz="1800" kern="1200">
+                <a:solidFill>
+                  <a:schemeClr val="tx1"/>
+                </a:solidFill>
+                <a:latin typeface="+mn-lt"/>
+                <a:ea typeface="+mn-ea"/>
+                <a:cs typeface="+mn-cs"/>
+              </a:defRPr>
+            </a:lvl9pPr>
+          </a:lstStyle>
+          <a:p>
+            <a:pPr marL="0" indent="0" algn="ctr">
+              <a:spcBef>
+                <a:spcPct val="0"/>
+              </a:spcBef>
+              <a:spcAft>
+                <a:spcPct val="0"/>
+              </a:spcAft>
+              <a:buNone/>
+            </a:pPr>
+            <a:fld id="{64105A3C-3918-4CA9-B467-72F78DA07DBB}" type="datetime'''''''''''''''''''''1''''''.''8''''%'''">
+              <a:rPr lang="en-US" altLang="en-US" sz="1400" smtClean="0">
+                <a:solidFill>
+                  <a:schemeClr val="bg1"/>
+                </a:solidFill>
+                <a:effectLst/>
+              </a:rPr>
+              <a:pPr/>
+              <a:t>1.8%</a:t>
+            </a:fld>
+            <a:endParaRPr lang="en-US" sz="1400" dirty="0">
+              <a:solidFill>
+                <a:schemeClr val="bg1"/>
+              </a:solidFill>
+            </a:endParaRPr>
+          </a:p>
+        </p:txBody>
+      </p:sp>
+      <p:sp>
+        <p:nvSpPr>
           <p:cNvPr id="389" name="Text Placeholder 2">
             <a:extLst>
               <a:ext uri="{FF2B5EF4-FFF2-40B4-BE49-F238E27FC236}">
@@ -8432,13 +9476,13 @@
           </p:cNvSpPr>
           <p:nvPr>
             <p:custDataLst>
-              <p:tags r:id="rId24"/>
+              <p:tags r:id="rId26"/>
             </p:custDataLst>
           </p:nvPr>
         </p:nvSpPr>
         <p:spPr bwMode="gray">
           <a:xfrm>
-            <a:off x="7858125" y="1952625"/>
+            <a:off x="7959725" y="1893888"/>
             <a:ext cx="403225" cy="192088"/>
           </a:xfrm>
           <a:prstGeom prst="rect">
@@ -8643,470 +9687,10 @@
       </p:sp>
       <p:sp>
         <p:nvSpPr>
-          <p:cNvPr id="390" name="Text Placeholder 2">
+          <p:cNvPr id="393" name="Rectangle 392">
             <a:extLst>
               <a:ext uri="{FF2B5EF4-FFF2-40B4-BE49-F238E27FC236}">
-                <a16:creationId xmlns:a16="http://schemas.microsoft.com/office/drawing/2014/main" id="{5A361C12-95C9-5F06-4553-BA298A0D4878}"/>
-              </a:ext>
-            </a:extLst>
-          </p:cNvPr>
-          <p:cNvSpPr>
-            <a:spLocks noGrp="1"/>
-          </p:cNvSpPr>
-          <p:nvPr>
-            <p:custDataLst>
-              <p:tags r:id="rId25"/>
-            </p:custDataLst>
-          </p:nvPr>
-        </p:nvSpPr>
-        <p:spPr bwMode="gray">
-          <a:xfrm>
-            <a:off x="7864475" y="1395413"/>
-            <a:ext cx="403225" cy="192088"/>
-          </a:xfrm>
-          <a:prstGeom prst="rect">
-            <a:avLst/>
-          </a:prstGeom>
-          <a:solidFill>
-            <a:srgbClr val="C30C3E"/>
-          </a:solidFill>
-          <a:ln>
-            <a:noFill/>
-          </a:ln>
-          <a:effectLst/>
-        </p:spPr>
-        <p:txBody>
-          <a:bodyPr vert="horz" wrap="none" lIns="25400" tIns="0" rIns="25400" bIns="0" numCol="1" spcCol="0" rtlCol="0" anchor="ctr" anchorCtr="0">
-            <a:noAutofit/>
-          </a:bodyPr>
-          <a:lstStyle>
-            <a:lvl1pPr marL="228600" indent="-228600" algn="l" defTabSz="914400" rtl="0" eaLnBrk="1" latinLnBrk="0" hangingPunct="1">
-              <a:lnSpc>
-                <a:spcPct val="90000"/>
-              </a:lnSpc>
-              <a:spcBef>
-                <a:spcPts val="1000"/>
-              </a:spcBef>
-              <a:buFont typeface="Arial" panose="020B0604020202020204" pitchFamily="34" charset="0"/>
-              <a:buChar char="•"/>
-              <a:defRPr sz="2800" kern="1200">
-                <a:solidFill>
-                  <a:schemeClr val="tx1"/>
-                </a:solidFill>
-                <a:latin typeface="+mn-lt"/>
-                <a:ea typeface="+mn-ea"/>
-                <a:cs typeface="+mn-cs"/>
-              </a:defRPr>
-            </a:lvl1pPr>
-            <a:lvl2pPr marL="685800" indent="-228600" algn="l" defTabSz="914400" rtl="0" eaLnBrk="1" latinLnBrk="0" hangingPunct="1">
-              <a:lnSpc>
-                <a:spcPct val="90000"/>
-              </a:lnSpc>
-              <a:spcBef>
-                <a:spcPts val="500"/>
-              </a:spcBef>
-              <a:buFont typeface="Arial" panose="020B0604020202020204" pitchFamily="34" charset="0"/>
-              <a:buChar char="•"/>
-              <a:defRPr sz="2400" kern="1200">
-                <a:solidFill>
-                  <a:schemeClr val="tx1"/>
-                </a:solidFill>
-                <a:latin typeface="+mn-lt"/>
-                <a:ea typeface="+mn-ea"/>
-                <a:cs typeface="+mn-cs"/>
-              </a:defRPr>
-            </a:lvl2pPr>
-            <a:lvl3pPr marL="1143000" indent="-228600" algn="l" defTabSz="914400" rtl="0" eaLnBrk="1" latinLnBrk="0" hangingPunct="1">
-              <a:lnSpc>
-                <a:spcPct val="90000"/>
-              </a:lnSpc>
-              <a:spcBef>
-                <a:spcPts val="500"/>
-              </a:spcBef>
-              <a:buFont typeface="Arial" panose="020B0604020202020204" pitchFamily="34" charset="0"/>
-              <a:buChar char="•"/>
-              <a:defRPr sz="2000" kern="1200">
-                <a:solidFill>
-                  <a:schemeClr val="tx1"/>
-                </a:solidFill>
-                <a:latin typeface="+mn-lt"/>
-                <a:ea typeface="+mn-ea"/>
-                <a:cs typeface="+mn-cs"/>
-              </a:defRPr>
-            </a:lvl3pPr>
-            <a:lvl4pPr marL="1600200" indent="-228600" algn="l" defTabSz="914400" rtl="0" eaLnBrk="1" latinLnBrk="0" hangingPunct="1">
-              <a:lnSpc>
-                <a:spcPct val="90000"/>
-              </a:lnSpc>
-              <a:spcBef>
-                <a:spcPts val="500"/>
-              </a:spcBef>
-              <a:buFont typeface="Arial" panose="020B0604020202020204" pitchFamily="34" charset="0"/>
-              <a:buChar char="•"/>
-              <a:defRPr sz="1800" kern="1200">
-                <a:solidFill>
-                  <a:schemeClr val="tx1"/>
-                </a:solidFill>
-                <a:latin typeface="+mn-lt"/>
-                <a:ea typeface="+mn-ea"/>
-                <a:cs typeface="+mn-cs"/>
-              </a:defRPr>
-            </a:lvl4pPr>
-            <a:lvl5pPr marL="2057400" indent="-228600" algn="l" defTabSz="914400" rtl="0" eaLnBrk="1" latinLnBrk="0" hangingPunct="1">
-              <a:lnSpc>
-                <a:spcPct val="90000"/>
-              </a:lnSpc>
-              <a:spcBef>
-                <a:spcPts val="500"/>
-              </a:spcBef>
-              <a:buFont typeface="Arial" panose="020B0604020202020204" pitchFamily="34" charset="0"/>
-              <a:buChar char="•"/>
-              <a:defRPr sz="1800" kern="1200">
-                <a:solidFill>
-                  <a:schemeClr val="tx1"/>
-                </a:solidFill>
-                <a:latin typeface="+mn-lt"/>
-                <a:ea typeface="+mn-ea"/>
-                <a:cs typeface="+mn-cs"/>
-              </a:defRPr>
-            </a:lvl5pPr>
-            <a:lvl6pPr marL="2514600" indent="-228600" algn="l" defTabSz="914400" rtl="0" eaLnBrk="1" latinLnBrk="0" hangingPunct="1">
-              <a:lnSpc>
-                <a:spcPct val="90000"/>
-              </a:lnSpc>
-              <a:spcBef>
-                <a:spcPts val="500"/>
-              </a:spcBef>
-              <a:buFont typeface="Arial" panose="020B0604020202020204" pitchFamily="34" charset="0"/>
-              <a:buChar char="•"/>
-              <a:defRPr sz="1800" kern="1200">
-                <a:solidFill>
-                  <a:schemeClr val="tx1"/>
-                </a:solidFill>
-                <a:latin typeface="+mn-lt"/>
-                <a:ea typeface="+mn-ea"/>
-                <a:cs typeface="+mn-cs"/>
-              </a:defRPr>
-            </a:lvl6pPr>
-            <a:lvl7pPr marL="2971800" indent="-228600" algn="l" defTabSz="914400" rtl="0" eaLnBrk="1" latinLnBrk="0" hangingPunct="1">
-              <a:lnSpc>
-                <a:spcPct val="90000"/>
-              </a:lnSpc>
-              <a:spcBef>
-                <a:spcPts val="500"/>
-              </a:spcBef>
-              <a:buFont typeface="Arial" panose="020B0604020202020204" pitchFamily="34" charset="0"/>
-              <a:buChar char="•"/>
-              <a:defRPr sz="1800" kern="1200">
-                <a:solidFill>
-                  <a:schemeClr val="tx1"/>
-                </a:solidFill>
-                <a:latin typeface="+mn-lt"/>
-                <a:ea typeface="+mn-ea"/>
-                <a:cs typeface="+mn-cs"/>
-              </a:defRPr>
-            </a:lvl7pPr>
-            <a:lvl8pPr marL="3429000" indent="-228600" algn="l" defTabSz="914400" rtl="0" eaLnBrk="1" latinLnBrk="0" hangingPunct="1">
-              <a:lnSpc>
-                <a:spcPct val="90000"/>
-              </a:lnSpc>
-              <a:spcBef>
-                <a:spcPts val="500"/>
-              </a:spcBef>
-              <a:buFont typeface="Arial" panose="020B0604020202020204" pitchFamily="34" charset="0"/>
-              <a:buChar char="•"/>
-              <a:defRPr sz="1800" kern="1200">
-                <a:solidFill>
-                  <a:schemeClr val="tx1"/>
-                </a:solidFill>
-                <a:latin typeface="+mn-lt"/>
-                <a:ea typeface="+mn-ea"/>
-                <a:cs typeface="+mn-cs"/>
-              </a:defRPr>
-            </a:lvl8pPr>
-            <a:lvl9pPr marL="3886200" indent="-228600" algn="l" defTabSz="914400" rtl="0" eaLnBrk="1" latinLnBrk="0" hangingPunct="1">
-              <a:lnSpc>
-                <a:spcPct val="90000"/>
-              </a:lnSpc>
-              <a:spcBef>
-                <a:spcPts val="500"/>
-              </a:spcBef>
-              <a:buFont typeface="Arial" panose="020B0604020202020204" pitchFamily="34" charset="0"/>
-              <a:buChar char="•"/>
-              <a:defRPr sz="1800" kern="1200">
-                <a:solidFill>
-                  <a:schemeClr val="tx1"/>
-                </a:solidFill>
-                <a:latin typeface="+mn-lt"/>
-                <a:ea typeface="+mn-ea"/>
-                <a:cs typeface="+mn-cs"/>
-              </a:defRPr>
-            </a:lvl9pPr>
-          </a:lstStyle>
-          <a:p>
-            <a:pPr marL="0" indent="0" algn="ctr">
-              <a:spcBef>
-                <a:spcPct val="0"/>
-              </a:spcBef>
-              <a:spcAft>
-                <a:spcPct val="0"/>
-              </a:spcAft>
-              <a:buNone/>
-            </a:pPr>
-            <a:fld id="{776F9243-2302-4A0A-BAAC-07467FE57D56}" type="datetime'1''''.7''''''''''''''''''''''''''''''''''''''''''%'''">
-              <a:rPr lang="en-US" altLang="en-US" sz="1400" smtClean="0">
-                <a:solidFill>
-                  <a:schemeClr val="bg1"/>
-                </a:solidFill>
-                <a:effectLst/>
-              </a:rPr>
-              <a:pPr/>
-              <a:t>1.7%</a:t>
-            </a:fld>
-            <a:endParaRPr lang="en-US" sz="1400" dirty="0">
-              <a:solidFill>
-                <a:schemeClr val="bg1"/>
-              </a:solidFill>
-            </a:endParaRPr>
-          </a:p>
-        </p:txBody>
-      </p:sp>
-      <p:sp>
-        <p:nvSpPr>
-          <p:cNvPr id="391" name="Text Placeholder 2">
-            <a:extLst>
-              <a:ext uri="{FF2B5EF4-FFF2-40B4-BE49-F238E27FC236}">
-                <a16:creationId xmlns:a16="http://schemas.microsoft.com/office/drawing/2014/main" id="{9D0C0292-A91B-A51A-422D-523D00681132}"/>
-              </a:ext>
-            </a:extLst>
-          </p:cNvPr>
-          <p:cNvSpPr>
-            <a:spLocks noGrp="1"/>
-          </p:cNvSpPr>
-          <p:nvPr>
-            <p:custDataLst>
-              <p:tags r:id="rId26"/>
-            </p:custDataLst>
-          </p:nvPr>
-        </p:nvSpPr>
-        <p:spPr bwMode="gray">
-          <a:xfrm>
-            <a:off x="8069263" y="2144713"/>
-            <a:ext cx="403225" cy="192088"/>
-          </a:xfrm>
-          <a:prstGeom prst="rect">
-            <a:avLst/>
-          </a:prstGeom>
-          <a:solidFill>
-            <a:schemeClr val="accent6"/>
-          </a:solidFill>
-          <a:ln>
-            <a:noFill/>
-          </a:ln>
-          <a:effectLst/>
-        </p:spPr>
-        <p:txBody>
-          <a:bodyPr vert="horz" wrap="none" lIns="25400" tIns="0" rIns="25400" bIns="0" numCol="1" spcCol="0" rtlCol="0" anchor="ctr" anchorCtr="0">
-            <a:noAutofit/>
-          </a:bodyPr>
-          <a:lstStyle>
-            <a:lvl1pPr marL="228600" indent="-228600" algn="l" defTabSz="914400" rtl="0" eaLnBrk="1" latinLnBrk="0" hangingPunct="1">
-              <a:lnSpc>
-                <a:spcPct val="90000"/>
-              </a:lnSpc>
-              <a:spcBef>
-                <a:spcPts val="1000"/>
-              </a:spcBef>
-              <a:buFont typeface="Arial" panose="020B0604020202020204" pitchFamily="34" charset="0"/>
-              <a:buChar char="•"/>
-              <a:defRPr sz="2800" kern="1200">
-                <a:solidFill>
-                  <a:schemeClr val="tx1"/>
-                </a:solidFill>
-                <a:latin typeface="+mn-lt"/>
-                <a:ea typeface="+mn-ea"/>
-                <a:cs typeface="+mn-cs"/>
-              </a:defRPr>
-            </a:lvl1pPr>
-            <a:lvl2pPr marL="685800" indent="-228600" algn="l" defTabSz="914400" rtl="0" eaLnBrk="1" latinLnBrk="0" hangingPunct="1">
-              <a:lnSpc>
-                <a:spcPct val="90000"/>
-              </a:lnSpc>
-              <a:spcBef>
-                <a:spcPts val="500"/>
-              </a:spcBef>
-              <a:buFont typeface="Arial" panose="020B0604020202020204" pitchFamily="34" charset="0"/>
-              <a:buChar char="•"/>
-              <a:defRPr sz="2400" kern="1200">
-                <a:solidFill>
-                  <a:schemeClr val="tx1"/>
-                </a:solidFill>
-                <a:latin typeface="+mn-lt"/>
-                <a:ea typeface="+mn-ea"/>
-                <a:cs typeface="+mn-cs"/>
-              </a:defRPr>
-            </a:lvl2pPr>
-            <a:lvl3pPr marL="1143000" indent="-228600" algn="l" defTabSz="914400" rtl="0" eaLnBrk="1" latinLnBrk="0" hangingPunct="1">
-              <a:lnSpc>
-                <a:spcPct val="90000"/>
-              </a:lnSpc>
-              <a:spcBef>
-                <a:spcPts val="500"/>
-              </a:spcBef>
-              <a:buFont typeface="Arial" panose="020B0604020202020204" pitchFamily="34" charset="0"/>
-              <a:buChar char="•"/>
-              <a:defRPr sz="2000" kern="1200">
-                <a:solidFill>
-                  <a:schemeClr val="tx1"/>
-                </a:solidFill>
-                <a:latin typeface="+mn-lt"/>
-                <a:ea typeface="+mn-ea"/>
-                <a:cs typeface="+mn-cs"/>
-              </a:defRPr>
-            </a:lvl3pPr>
-            <a:lvl4pPr marL="1600200" indent="-228600" algn="l" defTabSz="914400" rtl="0" eaLnBrk="1" latinLnBrk="0" hangingPunct="1">
-              <a:lnSpc>
-                <a:spcPct val="90000"/>
-              </a:lnSpc>
-              <a:spcBef>
-                <a:spcPts val="500"/>
-              </a:spcBef>
-              <a:buFont typeface="Arial" panose="020B0604020202020204" pitchFamily="34" charset="0"/>
-              <a:buChar char="•"/>
-              <a:defRPr sz="1800" kern="1200">
-                <a:solidFill>
-                  <a:schemeClr val="tx1"/>
-                </a:solidFill>
-                <a:latin typeface="+mn-lt"/>
-                <a:ea typeface="+mn-ea"/>
-                <a:cs typeface="+mn-cs"/>
-              </a:defRPr>
-            </a:lvl4pPr>
-            <a:lvl5pPr marL="2057400" indent="-228600" algn="l" defTabSz="914400" rtl="0" eaLnBrk="1" latinLnBrk="0" hangingPunct="1">
-              <a:lnSpc>
-                <a:spcPct val="90000"/>
-              </a:lnSpc>
-              <a:spcBef>
-                <a:spcPts val="500"/>
-              </a:spcBef>
-              <a:buFont typeface="Arial" panose="020B0604020202020204" pitchFamily="34" charset="0"/>
-              <a:buChar char="•"/>
-              <a:defRPr sz="1800" kern="1200">
-                <a:solidFill>
-                  <a:schemeClr val="tx1"/>
-                </a:solidFill>
-                <a:latin typeface="+mn-lt"/>
-                <a:ea typeface="+mn-ea"/>
-                <a:cs typeface="+mn-cs"/>
-              </a:defRPr>
-            </a:lvl5pPr>
-            <a:lvl6pPr marL="2514600" indent="-228600" algn="l" defTabSz="914400" rtl="0" eaLnBrk="1" latinLnBrk="0" hangingPunct="1">
-              <a:lnSpc>
-                <a:spcPct val="90000"/>
-              </a:lnSpc>
-              <a:spcBef>
-                <a:spcPts val="500"/>
-              </a:spcBef>
-              <a:buFont typeface="Arial" panose="020B0604020202020204" pitchFamily="34" charset="0"/>
-              <a:buChar char="•"/>
-              <a:defRPr sz="1800" kern="1200">
-                <a:solidFill>
-                  <a:schemeClr val="tx1"/>
-                </a:solidFill>
-                <a:latin typeface="+mn-lt"/>
-                <a:ea typeface="+mn-ea"/>
-                <a:cs typeface="+mn-cs"/>
-              </a:defRPr>
-            </a:lvl6pPr>
-            <a:lvl7pPr marL="2971800" indent="-228600" algn="l" defTabSz="914400" rtl="0" eaLnBrk="1" latinLnBrk="0" hangingPunct="1">
-              <a:lnSpc>
-                <a:spcPct val="90000"/>
-              </a:lnSpc>
-              <a:spcBef>
-                <a:spcPts val="500"/>
-              </a:spcBef>
-              <a:buFont typeface="Arial" panose="020B0604020202020204" pitchFamily="34" charset="0"/>
-              <a:buChar char="•"/>
-              <a:defRPr sz="1800" kern="1200">
-                <a:solidFill>
-                  <a:schemeClr val="tx1"/>
-                </a:solidFill>
-                <a:latin typeface="+mn-lt"/>
-                <a:ea typeface="+mn-ea"/>
-                <a:cs typeface="+mn-cs"/>
-              </a:defRPr>
-            </a:lvl7pPr>
-            <a:lvl8pPr marL="3429000" indent="-228600" algn="l" defTabSz="914400" rtl="0" eaLnBrk="1" latinLnBrk="0" hangingPunct="1">
-              <a:lnSpc>
-                <a:spcPct val="90000"/>
-              </a:lnSpc>
-              <a:spcBef>
-                <a:spcPts val="500"/>
-              </a:spcBef>
-              <a:buFont typeface="Arial" panose="020B0604020202020204" pitchFamily="34" charset="0"/>
-              <a:buChar char="•"/>
-              <a:defRPr sz="1800" kern="1200">
-                <a:solidFill>
-                  <a:schemeClr val="tx1"/>
-                </a:solidFill>
-                <a:latin typeface="+mn-lt"/>
-                <a:ea typeface="+mn-ea"/>
-                <a:cs typeface="+mn-cs"/>
-              </a:defRPr>
-            </a:lvl8pPr>
-            <a:lvl9pPr marL="3886200" indent="-228600" algn="l" defTabSz="914400" rtl="0" eaLnBrk="1" latinLnBrk="0" hangingPunct="1">
-              <a:lnSpc>
-                <a:spcPct val="90000"/>
-              </a:lnSpc>
-              <a:spcBef>
-                <a:spcPts val="500"/>
-              </a:spcBef>
-              <a:buFont typeface="Arial" panose="020B0604020202020204" pitchFamily="34" charset="0"/>
-              <a:buChar char="•"/>
-              <a:defRPr sz="1800" kern="1200">
-                <a:solidFill>
-                  <a:schemeClr val="tx1"/>
-                </a:solidFill>
-                <a:latin typeface="+mn-lt"/>
-                <a:ea typeface="+mn-ea"/>
-                <a:cs typeface="+mn-cs"/>
-              </a:defRPr>
-            </a:lvl9pPr>
-          </a:lstStyle>
-          <a:p>
-            <a:pPr marL="0" indent="0" algn="ctr">
-              <a:spcBef>
-                <a:spcPct val="0"/>
-              </a:spcBef>
-              <a:spcAft>
-                <a:spcPct val="0"/>
-              </a:spcAft>
-              <a:buNone/>
-            </a:pPr>
-            <a:fld id="{64105A3C-3918-4CA9-B467-72F78DA07DBB}" type="datetime'''''''''''''''''''''1''''''.''8''''%'''">
-              <a:rPr lang="en-US" altLang="en-US" sz="1400" smtClean="0">
-                <a:solidFill>
-                  <a:schemeClr val="bg1"/>
-                </a:solidFill>
-                <a:effectLst/>
-              </a:rPr>
-              <a:pPr/>
-              <a:t>1.8%</a:t>
-            </a:fld>
-            <a:endParaRPr lang="en-US" sz="1400" dirty="0">
-              <a:solidFill>
-                <a:schemeClr val="bg1"/>
-              </a:solidFill>
-            </a:endParaRPr>
-          </a:p>
-        </p:txBody>
-      </p:sp>
-      <p:sp>
-        <p:nvSpPr>
-          <p:cNvPr id="394" name="Rectangle 393">
-            <a:extLst>
-              <a:ext uri="{FF2B5EF4-FFF2-40B4-BE49-F238E27FC236}">
-                <a16:creationId xmlns:a16="http://schemas.microsoft.com/office/drawing/2014/main" id="{6862160E-83C3-739C-81C9-3F8FCCDA48C6}"/>
+                <a16:creationId xmlns:a16="http://schemas.microsoft.com/office/drawing/2014/main" id="{8E7815A4-5393-807F-919E-046A6C31D741}"/>
               </a:ext>
             </a:extLst>
           </p:cNvPr>
@@ -9119,159 +9703,7 @@
         </p:nvSpPr>
         <p:spPr bwMode="auto">
           <a:xfrm>
-            <a:off x="10207625" y="1906588"/>
-            <a:ext cx="250825" cy="187325"/>
-          </a:xfrm>
-          <a:prstGeom prst="rect">
-            <a:avLst/>
-          </a:prstGeom>
-          <a:solidFill>
-            <a:schemeClr val="accent4"/>
-          </a:solidFill>
-          <a:ln w="12700" cap="flat" cmpd="sng" algn="ctr">
-            <a:noFill/>
-            <a:prstDash val="solid"/>
-            <a:miter lim="800000"/>
-            <a:headEnd type="none" w="med" len="med"/>
-            <a:tailEnd type="none" w="med" len="med"/>
-          </a:ln>
-          <a:effectLst/>
-          <a:extLst>
-            <a:ext uri="{91240B29-F687-4F45-9708-019B960494DF}">
-              <a14:hiddenLine xmlns:a14="http://schemas.microsoft.com/office/drawing/2010/main" w="12700" cap="flat" cmpd="sng" algn="ctr">
-                <a:solidFill>
-                  <a:schemeClr val="accent1">
-                    <a:shade val="50000"/>
-                  </a:schemeClr>
-                </a:solidFill>
-                <a:prstDash val="solid"/>
-                <a:miter lim="800000"/>
-                <a:headEnd type="none" w="med" len="med"/>
-                <a:tailEnd type="none" w="med" len="med"/>
-              </a14:hiddenLine>
-            </a:ext>
-          </a:extLst>
-        </p:spPr>
-        <p:style>
-          <a:lnRef idx="2">
-            <a:schemeClr val="accent1">
-              <a:shade val="50000"/>
-            </a:schemeClr>
-          </a:lnRef>
-          <a:fillRef idx="1">
-            <a:schemeClr val="accent1"/>
-          </a:fillRef>
-          <a:effectRef idx="0">
-            <a:schemeClr val="accent1"/>
-          </a:effectRef>
-          <a:fontRef idx="minor">
-            <a:schemeClr val="lt1"/>
-          </a:fontRef>
-        </p:style>
-        <p:txBody>
-          <a:bodyPr rtlCol="0" anchor="ctr"/>
-          <a:lstStyle/>
-          <a:p>
-            <a:pPr algn="ctr"/>
-            <a:endParaRPr lang="en-US"/>
-          </a:p>
-        </p:txBody>
-      </p:sp>
-      <p:sp>
-        <p:nvSpPr>
-          <p:cNvPr id="392" name="Rectangle 391">
-            <a:extLst>
-              <a:ext uri="{FF2B5EF4-FFF2-40B4-BE49-F238E27FC236}">
-                <a16:creationId xmlns:a16="http://schemas.microsoft.com/office/drawing/2014/main" id="{AC2C9A98-FE6C-C979-12CC-1FDE567E04C6}"/>
-              </a:ext>
-            </a:extLst>
-          </p:cNvPr>
-          <p:cNvSpPr/>
-          <p:nvPr>
-            <p:custDataLst>
-              <p:tags r:id="rId28"/>
-            </p:custDataLst>
-          </p:nvPr>
-        </p:nvSpPr>
-        <p:spPr bwMode="auto">
-          <a:xfrm>
-            <a:off x="10207625" y="1398588"/>
-            <a:ext cx="250825" cy="187325"/>
-          </a:xfrm>
-          <a:prstGeom prst="rect">
-            <a:avLst/>
-          </a:prstGeom>
-          <a:solidFill>
-            <a:schemeClr val="accent6"/>
-          </a:solidFill>
-          <a:ln w="12700" cap="flat" cmpd="sng" algn="ctr">
-            <a:noFill/>
-            <a:prstDash val="solid"/>
-            <a:miter lim="800000"/>
-            <a:headEnd type="none" w="med" len="med"/>
-            <a:tailEnd type="none" w="med" len="med"/>
-          </a:ln>
-          <a:effectLst/>
-          <a:extLst>
-            <a:ext uri="{91240B29-F687-4F45-9708-019B960494DF}">
-              <a14:hiddenLine xmlns:a14="http://schemas.microsoft.com/office/drawing/2010/main" w="12700" cap="flat" cmpd="sng" algn="ctr">
-                <a:solidFill>
-                  <a:schemeClr val="accent1">
-                    <a:shade val="50000"/>
-                  </a:schemeClr>
-                </a:solidFill>
-                <a:prstDash val="solid"/>
-                <a:miter lim="800000"/>
-                <a:headEnd type="none" w="med" len="med"/>
-                <a:tailEnd type="none" w="med" len="med"/>
-              </a14:hiddenLine>
-            </a:ext>
-          </a:extLst>
-        </p:spPr>
-        <p:style>
-          <a:lnRef idx="2">
-            <a:schemeClr val="accent1">
-              <a:shade val="50000"/>
-            </a:schemeClr>
-          </a:lnRef>
-          <a:fillRef idx="1">
-            <a:schemeClr val="accent1"/>
-          </a:fillRef>
-          <a:effectRef idx="0">
-            <a:schemeClr val="accent1"/>
-          </a:effectRef>
-          <a:fontRef idx="minor">
-            <a:schemeClr val="lt1"/>
-          </a:fontRef>
-        </p:style>
-        <p:txBody>
-          <a:bodyPr rtlCol="0" anchor="ctr"/>
-          <a:lstStyle/>
-          <a:p>
-            <a:pPr algn="ctr"/>
-            <a:endParaRPr lang="en-US"/>
-          </a:p>
-        </p:txBody>
-      </p:sp>
-      <p:sp>
-        <p:nvSpPr>
-          <p:cNvPr id="393" name="Rectangle 392">
-            <a:extLst>
-              <a:ext uri="{FF2B5EF4-FFF2-40B4-BE49-F238E27FC236}">
-                <a16:creationId xmlns:a16="http://schemas.microsoft.com/office/drawing/2014/main" id="{8E7815A4-5393-807F-919E-046A6C31D741}"/>
-              </a:ext>
-            </a:extLst>
-          </p:cNvPr>
-          <p:cNvSpPr/>
-          <p:nvPr>
-            <p:custDataLst>
-              <p:tags r:id="rId29"/>
-            </p:custDataLst>
-          </p:nvPr>
-        </p:nvSpPr>
-        <p:spPr bwMode="auto">
-          <a:xfrm>
-            <a:off x="10207625" y="1652588"/>
+            <a:off x="10309225" y="1652588"/>
             <a:ext cx="250825" cy="187325"/>
           </a:xfrm>
           <a:prstGeom prst="rect">
@@ -9316,30 +9748,30 @@
       </p:sp>
       <p:sp>
         <p:nvSpPr>
-          <p:cNvPr id="395" name="Rectangle 394">
+          <p:cNvPr id="392" name="Rectangle 391">
             <a:extLst>
               <a:ext uri="{FF2B5EF4-FFF2-40B4-BE49-F238E27FC236}">
-                <a16:creationId xmlns:a16="http://schemas.microsoft.com/office/drawing/2014/main" id="{57391670-30A4-EAC2-32E2-D9315693A9AC}"/>
+                <a16:creationId xmlns:a16="http://schemas.microsoft.com/office/drawing/2014/main" id="{AC2C9A98-FE6C-C979-12CC-1FDE567E04C6}"/>
               </a:ext>
             </a:extLst>
           </p:cNvPr>
           <p:cNvSpPr/>
           <p:nvPr>
             <p:custDataLst>
-              <p:tags r:id="rId30"/>
+              <p:tags r:id="rId28"/>
             </p:custDataLst>
           </p:nvPr>
         </p:nvSpPr>
         <p:spPr bwMode="auto">
           <a:xfrm>
-            <a:off x="10207625" y="2160588"/>
+            <a:off x="10309225" y="1398588"/>
             <a:ext cx="250825" cy="187325"/>
           </a:xfrm>
           <a:prstGeom prst="rect">
             <a:avLst/>
           </a:prstGeom>
           <a:solidFill>
-            <a:schemeClr val="accent3"/>
+            <a:schemeClr val="accent6"/>
           </a:solidFill>
           <a:ln w="12700" cap="flat" cmpd="sng" algn="ctr">
             <a:noFill/>
@@ -9392,30 +9824,30 @@
       </p:sp>
       <p:sp>
         <p:nvSpPr>
-          <p:cNvPr id="396" name="Rectangle 395">
+          <p:cNvPr id="394" name="Rectangle 393">
             <a:extLst>
               <a:ext uri="{FF2B5EF4-FFF2-40B4-BE49-F238E27FC236}">
-                <a16:creationId xmlns:a16="http://schemas.microsoft.com/office/drawing/2014/main" id="{7E6EDAA4-3319-9A94-5A27-347D4BF81F7F}"/>
+                <a16:creationId xmlns:a16="http://schemas.microsoft.com/office/drawing/2014/main" id="{6862160E-83C3-739C-81C9-3F8FCCDA48C6}"/>
               </a:ext>
             </a:extLst>
           </p:cNvPr>
           <p:cNvSpPr/>
           <p:nvPr>
             <p:custDataLst>
-              <p:tags r:id="rId31"/>
+              <p:tags r:id="rId29"/>
             </p:custDataLst>
           </p:nvPr>
         </p:nvSpPr>
         <p:spPr bwMode="auto">
           <a:xfrm>
-            <a:off x="10207625" y="2414588"/>
+            <a:off x="10309225" y="1906588"/>
             <a:ext cx="250825" cy="187325"/>
           </a:xfrm>
           <a:prstGeom prst="rect">
             <a:avLst/>
           </a:prstGeom>
           <a:solidFill>
-            <a:schemeClr val="accent2"/>
+            <a:schemeClr val="accent4"/>
           </a:solidFill>
           <a:ln w="12700" cap="flat" cmpd="sng" algn="ctr">
             <a:noFill/>
@@ -9468,30 +9900,30 @@
       </p:sp>
       <p:sp>
         <p:nvSpPr>
-          <p:cNvPr id="397" name="Rectangle 396">
+          <p:cNvPr id="395" name="Rectangle 394">
             <a:extLst>
               <a:ext uri="{FF2B5EF4-FFF2-40B4-BE49-F238E27FC236}">
-                <a16:creationId xmlns:a16="http://schemas.microsoft.com/office/drawing/2014/main" id="{8F139A8E-8B69-16D8-FF4D-4485EEEA81BF}"/>
+                <a16:creationId xmlns:a16="http://schemas.microsoft.com/office/drawing/2014/main" id="{57391670-30A4-EAC2-32E2-D9315693A9AC}"/>
               </a:ext>
             </a:extLst>
           </p:cNvPr>
           <p:cNvSpPr/>
           <p:nvPr>
             <p:custDataLst>
-              <p:tags r:id="rId32"/>
+              <p:tags r:id="rId30"/>
             </p:custDataLst>
           </p:nvPr>
         </p:nvSpPr>
         <p:spPr bwMode="auto">
           <a:xfrm>
-            <a:off x="10207625" y="2668588"/>
+            <a:off x="10309225" y="2160588"/>
             <a:ext cx="250825" cy="187325"/>
           </a:xfrm>
           <a:prstGeom prst="rect">
             <a:avLst/>
           </a:prstGeom>
           <a:solidFill>
-            <a:schemeClr val="accent1"/>
+            <a:schemeClr val="accent3"/>
           </a:solidFill>
           <a:ln w="12700" cap="flat" cmpd="sng" algn="ctr">
             <a:noFill/>
@@ -9544,6 +9976,158 @@
       </p:sp>
       <p:sp>
         <p:nvSpPr>
+          <p:cNvPr id="396" name="Rectangle 395">
+            <a:extLst>
+              <a:ext uri="{FF2B5EF4-FFF2-40B4-BE49-F238E27FC236}">
+                <a16:creationId xmlns:a16="http://schemas.microsoft.com/office/drawing/2014/main" id="{7E6EDAA4-3319-9A94-5A27-347D4BF81F7F}"/>
+              </a:ext>
+            </a:extLst>
+          </p:cNvPr>
+          <p:cNvSpPr/>
+          <p:nvPr>
+            <p:custDataLst>
+              <p:tags r:id="rId31"/>
+            </p:custDataLst>
+          </p:nvPr>
+        </p:nvSpPr>
+        <p:spPr bwMode="auto">
+          <a:xfrm>
+            <a:off x="10309225" y="2414588"/>
+            <a:ext cx="250825" cy="187325"/>
+          </a:xfrm>
+          <a:prstGeom prst="rect">
+            <a:avLst/>
+          </a:prstGeom>
+          <a:solidFill>
+            <a:schemeClr val="accent2"/>
+          </a:solidFill>
+          <a:ln w="12700" cap="flat" cmpd="sng" algn="ctr">
+            <a:noFill/>
+            <a:prstDash val="solid"/>
+            <a:miter lim="800000"/>
+            <a:headEnd type="none" w="med" len="med"/>
+            <a:tailEnd type="none" w="med" len="med"/>
+          </a:ln>
+          <a:effectLst/>
+          <a:extLst>
+            <a:ext uri="{91240B29-F687-4F45-9708-019B960494DF}">
+              <a14:hiddenLine xmlns:a14="http://schemas.microsoft.com/office/drawing/2010/main" w="12700" cap="flat" cmpd="sng" algn="ctr">
+                <a:solidFill>
+                  <a:schemeClr val="accent1">
+                    <a:shade val="50000"/>
+                  </a:schemeClr>
+                </a:solidFill>
+                <a:prstDash val="solid"/>
+                <a:miter lim="800000"/>
+                <a:headEnd type="none" w="med" len="med"/>
+                <a:tailEnd type="none" w="med" len="med"/>
+              </a14:hiddenLine>
+            </a:ext>
+          </a:extLst>
+        </p:spPr>
+        <p:style>
+          <a:lnRef idx="2">
+            <a:schemeClr val="accent1">
+              <a:shade val="50000"/>
+            </a:schemeClr>
+          </a:lnRef>
+          <a:fillRef idx="1">
+            <a:schemeClr val="accent1"/>
+          </a:fillRef>
+          <a:effectRef idx="0">
+            <a:schemeClr val="accent1"/>
+          </a:effectRef>
+          <a:fontRef idx="minor">
+            <a:schemeClr val="lt1"/>
+          </a:fontRef>
+        </p:style>
+        <p:txBody>
+          <a:bodyPr rtlCol="0" anchor="ctr"/>
+          <a:lstStyle/>
+          <a:p>
+            <a:pPr algn="ctr"/>
+            <a:endParaRPr lang="en-US"/>
+          </a:p>
+        </p:txBody>
+      </p:sp>
+      <p:sp>
+        <p:nvSpPr>
+          <p:cNvPr id="397" name="Rectangle 396">
+            <a:extLst>
+              <a:ext uri="{FF2B5EF4-FFF2-40B4-BE49-F238E27FC236}">
+                <a16:creationId xmlns:a16="http://schemas.microsoft.com/office/drawing/2014/main" id="{8F139A8E-8B69-16D8-FF4D-4485EEEA81BF}"/>
+              </a:ext>
+            </a:extLst>
+          </p:cNvPr>
+          <p:cNvSpPr/>
+          <p:nvPr>
+            <p:custDataLst>
+              <p:tags r:id="rId32"/>
+            </p:custDataLst>
+          </p:nvPr>
+        </p:nvSpPr>
+        <p:spPr bwMode="auto">
+          <a:xfrm>
+            <a:off x="10309225" y="2668588"/>
+            <a:ext cx="250825" cy="187325"/>
+          </a:xfrm>
+          <a:prstGeom prst="rect">
+            <a:avLst/>
+          </a:prstGeom>
+          <a:solidFill>
+            <a:schemeClr val="accent1"/>
+          </a:solidFill>
+          <a:ln w="12700" cap="flat" cmpd="sng" algn="ctr">
+            <a:noFill/>
+            <a:prstDash val="solid"/>
+            <a:miter lim="800000"/>
+            <a:headEnd type="none" w="med" len="med"/>
+            <a:tailEnd type="none" w="med" len="med"/>
+          </a:ln>
+          <a:effectLst/>
+          <a:extLst>
+            <a:ext uri="{91240B29-F687-4F45-9708-019B960494DF}">
+              <a14:hiddenLine xmlns:a14="http://schemas.microsoft.com/office/drawing/2010/main" w="12700" cap="flat" cmpd="sng" algn="ctr">
+                <a:solidFill>
+                  <a:schemeClr val="accent1">
+                    <a:shade val="50000"/>
+                  </a:schemeClr>
+                </a:solidFill>
+                <a:prstDash val="solid"/>
+                <a:miter lim="800000"/>
+                <a:headEnd type="none" w="med" len="med"/>
+                <a:tailEnd type="none" w="med" len="med"/>
+              </a14:hiddenLine>
+            </a:ext>
+          </a:extLst>
+        </p:spPr>
+        <p:style>
+          <a:lnRef idx="2">
+            <a:schemeClr val="accent1">
+              <a:shade val="50000"/>
+            </a:schemeClr>
+          </a:lnRef>
+          <a:fillRef idx="1">
+            <a:schemeClr val="accent1"/>
+          </a:fillRef>
+          <a:effectRef idx="0">
+            <a:schemeClr val="accent1"/>
+          </a:effectRef>
+          <a:fontRef idx="minor">
+            <a:schemeClr val="lt1"/>
+          </a:fontRef>
+        </p:style>
+        <p:txBody>
+          <a:bodyPr rtlCol="0" anchor="ctr"/>
+          <a:lstStyle/>
+          <a:p>
+            <a:pPr algn="ctr"/>
+            <a:endParaRPr lang="en-US"/>
+          </a:p>
+        </p:txBody>
+      </p:sp>
+      <p:sp>
+        <p:nvSpPr>
           <p:cNvPr id="398" name="Text Placeholder 2">
             <a:extLst>
               <a:ext uri="{FF2B5EF4-FFF2-40B4-BE49-F238E27FC236}">
@@ -9562,7 +10146,7 @@
         </p:nvSpPr>
         <p:spPr bwMode="auto">
           <a:xfrm>
-            <a:off x="10509250" y="1409700"/>
+            <a:off x="10610850" y="1409700"/>
             <a:ext cx="1627188" cy="192088"/>
           </a:xfrm>
           <a:prstGeom prst="rect">
@@ -9790,7 +10374,7 @@
         </p:nvSpPr>
         <p:spPr bwMode="auto">
           <a:xfrm>
-            <a:off x="10509250" y="1663700"/>
+            <a:off x="10610850" y="1663700"/>
             <a:ext cx="955675" cy="192088"/>
           </a:xfrm>
           <a:prstGeom prst="rect">
@@ -10018,7 +10602,7 @@
         </p:nvSpPr>
         <p:spPr bwMode="auto">
           <a:xfrm>
-            <a:off x="10509250" y="1917700"/>
+            <a:off x="10610850" y="1917700"/>
             <a:ext cx="863600" cy="192088"/>
           </a:xfrm>
           <a:prstGeom prst="rect">
@@ -10246,7 +10830,7 @@
         </p:nvSpPr>
         <p:spPr bwMode="auto">
           <a:xfrm>
-            <a:off x="10509250" y="2171700"/>
+            <a:off x="10610850" y="2171700"/>
             <a:ext cx="1089025" cy="192088"/>
           </a:xfrm>
           <a:prstGeom prst="rect">
@@ -10474,7 +11058,7 @@
         </p:nvSpPr>
         <p:spPr bwMode="auto">
           <a:xfrm>
-            <a:off x="10509250" y="2425700"/>
+            <a:off x="10610850" y="2425700"/>
             <a:ext cx="974725" cy="192088"/>
           </a:xfrm>
           <a:prstGeom prst="rect">
@@ -10702,7 +11286,7 @@
         </p:nvSpPr>
         <p:spPr bwMode="auto">
           <a:xfrm>
-            <a:off x="10509250" y="2679700"/>
+            <a:off x="10610850" y="2679700"/>
             <a:ext cx="1917700" cy="192088"/>
           </a:xfrm>
           <a:prstGeom prst="rect">
@@ -10930,7 +11514,7 @@
         </p:nvSpPr>
         <p:spPr bwMode="auto">
           <a:xfrm>
-            <a:off x="8012113" y="2870200"/>
+            <a:off x="8113713" y="2870200"/>
             <a:ext cx="600075" cy="193675"/>
           </a:xfrm>
           <a:prstGeom prst="rect">
@@ -11176,7 +11760,7 @@
 
 <file path=ppt/tags/tag11.xml><?xml version="1.0" encoding="utf-8"?>
 <p:tagLst xmlns:a="http://schemas.openxmlformats.org/drawingml/2006/main" xmlns:r="http://schemas.openxmlformats.org/officeDocument/2006/relationships" xmlns:p="http://schemas.openxmlformats.org/presentationml/2006/main">
-  <p:tag name="THINKCELLSHAPEDONOTDELETE" val="tvdPJ2BK_KDRRTG8YJTFUtw"/>
+  <p:tag name="THINKCELLSHAPEDONOTDELETE" val="tD9L9gK2CGfz0AdCUjf4mbQ"/>
 </p:tagLst>
 </file>
 
@@ -11188,13 +11772,13 @@
 
 <file path=ppt/tags/tag13.xml><?xml version="1.0" encoding="utf-8"?>
 <p:tagLst xmlns:a="http://schemas.openxmlformats.org/drawingml/2006/main" xmlns:r="http://schemas.openxmlformats.org/officeDocument/2006/relationships" xmlns:p="http://schemas.openxmlformats.org/presentationml/2006/main">
-  <p:tag name="THINKCELLSHAPEDONOTDELETE" val="tD9L9gK2CGfz0AdCUjf4mbQ"/>
+  <p:tag name="THINKCELLSHAPEDONOTDELETE" val="tFkxyhVvpj08rEHZ6v406Qw"/>
 </p:tagLst>
 </file>
 
 <file path=ppt/tags/tag14.xml><?xml version="1.0" encoding="utf-8"?>
 <p:tagLst xmlns:a="http://schemas.openxmlformats.org/drawingml/2006/main" xmlns:r="http://schemas.openxmlformats.org/officeDocument/2006/relationships" xmlns:p="http://schemas.openxmlformats.org/presentationml/2006/main">
-  <p:tag name="THINKCELLSHAPEDONOTDELETE" val="tFkxyhVvpj08rEHZ6v406Qw"/>
+  <p:tag name="THINKCELLSHAPEDONOTDELETE" val="tvdPJ2BK_KDRRTG8YJTFUtw"/>
 </p:tagLst>
 </file>
 
@@ -11212,7 +11796,7 @@
 
 <file path=ppt/tags/tag17.xml><?xml version="1.0" encoding="utf-8"?>
 <p:tagLst xmlns:a="http://schemas.openxmlformats.org/drawingml/2006/main" xmlns:r="http://schemas.openxmlformats.org/officeDocument/2006/relationships" xmlns:p="http://schemas.openxmlformats.org/presentationml/2006/main">
-  <p:tag name="THINKCELLSHAPEDONOTDELETE" val="tyZE1tDnQd7FxTbiKg7kkZA"/>
+  <p:tag name="THINKCELLSHAPEDONOTDELETE" val="tzZ5CvW_zle8fF_ZRmVF2CA"/>
 </p:tagLst>
 </file>
 
@@ -11224,7 +11808,7 @@
 
 <file path=ppt/tags/tag19.xml><?xml version="1.0" encoding="utf-8"?>
 <p:tagLst xmlns:a="http://schemas.openxmlformats.org/drawingml/2006/main" xmlns:r="http://schemas.openxmlformats.org/officeDocument/2006/relationships" xmlns:p="http://schemas.openxmlformats.org/presentationml/2006/main">
-  <p:tag name="THINKCELLSHAPEDONOTDELETE" val="tzZ5CvW_zle8fF_ZRmVF2CA"/>
+  <p:tag name="THINKCELLSHAPEDONOTDELETE" val="tktWMyF0DecPPTK46OiubkA"/>
 </p:tagLst>
 </file>
 
@@ -11236,19 +11820,19 @@
 
 <file path=ppt/tags/tag20.xml><?xml version="1.0" encoding="utf-8"?>
 <p:tagLst xmlns:a="http://schemas.openxmlformats.org/drawingml/2006/main" xmlns:r="http://schemas.openxmlformats.org/officeDocument/2006/relationships" xmlns:p="http://schemas.openxmlformats.org/presentationml/2006/main">
-  <p:tag name="THINKCELLSHAPEDONOTDELETE" val="tBbNqyGvHEuy8wY.kgnWKLg"/>
+  <p:tag name="THINKCELLSHAPEDONOTDELETE" val="tyln1E3o3AIWKRuquQTi6xg"/>
 </p:tagLst>
 </file>
 
 <file path=ppt/tags/tag21.xml><?xml version="1.0" encoding="utf-8"?>
 <p:tagLst xmlns:a="http://schemas.openxmlformats.org/drawingml/2006/main" xmlns:r="http://schemas.openxmlformats.org/officeDocument/2006/relationships" xmlns:p="http://schemas.openxmlformats.org/presentationml/2006/main">
-  <p:tag name="THINKCELLSHAPEDONOTDELETE" val="tktWMyF0DecPPTK46OiubkA"/>
+  <p:tag name="THINKCELLSHAPEDONOTDELETE" val="tyZE1tDnQd7FxTbiKg7kkZA"/>
 </p:tagLst>
 </file>
 
 <file path=ppt/tags/tag22.xml><?xml version="1.0" encoding="utf-8"?>
 <p:tagLst xmlns:a="http://schemas.openxmlformats.org/drawingml/2006/main" xmlns:r="http://schemas.openxmlformats.org/officeDocument/2006/relationships" xmlns:p="http://schemas.openxmlformats.org/presentationml/2006/main">
-  <p:tag name="THINKCELLSHAPEDONOTDELETE" val="tyln1E3o3AIWKRuquQTi6xg"/>
+  <p:tag name="THINKCELLSHAPEDONOTDELETE" val="tBbNqyGvHEuy8wY.kgnWKLg"/>
 </p:tagLst>
 </file>
 
@@ -11266,31 +11850,31 @@
 
 <file path=ppt/tags/tag25.xml><?xml version="1.0" encoding="utf-8"?>
 <p:tagLst xmlns:a="http://schemas.openxmlformats.org/drawingml/2006/main" xmlns:r="http://schemas.openxmlformats.org/officeDocument/2006/relationships" xmlns:p="http://schemas.openxmlformats.org/presentationml/2006/main">
-  <p:tag name="THINKCELLSHAPEDONOTDELETE" val="tqrDDi9IDWQreswKEvcZYHQ"/>
+  <p:tag name="THINKCELLSHAPEDONOTDELETE" val="tvFJcEFCa6e7KuRyAfU_cAA"/>
 </p:tagLst>
 </file>
 
 <file path=ppt/tags/tag26.xml><?xml version="1.0" encoding="utf-8"?>
 <p:tagLst xmlns:a="http://schemas.openxmlformats.org/drawingml/2006/main" xmlns:r="http://schemas.openxmlformats.org/officeDocument/2006/relationships" xmlns:p="http://schemas.openxmlformats.org/presentationml/2006/main">
-  <p:tag name="THINKCELLSHAPEDONOTDELETE" val="tJj230LI.fgbdLzvwwPEIQw"/>
+  <p:tag name="THINKCELLSHAPEDONOTDELETE" val="tqrDDi9IDWQreswKEvcZYHQ"/>
 </p:tagLst>
 </file>
 
 <file path=ppt/tags/tag27.xml><?xml version="1.0" encoding="utf-8"?>
 <p:tagLst xmlns:a="http://schemas.openxmlformats.org/drawingml/2006/main" xmlns:r="http://schemas.openxmlformats.org/officeDocument/2006/relationships" xmlns:p="http://schemas.openxmlformats.org/presentationml/2006/main">
-  <p:tag name="THINKCELLSHAPEDONOTDELETE" val="tvFJcEFCa6e7KuRyAfU_cAA"/>
+  <p:tag name="THINKCELLSHAPEDONOTDELETE" val="t46twseCPXrfgiJebg.3kJQ"/>
 </p:tagLst>
 </file>
 
 <file path=ppt/tags/tag28.xml><?xml version="1.0" encoding="utf-8"?>
 <p:tagLst xmlns:a="http://schemas.openxmlformats.org/drawingml/2006/main" xmlns:r="http://schemas.openxmlformats.org/officeDocument/2006/relationships" xmlns:p="http://schemas.openxmlformats.org/presentationml/2006/main">
-  <p:tag name="THINKCELLSHAPEDONOTDELETE" val="t46twseCPXrfgiJebg.3kJQ"/>
+  <p:tag name="THINKCELLSHAPEDONOTDELETE" val="tJj230LI.fgbdLzvwwPEIQw"/>
 </p:tagLst>
 </file>
 
 <file path=ppt/tags/tag29.xml><?xml version="1.0" encoding="utf-8"?>
 <p:tagLst xmlns:a="http://schemas.openxmlformats.org/drawingml/2006/main" xmlns:r="http://schemas.openxmlformats.org/officeDocument/2006/relationships" xmlns:p="http://schemas.openxmlformats.org/presentationml/2006/main">
-  <p:tag name="THINKCELLSHAPEDONOTDELETE" val="tDkNdLW.GKmbF52DfGrZ6Kg"/>
+  <p:tag name="THINKCELLSHAPEDONOTDELETE" val="tdVnhjOCVIFBxw9bDKZpRWQ"/>
 </p:tagLst>
 </file>
 
@@ -11308,7 +11892,7 @@
 
 <file path=ppt/tags/tag31.xml><?xml version="1.0" encoding="utf-8"?>
 <p:tagLst xmlns:a="http://schemas.openxmlformats.org/drawingml/2006/main" xmlns:r="http://schemas.openxmlformats.org/officeDocument/2006/relationships" xmlns:p="http://schemas.openxmlformats.org/presentationml/2006/main">
-  <p:tag name="THINKCELLSHAPEDONOTDELETE" val="tdVnhjOCVIFBxw9bDKZpRWQ"/>
+  <p:tag name="THINKCELLSHAPEDONOTDELETE" val="tDkNdLW.GKmbF52DfGrZ6Kg"/>
 </p:tagLst>
 </file>
 
@@ -11380,13 +11964,13 @@
 
 <file path=ppt/tags/tag5.xml><?xml version="1.0" encoding="utf-8"?>
 <p:tagLst xmlns:a="http://schemas.openxmlformats.org/drawingml/2006/main" xmlns:r="http://schemas.openxmlformats.org/officeDocument/2006/relationships" xmlns:p="http://schemas.openxmlformats.org/presentationml/2006/main">
-  <p:tag name="THINKCELLSHAPEDONOTDELETE" val="t.o6Lm6qFyriJXzewWg3nRw"/>
+  <p:tag name="THINKCELLSHAPEDONOTDELETE" val="tQeM1bSm56yWwcBVqMHEtDg"/>
 </p:tagLst>
 </file>
 
 <file path=ppt/tags/tag6.xml><?xml version="1.0" encoding="utf-8"?>
 <p:tagLst xmlns:a="http://schemas.openxmlformats.org/drawingml/2006/main" xmlns:r="http://schemas.openxmlformats.org/officeDocument/2006/relationships" xmlns:p="http://schemas.openxmlformats.org/presentationml/2006/main">
-  <p:tag name="THINKCELLSHAPEDONOTDELETE" val="tQeM1bSm56yWwcBVqMHEtDg"/>
+  <p:tag name="THINKCELLSHAPEDONOTDELETE" val="t.o6Lm6qFyriJXzewWg3nRw"/>
 </p:tagLst>
 </file>
 
